--- a/Rviz/R Visualization and Data Manipulation.pptx
+++ b/Rviz/R Visualization and Data Manipulation.pptx
@@ -5,17 +5,23 @@
     <p:sldMasterId id="2147483707" r:id="rId1"/>
   </p:sldMasterIdLst>
   <p:notesMasterIdLst>
-    <p:notesMasterId r:id="rId10"/>
+    <p:notesMasterId r:id="rId16"/>
   </p:notesMasterIdLst>
   <p:sldIdLst>
     <p:sldId id="266" r:id="rId2"/>
     <p:sldId id="273" r:id="rId3"/>
     <p:sldId id="264" r:id="rId4"/>
-    <p:sldId id="270" r:id="rId5"/>
-    <p:sldId id="269" r:id="rId6"/>
-    <p:sldId id="271" r:id="rId7"/>
-    <p:sldId id="268" r:id="rId8"/>
-    <p:sldId id="272" r:id="rId9"/>
+    <p:sldId id="274" r:id="rId5"/>
+    <p:sldId id="275" r:id="rId6"/>
+    <p:sldId id="276" r:id="rId7"/>
+    <p:sldId id="277" r:id="rId8"/>
+    <p:sldId id="278" r:id="rId9"/>
+    <p:sldId id="279" r:id="rId10"/>
+    <p:sldId id="270" r:id="rId11"/>
+    <p:sldId id="269" r:id="rId12"/>
+    <p:sldId id="271" r:id="rId13"/>
+    <p:sldId id="268" r:id="rId14"/>
+    <p:sldId id="272" r:id="rId15"/>
   </p:sldIdLst>
   <p:sldSz cx="12192000" cy="6858000"/>
   <p:notesSz cx="6858000" cy="9144000"/>
@@ -661,7 +667,7 @@
           <a:p>
             <a:fld id="{D46E3B93-8523-4DBC-8FC5-65A9B9CDE5EE}" type="datetimeFigureOut">
               <a:rPr lang="en-US" smtClean="0"/>
-              <a:t>6/19/2019</a:t>
+              <a:t>6/25/2019</a:t>
             </a:fld>
             <a:endParaRPr lang="en-US"/>
           </a:p>
@@ -1057,7 +1063,7 @@
           <a:p>
             <a:fld id="{CE8F6EB4-B6EF-44F6-BBD1-CD5E279CFAE2}" type="datetime4">
               <a:rPr lang="en-US" smtClean="0"/>
-              <a:t>June 19, 2019</a:t>
+              <a:t>June 25, 2019</a:t>
             </a:fld>
             <a:endParaRPr lang="en-US" dirty="0"/>
           </a:p>
@@ -1123,6 +1129,1912 @@
 </file>
 
 <file path=ppt/slideLayouts/slideLayout10.xml><?xml version="1.0" encoding="utf-8"?>
+<p:sldLayout xmlns:a="http://schemas.openxmlformats.org/drawingml/2006/main" xmlns:r="http://schemas.openxmlformats.org/officeDocument/2006/relationships" xmlns:p="http://schemas.openxmlformats.org/presentationml/2006/main" type="secHead" preserve="1">
+  <p:cSld name="Section Header_readr">
+    <p:spTree>
+      <p:nvGrpSpPr>
+        <p:cNvPr id="1" name=""/>
+        <p:cNvGrpSpPr/>
+        <p:nvPr/>
+      </p:nvGrpSpPr>
+      <p:grpSpPr>
+        <a:xfrm>
+          <a:off x="0" y="0"/>
+          <a:ext cx="0" cy="0"/>
+          <a:chOff x="0" y="0"/>
+          <a:chExt cx="0" cy="0"/>
+        </a:xfrm>
+      </p:grpSpPr>
+      <p:sp>
+        <p:nvSpPr>
+          <p:cNvPr id="2" name="Title 1"/>
+          <p:cNvSpPr>
+            <a:spLocks noGrp="1"/>
+          </p:cNvSpPr>
+          <p:nvPr>
+            <p:ph type="title"/>
+          </p:nvPr>
+        </p:nvSpPr>
+        <p:spPr>
+          <a:xfrm>
+            <a:off x="831850" y="1709738"/>
+            <a:ext cx="10515600" cy="2852737"/>
+          </a:xfrm>
+        </p:spPr>
+        <p:txBody>
+          <a:bodyPr anchor="b"/>
+          <a:lstStyle>
+            <a:lvl1pPr>
+              <a:defRPr sz="6000"/>
+            </a:lvl1pPr>
+          </a:lstStyle>
+          <a:p>
+            <a:r>
+              <a:rPr lang="en-US"/>
+              <a:t>Click to edit Master title style</a:t>
+            </a:r>
+          </a:p>
+        </p:txBody>
+      </p:sp>
+      <p:sp>
+        <p:nvSpPr>
+          <p:cNvPr id="3" name="Text Placeholder 2"/>
+          <p:cNvSpPr>
+            <a:spLocks noGrp="1"/>
+          </p:cNvSpPr>
+          <p:nvPr>
+            <p:ph type="body" idx="1"/>
+          </p:nvPr>
+        </p:nvSpPr>
+        <p:spPr>
+          <a:xfrm>
+            <a:off x="831850" y="4589463"/>
+            <a:ext cx="10515600" cy="1500187"/>
+          </a:xfrm>
+        </p:spPr>
+        <p:txBody>
+          <a:bodyPr/>
+          <a:lstStyle>
+            <a:lvl1pPr marL="0" indent="0">
+              <a:buNone/>
+              <a:defRPr sz="2400">
+                <a:solidFill>
+                  <a:schemeClr val="tx1">
+                    <a:tint val="75000"/>
+                  </a:schemeClr>
+                </a:solidFill>
+              </a:defRPr>
+            </a:lvl1pPr>
+            <a:lvl2pPr marL="457200" indent="0">
+              <a:buNone/>
+              <a:defRPr sz="2000">
+                <a:solidFill>
+                  <a:schemeClr val="tx1">
+                    <a:tint val="75000"/>
+                  </a:schemeClr>
+                </a:solidFill>
+              </a:defRPr>
+            </a:lvl2pPr>
+            <a:lvl3pPr marL="914400" indent="0">
+              <a:buNone/>
+              <a:defRPr sz="1800">
+                <a:solidFill>
+                  <a:schemeClr val="tx1">
+                    <a:tint val="75000"/>
+                  </a:schemeClr>
+                </a:solidFill>
+              </a:defRPr>
+            </a:lvl3pPr>
+            <a:lvl4pPr marL="1371600" indent="0">
+              <a:buNone/>
+              <a:defRPr sz="1600">
+                <a:solidFill>
+                  <a:schemeClr val="tx1">
+                    <a:tint val="75000"/>
+                  </a:schemeClr>
+                </a:solidFill>
+              </a:defRPr>
+            </a:lvl4pPr>
+            <a:lvl5pPr marL="1828800" indent="0">
+              <a:buNone/>
+              <a:defRPr sz="1600">
+                <a:solidFill>
+                  <a:schemeClr val="tx1">
+                    <a:tint val="75000"/>
+                  </a:schemeClr>
+                </a:solidFill>
+              </a:defRPr>
+            </a:lvl5pPr>
+            <a:lvl6pPr marL="2286000" indent="0">
+              <a:buNone/>
+              <a:defRPr sz="1600">
+                <a:solidFill>
+                  <a:schemeClr val="tx1">
+                    <a:tint val="75000"/>
+                  </a:schemeClr>
+                </a:solidFill>
+              </a:defRPr>
+            </a:lvl6pPr>
+            <a:lvl7pPr marL="2743200" indent="0">
+              <a:buNone/>
+              <a:defRPr sz="1600">
+                <a:solidFill>
+                  <a:schemeClr val="tx1">
+                    <a:tint val="75000"/>
+                  </a:schemeClr>
+                </a:solidFill>
+              </a:defRPr>
+            </a:lvl7pPr>
+            <a:lvl8pPr marL="3200400" indent="0">
+              <a:buNone/>
+              <a:defRPr sz="1600">
+                <a:solidFill>
+                  <a:schemeClr val="tx1">
+                    <a:tint val="75000"/>
+                  </a:schemeClr>
+                </a:solidFill>
+              </a:defRPr>
+            </a:lvl8pPr>
+            <a:lvl9pPr marL="3657600" indent="0">
+              <a:buNone/>
+              <a:defRPr sz="1600">
+                <a:solidFill>
+                  <a:schemeClr val="tx1">
+                    <a:tint val="75000"/>
+                  </a:schemeClr>
+                </a:solidFill>
+              </a:defRPr>
+            </a:lvl9pPr>
+          </a:lstStyle>
+          <a:p>
+            <a:pPr lvl="0"/>
+            <a:r>
+              <a:rPr lang="en-US"/>
+              <a:t>Edit Master text styles</a:t>
+            </a:r>
+          </a:p>
+        </p:txBody>
+      </p:sp>
+      <p:sp>
+        <p:nvSpPr>
+          <p:cNvPr id="4" name="Date Placeholder 3"/>
+          <p:cNvSpPr>
+            <a:spLocks noGrp="1"/>
+          </p:cNvSpPr>
+          <p:nvPr>
+            <p:ph type="dt" sz="half" idx="10"/>
+          </p:nvPr>
+        </p:nvSpPr>
+        <p:spPr/>
+        <p:txBody>
+          <a:bodyPr/>
+          <a:lstStyle/>
+          <a:p>
+            <a:fld id="{B08FEED8-D7D4-44E9-BFBC-ED06B5996D94}" type="datetime4">
+              <a:rPr lang="en-US" smtClean="0"/>
+              <a:t>June 25, 2019</a:t>
+            </a:fld>
+            <a:endParaRPr lang="en-US" dirty="0"/>
+          </a:p>
+        </p:txBody>
+      </p:sp>
+      <p:sp>
+        <p:nvSpPr>
+          <p:cNvPr id="5" name="Footer Placeholder 4"/>
+          <p:cNvSpPr>
+            <a:spLocks noGrp="1"/>
+          </p:cNvSpPr>
+          <p:nvPr>
+            <p:ph type="ftr" sz="quarter" idx="11"/>
+          </p:nvPr>
+        </p:nvSpPr>
+        <p:spPr/>
+        <p:txBody>
+          <a:bodyPr/>
+          <a:lstStyle/>
+          <a:p>
+            <a:r>
+              <a:rPr lang="en-US" dirty="0"/>
+              <a:t>Digital Scholarship Services </a:t>
+            </a:r>
+            <a:r>
+              <a:rPr lang="en-US" dirty="0">
+                <a:solidFill>
+                  <a:schemeClr val="accent1">
+                    <a:lumMod val="50000"/>
+                  </a:schemeClr>
+                </a:solidFill>
+              </a:rPr>
+              <a:t>| Email</a:t>
+            </a:r>
+            <a:r>
+              <a:rPr lang="en-US" dirty="0"/>
+              <a:t> cf24@rice.edu </a:t>
+            </a:r>
+            <a:r>
+              <a:rPr lang="en-US" dirty="0">
+                <a:solidFill>
+                  <a:schemeClr val="accent1">
+                    <a:lumMod val="50000"/>
+                  </a:schemeClr>
+                </a:solidFill>
+              </a:rPr>
+              <a:t>|</a:t>
+            </a:r>
+            <a:r>
+              <a:rPr lang="en-US" dirty="0"/>
+              <a:t> library.rice.edu/</a:t>
+            </a:r>
+            <a:r>
+              <a:rPr lang="en-US" dirty="0" err="1"/>
+              <a:t>dss</a:t>
+            </a:r>
+            <a:endParaRPr lang="en-US" dirty="0"/>
+          </a:p>
+        </p:txBody>
+      </p:sp>
+      <p:sp>
+        <p:nvSpPr>
+          <p:cNvPr id="6" name="Slide Number Placeholder 5"/>
+          <p:cNvSpPr>
+            <a:spLocks noGrp="1"/>
+          </p:cNvSpPr>
+          <p:nvPr>
+            <p:ph type="sldNum" sz="quarter" idx="12"/>
+          </p:nvPr>
+        </p:nvSpPr>
+        <p:spPr/>
+        <p:txBody>
+          <a:bodyPr/>
+          <a:lstStyle/>
+          <a:p>
+            <a:fld id="{D57F1E4F-1CFF-5643-939E-02111984F565}" type="slidenum">
+              <a:rPr lang="en-US" smtClean="0"/>
+              <a:t>‹#›</a:t>
+            </a:fld>
+            <a:endParaRPr lang="en-US" dirty="0"/>
+          </a:p>
+        </p:txBody>
+      </p:sp>
+      <p:pic>
+        <p:nvPicPr>
+          <p:cNvPr id="2050" name="Picture 2" descr="https://raw.githubusercontent.com/rstudio/hex-stickers/master/PNG/readr.png"/>
+          <p:cNvPicPr>
+            <a:picLocks noChangeAspect="1" noChangeArrowheads="1"/>
+          </p:cNvPicPr>
+          <p:nvPr userDrawn="1"/>
+        </p:nvPicPr>
+        <p:blipFill>
+          <a:blip r:embed="rId2">
+            <a:extLst>
+              <a:ext uri="{28A0092B-C50C-407E-A947-70E740481C1C}">
+                <a14:useLocalDpi xmlns:a14="http://schemas.microsoft.com/office/drawing/2010/main" val="0"/>
+              </a:ext>
+            </a:extLst>
+          </a:blip>
+          <a:srcRect/>
+          <a:stretch>
+            <a:fillRect/>
+          </a:stretch>
+        </p:blipFill>
+        <p:spPr bwMode="auto">
+          <a:xfrm>
+            <a:off x="9568873" y="2500906"/>
+            <a:ext cx="1778577" cy="2061570"/>
+          </a:xfrm>
+          <a:prstGeom prst="rect">
+            <a:avLst/>
+          </a:prstGeom>
+          <a:noFill/>
+          <a:extLst>
+            <a:ext uri="{909E8E84-426E-40DD-AFC4-6F175D3DCCD1}">
+              <a14:hiddenFill xmlns:a14="http://schemas.microsoft.com/office/drawing/2010/main">
+                <a:solidFill>
+                  <a:srgbClr val="FFFFFF"/>
+                </a:solidFill>
+              </a14:hiddenFill>
+            </a:ext>
+          </a:extLst>
+        </p:spPr>
+      </p:pic>
+    </p:spTree>
+    <p:extLst>
+      <p:ext uri="{BB962C8B-B14F-4D97-AF65-F5344CB8AC3E}">
+        <p14:creationId xmlns:p14="http://schemas.microsoft.com/office/powerpoint/2010/main" val="1151142088"/>
+      </p:ext>
+    </p:extLst>
+  </p:cSld>
+  <p:clrMapOvr>
+    <a:masterClrMapping/>
+  </p:clrMapOvr>
+</p:sldLayout>
+</file>
+
+<file path=ppt/slideLayouts/slideLayout11.xml><?xml version="1.0" encoding="utf-8"?>
+<p:sldLayout xmlns:a="http://schemas.openxmlformats.org/drawingml/2006/main" xmlns:r="http://schemas.openxmlformats.org/officeDocument/2006/relationships" xmlns:p="http://schemas.openxmlformats.org/presentationml/2006/main" type="secHead" preserve="1">
+  <p:cSld name="Section Header_dplyr">
+    <p:spTree>
+      <p:nvGrpSpPr>
+        <p:cNvPr id="1" name=""/>
+        <p:cNvGrpSpPr/>
+        <p:nvPr/>
+      </p:nvGrpSpPr>
+      <p:grpSpPr>
+        <a:xfrm>
+          <a:off x="0" y="0"/>
+          <a:ext cx="0" cy="0"/>
+          <a:chOff x="0" y="0"/>
+          <a:chExt cx="0" cy="0"/>
+        </a:xfrm>
+      </p:grpSpPr>
+      <p:sp>
+        <p:nvSpPr>
+          <p:cNvPr id="2" name="Title 1"/>
+          <p:cNvSpPr>
+            <a:spLocks noGrp="1"/>
+          </p:cNvSpPr>
+          <p:nvPr>
+            <p:ph type="title"/>
+          </p:nvPr>
+        </p:nvSpPr>
+        <p:spPr>
+          <a:xfrm>
+            <a:off x="831850" y="1709738"/>
+            <a:ext cx="10515600" cy="2852737"/>
+          </a:xfrm>
+        </p:spPr>
+        <p:txBody>
+          <a:bodyPr anchor="b"/>
+          <a:lstStyle>
+            <a:lvl1pPr>
+              <a:defRPr sz="6000"/>
+            </a:lvl1pPr>
+          </a:lstStyle>
+          <a:p>
+            <a:r>
+              <a:rPr lang="en-US"/>
+              <a:t>Click to edit Master title style</a:t>
+            </a:r>
+          </a:p>
+        </p:txBody>
+      </p:sp>
+      <p:sp>
+        <p:nvSpPr>
+          <p:cNvPr id="3" name="Text Placeholder 2"/>
+          <p:cNvSpPr>
+            <a:spLocks noGrp="1"/>
+          </p:cNvSpPr>
+          <p:nvPr>
+            <p:ph type="body" idx="1"/>
+          </p:nvPr>
+        </p:nvSpPr>
+        <p:spPr>
+          <a:xfrm>
+            <a:off x="831850" y="4589463"/>
+            <a:ext cx="10515600" cy="1500187"/>
+          </a:xfrm>
+        </p:spPr>
+        <p:txBody>
+          <a:bodyPr/>
+          <a:lstStyle>
+            <a:lvl1pPr marL="0" indent="0">
+              <a:buNone/>
+              <a:defRPr sz="2400">
+                <a:solidFill>
+                  <a:schemeClr val="tx1">
+                    <a:tint val="75000"/>
+                  </a:schemeClr>
+                </a:solidFill>
+              </a:defRPr>
+            </a:lvl1pPr>
+            <a:lvl2pPr marL="457200" indent="0">
+              <a:buNone/>
+              <a:defRPr sz="2000">
+                <a:solidFill>
+                  <a:schemeClr val="tx1">
+                    <a:tint val="75000"/>
+                  </a:schemeClr>
+                </a:solidFill>
+              </a:defRPr>
+            </a:lvl2pPr>
+            <a:lvl3pPr marL="914400" indent="0">
+              <a:buNone/>
+              <a:defRPr sz="1800">
+                <a:solidFill>
+                  <a:schemeClr val="tx1">
+                    <a:tint val="75000"/>
+                  </a:schemeClr>
+                </a:solidFill>
+              </a:defRPr>
+            </a:lvl3pPr>
+            <a:lvl4pPr marL="1371600" indent="0">
+              <a:buNone/>
+              <a:defRPr sz="1600">
+                <a:solidFill>
+                  <a:schemeClr val="tx1">
+                    <a:tint val="75000"/>
+                  </a:schemeClr>
+                </a:solidFill>
+              </a:defRPr>
+            </a:lvl4pPr>
+            <a:lvl5pPr marL="1828800" indent="0">
+              <a:buNone/>
+              <a:defRPr sz="1600">
+                <a:solidFill>
+                  <a:schemeClr val="tx1">
+                    <a:tint val="75000"/>
+                  </a:schemeClr>
+                </a:solidFill>
+              </a:defRPr>
+            </a:lvl5pPr>
+            <a:lvl6pPr marL="2286000" indent="0">
+              <a:buNone/>
+              <a:defRPr sz="1600">
+                <a:solidFill>
+                  <a:schemeClr val="tx1">
+                    <a:tint val="75000"/>
+                  </a:schemeClr>
+                </a:solidFill>
+              </a:defRPr>
+            </a:lvl6pPr>
+            <a:lvl7pPr marL="2743200" indent="0">
+              <a:buNone/>
+              <a:defRPr sz="1600">
+                <a:solidFill>
+                  <a:schemeClr val="tx1">
+                    <a:tint val="75000"/>
+                  </a:schemeClr>
+                </a:solidFill>
+              </a:defRPr>
+            </a:lvl7pPr>
+            <a:lvl8pPr marL="3200400" indent="0">
+              <a:buNone/>
+              <a:defRPr sz="1600">
+                <a:solidFill>
+                  <a:schemeClr val="tx1">
+                    <a:tint val="75000"/>
+                  </a:schemeClr>
+                </a:solidFill>
+              </a:defRPr>
+            </a:lvl8pPr>
+            <a:lvl9pPr marL="3657600" indent="0">
+              <a:buNone/>
+              <a:defRPr sz="1600">
+                <a:solidFill>
+                  <a:schemeClr val="tx1">
+                    <a:tint val="75000"/>
+                  </a:schemeClr>
+                </a:solidFill>
+              </a:defRPr>
+            </a:lvl9pPr>
+          </a:lstStyle>
+          <a:p>
+            <a:pPr lvl="0"/>
+            <a:r>
+              <a:rPr lang="en-US"/>
+              <a:t>Edit Master text styles</a:t>
+            </a:r>
+          </a:p>
+        </p:txBody>
+      </p:sp>
+      <p:sp>
+        <p:nvSpPr>
+          <p:cNvPr id="4" name="Date Placeholder 3"/>
+          <p:cNvSpPr>
+            <a:spLocks noGrp="1"/>
+          </p:cNvSpPr>
+          <p:nvPr>
+            <p:ph type="dt" sz="half" idx="10"/>
+          </p:nvPr>
+        </p:nvSpPr>
+        <p:spPr/>
+        <p:txBody>
+          <a:bodyPr/>
+          <a:lstStyle/>
+          <a:p>
+            <a:fld id="{B08FEED8-D7D4-44E9-BFBC-ED06B5996D94}" type="datetime4">
+              <a:rPr lang="en-US" smtClean="0"/>
+              <a:t>June 25, 2019</a:t>
+            </a:fld>
+            <a:endParaRPr lang="en-US" dirty="0"/>
+          </a:p>
+        </p:txBody>
+      </p:sp>
+      <p:sp>
+        <p:nvSpPr>
+          <p:cNvPr id="5" name="Footer Placeholder 4"/>
+          <p:cNvSpPr>
+            <a:spLocks noGrp="1"/>
+          </p:cNvSpPr>
+          <p:nvPr>
+            <p:ph type="ftr" sz="quarter" idx="11"/>
+          </p:nvPr>
+        </p:nvSpPr>
+        <p:spPr/>
+        <p:txBody>
+          <a:bodyPr/>
+          <a:lstStyle/>
+          <a:p>
+            <a:r>
+              <a:rPr lang="en-US" dirty="0"/>
+              <a:t>Digital Scholarship Services </a:t>
+            </a:r>
+            <a:r>
+              <a:rPr lang="en-US" dirty="0">
+                <a:solidFill>
+                  <a:schemeClr val="accent1">
+                    <a:lumMod val="50000"/>
+                  </a:schemeClr>
+                </a:solidFill>
+              </a:rPr>
+              <a:t>| Email</a:t>
+            </a:r>
+            <a:r>
+              <a:rPr lang="en-US" dirty="0"/>
+              <a:t> cf24@rice.edu </a:t>
+            </a:r>
+            <a:r>
+              <a:rPr lang="en-US" dirty="0">
+                <a:solidFill>
+                  <a:schemeClr val="accent1">
+                    <a:lumMod val="50000"/>
+                  </a:schemeClr>
+                </a:solidFill>
+              </a:rPr>
+              <a:t>|</a:t>
+            </a:r>
+            <a:r>
+              <a:rPr lang="en-US" dirty="0"/>
+              <a:t> library.rice.edu/</a:t>
+            </a:r>
+            <a:r>
+              <a:rPr lang="en-US" dirty="0" err="1"/>
+              <a:t>dss</a:t>
+            </a:r>
+            <a:endParaRPr lang="en-US" dirty="0"/>
+          </a:p>
+        </p:txBody>
+      </p:sp>
+      <p:sp>
+        <p:nvSpPr>
+          <p:cNvPr id="6" name="Slide Number Placeholder 5"/>
+          <p:cNvSpPr>
+            <a:spLocks noGrp="1"/>
+          </p:cNvSpPr>
+          <p:nvPr>
+            <p:ph type="sldNum" sz="quarter" idx="12"/>
+          </p:nvPr>
+        </p:nvSpPr>
+        <p:spPr/>
+        <p:txBody>
+          <a:bodyPr/>
+          <a:lstStyle/>
+          <a:p>
+            <a:fld id="{D57F1E4F-1CFF-5643-939E-02111984F565}" type="slidenum">
+              <a:rPr lang="en-US" smtClean="0"/>
+              <a:t>‹#›</a:t>
+            </a:fld>
+            <a:endParaRPr lang="en-US" dirty="0"/>
+          </a:p>
+        </p:txBody>
+      </p:sp>
+      <p:pic>
+        <p:nvPicPr>
+          <p:cNvPr id="8" name="Picture 2" descr="https://raw.githubusercontent.com/rstudio/hex-stickers/master/PNG/dplyr.png">
+            <a:extLst>
+              <a:ext uri="{FF2B5EF4-FFF2-40B4-BE49-F238E27FC236}">
+                <a16:creationId xmlns:a16="http://schemas.microsoft.com/office/drawing/2014/main" id="{2B423E35-BB3A-420D-97DC-41C64528DCAD}"/>
+              </a:ext>
+            </a:extLst>
+          </p:cNvPr>
+          <p:cNvPicPr>
+            <a:picLocks noChangeAspect="1" noChangeArrowheads="1"/>
+          </p:cNvPicPr>
+          <p:nvPr userDrawn="1"/>
+        </p:nvPicPr>
+        <p:blipFill>
+          <a:blip r:embed="rId2">
+            <a:extLst>
+              <a:ext uri="{28A0092B-C50C-407E-A947-70E740481C1C}">
+                <a14:useLocalDpi xmlns:a14="http://schemas.microsoft.com/office/drawing/2010/main" val="0"/>
+              </a:ext>
+            </a:extLst>
+          </a:blip>
+          <a:srcRect/>
+          <a:stretch>
+            <a:fillRect/>
+          </a:stretch>
+        </p:blipFill>
+        <p:spPr bwMode="auto">
+          <a:xfrm>
+            <a:off x="9564382" y="2495549"/>
+            <a:ext cx="1783201" cy="2066926"/>
+          </a:xfrm>
+          <a:prstGeom prst="rect">
+            <a:avLst/>
+          </a:prstGeom>
+          <a:noFill/>
+          <a:extLst>
+            <a:ext uri="{909E8E84-426E-40DD-AFC4-6F175D3DCCD1}">
+              <a14:hiddenFill xmlns:a14="http://schemas.microsoft.com/office/drawing/2010/main">
+                <a:solidFill>
+                  <a:srgbClr val="FFFFFF"/>
+                </a:solidFill>
+              </a14:hiddenFill>
+            </a:ext>
+          </a:extLst>
+        </p:spPr>
+      </p:pic>
+    </p:spTree>
+    <p:extLst>
+      <p:ext uri="{BB962C8B-B14F-4D97-AF65-F5344CB8AC3E}">
+        <p14:creationId xmlns:p14="http://schemas.microsoft.com/office/powerpoint/2010/main" val="799889474"/>
+      </p:ext>
+    </p:extLst>
+  </p:cSld>
+  <p:clrMapOvr>
+    <a:masterClrMapping/>
+  </p:clrMapOvr>
+</p:sldLayout>
+</file>
+
+<file path=ppt/slideLayouts/slideLayout12.xml><?xml version="1.0" encoding="utf-8"?>
+<p:sldLayout xmlns:a="http://schemas.openxmlformats.org/drawingml/2006/main" xmlns:r="http://schemas.openxmlformats.org/officeDocument/2006/relationships" xmlns:p="http://schemas.openxmlformats.org/presentationml/2006/main" type="secHead" preserve="1">
+  <p:cSld name="Section Header_ggplot2">
+    <p:spTree>
+      <p:nvGrpSpPr>
+        <p:cNvPr id="1" name=""/>
+        <p:cNvGrpSpPr/>
+        <p:nvPr/>
+      </p:nvGrpSpPr>
+      <p:grpSpPr>
+        <a:xfrm>
+          <a:off x="0" y="0"/>
+          <a:ext cx="0" cy="0"/>
+          <a:chOff x="0" y="0"/>
+          <a:chExt cx="0" cy="0"/>
+        </a:xfrm>
+      </p:grpSpPr>
+      <p:sp>
+        <p:nvSpPr>
+          <p:cNvPr id="2" name="Title 1"/>
+          <p:cNvSpPr>
+            <a:spLocks noGrp="1"/>
+          </p:cNvSpPr>
+          <p:nvPr>
+            <p:ph type="title"/>
+          </p:nvPr>
+        </p:nvSpPr>
+        <p:spPr>
+          <a:xfrm>
+            <a:off x="831850" y="1709738"/>
+            <a:ext cx="10515600" cy="2852737"/>
+          </a:xfrm>
+        </p:spPr>
+        <p:txBody>
+          <a:bodyPr anchor="b"/>
+          <a:lstStyle>
+            <a:lvl1pPr>
+              <a:defRPr sz="6000"/>
+            </a:lvl1pPr>
+          </a:lstStyle>
+          <a:p>
+            <a:r>
+              <a:rPr lang="en-US"/>
+              <a:t>Click to edit Master title style</a:t>
+            </a:r>
+          </a:p>
+        </p:txBody>
+      </p:sp>
+      <p:sp>
+        <p:nvSpPr>
+          <p:cNvPr id="3" name="Text Placeholder 2"/>
+          <p:cNvSpPr>
+            <a:spLocks noGrp="1"/>
+          </p:cNvSpPr>
+          <p:nvPr>
+            <p:ph type="body" idx="1"/>
+          </p:nvPr>
+        </p:nvSpPr>
+        <p:spPr>
+          <a:xfrm>
+            <a:off x="831850" y="4589463"/>
+            <a:ext cx="10515600" cy="1500187"/>
+          </a:xfrm>
+        </p:spPr>
+        <p:txBody>
+          <a:bodyPr/>
+          <a:lstStyle>
+            <a:lvl1pPr marL="0" indent="0">
+              <a:buNone/>
+              <a:defRPr sz="2400">
+                <a:solidFill>
+                  <a:schemeClr val="tx1">
+                    <a:tint val="75000"/>
+                  </a:schemeClr>
+                </a:solidFill>
+              </a:defRPr>
+            </a:lvl1pPr>
+            <a:lvl2pPr marL="457200" indent="0">
+              <a:buNone/>
+              <a:defRPr sz="2000">
+                <a:solidFill>
+                  <a:schemeClr val="tx1">
+                    <a:tint val="75000"/>
+                  </a:schemeClr>
+                </a:solidFill>
+              </a:defRPr>
+            </a:lvl2pPr>
+            <a:lvl3pPr marL="914400" indent="0">
+              <a:buNone/>
+              <a:defRPr sz="1800">
+                <a:solidFill>
+                  <a:schemeClr val="tx1">
+                    <a:tint val="75000"/>
+                  </a:schemeClr>
+                </a:solidFill>
+              </a:defRPr>
+            </a:lvl3pPr>
+            <a:lvl4pPr marL="1371600" indent="0">
+              <a:buNone/>
+              <a:defRPr sz="1600">
+                <a:solidFill>
+                  <a:schemeClr val="tx1">
+                    <a:tint val="75000"/>
+                  </a:schemeClr>
+                </a:solidFill>
+              </a:defRPr>
+            </a:lvl4pPr>
+            <a:lvl5pPr marL="1828800" indent="0">
+              <a:buNone/>
+              <a:defRPr sz="1600">
+                <a:solidFill>
+                  <a:schemeClr val="tx1">
+                    <a:tint val="75000"/>
+                  </a:schemeClr>
+                </a:solidFill>
+              </a:defRPr>
+            </a:lvl5pPr>
+            <a:lvl6pPr marL="2286000" indent="0">
+              <a:buNone/>
+              <a:defRPr sz="1600">
+                <a:solidFill>
+                  <a:schemeClr val="tx1">
+                    <a:tint val="75000"/>
+                  </a:schemeClr>
+                </a:solidFill>
+              </a:defRPr>
+            </a:lvl6pPr>
+            <a:lvl7pPr marL="2743200" indent="0">
+              <a:buNone/>
+              <a:defRPr sz="1600">
+                <a:solidFill>
+                  <a:schemeClr val="tx1">
+                    <a:tint val="75000"/>
+                  </a:schemeClr>
+                </a:solidFill>
+              </a:defRPr>
+            </a:lvl7pPr>
+            <a:lvl8pPr marL="3200400" indent="0">
+              <a:buNone/>
+              <a:defRPr sz="1600">
+                <a:solidFill>
+                  <a:schemeClr val="tx1">
+                    <a:tint val="75000"/>
+                  </a:schemeClr>
+                </a:solidFill>
+              </a:defRPr>
+            </a:lvl8pPr>
+            <a:lvl9pPr marL="3657600" indent="0">
+              <a:buNone/>
+              <a:defRPr sz="1600">
+                <a:solidFill>
+                  <a:schemeClr val="tx1">
+                    <a:tint val="75000"/>
+                  </a:schemeClr>
+                </a:solidFill>
+              </a:defRPr>
+            </a:lvl9pPr>
+          </a:lstStyle>
+          <a:p>
+            <a:pPr lvl="0"/>
+            <a:r>
+              <a:rPr lang="en-US"/>
+              <a:t>Edit Master text styles</a:t>
+            </a:r>
+          </a:p>
+        </p:txBody>
+      </p:sp>
+      <p:sp>
+        <p:nvSpPr>
+          <p:cNvPr id="4" name="Date Placeholder 3"/>
+          <p:cNvSpPr>
+            <a:spLocks noGrp="1"/>
+          </p:cNvSpPr>
+          <p:nvPr>
+            <p:ph type="dt" sz="half" idx="10"/>
+          </p:nvPr>
+        </p:nvSpPr>
+        <p:spPr/>
+        <p:txBody>
+          <a:bodyPr/>
+          <a:lstStyle/>
+          <a:p>
+            <a:fld id="{B08FEED8-D7D4-44E9-BFBC-ED06B5996D94}" type="datetime4">
+              <a:rPr lang="en-US" smtClean="0"/>
+              <a:t>June 25, 2019</a:t>
+            </a:fld>
+            <a:endParaRPr lang="en-US" dirty="0"/>
+          </a:p>
+        </p:txBody>
+      </p:sp>
+      <p:sp>
+        <p:nvSpPr>
+          <p:cNvPr id="5" name="Footer Placeholder 4"/>
+          <p:cNvSpPr>
+            <a:spLocks noGrp="1"/>
+          </p:cNvSpPr>
+          <p:nvPr>
+            <p:ph type="ftr" sz="quarter" idx="11"/>
+          </p:nvPr>
+        </p:nvSpPr>
+        <p:spPr/>
+        <p:txBody>
+          <a:bodyPr/>
+          <a:lstStyle/>
+          <a:p>
+            <a:r>
+              <a:rPr lang="en-US" dirty="0"/>
+              <a:t>Digital Scholarship Services </a:t>
+            </a:r>
+            <a:r>
+              <a:rPr lang="en-US" dirty="0">
+                <a:solidFill>
+                  <a:schemeClr val="accent1">
+                    <a:lumMod val="50000"/>
+                  </a:schemeClr>
+                </a:solidFill>
+              </a:rPr>
+              <a:t>| Email</a:t>
+            </a:r>
+            <a:r>
+              <a:rPr lang="en-US" dirty="0"/>
+              <a:t> cf24@rice.edu </a:t>
+            </a:r>
+            <a:r>
+              <a:rPr lang="en-US" dirty="0">
+                <a:solidFill>
+                  <a:schemeClr val="accent1">
+                    <a:lumMod val="50000"/>
+                  </a:schemeClr>
+                </a:solidFill>
+              </a:rPr>
+              <a:t>|</a:t>
+            </a:r>
+            <a:r>
+              <a:rPr lang="en-US" dirty="0"/>
+              <a:t> library.rice.edu/</a:t>
+            </a:r>
+            <a:r>
+              <a:rPr lang="en-US" dirty="0" err="1"/>
+              <a:t>dss</a:t>
+            </a:r>
+            <a:endParaRPr lang="en-US" dirty="0"/>
+          </a:p>
+        </p:txBody>
+      </p:sp>
+      <p:sp>
+        <p:nvSpPr>
+          <p:cNvPr id="6" name="Slide Number Placeholder 5"/>
+          <p:cNvSpPr>
+            <a:spLocks noGrp="1"/>
+          </p:cNvSpPr>
+          <p:nvPr>
+            <p:ph type="sldNum" sz="quarter" idx="12"/>
+          </p:nvPr>
+        </p:nvSpPr>
+        <p:spPr/>
+        <p:txBody>
+          <a:bodyPr/>
+          <a:lstStyle/>
+          <a:p>
+            <a:fld id="{D57F1E4F-1CFF-5643-939E-02111984F565}" type="slidenum">
+              <a:rPr lang="en-US" smtClean="0"/>
+              <a:t>‹#›</a:t>
+            </a:fld>
+            <a:endParaRPr lang="en-US" dirty="0"/>
+          </a:p>
+        </p:txBody>
+      </p:sp>
+      <p:pic>
+        <p:nvPicPr>
+          <p:cNvPr id="7170" name="Picture 2" descr="https://raw.githubusercontent.com/rstudio/hex-stickers/master/PNG/ggplot2.png">
+            <a:extLst>
+              <a:ext uri="{FF2B5EF4-FFF2-40B4-BE49-F238E27FC236}">
+                <a16:creationId xmlns:a16="http://schemas.microsoft.com/office/drawing/2014/main" id="{7028791A-2A4F-4650-BD0F-4D8A55BAECCC}"/>
+              </a:ext>
+            </a:extLst>
+          </p:cNvPr>
+          <p:cNvPicPr>
+            <a:picLocks noChangeAspect="1" noChangeArrowheads="1"/>
+          </p:cNvPicPr>
+          <p:nvPr userDrawn="1"/>
+        </p:nvPicPr>
+        <p:blipFill>
+          <a:blip r:embed="rId2">
+            <a:extLst>
+              <a:ext uri="{28A0092B-C50C-407E-A947-70E740481C1C}">
+                <a14:useLocalDpi xmlns:a14="http://schemas.microsoft.com/office/drawing/2010/main" val="0"/>
+              </a:ext>
+            </a:extLst>
+          </a:blip>
+          <a:srcRect/>
+          <a:stretch>
+            <a:fillRect/>
+          </a:stretch>
+        </p:blipFill>
+        <p:spPr bwMode="auto">
+          <a:xfrm>
+            <a:off x="9564382" y="2495549"/>
+            <a:ext cx="1783068" cy="2066771"/>
+          </a:xfrm>
+          <a:prstGeom prst="rect">
+            <a:avLst/>
+          </a:prstGeom>
+          <a:noFill/>
+          <a:extLst>
+            <a:ext uri="{909E8E84-426E-40DD-AFC4-6F175D3DCCD1}">
+              <a14:hiddenFill xmlns:a14="http://schemas.microsoft.com/office/drawing/2010/main">
+                <a:solidFill>
+                  <a:srgbClr val="FFFFFF"/>
+                </a:solidFill>
+              </a14:hiddenFill>
+            </a:ext>
+          </a:extLst>
+        </p:spPr>
+      </p:pic>
+    </p:spTree>
+    <p:extLst>
+      <p:ext uri="{BB962C8B-B14F-4D97-AF65-F5344CB8AC3E}">
+        <p14:creationId xmlns:p14="http://schemas.microsoft.com/office/powerpoint/2010/main" val="844720777"/>
+      </p:ext>
+    </p:extLst>
+  </p:cSld>
+  <p:clrMapOvr>
+    <a:masterClrMapping/>
+  </p:clrMapOvr>
+</p:sldLayout>
+</file>
+
+<file path=ppt/slideLayouts/slideLayout13.xml><?xml version="1.0" encoding="utf-8"?>
+<p:sldLayout xmlns:a="http://schemas.openxmlformats.org/drawingml/2006/main" xmlns:r="http://schemas.openxmlformats.org/officeDocument/2006/relationships" xmlns:p="http://schemas.openxmlformats.org/presentationml/2006/main" type="secHead" preserve="1">
+  <p:cSld name="Section Header_purrr">
+    <p:spTree>
+      <p:nvGrpSpPr>
+        <p:cNvPr id="1" name=""/>
+        <p:cNvGrpSpPr/>
+        <p:nvPr/>
+      </p:nvGrpSpPr>
+      <p:grpSpPr>
+        <a:xfrm>
+          <a:off x="0" y="0"/>
+          <a:ext cx="0" cy="0"/>
+          <a:chOff x="0" y="0"/>
+          <a:chExt cx="0" cy="0"/>
+        </a:xfrm>
+      </p:grpSpPr>
+      <p:sp>
+        <p:nvSpPr>
+          <p:cNvPr id="2" name="Title 1"/>
+          <p:cNvSpPr>
+            <a:spLocks noGrp="1"/>
+          </p:cNvSpPr>
+          <p:nvPr>
+            <p:ph type="title"/>
+          </p:nvPr>
+        </p:nvSpPr>
+        <p:spPr>
+          <a:xfrm>
+            <a:off x="831850" y="1709738"/>
+            <a:ext cx="10515600" cy="2852737"/>
+          </a:xfrm>
+        </p:spPr>
+        <p:txBody>
+          <a:bodyPr anchor="b"/>
+          <a:lstStyle>
+            <a:lvl1pPr>
+              <a:defRPr sz="6000"/>
+            </a:lvl1pPr>
+          </a:lstStyle>
+          <a:p>
+            <a:r>
+              <a:rPr lang="en-US"/>
+              <a:t>Click to edit Master title style</a:t>
+            </a:r>
+          </a:p>
+        </p:txBody>
+      </p:sp>
+      <p:sp>
+        <p:nvSpPr>
+          <p:cNvPr id="3" name="Text Placeholder 2"/>
+          <p:cNvSpPr>
+            <a:spLocks noGrp="1"/>
+          </p:cNvSpPr>
+          <p:nvPr>
+            <p:ph type="body" idx="1"/>
+          </p:nvPr>
+        </p:nvSpPr>
+        <p:spPr>
+          <a:xfrm>
+            <a:off x="831850" y="4589463"/>
+            <a:ext cx="10515600" cy="1500187"/>
+          </a:xfrm>
+        </p:spPr>
+        <p:txBody>
+          <a:bodyPr/>
+          <a:lstStyle>
+            <a:lvl1pPr marL="0" indent="0">
+              <a:buNone/>
+              <a:defRPr sz="2400">
+                <a:solidFill>
+                  <a:schemeClr val="tx1">
+                    <a:tint val="75000"/>
+                  </a:schemeClr>
+                </a:solidFill>
+              </a:defRPr>
+            </a:lvl1pPr>
+            <a:lvl2pPr marL="457200" indent="0">
+              <a:buNone/>
+              <a:defRPr sz="2000">
+                <a:solidFill>
+                  <a:schemeClr val="tx1">
+                    <a:tint val="75000"/>
+                  </a:schemeClr>
+                </a:solidFill>
+              </a:defRPr>
+            </a:lvl2pPr>
+            <a:lvl3pPr marL="914400" indent="0">
+              <a:buNone/>
+              <a:defRPr sz="1800">
+                <a:solidFill>
+                  <a:schemeClr val="tx1">
+                    <a:tint val="75000"/>
+                  </a:schemeClr>
+                </a:solidFill>
+              </a:defRPr>
+            </a:lvl3pPr>
+            <a:lvl4pPr marL="1371600" indent="0">
+              <a:buNone/>
+              <a:defRPr sz="1600">
+                <a:solidFill>
+                  <a:schemeClr val="tx1">
+                    <a:tint val="75000"/>
+                  </a:schemeClr>
+                </a:solidFill>
+              </a:defRPr>
+            </a:lvl4pPr>
+            <a:lvl5pPr marL="1828800" indent="0">
+              <a:buNone/>
+              <a:defRPr sz="1600">
+                <a:solidFill>
+                  <a:schemeClr val="tx1">
+                    <a:tint val="75000"/>
+                  </a:schemeClr>
+                </a:solidFill>
+              </a:defRPr>
+            </a:lvl5pPr>
+            <a:lvl6pPr marL="2286000" indent="0">
+              <a:buNone/>
+              <a:defRPr sz="1600">
+                <a:solidFill>
+                  <a:schemeClr val="tx1">
+                    <a:tint val="75000"/>
+                  </a:schemeClr>
+                </a:solidFill>
+              </a:defRPr>
+            </a:lvl6pPr>
+            <a:lvl7pPr marL="2743200" indent="0">
+              <a:buNone/>
+              <a:defRPr sz="1600">
+                <a:solidFill>
+                  <a:schemeClr val="tx1">
+                    <a:tint val="75000"/>
+                  </a:schemeClr>
+                </a:solidFill>
+              </a:defRPr>
+            </a:lvl7pPr>
+            <a:lvl8pPr marL="3200400" indent="0">
+              <a:buNone/>
+              <a:defRPr sz="1600">
+                <a:solidFill>
+                  <a:schemeClr val="tx1">
+                    <a:tint val="75000"/>
+                  </a:schemeClr>
+                </a:solidFill>
+              </a:defRPr>
+            </a:lvl8pPr>
+            <a:lvl9pPr marL="3657600" indent="0">
+              <a:buNone/>
+              <a:defRPr sz="1600">
+                <a:solidFill>
+                  <a:schemeClr val="tx1">
+                    <a:tint val="75000"/>
+                  </a:schemeClr>
+                </a:solidFill>
+              </a:defRPr>
+            </a:lvl9pPr>
+          </a:lstStyle>
+          <a:p>
+            <a:pPr lvl="0"/>
+            <a:r>
+              <a:rPr lang="en-US"/>
+              <a:t>Edit Master text styles</a:t>
+            </a:r>
+          </a:p>
+        </p:txBody>
+      </p:sp>
+      <p:sp>
+        <p:nvSpPr>
+          <p:cNvPr id="4" name="Date Placeholder 3"/>
+          <p:cNvSpPr>
+            <a:spLocks noGrp="1"/>
+          </p:cNvSpPr>
+          <p:nvPr>
+            <p:ph type="dt" sz="half" idx="10"/>
+          </p:nvPr>
+        </p:nvSpPr>
+        <p:spPr/>
+        <p:txBody>
+          <a:bodyPr/>
+          <a:lstStyle/>
+          <a:p>
+            <a:fld id="{B08FEED8-D7D4-44E9-BFBC-ED06B5996D94}" type="datetime4">
+              <a:rPr lang="en-US" smtClean="0"/>
+              <a:t>June 25, 2019</a:t>
+            </a:fld>
+            <a:endParaRPr lang="en-US" dirty="0"/>
+          </a:p>
+        </p:txBody>
+      </p:sp>
+      <p:sp>
+        <p:nvSpPr>
+          <p:cNvPr id="5" name="Footer Placeholder 4"/>
+          <p:cNvSpPr>
+            <a:spLocks noGrp="1"/>
+          </p:cNvSpPr>
+          <p:nvPr>
+            <p:ph type="ftr" sz="quarter" idx="11"/>
+          </p:nvPr>
+        </p:nvSpPr>
+        <p:spPr/>
+        <p:txBody>
+          <a:bodyPr/>
+          <a:lstStyle/>
+          <a:p>
+            <a:r>
+              <a:rPr lang="en-US" dirty="0"/>
+              <a:t>Digital Scholarship Services </a:t>
+            </a:r>
+            <a:r>
+              <a:rPr lang="en-US" dirty="0">
+                <a:solidFill>
+                  <a:schemeClr val="accent1">
+                    <a:lumMod val="50000"/>
+                  </a:schemeClr>
+                </a:solidFill>
+              </a:rPr>
+              <a:t>| Email</a:t>
+            </a:r>
+            <a:r>
+              <a:rPr lang="en-US" dirty="0"/>
+              <a:t> cf24@rice.edu </a:t>
+            </a:r>
+            <a:r>
+              <a:rPr lang="en-US" dirty="0">
+                <a:solidFill>
+                  <a:schemeClr val="accent1">
+                    <a:lumMod val="50000"/>
+                  </a:schemeClr>
+                </a:solidFill>
+              </a:rPr>
+              <a:t>|</a:t>
+            </a:r>
+            <a:r>
+              <a:rPr lang="en-US" dirty="0"/>
+              <a:t> library.rice.edu/</a:t>
+            </a:r>
+            <a:r>
+              <a:rPr lang="en-US" dirty="0" err="1"/>
+              <a:t>dss</a:t>
+            </a:r>
+            <a:endParaRPr lang="en-US" dirty="0"/>
+          </a:p>
+        </p:txBody>
+      </p:sp>
+      <p:sp>
+        <p:nvSpPr>
+          <p:cNvPr id="6" name="Slide Number Placeholder 5"/>
+          <p:cNvSpPr>
+            <a:spLocks noGrp="1"/>
+          </p:cNvSpPr>
+          <p:nvPr>
+            <p:ph type="sldNum" sz="quarter" idx="12"/>
+          </p:nvPr>
+        </p:nvSpPr>
+        <p:spPr/>
+        <p:txBody>
+          <a:bodyPr/>
+          <a:lstStyle/>
+          <a:p>
+            <a:fld id="{D57F1E4F-1CFF-5643-939E-02111984F565}" type="slidenum">
+              <a:rPr lang="en-US" smtClean="0"/>
+              <a:t>‹#›</a:t>
+            </a:fld>
+            <a:endParaRPr lang="en-US" dirty="0"/>
+          </a:p>
+        </p:txBody>
+      </p:sp>
+      <p:pic>
+        <p:nvPicPr>
+          <p:cNvPr id="7170" name="Picture 2">
+            <a:extLst>
+              <a:ext uri="{FF2B5EF4-FFF2-40B4-BE49-F238E27FC236}">
+                <a16:creationId xmlns:a16="http://schemas.microsoft.com/office/drawing/2014/main" id="{7028791A-2A4F-4650-BD0F-4D8A55BAECCC}"/>
+              </a:ext>
+            </a:extLst>
+          </p:cNvPr>
+          <p:cNvPicPr>
+            <a:picLocks noChangeAspect="1" noChangeArrowheads="1"/>
+          </p:cNvPicPr>
+          <p:nvPr userDrawn="1"/>
+        </p:nvPicPr>
+        <p:blipFill>
+          <a:blip r:embed="rId2">
+            <a:extLst>
+              <a:ext uri="{28A0092B-C50C-407E-A947-70E740481C1C}">
+                <a14:useLocalDpi xmlns:a14="http://schemas.microsoft.com/office/drawing/2010/main" val="0"/>
+              </a:ext>
+            </a:extLst>
+          </a:blip>
+          <a:stretch>
+            <a:fillRect/>
+          </a:stretch>
+        </p:blipFill>
+        <p:spPr bwMode="auto">
+          <a:xfrm>
+            <a:off x="9564384" y="2495549"/>
+            <a:ext cx="1783064" cy="2066771"/>
+          </a:xfrm>
+          <a:prstGeom prst="rect">
+            <a:avLst/>
+          </a:prstGeom>
+          <a:noFill/>
+          <a:extLst>
+            <a:ext uri="{909E8E84-426E-40DD-AFC4-6F175D3DCCD1}">
+              <a14:hiddenFill xmlns:a14="http://schemas.microsoft.com/office/drawing/2010/main">
+                <a:solidFill>
+                  <a:srgbClr val="FFFFFF"/>
+                </a:solidFill>
+              </a14:hiddenFill>
+            </a:ext>
+          </a:extLst>
+        </p:spPr>
+      </p:pic>
+    </p:spTree>
+    <p:extLst>
+      <p:ext uri="{BB962C8B-B14F-4D97-AF65-F5344CB8AC3E}">
+        <p14:creationId xmlns:p14="http://schemas.microsoft.com/office/powerpoint/2010/main" val="4108605017"/>
+      </p:ext>
+    </p:extLst>
+  </p:cSld>
+  <p:clrMapOvr>
+    <a:masterClrMapping/>
+  </p:clrMapOvr>
+</p:sldLayout>
+</file>
+
+<file path=ppt/slideLayouts/slideLayout14.xml><?xml version="1.0" encoding="utf-8"?>
+<p:sldLayout xmlns:a="http://schemas.openxmlformats.org/drawingml/2006/main" xmlns:r="http://schemas.openxmlformats.org/officeDocument/2006/relationships" xmlns:p="http://schemas.openxmlformats.org/presentationml/2006/main" type="twoObj" preserve="1">
+  <p:cSld name="Two Content">
+    <p:spTree>
+      <p:nvGrpSpPr>
+        <p:cNvPr id="1" name=""/>
+        <p:cNvGrpSpPr/>
+        <p:nvPr/>
+      </p:nvGrpSpPr>
+      <p:grpSpPr>
+        <a:xfrm>
+          <a:off x="0" y="0"/>
+          <a:ext cx="0" cy="0"/>
+          <a:chOff x="0" y="0"/>
+          <a:chExt cx="0" cy="0"/>
+        </a:xfrm>
+      </p:grpSpPr>
+      <p:sp>
+        <p:nvSpPr>
+          <p:cNvPr id="2" name="Title 1"/>
+          <p:cNvSpPr>
+            <a:spLocks noGrp="1"/>
+          </p:cNvSpPr>
+          <p:nvPr>
+            <p:ph type="title"/>
+          </p:nvPr>
+        </p:nvSpPr>
+        <p:spPr/>
+        <p:txBody>
+          <a:bodyPr/>
+          <a:lstStyle/>
+          <a:p>
+            <a:r>
+              <a:rPr lang="en-US"/>
+              <a:t>Click to edit Master title style</a:t>
+            </a:r>
+          </a:p>
+        </p:txBody>
+      </p:sp>
+      <p:sp>
+        <p:nvSpPr>
+          <p:cNvPr id="3" name="Content Placeholder 2"/>
+          <p:cNvSpPr>
+            <a:spLocks noGrp="1"/>
+          </p:cNvSpPr>
+          <p:nvPr>
+            <p:ph sz="half" idx="1"/>
+          </p:nvPr>
+        </p:nvSpPr>
+        <p:spPr>
+          <a:xfrm>
+            <a:off x="838200" y="1825625"/>
+            <a:ext cx="5181600" cy="4351338"/>
+          </a:xfrm>
+        </p:spPr>
+        <p:txBody>
+          <a:bodyPr/>
+          <a:lstStyle/>
+          <a:p>
+            <a:pPr lvl="0"/>
+            <a:r>
+              <a:rPr lang="en-US"/>
+              <a:t>Edit Master text styles</a:t>
+            </a:r>
+          </a:p>
+          <a:p>
+            <a:pPr lvl="1"/>
+            <a:r>
+              <a:rPr lang="en-US"/>
+              <a:t>Second level</a:t>
+            </a:r>
+          </a:p>
+          <a:p>
+            <a:pPr lvl="2"/>
+            <a:r>
+              <a:rPr lang="en-US"/>
+              <a:t>Third level</a:t>
+            </a:r>
+          </a:p>
+          <a:p>
+            <a:pPr lvl="3"/>
+            <a:r>
+              <a:rPr lang="en-US"/>
+              <a:t>Fourth level</a:t>
+            </a:r>
+          </a:p>
+          <a:p>
+            <a:pPr lvl="4"/>
+            <a:r>
+              <a:rPr lang="en-US"/>
+              <a:t>Fifth level</a:t>
+            </a:r>
+          </a:p>
+        </p:txBody>
+      </p:sp>
+      <p:sp>
+        <p:nvSpPr>
+          <p:cNvPr id="4" name="Content Placeholder 3"/>
+          <p:cNvSpPr>
+            <a:spLocks noGrp="1"/>
+          </p:cNvSpPr>
+          <p:nvPr>
+            <p:ph sz="half" idx="2"/>
+          </p:nvPr>
+        </p:nvSpPr>
+        <p:spPr>
+          <a:xfrm>
+            <a:off x="6172200" y="1825625"/>
+            <a:ext cx="5181600" cy="4351338"/>
+          </a:xfrm>
+        </p:spPr>
+        <p:txBody>
+          <a:bodyPr/>
+          <a:lstStyle/>
+          <a:p>
+            <a:pPr lvl="0"/>
+            <a:r>
+              <a:rPr lang="en-US"/>
+              <a:t>Edit Master text styles</a:t>
+            </a:r>
+          </a:p>
+          <a:p>
+            <a:pPr lvl="1"/>
+            <a:r>
+              <a:rPr lang="en-US"/>
+              <a:t>Second level</a:t>
+            </a:r>
+          </a:p>
+          <a:p>
+            <a:pPr lvl="2"/>
+            <a:r>
+              <a:rPr lang="en-US"/>
+              <a:t>Third level</a:t>
+            </a:r>
+          </a:p>
+          <a:p>
+            <a:pPr lvl="3"/>
+            <a:r>
+              <a:rPr lang="en-US"/>
+              <a:t>Fourth level</a:t>
+            </a:r>
+          </a:p>
+          <a:p>
+            <a:pPr lvl="4"/>
+            <a:r>
+              <a:rPr lang="en-US"/>
+              <a:t>Fifth level</a:t>
+            </a:r>
+          </a:p>
+        </p:txBody>
+      </p:sp>
+      <p:sp>
+        <p:nvSpPr>
+          <p:cNvPr id="5" name="Date Placeholder 4"/>
+          <p:cNvSpPr>
+            <a:spLocks noGrp="1"/>
+          </p:cNvSpPr>
+          <p:nvPr>
+            <p:ph type="dt" sz="half" idx="10"/>
+          </p:nvPr>
+        </p:nvSpPr>
+        <p:spPr/>
+        <p:txBody>
+          <a:bodyPr/>
+          <a:lstStyle/>
+          <a:p>
+            <a:fld id="{A143C325-9442-4629-8CC6-5CAC69736C93}" type="datetime4">
+              <a:rPr lang="en-US" smtClean="0"/>
+              <a:t>June 25, 2019</a:t>
+            </a:fld>
+            <a:endParaRPr lang="en-US" dirty="0"/>
+          </a:p>
+        </p:txBody>
+      </p:sp>
+      <p:sp>
+        <p:nvSpPr>
+          <p:cNvPr id="6" name="Footer Placeholder 5"/>
+          <p:cNvSpPr>
+            <a:spLocks noGrp="1"/>
+          </p:cNvSpPr>
+          <p:nvPr>
+            <p:ph type="ftr" sz="quarter" idx="11"/>
+          </p:nvPr>
+        </p:nvSpPr>
+        <p:spPr/>
+        <p:txBody>
+          <a:bodyPr/>
+          <a:lstStyle/>
+          <a:p>
+            <a:r>
+              <a:rPr lang="en-US"/>
+              <a:t>Digital Scholarship Services | Email cf24@rice.edu | library.rice.edu/dss</a:t>
+            </a:r>
+            <a:endParaRPr lang="en-US" dirty="0"/>
+          </a:p>
+        </p:txBody>
+      </p:sp>
+      <p:sp>
+        <p:nvSpPr>
+          <p:cNvPr id="7" name="Slide Number Placeholder 6"/>
+          <p:cNvSpPr>
+            <a:spLocks noGrp="1"/>
+          </p:cNvSpPr>
+          <p:nvPr>
+            <p:ph type="sldNum" sz="quarter" idx="12"/>
+          </p:nvPr>
+        </p:nvSpPr>
+        <p:spPr/>
+        <p:txBody>
+          <a:bodyPr/>
+          <a:lstStyle/>
+          <a:p>
+            <a:fld id="{D57F1E4F-1CFF-5643-939E-02111984F565}" type="slidenum">
+              <a:rPr lang="en-US" smtClean="0"/>
+              <a:t>‹#›</a:t>
+            </a:fld>
+            <a:endParaRPr lang="en-US" dirty="0"/>
+          </a:p>
+        </p:txBody>
+      </p:sp>
+    </p:spTree>
+    <p:extLst>
+      <p:ext uri="{BB962C8B-B14F-4D97-AF65-F5344CB8AC3E}">
+        <p14:creationId xmlns:p14="http://schemas.microsoft.com/office/powerpoint/2010/main" val="554019197"/>
+      </p:ext>
+    </p:extLst>
+  </p:cSld>
+  <p:clrMapOvr>
+    <a:masterClrMapping/>
+  </p:clrMapOvr>
+</p:sldLayout>
+</file>
+
+<file path=ppt/slideLayouts/slideLayout15.xml><?xml version="1.0" encoding="utf-8"?>
+<p:sldLayout xmlns:a="http://schemas.openxmlformats.org/drawingml/2006/main" xmlns:r="http://schemas.openxmlformats.org/officeDocument/2006/relationships" xmlns:p="http://schemas.openxmlformats.org/presentationml/2006/main" type="twoTxTwoObj" preserve="1">
+  <p:cSld name="Comparison">
+    <p:spTree>
+      <p:nvGrpSpPr>
+        <p:cNvPr id="1" name=""/>
+        <p:cNvGrpSpPr/>
+        <p:nvPr/>
+      </p:nvGrpSpPr>
+      <p:grpSpPr>
+        <a:xfrm>
+          <a:off x="0" y="0"/>
+          <a:ext cx="0" cy="0"/>
+          <a:chOff x="0" y="0"/>
+          <a:chExt cx="0" cy="0"/>
+        </a:xfrm>
+      </p:grpSpPr>
+      <p:sp>
+        <p:nvSpPr>
+          <p:cNvPr id="2" name="Title 1"/>
+          <p:cNvSpPr>
+            <a:spLocks noGrp="1"/>
+          </p:cNvSpPr>
+          <p:nvPr>
+            <p:ph type="title"/>
+          </p:nvPr>
+        </p:nvSpPr>
+        <p:spPr>
+          <a:xfrm>
+            <a:off x="839788" y="365125"/>
+            <a:ext cx="10515600" cy="1325563"/>
+          </a:xfrm>
+        </p:spPr>
+        <p:txBody>
+          <a:bodyPr/>
+          <a:lstStyle/>
+          <a:p>
+            <a:r>
+              <a:rPr lang="en-US"/>
+              <a:t>Click to edit Master title style</a:t>
+            </a:r>
+          </a:p>
+        </p:txBody>
+      </p:sp>
+      <p:sp>
+        <p:nvSpPr>
+          <p:cNvPr id="3" name="Text Placeholder 2"/>
+          <p:cNvSpPr>
+            <a:spLocks noGrp="1"/>
+          </p:cNvSpPr>
+          <p:nvPr>
+            <p:ph type="body" idx="1"/>
+          </p:nvPr>
+        </p:nvSpPr>
+        <p:spPr>
+          <a:xfrm>
+            <a:off x="839788" y="1681163"/>
+            <a:ext cx="5157787" cy="823912"/>
+          </a:xfrm>
+        </p:spPr>
+        <p:txBody>
+          <a:bodyPr anchor="b"/>
+          <a:lstStyle>
+            <a:lvl1pPr marL="0" indent="0">
+              <a:buNone/>
+              <a:defRPr sz="2400" b="1"/>
+            </a:lvl1pPr>
+            <a:lvl2pPr marL="457200" indent="0">
+              <a:buNone/>
+              <a:defRPr sz="2000" b="1"/>
+            </a:lvl2pPr>
+            <a:lvl3pPr marL="914400" indent="0">
+              <a:buNone/>
+              <a:defRPr sz="1800" b="1"/>
+            </a:lvl3pPr>
+            <a:lvl4pPr marL="1371600" indent="0">
+              <a:buNone/>
+              <a:defRPr sz="1600" b="1"/>
+            </a:lvl4pPr>
+            <a:lvl5pPr marL="1828800" indent="0">
+              <a:buNone/>
+              <a:defRPr sz="1600" b="1"/>
+            </a:lvl5pPr>
+            <a:lvl6pPr marL="2286000" indent="0">
+              <a:buNone/>
+              <a:defRPr sz="1600" b="1"/>
+            </a:lvl6pPr>
+            <a:lvl7pPr marL="2743200" indent="0">
+              <a:buNone/>
+              <a:defRPr sz="1600" b="1"/>
+            </a:lvl7pPr>
+            <a:lvl8pPr marL="3200400" indent="0">
+              <a:buNone/>
+              <a:defRPr sz="1600" b="1"/>
+            </a:lvl8pPr>
+            <a:lvl9pPr marL="3657600" indent="0">
+              <a:buNone/>
+              <a:defRPr sz="1600" b="1"/>
+            </a:lvl9pPr>
+          </a:lstStyle>
+          <a:p>
+            <a:pPr lvl="0"/>
+            <a:r>
+              <a:rPr lang="en-US"/>
+              <a:t>Edit Master text styles</a:t>
+            </a:r>
+          </a:p>
+        </p:txBody>
+      </p:sp>
+      <p:sp>
+        <p:nvSpPr>
+          <p:cNvPr id="4" name="Content Placeholder 3"/>
+          <p:cNvSpPr>
+            <a:spLocks noGrp="1"/>
+          </p:cNvSpPr>
+          <p:nvPr>
+            <p:ph sz="half" idx="2"/>
+          </p:nvPr>
+        </p:nvSpPr>
+        <p:spPr>
+          <a:xfrm>
+            <a:off x="839788" y="2505075"/>
+            <a:ext cx="5157787" cy="3684588"/>
+          </a:xfrm>
+        </p:spPr>
+        <p:txBody>
+          <a:bodyPr/>
+          <a:lstStyle/>
+          <a:p>
+            <a:pPr lvl="0"/>
+            <a:r>
+              <a:rPr lang="en-US"/>
+              <a:t>Edit Master text styles</a:t>
+            </a:r>
+          </a:p>
+          <a:p>
+            <a:pPr lvl="1"/>
+            <a:r>
+              <a:rPr lang="en-US"/>
+              <a:t>Second level</a:t>
+            </a:r>
+          </a:p>
+          <a:p>
+            <a:pPr lvl="2"/>
+            <a:r>
+              <a:rPr lang="en-US"/>
+              <a:t>Third level</a:t>
+            </a:r>
+          </a:p>
+          <a:p>
+            <a:pPr lvl="3"/>
+            <a:r>
+              <a:rPr lang="en-US"/>
+              <a:t>Fourth level</a:t>
+            </a:r>
+          </a:p>
+          <a:p>
+            <a:pPr lvl="4"/>
+            <a:r>
+              <a:rPr lang="en-US"/>
+              <a:t>Fifth level</a:t>
+            </a:r>
+          </a:p>
+        </p:txBody>
+      </p:sp>
+      <p:sp>
+        <p:nvSpPr>
+          <p:cNvPr id="5" name="Text Placeholder 4"/>
+          <p:cNvSpPr>
+            <a:spLocks noGrp="1"/>
+          </p:cNvSpPr>
+          <p:nvPr>
+            <p:ph type="body" sz="quarter" idx="3"/>
+          </p:nvPr>
+        </p:nvSpPr>
+        <p:spPr>
+          <a:xfrm>
+            <a:off x="6172200" y="1681163"/>
+            <a:ext cx="5183188" cy="823912"/>
+          </a:xfrm>
+        </p:spPr>
+        <p:txBody>
+          <a:bodyPr anchor="b"/>
+          <a:lstStyle>
+            <a:lvl1pPr marL="0" indent="0">
+              <a:buNone/>
+              <a:defRPr sz="2400" b="1"/>
+            </a:lvl1pPr>
+            <a:lvl2pPr marL="457200" indent="0">
+              <a:buNone/>
+              <a:defRPr sz="2000" b="1"/>
+            </a:lvl2pPr>
+            <a:lvl3pPr marL="914400" indent="0">
+              <a:buNone/>
+              <a:defRPr sz="1800" b="1"/>
+            </a:lvl3pPr>
+            <a:lvl4pPr marL="1371600" indent="0">
+              <a:buNone/>
+              <a:defRPr sz="1600" b="1"/>
+            </a:lvl4pPr>
+            <a:lvl5pPr marL="1828800" indent="0">
+              <a:buNone/>
+              <a:defRPr sz="1600" b="1"/>
+            </a:lvl5pPr>
+            <a:lvl6pPr marL="2286000" indent="0">
+              <a:buNone/>
+              <a:defRPr sz="1600" b="1"/>
+            </a:lvl6pPr>
+            <a:lvl7pPr marL="2743200" indent="0">
+              <a:buNone/>
+              <a:defRPr sz="1600" b="1"/>
+            </a:lvl7pPr>
+            <a:lvl8pPr marL="3200400" indent="0">
+              <a:buNone/>
+              <a:defRPr sz="1600" b="1"/>
+            </a:lvl8pPr>
+            <a:lvl9pPr marL="3657600" indent="0">
+              <a:buNone/>
+              <a:defRPr sz="1600" b="1"/>
+            </a:lvl9pPr>
+          </a:lstStyle>
+          <a:p>
+            <a:pPr lvl="0"/>
+            <a:r>
+              <a:rPr lang="en-US"/>
+              <a:t>Edit Master text styles</a:t>
+            </a:r>
+          </a:p>
+        </p:txBody>
+      </p:sp>
+      <p:sp>
+        <p:nvSpPr>
+          <p:cNvPr id="6" name="Content Placeholder 5"/>
+          <p:cNvSpPr>
+            <a:spLocks noGrp="1"/>
+          </p:cNvSpPr>
+          <p:nvPr>
+            <p:ph sz="quarter" idx="4"/>
+          </p:nvPr>
+        </p:nvSpPr>
+        <p:spPr>
+          <a:xfrm>
+            <a:off x="6172200" y="2505075"/>
+            <a:ext cx="5183188" cy="3684588"/>
+          </a:xfrm>
+        </p:spPr>
+        <p:txBody>
+          <a:bodyPr/>
+          <a:lstStyle/>
+          <a:p>
+            <a:pPr lvl="0"/>
+            <a:r>
+              <a:rPr lang="en-US"/>
+              <a:t>Edit Master text styles</a:t>
+            </a:r>
+          </a:p>
+          <a:p>
+            <a:pPr lvl="1"/>
+            <a:r>
+              <a:rPr lang="en-US"/>
+              <a:t>Second level</a:t>
+            </a:r>
+          </a:p>
+          <a:p>
+            <a:pPr lvl="2"/>
+            <a:r>
+              <a:rPr lang="en-US"/>
+              <a:t>Third level</a:t>
+            </a:r>
+          </a:p>
+          <a:p>
+            <a:pPr lvl="3"/>
+            <a:r>
+              <a:rPr lang="en-US"/>
+              <a:t>Fourth level</a:t>
+            </a:r>
+          </a:p>
+          <a:p>
+            <a:pPr lvl="4"/>
+            <a:r>
+              <a:rPr lang="en-US"/>
+              <a:t>Fifth level</a:t>
+            </a:r>
+          </a:p>
+        </p:txBody>
+      </p:sp>
+      <p:sp>
+        <p:nvSpPr>
+          <p:cNvPr id="7" name="Date Placeholder 6"/>
+          <p:cNvSpPr>
+            <a:spLocks noGrp="1"/>
+          </p:cNvSpPr>
+          <p:nvPr>
+            <p:ph type="dt" sz="half" idx="10"/>
+          </p:nvPr>
+        </p:nvSpPr>
+        <p:spPr/>
+        <p:txBody>
+          <a:bodyPr/>
+          <a:lstStyle/>
+          <a:p>
+            <a:fld id="{EEDAFACB-3FED-4607-9FDD-34A82581A119}" type="datetime4">
+              <a:rPr lang="en-US" smtClean="0"/>
+              <a:t>June 25, 2019</a:t>
+            </a:fld>
+            <a:endParaRPr lang="en-US" dirty="0"/>
+          </a:p>
+        </p:txBody>
+      </p:sp>
+      <p:sp>
+        <p:nvSpPr>
+          <p:cNvPr id="8" name="Footer Placeholder 7"/>
+          <p:cNvSpPr>
+            <a:spLocks noGrp="1"/>
+          </p:cNvSpPr>
+          <p:nvPr>
+            <p:ph type="ftr" sz="quarter" idx="11"/>
+          </p:nvPr>
+        </p:nvSpPr>
+        <p:spPr/>
+        <p:txBody>
+          <a:bodyPr/>
+          <a:lstStyle/>
+          <a:p>
+            <a:r>
+              <a:rPr lang="en-US"/>
+              <a:t>Digital Scholarship Services | Email cf24@rice.edu | library.rice.edu/dss</a:t>
+            </a:r>
+            <a:endParaRPr lang="en-US" dirty="0"/>
+          </a:p>
+        </p:txBody>
+      </p:sp>
+      <p:sp>
+        <p:nvSpPr>
+          <p:cNvPr id="9" name="Slide Number Placeholder 8"/>
+          <p:cNvSpPr>
+            <a:spLocks noGrp="1"/>
+          </p:cNvSpPr>
+          <p:nvPr>
+            <p:ph type="sldNum" sz="quarter" idx="12"/>
+          </p:nvPr>
+        </p:nvSpPr>
+        <p:spPr/>
+        <p:txBody>
+          <a:bodyPr/>
+          <a:lstStyle/>
+          <a:p>
+            <a:fld id="{D57F1E4F-1CFF-5643-939E-02111984F565}" type="slidenum">
+              <a:rPr lang="en-US" smtClean="0"/>
+              <a:t>‹#›</a:t>
+            </a:fld>
+            <a:endParaRPr lang="en-US" dirty="0"/>
+          </a:p>
+        </p:txBody>
+      </p:sp>
+    </p:spTree>
+    <p:extLst>
+      <p:ext uri="{BB962C8B-B14F-4D97-AF65-F5344CB8AC3E}">
+        <p14:creationId xmlns:p14="http://schemas.microsoft.com/office/powerpoint/2010/main" val="2542883775"/>
+      </p:ext>
+    </p:extLst>
+  </p:cSld>
+  <p:clrMapOvr>
+    <a:masterClrMapping/>
+  </p:clrMapOvr>
+</p:sldLayout>
+</file>
+
+<file path=ppt/slideLayouts/slideLayout16.xml><?xml version="1.0" encoding="utf-8"?>
 <p:sldLayout xmlns:a="http://schemas.openxmlformats.org/drawingml/2006/main" xmlns:r="http://schemas.openxmlformats.org/officeDocument/2006/relationships" xmlns:p="http://schemas.openxmlformats.org/presentationml/2006/main" type="titleOnly" preserve="1">
   <p:cSld name="Title Only">
     <p:spTree>
@@ -1178,7 +3090,7 @@
           <a:p>
             <a:fld id="{EC2805D6-2E3E-42F7-ABBA-DCD51C704328}" type="datetime4">
               <a:rPr lang="en-US" smtClean="0"/>
-              <a:t>June 19, 2019</a:t>
+              <a:t>June 25, 2019</a:t>
             </a:fld>
             <a:endParaRPr lang="en-US" dirty="0"/>
           </a:p>
@@ -1243,7 +3155,7 @@
 </p:sldLayout>
 </file>
 
-<file path=ppt/slideLayouts/slideLayout11.xml><?xml version="1.0" encoding="utf-8"?>
+<file path=ppt/slideLayouts/slideLayout17.xml><?xml version="1.0" encoding="utf-8"?>
 <p:sldLayout xmlns:a="http://schemas.openxmlformats.org/drawingml/2006/main" xmlns:r="http://schemas.openxmlformats.org/officeDocument/2006/relationships" xmlns:p="http://schemas.openxmlformats.org/presentationml/2006/main" type="blank" preserve="1">
   <p:cSld name="Blank">
     <p:spTree>
@@ -1277,7 +3189,7 @@
           <a:p>
             <a:fld id="{7A745AAB-8888-45FB-8C4E-B86AF9A05200}" type="datetime4">
               <a:rPr lang="en-US" smtClean="0"/>
-              <a:t>June 19, 2019</a:t>
+              <a:t>June 25, 2019</a:t>
             </a:fld>
             <a:endParaRPr lang="en-US" dirty="0"/>
           </a:p>
@@ -1342,7 +3254,7 @@
 </p:sldLayout>
 </file>
 
-<file path=ppt/slideLayouts/slideLayout12.xml><?xml version="1.0" encoding="utf-8"?>
+<file path=ppt/slideLayouts/slideLayout18.xml><?xml version="1.0" encoding="utf-8"?>
 <p:sldLayout xmlns:a="http://schemas.openxmlformats.org/drawingml/2006/main" xmlns:r="http://schemas.openxmlformats.org/officeDocument/2006/relationships" xmlns:p="http://schemas.openxmlformats.org/presentationml/2006/main" type="objTx" preserve="1">
   <p:cSld name="Content with Caption">
     <p:spTree>
@@ -1556,7 +3468,7 @@
           <a:p>
             <a:fld id="{9F896CED-8AFA-412F-B61A-472E6093CDBA}" type="datetime4">
               <a:rPr lang="en-US" smtClean="0"/>
-              <a:t>June 19, 2019</a:t>
+              <a:t>June 25, 2019</a:t>
             </a:fld>
             <a:endParaRPr lang="en-US" dirty="0"/>
           </a:p>
@@ -1621,7 +3533,7 @@
 </p:sldLayout>
 </file>
 
-<file path=ppt/slideLayouts/slideLayout13.xml><?xml version="1.0" encoding="utf-8"?>
+<file path=ppt/slideLayouts/slideLayout19.xml><?xml version="1.0" encoding="utf-8"?>
 <p:sldLayout xmlns:a="http://schemas.openxmlformats.org/drawingml/2006/main" xmlns:r="http://schemas.openxmlformats.org/officeDocument/2006/relationships" xmlns:p="http://schemas.openxmlformats.org/presentationml/2006/main" type="picTx" preserve="1">
   <p:cSld name="Picture with Caption">
     <p:spTree>
@@ -1815,7 +3727,7 @@
           <a:p>
             <a:fld id="{61078AB2-2970-444D-B1FF-A9F37FC020F5}" type="datetime4">
               <a:rPr lang="en-US" smtClean="0"/>
-              <a:t>June 19, 2019</a:t>
+              <a:t>June 25, 2019</a:t>
             </a:fld>
             <a:endParaRPr lang="en-US" dirty="0"/>
           </a:p>
@@ -1880,7 +3792,268 @@
 </p:sldLayout>
 </file>
 
-<file path=ppt/slideLayouts/slideLayout14.xml><?xml version="1.0" encoding="utf-8"?>
+<file path=ppt/slideLayouts/slideLayout2.xml><?xml version="1.0" encoding="utf-8"?>
+<p:sldLayout xmlns:a="http://schemas.openxmlformats.org/drawingml/2006/main" xmlns:r="http://schemas.openxmlformats.org/officeDocument/2006/relationships" xmlns:p="http://schemas.openxmlformats.org/presentationml/2006/main" type="obj" preserve="1">
+  <p:cSld name="Title and Content_tidyverse">
+    <p:spTree>
+      <p:nvGrpSpPr>
+        <p:cNvPr id="1" name=""/>
+        <p:cNvGrpSpPr/>
+        <p:nvPr/>
+      </p:nvGrpSpPr>
+      <p:grpSpPr>
+        <a:xfrm>
+          <a:off x="0" y="0"/>
+          <a:ext cx="0" cy="0"/>
+          <a:chOff x="0" y="0"/>
+          <a:chExt cx="0" cy="0"/>
+        </a:xfrm>
+      </p:grpSpPr>
+      <p:sp>
+        <p:nvSpPr>
+          <p:cNvPr id="2" name="Title 1"/>
+          <p:cNvSpPr>
+            <a:spLocks noGrp="1"/>
+          </p:cNvSpPr>
+          <p:nvPr>
+            <p:ph type="title"/>
+          </p:nvPr>
+        </p:nvSpPr>
+        <p:spPr>
+          <a:xfrm>
+            <a:off x="2125980" y="365125"/>
+            <a:ext cx="9227820" cy="1325563"/>
+          </a:xfrm>
+        </p:spPr>
+        <p:txBody>
+          <a:bodyPr/>
+          <a:lstStyle/>
+          <a:p>
+            <a:r>
+              <a:rPr lang="en-US" dirty="0"/>
+              <a:t>Click to edit Master title style</a:t>
+            </a:r>
+          </a:p>
+        </p:txBody>
+      </p:sp>
+      <p:sp>
+        <p:nvSpPr>
+          <p:cNvPr id="3" name="Content Placeholder 2"/>
+          <p:cNvSpPr>
+            <a:spLocks noGrp="1"/>
+          </p:cNvSpPr>
+          <p:nvPr>
+            <p:ph idx="1"/>
+          </p:nvPr>
+        </p:nvSpPr>
+        <p:spPr/>
+        <p:txBody>
+          <a:bodyPr/>
+          <a:lstStyle/>
+          <a:p>
+            <a:pPr lvl="0"/>
+            <a:r>
+              <a:rPr lang="en-US"/>
+              <a:t>Edit Master text styles</a:t>
+            </a:r>
+          </a:p>
+          <a:p>
+            <a:pPr lvl="1"/>
+            <a:r>
+              <a:rPr lang="en-US"/>
+              <a:t>Second level</a:t>
+            </a:r>
+          </a:p>
+          <a:p>
+            <a:pPr lvl="2"/>
+            <a:r>
+              <a:rPr lang="en-US"/>
+              <a:t>Third level</a:t>
+            </a:r>
+          </a:p>
+          <a:p>
+            <a:pPr lvl="3"/>
+            <a:r>
+              <a:rPr lang="en-US"/>
+              <a:t>Fourth level</a:t>
+            </a:r>
+          </a:p>
+          <a:p>
+            <a:pPr lvl="4"/>
+            <a:r>
+              <a:rPr lang="en-US"/>
+              <a:t>Fifth level</a:t>
+            </a:r>
+          </a:p>
+        </p:txBody>
+      </p:sp>
+      <p:sp>
+        <p:nvSpPr>
+          <p:cNvPr id="4" name="Date Placeholder 3"/>
+          <p:cNvSpPr>
+            <a:spLocks noGrp="1"/>
+          </p:cNvSpPr>
+          <p:nvPr>
+            <p:ph type="dt" sz="half" idx="10"/>
+          </p:nvPr>
+        </p:nvSpPr>
+        <p:spPr/>
+        <p:txBody>
+          <a:bodyPr/>
+          <a:lstStyle/>
+          <a:p>
+            <a:fld id="{8AAE40A0-A7D8-4DC3-BC9E-BADA32DA2004}" type="datetime4">
+              <a:rPr lang="en-US" smtClean="0"/>
+              <a:t>June 25, 2019</a:t>
+            </a:fld>
+            <a:endParaRPr lang="en-US" dirty="0"/>
+          </a:p>
+        </p:txBody>
+      </p:sp>
+      <p:sp>
+        <p:nvSpPr>
+          <p:cNvPr id="5" name="Footer Placeholder 4"/>
+          <p:cNvSpPr>
+            <a:spLocks noGrp="1"/>
+          </p:cNvSpPr>
+          <p:nvPr>
+            <p:ph type="ftr" sz="quarter" idx="11"/>
+          </p:nvPr>
+        </p:nvSpPr>
+        <p:spPr>
+          <a:xfrm>
+            <a:off x="3581400" y="6356350"/>
+            <a:ext cx="5029200" cy="365125"/>
+          </a:xfrm>
+        </p:spPr>
+        <p:txBody>
+          <a:bodyPr/>
+          <a:lstStyle/>
+          <a:p>
+            <a:r>
+              <a:rPr lang="en-US" dirty="0"/>
+              <a:t>Digital Scholarship Services </a:t>
+            </a:r>
+            <a:r>
+              <a:rPr lang="en-US" dirty="0">
+                <a:solidFill>
+                  <a:schemeClr val="accent1">
+                    <a:lumMod val="50000"/>
+                  </a:schemeClr>
+                </a:solidFill>
+              </a:rPr>
+              <a:t>| Email</a:t>
+            </a:r>
+            <a:r>
+              <a:rPr lang="en-US" dirty="0"/>
+              <a:t> cf24@rice.edu </a:t>
+            </a:r>
+            <a:r>
+              <a:rPr lang="en-US" dirty="0">
+                <a:solidFill>
+                  <a:schemeClr val="accent1">
+                    <a:lumMod val="50000"/>
+                  </a:schemeClr>
+                </a:solidFill>
+              </a:rPr>
+              <a:t>|</a:t>
+            </a:r>
+            <a:r>
+              <a:rPr lang="en-US" dirty="0"/>
+              <a:t> library.rice.edu/</a:t>
+            </a:r>
+            <a:r>
+              <a:rPr lang="en-US" dirty="0" err="1"/>
+              <a:t>dss</a:t>
+            </a:r>
+            <a:endParaRPr lang="en-US" dirty="0"/>
+          </a:p>
+        </p:txBody>
+      </p:sp>
+      <p:sp>
+        <p:nvSpPr>
+          <p:cNvPr id="6" name="Slide Number Placeholder 5"/>
+          <p:cNvSpPr>
+            <a:spLocks noGrp="1"/>
+          </p:cNvSpPr>
+          <p:nvPr>
+            <p:ph type="sldNum" sz="quarter" idx="12"/>
+          </p:nvPr>
+        </p:nvSpPr>
+        <p:spPr/>
+        <p:txBody>
+          <a:bodyPr/>
+          <a:lstStyle/>
+          <a:p>
+            <a:fld id="{D57F1E4F-1CFF-5643-939E-02111984F565}" type="slidenum">
+              <a:rPr lang="en-US" smtClean="0"/>
+              <a:t>‹#›</a:t>
+            </a:fld>
+            <a:endParaRPr lang="en-US" dirty="0"/>
+          </a:p>
+        </p:txBody>
+      </p:sp>
+      <p:pic>
+        <p:nvPicPr>
+          <p:cNvPr id="5122" name="Picture 2" descr="https://raw.githubusercontent.com/rstudio/hex-stickers/master/PNG/tidyverse.png">
+            <a:extLst>
+              <a:ext uri="{FF2B5EF4-FFF2-40B4-BE49-F238E27FC236}">
+                <a16:creationId xmlns:a16="http://schemas.microsoft.com/office/drawing/2014/main" id="{F76BB529-BB3C-45E9-92B0-880F5B9ECB98}"/>
+              </a:ext>
+            </a:extLst>
+          </p:cNvPr>
+          <p:cNvPicPr>
+            <a:picLocks noChangeAspect="1" noChangeArrowheads="1"/>
+          </p:cNvPicPr>
+          <p:nvPr userDrawn="1"/>
+        </p:nvPicPr>
+        <p:blipFill>
+          <a:blip r:embed="rId2">
+            <a:extLst>
+              <a:ext uri="{28A0092B-C50C-407E-A947-70E740481C1C}">
+                <a14:useLocalDpi xmlns:a14="http://schemas.microsoft.com/office/drawing/2010/main" val="0"/>
+              </a:ext>
+            </a:extLst>
+          </a:blip>
+          <a:srcRect/>
+          <a:stretch>
+            <a:fillRect/>
+          </a:stretch>
+        </p:blipFill>
+        <p:spPr bwMode="auto">
+          <a:xfrm>
+            <a:off x="838200" y="365125"/>
+            <a:ext cx="1114063" cy="1286144"/>
+          </a:xfrm>
+          <a:prstGeom prst="rect">
+            <a:avLst/>
+          </a:prstGeom>
+          <a:noFill/>
+          <a:extLst>
+            <a:ext uri="{909E8E84-426E-40DD-AFC4-6F175D3DCCD1}">
+              <a14:hiddenFill xmlns:a14="http://schemas.microsoft.com/office/drawing/2010/main">
+                <a:solidFill>
+                  <a:srgbClr val="FFFFFF"/>
+                </a:solidFill>
+              </a14:hiddenFill>
+            </a:ext>
+          </a:extLst>
+        </p:spPr>
+      </p:pic>
+    </p:spTree>
+    <p:extLst>
+      <p:ext uri="{BB962C8B-B14F-4D97-AF65-F5344CB8AC3E}">
+        <p14:creationId xmlns:p14="http://schemas.microsoft.com/office/powerpoint/2010/main" val="289356546"/>
+      </p:ext>
+    </p:extLst>
+  </p:cSld>
+  <p:clrMapOvr>
+    <a:masterClrMapping/>
+  </p:clrMapOvr>
+</p:sldLayout>
+</file>
+
+<file path=ppt/slideLayouts/slideLayout20.xml><?xml version="1.0" encoding="utf-8"?>
 <p:sldLayout xmlns:a="http://schemas.openxmlformats.org/drawingml/2006/main" xmlns:r="http://schemas.openxmlformats.org/officeDocument/2006/relationships" xmlns:p="http://schemas.openxmlformats.org/presentationml/2006/main" type="vertTx" preserve="1">
   <p:cSld name="Title and Vertical Text">
     <p:spTree>
@@ -1987,7 +4160,7 @@
           <a:p>
             <a:fld id="{8A405AA7-4C18-4A99-8AAA-8677C1976FC9}" type="datetime4">
               <a:rPr lang="en-US" smtClean="0"/>
-              <a:t>June 19, 2019</a:t>
+              <a:t>June 25, 2019</a:t>
             </a:fld>
             <a:endParaRPr lang="en-US" dirty="0"/>
           </a:p>
@@ -2052,7 +4225,7 @@
 </p:sldLayout>
 </file>
 
-<file path=ppt/slideLayouts/slideLayout15.xml><?xml version="1.0" encoding="utf-8"?>
+<file path=ppt/slideLayouts/slideLayout21.xml><?xml version="1.0" encoding="utf-8"?>
 <p:sldLayout xmlns:a="http://schemas.openxmlformats.org/drawingml/2006/main" xmlns:r="http://schemas.openxmlformats.org/officeDocument/2006/relationships" xmlns:p="http://schemas.openxmlformats.org/presentationml/2006/main" type="vertTitleAndTx" preserve="1">
   <p:cSld name="Vertical Title and Text">
     <p:spTree>
@@ -2169,7 +4342,7 @@
           <a:p>
             <a:fld id="{4EA0D668-33DD-41B9-B668-7E7FF430C345}" type="datetime4">
               <a:rPr lang="en-US" smtClean="0"/>
-              <a:t>June 19, 2019</a:t>
+              <a:t>June 25, 2019</a:t>
             </a:fld>
             <a:endParaRPr lang="en-US" dirty="0"/>
           </a:p>
@@ -2234,7 +4407,783 @@
 </p:sldLayout>
 </file>
 
-<file path=ppt/slideLayouts/slideLayout2.xml><?xml version="1.0" encoding="utf-8"?>
+<file path=ppt/slideLayouts/slideLayout3.xml><?xml version="1.0" encoding="utf-8"?>
+<p:sldLayout xmlns:a="http://schemas.openxmlformats.org/drawingml/2006/main" xmlns:r="http://schemas.openxmlformats.org/officeDocument/2006/relationships" xmlns:p="http://schemas.openxmlformats.org/presentationml/2006/main" type="obj" preserve="1">
+  <p:cSld name="Title and Content_tibble">
+    <p:spTree>
+      <p:nvGrpSpPr>
+        <p:cNvPr id="1" name=""/>
+        <p:cNvGrpSpPr/>
+        <p:nvPr/>
+      </p:nvGrpSpPr>
+      <p:grpSpPr>
+        <a:xfrm>
+          <a:off x="0" y="0"/>
+          <a:ext cx="0" cy="0"/>
+          <a:chOff x="0" y="0"/>
+          <a:chExt cx="0" cy="0"/>
+        </a:xfrm>
+      </p:grpSpPr>
+      <p:sp>
+        <p:nvSpPr>
+          <p:cNvPr id="2" name="Title 1"/>
+          <p:cNvSpPr>
+            <a:spLocks noGrp="1"/>
+          </p:cNvSpPr>
+          <p:nvPr>
+            <p:ph type="title"/>
+          </p:nvPr>
+        </p:nvSpPr>
+        <p:spPr>
+          <a:xfrm>
+            <a:off x="2125980" y="365125"/>
+            <a:ext cx="9227820" cy="1325563"/>
+          </a:xfrm>
+        </p:spPr>
+        <p:txBody>
+          <a:bodyPr/>
+          <a:lstStyle/>
+          <a:p>
+            <a:r>
+              <a:rPr lang="en-US" dirty="0"/>
+              <a:t>Click to edit Master title style</a:t>
+            </a:r>
+          </a:p>
+        </p:txBody>
+      </p:sp>
+      <p:sp>
+        <p:nvSpPr>
+          <p:cNvPr id="3" name="Content Placeholder 2"/>
+          <p:cNvSpPr>
+            <a:spLocks noGrp="1"/>
+          </p:cNvSpPr>
+          <p:nvPr>
+            <p:ph idx="1"/>
+          </p:nvPr>
+        </p:nvSpPr>
+        <p:spPr/>
+        <p:txBody>
+          <a:bodyPr/>
+          <a:lstStyle/>
+          <a:p>
+            <a:pPr lvl="0"/>
+            <a:r>
+              <a:rPr lang="en-US" dirty="0"/>
+              <a:t>Edit Master text styles</a:t>
+            </a:r>
+          </a:p>
+          <a:p>
+            <a:pPr lvl="1"/>
+            <a:r>
+              <a:rPr lang="en-US" dirty="0"/>
+              <a:t>Second level</a:t>
+            </a:r>
+          </a:p>
+          <a:p>
+            <a:pPr lvl="2"/>
+            <a:r>
+              <a:rPr lang="en-US" dirty="0"/>
+              <a:t>Third level</a:t>
+            </a:r>
+          </a:p>
+          <a:p>
+            <a:pPr lvl="3"/>
+            <a:r>
+              <a:rPr lang="en-US" dirty="0"/>
+              <a:t>Fourth level</a:t>
+            </a:r>
+          </a:p>
+          <a:p>
+            <a:pPr lvl="4"/>
+            <a:r>
+              <a:rPr lang="en-US" dirty="0"/>
+              <a:t>Fifth level</a:t>
+            </a:r>
+          </a:p>
+        </p:txBody>
+      </p:sp>
+      <p:sp>
+        <p:nvSpPr>
+          <p:cNvPr id="4" name="Date Placeholder 3"/>
+          <p:cNvSpPr>
+            <a:spLocks noGrp="1"/>
+          </p:cNvSpPr>
+          <p:nvPr>
+            <p:ph type="dt" sz="half" idx="10"/>
+          </p:nvPr>
+        </p:nvSpPr>
+        <p:spPr/>
+        <p:txBody>
+          <a:bodyPr/>
+          <a:lstStyle/>
+          <a:p>
+            <a:fld id="{8AAE40A0-A7D8-4DC3-BC9E-BADA32DA2004}" type="datetime4">
+              <a:rPr lang="en-US" smtClean="0"/>
+              <a:t>June 25, 2019</a:t>
+            </a:fld>
+            <a:endParaRPr lang="en-US" dirty="0"/>
+          </a:p>
+        </p:txBody>
+      </p:sp>
+      <p:sp>
+        <p:nvSpPr>
+          <p:cNvPr id="5" name="Footer Placeholder 4"/>
+          <p:cNvSpPr>
+            <a:spLocks noGrp="1"/>
+          </p:cNvSpPr>
+          <p:nvPr>
+            <p:ph type="ftr" sz="quarter" idx="11"/>
+          </p:nvPr>
+        </p:nvSpPr>
+        <p:spPr>
+          <a:xfrm>
+            <a:off x="3581400" y="6356350"/>
+            <a:ext cx="5029200" cy="365125"/>
+          </a:xfrm>
+        </p:spPr>
+        <p:txBody>
+          <a:bodyPr/>
+          <a:lstStyle/>
+          <a:p>
+            <a:r>
+              <a:rPr lang="en-US" dirty="0"/>
+              <a:t>Digital Scholarship Services </a:t>
+            </a:r>
+            <a:r>
+              <a:rPr lang="en-US" dirty="0">
+                <a:solidFill>
+                  <a:schemeClr val="accent1">
+                    <a:lumMod val="50000"/>
+                  </a:schemeClr>
+                </a:solidFill>
+              </a:rPr>
+              <a:t>| Email</a:t>
+            </a:r>
+            <a:r>
+              <a:rPr lang="en-US" dirty="0"/>
+              <a:t> cf24@rice.edu </a:t>
+            </a:r>
+            <a:r>
+              <a:rPr lang="en-US" dirty="0">
+                <a:solidFill>
+                  <a:schemeClr val="accent1">
+                    <a:lumMod val="50000"/>
+                  </a:schemeClr>
+                </a:solidFill>
+              </a:rPr>
+              <a:t>|</a:t>
+            </a:r>
+            <a:r>
+              <a:rPr lang="en-US" dirty="0"/>
+              <a:t> library.rice.edu/</a:t>
+            </a:r>
+            <a:r>
+              <a:rPr lang="en-US" dirty="0" err="1"/>
+              <a:t>dss</a:t>
+            </a:r>
+            <a:endParaRPr lang="en-US" dirty="0"/>
+          </a:p>
+        </p:txBody>
+      </p:sp>
+      <p:sp>
+        <p:nvSpPr>
+          <p:cNvPr id="6" name="Slide Number Placeholder 5"/>
+          <p:cNvSpPr>
+            <a:spLocks noGrp="1"/>
+          </p:cNvSpPr>
+          <p:nvPr>
+            <p:ph type="sldNum" sz="quarter" idx="12"/>
+          </p:nvPr>
+        </p:nvSpPr>
+        <p:spPr/>
+        <p:txBody>
+          <a:bodyPr/>
+          <a:lstStyle/>
+          <a:p>
+            <a:fld id="{D57F1E4F-1CFF-5643-939E-02111984F565}" type="slidenum">
+              <a:rPr lang="en-US" smtClean="0"/>
+              <a:t>‹#›</a:t>
+            </a:fld>
+            <a:endParaRPr lang="en-US" dirty="0"/>
+          </a:p>
+        </p:txBody>
+      </p:sp>
+      <p:pic>
+        <p:nvPicPr>
+          <p:cNvPr id="2054" name="Picture 6">
+            <a:extLst>
+              <a:ext uri="{FF2B5EF4-FFF2-40B4-BE49-F238E27FC236}">
+                <a16:creationId xmlns:a16="http://schemas.microsoft.com/office/drawing/2014/main" id="{E6548B91-9F8D-4993-A187-9A451BE46FD8}"/>
+              </a:ext>
+            </a:extLst>
+          </p:cNvPr>
+          <p:cNvPicPr>
+            <a:picLocks noChangeAspect="1" noChangeArrowheads="1"/>
+          </p:cNvPicPr>
+          <p:nvPr userDrawn="1"/>
+        </p:nvPicPr>
+        <p:blipFill>
+          <a:blip r:embed="rId2">
+            <a:extLst>
+              <a:ext uri="{28A0092B-C50C-407E-A947-70E740481C1C}">
+                <a14:useLocalDpi xmlns:a14="http://schemas.microsoft.com/office/drawing/2010/main" val="0"/>
+              </a:ext>
+            </a:extLst>
+          </a:blip>
+          <a:stretch>
+            <a:fillRect/>
+          </a:stretch>
+        </p:blipFill>
+        <p:spPr bwMode="auto">
+          <a:xfrm>
+            <a:off x="838201" y="365125"/>
+            <a:ext cx="1105254" cy="1281112"/>
+          </a:xfrm>
+          <a:prstGeom prst="rect">
+            <a:avLst/>
+          </a:prstGeom>
+          <a:noFill/>
+          <a:extLst>
+            <a:ext uri="{909E8E84-426E-40DD-AFC4-6F175D3DCCD1}">
+              <a14:hiddenFill xmlns:a14="http://schemas.microsoft.com/office/drawing/2010/main">
+                <a:solidFill>
+                  <a:srgbClr val="FFFFFF"/>
+                </a:solidFill>
+              </a14:hiddenFill>
+            </a:ext>
+          </a:extLst>
+        </p:spPr>
+      </p:pic>
+    </p:spTree>
+    <p:extLst>
+      <p:ext uri="{BB962C8B-B14F-4D97-AF65-F5344CB8AC3E}">
+        <p14:creationId xmlns:p14="http://schemas.microsoft.com/office/powerpoint/2010/main" val="2365892486"/>
+      </p:ext>
+    </p:extLst>
+  </p:cSld>
+  <p:clrMapOvr>
+    <a:masterClrMapping/>
+  </p:clrMapOvr>
+</p:sldLayout>
+</file>
+
+<file path=ppt/slideLayouts/slideLayout4.xml><?xml version="1.0" encoding="utf-8"?>
+<p:sldLayout xmlns:a="http://schemas.openxmlformats.org/drawingml/2006/main" xmlns:r="http://schemas.openxmlformats.org/officeDocument/2006/relationships" xmlns:p="http://schemas.openxmlformats.org/presentationml/2006/main" type="obj" preserve="1">
+  <p:cSld name="Title and Content_readr">
+    <p:spTree>
+      <p:nvGrpSpPr>
+        <p:cNvPr id="1" name=""/>
+        <p:cNvGrpSpPr/>
+        <p:nvPr/>
+      </p:nvGrpSpPr>
+      <p:grpSpPr>
+        <a:xfrm>
+          <a:off x="0" y="0"/>
+          <a:ext cx="0" cy="0"/>
+          <a:chOff x="0" y="0"/>
+          <a:chExt cx="0" cy="0"/>
+        </a:xfrm>
+      </p:grpSpPr>
+      <p:sp>
+        <p:nvSpPr>
+          <p:cNvPr id="2" name="Title 1"/>
+          <p:cNvSpPr>
+            <a:spLocks noGrp="1"/>
+          </p:cNvSpPr>
+          <p:nvPr>
+            <p:ph type="title"/>
+          </p:nvPr>
+        </p:nvSpPr>
+        <p:spPr>
+          <a:xfrm>
+            <a:off x="2125980" y="365125"/>
+            <a:ext cx="9227820" cy="1325563"/>
+          </a:xfrm>
+        </p:spPr>
+        <p:txBody>
+          <a:bodyPr/>
+          <a:lstStyle/>
+          <a:p>
+            <a:r>
+              <a:rPr lang="en-US" dirty="0"/>
+              <a:t>Click to edit Master title style</a:t>
+            </a:r>
+          </a:p>
+        </p:txBody>
+      </p:sp>
+      <p:sp>
+        <p:nvSpPr>
+          <p:cNvPr id="3" name="Content Placeholder 2"/>
+          <p:cNvSpPr>
+            <a:spLocks noGrp="1"/>
+          </p:cNvSpPr>
+          <p:nvPr>
+            <p:ph idx="1"/>
+          </p:nvPr>
+        </p:nvSpPr>
+        <p:spPr/>
+        <p:txBody>
+          <a:bodyPr/>
+          <a:lstStyle/>
+          <a:p>
+            <a:pPr lvl="0"/>
+            <a:r>
+              <a:rPr lang="en-US" dirty="0"/>
+              <a:t>Edit Master text styles</a:t>
+            </a:r>
+          </a:p>
+          <a:p>
+            <a:pPr lvl="1"/>
+            <a:r>
+              <a:rPr lang="en-US" dirty="0"/>
+              <a:t>Second level</a:t>
+            </a:r>
+          </a:p>
+          <a:p>
+            <a:pPr lvl="2"/>
+            <a:r>
+              <a:rPr lang="en-US" dirty="0"/>
+              <a:t>Third level</a:t>
+            </a:r>
+          </a:p>
+          <a:p>
+            <a:pPr lvl="3"/>
+            <a:r>
+              <a:rPr lang="en-US" dirty="0"/>
+              <a:t>Fourth level</a:t>
+            </a:r>
+          </a:p>
+          <a:p>
+            <a:pPr lvl="4"/>
+            <a:r>
+              <a:rPr lang="en-US" dirty="0"/>
+              <a:t>Fifth level</a:t>
+            </a:r>
+          </a:p>
+        </p:txBody>
+      </p:sp>
+      <p:sp>
+        <p:nvSpPr>
+          <p:cNvPr id="4" name="Date Placeholder 3"/>
+          <p:cNvSpPr>
+            <a:spLocks noGrp="1"/>
+          </p:cNvSpPr>
+          <p:nvPr>
+            <p:ph type="dt" sz="half" idx="10"/>
+          </p:nvPr>
+        </p:nvSpPr>
+        <p:spPr/>
+        <p:txBody>
+          <a:bodyPr/>
+          <a:lstStyle/>
+          <a:p>
+            <a:fld id="{8AAE40A0-A7D8-4DC3-BC9E-BADA32DA2004}" type="datetime4">
+              <a:rPr lang="en-US" smtClean="0"/>
+              <a:t>June 25, 2019</a:t>
+            </a:fld>
+            <a:endParaRPr lang="en-US" dirty="0"/>
+          </a:p>
+        </p:txBody>
+      </p:sp>
+      <p:sp>
+        <p:nvSpPr>
+          <p:cNvPr id="5" name="Footer Placeholder 4"/>
+          <p:cNvSpPr>
+            <a:spLocks noGrp="1"/>
+          </p:cNvSpPr>
+          <p:nvPr>
+            <p:ph type="ftr" sz="quarter" idx="11"/>
+          </p:nvPr>
+        </p:nvSpPr>
+        <p:spPr>
+          <a:xfrm>
+            <a:off x="3581400" y="6356350"/>
+            <a:ext cx="5029200" cy="365125"/>
+          </a:xfrm>
+        </p:spPr>
+        <p:txBody>
+          <a:bodyPr/>
+          <a:lstStyle/>
+          <a:p>
+            <a:r>
+              <a:rPr lang="en-US" dirty="0"/>
+              <a:t>Digital Scholarship Services </a:t>
+            </a:r>
+            <a:r>
+              <a:rPr lang="en-US" dirty="0">
+                <a:solidFill>
+                  <a:schemeClr val="accent1">
+                    <a:lumMod val="50000"/>
+                  </a:schemeClr>
+                </a:solidFill>
+              </a:rPr>
+              <a:t>| Email</a:t>
+            </a:r>
+            <a:r>
+              <a:rPr lang="en-US" dirty="0"/>
+              <a:t> cf24@rice.edu </a:t>
+            </a:r>
+            <a:r>
+              <a:rPr lang="en-US" dirty="0">
+                <a:solidFill>
+                  <a:schemeClr val="accent1">
+                    <a:lumMod val="50000"/>
+                  </a:schemeClr>
+                </a:solidFill>
+              </a:rPr>
+              <a:t>|</a:t>
+            </a:r>
+            <a:r>
+              <a:rPr lang="en-US" dirty="0"/>
+              <a:t> library.rice.edu/</a:t>
+            </a:r>
+            <a:r>
+              <a:rPr lang="en-US" dirty="0" err="1"/>
+              <a:t>dss</a:t>
+            </a:r>
+            <a:endParaRPr lang="en-US" dirty="0"/>
+          </a:p>
+        </p:txBody>
+      </p:sp>
+      <p:sp>
+        <p:nvSpPr>
+          <p:cNvPr id="6" name="Slide Number Placeholder 5"/>
+          <p:cNvSpPr>
+            <a:spLocks noGrp="1"/>
+          </p:cNvSpPr>
+          <p:nvPr>
+            <p:ph type="sldNum" sz="quarter" idx="12"/>
+          </p:nvPr>
+        </p:nvSpPr>
+        <p:spPr/>
+        <p:txBody>
+          <a:bodyPr/>
+          <a:lstStyle/>
+          <a:p>
+            <a:fld id="{D57F1E4F-1CFF-5643-939E-02111984F565}" type="slidenum">
+              <a:rPr lang="en-US" smtClean="0"/>
+              <a:t>‹#›</a:t>
+            </a:fld>
+            <a:endParaRPr lang="en-US" dirty="0"/>
+          </a:p>
+        </p:txBody>
+      </p:sp>
+      <p:pic>
+        <p:nvPicPr>
+          <p:cNvPr id="1026" name="Picture 2" descr="https://raw.githubusercontent.com/rstudio/hex-stickers/master/PNG/readr.png"/>
+          <p:cNvPicPr>
+            <a:picLocks noChangeAspect="1" noChangeArrowheads="1"/>
+          </p:cNvPicPr>
+          <p:nvPr userDrawn="1"/>
+        </p:nvPicPr>
+        <p:blipFill>
+          <a:blip r:embed="rId2">
+            <a:extLst>
+              <a:ext uri="{28A0092B-C50C-407E-A947-70E740481C1C}">
+                <a14:useLocalDpi xmlns:a14="http://schemas.microsoft.com/office/drawing/2010/main" val="0"/>
+              </a:ext>
+            </a:extLst>
+          </a:blip>
+          <a:srcRect/>
+          <a:stretch>
+            <a:fillRect/>
+          </a:stretch>
+        </p:blipFill>
+        <p:spPr bwMode="auto">
+          <a:xfrm>
+            <a:off x="838200" y="365125"/>
+            <a:ext cx="1105254" cy="1281113"/>
+          </a:xfrm>
+          <a:prstGeom prst="rect">
+            <a:avLst/>
+          </a:prstGeom>
+          <a:noFill/>
+          <a:extLst>
+            <a:ext uri="{909E8E84-426E-40DD-AFC4-6F175D3DCCD1}">
+              <a14:hiddenFill xmlns:a14="http://schemas.microsoft.com/office/drawing/2010/main">
+                <a:solidFill>
+                  <a:srgbClr val="FFFFFF"/>
+                </a:solidFill>
+              </a14:hiddenFill>
+            </a:ext>
+          </a:extLst>
+        </p:spPr>
+      </p:pic>
+    </p:spTree>
+    <p:extLst>
+      <p:ext uri="{BB962C8B-B14F-4D97-AF65-F5344CB8AC3E}">
+        <p14:creationId xmlns:p14="http://schemas.microsoft.com/office/powerpoint/2010/main" val="3138941357"/>
+      </p:ext>
+    </p:extLst>
+  </p:cSld>
+  <p:clrMapOvr>
+    <a:masterClrMapping/>
+  </p:clrMapOvr>
+</p:sldLayout>
+</file>
+
+<file path=ppt/slideLayouts/slideLayout5.xml><?xml version="1.0" encoding="utf-8"?>
+<p:sldLayout xmlns:a="http://schemas.openxmlformats.org/drawingml/2006/main" xmlns:r="http://schemas.openxmlformats.org/officeDocument/2006/relationships" xmlns:p="http://schemas.openxmlformats.org/presentationml/2006/main" type="obj" preserve="1">
+  <p:cSld name="Title and Content_dplyr">
+    <p:spTree>
+      <p:nvGrpSpPr>
+        <p:cNvPr id="1" name=""/>
+        <p:cNvGrpSpPr/>
+        <p:nvPr/>
+      </p:nvGrpSpPr>
+      <p:grpSpPr>
+        <a:xfrm>
+          <a:off x="0" y="0"/>
+          <a:ext cx="0" cy="0"/>
+          <a:chOff x="0" y="0"/>
+          <a:chExt cx="0" cy="0"/>
+        </a:xfrm>
+      </p:grpSpPr>
+      <p:sp>
+        <p:nvSpPr>
+          <p:cNvPr id="2" name="Title 1"/>
+          <p:cNvSpPr>
+            <a:spLocks noGrp="1"/>
+          </p:cNvSpPr>
+          <p:nvPr>
+            <p:ph type="title"/>
+          </p:nvPr>
+        </p:nvSpPr>
+        <p:spPr>
+          <a:xfrm>
+            <a:off x="2125980" y="365125"/>
+            <a:ext cx="9227820" cy="1325563"/>
+          </a:xfrm>
+        </p:spPr>
+        <p:txBody>
+          <a:bodyPr/>
+          <a:lstStyle/>
+          <a:p>
+            <a:r>
+              <a:rPr lang="en-US" dirty="0"/>
+              <a:t>Click to edit Master title style</a:t>
+            </a:r>
+          </a:p>
+        </p:txBody>
+      </p:sp>
+      <p:sp>
+        <p:nvSpPr>
+          <p:cNvPr id="3" name="Content Placeholder 2"/>
+          <p:cNvSpPr>
+            <a:spLocks noGrp="1"/>
+          </p:cNvSpPr>
+          <p:nvPr>
+            <p:ph idx="1"/>
+          </p:nvPr>
+        </p:nvSpPr>
+        <p:spPr/>
+        <p:txBody>
+          <a:bodyPr/>
+          <a:lstStyle/>
+          <a:p>
+            <a:pPr lvl="0"/>
+            <a:r>
+              <a:rPr lang="en-US"/>
+              <a:t>Edit Master text styles</a:t>
+            </a:r>
+          </a:p>
+          <a:p>
+            <a:pPr lvl="1"/>
+            <a:r>
+              <a:rPr lang="en-US"/>
+              <a:t>Second level</a:t>
+            </a:r>
+          </a:p>
+          <a:p>
+            <a:pPr lvl="2"/>
+            <a:r>
+              <a:rPr lang="en-US"/>
+              <a:t>Third level</a:t>
+            </a:r>
+          </a:p>
+          <a:p>
+            <a:pPr lvl="3"/>
+            <a:r>
+              <a:rPr lang="en-US"/>
+              <a:t>Fourth level</a:t>
+            </a:r>
+          </a:p>
+          <a:p>
+            <a:pPr lvl="4"/>
+            <a:r>
+              <a:rPr lang="en-US"/>
+              <a:t>Fifth level</a:t>
+            </a:r>
+          </a:p>
+        </p:txBody>
+      </p:sp>
+      <p:sp>
+        <p:nvSpPr>
+          <p:cNvPr id="4" name="Date Placeholder 3"/>
+          <p:cNvSpPr>
+            <a:spLocks noGrp="1"/>
+          </p:cNvSpPr>
+          <p:nvPr>
+            <p:ph type="dt" sz="half" idx="10"/>
+          </p:nvPr>
+        </p:nvSpPr>
+        <p:spPr/>
+        <p:txBody>
+          <a:bodyPr/>
+          <a:lstStyle/>
+          <a:p>
+            <a:fld id="{8AAE40A0-A7D8-4DC3-BC9E-BADA32DA2004}" type="datetime4">
+              <a:rPr lang="en-US" smtClean="0"/>
+              <a:t>June 25, 2019</a:t>
+            </a:fld>
+            <a:endParaRPr lang="en-US" dirty="0"/>
+          </a:p>
+        </p:txBody>
+      </p:sp>
+      <p:sp>
+        <p:nvSpPr>
+          <p:cNvPr id="5" name="Footer Placeholder 4"/>
+          <p:cNvSpPr>
+            <a:spLocks noGrp="1"/>
+          </p:cNvSpPr>
+          <p:nvPr>
+            <p:ph type="ftr" sz="quarter" idx="11"/>
+          </p:nvPr>
+        </p:nvSpPr>
+        <p:spPr>
+          <a:xfrm>
+            <a:off x="3581400" y="6356350"/>
+            <a:ext cx="5029200" cy="365125"/>
+          </a:xfrm>
+        </p:spPr>
+        <p:txBody>
+          <a:bodyPr/>
+          <a:lstStyle/>
+          <a:p>
+            <a:r>
+              <a:rPr lang="en-US" dirty="0"/>
+              <a:t>Digital Scholarship Services </a:t>
+            </a:r>
+            <a:r>
+              <a:rPr lang="en-US" dirty="0">
+                <a:solidFill>
+                  <a:schemeClr val="accent1">
+                    <a:lumMod val="50000"/>
+                  </a:schemeClr>
+                </a:solidFill>
+              </a:rPr>
+              <a:t>| Email</a:t>
+            </a:r>
+            <a:r>
+              <a:rPr lang="en-US" dirty="0"/>
+              <a:t> cf24@rice.edu </a:t>
+            </a:r>
+            <a:r>
+              <a:rPr lang="en-US" dirty="0">
+                <a:solidFill>
+                  <a:schemeClr val="accent1">
+                    <a:lumMod val="50000"/>
+                  </a:schemeClr>
+                </a:solidFill>
+              </a:rPr>
+              <a:t>|</a:t>
+            </a:r>
+            <a:r>
+              <a:rPr lang="en-US" dirty="0"/>
+              <a:t> library.rice.edu/</a:t>
+            </a:r>
+            <a:r>
+              <a:rPr lang="en-US" dirty="0" err="1"/>
+              <a:t>dss</a:t>
+            </a:r>
+            <a:endParaRPr lang="en-US" dirty="0"/>
+          </a:p>
+        </p:txBody>
+      </p:sp>
+      <p:sp>
+        <p:nvSpPr>
+          <p:cNvPr id="6" name="Slide Number Placeholder 5"/>
+          <p:cNvSpPr>
+            <a:spLocks noGrp="1"/>
+          </p:cNvSpPr>
+          <p:nvPr>
+            <p:ph type="sldNum" sz="quarter" idx="12"/>
+          </p:nvPr>
+        </p:nvSpPr>
+        <p:spPr/>
+        <p:txBody>
+          <a:bodyPr/>
+          <a:lstStyle/>
+          <a:p>
+            <a:fld id="{D57F1E4F-1CFF-5643-939E-02111984F565}" type="slidenum">
+              <a:rPr lang="en-US" smtClean="0"/>
+              <a:t>‹#›</a:t>
+            </a:fld>
+            <a:endParaRPr lang="en-US" dirty="0"/>
+          </a:p>
+        </p:txBody>
+      </p:sp>
+      <p:pic>
+        <p:nvPicPr>
+          <p:cNvPr id="4098" name="Picture 2" descr="https://raw.githubusercontent.com/rstudio/hex-stickers/master/PNG/dplyr.png">
+            <a:extLst>
+              <a:ext uri="{FF2B5EF4-FFF2-40B4-BE49-F238E27FC236}">
+                <a16:creationId xmlns:a16="http://schemas.microsoft.com/office/drawing/2014/main" id="{84924D5D-31FF-4BA9-9128-2F2F5F93EF67}"/>
+              </a:ext>
+            </a:extLst>
+          </p:cNvPr>
+          <p:cNvPicPr>
+            <a:picLocks noChangeAspect="1" noChangeArrowheads="1"/>
+          </p:cNvPicPr>
+          <p:nvPr userDrawn="1"/>
+        </p:nvPicPr>
+        <p:blipFill>
+          <a:blip r:embed="rId2">
+            <a:extLst>
+              <a:ext uri="{28A0092B-C50C-407E-A947-70E740481C1C}">
+                <a14:useLocalDpi xmlns:a14="http://schemas.microsoft.com/office/drawing/2010/main" val="0"/>
+              </a:ext>
+            </a:extLst>
+          </a:blip>
+          <a:srcRect/>
+          <a:stretch>
+            <a:fillRect/>
+          </a:stretch>
+        </p:blipFill>
+        <p:spPr bwMode="auto">
+          <a:xfrm>
+            <a:off x="838201" y="365125"/>
+            <a:ext cx="1105256" cy="1281113"/>
+          </a:xfrm>
+          <a:prstGeom prst="rect">
+            <a:avLst/>
+          </a:prstGeom>
+          <a:noFill/>
+          <a:extLst>
+            <a:ext uri="{909E8E84-426E-40DD-AFC4-6F175D3DCCD1}">
+              <a14:hiddenFill xmlns:a14="http://schemas.microsoft.com/office/drawing/2010/main">
+                <a:solidFill>
+                  <a:srgbClr val="FFFFFF"/>
+                </a:solidFill>
+              </a14:hiddenFill>
+            </a:ext>
+          </a:extLst>
+        </p:spPr>
+      </p:pic>
+    </p:spTree>
+    <p:extLst>
+      <p:ext uri="{BB962C8B-B14F-4D97-AF65-F5344CB8AC3E}">
+        <p14:creationId xmlns:p14="http://schemas.microsoft.com/office/powerpoint/2010/main" val="4186932437"/>
+      </p:ext>
+    </p:extLst>
+  </p:cSld>
+  <p:clrMapOvr>
+    <a:masterClrMapping/>
+  </p:clrMapOvr>
+</p:sldLayout>
+</file>
+
+<file path=ppt/slideLayouts/slideLayout6.xml><?xml version="1.0" encoding="utf-8"?>
 <p:sldLayout xmlns:a="http://schemas.openxmlformats.org/drawingml/2006/main" xmlns:r="http://schemas.openxmlformats.org/officeDocument/2006/relationships" xmlns:p="http://schemas.openxmlformats.org/presentationml/2006/main" type="obj" preserve="1">
   <p:cSld name="Title and Content">
     <p:spTree>
@@ -2346,7 +5295,7 @@
           <a:p>
             <a:fld id="{8AAE40A0-A7D8-4DC3-BC9E-BADA32DA2004}" type="datetime4">
               <a:rPr lang="en-US" smtClean="0"/>
-              <a:t>June 19, 2019</a:t>
+              <a:t>June 25, 2019</a:t>
             </a:fld>
             <a:endParaRPr lang="en-US" dirty="0"/>
           </a:p>
@@ -2495,9 +5444,9 @@
 </p:sldLayout>
 </file>
 
-<file path=ppt/slideLayouts/slideLayout3.xml><?xml version="1.0" encoding="utf-8"?>
+<file path=ppt/slideLayouts/slideLayout7.xml><?xml version="1.0" encoding="utf-8"?>
 <p:sldLayout xmlns:a="http://schemas.openxmlformats.org/drawingml/2006/main" xmlns:r="http://schemas.openxmlformats.org/officeDocument/2006/relationships" xmlns:p="http://schemas.openxmlformats.org/presentationml/2006/main" type="obj" preserve="1">
-  <p:cSld name="Title and Content_dplyr">
+  <p:cSld name="Title and Content_purrr">
     <p:spTree>
       <p:nvGrpSpPr>
         <p:cNvPr id="1" name=""/>
@@ -2556,35 +5505,35 @@
           <a:p>
             <a:pPr lvl="0"/>
             <a:r>
-              <a:rPr lang="en-US"/>
+              <a:rPr lang="en-US" dirty="0"/>
               <a:t>Edit Master text styles</a:t>
             </a:r>
           </a:p>
           <a:p>
             <a:pPr lvl="1"/>
             <a:r>
-              <a:rPr lang="en-US"/>
+              <a:rPr lang="en-US" dirty="0"/>
               <a:t>Second level</a:t>
             </a:r>
           </a:p>
           <a:p>
             <a:pPr lvl="2"/>
             <a:r>
-              <a:rPr lang="en-US"/>
+              <a:rPr lang="en-US" dirty="0"/>
               <a:t>Third level</a:t>
             </a:r>
           </a:p>
           <a:p>
             <a:pPr lvl="3"/>
             <a:r>
-              <a:rPr lang="en-US"/>
+              <a:rPr lang="en-US" dirty="0"/>
               <a:t>Fourth level</a:t>
             </a:r>
           </a:p>
           <a:p>
             <a:pPr lvl="4"/>
             <a:r>
-              <a:rPr lang="en-US"/>
+              <a:rPr lang="en-US" dirty="0"/>
               <a:t>Fifth level</a:t>
             </a:r>
           </a:p>
@@ -2607,7 +5556,7 @@
           <a:p>
             <a:fld id="{8AAE40A0-A7D8-4DC3-BC9E-BADA32DA2004}" type="datetime4">
               <a:rPr lang="en-US" smtClean="0"/>
-              <a:t>June 19, 2019</a:t>
+              <a:t>June 25, 2019</a:t>
             </a:fld>
             <a:endParaRPr lang="en-US" dirty="0"/>
           </a:p>
@@ -2698,10 +5647,10 @@
       </p:sp>
       <p:pic>
         <p:nvPicPr>
-          <p:cNvPr id="4098" name="Picture 2" descr="https://raw.githubusercontent.com/rstudio/hex-stickers/master/PNG/dplyr.png">
+          <p:cNvPr id="2054" name="Picture 6">
             <a:extLst>
               <a:ext uri="{FF2B5EF4-FFF2-40B4-BE49-F238E27FC236}">
-                <a16:creationId xmlns:a16="http://schemas.microsoft.com/office/drawing/2014/main" id="{84924D5D-31FF-4BA9-9128-2F2F5F93EF67}"/>
+                <a16:creationId xmlns:a16="http://schemas.microsoft.com/office/drawing/2014/main" id="{E6548B91-9F8D-4993-A187-9A451BE46FD8}"/>
               </a:ext>
             </a:extLst>
           </p:cNvPr>
@@ -2718,7 +5667,6 @@
               </a:ext>
             </a:extLst>
           </a:blip>
-          <a:srcRect/>
           <a:stretch>
             <a:fillRect/>
           </a:stretch>
@@ -2726,7 +5674,7 @@
         <p:spPr bwMode="auto">
           <a:xfrm>
             <a:off x="838201" y="365125"/>
-            <a:ext cx="1105256" cy="1281113"/>
+            <a:ext cx="1105254" cy="1281113"/>
           </a:xfrm>
           <a:prstGeom prst="rect">
             <a:avLst/>
@@ -2746,7 +5694,7 @@
     </p:spTree>
     <p:extLst>
       <p:ext uri="{BB962C8B-B14F-4D97-AF65-F5344CB8AC3E}">
-        <p14:creationId xmlns:p14="http://schemas.microsoft.com/office/powerpoint/2010/main" val="4186932437"/>
+        <p14:creationId xmlns:p14="http://schemas.microsoft.com/office/powerpoint/2010/main" val="2937621191"/>
       </p:ext>
     </p:extLst>
   </p:cSld>
@@ -2756,268 +5704,7 @@
 </p:sldLayout>
 </file>
 
-<file path=ppt/slideLayouts/slideLayout4.xml><?xml version="1.0" encoding="utf-8"?>
-<p:sldLayout xmlns:a="http://schemas.openxmlformats.org/drawingml/2006/main" xmlns:r="http://schemas.openxmlformats.org/officeDocument/2006/relationships" xmlns:p="http://schemas.openxmlformats.org/presentationml/2006/main" type="obj" preserve="1">
-  <p:cSld name="Title and Content_tidyverse">
-    <p:spTree>
-      <p:nvGrpSpPr>
-        <p:cNvPr id="1" name=""/>
-        <p:cNvGrpSpPr/>
-        <p:nvPr/>
-      </p:nvGrpSpPr>
-      <p:grpSpPr>
-        <a:xfrm>
-          <a:off x="0" y="0"/>
-          <a:ext cx="0" cy="0"/>
-          <a:chOff x="0" y="0"/>
-          <a:chExt cx="0" cy="0"/>
-        </a:xfrm>
-      </p:grpSpPr>
-      <p:sp>
-        <p:nvSpPr>
-          <p:cNvPr id="2" name="Title 1"/>
-          <p:cNvSpPr>
-            <a:spLocks noGrp="1"/>
-          </p:cNvSpPr>
-          <p:nvPr>
-            <p:ph type="title"/>
-          </p:nvPr>
-        </p:nvSpPr>
-        <p:spPr>
-          <a:xfrm>
-            <a:off x="2125980" y="365125"/>
-            <a:ext cx="9227820" cy="1325563"/>
-          </a:xfrm>
-        </p:spPr>
-        <p:txBody>
-          <a:bodyPr/>
-          <a:lstStyle/>
-          <a:p>
-            <a:r>
-              <a:rPr lang="en-US" dirty="0"/>
-              <a:t>Click to edit Master title style</a:t>
-            </a:r>
-          </a:p>
-        </p:txBody>
-      </p:sp>
-      <p:sp>
-        <p:nvSpPr>
-          <p:cNvPr id="3" name="Content Placeholder 2"/>
-          <p:cNvSpPr>
-            <a:spLocks noGrp="1"/>
-          </p:cNvSpPr>
-          <p:nvPr>
-            <p:ph idx="1"/>
-          </p:nvPr>
-        </p:nvSpPr>
-        <p:spPr/>
-        <p:txBody>
-          <a:bodyPr/>
-          <a:lstStyle/>
-          <a:p>
-            <a:pPr lvl="0"/>
-            <a:r>
-              <a:rPr lang="en-US"/>
-              <a:t>Edit Master text styles</a:t>
-            </a:r>
-          </a:p>
-          <a:p>
-            <a:pPr lvl="1"/>
-            <a:r>
-              <a:rPr lang="en-US"/>
-              <a:t>Second level</a:t>
-            </a:r>
-          </a:p>
-          <a:p>
-            <a:pPr lvl="2"/>
-            <a:r>
-              <a:rPr lang="en-US"/>
-              <a:t>Third level</a:t>
-            </a:r>
-          </a:p>
-          <a:p>
-            <a:pPr lvl="3"/>
-            <a:r>
-              <a:rPr lang="en-US"/>
-              <a:t>Fourth level</a:t>
-            </a:r>
-          </a:p>
-          <a:p>
-            <a:pPr lvl="4"/>
-            <a:r>
-              <a:rPr lang="en-US"/>
-              <a:t>Fifth level</a:t>
-            </a:r>
-          </a:p>
-        </p:txBody>
-      </p:sp>
-      <p:sp>
-        <p:nvSpPr>
-          <p:cNvPr id="4" name="Date Placeholder 3"/>
-          <p:cNvSpPr>
-            <a:spLocks noGrp="1"/>
-          </p:cNvSpPr>
-          <p:nvPr>
-            <p:ph type="dt" sz="half" idx="10"/>
-          </p:nvPr>
-        </p:nvSpPr>
-        <p:spPr/>
-        <p:txBody>
-          <a:bodyPr/>
-          <a:lstStyle/>
-          <a:p>
-            <a:fld id="{8AAE40A0-A7D8-4DC3-BC9E-BADA32DA2004}" type="datetime4">
-              <a:rPr lang="en-US" smtClean="0"/>
-              <a:t>June 19, 2019</a:t>
-            </a:fld>
-            <a:endParaRPr lang="en-US" dirty="0"/>
-          </a:p>
-        </p:txBody>
-      </p:sp>
-      <p:sp>
-        <p:nvSpPr>
-          <p:cNvPr id="5" name="Footer Placeholder 4"/>
-          <p:cNvSpPr>
-            <a:spLocks noGrp="1"/>
-          </p:cNvSpPr>
-          <p:nvPr>
-            <p:ph type="ftr" sz="quarter" idx="11"/>
-          </p:nvPr>
-        </p:nvSpPr>
-        <p:spPr>
-          <a:xfrm>
-            <a:off x="3581400" y="6356350"/>
-            <a:ext cx="5029200" cy="365125"/>
-          </a:xfrm>
-        </p:spPr>
-        <p:txBody>
-          <a:bodyPr/>
-          <a:lstStyle/>
-          <a:p>
-            <a:r>
-              <a:rPr lang="en-US" dirty="0"/>
-              <a:t>Digital Scholarship Services </a:t>
-            </a:r>
-            <a:r>
-              <a:rPr lang="en-US" dirty="0">
-                <a:solidFill>
-                  <a:schemeClr val="accent1">
-                    <a:lumMod val="50000"/>
-                  </a:schemeClr>
-                </a:solidFill>
-              </a:rPr>
-              <a:t>| Email</a:t>
-            </a:r>
-            <a:r>
-              <a:rPr lang="en-US" dirty="0"/>
-              <a:t> cf24@rice.edu </a:t>
-            </a:r>
-            <a:r>
-              <a:rPr lang="en-US" dirty="0">
-                <a:solidFill>
-                  <a:schemeClr val="accent1">
-                    <a:lumMod val="50000"/>
-                  </a:schemeClr>
-                </a:solidFill>
-              </a:rPr>
-              <a:t>|</a:t>
-            </a:r>
-            <a:r>
-              <a:rPr lang="en-US" dirty="0"/>
-              <a:t> library.rice.edu/</a:t>
-            </a:r>
-            <a:r>
-              <a:rPr lang="en-US" dirty="0" err="1"/>
-              <a:t>dss</a:t>
-            </a:r>
-            <a:endParaRPr lang="en-US" dirty="0"/>
-          </a:p>
-        </p:txBody>
-      </p:sp>
-      <p:sp>
-        <p:nvSpPr>
-          <p:cNvPr id="6" name="Slide Number Placeholder 5"/>
-          <p:cNvSpPr>
-            <a:spLocks noGrp="1"/>
-          </p:cNvSpPr>
-          <p:nvPr>
-            <p:ph type="sldNum" sz="quarter" idx="12"/>
-          </p:nvPr>
-        </p:nvSpPr>
-        <p:spPr/>
-        <p:txBody>
-          <a:bodyPr/>
-          <a:lstStyle/>
-          <a:p>
-            <a:fld id="{D57F1E4F-1CFF-5643-939E-02111984F565}" type="slidenum">
-              <a:rPr lang="en-US" smtClean="0"/>
-              <a:t>‹#›</a:t>
-            </a:fld>
-            <a:endParaRPr lang="en-US" dirty="0"/>
-          </a:p>
-        </p:txBody>
-      </p:sp>
-      <p:pic>
-        <p:nvPicPr>
-          <p:cNvPr id="5122" name="Picture 2" descr="https://raw.githubusercontent.com/rstudio/hex-stickers/master/PNG/tidyverse.png">
-            <a:extLst>
-              <a:ext uri="{FF2B5EF4-FFF2-40B4-BE49-F238E27FC236}">
-                <a16:creationId xmlns:a16="http://schemas.microsoft.com/office/drawing/2014/main" id="{F76BB529-BB3C-45E9-92B0-880F5B9ECB98}"/>
-              </a:ext>
-            </a:extLst>
-          </p:cNvPr>
-          <p:cNvPicPr>
-            <a:picLocks noChangeAspect="1" noChangeArrowheads="1"/>
-          </p:cNvPicPr>
-          <p:nvPr userDrawn="1"/>
-        </p:nvPicPr>
-        <p:blipFill>
-          <a:blip r:embed="rId2">
-            <a:extLst>
-              <a:ext uri="{28A0092B-C50C-407E-A947-70E740481C1C}">
-                <a14:useLocalDpi xmlns:a14="http://schemas.microsoft.com/office/drawing/2010/main" val="0"/>
-              </a:ext>
-            </a:extLst>
-          </a:blip>
-          <a:srcRect/>
-          <a:stretch>
-            <a:fillRect/>
-          </a:stretch>
-        </p:blipFill>
-        <p:spPr bwMode="auto">
-          <a:xfrm>
-            <a:off x="838200" y="365125"/>
-            <a:ext cx="1114063" cy="1286144"/>
-          </a:xfrm>
-          <a:prstGeom prst="rect">
-            <a:avLst/>
-          </a:prstGeom>
-          <a:noFill/>
-          <a:extLst>
-            <a:ext uri="{909E8E84-426E-40DD-AFC4-6F175D3DCCD1}">
-              <a14:hiddenFill xmlns:a14="http://schemas.microsoft.com/office/drawing/2010/main">
-                <a:solidFill>
-                  <a:srgbClr val="FFFFFF"/>
-                </a:solidFill>
-              </a14:hiddenFill>
-            </a:ext>
-          </a:extLst>
-        </p:spPr>
-      </p:pic>
-    </p:spTree>
-    <p:extLst>
-      <p:ext uri="{BB962C8B-B14F-4D97-AF65-F5344CB8AC3E}">
-        <p14:creationId xmlns:p14="http://schemas.microsoft.com/office/powerpoint/2010/main" val="289356546"/>
-      </p:ext>
-    </p:extLst>
-  </p:cSld>
-  <p:clrMapOvr>
-    <a:masterClrMapping/>
-  </p:clrMapOvr>
-</p:sldLayout>
-</file>
-
-<file path=ppt/slideLayouts/slideLayout5.xml><?xml version="1.0" encoding="utf-8"?>
+<file path=ppt/slideLayouts/slideLayout8.xml><?xml version="1.0" encoding="utf-8"?>
 <p:sldLayout xmlns:a="http://schemas.openxmlformats.org/drawingml/2006/main" xmlns:r="http://schemas.openxmlformats.org/officeDocument/2006/relationships" xmlns:p="http://schemas.openxmlformats.org/presentationml/2006/main" type="secHead" preserve="1">
   <p:cSld name="Section Header">
     <p:spTree>
@@ -3201,7 +5888,7 @@
           <a:p>
             <a:fld id="{B08FEED8-D7D4-44E9-BFBC-ED06B5996D94}" type="datetime4">
               <a:rPr lang="en-US" smtClean="0"/>
-              <a:t>June 19, 2019</a:t>
+              <a:t>June 25, 2019</a:t>
             </a:fld>
             <a:endParaRPr lang="en-US" dirty="0"/>
           </a:p>
@@ -3345,9 +6032,9 @@
 </p:sldLayout>
 </file>
 
-<file path=ppt/slideLayouts/slideLayout6.xml><?xml version="1.0" encoding="utf-8"?>
+<file path=ppt/slideLayouts/slideLayout9.xml><?xml version="1.0" encoding="utf-8"?>
 <p:sldLayout xmlns:a="http://schemas.openxmlformats.org/drawingml/2006/main" xmlns:r="http://schemas.openxmlformats.org/officeDocument/2006/relationships" xmlns:p="http://schemas.openxmlformats.org/presentationml/2006/main" type="secHead" preserve="1">
-  <p:cSld name="Section Header_dplyr">
+  <p:cSld name="Section Header_tibble">
     <p:spTree>
       <p:nvGrpSpPr>
         <p:cNvPr id="1" name=""/>
@@ -3529,7 +6216,7 @@
           <a:p>
             <a:fld id="{B08FEED8-D7D4-44E9-BFBC-ED06B5996D94}" type="datetime4">
               <a:rPr lang="en-US" smtClean="0"/>
-              <a:t>June 19, 2019</a:t>
+              <a:t>June 25, 2019</a:t>
             </a:fld>
             <a:endParaRPr lang="en-US" dirty="0"/>
           </a:p>
@@ -3615,335 +6302,7 @@
       </p:sp>
       <p:pic>
         <p:nvPicPr>
-          <p:cNvPr id="8" name="Picture 2" descr="https://raw.githubusercontent.com/rstudio/hex-stickers/master/PNG/dplyr.png">
-            <a:extLst>
-              <a:ext uri="{FF2B5EF4-FFF2-40B4-BE49-F238E27FC236}">
-                <a16:creationId xmlns:a16="http://schemas.microsoft.com/office/drawing/2014/main" id="{2B423E35-BB3A-420D-97DC-41C64528DCAD}"/>
-              </a:ext>
-            </a:extLst>
-          </p:cNvPr>
-          <p:cNvPicPr>
-            <a:picLocks noChangeAspect="1" noChangeArrowheads="1"/>
-          </p:cNvPicPr>
-          <p:nvPr userDrawn="1"/>
-        </p:nvPicPr>
-        <p:blipFill>
-          <a:blip r:embed="rId2">
-            <a:extLst>
-              <a:ext uri="{28A0092B-C50C-407E-A947-70E740481C1C}">
-                <a14:useLocalDpi xmlns:a14="http://schemas.microsoft.com/office/drawing/2010/main" val="0"/>
-              </a:ext>
-            </a:extLst>
-          </a:blip>
-          <a:srcRect/>
-          <a:stretch>
-            <a:fillRect/>
-          </a:stretch>
-        </p:blipFill>
-        <p:spPr bwMode="auto">
-          <a:xfrm>
-            <a:off x="9564382" y="2495549"/>
-            <a:ext cx="1783201" cy="2066926"/>
-          </a:xfrm>
-          <a:prstGeom prst="rect">
-            <a:avLst/>
-          </a:prstGeom>
-          <a:noFill/>
-          <a:extLst>
-            <a:ext uri="{909E8E84-426E-40DD-AFC4-6F175D3DCCD1}">
-              <a14:hiddenFill xmlns:a14="http://schemas.microsoft.com/office/drawing/2010/main">
-                <a:solidFill>
-                  <a:srgbClr val="FFFFFF"/>
-                </a:solidFill>
-              </a14:hiddenFill>
-            </a:ext>
-          </a:extLst>
-        </p:spPr>
-      </p:pic>
-    </p:spTree>
-    <p:extLst>
-      <p:ext uri="{BB962C8B-B14F-4D97-AF65-F5344CB8AC3E}">
-        <p14:creationId xmlns:p14="http://schemas.microsoft.com/office/powerpoint/2010/main" val="799889474"/>
-      </p:ext>
-    </p:extLst>
-  </p:cSld>
-  <p:clrMapOvr>
-    <a:masterClrMapping/>
-  </p:clrMapOvr>
-</p:sldLayout>
-</file>
-
-<file path=ppt/slideLayouts/slideLayout7.xml><?xml version="1.0" encoding="utf-8"?>
-<p:sldLayout xmlns:a="http://schemas.openxmlformats.org/drawingml/2006/main" xmlns:r="http://schemas.openxmlformats.org/officeDocument/2006/relationships" xmlns:p="http://schemas.openxmlformats.org/presentationml/2006/main" type="secHead" preserve="1">
-  <p:cSld name="Section Header_ggplot2">
-    <p:spTree>
-      <p:nvGrpSpPr>
-        <p:cNvPr id="1" name=""/>
-        <p:cNvGrpSpPr/>
-        <p:nvPr/>
-      </p:nvGrpSpPr>
-      <p:grpSpPr>
-        <a:xfrm>
-          <a:off x="0" y="0"/>
-          <a:ext cx="0" cy="0"/>
-          <a:chOff x="0" y="0"/>
-          <a:chExt cx="0" cy="0"/>
-        </a:xfrm>
-      </p:grpSpPr>
-      <p:sp>
-        <p:nvSpPr>
-          <p:cNvPr id="2" name="Title 1"/>
-          <p:cNvSpPr>
-            <a:spLocks noGrp="1"/>
-          </p:cNvSpPr>
-          <p:nvPr>
-            <p:ph type="title"/>
-          </p:nvPr>
-        </p:nvSpPr>
-        <p:spPr>
-          <a:xfrm>
-            <a:off x="831850" y="1709738"/>
-            <a:ext cx="10515600" cy="2852737"/>
-          </a:xfrm>
-        </p:spPr>
-        <p:txBody>
-          <a:bodyPr anchor="b"/>
-          <a:lstStyle>
-            <a:lvl1pPr>
-              <a:defRPr sz="6000"/>
-            </a:lvl1pPr>
-          </a:lstStyle>
-          <a:p>
-            <a:r>
-              <a:rPr lang="en-US"/>
-              <a:t>Click to edit Master title style</a:t>
-            </a:r>
-          </a:p>
-        </p:txBody>
-      </p:sp>
-      <p:sp>
-        <p:nvSpPr>
-          <p:cNvPr id="3" name="Text Placeholder 2"/>
-          <p:cNvSpPr>
-            <a:spLocks noGrp="1"/>
-          </p:cNvSpPr>
-          <p:nvPr>
-            <p:ph type="body" idx="1"/>
-          </p:nvPr>
-        </p:nvSpPr>
-        <p:spPr>
-          <a:xfrm>
-            <a:off x="831850" y="4589463"/>
-            <a:ext cx="10515600" cy="1500187"/>
-          </a:xfrm>
-        </p:spPr>
-        <p:txBody>
-          <a:bodyPr/>
-          <a:lstStyle>
-            <a:lvl1pPr marL="0" indent="0">
-              <a:buNone/>
-              <a:defRPr sz="2400">
-                <a:solidFill>
-                  <a:schemeClr val="tx1">
-                    <a:tint val="75000"/>
-                  </a:schemeClr>
-                </a:solidFill>
-              </a:defRPr>
-            </a:lvl1pPr>
-            <a:lvl2pPr marL="457200" indent="0">
-              <a:buNone/>
-              <a:defRPr sz="2000">
-                <a:solidFill>
-                  <a:schemeClr val="tx1">
-                    <a:tint val="75000"/>
-                  </a:schemeClr>
-                </a:solidFill>
-              </a:defRPr>
-            </a:lvl2pPr>
-            <a:lvl3pPr marL="914400" indent="0">
-              <a:buNone/>
-              <a:defRPr sz="1800">
-                <a:solidFill>
-                  <a:schemeClr val="tx1">
-                    <a:tint val="75000"/>
-                  </a:schemeClr>
-                </a:solidFill>
-              </a:defRPr>
-            </a:lvl3pPr>
-            <a:lvl4pPr marL="1371600" indent="0">
-              <a:buNone/>
-              <a:defRPr sz="1600">
-                <a:solidFill>
-                  <a:schemeClr val="tx1">
-                    <a:tint val="75000"/>
-                  </a:schemeClr>
-                </a:solidFill>
-              </a:defRPr>
-            </a:lvl4pPr>
-            <a:lvl5pPr marL="1828800" indent="0">
-              <a:buNone/>
-              <a:defRPr sz="1600">
-                <a:solidFill>
-                  <a:schemeClr val="tx1">
-                    <a:tint val="75000"/>
-                  </a:schemeClr>
-                </a:solidFill>
-              </a:defRPr>
-            </a:lvl5pPr>
-            <a:lvl6pPr marL="2286000" indent="0">
-              <a:buNone/>
-              <a:defRPr sz="1600">
-                <a:solidFill>
-                  <a:schemeClr val="tx1">
-                    <a:tint val="75000"/>
-                  </a:schemeClr>
-                </a:solidFill>
-              </a:defRPr>
-            </a:lvl6pPr>
-            <a:lvl7pPr marL="2743200" indent="0">
-              <a:buNone/>
-              <a:defRPr sz="1600">
-                <a:solidFill>
-                  <a:schemeClr val="tx1">
-                    <a:tint val="75000"/>
-                  </a:schemeClr>
-                </a:solidFill>
-              </a:defRPr>
-            </a:lvl7pPr>
-            <a:lvl8pPr marL="3200400" indent="0">
-              <a:buNone/>
-              <a:defRPr sz="1600">
-                <a:solidFill>
-                  <a:schemeClr val="tx1">
-                    <a:tint val="75000"/>
-                  </a:schemeClr>
-                </a:solidFill>
-              </a:defRPr>
-            </a:lvl8pPr>
-            <a:lvl9pPr marL="3657600" indent="0">
-              <a:buNone/>
-              <a:defRPr sz="1600">
-                <a:solidFill>
-                  <a:schemeClr val="tx1">
-                    <a:tint val="75000"/>
-                  </a:schemeClr>
-                </a:solidFill>
-              </a:defRPr>
-            </a:lvl9pPr>
-          </a:lstStyle>
-          <a:p>
-            <a:pPr lvl="0"/>
-            <a:r>
-              <a:rPr lang="en-US"/>
-              <a:t>Edit Master text styles</a:t>
-            </a:r>
-          </a:p>
-        </p:txBody>
-      </p:sp>
-      <p:sp>
-        <p:nvSpPr>
-          <p:cNvPr id="4" name="Date Placeholder 3"/>
-          <p:cNvSpPr>
-            <a:spLocks noGrp="1"/>
-          </p:cNvSpPr>
-          <p:nvPr>
-            <p:ph type="dt" sz="half" idx="10"/>
-          </p:nvPr>
-        </p:nvSpPr>
-        <p:spPr/>
-        <p:txBody>
-          <a:bodyPr/>
-          <a:lstStyle/>
-          <a:p>
-            <a:fld id="{B08FEED8-D7D4-44E9-BFBC-ED06B5996D94}" type="datetime4">
-              <a:rPr lang="en-US" smtClean="0"/>
-              <a:t>June 19, 2019</a:t>
-            </a:fld>
-            <a:endParaRPr lang="en-US" dirty="0"/>
-          </a:p>
-        </p:txBody>
-      </p:sp>
-      <p:sp>
-        <p:nvSpPr>
-          <p:cNvPr id="5" name="Footer Placeholder 4"/>
-          <p:cNvSpPr>
-            <a:spLocks noGrp="1"/>
-          </p:cNvSpPr>
-          <p:nvPr>
-            <p:ph type="ftr" sz="quarter" idx="11"/>
-          </p:nvPr>
-        </p:nvSpPr>
-        <p:spPr/>
-        <p:txBody>
-          <a:bodyPr/>
-          <a:lstStyle/>
-          <a:p>
-            <a:r>
-              <a:rPr lang="en-US" dirty="0"/>
-              <a:t>Digital Scholarship Services </a:t>
-            </a:r>
-            <a:r>
-              <a:rPr lang="en-US" dirty="0">
-                <a:solidFill>
-                  <a:schemeClr val="accent1">
-                    <a:lumMod val="50000"/>
-                  </a:schemeClr>
-                </a:solidFill>
-              </a:rPr>
-              <a:t>| Email</a:t>
-            </a:r>
-            <a:r>
-              <a:rPr lang="en-US" dirty="0"/>
-              <a:t> cf24@rice.edu </a:t>
-            </a:r>
-            <a:r>
-              <a:rPr lang="en-US" dirty="0">
-                <a:solidFill>
-                  <a:schemeClr val="accent1">
-                    <a:lumMod val="50000"/>
-                  </a:schemeClr>
-                </a:solidFill>
-              </a:rPr>
-              <a:t>|</a:t>
-            </a:r>
-            <a:r>
-              <a:rPr lang="en-US" dirty="0"/>
-              <a:t> library.rice.edu/</a:t>
-            </a:r>
-            <a:r>
-              <a:rPr lang="en-US" dirty="0" err="1"/>
-              <a:t>dss</a:t>
-            </a:r>
-            <a:endParaRPr lang="en-US" dirty="0"/>
-          </a:p>
-        </p:txBody>
-      </p:sp>
-      <p:sp>
-        <p:nvSpPr>
-          <p:cNvPr id="6" name="Slide Number Placeholder 5"/>
-          <p:cNvSpPr>
-            <a:spLocks noGrp="1"/>
-          </p:cNvSpPr>
-          <p:nvPr>
-            <p:ph type="sldNum" sz="quarter" idx="12"/>
-          </p:nvPr>
-        </p:nvSpPr>
-        <p:spPr/>
-        <p:txBody>
-          <a:bodyPr/>
-          <a:lstStyle/>
-          <a:p>
-            <a:fld id="{D57F1E4F-1CFF-5643-939E-02111984F565}" type="slidenum">
-              <a:rPr lang="en-US" smtClean="0"/>
-              <a:t>‹#›</a:t>
-            </a:fld>
-            <a:endParaRPr lang="en-US" dirty="0"/>
-          </a:p>
-        </p:txBody>
-      </p:sp>
-      <p:pic>
-        <p:nvPicPr>
-          <p:cNvPr id="7170" name="Picture 2" descr="https://raw.githubusercontent.com/rstudio/hex-stickers/master/PNG/ggplot2.png">
+          <p:cNvPr id="7170" name="Picture 2">
             <a:extLst>
               <a:ext uri="{FF2B5EF4-FFF2-40B4-BE49-F238E27FC236}">
                 <a16:creationId xmlns:a16="http://schemas.microsoft.com/office/drawing/2014/main" id="{7028791A-2A4F-4650-BD0F-4D8A55BAECCC}"/>
@@ -3963,15 +6322,14 @@
               </a:ext>
             </a:extLst>
           </a:blip>
-          <a:srcRect/>
           <a:stretch>
             <a:fillRect/>
           </a:stretch>
         </p:blipFill>
         <p:spPr bwMode="auto">
           <a:xfrm>
-            <a:off x="9564382" y="2495549"/>
-            <a:ext cx="1783068" cy="2066771"/>
+            <a:off x="9564384" y="2495550"/>
+            <a:ext cx="1783064" cy="2066769"/>
           </a:xfrm>
           <a:prstGeom prst="rect">
             <a:avLst/>
@@ -3991,608 +6349,7 @@
     </p:spTree>
     <p:extLst>
       <p:ext uri="{BB962C8B-B14F-4D97-AF65-F5344CB8AC3E}">
-        <p14:creationId xmlns:p14="http://schemas.microsoft.com/office/powerpoint/2010/main" val="844720777"/>
-      </p:ext>
-    </p:extLst>
-  </p:cSld>
-  <p:clrMapOvr>
-    <a:masterClrMapping/>
-  </p:clrMapOvr>
-</p:sldLayout>
-</file>
-
-<file path=ppt/slideLayouts/slideLayout8.xml><?xml version="1.0" encoding="utf-8"?>
-<p:sldLayout xmlns:a="http://schemas.openxmlformats.org/drawingml/2006/main" xmlns:r="http://schemas.openxmlformats.org/officeDocument/2006/relationships" xmlns:p="http://schemas.openxmlformats.org/presentationml/2006/main" type="twoObj" preserve="1">
-  <p:cSld name="Two Content">
-    <p:spTree>
-      <p:nvGrpSpPr>
-        <p:cNvPr id="1" name=""/>
-        <p:cNvGrpSpPr/>
-        <p:nvPr/>
-      </p:nvGrpSpPr>
-      <p:grpSpPr>
-        <a:xfrm>
-          <a:off x="0" y="0"/>
-          <a:ext cx="0" cy="0"/>
-          <a:chOff x="0" y="0"/>
-          <a:chExt cx="0" cy="0"/>
-        </a:xfrm>
-      </p:grpSpPr>
-      <p:sp>
-        <p:nvSpPr>
-          <p:cNvPr id="2" name="Title 1"/>
-          <p:cNvSpPr>
-            <a:spLocks noGrp="1"/>
-          </p:cNvSpPr>
-          <p:nvPr>
-            <p:ph type="title"/>
-          </p:nvPr>
-        </p:nvSpPr>
-        <p:spPr/>
-        <p:txBody>
-          <a:bodyPr/>
-          <a:lstStyle/>
-          <a:p>
-            <a:r>
-              <a:rPr lang="en-US"/>
-              <a:t>Click to edit Master title style</a:t>
-            </a:r>
-          </a:p>
-        </p:txBody>
-      </p:sp>
-      <p:sp>
-        <p:nvSpPr>
-          <p:cNvPr id="3" name="Content Placeholder 2"/>
-          <p:cNvSpPr>
-            <a:spLocks noGrp="1"/>
-          </p:cNvSpPr>
-          <p:nvPr>
-            <p:ph sz="half" idx="1"/>
-          </p:nvPr>
-        </p:nvSpPr>
-        <p:spPr>
-          <a:xfrm>
-            <a:off x="838200" y="1825625"/>
-            <a:ext cx="5181600" cy="4351338"/>
-          </a:xfrm>
-        </p:spPr>
-        <p:txBody>
-          <a:bodyPr/>
-          <a:lstStyle/>
-          <a:p>
-            <a:pPr lvl="0"/>
-            <a:r>
-              <a:rPr lang="en-US"/>
-              <a:t>Edit Master text styles</a:t>
-            </a:r>
-          </a:p>
-          <a:p>
-            <a:pPr lvl="1"/>
-            <a:r>
-              <a:rPr lang="en-US"/>
-              <a:t>Second level</a:t>
-            </a:r>
-          </a:p>
-          <a:p>
-            <a:pPr lvl="2"/>
-            <a:r>
-              <a:rPr lang="en-US"/>
-              <a:t>Third level</a:t>
-            </a:r>
-          </a:p>
-          <a:p>
-            <a:pPr lvl="3"/>
-            <a:r>
-              <a:rPr lang="en-US"/>
-              <a:t>Fourth level</a:t>
-            </a:r>
-          </a:p>
-          <a:p>
-            <a:pPr lvl="4"/>
-            <a:r>
-              <a:rPr lang="en-US"/>
-              <a:t>Fifth level</a:t>
-            </a:r>
-          </a:p>
-        </p:txBody>
-      </p:sp>
-      <p:sp>
-        <p:nvSpPr>
-          <p:cNvPr id="4" name="Content Placeholder 3"/>
-          <p:cNvSpPr>
-            <a:spLocks noGrp="1"/>
-          </p:cNvSpPr>
-          <p:nvPr>
-            <p:ph sz="half" idx="2"/>
-          </p:nvPr>
-        </p:nvSpPr>
-        <p:spPr>
-          <a:xfrm>
-            <a:off x="6172200" y="1825625"/>
-            <a:ext cx="5181600" cy="4351338"/>
-          </a:xfrm>
-        </p:spPr>
-        <p:txBody>
-          <a:bodyPr/>
-          <a:lstStyle/>
-          <a:p>
-            <a:pPr lvl="0"/>
-            <a:r>
-              <a:rPr lang="en-US"/>
-              <a:t>Edit Master text styles</a:t>
-            </a:r>
-          </a:p>
-          <a:p>
-            <a:pPr lvl="1"/>
-            <a:r>
-              <a:rPr lang="en-US"/>
-              <a:t>Second level</a:t>
-            </a:r>
-          </a:p>
-          <a:p>
-            <a:pPr lvl="2"/>
-            <a:r>
-              <a:rPr lang="en-US"/>
-              <a:t>Third level</a:t>
-            </a:r>
-          </a:p>
-          <a:p>
-            <a:pPr lvl="3"/>
-            <a:r>
-              <a:rPr lang="en-US"/>
-              <a:t>Fourth level</a:t>
-            </a:r>
-          </a:p>
-          <a:p>
-            <a:pPr lvl="4"/>
-            <a:r>
-              <a:rPr lang="en-US"/>
-              <a:t>Fifth level</a:t>
-            </a:r>
-          </a:p>
-        </p:txBody>
-      </p:sp>
-      <p:sp>
-        <p:nvSpPr>
-          <p:cNvPr id="5" name="Date Placeholder 4"/>
-          <p:cNvSpPr>
-            <a:spLocks noGrp="1"/>
-          </p:cNvSpPr>
-          <p:nvPr>
-            <p:ph type="dt" sz="half" idx="10"/>
-          </p:nvPr>
-        </p:nvSpPr>
-        <p:spPr/>
-        <p:txBody>
-          <a:bodyPr/>
-          <a:lstStyle/>
-          <a:p>
-            <a:fld id="{A143C325-9442-4629-8CC6-5CAC69736C93}" type="datetime4">
-              <a:rPr lang="en-US" smtClean="0"/>
-              <a:t>June 19, 2019</a:t>
-            </a:fld>
-            <a:endParaRPr lang="en-US" dirty="0"/>
-          </a:p>
-        </p:txBody>
-      </p:sp>
-      <p:sp>
-        <p:nvSpPr>
-          <p:cNvPr id="6" name="Footer Placeholder 5"/>
-          <p:cNvSpPr>
-            <a:spLocks noGrp="1"/>
-          </p:cNvSpPr>
-          <p:nvPr>
-            <p:ph type="ftr" sz="quarter" idx="11"/>
-          </p:nvPr>
-        </p:nvSpPr>
-        <p:spPr/>
-        <p:txBody>
-          <a:bodyPr/>
-          <a:lstStyle/>
-          <a:p>
-            <a:r>
-              <a:rPr lang="en-US"/>
-              <a:t>Digital Scholarship Services | Email cf24@rice.edu | library.rice.edu/dss</a:t>
-            </a:r>
-            <a:endParaRPr lang="en-US" dirty="0"/>
-          </a:p>
-        </p:txBody>
-      </p:sp>
-      <p:sp>
-        <p:nvSpPr>
-          <p:cNvPr id="7" name="Slide Number Placeholder 6"/>
-          <p:cNvSpPr>
-            <a:spLocks noGrp="1"/>
-          </p:cNvSpPr>
-          <p:nvPr>
-            <p:ph type="sldNum" sz="quarter" idx="12"/>
-          </p:nvPr>
-        </p:nvSpPr>
-        <p:spPr/>
-        <p:txBody>
-          <a:bodyPr/>
-          <a:lstStyle/>
-          <a:p>
-            <a:fld id="{D57F1E4F-1CFF-5643-939E-02111984F565}" type="slidenum">
-              <a:rPr lang="en-US" smtClean="0"/>
-              <a:t>‹#›</a:t>
-            </a:fld>
-            <a:endParaRPr lang="en-US" dirty="0"/>
-          </a:p>
-        </p:txBody>
-      </p:sp>
-    </p:spTree>
-    <p:extLst>
-      <p:ext uri="{BB962C8B-B14F-4D97-AF65-F5344CB8AC3E}">
-        <p14:creationId xmlns:p14="http://schemas.microsoft.com/office/powerpoint/2010/main" val="554019197"/>
-      </p:ext>
-    </p:extLst>
-  </p:cSld>
-  <p:clrMapOvr>
-    <a:masterClrMapping/>
-  </p:clrMapOvr>
-</p:sldLayout>
-</file>
-
-<file path=ppt/slideLayouts/slideLayout9.xml><?xml version="1.0" encoding="utf-8"?>
-<p:sldLayout xmlns:a="http://schemas.openxmlformats.org/drawingml/2006/main" xmlns:r="http://schemas.openxmlformats.org/officeDocument/2006/relationships" xmlns:p="http://schemas.openxmlformats.org/presentationml/2006/main" type="twoTxTwoObj" preserve="1">
-  <p:cSld name="Comparison">
-    <p:spTree>
-      <p:nvGrpSpPr>
-        <p:cNvPr id="1" name=""/>
-        <p:cNvGrpSpPr/>
-        <p:nvPr/>
-      </p:nvGrpSpPr>
-      <p:grpSpPr>
-        <a:xfrm>
-          <a:off x="0" y="0"/>
-          <a:ext cx="0" cy="0"/>
-          <a:chOff x="0" y="0"/>
-          <a:chExt cx="0" cy="0"/>
-        </a:xfrm>
-      </p:grpSpPr>
-      <p:sp>
-        <p:nvSpPr>
-          <p:cNvPr id="2" name="Title 1"/>
-          <p:cNvSpPr>
-            <a:spLocks noGrp="1"/>
-          </p:cNvSpPr>
-          <p:nvPr>
-            <p:ph type="title"/>
-          </p:nvPr>
-        </p:nvSpPr>
-        <p:spPr>
-          <a:xfrm>
-            <a:off x="839788" y="365125"/>
-            <a:ext cx="10515600" cy="1325563"/>
-          </a:xfrm>
-        </p:spPr>
-        <p:txBody>
-          <a:bodyPr/>
-          <a:lstStyle/>
-          <a:p>
-            <a:r>
-              <a:rPr lang="en-US"/>
-              <a:t>Click to edit Master title style</a:t>
-            </a:r>
-          </a:p>
-        </p:txBody>
-      </p:sp>
-      <p:sp>
-        <p:nvSpPr>
-          <p:cNvPr id="3" name="Text Placeholder 2"/>
-          <p:cNvSpPr>
-            <a:spLocks noGrp="1"/>
-          </p:cNvSpPr>
-          <p:nvPr>
-            <p:ph type="body" idx="1"/>
-          </p:nvPr>
-        </p:nvSpPr>
-        <p:spPr>
-          <a:xfrm>
-            <a:off x="839788" y="1681163"/>
-            <a:ext cx="5157787" cy="823912"/>
-          </a:xfrm>
-        </p:spPr>
-        <p:txBody>
-          <a:bodyPr anchor="b"/>
-          <a:lstStyle>
-            <a:lvl1pPr marL="0" indent="0">
-              <a:buNone/>
-              <a:defRPr sz="2400" b="1"/>
-            </a:lvl1pPr>
-            <a:lvl2pPr marL="457200" indent="0">
-              <a:buNone/>
-              <a:defRPr sz="2000" b="1"/>
-            </a:lvl2pPr>
-            <a:lvl3pPr marL="914400" indent="0">
-              <a:buNone/>
-              <a:defRPr sz="1800" b="1"/>
-            </a:lvl3pPr>
-            <a:lvl4pPr marL="1371600" indent="0">
-              <a:buNone/>
-              <a:defRPr sz="1600" b="1"/>
-            </a:lvl4pPr>
-            <a:lvl5pPr marL="1828800" indent="0">
-              <a:buNone/>
-              <a:defRPr sz="1600" b="1"/>
-            </a:lvl5pPr>
-            <a:lvl6pPr marL="2286000" indent="0">
-              <a:buNone/>
-              <a:defRPr sz="1600" b="1"/>
-            </a:lvl6pPr>
-            <a:lvl7pPr marL="2743200" indent="0">
-              <a:buNone/>
-              <a:defRPr sz="1600" b="1"/>
-            </a:lvl7pPr>
-            <a:lvl8pPr marL="3200400" indent="0">
-              <a:buNone/>
-              <a:defRPr sz="1600" b="1"/>
-            </a:lvl8pPr>
-            <a:lvl9pPr marL="3657600" indent="0">
-              <a:buNone/>
-              <a:defRPr sz="1600" b="1"/>
-            </a:lvl9pPr>
-          </a:lstStyle>
-          <a:p>
-            <a:pPr lvl="0"/>
-            <a:r>
-              <a:rPr lang="en-US"/>
-              <a:t>Edit Master text styles</a:t>
-            </a:r>
-          </a:p>
-        </p:txBody>
-      </p:sp>
-      <p:sp>
-        <p:nvSpPr>
-          <p:cNvPr id="4" name="Content Placeholder 3"/>
-          <p:cNvSpPr>
-            <a:spLocks noGrp="1"/>
-          </p:cNvSpPr>
-          <p:nvPr>
-            <p:ph sz="half" idx="2"/>
-          </p:nvPr>
-        </p:nvSpPr>
-        <p:spPr>
-          <a:xfrm>
-            <a:off x="839788" y="2505075"/>
-            <a:ext cx="5157787" cy="3684588"/>
-          </a:xfrm>
-        </p:spPr>
-        <p:txBody>
-          <a:bodyPr/>
-          <a:lstStyle/>
-          <a:p>
-            <a:pPr lvl="0"/>
-            <a:r>
-              <a:rPr lang="en-US"/>
-              <a:t>Edit Master text styles</a:t>
-            </a:r>
-          </a:p>
-          <a:p>
-            <a:pPr lvl="1"/>
-            <a:r>
-              <a:rPr lang="en-US"/>
-              <a:t>Second level</a:t>
-            </a:r>
-          </a:p>
-          <a:p>
-            <a:pPr lvl="2"/>
-            <a:r>
-              <a:rPr lang="en-US"/>
-              <a:t>Third level</a:t>
-            </a:r>
-          </a:p>
-          <a:p>
-            <a:pPr lvl="3"/>
-            <a:r>
-              <a:rPr lang="en-US"/>
-              <a:t>Fourth level</a:t>
-            </a:r>
-          </a:p>
-          <a:p>
-            <a:pPr lvl="4"/>
-            <a:r>
-              <a:rPr lang="en-US"/>
-              <a:t>Fifth level</a:t>
-            </a:r>
-          </a:p>
-        </p:txBody>
-      </p:sp>
-      <p:sp>
-        <p:nvSpPr>
-          <p:cNvPr id="5" name="Text Placeholder 4"/>
-          <p:cNvSpPr>
-            <a:spLocks noGrp="1"/>
-          </p:cNvSpPr>
-          <p:nvPr>
-            <p:ph type="body" sz="quarter" idx="3"/>
-          </p:nvPr>
-        </p:nvSpPr>
-        <p:spPr>
-          <a:xfrm>
-            <a:off x="6172200" y="1681163"/>
-            <a:ext cx="5183188" cy="823912"/>
-          </a:xfrm>
-        </p:spPr>
-        <p:txBody>
-          <a:bodyPr anchor="b"/>
-          <a:lstStyle>
-            <a:lvl1pPr marL="0" indent="0">
-              <a:buNone/>
-              <a:defRPr sz="2400" b="1"/>
-            </a:lvl1pPr>
-            <a:lvl2pPr marL="457200" indent="0">
-              <a:buNone/>
-              <a:defRPr sz="2000" b="1"/>
-            </a:lvl2pPr>
-            <a:lvl3pPr marL="914400" indent="0">
-              <a:buNone/>
-              <a:defRPr sz="1800" b="1"/>
-            </a:lvl3pPr>
-            <a:lvl4pPr marL="1371600" indent="0">
-              <a:buNone/>
-              <a:defRPr sz="1600" b="1"/>
-            </a:lvl4pPr>
-            <a:lvl5pPr marL="1828800" indent="0">
-              <a:buNone/>
-              <a:defRPr sz="1600" b="1"/>
-            </a:lvl5pPr>
-            <a:lvl6pPr marL="2286000" indent="0">
-              <a:buNone/>
-              <a:defRPr sz="1600" b="1"/>
-            </a:lvl6pPr>
-            <a:lvl7pPr marL="2743200" indent="0">
-              <a:buNone/>
-              <a:defRPr sz="1600" b="1"/>
-            </a:lvl7pPr>
-            <a:lvl8pPr marL="3200400" indent="0">
-              <a:buNone/>
-              <a:defRPr sz="1600" b="1"/>
-            </a:lvl8pPr>
-            <a:lvl9pPr marL="3657600" indent="0">
-              <a:buNone/>
-              <a:defRPr sz="1600" b="1"/>
-            </a:lvl9pPr>
-          </a:lstStyle>
-          <a:p>
-            <a:pPr lvl="0"/>
-            <a:r>
-              <a:rPr lang="en-US"/>
-              <a:t>Edit Master text styles</a:t>
-            </a:r>
-          </a:p>
-        </p:txBody>
-      </p:sp>
-      <p:sp>
-        <p:nvSpPr>
-          <p:cNvPr id="6" name="Content Placeholder 5"/>
-          <p:cNvSpPr>
-            <a:spLocks noGrp="1"/>
-          </p:cNvSpPr>
-          <p:nvPr>
-            <p:ph sz="quarter" idx="4"/>
-          </p:nvPr>
-        </p:nvSpPr>
-        <p:spPr>
-          <a:xfrm>
-            <a:off x="6172200" y="2505075"/>
-            <a:ext cx="5183188" cy="3684588"/>
-          </a:xfrm>
-        </p:spPr>
-        <p:txBody>
-          <a:bodyPr/>
-          <a:lstStyle/>
-          <a:p>
-            <a:pPr lvl="0"/>
-            <a:r>
-              <a:rPr lang="en-US"/>
-              <a:t>Edit Master text styles</a:t>
-            </a:r>
-          </a:p>
-          <a:p>
-            <a:pPr lvl="1"/>
-            <a:r>
-              <a:rPr lang="en-US"/>
-              <a:t>Second level</a:t>
-            </a:r>
-          </a:p>
-          <a:p>
-            <a:pPr lvl="2"/>
-            <a:r>
-              <a:rPr lang="en-US"/>
-              <a:t>Third level</a:t>
-            </a:r>
-          </a:p>
-          <a:p>
-            <a:pPr lvl="3"/>
-            <a:r>
-              <a:rPr lang="en-US"/>
-              <a:t>Fourth level</a:t>
-            </a:r>
-          </a:p>
-          <a:p>
-            <a:pPr lvl="4"/>
-            <a:r>
-              <a:rPr lang="en-US"/>
-              <a:t>Fifth level</a:t>
-            </a:r>
-          </a:p>
-        </p:txBody>
-      </p:sp>
-      <p:sp>
-        <p:nvSpPr>
-          <p:cNvPr id="7" name="Date Placeholder 6"/>
-          <p:cNvSpPr>
-            <a:spLocks noGrp="1"/>
-          </p:cNvSpPr>
-          <p:nvPr>
-            <p:ph type="dt" sz="half" idx="10"/>
-          </p:nvPr>
-        </p:nvSpPr>
-        <p:spPr/>
-        <p:txBody>
-          <a:bodyPr/>
-          <a:lstStyle/>
-          <a:p>
-            <a:fld id="{EEDAFACB-3FED-4607-9FDD-34A82581A119}" type="datetime4">
-              <a:rPr lang="en-US" smtClean="0"/>
-              <a:t>June 19, 2019</a:t>
-            </a:fld>
-            <a:endParaRPr lang="en-US" dirty="0"/>
-          </a:p>
-        </p:txBody>
-      </p:sp>
-      <p:sp>
-        <p:nvSpPr>
-          <p:cNvPr id="8" name="Footer Placeholder 7"/>
-          <p:cNvSpPr>
-            <a:spLocks noGrp="1"/>
-          </p:cNvSpPr>
-          <p:nvPr>
-            <p:ph type="ftr" sz="quarter" idx="11"/>
-          </p:nvPr>
-        </p:nvSpPr>
-        <p:spPr/>
-        <p:txBody>
-          <a:bodyPr/>
-          <a:lstStyle/>
-          <a:p>
-            <a:r>
-              <a:rPr lang="en-US"/>
-              <a:t>Digital Scholarship Services | Email cf24@rice.edu | library.rice.edu/dss</a:t>
-            </a:r>
-            <a:endParaRPr lang="en-US" dirty="0"/>
-          </a:p>
-        </p:txBody>
-      </p:sp>
-      <p:sp>
-        <p:nvSpPr>
-          <p:cNvPr id="9" name="Slide Number Placeholder 8"/>
-          <p:cNvSpPr>
-            <a:spLocks noGrp="1"/>
-          </p:cNvSpPr>
-          <p:nvPr>
-            <p:ph type="sldNum" sz="quarter" idx="12"/>
-          </p:nvPr>
-        </p:nvSpPr>
-        <p:spPr/>
-        <p:txBody>
-          <a:bodyPr/>
-          <a:lstStyle/>
-          <a:p>
-            <a:fld id="{D57F1E4F-1CFF-5643-939E-02111984F565}" type="slidenum">
-              <a:rPr lang="en-US" smtClean="0"/>
-              <a:t>‹#›</a:t>
-            </a:fld>
-            <a:endParaRPr lang="en-US" dirty="0"/>
-          </a:p>
-        </p:txBody>
-      </p:sp>
-    </p:spTree>
-    <p:extLst>
-      <p:ext uri="{BB962C8B-B14F-4D97-AF65-F5344CB8AC3E}">
-        <p14:creationId xmlns:p14="http://schemas.microsoft.com/office/powerpoint/2010/main" val="2542883775"/>
+        <p14:creationId xmlns:p14="http://schemas.microsoft.com/office/powerpoint/2010/main" val="2075395497"/>
       </p:ext>
     </p:extLst>
   </p:cSld>
@@ -4755,7 +6512,7 @@
           <a:p>
             <a:fld id="{1148AE1E-D441-45CD-8192-49B13802301D}" type="datetime4">
               <a:rPr lang="en-US" smtClean="0"/>
-              <a:t>June 19, 2019</a:t>
+              <a:t>June 25, 2019</a:t>
             </a:fld>
             <a:endParaRPr lang="en-US" dirty="0"/>
           </a:p>
@@ -4885,20 +6642,26 @@
   <p:clrMap bg1="lt1" tx1="dk1" bg2="lt2" tx2="dk2" accent1="accent1" accent2="accent2" accent3="accent3" accent4="accent4" accent5="accent5" accent6="accent6" hlink="hlink" folHlink="folHlink"/>
   <p:sldLayoutIdLst>
     <p:sldLayoutId id="2147483708" r:id="rId1"/>
-    <p:sldLayoutId id="2147483709" r:id="rId2"/>
-    <p:sldLayoutId id="2147483719" r:id="rId3"/>
-    <p:sldLayoutId id="2147483720" r:id="rId4"/>
-    <p:sldLayoutId id="2147483710" r:id="rId5"/>
-    <p:sldLayoutId id="2147483721" r:id="rId6"/>
-    <p:sldLayoutId id="2147483722" r:id="rId7"/>
-    <p:sldLayoutId id="2147483711" r:id="rId8"/>
-    <p:sldLayoutId id="2147483712" r:id="rId9"/>
-    <p:sldLayoutId id="2147483713" r:id="rId10"/>
-    <p:sldLayoutId id="2147483714" r:id="rId11"/>
-    <p:sldLayoutId id="2147483715" r:id="rId12"/>
-    <p:sldLayoutId id="2147483716" r:id="rId13"/>
-    <p:sldLayoutId id="2147483717" r:id="rId14"/>
-    <p:sldLayoutId id="2147483718" r:id="rId15"/>
+    <p:sldLayoutId id="2147483720" r:id="rId2"/>
+    <p:sldLayoutId id="2147483727" r:id="rId3"/>
+    <p:sldLayoutId id="2147483723" r:id="rId4"/>
+    <p:sldLayoutId id="2147483719" r:id="rId5"/>
+    <p:sldLayoutId id="2147483709" r:id="rId6"/>
+    <p:sldLayoutId id="2147483725" r:id="rId7"/>
+    <p:sldLayoutId id="2147483710" r:id="rId8"/>
+    <p:sldLayoutId id="2147483728" r:id="rId9"/>
+    <p:sldLayoutId id="2147483724" r:id="rId10"/>
+    <p:sldLayoutId id="2147483721" r:id="rId11"/>
+    <p:sldLayoutId id="2147483722" r:id="rId12"/>
+    <p:sldLayoutId id="2147483726" r:id="rId13"/>
+    <p:sldLayoutId id="2147483711" r:id="rId14"/>
+    <p:sldLayoutId id="2147483712" r:id="rId15"/>
+    <p:sldLayoutId id="2147483713" r:id="rId16"/>
+    <p:sldLayoutId id="2147483714" r:id="rId17"/>
+    <p:sldLayoutId id="2147483715" r:id="rId18"/>
+    <p:sldLayoutId id="2147483716" r:id="rId19"/>
+    <p:sldLayoutId id="2147483717" r:id="rId20"/>
+    <p:sldLayoutId id="2147483718" r:id="rId21"/>
   </p:sldLayoutIdLst>
   <p:hf hdr="0"/>
   <p:txStyles>
@@ -5233,6 +6996,14 @@
               </a:rPr>
               <a:t>R Visualization and Data Manipulation</a:t>
             </a:r>
+            <a:r>
+              <a:rPr lang="en-US" sz="6600" dirty="0">
+                <a:solidFill>
+                  <a:srgbClr val="860000"/>
+                </a:solidFill>
+              </a:rPr>
+              <a:t/>
+            </a:r>
             <a:br>
               <a:rPr lang="en-US" sz="6600" dirty="0">
                 <a:solidFill>
@@ -5483,6 +7254,1020 @@
 </p:sld>
 </file>
 
+<file path=ppt/slides/slide10.xml><?xml version="1.0" encoding="utf-8"?>
+<p:sld xmlns:a="http://schemas.openxmlformats.org/drawingml/2006/main" xmlns:r="http://schemas.openxmlformats.org/officeDocument/2006/relationships" xmlns:p="http://schemas.openxmlformats.org/presentationml/2006/main">
+  <p:cSld>
+    <p:spTree>
+      <p:nvGrpSpPr>
+        <p:cNvPr id="1" name=""/>
+        <p:cNvGrpSpPr/>
+        <p:nvPr/>
+      </p:nvGrpSpPr>
+      <p:grpSpPr>
+        <a:xfrm>
+          <a:off x="0" y="0"/>
+          <a:ext cx="0" cy="0"/>
+          <a:chOff x="0" y="0"/>
+          <a:chExt cx="0" cy="0"/>
+        </a:xfrm>
+      </p:grpSpPr>
+      <p:sp>
+        <p:nvSpPr>
+          <p:cNvPr id="7" name="Title 6">
+            <a:extLst>
+              <a:ext uri="{FF2B5EF4-FFF2-40B4-BE49-F238E27FC236}">
+                <a16:creationId xmlns:a16="http://schemas.microsoft.com/office/drawing/2014/main" id="{F9B622D1-34BF-44D8-BDC0-3D31803EC1C8}"/>
+              </a:ext>
+            </a:extLst>
+          </p:cNvPr>
+          <p:cNvSpPr>
+            <a:spLocks noGrp="1"/>
+          </p:cNvSpPr>
+          <p:nvPr>
+            <p:ph type="title"/>
+          </p:nvPr>
+        </p:nvSpPr>
+        <p:spPr/>
+        <p:txBody>
+          <a:bodyPr/>
+          <a:lstStyle/>
+          <a:p>
+            <a:r>
+              <a:rPr lang="en-US" dirty="0" smtClean="0"/>
+              <a:t>DATA MANIPULATION</a:t>
+            </a:r>
+            <a:br>
+              <a:rPr lang="en-US" dirty="0" smtClean="0"/>
+            </a:br>
+            <a:r>
+              <a:rPr lang="en-US" dirty="0" smtClean="0"/>
+              <a:t>WITH DPLYR</a:t>
+            </a:r>
+            <a:endParaRPr lang="en-US" dirty="0"/>
+          </a:p>
+        </p:txBody>
+      </p:sp>
+      <p:sp>
+        <p:nvSpPr>
+          <p:cNvPr id="8" name="Text Placeholder 7">
+            <a:extLst>
+              <a:ext uri="{FF2B5EF4-FFF2-40B4-BE49-F238E27FC236}">
+                <a16:creationId xmlns:a16="http://schemas.microsoft.com/office/drawing/2014/main" id="{DD6D9B92-0C9B-4797-BC66-E014C6A328D0}"/>
+              </a:ext>
+            </a:extLst>
+          </p:cNvPr>
+          <p:cNvSpPr>
+            <a:spLocks noGrp="1"/>
+          </p:cNvSpPr>
+          <p:nvPr>
+            <p:ph type="body" idx="1"/>
+          </p:nvPr>
+        </p:nvSpPr>
+        <p:spPr/>
+        <p:txBody>
+          <a:bodyPr/>
+          <a:lstStyle/>
+          <a:p>
+            <a:r>
+              <a:rPr lang="en-US" dirty="0"/>
+              <a:t>Verbs for data manipulation</a:t>
+            </a:r>
+          </a:p>
+        </p:txBody>
+      </p:sp>
+      <p:sp>
+        <p:nvSpPr>
+          <p:cNvPr id="4" name="Date Placeholder 3">
+            <a:extLst>
+              <a:ext uri="{FF2B5EF4-FFF2-40B4-BE49-F238E27FC236}">
+                <a16:creationId xmlns:a16="http://schemas.microsoft.com/office/drawing/2014/main" id="{7F0C02FB-F57E-4A39-8820-BCD7DA0FA681}"/>
+              </a:ext>
+            </a:extLst>
+          </p:cNvPr>
+          <p:cNvSpPr>
+            <a:spLocks noGrp="1"/>
+          </p:cNvSpPr>
+          <p:nvPr>
+            <p:ph type="dt" sz="half" idx="10"/>
+          </p:nvPr>
+        </p:nvSpPr>
+        <p:spPr/>
+        <p:txBody>
+          <a:bodyPr/>
+          <a:lstStyle/>
+          <a:p>
+            <a:fld id="{8AAE40A0-A7D8-4DC3-BC9E-BADA32DA2004}" type="datetime4">
+              <a:rPr lang="en-US" smtClean="0"/>
+              <a:t>June 25, 2019</a:t>
+            </a:fld>
+            <a:endParaRPr lang="en-US" dirty="0"/>
+          </a:p>
+        </p:txBody>
+      </p:sp>
+      <p:sp>
+        <p:nvSpPr>
+          <p:cNvPr id="5" name="Footer Placeholder 4">
+            <a:extLst>
+              <a:ext uri="{FF2B5EF4-FFF2-40B4-BE49-F238E27FC236}">
+                <a16:creationId xmlns:a16="http://schemas.microsoft.com/office/drawing/2014/main" id="{7392278C-B6CF-46D2-A2D7-DB522B8FD6BB}"/>
+              </a:ext>
+            </a:extLst>
+          </p:cNvPr>
+          <p:cNvSpPr>
+            <a:spLocks noGrp="1"/>
+          </p:cNvSpPr>
+          <p:nvPr>
+            <p:ph type="ftr" sz="quarter" idx="11"/>
+          </p:nvPr>
+        </p:nvSpPr>
+        <p:spPr/>
+        <p:txBody>
+          <a:bodyPr/>
+          <a:lstStyle/>
+          <a:p>
+            <a:r>
+              <a:rPr lang="en-US"/>
+              <a:t>Digital Scholarship Services </a:t>
+            </a:r>
+            <a:r>
+              <a:rPr lang="en-US">
+                <a:solidFill>
+                  <a:schemeClr val="accent1">
+                    <a:lumMod val="50000"/>
+                  </a:schemeClr>
+                </a:solidFill>
+              </a:rPr>
+              <a:t>| Email</a:t>
+            </a:r>
+            <a:r>
+              <a:rPr lang="en-US"/>
+              <a:t> cf24@rice.edu </a:t>
+            </a:r>
+            <a:r>
+              <a:rPr lang="en-US">
+                <a:solidFill>
+                  <a:schemeClr val="accent1">
+                    <a:lumMod val="50000"/>
+                  </a:schemeClr>
+                </a:solidFill>
+              </a:rPr>
+              <a:t>|</a:t>
+            </a:r>
+            <a:r>
+              <a:rPr lang="en-US"/>
+              <a:t> library.rice.edu/dss</a:t>
+            </a:r>
+            <a:endParaRPr lang="en-US" dirty="0"/>
+          </a:p>
+        </p:txBody>
+      </p:sp>
+      <p:sp>
+        <p:nvSpPr>
+          <p:cNvPr id="6" name="Slide Number Placeholder 5">
+            <a:extLst>
+              <a:ext uri="{FF2B5EF4-FFF2-40B4-BE49-F238E27FC236}">
+                <a16:creationId xmlns:a16="http://schemas.microsoft.com/office/drawing/2014/main" id="{E0E072A8-158A-417B-B985-B4D802B5C32D}"/>
+              </a:ext>
+            </a:extLst>
+          </p:cNvPr>
+          <p:cNvSpPr>
+            <a:spLocks noGrp="1"/>
+          </p:cNvSpPr>
+          <p:nvPr>
+            <p:ph type="sldNum" sz="quarter" idx="12"/>
+          </p:nvPr>
+        </p:nvSpPr>
+        <p:spPr/>
+        <p:txBody>
+          <a:bodyPr/>
+          <a:lstStyle/>
+          <a:p>
+            <a:fld id="{D57F1E4F-1CFF-5643-939E-02111984F565}" type="slidenum">
+              <a:rPr lang="en-US" smtClean="0"/>
+              <a:t>10</a:t>
+            </a:fld>
+            <a:endParaRPr lang="en-US" dirty="0"/>
+          </a:p>
+        </p:txBody>
+      </p:sp>
+    </p:spTree>
+    <p:extLst>
+      <p:ext uri="{BB962C8B-B14F-4D97-AF65-F5344CB8AC3E}">
+        <p14:creationId xmlns:p14="http://schemas.microsoft.com/office/powerpoint/2010/main" val="2464089218"/>
+      </p:ext>
+    </p:extLst>
+  </p:cSld>
+  <p:clrMapOvr>
+    <a:masterClrMapping/>
+  </p:clrMapOvr>
+</p:sld>
+</file>
+
+<file path=ppt/slides/slide11.xml><?xml version="1.0" encoding="utf-8"?>
+<p:sld xmlns:a="http://schemas.openxmlformats.org/drawingml/2006/main" xmlns:r="http://schemas.openxmlformats.org/officeDocument/2006/relationships" xmlns:p="http://schemas.openxmlformats.org/presentationml/2006/main">
+  <p:cSld>
+    <p:spTree>
+      <p:nvGrpSpPr>
+        <p:cNvPr id="1" name=""/>
+        <p:cNvGrpSpPr/>
+        <p:nvPr/>
+      </p:nvGrpSpPr>
+      <p:grpSpPr>
+        <a:xfrm>
+          <a:off x="0" y="0"/>
+          <a:ext cx="0" cy="0"/>
+          <a:chOff x="0" y="0"/>
+          <a:chExt cx="0" cy="0"/>
+        </a:xfrm>
+      </p:grpSpPr>
+      <p:sp>
+        <p:nvSpPr>
+          <p:cNvPr id="2" name="Title 1">
+            <a:extLst>
+              <a:ext uri="{FF2B5EF4-FFF2-40B4-BE49-F238E27FC236}">
+                <a16:creationId xmlns:a16="http://schemas.microsoft.com/office/drawing/2014/main" id="{783AB27B-A036-46B4-8273-B00B4CC009E5}"/>
+              </a:ext>
+            </a:extLst>
+          </p:cNvPr>
+          <p:cNvSpPr>
+            <a:spLocks noGrp="1"/>
+          </p:cNvSpPr>
+          <p:nvPr>
+            <p:ph type="title"/>
+          </p:nvPr>
+        </p:nvSpPr>
+        <p:spPr/>
+        <p:txBody>
+          <a:bodyPr/>
+          <a:lstStyle/>
+          <a:p>
+            <a:r>
+              <a:rPr lang="en-US" dirty="0" smtClean="0"/>
+              <a:t>COMMON VERBS</a:t>
+            </a:r>
+            <a:endParaRPr lang="en-US" dirty="0"/>
+          </a:p>
+        </p:txBody>
+      </p:sp>
+      <p:sp>
+        <p:nvSpPr>
+          <p:cNvPr id="3" name="Content Placeholder 2">
+            <a:extLst>
+              <a:ext uri="{FF2B5EF4-FFF2-40B4-BE49-F238E27FC236}">
+                <a16:creationId xmlns:a16="http://schemas.microsoft.com/office/drawing/2014/main" id="{43136DA3-E238-45FB-9460-C178D50DB43E}"/>
+              </a:ext>
+            </a:extLst>
+          </p:cNvPr>
+          <p:cNvSpPr>
+            <a:spLocks noGrp="1"/>
+          </p:cNvSpPr>
+          <p:nvPr>
+            <p:ph idx="1"/>
+          </p:nvPr>
+        </p:nvSpPr>
+        <p:spPr/>
+        <p:txBody>
+          <a:bodyPr/>
+          <a:lstStyle/>
+          <a:p>
+            <a:endParaRPr lang="en-US"/>
+          </a:p>
+        </p:txBody>
+      </p:sp>
+      <p:sp>
+        <p:nvSpPr>
+          <p:cNvPr id="4" name="Date Placeholder 3">
+            <a:extLst>
+              <a:ext uri="{FF2B5EF4-FFF2-40B4-BE49-F238E27FC236}">
+                <a16:creationId xmlns:a16="http://schemas.microsoft.com/office/drawing/2014/main" id="{E5E06012-E22D-4816-AAB2-FA54D59A1182}"/>
+              </a:ext>
+            </a:extLst>
+          </p:cNvPr>
+          <p:cNvSpPr>
+            <a:spLocks noGrp="1"/>
+          </p:cNvSpPr>
+          <p:nvPr>
+            <p:ph type="dt" sz="half" idx="10"/>
+          </p:nvPr>
+        </p:nvSpPr>
+        <p:spPr/>
+        <p:txBody>
+          <a:bodyPr/>
+          <a:lstStyle/>
+          <a:p>
+            <a:fld id="{8AAE40A0-A7D8-4DC3-BC9E-BADA32DA2004}" type="datetime4">
+              <a:rPr lang="en-US" smtClean="0"/>
+              <a:t>June 25, 2019</a:t>
+            </a:fld>
+            <a:endParaRPr lang="en-US" dirty="0"/>
+          </a:p>
+        </p:txBody>
+      </p:sp>
+      <p:sp>
+        <p:nvSpPr>
+          <p:cNvPr id="5" name="Footer Placeholder 4">
+            <a:extLst>
+              <a:ext uri="{FF2B5EF4-FFF2-40B4-BE49-F238E27FC236}">
+                <a16:creationId xmlns:a16="http://schemas.microsoft.com/office/drawing/2014/main" id="{F3555683-DD74-4221-B1D1-E97AA77ED2BD}"/>
+              </a:ext>
+            </a:extLst>
+          </p:cNvPr>
+          <p:cNvSpPr>
+            <a:spLocks noGrp="1"/>
+          </p:cNvSpPr>
+          <p:nvPr>
+            <p:ph type="ftr" sz="quarter" idx="11"/>
+          </p:nvPr>
+        </p:nvSpPr>
+        <p:spPr/>
+        <p:txBody>
+          <a:bodyPr/>
+          <a:lstStyle/>
+          <a:p>
+            <a:r>
+              <a:rPr lang="en-US"/>
+              <a:t>Digital Scholarship Services </a:t>
+            </a:r>
+            <a:r>
+              <a:rPr lang="en-US">
+                <a:solidFill>
+                  <a:schemeClr val="accent1">
+                    <a:lumMod val="50000"/>
+                  </a:schemeClr>
+                </a:solidFill>
+              </a:rPr>
+              <a:t>| Email</a:t>
+            </a:r>
+            <a:r>
+              <a:rPr lang="en-US"/>
+              <a:t> cf24@rice.edu </a:t>
+            </a:r>
+            <a:r>
+              <a:rPr lang="en-US">
+                <a:solidFill>
+                  <a:schemeClr val="accent1">
+                    <a:lumMod val="50000"/>
+                  </a:schemeClr>
+                </a:solidFill>
+              </a:rPr>
+              <a:t>|</a:t>
+            </a:r>
+            <a:r>
+              <a:rPr lang="en-US"/>
+              <a:t> library.rice.edu/dss</a:t>
+            </a:r>
+            <a:endParaRPr lang="en-US" dirty="0"/>
+          </a:p>
+        </p:txBody>
+      </p:sp>
+      <p:sp>
+        <p:nvSpPr>
+          <p:cNvPr id="6" name="Slide Number Placeholder 5">
+            <a:extLst>
+              <a:ext uri="{FF2B5EF4-FFF2-40B4-BE49-F238E27FC236}">
+                <a16:creationId xmlns:a16="http://schemas.microsoft.com/office/drawing/2014/main" id="{FE1E6B8A-86A7-4271-AD53-EA475A5972F7}"/>
+              </a:ext>
+            </a:extLst>
+          </p:cNvPr>
+          <p:cNvSpPr>
+            <a:spLocks noGrp="1"/>
+          </p:cNvSpPr>
+          <p:nvPr>
+            <p:ph type="sldNum" sz="quarter" idx="12"/>
+          </p:nvPr>
+        </p:nvSpPr>
+        <p:spPr/>
+        <p:txBody>
+          <a:bodyPr/>
+          <a:lstStyle/>
+          <a:p>
+            <a:fld id="{D57F1E4F-1CFF-5643-939E-02111984F565}" type="slidenum">
+              <a:rPr lang="en-US" smtClean="0"/>
+              <a:t>11</a:t>
+            </a:fld>
+            <a:endParaRPr lang="en-US" dirty="0"/>
+          </a:p>
+        </p:txBody>
+      </p:sp>
+    </p:spTree>
+    <p:extLst>
+      <p:ext uri="{BB962C8B-B14F-4D97-AF65-F5344CB8AC3E}">
+        <p14:creationId xmlns:p14="http://schemas.microsoft.com/office/powerpoint/2010/main" val="773067360"/>
+      </p:ext>
+    </p:extLst>
+  </p:cSld>
+  <p:clrMapOvr>
+    <a:masterClrMapping/>
+  </p:clrMapOvr>
+</p:sld>
+</file>
+
+<file path=ppt/slides/slide12.xml><?xml version="1.0" encoding="utf-8"?>
+<p:sld xmlns:a="http://schemas.openxmlformats.org/drawingml/2006/main" xmlns:r="http://schemas.openxmlformats.org/officeDocument/2006/relationships" xmlns:p="http://schemas.openxmlformats.org/presentationml/2006/main">
+  <p:cSld>
+    <p:spTree>
+      <p:nvGrpSpPr>
+        <p:cNvPr id="1" name=""/>
+        <p:cNvGrpSpPr/>
+        <p:nvPr/>
+      </p:nvGrpSpPr>
+      <p:grpSpPr>
+        <a:xfrm>
+          <a:off x="0" y="0"/>
+          <a:ext cx="0" cy="0"/>
+          <a:chOff x="0" y="0"/>
+          <a:chExt cx="0" cy="0"/>
+        </a:xfrm>
+      </p:grpSpPr>
+      <p:sp>
+        <p:nvSpPr>
+          <p:cNvPr id="7" name="Title 6">
+            <a:extLst>
+              <a:ext uri="{FF2B5EF4-FFF2-40B4-BE49-F238E27FC236}">
+                <a16:creationId xmlns:a16="http://schemas.microsoft.com/office/drawing/2014/main" id="{F9B622D1-34BF-44D8-BDC0-3D31803EC1C8}"/>
+              </a:ext>
+            </a:extLst>
+          </p:cNvPr>
+          <p:cNvSpPr>
+            <a:spLocks noGrp="1"/>
+          </p:cNvSpPr>
+          <p:nvPr>
+            <p:ph type="title"/>
+          </p:nvPr>
+        </p:nvSpPr>
+        <p:spPr/>
+        <p:txBody>
+          <a:bodyPr/>
+          <a:lstStyle/>
+          <a:p>
+            <a:r>
+              <a:rPr lang="en-US" dirty="0" smtClean="0"/>
+              <a:t>VISUALIZING DATA</a:t>
+            </a:r>
+            <a:br>
+              <a:rPr lang="en-US" dirty="0" smtClean="0"/>
+            </a:br>
+            <a:r>
+              <a:rPr lang="en-US" dirty="0" smtClean="0"/>
+              <a:t>WITH GGPLOT2</a:t>
+            </a:r>
+            <a:endParaRPr lang="en-US" dirty="0"/>
+          </a:p>
+        </p:txBody>
+      </p:sp>
+      <p:sp>
+        <p:nvSpPr>
+          <p:cNvPr id="8" name="Text Placeholder 7">
+            <a:extLst>
+              <a:ext uri="{FF2B5EF4-FFF2-40B4-BE49-F238E27FC236}">
+                <a16:creationId xmlns:a16="http://schemas.microsoft.com/office/drawing/2014/main" id="{DD6D9B92-0C9B-4797-BC66-E014C6A328D0}"/>
+              </a:ext>
+            </a:extLst>
+          </p:cNvPr>
+          <p:cNvSpPr>
+            <a:spLocks noGrp="1"/>
+          </p:cNvSpPr>
+          <p:nvPr>
+            <p:ph type="body" idx="1"/>
+          </p:nvPr>
+        </p:nvSpPr>
+        <p:spPr/>
+        <p:txBody>
+          <a:bodyPr/>
+          <a:lstStyle/>
+          <a:p>
+            <a:r>
+              <a:rPr lang="en-US" dirty="0"/>
+              <a:t>Versatile data visualization</a:t>
+            </a:r>
+          </a:p>
+        </p:txBody>
+      </p:sp>
+      <p:sp>
+        <p:nvSpPr>
+          <p:cNvPr id="4" name="Date Placeholder 3">
+            <a:extLst>
+              <a:ext uri="{FF2B5EF4-FFF2-40B4-BE49-F238E27FC236}">
+                <a16:creationId xmlns:a16="http://schemas.microsoft.com/office/drawing/2014/main" id="{7F0C02FB-F57E-4A39-8820-BCD7DA0FA681}"/>
+              </a:ext>
+            </a:extLst>
+          </p:cNvPr>
+          <p:cNvSpPr>
+            <a:spLocks noGrp="1"/>
+          </p:cNvSpPr>
+          <p:nvPr>
+            <p:ph type="dt" sz="half" idx="10"/>
+          </p:nvPr>
+        </p:nvSpPr>
+        <p:spPr/>
+        <p:txBody>
+          <a:bodyPr/>
+          <a:lstStyle/>
+          <a:p>
+            <a:fld id="{8AAE40A0-A7D8-4DC3-BC9E-BADA32DA2004}" type="datetime4">
+              <a:rPr lang="en-US" smtClean="0"/>
+              <a:t>June 25, 2019</a:t>
+            </a:fld>
+            <a:endParaRPr lang="en-US" dirty="0"/>
+          </a:p>
+        </p:txBody>
+      </p:sp>
+      <p:sp>
+        <p:nvSpPr>
+          <p:cNvPr id="5" name="Footer Placeholder 4">
+            <a:extLst>
+              <a:ext uri="{FF2B5EF4-FFF2-40B4-BE49-F238E27FC236}">
+                <a16:creationId xmlns:a16="http://schemas.microsoft.com/office/drawing/2014/main" id="{7392278C-B6CF-46D2-A2D7-DB522B8FD6BB}"/>
+              </a:ext>
+            </a:extLst>
+          </p:cNvPr>
+          <p:cNvSpPr>
+            <a:spLocks noGrp="1"/>
+          </p:cNvSpPr>
+          <p:nvPr>
+            <p:ph type="ftr" sz="quarter" idx="11"/>
+          </p:nvPr>
+        </p:nvSpPr>
+        <p:spPr/>
+        <p:txBody>
+          <a:bodyPr/>
+          <a:lstStyle/>
+          <a:p>
+            <a:r>
+              <a:rPr lang="en-US"/>
+              <a:t>Digital Scholarship Services </a:t>
+            </a:r>
+            <a:r>
+              <a:rPr lang="en-US">
+                <a:solidFill>
+                  <a:schemeClr val="accent1">
+                    <a:lumMod val="50000"/>
+                  </a:schemeClr>
+                </a:solidFill>
+              </a:rPr>
+              <a:t>| Email</a:t>
+            </a:r>
+            <a:r>
+              <a:rPr lang="en-US"/>
+              <a:t> cf24@rice.edu </a:t>
+            </a:r>
+            <a:r>
+              <a:rPr lang="en-US">
+                <a:solidFill>
+                  <a:schemeClr val="accent1">
+                    <a:lumMod val="50000"/>
+                  </a:schemeClr>
+                </a:solidFill>
+              </a:rPr>
+              <a:t>|</a:t>
+            </a:r>
+            <a:r>
+              <a:rPr lang="en-US"/>
+              <a:t> library.rice.edu/dss</a:t>
+            </a:r>
+            <a:endParaRPr lang="en-US" dirty="0"/>
+          </a:p>
+        </p:txBody>
+      </p:sp>
+      <p:sp>
+        <p:nvSpPr>
+          <p:cNvPr id="6" name="Slide Number Placeholder 5">
+            <a:extLst>
+              <a:ext uri="{FF2B5EF4-FFF2-40B4-BE49-F238E27FC236}">
+                <a16:creationId xmlns:a16="http://schemas.microsoft.com/office/drawing/2014/main" id="{E0E072A8-158A-417B-B985-B4D802B5C32D}"/>
+              </a:ext>
+            </a:extLst>
+          </p:cNvPr>
+          <p:cNvSpPr>
+            <a:spLocks noGrp="1"/>
+          </p:cNvSpPr>
+          <p:nvPr>
+            <p:ph type="sldNum" sz="quarter" idx="12"/>
+          </p:nvPr>
+        </p:nvSpPr>
+        <p:spPr/>
+        <p:txBody>
+          <a:bodyPr/>
+          <a:lstStyle/>
+          <a:p>
+            <a:fld id="{D57F1E4F-1CFF-5643-939E-02111984F565}" type="slidenum">
+              <a:rPr lang="en-US" smtClean="0"/>
+              <a:t>12</a:t>
+            </a:fld>
+            <a:endParaRPr lang="en-US" dirty="0"/>
+          </a:p>
+        </p:txBody>
+      </p:sp>
+    </p:spTree>
+    <p:extLst>
+      <p:ext uri="{BB962C8B-B14F-4D97-AF65-F5344CB8AC3E}">
+        <p14:creationId xmlns:p14="http://schemas.microsoft.com/office/powerpoint/2010/main" val="2922848558"/>
+      </p:ext>
+    </p:extLst>
+  </p:cSld>
+  <p:clrMapOvr>
+    <a:masterClrMapping/>
+  </p:clrMapOvr>
+</p:sld>
+</file>
+
+<file path=ppt/slides/slide13.xml><?xml version="1.0" encoding="utf-8"?>
+<p:sld xmlns:a="http://schemas.openxmlformats.org/drawingml/2006/main" xmlns:r="http://schemas.openxmlformats.org/officeDocument/2006/relationships" xmlns:p="http://schemas.openxmlformats.org/presentationml/2006/main">
+  <p:cSld>
+    <p:spTree>
+      <p:nvGrpSpPr>
+        <p:cNvPr id="1" name=""/>
+        <p:cNvGrpSpPr/>
+        <p:nvPr/>
+      </p:nvGrpSpPr>
+      <p:grpSpPr>
+        <a:xfrm>
+          <a:off x="0" y="0"/>
+          <a:ext cx="0" cy="0"/>
+          <a:chOff x="0" y="0"/>
+          <a:chExt cx="0" cy="0"/>
+        </a:xfrm>
+      </p:grpSpPr>
+      <p:sp>
+        <p:nvSpPr>
+          <p:cNvPr id="2" name="Title 1">
+            <a:extLst>
+              <a:ext uri="{FF2B5EF4-FFF2-40B4-BE49-F238E27FC236}">
+                <a16:creationId xmlns:a16="http://schemas.microsoft.com/office/drawing/2014/main" id="{8BB31801-2E3E-485F-82B8-81F94CAC0E69}"/>
+              </a:ext>
+            </a:extLst>
+          </p:cNvPr>
+          <p:cNvSpPr>
+            <a:spLocks noGrp="1"/>
+          </p:cNvSpPr>
+          <p:nvPr>
+            <p:ph type="title"/>
+          </p:nvPr>
+        </p:nvSpPr>
+        <p:spPr/>
+        <p:txBody>
+          <a:bodyPr/>
+          <a:lstStyle/>
+          <a:p>
+            <a:r>
+              <a:rPr lang="en-US" dirty="0" smtClean="0"/>
+              <a:t>SOME FANCY PLOTS</a:t>
+            </a:r>
+            <a:endParaRPr lang="en-US" dirty="0"/>
+          </a:p>
+        </p:txBody>
+      </p:sp>
+      <p:sp>
+        <p:nvSpPr>
+          <p:cNvPr id="3" name="Content Placeholder 2">
+            <a:extLst>
+              <a:ext uri="{FF2B5EF4-FFF2-40B4-BE49-F238E27FC236}">
+                <a16:creationId xmlns:a16="http://schemas.microsoft.com/office/drawing/2014/main" id="{390EC6AF-F6AE-4708-966A-6ECE19BE5BC6}"/>
+              </a:ext>
+            </a:extLst>
+          </p:cNvPr>
+          <p:cNvSpPr>
+            <a:spLocks noGrp="1"/>
+          </p:cNvSpPr>
+          <p:nvPr>
+            <p:ph idx="1"/>
+          </p:nvPr>
+        </p:nvSpPr>
+        <p:spPr/>
+        <p:txBody>
+          <a:bodyPr/>
+          <a:lstStyle/>
+          <a:p>
+            <a:endParaRPr lang="en-US"/>
+          </a:p>
+        </p:txBody>
+      </p:sp>
+      <p:sp>
+        <p:nvSpPr>
+          <p:cNvPr id="4" name="Date Placeholder 3">
+            <a:extLst>
+              <a:ext uri="{FF2B5EF4-FFF2-40B4-BE49-F238E27FC236}">
+                <a16:creationId xmlns:a16="http://schemas.microsoft.com/office/drawing/2014/main" id="{FFAAEF07-9EEF-437A-AC4E-2B14BC28A3D5}"/>
+              </a:ext>
+            </a:extLst>
+          </p:cNvPr>
+          <p:cNvSpPr>
+            <a:spLocks noGrp="1"/>
+          </p:cNvSpPr>
+          <p:nvPr>
+            <p:ph type="dt" sz="half" idx="10"/>
+          </p:nvPr>
+        </p:nvSpPr>
+        <p:spPr/>
+        <p:txBody>
+          <a:bodyPr/>
+          <a:lstStyle/>
+          <a:p>
+            <a:fld id="{8AAE40A0-A7D8-4DC3-BC9E-BADA32DA2004}" type="datetime4">
+              <a:rPr lang="en-US" smtClean="0"/>
+              <a:t>June 25, 2019</a:t>
+            </a:fld>
+            <a:endParaRPr lang="en-US" dirty="0"/>
+          </a:p>
+        </p:txBody>
+      </p:sp>
+      <p:sp>
+        <p:nvSpPr>
+          <p:cNvPr id="5" name="Footer Placeholder 4">
+            <a:extLst>
+              <a:ext uri="{FF2B5EF4-FFF2-40B4-BE49-F238E27FC236}">
+                <a16:creationId xmlns:a16="http://schemas.microsoft.com/office/drawing/2014/main" id="{5EDC591F-3ACD-494A-9A2B-670AE711DDB7}"/>
+              </a:ext>
+            </a:extLst>
+          </p:cNvPr>
+          <p:cNvSpPr>
+            <a:spLocks noGrp="1"/>
+          </p:cNvSpPr>
+          <p:nvPr>
+            <p:ph type="ftr" sz="quarter" idx="11"/>
+          </p:nvPr>
+        </p:nvSpPr>
+        <p:spPr/>
+        <p:txBody>
+          <a:bodyPr/>
+          <a:lstStyle/>
+          <a:p>
+            <a:r>
+              <a:rPr lang="en-US"/>
+              <a:t>Digital Scholarship Services </a:t>
+            </a:r>
+            <a:r>
+              <a:rPr lang="en-US">
+                <a:solidFill>
+                  <a:schemeClr val="accent1">
+                    <a:lumMod val="50000"/>
+                  </a:schemeClr>
+                </a:solidFill>
+              </a:rPr>
+              <a:t>| Email</a:t>
+            </a:r>
+            <a:r>
+              <a:rPr lang="en-US"/>
+              <a:t> cf24@rice.edu </a:t>
+            </a:r>
+            <a:r>
+              <a:rPr lang="en-US">
+                <a:solidFill>
+                  <a:schemeClr val="accent1">
+                    <a:lumMod val="50000"/>
+                  </a:schemeClr>
+                </a:solidFill>
+              </a:rPr>
+              <a:t>|</a:t>
+            </a:r>
+            <a:r>
+              <a:rPr lang="en-US"/>
+              <a:t> library.rice.edu/dss</a:t>
+            </a:r>
+            <a:endParaRPr lang="en-US" dirty="0"/>
+          </a:p>
+        </p:txBody>
+      </p:sp>
+      <p:sp>
+        <p:nvSpPr>
+          <p:cNvPr id="6" name="Slide Number Placeholder 5">
+            <a:extLst>
+              <a:ext uri="{FF2B5EF4-FFF2-40B4-BE49-F238E27FC236}">
+                <a16:creationId xmlns:a16="http://schemas.microsoft.com/office/drawing/2014/main" id="{06DD70CE-B53B-4527-BDF0-0FA1B01776B6}"/>
+              </a:ext>
+            </a:extLst>
+          </p:cNvPr>
+          <p:cNvSpPr>
+            <a:spLocks noGrp="1"/>
+          </p:cNvSpPr>
+          <p:nvPr>
+            <p:ph type="sldNum" sz="quarter" idx="12"/>
+          </p:nvPr>
+        </p:nvSpPr>
+        <p:spPr/>
+        <p:txBody>
+          <a:bodyPr/>
+          <a:lstStyle/>
+          <a:p>
+            <a:fld id="{D57F1E4F-1CFF-5643-939E-02111984F565}" type="slidenum">
+              <a:rPr lang="en-US" smtClean="0"/>
+              <a:t>13</a:t>
+            </a:fld>
+            <a:endParaRPr lang="en-US" dirty="0"/>
+          </a:p>
+        </p:txBody>
+      </p:sp>
+    </p:spTree>
+    <p:extLst>
+      <p:ext uri="{BB962C8B-B14F-4D97-AF65-F5344CB8AC3E}">
+        <p14:creationId xmlns:p14="http://schemas.microsoft.com/office/powerpoint/2010/main" val="2814895575"/>
+      </p:ext>
+    </p:extLst>
+  </p:cSld>
+  <p:clrMapOvr>
+    <a:masterClrMapping/>
+  </p:clrMapOvr>
+</p:sld>
+</file>
+
+<file path=ppt/slides/slide14.xml><?xml version="1.0" encoding="utf-8"?>
+<p:sld xmlns:a="http://schemas.openxmlformats.org/drawingml/2006/main" xmlns:r="http://schemas.openxmlformats.org/officeDocument/2006/relationships" xmlns:p="http://schemas.openxmlformats.org/presentationml/2006/main">
+  <p:cSld>
+    <p:spTree>
+      <p:nvGrpSpPr>
+        <p:cNvPr id="1" name=""/>
+        <p:cNvGrpSpPr/>
+        <p:nvPr/>
+      </p:nvGrpSpPr>
+      <p:grpSpPr>
+        <a:xfrm>
+          <a:off x="0" y="0"/>
+          <a:ext cx="0" cy="0"/>
+          <a:chOff x="0" y="0"/>
+          <a:chExt cx="0" cy="0"/>
+        </a:xfrm>
+      </p:grpSpPr>
+      <p:sp>
+        <p:nvSpPr>
+          <p:cNvPr id="2" name="Title 1">
+            <a:extLst>
+              <a:ext uri="{FF2B5EF4-FFF2-40B4-BE49-F238E27FC236}">
+                <a16:creationId xmlns:a16="http://schemas.microsoft.com/office/drawing/2014/main" id="{A8909A85-5F97-4785-BA4C-680457A0F1AF}"/>
+              </a:ext>
+            </a:extLst>
+          </p:cNvPr>
+          <p:cNvSpPr>
+            <a:spLocks noGrp="1"/>
+          </p:cNvSpPr>
+          <p:nvPr>
+            <p:ph type="title"/>
+          </p:nvPr>
+        </p:nvSpPr>
+        <p:spPr/>
+        <p:txBody>
+          <a:bodyPr/>
+          <a:lstStyle/>
+          <a:p>
+            <a:r>
+              <a:rPr lang="en-US" dirty="0"/>
+              <a:t>ACKNOWLEDGEMENTS</a:t>
+            </a:r>
+          </a:p>
+        </p:txBody>
+      </p:sp>
+      <p:sp>
+        <p:nvSpPr>
+          <p:cNvPr id="7" name="Content Placeholder 6">
+            <a:extLst>
+              <a:ext uri="{FF2B5EF4-FFF2-40B4-BE49-F238E27FC236}">
+                <a16:creationId xmlns:a16="http://schemas.microsoft.com/office/drawing/2014/main" id="{063C36B6-F28F-4BE7-9B27-1DD6F6385857}"/>
+              </a:ext>
+            </a:extLst>
+          </p:cNvPr>
+          <p:cNvSpPr>
+            <a:spLocks noGrp="1"/>
+          </p:cNvSpPr>
+          <p:nvPr>
+            <p:ph idx="1"/>
+          </p:nvPr>
+        </p:nvSpPr>
+        <p:spPr/>
+        <p:txBody>
+          <a:bodyPr/>
+          <a:lstStyle/>
+          <a:p>
+            <a:endParaRPr lang="en-US"/>
+          </a:p>
+        </p:txBody>
+      </p:sp>
+      <p:sp>
+        <p:nvSpPr>
+          <p:cNvPr id="4" name="Date Placeholder 3">
+            <a:extLst>
+              <a:ext uri="{FF2B5EF4-FFF2-40B4-BE49-F238E27FC236}">
+                <a16:creationId xmlns:a16="http://schemas.microsoft.com/office/drawing/2014/main" id="{6BD03D3F-8307-4B2B-85E0-9639DD7F7B8C}"/>
+              </a:ext>
+            </a:extLst>
+          </p:cNvPr>
+          <p:cNvSpPr>
+            <a:spLocks noGrp="1"/>
+          </p:cNvSpPr>
+          <p:nvPr>
+            <p:ph type="dt" sz="half" idx="10"/>
+          </p:nvPr>
+        </p:nvSpPr>
+        <p:spPr/>
+        <p:txBody>
+          <a:bodyPr/>
+          <a:lstStyle/>
+          <a:p>
+            <a:fld id="{8AAE40A0-A7D8-4DC3-BC9E-BADA32DA2004}" type="datetime4">
+              <a:rPr lang="en-US" smtClean="0"/>
+              <a:t>June 25, 2019</a:t>
+            </a:fld>
+            <a:endParaRPr lang="en-US" dirty="0"/>
+          </a:p>
+        </p:txBody>
+      </p:sp>
+      <p:sp>
+        <p:nvSpPr>
+          <p:cNvPr id="5" name="Footer Placeholder 4">
+            <a:extLst>
+              <a:ext uri="{FF2B5EF4-FFF2-40B4-BE49-F238E27FC236}">
+                <a16:creationId xmlns:a16="http://schemas.microsoft.com/office/drawing/2014/main" id="{07FB1389-2798-4D26-8CCE-27767E9E7F1D}"/>
+              </a:ext>
+            </a:extLst>
+          </p:cNvPr>
+          <p:cNvSpPr>
+            <a:spLocks noGrp="1"/>
+          </p:cNvSpPr>
+          <p:nvPr>
+            <p:ph type="ftr" sz="quarter" idx="11"/>
+          </p:nvPr>
+        </p:nvSpPr>
+        <p:spPr/>
+        <p:txBody>
+          <a:bodyPr/>
+          <a:lstStyle/>
+          <a:p>
+            <a:r>
+              <a:rPr lang="en-US"/>
+              <a:t>Digital Scholarship Services </a:t>
+            </a:r>
+            <a:r>
+              <a:rPr lang="en-US">
+                <a:solidFill>
+                  <a:schemeClr val="accent1">
+                    <a:lumMod val="50000"/>
+                  </a:schemeClr>
+                </a:solidFill>
+              </a:rPr>
+              <a:t>| Email</a:t>
+            </a:r>
+            <a:r>
+              <a:rPr lang="en-US"/>
+              <a:t> cf24@rice.edu </a:t>
+            </a:r>
+            <a:r>
+              <a:rPr lang="en-US">
+                <a:solidFill>
+                  <a:schemeClr val="accent1">
+                    <a:lumMod val="50000"/>
+                  </a:schemeClr>
+                </a:solidFill>
+              </a:rPr>
+              <a:t>|</a:t>
+            </a:r>
+            <a:r>
+              <a:rPr lang="en-US"/>
+              <a:t> library.rice.edu/dss</a:t>
+            </a:r>
+            <a:endParaRPr lang="en-US" dirty="0"/>
+          </a:p>
+        </p:txBody>
+      </p:sp>
+      <p:sp>
+        <p:nvSpPr>
+          <p:cNvPr id="6" name="Slide Number Placeholder 5">
+            <a:extLst>
+              <a:ext uri="{FF2B5EF4-FFF2-40B4-BE49-F238E27FC236}">
+                <a16:creationId xmlns:a16="http://schemas.microsoft.com/office/drawing/2014/main" id="{D9EB88B7-3533-4306-8F51-5BF384EBA51E}"/>
+              </a:ext>
+            </a:extLst>
+          </p:cNvPr>
+          <p:cNvSpPr>
+            <a:spLocks noGrp="1"/>
+          </p:cNvSpPr>
+          <p:nvPr>
+            <p:ph type="sldNum" sz="quarter" idx="12"/>
+          </p:nvPr>
+        </p:nvSpPr>
+        <p:spPr/>
+        <p:txBody>
+          <a:bodyPr/>
+          <a:lstStyle/>
+          <a:p>
+            <a:fld id="{D57F1E4F-1CFF-5643-939E-02111984F565}" type="slidenum">
+              <a:rPr lang="en-US" smtClean="0"/>
+              <a:t>14</a:t>
+            </a:fld>
+            <a:endParaRPr lang="en-US" dirty="0"/>
+          </a:p>
+        </p:txBody>
+      </p:sp>
+    </p:spTree>
+    <p:extLst>
+      <p:ext uri="{BB962C8B-B14F-4D97-AF65-F5344CB8AC3E}">
+        <p14:creationId xmlns:p14="http://schemas.microsoft.com/office/powerpoint/2010/main" val="1583061505"/>
+      </p:ext>
+    </p:extLst>
+  </p:cSld>
+  <p:clrMapOvr>
+    <a:masterClrMapping/>
+  </p:clrMapOvr>
+</p:sld>
+</file>
+
 <file path=ppt/slides/slide2.xml><?xml version="1.0" encoding="utf-8"?>
 <p:sld xmlns:a="http://schemas.openxmlformats.org/drawingml/2006/main" xmlns:r="http://schemas.openxmlformats.org/officeDocument/2006/relationships" xmlns:p="http://schemas.openxmlformats.org/presentationml/2006/main">
   <p:cSld>
@@ -5579,7 +8364,7 @@
           <a:p>
             <a:fld id="{8AAE40A0-A7D8-4DC3-BC9E-BADA32DA2004}" type="datetime4">
               <a:rPr lang="en-US" smtClean="0"/>
-              <a:t>June 19, 2019</a:t>
+              <a:t>June 25, 2019</a:t>
             </a:fld>
             <a:endParaRPr lang="en-US" dirty="0"/>
           </a:p>
@@ -5717,11 +8502,26 @@
           <a:lstStyle/>
           <a:p>
             <a:r>
+              <a:rPr lang="en-US" dirty="0" smtClean="0">
+                <a:latin typeface="+mn-lt"/>
+              </a:rPr>
+              <a:t>WHAT IS </a:t>
+            </a:r>
+            <a:r>
               <a:rPr lang="en-US" dirty="0">
                 <a:latin typeface="+mn-lt"/>
               </a:rPr>
-              <a:t>ABOUT THE TIDYVERSE</a:t>
-            </a:r>
+              <a:t>THE </a:t>
+            </a:r>
+            <a:r>
+              <a:rPr lang="en-US" dirty="0" smtClean="0">
+                <a:latin typeface="+mn-lt"/>
+              </a:rPr>
+              <a:t>TIDYVERSE?</a:t>
+            </a:r>
+            <a:endParaRPr lang="en-US" dirty="0">
+              <a:latin typeface="+mn-lt"/>
+            </a:endParaRPr>
           </a:p>
         </p:txBody>
       </p:sp>
@@ -5767,7 +8567,7 @@
           <a:p>
             <a:fld id="{3686C9ED-58DA-41A6-B894-9B830C59600E}" type="datetime4">
               <a:rPr lang="en-US" smtClean="0"/>
-              <a:t>June 19, 2019</a:t>
+              <a:t>June 25, 2019</a:t>
             </a:fld>
             <a:endParaRPr lang="en-US" dirty="0"/>
           </a:p>
@@ -5851,13 +8651,7 @@
       </p:grpSpPr>
       <p:sp>
         <p:nvSpPr>
-          <p:cNvPr id="7" name="Title 6">
-            <a:extLst>
-              <a:ext uri="{FF2B5EF4-FFF2-40B4-BE49-F238E27FC236}">
-                <a16:creationId xmlns:a16="http://schemas.microsoft.com/office/drawing/2014/main" id="{F9B622D1-34BF-44D8-BDC0-3D31803EC1C8}"/>
-              </a:ext>
-            </a:extLst>
-          </p:cNvPr>
+          <p:cNvPr id="7" name="Title 6"/>
           <p:cNvSpPr>
             <a:spLocks noGrp="1"/>
           </p:cNvSpPr>
@@ -5871,21 +8665,23 @@
           <a:lstStyle/>
           <a:p>
             <a:r>
-              <a:rPr lang="en-US" dirty="0"/>
-              <a:t>THE DPLYR PACKAGE</a:t>
-            </a:r>
-          </a:p>
-        </p:txBody>
-      </p:sp>
-      <p:sp>
-        <p:nvSpPr>
-          <p:cNvPr id="8" name="Text Placeholder 7">
-            <a:extLst>
-              <a:ext uri="{FF2B5EF4-FFF2-40B4-BE49-F238E27FC236}">
-                <a16:creationId xmlns:a16="http://schemas.microsoft.com/office/drawing/2014/main" id="{DD6D9B92-0C9B-4797-BC66-E014C6A328D0}"/>
-              </a:ext>
-            </a:extLst>
-          </p:cNvPr>
+              <a:rPr lang="en-US" dirty="0" smtClean="0"/>
+              <a:t>DATA STORAGE</a:t>
+            </a:r>
+            <a:br>
+              <a:rPr lang="en-US" dirty="0" smtClean="0"/>
+            </a:br>
+            <a:r>
+              <a:rPr lang="en-US" dirty="0" smtClean="0"/>
+              <a:t>WITH TIBBLES</a:t>
+            </a:r>
+            <a:endParaRPr lang="en-US" dirty="0"/>
+          </a:p>
+        </p:txBody>
+      </p:sp>
+      <p:sp>
+        <p:nvSpPr>
+          <p:cNvPr id="8" name="Text Placeholder 7"/>
           <p:cNvSpPr>
             <a:spLocks noGrp="1"/>
           </p:cNvSpPr>
@@ -5899,21 +8695,20 @@
           <a:lstStyle/>
           <a:p>
             <a:r>
-              <a:rPr lang="en-US" dirty="0"/>
-              <a:t>Verbs for data manipulation</a:t>
-            </a:r>
-          </a:p>
-        </p:txBody>
-      </p:sp>
-      <p:sp>
-        <p:nvSpPr>
-          <p:cNvPr id="4" name="Date Placeholder 3">
-            <a:extLst>
-              <a:ext uri="{FF2B5EF4-FFF2-40B4-BE49-F238E27FC236}">
-                <a16:creationId xmlns:a16="http://schemas.microsoft.com/office/drawing/2014/main" id="{7F0C02FB-F57E-4A39-8820-BCD7DA0FA681}"/>
-              </a:ext>
-            </a:extLst>
-          </p:cNvPr>
+              <a:rPr lang="en-US" dirty="0" smtClean="0"/>
+              <a:t>Tidy </a:t>
+            </a:r>
+            <a:r>
+              <a:rPr lang="en-US" dirty="0" err="1" smtClean="0"/>
+              <a:t>dataframes</a:t>
+            </a:r>
+            <a:endParaRPr lang="en-US" dirty="0"/>
+          </a:p>
+        </p:txBody>
+      </p:sp>
+      <p:sp>
+        <p:nvSpPr>
+          <p:cNvPr id="4" name="Date Placeholder 3"/>
           <p:cNvSpPr>
             <a:spLocks noGrp="1"/>
           </p:cNvSpPr>
@@ -5928,7 +8723,7 @@
           <a:p>
             <a:fld id="{8AAE40A0-A7D8-4DC3-BC9E-BADA32DA2004}" type="datetime4">
               <a:rPr lang="en-US" smtClean="0"/>
-              <a:t>June 19, 2019</a:t>
+              <a:t>June 25, 2019</a:t>
             </a:fld>
             <a:endParaRPr lang="en-US" dirty="0"/>
           </a:p>
@@ -5936,13 +8731,7 @@
       </p:sp>
       <p:sp>
         <p:nvSpPr>
-          <p:cNvPr id="5" name="Footer Placeholder 4">
-            <a:extLst>
-              <a:ext uri="{FF2B5EF4-FFF2-40B4-BE49-F238E27FC236}">
-                <a16:creationId xmlns:a16="http://schemas.microsoft.com/office/drawing/2014/main" id="{7392278C-B6CF-46D2-A2D7-DB522B8FD6BB}"/>
-              </a:ext>
-            </a:extLst>
-          </p:cNvPr>
+          <p:cNvPr id="5" name="Footer Placeholder 4"/>
           <p:cNvSpPr>
             <a:spLocks noGrp="1"/>
           </p:cNvSpPr>
@@ -5956,11 +8745,11 @@
           <a:lstStyle/>
           <a:p>
             <a:r>
-              <a:rPr lang="en-US"/>
+              <a:rPr lang="en-US" smtClean="0"/>
               <a:t>Digital Scholarship Services </a:t>
             </a:r>
             <a:r>
-              <a:rPr lang="en-US">
+              <a:rPr lang="en-US" smtClean="0">
                 <a:solidFill>
                   <a:schemeClr val="accent1">
                     <a:lumMod val="50000"/>
@@ -5970,11 +8759,11 @@
               <a:t>| Email</a:t>
             </a:r>
             <a:r>
-              <a:rPr lang="en-US"/>
+              <a:rPr lang="en-US" smtClean="0"/>
               <a:t> cf24@rice.edu </a:t>
             </a:r>
             <a:r>
-              <a:rPr lang="en-US">
+              <a:rPr lang="en-US" smtClean="0">
                 <a:solidFill>
                   <a:schemeClr val="accent1">
                     <a:lumMod val="50000"/>
@@ -5984,7 +8773,7 @@
               <a:t>|</a:t>
             </a:r>
             <a:r>
-              <a:rPr lang="en-US"/>
+              <a:rPr lang="en-US" smtClean="0"/>
               <a:t> library.rice.edu/dss</a:t>
             </a:r>
             <a:endParaRPr lang="en-US" dirty="0"/>
@@ -5993,13 +8782,7 @@
       </p:sp>
       <p:sp>
         <p:nvSpPr>
-          <p:cNvPr id="6" name="Slide Number Placeholder 5">
-            <a:extLst>
-              <a:ext uri="{FF2B5EF4-FFF2-40B4-BE49-F238E27FC236}">
-                <a16:creationId xmlns:a16="http://schemas.microsoft.com/office/drawing/2014/main" id="{E0E072A8-158A-417B-B985-B4D802B5C32D}"/>
-              </a:ext>
-            </a:extLst>
-          </p:cNvPr>
+          <p:cNvPr id="6" name="Slide Number Placeholder 5"/>
           <p:cNvSpPr>
             <a:spLocks noGrp="1"/>
           </p:cNvSpPr>
@@ -6023,7 +8806,7 @@
     </p:spTree>
     <p:extLst>
       <p:ext uri="{BB962C8B-B14F-4D97-AF65-F5344CB8AC3E}">
-        <p14:creationId xmlns:p14="http://schemas.microsoft.com/office/powerpoint/2010/main" val="2464089218"/>
+        <p14:creationId xmlns:p14="http://schemas.microsoft.com/office/powerpoint/2010/main" val="4292710653"/>
       </p:ext>
     </p:extLst>
   </p:cSld>
@@ -6052,13 +8835,7 @@
       </p:grpSpPr>
       <p:sp>
         <p:nvSpPr>
-          <p:cNvPr id="2" name="Title 1">
-            <a:extLst>
-              <a:ext uri="{FF2B5EF4-FFF2-40B4-BE49-F238E27FC236}">
-                <a16:creationId xmlns:a16="http://schemas.microsoft.com/office/drawing/2014/main" id="{783AB27B-A036-46B4-8273-B00B4CC009E5}"/>
-              </a:ext>
-            </a:extLst>
-          </p:cNvPr>
+          <p:cNvPr id="7" name="Title 6"/>
           <p:cNvSpPr>
             <a:spLocks noGrp="1"/>
           </p:cNvSpPr>
@@ -6072,21 +8849,16 @@
           <a:lstStyle/>
           <a:p>
             <a:r>
-              <a:rPr lang="en-US" dirty="0"/>
-              <a:t>ABOUT DPLYR</a:t>
-            </a:r>
-          </a:p>
-        </p:txBody>
-      </p:sp>
-      <p:sp>
-        <p:nvSpPr>
-          <p:cNvPr id="3" name="Content Placeholder 2">
-            <a:extLst>
-              <a:ext uri="{FF2B5EF4-FFF2-40B4-BE49-F238E27FC236}">
-                <a16:creationId xmlns:a16="http://schemas.microsoft.com/office/drawing/2014/main" id="{43136DA3-E238-45FB-9460-C178D50DB43E}"/>
-              </a:ext>
-            </a:extLst>
-          </p:cNvPr>
+              <a:rPr lang="en-US" dirty="0" smtClean="0"/>
+              <a:t>WHY TIBBLES?</a:t>
+            </a:r>
+            <a:endParaRPr lang="en-US" dirty="0"/>
+          </a:p>
+        </p:txBody>
+      </p:sp>
+      <p:sp>
+        <p:nvSpPr>
+          <p:cNvPr id="8" name="Content Placeholder 7"/>
           <p:cNvSpPr>
             <a:spLocks noGrp="1"/>
           </p:cNvSpPr>
@@ -6105,13 +8877,7 @@
       </p:sp>
       <p:sp>
         <p:nvSpPr>
-          <p:cNvPr id="4" name="Date Placeholder 3">
-            <a:extLst>
-              <a:ext uri="{FF2B5EF4-FFF2-40B4-BE49-F238E27FC236}">
-                <a16:creationId xmlns:a16="http://schemas.microsoft.com/office/drawing/2014/main" id="{E5E06012-E22D-4816-AAB2-FA54D59A1182}"/>
-              </a:ext>
-            </a:extLst>
-          </p:cNvPr>
+          <p:cNvPr id="4" name="Date Placeholder 3"/>
           <p:cNvSpPr>
             <a:spLocks noGrp="1"/>
           </p:cNvSpPr>
@@ -6124,9 +8890,9 @@
           <a:bodyPr/>
           <a:lstStyle/>
           <a:p>
-            <a:fld id="{8AAE40A0-A7D8-4DC3-BC9E-BADA32DA2004}" type="datetime4">
+            <a:fld id="{B08FEED8-D7D4-44E9-BFBC-ED06B5996D94}" type="datetime4">
               <a:rPr lang="en-US" smtClean="0"/>
-              <a:t>June 19, 2019</a:t>
+              <a:t>June 25, 2019</a:t>
             </a:fld>
             <a:endParaRPr lang="en-US" dirty="0"/>
           </a:p>
@@ -6134,13 +8900,7 @@
       </p:sp>
       <p:sp>
         <p:nvSpPr>
-          <p:cNvPr id="5" name="Footer Placeholder 4">
-            <a:extLst>
-              <a:ext uri="{FF2B5EF4-FFF2-40B4-BE49-F238E27FC236}">
-                <a16:creationId xmlns:a16="http://schemas.microsoft.com/office/drawing/2014/main" id="{F3555683-DD74-4221-B1D1-E97AA77ED2BD}"/>
-              </a:ext>
-            </a:extLst>
-          </p:cNvPr>
+          <p:cNvPr id="5" name="Footer Placeholder 4"/>
           <p:cNvSpPr>
             <a:spLocks noGrp="1"/>
           </p:cNvSpPr>
@@ -6154,11 +8914,11 @@
           <a:lstStyle/>
           <a:p>
             <a:r>
-              <a:rPr lang="en-US"/>
+              <a:rPr lang="en-US" smtClean="0"/>
               <a:t>Digital Scholarship Services </a:t>
             </a:r>
             <a:r>
-              <a:rPr lang="en-US">
+              <a:rPr lang="en-US" smtClean="0">
                 <a:solidFill>
                   <a:schemeClr val="accent1">
                     <a:lumMod val="50000"/>
@@ -6168,11 +8928,11 @@
               <a:t>| Email</a:t>
             </a:r>
             <a:r>
-              <a:rPr lang="en-US"/>
+              <a:rPr lang="en-US" smtClean="0"/>
               <a:t> cf24@rice.edu </a:t>
             </a:r>
             <a:r>
-              <a:rPr lang="en-US">
+              <a:rPr lang="en-US" smtClean="0">
                 <a:solidFill>
                   <a:schemeClr val="accent1">
                     <a:lumMod val="50000"/>
@@ -6182,7 +8942,7 @@
               <a:t>|</a:t>
             </a:r>
             <a:r>
-              <a:rPr lang="en-US"/>
+              <a:rPr lang="en-US" smtClean="0"/>
               <a:t> library.rice.edu/dss</a:t>
             </a:r>
             <a:endParaRPr lang="en-US" dirty="0"/>
@@ -6191,13 +8951,7 @@
       </p:sp>
       <p:sp>
         <p:nvSpPr>
-          <p:cNvPr id="6" name="Slide Number Placeholder 5">
-            <a:extLst>
-              <a:ext uri="{FF2B5EF4-FFF2-40B4-BE49-F238E27FC236}">
-                <a16:creationId xmlns:a16="http://schemas.microsoft.com/office/drawing/2014/main" id="{FE1E6B8A-86A7-4271-AD53-EA475A5972F7}"/>
-              </a:ext>
-            </a:extLst>
-          </p:cNvPr>
+          <p:cNvPr id="6" name="Slide Number Placeholder 5"/>
           <p:cNvSpPr>
             <a:spLocks noGrp="1"/>
           </p:cNvSpPr>
@@ -6221,7 +8975,7 @@
     </p:spTree>
     <p:extLst>
       <p:ext uri="{BB962C8B-B14F-4D97-AF65-F5344CB8AC3E}">
-        <p14:creationId xmlns:p14="http://schemas.microsoft.com/office/powerpoint/2010/main" val="773067360"/>
+        <p14:creationId xmlns:p14="http://schemas.microsoft.com/office/powerpoint/2010/main" val="2752769776"/>
       </p:ext>
     </p:extLst>
   </p:cSld>
@@ -6250,13 +9004,7 @@
       </p:grpSpPr>
       <p:sp>
         <p:nvSpPr>
-          <p:cNvPr id="7" name="Title 6">
-            <a:extLst>
-              <a:ext uri="{FF2B5EF4-FFF2-40B4-BE49-F238E27FC236}">
-                <a16:creationId xmlns:a16="http://schemas.microsoft.com/office/drawing/2014/main" id="{F9B622D1-34BF-44D8-BDC0-3D31803EC1C8}"/>
-              </a:ext>
-            </a:extLst>
-          </p:cNvPr>
+          <p:cNvPr id="7" name="Title 6"/>
           <p:cNvSpPr>
             <a:spLocks noGrp="1"/>
           </p:cNvSpPr>
@@ -6270,21 +9018,23 @@
           <a:lstStyle/>
           <a:p>
             <a:r>
-              <a:rPr lang="en-US" dirty="0"/>
-              <a:t>THE GGPLOT2 PACKAGE</a:t>
-            </a:r>
-          </a:p>
-        </p:txBody>
-      </p:sp>
-      <p:sp>
-        <p:nvSpPr>
-          <p:cNvPr id="8" name="Text Placeholder 7">
-            <a:extLst>
-              <a:ext uri="{FF2B5EF4-FFF2-40B4-BE49-F238E27FC236}">
-                <a16:creationId xmlns:a16="http://schemas.microsoft.com/office/drawing/2014/main" id="{DD6D9B92-0C9B-4797-BC66-E014C6A328D0}"/>
-              </a:ext>
-            </a:extLst>
-          </p:cNvPr>
+              <a:rPr lang="en-US" dirty="0" smtClean="0"/>
+              <a:t>DATA ACQUISITION</a:t>
+            </a:r>
+            <a:br>
+              <a:rPr lang="en-US" dirty="0" smtClean="0"/>
+            </a:br>
+            <a:r>
+              <a:rPr lang="en-US" dirty="0" smtClean="0"/>
+              <a:t>WITH READR</a:t>
+            </a:r>
+            <a:endParaRPr lang="en-US" dirty="0"/>
+          </a:p>
+        </p:txBody>
+      </p:sp>
+      <p:sp>
+        <p:nvSpPr>
+          <p:cNvPr id="8" name="Text Placeholder 7"/>
           <p:cNvSpPr>
             <a:spLocks noGrp="1"/>
           </p:cNvSpPr>
@@ -6297,22 +9047,13 @@
           <a:bodyPr/>
           <a:lstStyle/>
           <a:p>
-            <a:r>
-              <a:rPr lang="en-US" dirty="0"/>
-              <a:t>Versatile data visualization</a:t>
-            </a:r>
-          </a:p>
-        </p:txBody>
-      </p:sp>
-      <p:sp>
-        <p:nvSpPr>
-          <p:cNvPr id="4" name="Date Placeholder 3">
-            <a:extLst>
-              <a:ext uri="{FF2B5EF4-FFF2-40B4-BE49-F238E27FC236}">
-                <a16:creationId xmlns:a16="http://schemas.microsoft.com/office/drawing/2014/main" id="{7F0C02FB-F57E-4A39-8820-BCD7DA0FA681}"/>
-              </a:ext>
-            </a:extLst>
-          </p:cNvPr>
+            <a:endParaRPr lang="en-US"/>
+          </a:p>
+        </p:txBody>
+      </p:sp>
+      <p:sp>
+        <p:nvSpPr>
+          <p:cNvPr id="4" name="Date Placeholder 3"/>
           <p:cNvSpPr>
             <a:spLocks noGrp="1"/>
           </p:cNvSpPr>
@@ -6327,7 +9068,7 @@
           <a:p>
             <a:fld id="{8AAE40A0-A7D8-4DC3-BC9E-BADA32DA2004}" type="datetime4">
               <a:rPr lang="en-US" smtClean="0"/>
-              <a:t>June 19, 2019</a:t>
+              <a:t>June 25, 2019</a:t>
             </a:fld>
             <a:endParaRPr lang="en-US" dirty="0"/>
           </a:p>
@@ -6335,13 +9076,7 @@
       </p:sp>
       <p:sp>
         <p:nvSpPr>
-          <p:cNvPr id="5" name="Footer Placeholder 4">
-            <a:extLst>
-              <a:ext uri="{FF2B5EF4-FFF2-40B4-BE49-F238E27FC236}">
-                <a16:creationId xmlns:a16="http://schemas.microsoft.com/office/drawing/2014/main" id="{7392278C-B6CF-46D2-A2D7-DB522B8FD6BB}"/>
-              </a:ext>
-            </a:extLst>
-          </p:cNvPr>
+          <p:cNvPr id="5" name="Footer Placeholder 4"/>
           <p:cNvSpPr>
             <a:spLocks noGrp="1"/>
           </p:cNvSpPr>
@@ -6355,11 +9090,11 @@
           <a:lstStyle/>
           <a:p>
             <a:r>
-              <a:rPr lang="en-US"/>
+              <a:rPr lang="en-US" smtClean="0"/>
               <a:t>Digital Scholarship Services </a:t>
             </a:r>
             <a:r>
-              <a:rPr lang="en-US">
+              <a:rPr lang="en-US" smtClean="0">
                 <a:solidFill>
                   <a:schemeClr val="accent1">
                     <a:lumMod val="50000"/>
@@ -6369,11 +9104,11 @@
               <a:t>| Email</a:t>
             </a:r>
             <a:r>
-              <a:rPr lang="en-US"/>
+              <a:rPr lang="en-US" smtClean="0"/>
               <a:t> cf24@rice.edu </a:t>
             </a:r>
             <a:r>
-              <a:rPr lang="en-US">
+              <a:rPr lang="en-US" smtClean="0">
                 <a:solidFill>
                   <a:schemeClr val="accent1">
                     <a:lumMod val="50000"/>
@@ -6383,7 +9118,7 @@
               <a:t>|</a:t>
             </a:r>
             <a:r>
-              <a:rPr lang="en-US"/>
+              <a:rPr lang="en-US" smtClean="0"/>
               <a:t> library.rice.edu/dss</a:t>
             </a:r>
             <a:endParaRPr lang="en-US" dirty="0"/>
@@ -6392,13 +9127,7 @@
       </p:sp>
       <p:sp>
         <p:nvSpPr>
-          <p:cNvPr id="6" name="Slide Number Placeholder 5">
-            <a:extLst>
-              <a:ext uri="{FF2B5EF4-FFF2-40B4-BE49-F238E27FC236}">
-                <a16:creationId xmlns:a16="http://schemas.microsoft.com/office/drawing/2014/main" id="{E0E072A8-158A-417B-B985-B4D802B5C32D}"/>
-              </a:ext>
-            </a:extLst>
-          </p:cNvPr>
+          <p:cNvPr id="6" name="Slide Number Placeholder 5"/>
           <p:cNvSpPr>
             <a:spLocks noGrp="1"/>
           </p:cNvSpPr>
@@ -6422,7 +9151,7 @@
     </p:spTree>
     <p:extLst>
       <p:ext uri="{BB962C8B-B14F-4D97-AF65-F5344CB8AC3E}">
-        <p14:creationId xmlns:p14="http://schemas.microsoft.com/office/powerpoint/2010/main" val="2922848558"/>
+        <p14:creationId xmlns:p14="http://schemas.microsoft.com/office/powerpoint/2010/main" val="1403993645"/>
       </p:ext>
     </p:extLst>
   </p:cSld>
@@ -6451,13 +9180,7 @@
       </p:grpSpPr>
       <p:sp>
         <p:nvSpPr>
-          <p:cNvPr id="2" name="Title 1">
-            <a:extLst>
-              <a:ext uri="{FF2B5EF4-FFF2-40B4-BE49-F238E27FC236}">
-                <a16:creationId xmlns:a16="http://schemas.microsoft.com/office/drawing/2014/main" id="{8BB31801-2E3E-485F-82B8-81F94CAC0E69}"/>
-              </a:ext>
-            </a:extLst>
-          </p:cNvPr>
+          <p:cNvPr id="7" name="Title 6"/>
           <p:cNvSpPr>
             <a:spLocks noGrp="1"/>
           </p:cNvSpPr>
@@ -6471,21 +9194,16 @@
           <a:lstStyle/>
           <a:p>
             <a:r>
-              <a:rPr lang="en-US" dirty="0"/>
-              <a:t>ABOUT GGPLOT2</a:t>
-            </a:r>
-          </a:p>
-        </p:txBody>
-      </p:sp>
-      <p:sp>
-        <p:nvSpPr>
-          <p:cNvPr id="3" name="Content Placeholder 2">
-            <a:extLst>
-              <a:ext uri="{FF2B5EF4-FFF2-40B4-BE49-F238E27FC236}">
-                <a16:creationId xmlns:a16="http://schemas.microsoft.com/office/drawing/2014/main" id="{390EC6AF-F6AE-4708-966A-6ECE19BE5BC6}"/>
-              </a:ext>
-            </a:extLst>
-          </p:cNvPr>
+              <a:rPr lang="en-US" dirty="0" smtClean="0"/>
+              <a:t>READING DATA, TIDY-STYLE!</a:t>
+            </a:r>
+            <a:endParaRPr lang="en-US" dirty="0"/>
+          </a:p>
+        </p:txBody>
+      </p:sp>
+      <p:sp>
+        <p:nvSpPr>
+          <p:cNvPr id="8" name="Content Placeholder 7"/>
           <p:cNvSpPr>
             <a:spLocks noGrp="1"/>
           </p:cNvSpPr>
@@ -6504,13 +9222,7 @@
       </p:sp>
       <p:sp>
         <p:nvSpPr>
-          <p:cNvPr id="4" name="Date Placeholder 3">
-            <a:extLst>
-              <a:ext uri="{FF2B5EF4-FFF2-40B4-BE49-F238E27FC236}">
-                <a16:creationId xmlns:a16="http://schemas.microsoft.com/office/drawing/2014/main" id="{FFAAEF07-9EEF-437A-AC4E-2B14BC28A3D5}"/>
-              </a:ext>
-            </a:extLst>
-          </p:cNvPr>
+          <p:cNvPr id="4" name="Date Placeholder 3"/>
           <p:cNvSpPr>
             <a:spLocks noGrp="1"/>
           </p:cNvSpPr>
@@ -6523,9 +9235,9 @@
           <a:bodyPr/>
           <a:lstStyle/>
           <a:p>
-            <a:fld id="{8AAE40A0-A7D8-4DC3-BC9E-BADA32DA2004}" type="datetime4">
+            <a:fld id="{B08FEED8-D7D4-44E9-BFBC-ED06B5996D94}" type="datetime4">
               <a:rPr lang="en-US" smtClean="0"/>
-              <a:t>June 19, 2019</a:t>
+              <a:t>June 25, 2019</a:t>
             </a:fld>
             <a:endParaRPr lang="en-US" dirty="0"/>
           </a:p>
@@ -6533,13 +9245,7 @@
       </p:sp>
       <p:sp>
         <p:nvSpPr>
-          <p:cNvPr id="5" name="Footer Placeholder 4">
-            <a:extLst>
-              <a:ext uri="{FF2B5EF4-FFF2-40B4-BE49-F238E27FC236}">
-                <a16:creationId xmlns:a16="http://schemas.microsoft.com/office/drawing/2014/main" id="{5EDC591F-3ACD-494A-9A2B-670AE711DDB7}"/>
-              </a:ext>
-            </a:extLst>
-          </p:cNvPr>
+          <p:cNvPr id="5" name="Footer Placeholder 4"/>
           <p:cNvSpPr>
             <a:spLocks noGrp="1"/>
           </p:cNvSpPr>
@@ -6553,11 +9259,11 @@
           <a:lstStyle/>
           <a:p>
             <a:r>
-              <a:rPr lang="en-US"/>
+              <a:rPr lang="en-US" smtClean="0"/>
               <a:t>Digital Scholarship Services </a:t>
             </a:r>
             <a:r>
-              <a:rPr lang="en-US">
+              <a:rPr lang="en-US" smtClean="0">
                 <a:solidFill>
                   <a:schemeClr val="accent1">
                     <a:lumMod val="50000"/>
@@ -6567,11 +9273,11 @@
               <a:t>| Email</a:t>
             </a:r>
             <a:r>
-              <a:rPr lang="en-US"/>
+              <a:rPr lang="en-US" smtClean="0"/>
               <a:t> cf24@rice.edu </a:t>
             </a:r>
             <a:r>
-              <a:rPr lang="en-US">
+              <a:rPr lang="en-US" smtClean="0">
                 <a:solidFill>
                   <a:schemeClr val="accent1">
                     <a:lumMod val="50000"/>
@@ -6581,7 +9287,7 @@
               <a:t>|</a:t>
             </a:r>
             <a:r>
-              <a:rPr lang="en-US"/>
+              <a:rPr lang="en-US" smtClean="0"/>
               <a:t> library.rice.edu/dss</a:t>
             </a:r>
             <a:endParaRPr lang="en-US" dirty="0"/>
@@ -6590,13 +9296,7 @@
       </p:sp>
       <p:sp>
         <p:nvSpPr>
-          <p:cNvPr id="6" name="Slide Number Placeholder 5">
-            <a:extLst>
-              <a:ext uri="{FF2B5EF4-FFF2-40B4-BE49-F238E27FC236}">
-                <a16:creationId xmlns:a16="http://schemas.microsoft.com/office/drawing/2014/main" id="{06DD70CE-B53B-4527-BDF0-0FA1B01776B6}"/>
-              </a:ext>
-            </a:extLst>
-          </p:cNvPr>
+          <p:cNvPr id="6" name="Slide Number Placeholder 5"/>
           <p:cNvSpPr>
             <a:spLocks noGrp="1"/>
           </p:cNvSpPr>
@@ -6620,7 +9320,7 @@
     </p:spTree>
     <p:extLst>
       <p:ext uri="{BB962C8B-B14F-4D97-AF65-F5344CB8AC3E}">
-        <p14:creationId xmlns:p14="http://schemas.microsoft.com/office/powerpoint/2010/main" val="2814895575"/>
+        <p14:creationId xmlns:p14="http://schemas.microsoft.com/office/powerpoint/2010/main" val="1623985300"/>
       </p:ext>
     </p:extLst>
   </p:cSld>
@@ -6649,13 +9349,7 @@
       </p:grpSpPr>
       <p:sp>
         <p:nvSpPr>
-          <p:cNvPr id="2" name="Title 1">
-            <a:extLst>
-              <a:ext uri="{FF2B5EF4-FFF2-40B4-BE49-F238E27FC236}">
-                <a16:creationId xmlns:a16="http://schemas.microsoft.com/office/drawing/2014/main" id="{A8909A85-5F97-4785-BA4C-680457A0F1AF}"/>
-              </a:ext>
-            </a:extLst>
-          </p:cNvPr>
+          <p:cNvPr id="7" name="Title 6"/>
           <p:cNvSpPr>
             <a:spLocks noGrp="1"/>
           </p:cNvSpPr>
@@ -6669,46 +9363,42 @@
           <a:lstStyle/>
           <a:p>
             <a:r>
-              <a:rPr lang="en-US" dirty="0"/>
-              <a:t>ACKNOWLEDGEMENTS</a:t>
-            </a:r>
-          </a:p>
-        </p:txBody>
-      </p:sp>
-      <p:sp>
-        <p:nvSpPr>
-          <p:cNvPr id="7" name="Content Placeholder 6">
-            <a:extLst>
-              <a:ext uri="{FF2B5EF4-FFF2-40B4-BE49-F238E27FC236}">
-                <a16:creationId xmlns:a16="http://schemas.microsoft.com/office/drawing/2014/main" id="{063C36B6-F28F-4BE7-9B27-1DD6F6385857}"/>
-              </a:ext>
-            </a:extLst>
-          </p:cNvPr>
-          <p:cNvSpPr>
-            <a:spLocks noGrp="1"/>
-          </p:cNvSpPr>
-          <p:nvPr>
-            <p:ph idx="1"/>
-          </p:nvPr>
-        </p:nvSpPr>
-        <p:spPr/>
-        <p:txBody>
-          <a:bodyPr/>
-          <a:lstStyle/>
-          <a:p>
-            <a:endParaRPr lang="en-US"/>
-          </a:p>
-        </p:txBody>
-      </p:sp>
-      <p:sp>
-        <p:nvSpPr>
-          <p:cNvPr id="4" name="Date Placeholder 3">
-            <a:extLst>
-              <a:ext uri="{FF2B5EF4-FFF2-40B4-BE49-F238E27FC236}">
-                <a16:creationId xmlns:a16="http://schemas.microsoft.com/office/drawing/2014/main" id="{6BD03D3F-8307-4B2B-85E0-9639DD7F7B8C}"/>
-              </a:ext>
-            </a:extLst>
-          </p:cNvPr>
+              <a:rPr lang="en-US" dirty="0" smtClean="0"/>
+              <a:t>VECTOR MANIPULATION </a:t>
+            </a:r>
+            <a:br>
+              <a:rPr lang="en-US" dirty="0" smtClean="0"/>
+            </a:br>
+            <a:r>
+              <a:rPr lang="en-US" dirty="0" smtClean="0"/>
+              <a:t>WITH PURRR AND FURRR</a:t>
+            </a:r>
+            <a:endParaRPr lang="en-US" dirty="0"/>
+          </a:p>
+        </p:txBody>
+      </p:sp>
+      <p:sp>
+        <p:nvSpPr>
+          <p:cNvPr id="8" name="Text Placeholder 7"/>
+          <p:cNvSpPr>
+            <a:spLocks noGrp="1"/>
+          </p:cNvSpPr>
+          <p:nvPr>
+            <p:ph type="body" idx="1"/>
+          </p:nvPr>
+        </p:nvSpPr>
+        <p:spPr/>
+        <p:txBody>
+          <a:bodyPr/>
+          <a:lstStyle/>
+          <a:p>
+            <a:endParaRPr lang="en-US" dirty="0"/>
+          </a:p>
+        </p:txBody>
+      </p:sp>
+      <p:sp>
+        <p:nvSpPr>
+          <p:cNvPr id="4" name="Date Placeholder 3"/>
           <p:cNvSpPr>
             <a:spLocks noGrp="1"/>
           </p:cNvSpPr>
@@ -6723,7 +9413,7 @@
           <a:p>
             <a:fld id="{8AAE40A0-A7D8-4DC3-BC9E-BADA32DA2004}" type="datetime4">
               <a:rPr lang="en-US" smtClean="0"/>
-              <a:t>June 19, 2019</a:t>
+              <a:t>June 25, 2019</a:t>
             </a:fld>
             <a:endParaRPr lang="en-US" dirty="0"/>
           </a:p>
@@ -6731,13 +9421,7 @@
       </p:sp>
       <p:sp>
         <p:nvSpPr>
-          <p:cNvPr id="5" name="Footer Placeholder 4">
-            <a:extLst>
-              <a:ext uri="{FF2B5EF4-FFF2-40B4-BE49-F238E27FC236}">
-                <a16:creationId xmlns:a16="http://schemas.microsoft.com/office/drawing/2014/main" id="{07FB1389-2798-4D26-8CCE-27767E9E7F1D}"/>
-              </a:ext>
-            </a:extLst>
-          </p:cNvPr>
+          <p:cNvPr id="5" name="Footer Placeholder 4"/>
           <p:cNvSpPr>
             <a:spLocks noGrp="1"/>
           </p:cNvSpPr>
@@ -6751,11 +9435,11 @@
           <a:lstStyle/>
           <a:p>
             <a:r>
-              <a:rPr lang="en-US"/>
+              <a:rPr lang="en-US" smtClean="0"/>
               <a:t>Digital Scholarship Services </a:t>
             </a:r>
             <a:r>
-              <a:rPr lang="en-US">
+              <a:rPr lang="en-US" smtClean="0">
                 <a:solidFill>
                   <a:schemeClr val="accent1">
                     <a:lumMod val="50000"/>
@@ -6765,11 +9449,11 @@
               <a:t>| Email</a:t>
             </a:r>
             <a:r>
-              <a:rPr lang="en-US"/>
+              <a:rPr lang="en-US" smtClean="0"/>
               <a:t> cf24@rice.edu </a:t>
             </a:r>
             <a:r>
-              <a:rPr lang="en-US">
+              <a:rPr lang="en-US" smtClean="0">
                 <a:solidFill>
                   <a:schemeClr val="accent1">
                     <a:lumMod val="50000"/>
@@ -6779,7 +9463,7 @@
               <a:t>|</a:t>
             </a:r>
             <a:r>
-              <a:rPr lang="en-US"/>
+              <a:rPr lang="en-US" smtClean="0"/>
               <a:t> library.rice.edu/dss</a:t>
             </a:r>
             <a:endParaRPr lang="en-US" dirty="0"/>
@@ -6788,13 +9472,7 @@
       </p:sp>
       <p:sp>
         <p:nvSpPr>
-          <p:cNvPr id="6" name="Slide Number Placeholder 5">
-            <a:extLst>
-              <a:ext uri="{FF2B5EF4-FFF2-40B4-BE49-F238E27FC236}">
-                <a16:creationId xmlns:a16="http://schemas.microsoft.com/office/drawing/2014/main" id="{D9EB88B7-3533-4306-8F51-5BF384EBA51E}"/>
-              </a:ext>
-            </a:extLst>
-          </p:cNvPr>
+          <p:cNvPr id="6" name="Slide Number Placeholder 5"/>
           <p:cNvSpPr>
             <a:spLocks noGrp="1"/>
           </p:cNvSpPr>
@@ -6818,7 +9496,176 @@
     </p:spTree>
     <p:extLst>
       <p:ext uri="{BB962C8B-B14F-4D97-AF65-F5344CB8AC3E}">
-        <p14:creationId xmlns:p14="http://schemas.microsoft.com/office/powerpoint/2010/main" val="1583061505"/>
+        <p14:creationId xmlns:p14="http://schemas.microsoft.com/office/powerpoint/2010/main" val="1385717678"/>
+      </p:ext>
+    </p:extLst>
+  </p:cSld>
+  <p:clrMapOvr>
+    <a:masterClrMapping/>
+  </p:clrMapOvr>
+</p:sld>
+</file>
+
+<file path=ppt/slides/slide9.xml><?xml version="1.0" encoding="utf-8"?>
+<p:sld xmlns:a="http://schemas.openxmlformats.org/drawingml/2006/main" xmlns:r="http://schemas.openxmlformats.org/officeDocument/2006/relationships" xmlns:p="http://schemas.openxmlformats.org/presentationml/2006/main">
+  <p:cSld>
+    <p:spTree>
+      <p:nvGrpSpPr>
+        <p:cNvPr id="1" name=""/>
+        <p:cNvGrpSpPr/>
+        <p:nvPr/>
+      </p:nvGrpSpPr>
+      <p:grpSpPr>
+        <a:xfrm>
+          <a:off x="0" y="0"/>
+          <a:ext cx="0" cy="0"/>
+          <a:chOff x="0" y="0"/>
+          <a:chExt cx="0" cy="0"/>
+        </a:xfrm>
+      </p:grpSpPr>
+      <p:sp>
+        <p:nvSpPr>
+          <p:cNvPr id="9" name="Title 8"/>
+          <p:cNvSpPr>
+            <a:spLocks noGrp="1"/>
+          </p:cNvSpPr>
+          <p:nvPr>
+            <p:ph type="title"/>
+          </p:nvPr>
+        </p:nvSpPr>
+        <p:spPr/>
+        <p:txBody>
+          <a:bodyPr/>
+          <a:lstStyle/>
+          <a:p>
+            <a:r>
+              <a:rPr lang="en-US" dirty="0" smtClean="0"/>
+              <a:t>FUNCTIONAL ALTERATIONS</a:t>
+            </a:r>
+            <a:endParaRPr lang="en-US" dirty="0"/>
+          </a:p>
+        </p:txBody>
+      </p:sp>
+      <p:sp>
+        <p:nvSpPr>
+          <p:cNvPr id="10" name="Content Placeholder 9"/>
+          <p:cNvSpPr>
+            <a:spLocks noGrp="1"/>
+          </p:cNvSpPr>
+          <p:nvPr>
+            <p:ph idx="1"/>
+          </p:nvPr>
+        </p:nvSpPr>
+        <p:spPr/>
+        <p:txBody>
+          <a:bodyPr/>
+          <a:lstStyle/>
+          <a:p>
+            <a:endParaRPr lang="en-US"/>
+          </a:p>
+        </p:txBody>
+      </p:sp>
+      <p:sp>
+        <p:nvSpPr>
+          <p:cNvPr id="4" name="Date Placeholder 3"/>
+          <p:cNvSpPr>
+            <a:spLocks noGrp="1"/>
+          </p:cNvSpPr>
+          <p:nvPr>
+            <p:ph type="dt" sz="half" idx="10"/>
+          </p:nvPr>
+        </p:nvSpPr>
+        <p:spPr/>
+        <p:txBody>
+          <a:bodyPr/>
+          <a:lstStyle/>
+          <a:p>
+            <a:fld id="{B08FEED8-D7D4-44E9-BFBC-ED06B5996D94}" type="datetime4">
+              <a:rPr lang="en-US" smtClean="0"/>
+              <a:t>June 25, 2019</a:t>
+            </a:fld>
+            <a:endParaRPr lang="en-US" dirty="0"/>
+          </a:p>
+        </p:txBody>
+      </p:sp>
+      <p:sp>
+        <p:nvSpPr>
+          <p:cNvPr id="5" name="Footer Placeholder 4"/>
+          <p:cNvSpPr>
+            <a:spLocks noGrp="1"/>
+          </p:cNvSpPr>
+          <p:nvPr>
+            <p:ph type="ftr" sz="quarter" idx="11"/>
+          </p:nvPr>
+        </p:nvSpPr>
+        <p:spPr/>
+        <p:txBody>
+          <a:bodyPr/>
+          <a:lstStyle/>
+          <a:p>
+            <a:r>
+              <a:rPr lang="en-US" smtClean="0"/>
+              <a:t>Digital Scholarship Services </a:t>
+            </a:r>
+            <a:r>
+              <a:rPr lang="en-US" smtClean="0">
+                <a:solidFill>
+                  <a:schemeClr val="accent1">
+                    <a:lumMod val="50000"/>
+                  </a:schemeClr>
+                </a:solidFill>
+              </a:rPr>
+              <a:t>| Email</a:t>
+            </a:r>
+            <a:r>
+              <a:rPr lang="en-US" smtClean="0"/>
+              <a:t> cf24@rice.edu </a:t>
+            </a:r>
+            <a:r>
+              <a:rPr lang="en-US" smtClean="0">
+                <a:solidFill>
+                  <a:schemeClr val="accent1">
+                    <a:lumMod val="50000"/>
+                  </a:schemeClr>
+                </a:solidFill>
+              </a:rPr>
+              <a:t>|</a:t>
+            </a:r>
+            <a:r>
+              <a:rPr lang="en-US" smtClean="0"/>
+              <a:t> library.rice.edu/dss</a:t>
+            </a:r>
+            <a:endParaRPr lang="en-US" dirty="0"/>
+          </a:p>
+        </p:txBody>
+      </p:sp>
+      <p:sp>
+        <p:nvSpPr>
+          <p:cNvPr id="6" name="Slide Number Placeholder 5"/>
+          <p:cNvSpPr>
+            <a:spLocks noGrp="1"/>
+          </p:cNvSpPr>
+          <p:nvPr>
+            <p:ph type="sldNum" sz="quarter" idx="12"/>
+          </p:nvPr>
+        </p:nvSpPr>
+        <p:spPr/>
+        <p:txBody>
+          <a:bodyPr/>
+          <a:lstStyle/>
+          <a:p>
+            <a:fld id="{D57F1E4F-1CFF-5643-939E-02111984F565}" type="slidenum">
+              <a:rPr lang="en-US" smtClean="0"/>
+              <a:t>9</a:t>
+            </a:fld>
+            <a:endParaRPr lang="en-US" dirty="0"/>
+          </a:p>
+        </p:txBody>
+      </p:sp>
+    </p:spTree>
+    <p:extLst>
+      <p:ext uri="{BB962C8B-B14F-4D97-AF65-F5344CB8AC3E}">
+        <p14:creationId xmlns:p14="http://schemas.microsoft.com/office/powerpoint/2010/main" val="1537886024"/>
       </p:ext>
     </p:extLst>
   </p:cSld>

--- a/Rviz/R Visualization and Data Manipulation.pptx
+++ b/Rviz/R Visualization and Data Manipulation.pptx
@@ -5,23 +5,42 @@
     <p:sldMasterId id="2147483707" r:id="rId1"/>
   </p:sldMasterIdLst>
   <p:notesMasterIdLst>
-    <p:notesMasterId r:id="rId16"/>
+    <p:notesMasterId r:id="rId35"/>
   </p:notesMasterIdLst>
   <p:sldIdLst>
     <p:sldId id="266" r:id="rId2"/>
     <p:sldId id="273" r:id="rId3"/>
     <p:sldId id="264" r:id="rId4"/>
-    <p:sldId id="274" r:id="rId5"/>
-    <p:sldId id="275" r:id="rId6"/>
-    <p:sldId id="276" r:id="rId7"/>
-    <p:sldId id="277" r:id="rId8"/>
-    <p:sldId id="278" r:id="rId9"/>
-    <p:sldId id="279" r:id="rId10"/>
-    <p:sldId id="270" r:id="rId11"/>
-    <p:sldId id="269" r:id="rId12"/>
-    <p:sldId id="271" r:id="rId13"/>
-    <p:sldId id="268" r:id="rId14"/>
-    <p:sldId id="272" r:id="rId15"/>
+    <p:sldId id="280" r:id="rId5"/>
+    <p:sldId id="281" r:id="rId6"/>
+    <p:sldId id="282" r:id="rId7"/>
+    <p:sldId id="274" r:id="rId8"/>
+    <p:sldId id="275" r:id="rId9"/>
+    <p:sldId id="283" r:id="rId10"/>
+    <p:sldId id="284" r:id="rId11"/>
+    <p:sldId id="276" r:id="rId12"/>
+    <p:sldId id="277" r:id="rId13"/>
+    <p:sldId id="278" r:id="rId14"/>
+    <p:sldId id="279" r:id="rId15"/>
+    <p:sldId id="285" r:id="rId16"/>
+    <p:sldId id="270" r:id="rId17"/>
+    <p:sldId id="269" r:id="rId18"/>
+    <p:sldId id="287" r:id="rId19"/>
+    <p:sldId id="288" r:id="rId20"/>
+    <p:sldId id="286" r:id="rId21"/>
+    <p:sldId id="271" r:id="rId22"/>
+    <p:sldId id="268" r:id="rId23"/>
+    <p:sldId id="292" r:id="rId24"/>
+    <p:sldId id="296" r:id="rId25"/>
+    <p:sldId id="297" r:id="rId26"/>
+    <p:sldId id="293" r:id="rId27"/>
+    <p:sldId id="294" r:id="rId28"/>
+    <p:sldId id="298" r:id="rId29"/>
+    <p:sldId id="291" r:id="rId30"/>
+    <p:sldId id="289" r:id="rId31"/>
+    <p:sldId id="295" r:id="rId32"/>
+    <p:sldId id="290" r:id="rId33"/>
+    <p:sldId id="272" r:id="rId34"/>
   </p:sldIdLst>
   <p:sldSz cx="12192000" cy="6858000"/>
   <p:notesSz cx="6858000" cy="9144000"/>
@@ -667,7 +686,7 @@
           <a:p>
             <a:fld id="{D46E3B93-8523-4DBC-8FC5-65A9B9CDE5EE}" type="datetimeFigureOut">
               <a:rPr lang="en-US" smtClean="0"/>
-              <a:t>6/25/2019</a:t>
+              <a:t>7/7/2019</a:t>
             </a:fld>
             <a:endParaRPr lang="en-US"/>
           </a:p>
@@ -1063,7 +1082,7 @@
           <a:p>
             <a:fld id="{CE8F6EB4-B6EF-44F6-BBD1-CD5E279CFAE2}" type="datetime4">
               <a:rPr lang="en-US" smtClean="0"/>
-              <a:t>June 25, 2019</a:t>
+              <a:t>July 7, 2019</a:t>
             </a:fld>
             <a:endParaRPr lang="en-US" dirty="0"/>
           </a:p>
@@ -1312,7 +1331,7 @@
           <a:p>
             <a:fld id="{B08FEED8-D7D4-44E9-BFBC-ED06B5996D94}" type="datetime4">
               <a:rPr lang="en-US" smtClean="0"/>
-              <a:t>June 25, 2019</a:t>
+              <a:t>July 7, 2019</a:t>
             </a:fld>
             <a:endParaRPr lang="en-US" dirty="0"/>
           </a:p>
@@ -1634,7 +1653,7 @@
           <a:p>
             <a:fld id="{B08FEED8-D7D4-44E9-BFBC-ED06B5996D94}" type="datetime4">
               <a:rPr lang="en-US" smtClean="0"/>
-              <a:t>June 25, 2019</a:t>
+              <a:t>July 7, 2019</a:t>
             </a:fld>
             <a:endParaRPr lang="en-US" dirty="0"/>
           </a:p>
@@ -1962,7 +1981,7 @@
           <a:p>
             <a:fld id="{B08FEED8-D7D4-44E9-BFBC-ED06B5996D94}" type="datetime4">
               <a:rPr lang="en-US" smtClean="0"/>
-              <a:t>June 25, 2019</a:t>
+              <a:t>July 7, 2019</a:t>
             </a:fld>
             <a:endParaRPr lang="en-US" dirty="0"/>
           </a:p>
@@ -2290,7 +2309,7 @@
           <a:p>
             <a:fld id="{B08FEED8-D7D4-44E9-BFBC-ED06B5996D94}" type="datetime4">
               <a:rPr lang="en-US" smtClean="0"/>
-              <a:t>June 25, 2019</a:t>
+              <a:t>July 7, 2019</a:t>
             </a:fld>
             <a:endParaRPr lang="en-US" dirty="0"/>
           </a:p>
@@ -2601,7 +2620,7 @@
           <a:p>
             <a:fld id="{A143C325-9442-4629-8CC6-5CAC69736C93}" type="datetime4">
               <a:rPr lang="en-US" smtClean="0"/>
-              <a:t>June 25, 2019</a:t>
+              <a:t>July 7, 2019</a:t>
             </a:fld>
             <a:endParaRPr lang="en-US" dirty="0"/>
           </a:p>
@@ -2969,7 +2988,7 @@
           <a:p>
             <a:fld id="{EEDAFACB-3FED-4607-9FDD-34A82581A119}" type="datetime4">
               <a:rPr lang="en-US" smtClean="0"/>
-              <a:t>June 25, 2019</a:t>
+              <a:t>July 7, 2019</a:t>
             </a:fld>
             <a:endParaRPr lang="en-US" dirty="0"/>
           </a:p>
@@ -3090,7 +3109,7 @@
           <a:p>
             <a:fld id="{EC2805D6-2E3E-42F7-ABBA-DCD51C704328}" type="datetime4">
               <a:rPr lang="en-US" smtClean="0"/>
-              <a:t>June 25, 2019</a:t>
+              <a:t>July 7, 2019</a:t>
             </a:fld>
             <a:endParaRPr lang="en-US" dirty="0"/>
           </a:p>
@@ -3189,7 +3208,7 @@
           <a:p>
             <a:fld id="{7A745AAB-8888-45FB-8C4E-B86AF9A05200}" type="datetime4">
               <a:rPr lang="en-US" smtClean="0"/>
-              <a:t>June 25, 2019</a:t>
+              <a:t>July 7, 2019</a:t>
             </a:fld>
             <a:endParaRPr lang="en-US" dirty="0"/>
           </a:p>
@@ -3468,7 +3487,7 @@
           <a:p>
             <a:fld id="{9F896CED-8AFA-412F-B61A-472E6093CDBA}" type="datetime4">
               <a:rPr lang="en-US" smtClean="0"/>
-              <a:t>June 25, 2019</a:t>
+              <a:t>July 7, 2019</a:t>
             </a:fld>
             <a:endParaRPr lang="en-US" dirty="0"/>
           </a:p>
@@ -3727,7 +3746,7 @@
           <a:p>
             <a:fld id="{61078AB2-2970-444D-B1FF-A9F37FC020F5}" type="datetime4">
               <a:rPr lang="en-US" smtClean="0"/>
-              <a:t>June 25, 2019</a:t>
+              <a:t>July 7, 2019</a:t>
             </a:fld>
             <a:endParaRPr lang="en-US" dirty="0"/>
           </a:p>
@@ -3904,7 +3923,7 @@
           <a:p>
             <a:fld id="{8AAE40A0-A7D8-4DC3-BC9E-BADA32DA2004}" type="datetime4">
               <a:rPr lang="en-US" smtClean="0"/>
-              <a:t>June 25, 2019</a:t>
+              <a:t>July 7, 2019</a:t>
             </a:fld>
             <a:endParaRPr lang="en-US" dirty="0"/>
           </a:p>
@@ -4160,7 +4179,7 @@
           <a:p>
             <a:fld id="{8A405AA7-4C18-4A99-8AAA-8677C1976FC9}" type="datetime4">
               <a:rPr lang="en-US" smtClean="0"/>
-              <a:t>June 25, 2019</a:t>
+              <a:t>July 7, 2019</a:t>
             </a:fld>
             <a:endParaRPr lang="en-US" dirty="0"/>
           </a:p>
@@ -4342,7 +4361,7 @@
           <a:p>
             <a:fld id="{4EA0D668-33DD-41B9-B668-7E7FF430C345}" type="datetime4">
               <a:rPr lang="en-US" smtClean="0"/>
-              <a:t>June 25, 2019</a:t>
+              <a:t>July 7, 2019</a:t>
             </a:fld>
             <a:endParaRPr lang="en-US" dirty="0"/>
           </a:p>
@@ -4519,7 +4538,7 @@
           <a:p>
             <a:fld id="{8AAE40A0-A7D8-4DC3-BC9E-BADA32DA2004}" type="datetime4">
               <a:rPr lang="en-US" smtClean="0"/>
-              <a:t>June 25, 2019</a:t>
+              <a:t>July 7, 2019</a:t>
             </a:fld>
             <a:endParaRPr lang="en-US" dirty="0"/>
           </a:p>
@@ -4779,7 +4798,7 @@
           <a:p>
             <a:fld id="{8AAE40A0-A7D8-4DC3-BC9E-BADA32DA2004}" type="datetime4">
               <a:rPr lang="en-US" smtClean="0"/>
-              <a:t>June 25, 2019</a:t>
+              <a:t>July 7, 2019</a:t>
             </a:fld>
             <a:endParaRPr lang="en-US" dirty="0"/>
           </a:p>
@@ -5034,7 +5053,7 @@
           <a:p>
             <a:fld id="{8AAE40A0-A7D8-4DC3-BC9E-BADA32DA2004}" type="datetime4">
               <a:rPr lang="en-US" smtClean="0"/>
-              <a:t>June 25, 2019</a:t>
+              <a:t>July 7, 2019</a:t>
             </a:fld>
             <a:endParaRPr lang="en-US" dirty="0"/>
           </a:p>
@@ -5295,7 +5314,7 @@
           <a:p>
             <a:fld id="{8AAE40A0-A7D8-4DC3-BC9E-BADA32DA2004}" type="datetime4">
               <a:rPr lang="en-US" smtClean="0"/>
-              <a:t>June 25, 2019</a:t>
+              <a:t>July 7, 2019</a:t>
             </a:fld>
             <a:endParaRPr lang="en-US" dirty="0"/>
           </a:p>
@@ -5556,7 +5575,7 @@
           <a:p>
             <a:fld id="{8AAE40A0-A7D8-4DC3-BC9E-BADA32DA2004}" type="datetime4">
               <a:rPr lang="en-US" smtClean="0"/>
-              <a:t>June 25, 2019</a:t>
+              <a:t>July 7, 2019</a:t>
             </a:fld>
             <a:endParaRPr lang="en-US" dirty="0"/>
           </a:p>
@@ -5888,7 +5907,7 @@
           <a:p>
             <a:fld id="{B08FEED8-D7D4-44E9-BFBC-ED06B5996D94}" type="datetime4">
               <a:rPr lang="en-US" smtClean="0"/>
-              <a:t>June 25, 2019</a:t>
+              <a:t>July 7, 2019</a:t>
             </a:fld>
             <a:endParaRPr lang="en-US" dirty="0"/>
           </a:p>
@@ -6216,7 +6235,7 @@
           <a:p>
             <a:fld id="{B08FEED8-D7D4-44E9-BFBC-ED06B5996D94}" type="datetime4">
               <a:rPr lang="en-US" smtClean="0"/>
-              <a:t>June 25, 2019</a:t>
+              <a:t>July 7, 2019</a:t>
             </a:fld>
             <a:endParaRPr lang="en-US" dirty="0"/>
           </a:p>
@@ -6512,7 +6531,7 @@
           <a:p>
             <a:fld id="{1148AE1E-D441-45CD-8192-49B13802301D}" type="datetime4">
               <a:rPr lang="en-US" smtClean="0"/>
-              <a:t>June 25, 2019</a:t>
+              <a:t>July 7, 2019</a:t>
             </a:fld>
             <a:endParaRPr lang="en-US" dirty="0"/>
           </a:p>
@@ -6996,14 +7015,6 @@
               </a:rPr>
               <a:t>R Visualization and Data Manipulation</a:t>
             </a:r>
-            <a:r>
-              <a:rPr lang="en-US" sz="6600" dirty="0">
-                <a:solidFill>
-                  <a:srgbClr val="860000"/>
-                </a:solidFill>
-              </a:rPr>
-              <a:t/>
-            </a:r>
             <a:br>
               <a:rPr lang="en-US" sz="6600" dirty="0">
                 <a:solidFill>
@@ -7273,10 +7284,10 @@
       </p:grpSpPr>
       <p:sp>
         <p:nvSpPr>
-          <p:cNvPr id="7" name="Title 6">
+          <p:cNvPr id="2" name="Title 1">
             <a:extLst>
               <a:ext uri="{FF2B5EF4-FFF2-40B4-BE49-F238E27FC236}">
-                <a16:creationId xmlns:a16="http://schemas.microsoft.com/office/drawing/2014/main" id="{F9B622D1-34BF-44D8-BDC0-3D31803EC1C8}"/>
+                <a16:creationId xmlns:a16="http://schemas.microsoft.com/office/drawing/2014/main" id="{62849F97-B0A8-4DB2-9DE0-969BB64FAA1E}"/>
               </a:ext>
             </a:extLst>
           </p:cNvPr>
@@ -7293,26 +7304,18 @@
           <a:lstStyle/>
           <a:p>
             <a:r>
-              <a:rPr lang="en-US" dirty="0" smtClean="0"/>
-              <a:t>DATA MANIPULATION</a:t>
-            </a:r>
-            <a:br>
-              <a:rPr lang="en-US" dirty="0" smtClean="0"/>
-            </a:br>
-            <a:r>
-              <a:rPr lang="en-US" dirty="0" smtClean="0"/>
-              <a:t>WITH DPLYR</a:t>
-            </a:r>
-            <a:endParaRPr lang="en-US" dirty="0"/>
-          </a:p>
-        </p:txBody>
-      </p:sp>
-      <p:sp>
-        <p:nvSpPr>
-          <p:cNvPr id="8" name="Text Placeholder 7">
+              <a:rPr lang="en-US" dirty="0"/>
+              <a:t>MAKING TIBBLES</a:t>
+            </a:r>
+          </a:p>
+        </p:txBody>
+      </p:sp>
+      <p:sp>
+        <p:nvSpPr>
+          <p:cNvPr id="3" name="Content Placeholder 2">
             <a:extLst>
               <a:ext uri="{FF2B5EF4-FFF2-40B4-BE49-F238E27FC236}">
-                <a16:creationId xmlns:a16="http://schemas.microsoft.com/office/drawing/2014/main" id="{DD6D9B92-0C9B-4797-BC66-E014C6A328D0}"/>
+                <a16:creationId xmlns:a16="http://schemas.microsoft.com/office/drawing/2014/main" id="{CE332362-EAA1-46F7-BBD3-98F5DB3E3C42}"/>
               </a:ext>
             </a:extLst>
           </p:cNvPr>
@@ -7320,18 +7323,15 @@
             <a:spLocks noGrp="1"/>
           </p:cNvSpPr>
           <p:nvPr>
-            <p:ph type="body" idx="1"/>
-          </p:nvPr>
-        </p:nvSpPr>
-        <p:spPr/>
-        <p:txBody>
-          <a:bodyPr/>
-          <a:lstStyle/>
-          <a:p>
-            <a:r>
-              <a:rPr lang="en-US" dirty="0"/>
-              <a:t>Verbs for data manipulation</a:t>
-            </a:r>
+            <p:ph idx="1"/>
+          </p:nvPr>
+        </p:nvSpPr>
+        <p:spPr/>
+        <p:txBody>
+          <a:bodyPr/>
+          <a:lstStyle/>
+          <a:p>
+            <a:endParaRPr lang="en-US"/>
           </a:p>
         </p:txBody>
       </p:sp>
@@ -7340,7 +7340,7 @@
           <p:cNvPr id="4" name="Date Placeholder 3">
             <a:extLst>
               <a:ext uri="{FF2B5EF4-FFF2-40B4-BE49-F238E27FC236}">
-                <a16:creationId xmlns:a16="http://schemas.microsoft.com/office/drawing/2014/main" id="{7F0C02FB-F57E-4A39-8820-BCD7DA0FA681}"/>
+                <a16:creationId xmlns:a16="http://schemas.microsoft.com/office/drawing/2014/main" id="{2B640D1E-2834-437A-B521-E508A42A000A}"/>
               </a:ext>
             </a:extLst>
           </p:cNvPr>
@@ -7358,7 +7358,7 @@
           <a:p>
             <a:fld id="{8AAE40A0-A7D8-4DC3-BC9E-BADA32DA2004}" type="datetime4">
               <a:rPr lang="en-US" smtClean="0"/>
-              <a:t>June 25, 2019</a:t>
+              <a:t>July 7, 2019</a:t>
             </a:fld>
             <a:endParaRPr lang="en-US" dirty="0"/>
           </a:p>
@@ -7369,7 +7369,7 @@
           <p:cNvPr id="5" name="Footer Placeholder 4">
             <a:extLst>
               <a:ext uri="{FF2B5EF4-FFF2-40B4-BE49-F238E27FC236}">
-                <a16:creationId xmlns:a16="http://schemas.microsoft.com/office/drawing/2014/main" id="{7392278C-B6CF-46D2-A2D7-DB522B8FD6BB}"/>
+                <a16:creationId xmlns:a16="http://schemas.microsoft.com/office/drawing/2014/main" id="{B9EC0EA0-C443-4DBC-AF3A-C12205CF0D01}"/>
               </a:ext>
             </a:extLst>
           </p:cNvPr>
@@ -7426,7 +7426,7 @@
           <p:cNvPr id="6" name="Slide Number Placeholder 5">
             <a:extLst>
               <a:ext uri="{FF2B5EF4-FFF2-40B4-BE49-F238E27FC236}">
-                <a16:creationId xmlns:a16="http://schemas.microsoft.com/office/drawing/2014/main" id="{E0E072A8-158A-417B-B985-B4D802B5C32D}"/>
+                <a16:creationId xmlns:a16="http://schemas.microsoft.com/office/drawing/2014/main" id="{4E102CF0-8A95-4DA8-A147-B61B55A2B3B2}"/>
               </a:ext>
             </a:extLst>
           </p:cNvPr>
@@ -7453,7 +7453,7 @@
     </p:spTree>
     <p:extLst>
       <p:ext uri="{BB962C8B-B14F-4D97-AF65-F5344CB8AC3E}">
-        <p14:creationId xmlns:p14="http://schemas.microsoft.com/office/powerpoint/2010/main" val="2464089218"/>
+        <p14:creationId xmlns:p14="http://schemas.microsoft.com/office/powerpoint/2010/main" val="1635861267"/>
       </p:ext>
     </p:extLst>
   </p:cSld>
@@ -7482,13 +7482,7 @@
       </p:grpSpPr>
       <p:sp>
         <p:nvSpPr>
-          <p:cNvPr id="2" name="Title 1">
-            <a:extLst>
-              <a:ext uri="{FF2B5EF4-FFF2-40B4-BE49-F238E27FC236}">
-                <a16:creationId xmlns:a16="http://schemas.microsoft.com/office/drawing/2014/main" id="{783AB27B-A036-46B4-8273-B00B4CC009E5}"/>
-              </a:ext>
-            </a:extLst>
-          </p:cNvPr>
+          <p:cNvPr id="7" name="Title 6"/>
           <p:cNvSpPr>
             <a:spLocks noGrp="1"/>
           </p:cNvSpPr>
@@ -7502,47 +7496,52 @@
           <a:lstStyle/>
           <a:p>
             <a:r>
-              <a:rPr lang="en-US" dirty="0" smtClean="0"/>
-              <a:t>COMMON VERBS</a:t>
-            </a:r>
-            <a:endParaRPr lang="en-US" dirty="0"/>
-          </a:p>
-        </p:txBody>
-      </p:sp>
-      <p:sp>
-        <p:nvSpPr>
-          <p:cNvPr id="3" name="Content Placeholder 2">
-            <a:extLst>
-              <a:ext uri="{FF2B5EF4-FFF2-40B4-BE49-F238E27FC236}">
-                <a16:creationId xmlns:a16="http://schemas.microsoft.com/office/drawing/2014/main" id="{43136DA3-E238-45FB-9460-C178D50DB43E}"/>
-              </a:ext>
-            </a:extLst>
-          </p:cNvPr>
-          <p:cNvSpPr>
-            <a:spLocks noGrp="1"/>
-          </p:cNvSpPr>
-          <p:nvPr>
-            <p:ph idx="1"/>
-          </p:nvPr>
-        </p:nvSpPr>
-        <p:spPr/>
-        <p:txBody>
-          <a:bodyPr/>
-          <a:lstStyle/>
-          <a:p>
-            <a:endParaRPr lang="en-US"/>
-          </a:p>
-        </p:txBody>
-      </p:sp>
-      <p:sp>
-        <p:nvSpPr>
-          <p:cNvPr id="4" name="Date Placeholder 3">
-            <a:extLst>
-              <a:ext uri="{FF2B5EF4-FFF2-40B4-BE49-F238E27FC236}">
-                <a16:creationId xmlns:a16="http://schemas.microsoft.com/office/drawing/2014/main" id="{E5E06012-E22D-4816-AAB2-FA54D59A1182}"/>
-              </a:ext>
-            </a:extLst>
-          </p:cNvPr>
+              <a:rPr lang="en-US" dirty="0"/>
+              <a:t>DATA ACQUISITION</a:t>
+            </a:r>
+            <a:br>
+              <a:rPr lang="en-US" dirty="0"/>
+            </a:br>
+            <a:r>
+              <a:rPr lang="en-US" dirty="0"/>
+              <a:t>WITH READR</a:t>
+            </a:r>
+          </a:p>
+        </p:txBody>
+      </p:sp>
+      <p:sp>
+        <p:nvSpPr>
+          <p:cNvPr id="8" name="Text Placeholder 7"/>
+          <p:cNvSpPr>
+            <a:spLocks noGrp="1"/>
+          </p:cNvSpPr>
+          <p:nvPr>
+            <p:ph type="body" idx="1"/>
+          </p:nvPr>
+        </p:nvSpPr>
+        <p:spPr/>
+        <p:txBody>
+          <a:bodyPr/>
+          <a:lstStyle/>
+          <a:p>
+            <a:r>
+              <a:rPr lang="en-US" dirty="0"/>
+              <a:t>Fast, simple, and instantly in the </a:t>
+            </a:r>
+            <a:r>
+              <a:rPr lang="en-US" dirty="0" err="1"/>
+              <a:t>tidyverse</a:t>
+            </a:r>
+            <a:r>
+              <a:rPr lang="en-US" dirty="0"/>
+              <a:t>!</a:t>
+            </a:r>
+          </a:p>
+        </p:txBody>
+      </p:sp>
+      <p:sp>
+        <p:nvSpPr>
+          <p:cNvPr id="4" name="Date Placeholder 3"/>
           <p:cNvSpPr>
             <a:spLocks noGrp="1"/>
           </p:cNvSpPr>
@@ -7557,7 +7556,7 @@
           <a:p>
             <a:fld id="{8AAE40A0-A7D8-4DC3-BC9E-BADA32DA2004}" type="datetime4">
               <a:rPr lang="en-US" smtClean="0"/>
-              <a:t>June 25, 2019</a:t>
+              <a:t>July 7, 2019</a:t>
             </a:fld>
             <a:endParaRPr lang="en-US" dirty="0"/>
           </a:p>
@@ -7565,13 +7564,7 @@
       </p:sp>
       <p:sp>
         <p:nvSpPr>
-          <p:cNvPr id="5" name="Footer Placeholder 4">
-            <a:extLst>
-              <a:ext uri="{FF2B5EF4-FFF2-40B4-BE49-F238E27FC236}">
-                <a16:creationId xmlns:a16="http://schemas.microsoft.com/office/drawing/2014/main" id="{F3555683-DD74-4221-B1D1-E97AA77ED2BD}"/>
-              </a:ext>
-            </a:extLst>
-          </p:cNvPr>
+          <p:cNvPr id="5" name="Footer Placeholder 4"/>
           <p:cNvSpPr>
             <a:spLocks noGrp="1"/>
           </p:cNvSpPr>
@@ -7622,13 +7615,7 @@
       </p:sp>
       <p:sp>
         <p:nvSpPr>
-          <p:cNvPr id="6" name="Slide Number Placeholder 5">
-            <a:extLst>
-              <a:ext uri="{FF2B5EF4-FFF2-40B4-BE49-F238E27FC236}">
-                <a16:creationId xmlns:a16="http://schemas.microsoft.com/office/drawing/2014/main" id="{FE1E6B8A-86A7-4271-AD53-EA475A5972F7}"/>
-              </a:ext>
-            </a:extLst>
-          </p:cNvPr>
+          <p:cNvPr id="6" name="Slide Number Placeholder 5"/>
           <p:cNvSpPr>
             <a:spLocks noGrp="1"/>
           </p:cNvSpPr>
@@ -7652,7 +7639,7 @@
     </p:spTree>
     <p:extLst>
       <p:ext uri="{BB962C8B-B14F-4D97-AF65-F5344CB8AC3E}">
-        <p14:creationId xmlns:p14="http://schemas.microsoft.com/office/powerpoint/2010/main" val="773067360"/>
+        <p14:creationId xmlns:p14="http://schemas.microsoft.com/office/powerpoint/2010/main" val="1403993645"/>
       </p:ext>
     </p:extLst>
   </p:cSld>
@@ -7681,13 +7668,7 @@
       </p:grpSpPr>
       <p:sp>
         <p:nvSpPr>
-          <p:cNvPr id="7" name="Title 6">
-            <a:extLst>
-              <a:ext uri="{FF2B5EF4-FFF2-40B4-BE49-F238E27FC236}">
-                <a16:creationId xmlns:a16="http://schemas.microsoft.com/office/drawing/2014/main" id="{F9B622D1-34BF-44D8-BDC0-3D31803EC1C8}"/>
-              </a:ext>
-            </a:extLst>
-          </p:cNvPr>
+          <p:cNvPr id="7" name="Title 6"/>
           <p:cNvSpPr>
             <a:spLocks noGrp="1"/>
           </p:cNvSpPr>
@@ -7701,57 +7682,136 @@
           <a:lstStyle/>
           <a:p>
             <a:r>
-              <a:rPr lang="en-US" dirty="0" smtClean="0"/>
-              <a:t>VISUALIZING DATA</a:t>
-            </a:r>
-            <a:br>
-              <a:rPr lang="en-US" dirty="0" smtClean="0"/>
-            </a:br>
-            <a:r>
-              <a:rPr lang="en-US" dirty="0" smtClean="0"/>
-              <a:t>WITH GGPLOT2</a:t>
-            </a:r>
-            <a:endParaRPr lang="en-US" dirty="0"/>
-          </a:p>
-        </p:txBody>
-      </p:sp>
-      <p:sp>
-        <p:nvSpPr>
-          <p:cNvPr id="8" name="Text Placeholder 7">
-            <a:extLst>
-              <a:ext uri="{FF2B5EF4-FFF2-40B4-BE49-F238E27FC236}">
-                <a16:creationId xmlns:a16="http://schemas.microsoft.com/office/drawing/2014/main" id="{DD6D9B92-0C9B-4797-BC66-E014C6A328D0}"/>
-              </a:ext>
-            </a:extLst>
-          </p:cNvPr>
-          <p:cNvSpPr>
-            <a:spLocks noGrp="1"/>
-          </p:cNvSpPr>
-          <p:nvPr>
-            <p:ph type="body" idx="1"/>
-          </p:nvPr>
-        </p:nvSpPr>
-        <p:spPr/>
-        <p:txBody>
-          <a:bodyPr/>
-          <a:lstStyle/>
-          <a:p>
-            <a:r>
-              <a:rPr lang="en-US" dirty="0"/>
-              <a:t>Versatile data visualization</a:t>
-            </a:r>
-          </a:p>
-        </p:txBody>
-      </p:sp>
-      <p:sp>
-        <p:nvSpPr>
-          <p:cNvPr id="4" name="Date Placeholder 3">
-            <a:extLst>
-              <a:ext uri="{FF2B5EF4-FFF2-40B4-BE49-F238E27FC236}">
-                <a16:creationId xmlns:a16="http://schemas.microsoft.com/office/drawing/2014/main" id="{7F0C02FB-F57E-4A39-8820-BCD7DA0FA681}"/>
-              </a:ext>
-            </a:extLst>
-          </p:cNvPr>
+              <a:rPr lang="en-US" dirty="0"/>
+              <a:t>READING DATA, TIDY-STYLE!</a:t>
+            </a:r>
+          </a:p>
+        </p:txBody>
+      </p:sp>
+      <p:sp>
+        <p:nvSpPr>
+          <p:cNvPr id="8" name="Content Placeholder 7"/>
+          <p:cNvSpPr>
+            <a:spLocks noGrp="1"/>
+          </p:cNvSpPr>
+          <p:nvPr>
+            <p:ph idx="1"/>
+          </p:nvPr>
+        </p:nvSpPr>
+        <p:spPr/>
+        <p:txBody>
+          <a:bodyPr/>
+          <a:lstStyle/>
+          <a:p>
+            <a:r>
+              <a:rPr lang="en-US" dirty="0" err="1"/>
+              <a:t>read_csv</a:t>
+            </a:r>
+            <a:r>
+              <a:rPr lang="en-US" dirty="0"/>
+              <a:t>(“filename”)</a:t>
+            </a:r>
+          </a:p>
+          <a:p>
+            <a:pPr lvl="1"/>
+            <a:r>
+              <a:rPr lang="en-US" dirty="0"/>
+              <a:t>Also, csv2 (;), </a:t>
+            </a:r>
+            <a:r>
+              <a:rPr lang="en-US" dirty="0" err="1"/>
+              <a:t>tsv</a:t>
+            </a:r>
+            <a:r>
+              <a:rPr lang="en-US" dirty="0"/>
+              <a:t> (tabs), and more</a:t>
+            </a:r>
+          </a:p>
+          <a:p>
+            <a:r>
+              <a:rPr lang="en-US" dirty="0" err="1"/>
+              <a:t>read_fwf</a:t>
+            </a:r>
+            <a:r>
+              <a:rPr lang="en-US" dirty="0"/>
+              <a:t>(“filename”, </a:t>
+            </a:r>
+            <a:r>
+              <a:rPr lang="en-US" dirty="0" err="1"/>
+              <a:t>fwf_widths</a:t>
+            </a:r>
+            <a:r>
+              <a:rPr lang="en-US" dirty="0"/>
+              <a:t>(c(3, 5, …)))</a:t>
+            </a:r>
+          </a:p>
+          <a:p>
+            <a:r>
+              <a:rPr lang="en-US" dirty="0"/>
+              <a:t>Other libraries for reading xlsx, json, xml and more!</a:t>
+            </a:r>
+          </a:p>
+          <a:p>
+            <a:pPr lvl="1"/>
+            <a:r>
+              <a:rPr lang="en-US" dirty="0" err="1"/>
+              <a:t>readxl</a:t>
+            </a:r>
+            <a:r>
+              <a:rPr lang="en-US" dirty="0"/>
+              <a:t>, </a:t>
+            </a:r>
+            <a:r>
+              <a:rPr lang="en-US" dirty="0" err="1"/>
+              <a:t>tidyjson</a:t>
+            </a:r>
+            <a:r>
+              <a:rPr lang="en-US" dirty="0"/>
+              <a:t>, XML</a:t>
+            </a:r>
+          </a:p>
+          <a:p>
+            <a:r>
+              <a:rPr lang="en-US" dirty="0"/>
+              <a:t>Base R: read.csv, </a:t>
+            </a:r>
+            <a:r>
+              <a:rPr lang="en-US" dirty="0" err="1"/>
+              <a:t>read.fwf</a:t>
+            </a:r>
+            <a:r>
+              <a:rPr lang="en-US" dirty="0"/>
+              <a:t>, etc.</a:t>
+            </a:r>
+          </a:p>
+          <a:p>
+            <a:pPr lvl="1"/>
+            <a:r>
+              <a:rPr lang="en-US" dirty="0"/>
+              <a:t>Much slower! </a:t>
+            </a:r>
+          </a:p>
+          <a:p>
+            <a:pPr lvl="1"/>
+            <a:r>
+              <a:rPr lang="en-US" dirty="0" err="1"/>
+              <a:t>data.frame</a:t>
+            </a:r>
+            <a:r>
+              <a:rPr lang="en-US" dirty="0"/>
+              <a:t>, not </a:t>
+            </a:r>
+            <a:r>
+              <a:rPr lang="en-US" dirty="0" err="1"/>
+              <a:t>tibble</a:t>
+            </a:r>
+            <a:endParaRPr lang="en-US" dirty="0"/>
+          </a:p>
+        </p:txBody>
+      </p:sp>
+      <p:sp>
+        <p:nvSpPr>
+          <p:cNvPr id="4" name="Date Placeholder 3"/>
           <p:cNvSpPr>
             <a:spLocks noGrp="1"/>
           </p:cNvSpPr>
@@ -7764,9 +7824,9 @@
           <a:bodyPr/>
           <a:lstStyle/>
           <a:p>
-            <a:fld id="{8AAE40A0-A7D8-4DC3-BC9E-BADA32DA2004}" type="datetime4">
+            <a:fld id="{B08FEED8-D7D4-44E9-BFBC-ED06B5996D94}" type="datetime4">
               <a:rPr lang="en-US" smtClean="0"/>
-              <a:t>June 25, 2019</a:t>
+              <a:t>July 7, 2019</a:t>
             </a:fld>
             <a:endParaRPr lang="en-US" dirty="0"/>
           </a:p>
@@ -7774,13 +7834,7 @@
       </p:sp>
       <p:sp>
         <p:nvSpPr>
-          <p:cNvPr id="5" name="Footer Placeholder 4">
-            <a:extLst>
-              <a:ext uri="{FF2B5EF4-FFF2-40B4-BE49-F238E27FC236}">
-                <a16:creationId xmlns:a16="http://schemas.microsoft.com/office/drawing/2014/main" id="{7392278C-B6CF-46D2-A2D7-DB522B8FD6BB}"/>
-              </a:ext>
-            </a:extLst>
-          </p:cNvPr>
+          <p:cNvPr id="5" name="Footer Placeholder 4"/>
           <p:cNvSpPr>
             <a:spLocks noGrp="1"/>
           </p:cNvSpPr>
@@ -7831,13 +7885,7 @@
       </p:sp>
       <p:sp>
         <p:nvSpPr>
-          <p:cNvPr id="6" name="Slide Number Placeholder 5">
-            <a:extLst>
-              <a:ext uri="{FF2B5EF4-FFF2-40B4-BE49-F238E27FC236}">
-                <a16:creationId xmlns:a16="http://schemas.microsoft.com/office/drawing/2014/main" id="{E0E072A8-158A-417B-B985-B4D802B5C32D}"/>
-              </a:ext>
-            </a:extLst>
-          </p:cNvPr>
+          <p:cNvPr id="6" name="Slide Number Placeholder 5"/>
           <p:cNvSpPr>
             <a:spLocks noGrp="1"/>
           </p:cNvSpPr>
@@ -7861,7 +7909,7 @@
     </p:spTree>
     <p:extLst>
       <p:ext uri="{BB962C8B-B14F-4D97-AF65-F5344CB8AC3E}">
-        <p14:creationId xmlns:p14="http://schemas.microsoft.com/office/powerpoint/2010/main" val="2922848558"/>
+        <p14:creationId xmlns:p14="http://schemas.microsoft.com/office/powerpoint/2010/main" val="1623985300"/>
       </p:ext>
     </p:extLst>
   </p:cSld>
@@ -7890,13 +7938,7 @@
       </p:grpSpPr>
       <p:sp>
         <p:nvSpPr>
-          <p:cNvPr id="2" name="Title 1">
-            <a:extLst>
-              <a:ext uri="{FF2B5EF4-FFF2-40B4-BE49-F238E27FC236}">
-                <a16:creationId xmlns:a16="http://schemas.microsoft.com/office/drawing/2014/main" id="{8BB31801-2E3E-485F-82B8-81F94CAC0E69}"/>
-              </a:ext>
-            </a:extLst>
-          </p:cNvPr>
+          <p:cNvPr id="7" name="Title 6"/>
           <p:cNvSpPr>
             <a:spLocks noGrp="1"/>
           </p:cNvSpPr>
@@ -7910,47 +7952,44 @@
           <a:lstStyle/>
           <a:p>
             <a:r>
-              <a:rPr lang="en-US" dirty="0" smtClean="0"/>
-              <a:t>SOME FANCY PLOTS</a:t>
-            </a:r>
-            <a:endParaRPr lang="en-US" dirty="0"/>
-          </a:p>
-        </p:txBody>
-      </p:sp>
-      <p:sp>
-        <p:nvSpPr>
-          <p:cNvPr id="3" name="Content Placeholder 2">
-            <a:extLst>
-              <a:ext uri="{FF2B5EF4-FFF2-40B4-BE49-F238E27FC236}">
-                <a16:creationId xmlns:a16="http://schemas.microsoft.com/office/drawing/2014/main" id="{390EC6AF-F6AE-4708-966A-6ECE19BE5BC6}"/>
-              </a:ext>
-            </a:extLst>
-          </p:cNvPr>
-          <p:cNvSpPr>
-            <a:spLocks noGrp="1"/>
-          </p:cNvSpPr>
-          <p:nvPr>
-            <p:ph idx="1"/>
-          </p:nvPr>
-        </p:nvSpPr>
-        <p:spPr/>
-        <p:txBody>
-          <a:bodyPr/>
-          <a:lstStyle/>
-          <a:p>
-            <a:endParaRPr lang="en-US"/>
-          </a:p>
-        </p:txBody>
-      </p:sp>
-      <p:sp>
-        <p:nvSpPr>
-          <p:cNvPr id="4" name="Date Placeholder 3">
-            <a:extLst>
-              <a:ext uri="{FF2B5EF4-FFF2-40B4-BE49-F238E27FC236}">
-                <a16:creationId xmlns:a16="http://schemas.microsoft.com/office/drawing/2014/main" id="{FFAAEF07-9EEF-437A-AC4E-2B14BC28A3D5}"/>
-              </a:ext>
-            </a:extLst>
-          </p:cNvPr>
+              <a:rPr lang="en-US" dirty="0"/>
+              <a:t>VECTOR MANIPULATION </a:t>
+            </a:r>
+            <a:br>
+              <a:rPr lang="en-US" dirty="0"/>
+            </a:br>
+            <a:r>
+              <a:rPr lang="en-US" dirty="0"/>
+              <a:t>WITH PURRR AND FURRR</a:t>
+            </a:r>
+          </a:p>
+        </p:txBody>
+      </p:sp>
+      <p:sp>
+        <p:nvSpPr>
+          <p:cNvPr id="8" name="Text Placeholder 7"/>
+          <p:cNvSpPr>
+            <a:spLocks noGrp="1"/>
+          </p:cNvSpPr>
+          <p:nvPr>
+            <p:ph type="body" idx="1"/>
+          </p:nvPr>
+        </p:nvSpPr>
+        <p:spPr/>
+        <p:txBody>
+          <a:bodyPr/>
+          <a:lstStyle/>
+          <a:p>
+            <a:r>
+              <a:rPr lang="en-US" dirty="0"/>
+              <a:t>Functional and expressive operations</a:t>
+            </a:r>
+          </a:p>
+        </p:txBody>
+      </p:sp>
+      <p:sp>
+        <p:nvSpPr>
+          <p:cNvPr id="4" name="Date Placeholder 3"/>
           <p:cNvSpPr>
             <a:spLocks noGrp="1"/>
           </p:cNvSpPr>
@@ -7965,7 +8004,7 @@
           <a:p>
             <a:fld id="{8AAE40A0-A7D8-4DC3-BC9E-BADA32DA2004}" type="datetime4">
               <a:rPr lang="en-US" smtClean="0"/>
-              <a:t>June 25, 2019</a:t>
+              <a:t>July 7, 2019</a:t>
             </a:fld>
             <a:endParaRPr lang="en-US" dirty="0"/>
           </a:p>
@@ -7973,13 +8012,7 @@
       </p:sp>
       <p:sp>
         <p:nvSpPr>
-          <p:cNvPr id="5" name="Footer Placeholder 4">
-            <a:extLst>
-              <a:ext uri="{FF2B5EF4-FFF2-40B4-BE49-F238E27FC236}">
-                <a16:creationId xmlns:a16="http://schemas.microsoft.com/office/drawing/2014/main" id="{5EDC591F-3ACD-494A-9A2B-670AE711DDB7}"/>
-              </a:ext>
-            </a:extLst>
-          </p:cNvPr>
+          <p:cNvPr id="5" name="Footer Placeholder 4"/>
           <p:cNvSpPr>
             <a:spLocks noGrp="1"/>
           </p:cNvSpPr>
@@ -8030,13 +8063,7 @@
       </p:sp>
       <p:sp>
         <p:nvSpPr>
-          <p:cNvPr id="6" name="Slide Number Placeholder 5">
-            <a:extLst>
-              <a:ext uri="{FF2B5EF4-FFF2-40B4-BE49-F238E27FC236}">
-                <a16:creationId xmlns:a16="http://schemas.microsoft.com/office/drawing/2014/main" id="{06DD70CE-B53B-4527-BDF0-0FA1B01776B6}"/>
-              </a:ext>
-            </a:extLst>
-          </p:cNvPr>
+          <p:cNvPr id="6" name="Slide Number Placeholder 5"/>
           <p:cNvSpPr>
             <a:spLocks noGrp="1"/>
           </p:cNvSpPr>
@@ -8060,7 +8087,7 @@
     </p:spTree>
     <p:extLst>
       <p:ext uri="{BB962C8B-B14F-4D97-AF65-F5344CB8AC3E}">
-        <p14:creationId xmlns:p14="http://schemas.microsoft.com/office/powerpoint/2010/main" val="2814895575"/>
+        <p14:creationId xmlns:p14="http://schemas.microsoft.com/office/powerpoint/2010/main" val="1385717678"/>
       </p:ext>
     </p:extLst>
   </p:cSld>
@@ -8089,13 +8116,7 @@
       </p:grpSpPr>
       <p:sp>
         <p:nvSpPr>
-          <p:cNvPr id="2" name="Title 1">
-            <a:extLst>
-              <a:ext uri="{FF2B5EF4-FFF2-40B4-BE49-F238E27FC236}">
-                <a16:creationId xmlns:a16="http://schemas.microsoft.com/office/drawing/2014/main" id="{A8909A85-5F97-4785-BA4C-680457A0F1AF}"/>
-              </a:ext>
-            </a:extLst>
-          </p:cNvPr>
+          <p:cNvPr id="9" name="Title 8"/>
           <p:cNvSpPr>
             <a:spLocks noGrp="1"/>
           </p:cNvSpPr>
@@ -8110,20 +8131,14 @@
           <a:p>
             <a:r>
               <a:rPr lang="en-US" dirty="0"/>
-              <a:t>ACKNOWLEDGEMENTS</a:t>
-            </a:r>
-          </a:p>
-        </p:txBody>
-      </p:sp>
-      <p:sp>
-        <p:nvSpPr>
-          <p:cNvPr id="7" name="Content Placeholder 6">
-            <a:extLst>
-              <a:ext uri="{FF2B5EF4-FFF2-40B4-BE49-F238E27FC236}">
-                <a16:creationId xmlns:a16="http://schemas.microsoft.com/office/drawing/2014/main" id="{063C36B6-F28F-4BE7-9B27-1DD6F6385857}"/>
-              </a:ext>
-            </a:extLst>
-          </p:cNvPr>
+              <a:t>FUNCTIONAL ALTERATIONS</a:t>
+            </a:r>
+          </a:p>
+        </p:txBody>
+      </p:sp>
+      <p:sp>
+        <p:nvSpPr>
+          <p:cNvPr id="10" name="Content Placeholder 9"/>
           <p:cNvSpPr>
             <a:spLocks noGrp="1"/>
           </p:cNvSpPr>
@@ -8136,19 +8151,31 @@
           <a:bodyPr/>
           <a:lstStyle/>
           <a:p>
-            <a:endParaRPr lang="en-US"/>
-          </a:p>
-        </p:txBody>
-      </p:sp>
-      <p:sp>
-        <p:nvSpPr>
-          <p:cNvPr id="4" name="Date Placeholder 3">
-            <a:extLst>
-              <a:ext uri="{FF2B5EF4-FFF2-40B4-BE49-F238E27FC236}">
-                <a16:creationId xmlns:a16="http://schemas.microsoft.com/office/drawing/2014/main" id="{6BD03D3F-8307-4B2B-85E0-9639DD7F7B8C}"/>
-              </a:ext>
-            </a:extLst>
-          </p:cNvPr>
+            <a:r>
+              <a:rPr lang="en-US" dirty="0" err="1"/>
+              <a:t>purrr</a:t>
+            </a:r>
+            <a:r>
+              <a:rPr lang="en-US" dirty="0"/>
+              <a:t> vs. for loops:</a:t>
+            </a:r>
+          </a:p>
+          <a:p>
+            <a:pPr lvl="1"/>
+            <a:r>
+              <a:rPr lang="en-US" dirty="0" err="1"/>
+              <a:t>purrr</a:t>
+            </a:r>
+            <a:r>
+              <a:rPr lang="en-US" dirty="0"/>
+              <a:t> is extremely easy to parallelize, much cleaner and more expressive</a:t>
+            </a:r>
+          </a:p>
+        </p:txBody>
+      </p:sp>
+      <p:sp>
+        <p:nvSpPr>
+          <p:cNvPr id="4" name="Date Placeholder 3"/>
           <p:cNvSpPr>
             <a:spLocks noGrp="1"/>
           </p:cNvSpPr>
@@ -8161,9 +8188,9 @@
           <a:bodyPr/>
           <a:lstStyle/>
           <a:p>
-            <a:fld id="{8AAE40A0-A7D8-4DC3-BC9E-BADA32DA2004}" type="datetime4">
+            <a:fld id="{B08FEED8-D7D4-44E9-BFBC-ED06B5996D94}" type="datetime4">
               <a:rPr lang="en-US" smtClean="0"/>
-              <a:t>June 25, 2019</a:t>
+              <a:t>July 7, 2019</a:t>
             </a:fld>
             <a:endParaRPr lang="en-US" dirty="0"/>
           </a:p>
@@ -8171,13 +8198,7 @@
       </p:sp>
       <p:sp>
         <p:nvSpPr>
-          <p:cNvPr id="5" name="Footer Placeholder 4">
-            <a:extLst>
-              <a:ext uri="{FF2B5EF4-FFF2-40B4-BE49-F238E27FC236}">
-                <a16:creationId xmlns:a16="http://schemas.microsoft.com/office/drawing/2014/main" id="{07FB1389-2798-4D26-8CCE-27767E9E7F1D}"/>
-              </a:ext>
-            </a:extLst>
-          </p:cNvPr>
+          <p:cNvPr id="5" name="Footer Placeholder 4"/>
           <p:cNvSpPr>
             <a:spLocks noGrp="1"/>
           </p:cNvSpPr>
@@ -8228,13 +8249,7 @@
       </p:sp>
       <p:sp>
         <p:nvSpPr>
-          <p:cNvPr id="6" name="Slide Number Placeholder 5">
-            <a:extLst>
-              <a:ext uri="{FF2B5EF4-FFF2-40B4-BE49-F238E27FC236}">
-                <a16:creationId xmlns:a16="http://schemas.microsoft.com/office/drawing/2014/main" id="{D9EB88B7-3533-4306-8F51-5BF384EBA51E}"/>
-              </a:ext>
-            </a:extLst>
-          </p:cNvPr>
+          <p:cNvPr id="6" name="Slide Number Placeholder 5"/>
           <p:cNvSpPr>
             <a:spLocks noGrp="1"/>
           </p:cNvSpPr>
@@ -8258,7 +8273,1016 @@
     </p:spTree>
     <p:extLst>
       <p:ext uri="{BB962C8B-B14F-4D97-AF65-F5344CB8AC3E}">
-        <p14:creationId xmlns:p14="http://schemas.microsoft.com/office/powerpoint/2010/main" val="1583061505"/>
+        <p14:creationId xmlns:p14="http://schemas.microsoft.com/office/powerpoint/2010/main" val="1537886024"/>
+      </p:ext>
+    </p:extLst>
+  </p:cSld>
+  <p:clrMapOvr>
+    <a:masterClrMapping/>
+  </p:clrMapOvr>
+</p:sld>
+</file>
+
+<file path=ppt/slides/slide15.xml><?xml version="1.0" encoding="utf-8"?>
+<p:sld xmlns:a="http://schemas.openxmlformats.org/drawingml/2006/main" xmlns:r="http://schemas.openxmlformats.org/officeDocument/2006/relationships" xmlns:p="http://schemas.openxmlformats.org/presentationml/2006/main">
+  <p:cSld>
+    <p:spTree>
+      <p:nvGrpSpPr>
+        <p:cNvPr id="1" name=""/>
+        <p:cNvGrpSpPr/>
+        <p:nvPr/>
+      </p:nvGrpSpPr>
+      <p:grpSpPr>
+        <a:xfrm>
+          <a:off x="0" y="0"/>
+          <a:ext cx="0" cy="0"/>
+          <a:chOff x="0" y="0"/>
+          <a:chExt cx="0" cy="0"/>
+        </a:xfrm>
+      </p:grpSpPr>
+      <p:sp>
+        <p:nvSpPr>
+          <p:cNvPr id="2" name="Title 1">
+            <a:extLst>
+              <a:ext uri="{FF2B5EF4-FFF2-40B4-BE49-F238E27FC236}">
+                <a16:creationId xmlns:a16="http://schemas.microsoft.com/office/drawing/2014/main" id="{1FFA2CD6-B011-46A8-9A47-7E3AD0FD2D2A}"/>
+              </a:ext>
+            </a:extLst>
+          </p:cNvPr>
+          <p:cNvSpPr>
+            <a:spLocks noGrp="1"/>
+          </p:cNvSpPr>
+          <p:nvPr>
+            <p:ph type="title"/>
+          </p:nvPr>
+        </p:nvSpPr>
+        <p:spPr/>
+        <p:txBody>
+          <a:bodyPr/>
+          <a:lstStyle/>
+          <a:p>
+            <a:r>
+              <a:rPr lang="en-US" dirty="0"/>
+              <a:t>EASY PARALLELIZATION</a:t>
+            </a:r>
+          </a:p>
+        </p:txBody>
+      </p:sp>
+      <p:sp>
+        <p:nvSpPr>
+          <p:cNvPr id="3" name="Content Placeholder 2">
+            <a:extLst>
+              <a:ext uri="{FF2B5EF4-FFF2-40B4-BE49-F238E27FC236}">
+                <a16:creationId xmlns:a16="http://schemas.microsoft.com/office/drawing/2014/main" id="{3F43D8F2-6A4D-4EE1-8023-B20D3C4C183D}"/>
+              </a:ext>
+            </a:extLst>
+          </p:cNvPr>
+          <p:cNvSpPr>
+            <a:spLocks noGrp="1"/>
+          </p:cNvSpPr>
+          <p:nvPr>
+            <p:ph idx="1"/>
+          </p:nvPr>
+        </p:nvSpPr>
+        <p:spPr/>
+        <p:txBody>
+          <a:bodyPr/>
+          <a:lstStyle/>
+          <a:p>
+            <a:r>
+              <a:rPr lang="en-US" dirty="0"/>
+              <a:t>Run many tasks at the same time</a:t>
+            </a:r>
+          </a:p>
+          <a:p>
+            <a:r>
+              <a:rPr lang="en-US" dirty="0"/>
+              <a:t>Considerable speedup!</a:t>
+            </a:r>
+          </a:p>
+        </p:txBody>
+      </p:sp>
+      <p:sp>
+        <p:nvSpPr>
+          <p:cNvPr id="4" name="Date Placeholder 3">
+            <a:extLst>
+              <a:ext uri="{FF2B5EF4-FFF2-40B4-BE49-F238E27FC236}">
+                <a16:creationId xmlns:a16="http://schemas.microsoft.com/office/drawing/2014/main" id="{C7544D0B-69F9-46DE-A9F4-524D5DEDB864}"/>
+              </a:ext>
+            </a:extLst>
+          </p:cNvPr>
+          <p:cNvSpPr>
+            <a:spLocks noGrp="1"/>
+          </p:cNvSpPr>
+          <p:nvPr>
+            <p:ph type="dt" sz="half" idx="10"/>
+          </p:nvPr>
+        </p:nvSpPr>
+        <p:spPr/>
+        <p:txBody>
+          <a:bodyPr/>
+          <a:lstStyle/>
+          <a:p>
+            <a:fld id="{8AAE40A0-A7D8-4DC3-BC9E-BADA32DA2004}" type="datetime4">
+              <a:rPr lang="en-US" smtClean="0"/>
+              <a:t>July 7, 2019</a:t>
+            </a:fld>
+            <a:endParaRPr lang="en-US" dirty="0"/>
+          </a:p>
+        </p:txBody>
+      </p:sp>
+      <p:sp>
+        <p:nvSpPr>
+          <p:cNvPr id="5" name="Footer Placeholder 4">
+            <a:extLst>
+              <a:ext uri="{FF2B5EF4-FFF2-40B4-BE49-F238E27FC236}">
+                <a16:creationId xmlns:a16="http://schemas.microsoft.com/office/drawing/2014/main" id="{F2583C41-4DEE-4F1E-BF3C-57EFEEB468CC}"/>
+              </a:ext>
+            </a:extLst>
+          </p:cNvPr>
+          <p:cNvSpPr>
+            <a:spLocks noGrp="1"/>
+          </p:cNvSpPr>
+          <p:nvPr>
+            <p:ph type="ftr" sz="quarter" idx="11"/>
+          </p:nvPr>
+        </p:nvSpPr>
+        <p:spPr/>
+        <p:txBody>
+          <a:bodyPr/>
+          <a:lstStyle/>
+          <a:p>
+            <a:r>
+              <a:rPr lang="en-US"/>
+              <a:t>Digital Scholarship Services </a:t>
+            </a:r>
+            <a:r>
+              <a:rPr lang="en-US">
+                <a:solidFill>
+                  <a:schemeClr val="accent1">
+                    <a:lumMod val="50000"/>
+                  </a:schemeClr>
+                </a:solidFill>
+              </a:rPr>
+              <a:t>| Email</a:t>
+            </a:r>
+            <a:r>
+              <a:rPr lang="en-US"/>
+              <a:t> cf24@rice.edu </a:t>
+            </a:r>
+            <a:r>
+              <a:rPr lang="en-US">
+                <a:solidFill>
+                  <a:schemeClr val="accent1">
+                    <a:lumMod val="50000"/>
+                  </a:schemeClr>
+                </a:solidFill>
+              </a:rPr>
+              <a:t>|</a:t>
+            </a:r>
+            <a:r>
+              <a:rPr lang="en-US"/>
+              <a:t> library.rice.edu/dss</a:t>
+            </a:r>
+            <a:endParaRPr lang="en-US" dirty="0"/>
+          </a:p>
+        </p:txBody>
+      </p:sp>
+      <p:sp>
+        <p:nvSpPr>
+          <p:cNvPr id="6" name="Slide Number Placeholder 5">
+            <a:extLst>
+              <a:ext uri="{FF2B5EF4-FFF2-40B4-BE49-F238E27FC236}">
+                <a16:creationId xmlns:a16="http://schemas.microsoft.com/office/drawing/2014/main" id="{89627A91-5286-414F-BEF7-86ACFEEBC189}"/>
+              </a:ext>
+            </a:extLst>
+          </p:cNvPr>
+          <p:cNvSpPr>
+            <a:spLocks noGrp="1"/>
+          </p:cNvSpPr>
+          <p:nvPr>
+            <p:ph type="sldNum" sz="quarter" idx="12"/>
+          </p:nvPr>
+        </p:nvSpPr>
+        <p:spPr/>
+        <p:txBody>
+          <a:bodyPr/>
+          <a:lstStyle/>
+          <a:p>
+            <a:fld id="{D57F1E4F-1CFF-5643-939E-02111984F565}" type="slidenum">
+              <a:rPr lang="en-US" smtClean="0"/>
+              <a:t>15</a:t>
+            </a:fld>
+            <a:endParaRPr lang="en-US" dirty="0"/>
+          </a:p>
+        </p:txBody>
+      </p:sp>
+    </p:spTree>
+    <p:extLst>
+      <p:ext uri="{BB962C8B-B14F-4D97-AF65-F5344CB8AC3E}">
+        <p14:creationId xmlns:p14="http://schemas.microsoft.com/office/powerpoint/2010/main" val="4239391620"/>
+      </p:ext>
+    </p:extLst>
+  </p:cSld>
+  <p:clrMapOvr>
+    <a:masterClrMapping/>
+  </p:clrMapOvr>
+</p:sld>
+</file>
+
+<file path=ppt/slides/slide16.xml><?xml version="1.0" encoding="utf-8"?>
+<p:sld xmlns:a="http://schemas.openxmlformats.org/drawingml/2006/main" xmlns:r="http://schemas.openxmlformats.org/officeDocument/2006/relationships" xmlns:p="http://schemas.openxmlformats.org/presentationml/2006/main">
+  <p:cSld>
+    <p:spTree>
+      <p:nvGrpSpPr>
+        <p:cNvPr id="1" name=""/>
+        <p:cNvGrpSpPr/>
+        <p:nvPr/>
+      </p:nvGrpSpPr>
+      <p:grpSpPr>
+        <a:xfrm>
+          <a:off x="0" y="0"/>
+          <a:ext cx="0" cy="0"/>
+          <a:chOff x="0" y="0"/>
+          <a:chExt cx="0" cy="0"/>
+        </a:xfrm>
+      </p:grpSpPr>
+      <p:sp>
+        <p:nvSpPr>
+          <p:cNvPr id="7" name="Title 6">
+            <a:extLst>
+              <a:ext uri="{FF2B5EF4-FFF2-40B4-BE49-F238E27FC236}">
+                <a16:creationId xmlns:a16="http://schemas.microsoft.com/office/drawing/2014/main" id="{F9B622D1-34BF-44D8-BDC0-3D31803EC1C8}"/>
+              </a:ext>
+            </a:extLst>
+          </p:cNvPr>
+          <p:cNvSpPr>
+            <a:spLocks noGrp="1"/>
+          </p:cNvSpPr>
+          <p:nvPr>
+            <p:ph type="title"/>
+          </p:nvPr>
+        </p:nvSpPr>
+        <p:spPr/>
+        <p:txBody>
+          <a:bodyPr/>
+          <a:lstStyle/>
+          <a:p>
+            <a:r>
+              <a:rPr lang="en-US" dirty="0"/>
+              <a:t>DATA MANIPULATION</a:t>
+            </a:r>
+            <a:br>
+              <a:rPr lang="en-US" dirty="0"/>
+            </a:br>
+            <a:r>
+              <a:rPr lang="en-US" dirty="0"/>
+              <a:t>WITH DPLYR</a:t>
+            </a:r>
+          </a:p>
+        </p:txBody>
+      </p:sp>
+      <p:sp>
+        <p:nvSpPr>
+          <p:cNvPr id="8" name="Text Placeholder 7">
+            <a:extLst>
+              <a:ext uri="{FF2B5EF4-FFF2-40B4-BE49-F238E27FC236}">
+                <a16:creationId xmlns:a16="http://schemas.microsoft.com/office/drawing/2014/main" id="{DD6D9B92-0C9B-4797-BC66-E014C6A328D0}"/>
+              </a:ext>
+            </a:extLst>
+          </p:cNvPr>
+          <p:cNvSpPr>
+            <a:spLocks noGrp="1"/>
+          </p:cNvSpPr>
+          <p:nvPr>
+            <p:ph type="body" idx="1"/>
+          </p:nvPr>
+        </p:nvSpPr>
+        <p:spPr/>
+        <p:txBody>
+          <a:bodyPr/>
+          <a:lstStyle/>
+          <a:p>
+            <a:r>
+              <a:rPr lang="en-US" dirty="0"/>
+              <a:t>Common actions</a:t>
+            </a:r>
+          </a:p>
+        </p:txBody>
+      </p:sp>
+      <p:sp>
+        <p:nvSpPr>
+          <p:cNvPr id="4" name="Date Placeholder 3">
+            <a:extLst>
+              <a:ext uri="{FF2B5EF4-FFF2-40B4-BE49-F238E27FC236}">
+                <a16:creationId xmlns:a16="http://schemas.microsoft.com/office/drawing/2014/main" id="{7F0C02FB-F57E-4A39-8820-BCD7DA0FA681}"/>
+              </a:ext>
+            </a:extLst>
+          </p:cNvPr>
+          <p:cNvSpPr>
+            <a:spLocks noGrp="1"/>
+          </p:cNvSpPr>
+          <p:nvPr>
+            <p:ph type="dt" sz="half" idx="10"/>
+          </p:nvPr>
+        </p:nvSpPr>
+        <p:spPr/>
+        <p:txBody>
+          <a:bodyPr/>
+          <a:lstStyle/>
+          <a:p>
+            <a:fld id="{8AAE40A0-A7D8-4DC3-BC9E-BADA32DA2004}" type="datetime4">
+              <a:rPr lang="en-US" smtClean="0"/>
+              <a:t>July 7, 2019</a:t>
+            </a:fld>
+            <a:endParaRPr lang="en-US" dirty="0"/>
+          </a:p>
+        </p:txBody>
+      </p:sp>
+      <p:sp>
+        <p:nvSpPr>
+          <p:cNvPr id="5" name="Footer Placeholder 4">
+            <a:extLst>
+              <a:ext uri="{FF2B5EF4-FFF2-40B4-BE49-F238E27FC236}">
+                <a16:creationId xmlns:a16="http://schemas.microsoft.com/office/drawing/2014/main" id="{7392278C-B6CF-46D2-A2D7-DB522B8FD6BB}"/>
+              </a:ext>
+            </a:extLst>
+          </p:cNvPr>
+          <p:cNvSpPr>
+            <a:spLocks noGrp="1"/>
+          </p:cNvSpPr>
+          <p:nvPr>
+            <p:ph type="ftr" sz="quarter" idx="11"/>
+          </p:nvPr>
+        </p:nvSpPr>
+        <p:spPr/>
+        <p:txBody>
+          <a:bodyPr/>
+          <a:lstStyle/>
+          <a:p>
+            <a:r>
+              <a:rPr lang="en-US"/>
+              <a:t>Digital Scholarship Services </a:t>
+            </a:r>
+            <a:r>
+              <a:rPr lang="en-US">
+                <a:solidFill>
+                  <a:schemeClr val="accent1">
+                    <a:lumMod val="50000"/>
+                  </a:schemeClr>
+                </a:solidFill>
+              </a:rPr>
+              <a:t>| Email</a:t>
+            </a:r>
+            <a:r>
+              <a:rPr lang="en-US"/>
+              <a:t> cf24@rice.edu </a:t>
+            </a:r>
+            <a:r>
+              <a:rPr lang="en-US">
+                <a:solidFill>
+                  <a:schemeClr val="accent1">
+                    <a:lumMod val="50000"/>
+                  </a:schemeClr>
+                </a:solidFill>
+              </a:rPr>
+              <a:t>|</a:t>
+            </a:r>
+            <a:r>
+              <a:rPr lang="en-US"/>
+              <a:t> library.rice.edu/dss</a:t>
+            </a:r>
+            <a:endParaRPr lang="en-US" dirty="0"/>
+          </a:p>
+        </p:txBody>
+      </p:sp>
+      <p:sp>
+        <p:nvSpPr>
+          <p:cNvPr id="6" name="Slide Number Placeholder 5">
+            <a:extLst>
+              <a:ext uri="{FF2B5EF4-FFF2-40B4-BE49-F238E27FC236}">
+                <a16:creationId xmlns:a16="http://schemas.microsoft.com/office/drawing/2014/main" id="{E0E072A8-158A-417B-B985-B4D802B5C32D}"/>
+              </a:ext>
+            </a:extLst>
+          </p:cNvPr>
+          <p:cNvSpPr>
+            <a:spLocks noGrp="1"/>
+          </p:cNvSpPr>
+          <p:nvPr>
+            <p:ph type="sldNum" sz="quarter" idx="12"/>
+          </p:nvPr>
+        </p:nvSpPr>
+        <p:spPr/>
+        <p:txBody>
+          <a:bodyPr/>
+          <a:lstStyle/>
+          <a:p>
+            <a:fld id="{D57F1E4F-1CFF-5643-939E-02111984F565}" type="slidenum">
+              <a:rPr lang="en-US" smtClean="0"/>
+              <a:t>16</a:t>
+            </a:fld>
+            <a:endParaRPr lang="en-US" dirty="0"/>
+          </a:p>
+        </p:txBody>
+      </p:sp>
+    </p:spTree>
+    <p:extLst>
+      <p:ext uri="{BB962C8B-B14F-4D97-AF65-F5344CB8AC3E}">
+        <p14:creationId xmlns:p14="http://schemas.microsoft.com/office/powerpoint/2010/main" val="2464089218"/>
+      </p:ext>
+    </p:extLst>
+  </p:cSld>
+  <p:clrMapOvr>
+    <a:masterClrMapping/>
+  </p:clrMapOvr>
+</p:sld>
+</file>
+
+<file path=ppt/slides/slide17.xml><?xml version="1.0" encoding="utf-8"?>
+<p:sld xmlns:a="http://schemas.openxmlformats.org/drawingml/2006/main" xmlns:r="http://schemas.openxmlformats.org/officeDocument/2006/relationships" xmlns:p="http://schemas.openxmlformats.org/presentationml/2006/main">
+  <p:cSld>
+    <p:spTree>
+      <p:nvGrpSpPr>
+        <p:cNvPr id="1" name=""/>
+        <p:cNvGrpSpPr/>
+        <p:nvPr/>
+      </p:nvGrpSpPr>
+      <p:grpSpPr>
+        <a:xfrm>
+          <a:off x="0" y="0"/>
+          <a:ext cx="0" cy="0"/>
+          <a:chOff x="0" y="0"/>
+          <a:chExt cx="0" cy="0"/>
+        </a:xfrm>
+      </p:grpSpPr>
+      <p:sp>
+        <p:nvSpPr>
+          <p:cNvPr id="2" name="Title 1">
+            <a:extLst>
+              <a:ext uri="{FF2B5EF4-FFF2-40B4-BE49-F238E27FC236}">
+                <a16:creationId xmlns:a16="http://schemas.microsoft.com/office/drawing/2014/main" id="{783AB27B-A036-46B4-8273-B00B4CC009E5}"/>
+              </a:ext>
+            </a:extLst>
+          </p:cNvPr>
+          <p:cNvSpPr>
+            <a:spLocks noGrp="1"/>
+          </p:cNvSpPr>
+          <p:nvPr>
+            <p:ph type="title"/>
+          </p:nvPr>
+        </p:nvSpPr>
+        <p:spPr/>
+        <p:txBody>
+          <a:bodyPr/>
+          <a:lstStyle/>
+          <a:p>
+            <a:r>
+              <a:rPr lang="en-US" dirty="0"/>
+              <a:t>FILTER</a:t>
+            </a:r>
+          </a:p>
+        </p:txBody>
+      </p:sp>
+      <p:sp>
+        <p:nvSpPr>
+          <p:cNvPr id="3" name="Content Placeholder 2">
+            <a:extLst>
+              <a:ext uri="{FF2B5EF4-FFF2-40B4-BE49-F238E27FC236}">
+                <a16:creationId xmlns:a16="http://schemas.microsoft.com/office/drawing/2014/main" id="{43136DA3-E238-45FB-9460-C178D50DB43E}"/>
+              </a:ext>
+            </a:extLst>
+          </p:cNvPr>
+          <p:cNvSpPr>
+            <a:spLocks noGrp="1"/>
+          </p:cNvSpPr>
+          <p:nvPr>
+            <p:ph idx="1"/>
+          </p:nvPr>
+        </p:nvSpPr>
+        <p:spPr/>
+        <p:txBody>
+          <a:bodyPr/>
+          <a:lstStyle/>
+          <a:p>
+            <a:endParaRPr lang="en-US" dirty="0"/>
+          </a:p>
+        </p:txBody>
+      </p:sp>
+      <p:sp>
+        <p:nvSpPr>
+          <p:cNvPr id="4" name="Date Placeholder 3">
+            <a:extLst>
+              <a:ext uri="{FF2B5EF4-FFF2-40B4-BE49-F238E27FC236}">
+                <a16:creationId xmlns:a16="http://schemas.microsoft.com/office/drawing/2014/main" id="{E5E06012-E22D-4816-AAB2-FA54D59A1182}"/>
+              </a:ext>
+            </a:extLst>
+          </p:cNvPr>
+          <p:cNvSpPr>
+            <a:spLocks noGrp="1"/>
+          </p:cNvSpPr>
+          <p:nvPr>
+            <p:ph type="dt" sz="half" idx="10"/>
+          </p:nvPr>
+        </p:nvSpPr>
+        <p:spPr/>
+        <p:txBody>
+          <a:bodyPr/>
+          <a:lstStyle/>
+          <a:p>
+            <a:fld id="{8AAE40A0-A7D8-4DC3-BC9E-BADA32DA2004}" type="datetime4">
+              <a:rPr lang="en-US" smtClean="0"/>
+              <a:t>July 7, 2019</a:t>
+            </a:fld>
+            <a:endParaRPr lang="en-US" dirty="0"/>
+          </a:p>
+        </p:txBody>
+      </p:sp>
+      <p:sp>
+        <p:nvSpPr>
+          <p:cNvPr id="5" name="Footer Placeholder 4">
+            <a:extLst>
+              <a:ext uri="{FF2B5EF4-FFF2-40B4-BE49-F238E27FC236}">
+                <a16:creationId xmlns:a16="http://schemas.microsoft.com/office/drawing/2014/main" id="{F3555683-DD74-4221-B1D1-E97AA77ED2BD}"/>
+              </a:ext>
+            </a:extLst>
+          </p:cNvPr>
+          <p:cNvSpPr>
+            <a:spLocks noGrp="1"/>
+          </p:cNvSpPr>
+          <p:nvPr>
+            <p:ph type="ftr" sz="quarter" idx="11"/>
+          </p:nvPr>
+        </p:nvSpPr>
+        <p:spPr/>
+        <p:txBody>
+          <a:bodyPr/>
+          <a:lstStyle/>
+          <a:p>
+            <a:r>
+              <a:rPr lang="en-US"/>
+              <a:t>Digital Scholarship Services </a:t>
+            </a:r>
+            <a:r>
+              <a:rPr lang="en-US">
+                <a:solidFill>
+                  <a:schemeClr val="accent1">
+                    <a:lumMod val="50000"/>
+                  </a:schemeClr>
+                </a:solidFill>
+              </a:rPr>
+              <a:t>| Email</a:t>
+            </a:r>
+            <a:r>
+              <a:rPr lang="en-US"/>
+              <a:t> cf24@rice.edu </a:t>
+            </a:r>
+            <a:r>
+              <a:rPr lang="en-US">
+                <a:solidFill>
+                  <a:schemeClr val="accent1">
+                    <a:lumMod val="50000"/>
+                  </a:schemeClr>
+                </a:solidFill>
+              </a:rPr>
+              <a:t>|</a:t>
+            </a:r>
+            <a:r>
+              <a:rPr lang="en-US"/>
+              <a:t> library.rice.edu/dss</a:t>
+            </a:r>
+            <a:endParaRPr lang="en-US" dirty="0"/>
+          </a:p>
+        </p:txBody>
+      </p:sp>
+      <p:sp>
+        <p:nvSpPr>
+          <p:cNvPr id="6" name="Slide Number Placeholder 5">
+            <a:extLst>
+              <a:ext uri="{FF2B5EF4-FFF2-40B4-BE49-F238E27FC236}">
+                <a16:creationId xmlns:a16="http://schemas.microsoft.com/office/drawing/2014/main" id="{FE1E6B8A-86A7-4271-AD53-EA475A5972F7}"/>
+              </a:ext>
+            </a:extLst>
+          </p:cNvPr>
+          <p:cNvSpPr>
+            <a:spLocks noGrp="1"/>
+          </p:cNvSpPr>
+          <p:nvPr>
+            <p:ph type="sldNum" sz="quarter" idx="12"/>
+          </p:nvPr>
+        </p:nvSpPr>
+        <p:spPr/>
+        <p:txBody>
+          <a:bodyPr/>
+          <a:lstStyle/>
+          <a:p>
+            <a:fld id="{D57F1E4F-1CFF-5643-939E-02111984F565}" type="slidenum">
+              <a:rPr lang="en-US" smtClean="0"/>
+              <a:t>17</a:t>
+            </a:fld>
+            <a:endParaRPr lang="en-US" dirty="0"/>
+          </a:p>
+        </p:txBody>
+      </p:sp>
+    </p:spTree>
+    <p:extLst>
+      <p:ext uri="{BB962C8B-B14F-4D97-AF65-F5344CB8AC3E}">
+        <p14:creationId xmlns:p14="http://schemas.microsoft.com/office/powerpoint/2010/main" val="773067360"/>
+      </p:ext>
+    </p:extLst>
+  </p:cSld>
+  <p:clrMapOvr>
+    <a:masterClrMapping/>
+  </p:clrMapOvr>
+</p:sld>
+</file>
+
+<file path=ppt/slides/slide18.xml><?xml version="1.0" encoding="utf-8"?>
+<p:sld xmlns:a="http://schemas.openxmlformats.org/drawingml/2006/main" xmlns:r="http://schemas.openxmlformats.org/officeDocument/2006/relationships" xmlns:p="http://schemas.openxmlformats.org/presentationml/2006/main">
+  <p:cSld>
+    <p:spTree>
+      <p:nvGrpSpPr>
+        <p:cNvPr id="1" name=""/>
+        <p:cNvGrpSpPr/>
+        <p:nvPr/>
+      </p:nvGrpSpPr>
+      <p:grpSpPr>
+        <a:xfrm>
+          <a:off x="0" y="0"/>
+          <a:ext cx="0" cy="0"/>
+          <a:chOff x="0" y="0"/>
+          <a:chExt cx="0" cy="0"/>
+        </a:xfrm>
+      </p:grpSpPr>
+      <p:sp>
+        <p:nvSpPr>
+          <p:cNvPr id="2" name="Title 1">
+            <a:extLst>
+              <a:ext uri="{FF2B5EF4-FFF2-40B4-BE49-F238E27FC236}">
+                <a16:creationId xmlns:a16="http://schemas.microsoft.com/office/drawing/2014/main" id="{9F7FE4A7-44B8-4AF2-8CD7-D2F4583FDEFC}"/>
+              </a:ext>
+            </a:extLst>
+          </p:cNvPr>
+          <p:cNvSpPr>
+            <a:spLocks noGrp="1"/>
+          </p:cNvSpPr>
+          <p:nvPr>
+            <p:ph type="title"/>
+          </p:nvPr>
+        </p:nvSpPr>
+        <p:spPr/>
+        <p:txBody>
+          <a:bodyPr/>
+          <a:lstStyle/>
+          <a:p>
+            <a:r>
+              <a:rPr lang="en-US" dirty="0"/>
+              <a:t>JOIN / MERGE</a:t>
+            </a:r>
+          </a:p>
+        </p:txBody>
+      </p:sp>
+      <p:sp>
+        <p:nvSpPr>
+          <p:cNvPr id="3" name="Content Placeholder 2">
+            <a:extLst>
+              <a:ext uri="{FF2B5EF4-FFF2-40B4-BE49-F238E27FC236}">
+                <a16:creationId xmlns:a16="http://schemas.microsoft.com/office/drawing/2014/main" id="{AE979079-854B-411C-B824-947E44C14007}"/>
+              </a:ext>
+            </a:extLst>
+          </p:cNvPr>
+          <p:cNvSpPr>
+            <a:spLocks noGrp="1"/>
+          </p:cNvSpPr>
+          <p:nvPr>
+            <p:ph idx="1"/>
+          </p:nvPr>
+        </p:nvSpPr>
+        <p:spPr/>
+        <p:txBody>
+          <a:bodyPr/>
+          <a:lstStyle/>
+          <a:p>
+            <a:endParaRPr lang="en-US"/>
+          </a:p>
+        </p:txBody>
+      </p:sp>
+      <p:sp>
+        <p:nvSpPr>
+          <p:cNvPr id="4" name="Date Placeholder 3">
+            <a:extLst>
+              <a:ext uri="{FF2B5EF4-FFF2-40B4-BE49-F238E27FC236}">
+                <a16:creationId xmlns:a16="http://schemas.microsoft.com/office/drawing/2014/main" id="{D3FFBF28-A0DD-44D1-99BD-6CDDA65C79F9}"/>
+              </a:ext>
+            </a:extLst>
+          </p:cNvPr>
+          <p:cNvSpPr>
+            <a:spLocks noGrp="1"/>
+          </p:cNvSpPr>
+          <p:nvPr>
+            <p:ph type="dt" sz="half" idx="10"/>
+          </p:nvPr>
+        </p:nvSpPr>
+        <p:spPr/>
+        <p:txBody>
+          <a:bodyPr/>
+          <a:lstStyle/>
+          <a:p>
+            <a:fld id="{8AAE40A0-A7D8-4DC3-BC9E-BADA32DA2004}" type="datetime4">
+              <a:rPr lang="en-US" smtClean="0"/>
+              <a:t>July 7, 2019</a:t>
+            </a:fld>
+            <a:endParaRPr lang="en-US" dirty="0"/>
+          </a:p>
+        </p:txBody>
+      </p:sp>
+      <p:sp>
+        <p:nvSpPr>
+          <p:cNvPr id="5" name="Footer Placeholder 4">
+            <a:extLst>
+              <a:ext uri="{FF2B5EF4-FFF2-40B4-BE49-F238E27FC236}">
+                <a16:creationId xmlns:a16="http://schemas.microsoft.com/office/drawing/2014/main" id="{98666681-CDCF-4CCC-998D-14B77E6C232E}"/>
+              </a:ext>
+            </a:extLst>
+          </p:cNvPr>
+          <p:cNvSpPr>
+            <a:spLocks noGrp="1"/>
+          </p:cNvSpPr>
+          <p:nvPr>
+            <p:ph type="ftr" sz="quarter" idx="11"/>
+          </p:nvPr>
+        </p:nvSpPr>
+        <p:spPr/>
+        <p:txBody>
+          <a:bodyPr/>
+          <a:lstStyle/>
+          <a:p>
+            <a:r>
+              <a:rPr lang="en-US"/>
+              <a:t>Digital Scholarship Services </a:t>
+            </a:r>
+            <a:r>
+              <a:rPr lang="en-US">
+                <a:solidFill>
+                  <a:schemeClr val="accent1">
+                    <a:lumMod val="50000"/>
+                  </a:schemeClr>
+                </a:solidFill>
+              </a:rPr>
+              <a:t>| Email</a:t>
+            </a:r>
+            <a:r>
+              <a:rPr lang="en-US"/>
+              <a:t> cf24@rice.edu </a:t>
+            </a:r>
+            <a:r>
+              <a:rPr lang="en-US">
+                <a:solidFill>
+                  <a:schemeClr val="accent1">
+                    <a:lumMod val="50000"/>
+                  </a:schemeClr>
+                </a:solidFill>
+              </a:rPr>
+              <a:t>|</a:t>
+            </a:r>
+            <a:r>
+              <a:rPr lang="en-US"/>
+              <a:t> library.rice.edu/dss</a:t>
+            </a:r>
+            <a:endParaRPr lang="en-US" dirty="0"/>
+          </a:p>
+        </p:txBody>
+      </p:sp>
+      <p:sp>
+        <p:nvSpPr>
+          <p:cNvPr id="6" name="Slide Number Placeholder 5">
+            <a:extLst>
+              <a:ext uri="{FF2B5EF4-FFF2-40B4-BE49-F238E27FC236}">
+                <a16:creationId xmlns:a16="http://schemas.microsoft.com/office/drawing/2014/main" id="{DDCEAA25-7DC0-4506-9B3F-554960FA4943}"/>
+              </a:ext>
+            </a:extLst>
+          </p:cNvPr>
+          <p:cNvSpPr>
+            <a:spLocks noGrp="1"/>
+          </p:cNvSpPr>
+          <p:nvPr>
+            <p:ph type="sldNum" sz="quarter" idx="12"/>
+          </p:nvPr>
+        </p:nvSpPr>
+        <p:spPr/>
+        <p:txBody>
+          <a:bodyPr/>
+          <a:lstStyle/>
+          <a:p>
+            <a:fld id="{D57F1E4F-1CFF-5643-939E-02111984F565}" type="slidenum">
+              <a:rPr lang="en-US" smtClean="0"/>
+              <a:t>18</a:t>
+            </a:fld>
+            <a:endParaRPr lang="en-US" dirty="0"/>
+          </a:p>
+        </p:txBody>
+      </p:sp>
+    </p:spTree>
+    <p:extLst>
+      <p:ext uri="{BB962C8B-B14F-4D97-AF65-F5344CB8AC3E}">
+        <p14:creationId xmlns:p14="http://schemas.microsoft.com/office/powerpoint/2010/main" val="129508627"/>
+      </p:ext>
+    </p:extLst>
+  </p:cSld>
+  <p:clrMapOvr>
+    <a:masterClrMapping/>
+  </p:clrMapOvr>
+</p:sld>
+</file>
+
+<file path=ppt/slides/slide19.xml><?xml version="1.0" encoding="utf-8"?>
+<p:sld xmlns:a="http://schemas.openxmlformats.org/drawingml/2006/main" xmlns:r="http://schemas.openxmlformats.org/officeDocument/2006/relationships" xmlns:p="http://schemas.openxmlformats.org/presentationml/2006/main">
+  <p:cSld>
+    <p:spTree>
+      <p:nvGrpSpPr>
+        <p:cNvPr id="1" name=""/>
+        <p:cNvGrpSpPr/>
+        <p:nvPr/>
+      </p:nvGrpSpPr>
+      <p:grpSpPr>
+        <a:xfrm>
+          <a:off x="0" y="0"/>
+          <a:ext cx="0" cy="0"/>
+          <a:chOff x="0" y="0"/>
+          <a:chExt cx="0" cy="0"/>
+        </a:xfrm>
+      </p:grpSpPr>
+      <p:sp>
+        <p:nvSpPr>
+          <p:cNvPr id="2" name="Title 1">
+            <a:extLst>
+              <a:ext uri="{FF2B5EF4-FFF2-40B4-BE49-F238E27FC236}">
+                <a16:creationId xmlns:a16="http://schemas.microsoft.com/office/drawing/2014/main" id="{49F1C6FE-E79C-4C80-88FE-72C34F9CA94F}"/>
+              </a:ext>
+            </a:extLst>
+          </p:cNvPr>
+          <p:cNvSpPr>
+            <a:spLocks noGrp="1"/>
+          </p:cNvSpPr>
+          <p:nvPr>
+            <p:ph type="title"/>
+          </p:nvPr>
+        </p:nvSpPr>
+        <p:spPr/>
+        <p:txBody>
+          <a:bodyPr/>
+          <a:lstStyle/>
+          <a:p>
+            <a:r>
+              <a:rPr lang="en-US" dirty="0"/>
+              <a:t>ARRANGE</a:t>
+            </a:r>
+          </a:p>
+        </p:txBody>
+      </p:sp>
+      <p:sp>
+        <p:nvSpPr>
+          <p:cNvPr id="3" name="Content Placeholder 2">
+            <a:extLst>
+              <a:ext uri="{FF2B5EF4-FFF2-40B4-BE49-F238E27FC236}">
+                <a16:creationId xmlns:a16="http://schemas.microsoft.com/office/drawing/2014/main" id="{76521A6E-EBE5-4696-830C-DB21AF26D609}"/>
+              </a:ext>
+            </a:extLst>
+          </p:cNvPr>
+          <p:cNvSpPr>
+            <a:spLocks noGrp="1"/>
+          </p:cNvSpPr>
+          <p:nvPr>
+            <p:ph idx="1"/>
+          </p:nvPr>
+        </p:nvSpPr>
+        <p:spPr/>
+        <p:txBody>
+          <a:bodyPr/>
+          <a:lstStyle/>
+          <a:p>
+            <a:endParaRPr lang="en-US"/>
+          </a:p>
+        </p:txBody>
+      </p:sp>
+      <p:sp>
+        <p:nvSpPr>
+          <p:cNvPr id="4" name="Date Placeholder 3">
+            <a:extLst>
+              <a:ext uri="{FF2B5EF4-FFF2-40B4-BE49-F238E27FC236}">
+                <a16:creationId xmlns:a16="http://schemas.microsoft.com/office/drawing/2014/main" id="{A72BADC7-C4F0-4682-AB40-262467FD519D}"/>
+              </a:ext>
+            </a:extLst>
+          </p:cNvPr>
+          <p:cNvSpPr>
+            <a:spLocks noGrp="1"/>
+          </p:cNvSpPr>
+          <p:nvPr>
+            <p:ph type="dt" sz="half" idx="10"/>
+          </p:nvPr>
+        </p:nvSpPr>
+        <p:spPr/>
+        <p:txBody>
+          <a:bodyPr/>
+          <a:lstStyle/>
+          <a:p>
+            <a:fld id="{8AAE40A0-A7D8-4DC3-BC9E-BADA32DA2004}" type="datetime4">
+              <a:rPr lang="en-US" smtClean="0"/>
+              <a:t>July 7, 2019</a:t>
+            </a:fld>
+            <a:endParaRPr lang="en-US" dirty="0"/>
+          </a:p>
+        </p:txBody>
+      </p:sp>
+      <p:sp>
+        <p:nvSpPr>
+          <p:cNvPr id="5" name="Footer Placeholder 4">
+            <a:extLst>
+              <a:ext uri="{FF2B5EF4-FFF2-40B4-BE49-F238E27FC236}">
+                <a16:creationId xmlns:a16="http://schemas.microsoft.com/office/drawing/2014/main" id="{E8040E38-D198-41BA-A22B-F75B4D934AB4}"/>
+              </a:ext>
+            </a:extLst>
+          </p:cNvPr>
+          <p:cNvSpPr>
+            <a:spLocks noGrp="1"/>
+          </p:cNvSpPr>
+          <p:nvPr>
+            <p:ph type="ftr" sz="quarter" idx="11"/>
+          </p:nvPr>
+        </p:nvSpPr>
+        <p:spPr/>
+        <p:txBody>
+          <a:bodyPr/>
+          <a:lstStyle/>
+          <a:p>
+            <a:r>
+              <a:rPr lang="en-US"/>
+              <a:t>Digital Scholarship Services </a:t>
+            </a:r>
+            <a:r>
+              <a:rPr lang="en-US">
+                <a:solidFill>
+                  <a:schemeClr val="accent1">
+                    <a:lumMod val="50000"/>
+                  </a:schemeClr>
+                </a:solidFill>
+              </a:rPr>
+              <a:t>| Email</a:t>
+            </a:r>
+            <a:r>
+              <a:rPr lang="en-US"/>
+              <a:t> cf24@rice.edu </a:t>
+            </a:r>
+            <a:r>
+              <a:rPr lang="en-US">
+                <a:solidFill>
+                  <a:schemeClr val="accent1">
+                    <a:lumMod val="50000"/>
+                  </a:schemeClr>
+                </a:solidFill>
+              </a:rPr>
+              <a:t>|</a:t>
+            </a:r>
+            <a:r>
+              <a:rPr lang="en-US"/>
+              <a:t> library.rice.edu/dss</a:t>
+            </a:r>
+            <a:endParaRPr lang="en-US" dirty="0"/>
+          </a:p>
+        </p:txBody>
+      </p:sp>
+      <p:sp>
+        <p:nvSpPr>
+          <p:cNvPr id="6" name="Slide Number Placeholder 5">
+            <a:extLst>
+              <a:ext uri="{FF2B5EF4-FFF2-40B4-BE49-F238E27FC236}">
+                <a16:creationId xmlns:a16="http://schemas.microsoft.com/office/drawing/2014/main" id="{AA36146F-7E0F-4CA1-971D-E4BDF0481FFD}"/>
+              </a:ext>
+            </a:extLst>
+          </p:cNvPr>
+          <p:cNvSpPr>
+            <a:spLocks noGrp="1"/>
+          </p:cNvSpPr>
+          <p:nvPr>
+            <p:ph type="sldNum" sz="quarter" idx="12"/>
+          </p:nvPr>
+        </p:nvSpPr>
+        <p:spPr/>
+        <p:txBody>
+          <a:bodyPr/>
+          <a:lstStyle/>
+          <a:p>
+            <a:fld id="{D57F1E4F-1CFF-5643-939E-02111984F565}" type="slidenum">
+              <a:rPr lang="en-US" smtClean="0"/>
+              <a:t>19</a:t>
+            </a:fld>
+            <a:endParaRPr lang="en-US" dirty="0"/>
+          </a:p>
+        </p:txBody>
+      </p:sp>
+    </p:spTree>
+    <p:extLst>
+      <p:ext uri="{BB962C8B-B14F-4D97-AF65-F5344CB8AC3E}">
+        <p14:creationId xmlns:p14="http://schemas.microsoft.com/office/powerpoint/2010/main" val="864970109"/>
       </p:ext>
     </p:extLst>
   </p:cSld>
@@ -8336,7 +9360,7 @@
           <a:p>
             <a:r>
               <a:rPr lang="en-US" dirty="0"/>
-              <a:t>Simple and attractive data packages</a:t>
+              <a:t>Simple and attractive packages</a:t>
             </a:r>
           </a:p>
         </p:txBody>
@@ -8364,7 +9388,7 @@
           <a:p>
             <a:fld id="{8AAE40A0-A7D8-4DC3-BC9E-BADA32DA2004}" type="datetime4">
               <a:rPr lang="en-US" smtClean="0"/>
-              <a:t>June 25, 2019</a:t>
+              <a:t>July 7, 2019</a:t>
             </a:fld>
             <a:endParaRPr lang="en-US" dirty="0"/>
           </a:p>
@@ -8460,6 +9484,1996 @@
     <p:extLst>
       <p:ext uri="{BB962C8B-B14F-4D97-AF65-F5344CB8AC3E}">
         <p14:creationId xmlns:p14="http://schemas.microsoft.com/office/powerpoint/2010/main" val="1352389852"/>
+      </p:ext>
+    </p:extLst>
+  </p:cSld>
+  <p:clrMapOvr>
+    <a:masterClrMapping/>
+  </p:clrMapOvr>
+</p:sld>
+</file>
+
+<file path=ppt/slides/slide20.xml><?xml version="1.0" encoding="utf-8"?>
+<p:sld xmlns:a="http://schemas.openxmlformats.org/drawingml/2006/main" xmlns:r="http://schemas.openxmlformats.org/officeDocument/2006/relationships" xmlns:p="http://schemas.openxmlformats.org/presentationml/2006/main">
+  <p:cSld>
+    <p:spTree>
+      <p:nvGrpSpPr>
+        <p:cNvPr id="1" name=""/>
+        <p:cNvGrpSpPr/>
+        <p:nvPr/>
+      </p:nvGrpSpPr>
+      <p:grpSpPr>
+        <a:xfrm>
+          <a:off x="0" y="0"/>
+          <a:ext cx="0" cy="0"/>
+          <a:chOff x="0" y="0"/>
+          <a:chExt cx="0" cy="0"/>
+        </a:xfrm>
+      </p:grpSpPr>
+      <p:sp>
+        <p:nvSpPr>
+          <p:cNvPr id="2" name="Title 1">
+            <a:extLst>
+              <a:ext uri="{FF2B5EF4-FFF2-40B4-BE49-F238E27FC236}">
+                <a16:creationId xmlns:a16="http://schemas.microsoft.com/office/drawing/2014/main" id="{5D1687A0-6F31-4A21-ACD0-FE8A0EAF8C89}"/>
+              </a:ext>
+            </a:extLst>
+          </p:cNvPr>
+          <p:cNvSpPr>
+            <a:spLocks noGrp="1"/>
+          </p:cNvSpPr>
+          <p:nvPr>
+            <p:ph type="title"/>
+          </p:nvPr>
+        </p:nvSpPr>
+        <p:spPr/>
+        <p:txBody>
+          <a:bodyPr/>
+          <a:lstStyle/>
+          <a:p>
+            <a:r>
+              <a:rPr lang="en-US" dirty="0"/>
+              <a:t>THE PIPE</a:t>
+            </a:r>
+          </a:p>
+        </p:txBody>
+      </p:sp>
+      <p:sp>
+        <p:nvSpPr>
+          <p:cNvPr id="3" name="Content Placeholder 2">
+            <a:extLst>
+              <a:ext uri="{FF2B5EF4-FFF2-40B4-BE49-F238E27FC236}">
+                <a16:creationId xmlns:a16="http://schemas.microsoft.com/office/drawing/2014/main" id="{89088887-9B0E-44EE-96AD-018B60F0FC71}"/>
+              </a:ext>
+            </a:extLst>
+          </p:cNvPr>
+          <p:cNvSpPr>
+            <a:spLocks noGrp="1"/>
+          </p:cNvSpPr>
+          <p:nvPr>
+            <p:ph idx="1"/>
+          </p:nvPr>
+        </p:nvSpPr>
+        <p:spPr/>
+        <p:txBody>
+          <a:bodyPr/>
+          <a:lstStyle/>
+          <a:p>
+            <a:endParaRPr lang="en-US"/>
+          </a:p>
+        </p:txBody>
+      </p:sp>
+      <p:sp>
+        <p:nvSpPr>
+          <p:cNvPr id="4" name="Date Placeholder 3">
+            <a:extLst>
+              <a:ext uri="{FF2B5EF4-FFF2-40B4-BE49-F238E27FC236}">
+                <a16:creationId xmlns:a16="http://schemas.microsoft.com/office/drawing/2014/main" id="{A8BA16B2-C60B-487F-B375-1D39D8DE5708}"/>
+              </a:ext>
+            </a:extLst>
+          </p:cNvPr>
+          <p:cNvSpPr>
+            <a:spLocks noGrp="1"/>
+          </p:cNvSpPr>
+          <p:nvPr>
+            <p:ph type="dt" sz="half" idx="10"/>
+          </p:nvPr>
+        </p:nvSpPr>
+        <p:spPr/>
+        <p:txBody>
+          <a:bodyPr/>
+          <a:lstStyle/>
+          <a:p>
+            <a:fld id="{8AAE40A0-A7D8-4DC3-BC9E-BADA32DA2004}" type="datetime4">
+              <a:rPr lang="en-US" smtClean="0"/>
+              <a:t>July 7, 2019</a:t>
+            </a:fld>
+            <a:endParaRPr lang="en-US" dirty="0"/>
+          </a:p>
+        </p:txBody>
+      </p:sp>
+      <p:sp>
+        <p:nvSpPr>
+          <p:cNvPr id="5" name="Footer Placeholder 4">
+            <a:extLst>
+              <a:ext uri="{FF2B5EF4-FFF2-40B4-BE49-F238E27FC236}">
+                <a16:creationId xmlns:a16="http://schemas.microsoft.com/office/drawing/2014/main" id="{CBA90653-BBD4-4EE6-A72C-B74A92C1117B}"/>
+              </a:ext>
+            </a:extLst>
+          </p:cNvPr>
+          <p:cNvSpPr>
+            <a:spLocks noGrp="1"/>
+          </p:cNvSpPr>
+          <p:nvPr>
+            <p:ph type="ftr" sz="quarter" idx="11"/>
+          </p:nvPr>
+        </p:nvSpPr>
+        <p:spPr/>
+        <p:txBody>
+          <a:bodyPr/>
+          <a:lstStyle/>
+          <a:p>
+            <a:r>
+              <a:rPr lang="en-US"/>
+              <a:t>Digital Scholarship Services </a:t>
+            </a:r>
+            <a:r>
+              <a:rPr lang="en-US">
+                <a:solidFill>
+                  <a:schemeClr val="accent1">
+                    <a:lumMod val="50000"/>
+                  </a:schemeClr>
+                </a:solidFill>
+              </a:rPr>
+              <a:t>| Email</a:t>
+            </a:r>
+            <a:r>
+              <a:rPr lang="en-US"/>
+              <a:t> cf24@rice.edu </a:t>
+            </a:r>
+            <a:r>
+              <a:rPr lang="en-US">
+                <a:solidFill>
+                  <a:schemeClr val="accent1">
+                    <a:lumMod val="50000"/>
+                  </a:schemeClr>
+                </a:solidFill>
+              </a:rPr>
+              <a:t>|</a:t>
+            </a:r>
+            <a:r>
+              <a:rPr lang="en-US"/>
+              <a:t> library.rice.edu/dss</a:t>
+            </a:r>
+            <a:endParaRPr lang="en-US" dirty="0"/>
+          </a:p>
+        </p:txBody>
+      </p:sp>
+      <p:sp>
+        <p:nvSpPr>
+          <p:cNvPr id="6" name="Slide Number Placeholder 5">
+            <a:extLst>
+              <a:ext uri="{FF2B5EF4-FFF2-40B4-BE49-F238E27FC236}">
+                <a16:creationId xmlns:a16="http://schemas.microsoft.com/office/drawing/2014/main" id="{67700C04-F127-4514-B7CF-AEEB3F541378}"/>
+              </a:ext>
+            </a:extLst>
+          </p:cNvPr>
+          <p:cNvSpPr>
+            <a:spLocks noGrp="1"/>
+          </p:cNvSpPr>
+          <p:nvPr>
+            <p:ph type="sldNum" sz="quarter" idx="12"/>
+          </p:nvPr>
+        </p:nvSpPr>
+        <p:spPr/>
+        <p:txBody>
+          <a:bodyPr/>
+          <a:lstStyle/>
+          <a:p>
+            <a:fld id="{D57F1E4F-1CFF-5643-939E-02111984F565}" type="slidenum">
+              <a:rPr lang="en-US" smtClean="0"/>
+              <a:t>20</a:t>
+            </a:fld>
+            <a:endParaRPr lang="en-US" dirty="0"/>
+          </a:p>
+        </p:txBody>
+      </p:sp>
+    </p:spTree>
+    <p:extLst>
+      <p:ext uri="{BB962C8B-B14F-4D97-AF65-F5344CB8AC3E}">
+        <p14:creationId xmlns:p14="http://schemas.microsoft.com/office/powerpoint/2010/main" val="1580853764"/>
+      </p:ext>
+    </p:extLst>
+  </p:cSld>
+  <p:clrMapOvr>
+    <a:masterClrMapping/>
+  </p:clrMapOvr>
+</p:sld>
+</file>
+
+<file path=ppt/slides/slide21.xml><?xml version="1.0" encoding="utf-8"?>
+<p:sld xmlns:a="http://schemas.openxmlformats.org/drawingml/2006/main" xmlns:r="http://schemas.openxmlformats.org/officeDocument/2006/relationships" xmlns:p="http://schemas.openxmlformats.org/presentationml/2006/main">
+  <p:cSld>
+    <p:spTree>
+      <p:nvGrpSpPr>
+        <p:cNvPr id="1" name=""/>
+        <p:cNvGrpSpPr/>
+        <p:nvPr/>
+      </p:nvGrpSpPr>
+      <p:grpSpPr>
+        <a:xfrm>
+          <a:off x="0" y="0"/>
+          <a:ext cx="0" cy="0"/>
+          <a:chOff x="0" y="0"/>
+          <a:chExt cx="0" cy="0"/>
+        </a:xfrm>
+      </p:grpSpPr>
+      <p:sp>
+        <p:nvSpPr>
+          <p:cNvPr id="7" name="Title 6">
+            <a:extLst>
+              <a:ext uri="{FF2B5EF4-FFF2-40B4-BE49-F238E27FC236}">
+                <a16:creationId xmlns:a16="http://schemas.microsoft.com/office/drawing/2014/main" id="{F9B622D1-34BF-44D8-BDC0-3D31803EC1C8}"/>
+              </a:ext>
+            </a:extLst>
+          </p:cNvPr>
+          <p:cNvSpPr>
+            <a:spLocks noGrp="1"/>
+          </p:cNvSpPr>
+          <p:nvPr>
+            <p:ph type="title"/>
+          </p:nvPr>
+        </p:nvSpPr>
+        <p:spPr/>
+        <p:txBody>
+          <a:bodyPr/>
+          <a:lstStyle/>
+          <a:p>
+            <a:r>
+              <a:rPr lang="en-US" dirty="0"/>
+              <a:t>VISUALIZING DATA</a:t>
+            </a:r>
+            <a:br>
+              <a:rPr lang="en-US" dirty="0"/>
+            </a:br>
+            <a:r>
+              <a:rPr lang="en-US" dirty="0"/>
+              <a:t>WITH GGPLOT2</a:t>
+            </a:r>
+          </a:p>
+        </p:txBody>
+      </p:sp>
+      <p:sp>
+        <p:nvSpPr>
+          <p:cNvPr id="8" name="Text Placeholder 7">
+            <a:extLst>
+              <a:ext uri="{FF2B5EF4-FFF2-40B4-BE49-F238E27FC236}">
+                <a16:creationId xmlns:a16="http://schemas.microsoft.com/office/drawing/2014/main" id="{DD6D9B92-0C9B-4797-BC66-E014C6A328D0}"/>
+              </a:ext>
+            </a:extLst>
+          </p:cNvPr>
+          <p:cNvSpPr>
+            <a:spLocks noGrp="1"/>
+          </p:cNvSpPr>
+          <p:nvPr>
+            <p:ph type="body" idx="1"/>
+          </p:nvPr>
+        </p:nvSpPr>
+        <p:spPr/>
+        <p:txBody>
+          <a:bodyPr/>
+          <a:lstStyle/>
+          <a:p>
+            <a:r>
+              <a:rPr lang="en-US" dirty="0"/>
+              <a:t>Versatile and customizable plotting</a:t>
+            </a:r>
+          </a:p>
+        </p:txBody>
+      </p:sp>
+      <p:sp>
+        <p:nvSpPr>
+          <p:cNvPr id="4" name="Date Placeholder 3">
+            <a:extLst>
+              <a:ext uri="{FF2B5EF4-FFF2-40B4-BE49-F238E27FC236}">
+                <a16:creationId xmlns:a16="http://schemas.microsoft.com/office/drawing/2014/main" id="{7F0C02FB-F57E-4A39-8820-BCD7DA0FA681}"/>
+              </a:ext>
+            </a:extLst>
+          </p:cNvPr>
+          <p:cNvSpPr>
+            <a:spLocks noGrp="1"/>
+          </p:cNvSpPr>
+          <p:nvPr>
+            <p:ph type="dt" sz="half" idx="10"/>
+          </p:nvPr>
+        </p:nvSpPr>
+        <p:spPr/>
+        <p:txBody>
+          <a:bodyPr/>
+          <a:lstStyle/>
+          <a:p>
+            <a:fld id="{8AAE40A0-A7D8-4DC3-BC9E-BADA32DA2004}" type="datetime4">
+              <a:rPr lang="en-US" smtClean="0"/>
+              <a:t>July 7, 2019</a:t>
+            </a:fld>
+            <a:endParaRPr lang="en-US" dirty="0"/>
+          </a:p>
+        </p:txBody>
+      </p:sp>
+      <p:sp>
+        <p:nvSpPr>
+          <p:cNvPr id="5" name="Footer Placeholder 4">
+            <a:extLst>
+              <a:ext uri="{FF2B5EF4-FFF2-40B4-BE49-F238E27FC236}">
+                <a16:creationId xmlns:a16="http://schemas.microsoft.com/office/drawing/2014/main" id="{7392278C-B6CF-46D2-A2D7-DB522B8FD6BB}"/>
+              </a:ext>
+            </a:extLst>
+          </p:cNvPr>
+          <p:cNvSpPr>
+            <a:spLocks noGrp="1"/>
+          </p:cNvSpPr>
+          <p:nvPr>
+            <p:ph type="ftr" sz="quarter" idx="11"/>
+          </p:nvPr>
+        </p:nvSpPr>
+        <p:spPr/>
+        <p:txBody>
+          <a:bodyPr/>
+          <a:lstStyle/>
+          <a:p>
+            <a:r>
+              <a:rPr lang="en-US"/>
+              <a:t>Digital Scholarship Services </a:t>
+            </a:r>
+            <a:r>
+              <a:rPr lang="en-US">
+                <a:solidFill>
+                  <a:schemeClr val="accent1">
+                    <a:lumMod val="50000"/>
+                  </a:schemeClr>
+                </a:solidFill>
+              </a:rPr>
+              <a:t>| Email</a:t>
+            </a:r>
+            <a:r>
+              <a:rPr lang="en-US"/>
+              <a:t> cf24@rice.edu </a:t>
+            </a:r>
+            <a:r>
+              <a:rPr lang="en-US">
+                <a:solidFill>
+                  <a:schemeClr val="accent1">
+                    <a:lumMod val="50000"/>
+                  </a:schemeClr>
+                </a:solidFill>
+              </a:rPr>
+              <a:t>|</a:t>
+            </a:r>
+            <a:r>
+              <a:rPr lang="en-US"/>
+              <a:t> library.rice.edu/dss</a:t>
+            </a:r>
+            <a:endParaRPr lang="en-US" dirty="0"/>
+          </a:p>
+        </p:txBody>
+      </p:sp>
+      <p:sp>
+        <p:nvSpPr>
+          <p:cNvPr id="6" name="Slide Number Placeholder 5">
+            <a:extLst>
+              <a:ext uri="{FF2B5EF4-FFF2-40B4-BE49-F238E27FC236}">
+                <a16:creationId xmlns:a16="http://schemas.microsoft.com/office/drawing/2014/main" id="{E0E072A8-158A-417B-B985-B4D802B5C32D}"/>
+              </a:ext>
+            </a:extLst>
+          </p:cNvPr>
+          <p:cNvSpPr>
+            <a:spLocks noGrp="1"/>
+          </p:cNvSpPr>
+          <p:nvPr>
+            <p:ph type="sldNum" sz="quarter" idx="12"/>
+          </p:nvPr>
+        </p:nvSpPr>
+        <p:spPr/>
+        <p:txBody>
+          <a:bodyPr/>
+          <a:lstStyle/>
+          <a:p>
+            <a:fld id="{D57F1E4F-1CFF-5643-939E-02111984F565}" type="slidenum">
+              <a:rPr lang="en-US" smtClean="0"/>
+              <a:t>21</a:t>
+            </a:fld>
+            <a:endParaRPr lang="en-US" dirty="0"/>
+          </a:p>
+        </p:txBody>
+      </p:sp>
+    </p:spTree>
+    <p:extLst>
+      <p:ext uri="{BB962C8B-B14F-4D97-AF65-F5344CB8AC3E}">
+        <p14:creationId xmlns:p14="http://schemas.microsoft.com/office/powerpoint/2010/main" val="2922848558"/>
+      </p:ext>
+    </p:extLst>
+  </p:cSld>
+  <p:clrMapOvr>
+    <a:masterClrMapping/>
+  </p:clrMapOvr>
+</p:sld>
+</file>
+
+<file path=ppt/slides/slide22.xml><?xml version="1.0" encoding="utf-8"?>
+<p:sld xmlns:a="http://schemas.openxmlformats.org/drawingml/2006/main" xmlns:r="http://schemas.openxmlformats.org/officeDocument/2006/relationships" xmlns:p="http://schemas.openxmlformats.org/presentationml/2006/main">
+  <p:cSld>
+    <p:spTree>
+      <p:nvGrpSpPr>
+        <p:cNvPr id="1" name=""/>
+        <p:cNvGrpSpPr/>
+        <p:nvPr/>
+      </p:nvGrpSpPr>
+      <p:grpSpPr>
+        <a:xfrm>
+          <a:off x="0" y="0"/>
+          <a:ext cx="0" cy="0"/>
+          <a:chOff x="0" y="0"/>
+          <a:chExt cx="0" cy="0"/>
+        </a:xfrm>
+      </p:grpSpPr>
+      <p:sp>
+        <p:nvSpPr>
+          <p:cNvPr id="2" name="Title 1">
+            <a:extLst>
+              <a:ext uri="{FF2B5EF4-FFF2-40B4-BE49-F238E27FC236}">
+                <a16:creationId xmlns:a16="http://schemas.microsoft.com/office/drawing/2014/main" id="{8BB31801-2E3E-485F-82B8-81F94CAC0E69}"/>
+              </a:ext>
+            </a:extLst>
+          </p:cNvPr>
+          <p:cNvSpPr>
+            <a:spLocks noGrp="1"/>
+          </p:cNvSpPr>
+          <p:nvPr>
+            <p:ph type="title"/>
+          </p:nvPr>
+        </p:nvSpPr>
+        <p:spPr/>
+        <p:txBody>
+          <a:bodyPr/>
+          <a:lstStyle/>
+          <a:p>
+            <a:r>
+              <a:rPr lang="en-US" dirty="0"/>
+              <a:t>THE LAYERED PLOTTING MODEL</a:t>
+            </a:r>
+          </a:p>
+        </p:txBody>
+      </p:sp>
+      <p:sp>
+        <p:nvSpPr>
+          <p:cNvPr id="3" name="Content Placeholder 2">
+            <a:extLst>
+              <a:ext uri="{FF2B5EF4-FFF2-40B4-BE49-F238E27FC236}">
+                <a16:creationId xmlns:a16="http://schemas.microsoft.com/office/drawing/2014/main" id="{390EC6AF-F6AE-4708-966A-6ECE19BE5BC6}"/>
+              </a:ext>
+            </a:extLst>
+          </p:cNvPr>
+          <p:cNvSpPr>
+            <a:spLocks noGrp="1"/>
+          </p:cNvSpPr>
+          <p:nvPr>
+            <p:ph idx="1"/>
+          </p:nvPr>
+        </p:nvSpPr>
+        <p:spPr/>
+        <p:txBody>
+          <a:bodyPr/>
+          <a:lstStyle/>
+          <a:p>
+            <a:endParaRPr lang="en-US"/>
+          </a:p>
+        </p:txBody>
+      </p:sp>
+      <p:sp>
+        <p:nvSpPr>
+          <p:cNvPr id="4" name="Date Placeholder 3">
+            <a:extLst>
+              <a:ext uri="{FF2B5EF4-FFF2-40B4-BE49-F238E27FC236}">
+                <a16:creationId xmlns:a16="http://schemas.microsoft.com/office/drawing/2014/main" id="{FFAAEF07-9EEF-437A-AC4E-2B14BC28A3D5}"/>
+              </a:ext>
+            </a:extLst>
+          </p:cNvPr>
+          <p:cNvSpPr>
+            <a:spLocks noGrp="1"/>
+          </p:cNvSpPr>
+          <p:nvPr>
+            <p:ph type="dt" sz="half" idx="10"/>
+          </p:nvPr>
+        </p:nvSpPr>
+        <p:spPr/>
+        <p:txBody>
+          <a:bodyPr/>
+          <a:lstStyle/>
+          <a:p>
+            <a:fld id="{8AAE40A0-A7D8-4DC3-BC9E-BADA32DA2004}" type="datetime4">
+              <a:rPr lang="en-US" smtClean="0"/>
+              <a:t>July 7, 2019</a:t>
+            </a:fld>
+            <a:endParaRPr lang="en-US" dirty="0"/>
+          </a:p>
+        </p:txBody>
+      </p:sp>
+      <p:sp>
+        <p:nvSpPr>
+          <p:cNvPr id="5" name="Footer Placeholder 4">
+            <a:extLst>
+              <a:ext uri="{FF2B5EF4-FFF2-40B4-BE49-F238E27FC236}">
+                <a16:creationId xmlns:a16="http://schemas.microsoft.com/office/drawing/2014/main" id="{5EDC591F-3ACD-494A-9A2B-670AE711DDB7}"/>
+              </a:ext>
+            </a:extLst>
+          </p:cNvPr>
+          <p:cNvSpPr>
+            <a:spLocks noGrp="1"/>
+          </p:cNvSpPr>
+          <p:nvPr>
+            <p:ph type="ftr" sz="quarter" idx="11"/>
+          </p:nvPr>
+        </p:nvSpPr>
+        <p:spPr/>
+        <p:txBody>
+          <a:bodyPr/>
+          <a:lstStyle/>
+          <a:p>
+            <a:r>
+              <a:rPr lang="en-US"/>
+              <a:t>Digital Scholarship Services </a:t>
+            </a:r>
+            <a:r>
+              <a:rPr lang="en-US">
+                <a:solidFill>
+                  <a:schemeClr val="accent1">
+                    <a:lumMod val="50000"/>
+                  </a:schemeClr>
+                </a:solidFill>
+              </a:rPr>
+              <a:t>| Email</a:t>
+            </a:r>
+            <a:r>
+              <a:rPr lang="en-US"/>
+              <a:t> cf24@rice.edu </a:t>
+            </a:r>
+            <a:r>
+              <a:rPr lang="en-US">
+                <a:solidFill>
+                  <a:schemeClr val="accent1">
+                    <a:lumMod val="50000"/>
+                  </a:schemeClr>
+                </a:solidFill>
+              </a:rPr>
+              <a:t>|</a:t>
+            </a:r>
+            <a:r>
+              <a:rPr lang="en-US"/>
+              <a:t> library.rice.edu/dss</a:t>
+            </a:r>
+            <a:endParaRPr lang="en-US" dirty="0"/>
+          </a:p>
+        </p:txBody>
+      </p:sp>
+      <p:sp>
+        <p:nvSpPr>
+          <p:cNvPr id="6" name="Slide Number Placeholder 5">
+            <a:extLst>
+              <a:ext uri="{FF2B5EF4-FFF2-40B4-BE49-F238E27FC236}">
+                <a16:creationId xmlns:a16="http://schemas.microsoft.com/office/drawing/2014/main" id="{06DD70CE-B53B-4527-BDF0-0FA1B01776B6}"/>
+              </a:ext>
+            </a:extLst>
+          </p:cNvPr>
+          <p:cNvSpPr>
+            <a:spLocks noGrp="1"/>
+          </p:cNvSpPr>
+          <p:nvPr>
+            <p:ph type="sldNum" sz="quarter" idx="12"/>
+          </p:nvPr>
+        </p:nvSpPr>
+        <p:spPr/>
+        <p:txBody>
+          <a:bodyPr/>
+          <a:lstStyle/>
+          <a:p>
+            <a:fld id="{D57F1E4F-1CFF-5643-939E-02111984F565}" type="slidenum">
+              <a:rPr lang="en-US" smtClean="0"/>
+              <a:t>22</a:t>
+            </a:fld>
+            <a:endParaRPr lang="en-US" dirty="0"/>
+          </a:p>
+        </p:txBody>
+      </p:sp>
+    </p:spTree>
+    <p:extLst>
+      <p:ext uri="{BB962C8B-B14F-4D97-AF65-F5344CB8AC3E}">
+        <p14:creationId xmlns:p14="http://schemas.microsoft.com/office/powerpoint/2010/main" val="2814895575"/>
+      </p:ext>
+    </p:extLst>
+  </p:cSld>
+  <p:clrMapOvr>
+    <a:masterClrMapping/>
+  </p:clrMapOvr>
+</p:sld>
+</file>
+
+<file path=ppt/slides/slide23.xml><?xml version="1.0" encoding="utf-8"?>
+<p:sld xmlns:a="http://schemas.openxmlformats.org/drawingml/2006/main" xmlns:r="http://schemas.openxmlformats.org/officeDocument/2006/relationships" xmlns:p="http://schemas.openxmlformats.org/presentationml/2006/main">
+  <p:cSld>
+    <p:spTree>
+      <p:nvGrpSpPr>
+        <p:cNvPr id="1" name=""/>
+        <p:cNvGrpSpPr/>
+        <p:nvPr/>
+      </p:nvGrpSpPr>
+      <p:grpSpPr>
+        <a:xfrm>
+          <a:off x="0" y="0"/>
+          <a:ext cx="0" cy="0"/>
+          <a:chOff x="0" y="0"/>
+          <a:chExt cx="0" cy="0"/>
+        </a:xfrm>
+      </p:grpSpPr>
+      <p:sp>
+        <p:nvSpPr>
+          <p:cNvPr id="2" name="Title 1">
+            <a:extLst>
+              <a:ext uri="{FF2B5EF4-FFF2-40B4-BE49-F238E27FC236}">
+                <a16:creationId xmlns:a16="http://schemas.microsoft.com/office/drawing/2014/main" id="{8BB31801-2E3E-485F-82B8-81F94CAC0E69}"/>
+              </a:ext>
+            </a:extLst>
+          </p:cNvPr>
+          <p:cNvSpPr>
+            <a:spLocks noGrp="1"/>
+          </p:cNvSpPr>
+          <p:nvPr>
+            <p:ph type="title"/>
+          </p:nvPr>
+        </p:nvSpPr>
+        <p:spPr/>
+        <p:txBody>
+          <a:bodyPr/>
+          <a:lstStyle/>
+          <a:p>
+            <a:r>
+              <a:rPr lang="en-US" dirty="0"/>
+              <a:t>COORDINATES</a:t>
+            </a:r>
+          </a:p>
+        </p:txBody>
+      </p:sp>
+      <p:sp>
+        <p:nvSpPr>
+          <p:cNvPr id="3" name="Content Placeholder 2">
+            <a:extLst>
+              <a:ext uri="{FF2B5EF4-FFF2-40B4-BE49-F238E27FC236}">
+                <a16:creationId xmlns:a16="http://schemas.microsoft.com/office/drawing/2014/main" id="{390EC6AF-F6AE-4708-966A-6ECE19BE5BC6}"/>
+              </a:ext>
+            </a:extLst>
+          </p:cNvPr>
+          <p:cNvSpPr>
+            <a:spLocks noGrp="1"/>
+          </p:cNvSpPr>
+          <p:nvPr>
+            <p:ph idx="1"/>
+          </p:nvPr>
+        </p:nvSpPr>
+        <p:spPr/>
+        <p:txBody>
+          <a:bodyPr/>
+          <a:lstStyle/>
+          <a:p>
+            <a:endParaRPr lang="en-US" dirty="0"/>
+          </a:p>
+        </p:txBody>
+      </p:sp>
+      <p:sp>
+        <p:nvSpPr>
+          <p:cNvPr id="4" name="Date Placeholder 3">
+            <a:extLst>
+              <a:ext uri="{FF2B5EF4-FFF2-40B4-BE49-F238E27FC236}">
+                <a16:creationId xmlns:a16="http://schemas.microsoft.com/office/drawing/2014/main" id="{FFAAEF07-9EEF-437A-AC4E-2B14BC28A3D5}"/>
+              </a:ext>
+            </a:extLst>
+          </p:cNvPr>
+          <p:cNvSpPr>
+            <a:spLocks noGrp="1"/>
+          </p:cNvSpPr>
+          <p:nvPr>
+            <p:ph type="dt" sz="half" idx="10"/>
+          </p:nvPr>
+        </p:nvSpPr>
+        <p:spPr/>
+        <p:txBody>
+          <a:bodyPr/>
+          <a:lstStyle/>
+          <a:p>
+            <a:fld id="{8AAE40A0-A7D8-4DC3-BC9E-BADA32DA2004}" type="datetime4">
+              <a:rPr lang="en-US" smtClean="0"/>
+              <a:t>July 7, 2019</a:t>
+            </a:fld>
+            <a:endParaRPr lang="en-US" dirty="0"/>
+          </a:p>
+        </p:txBody>
+      </p:sp>
+      <p:sp>
+        <p:nvSpPr>
+          <p:cNvPr id="5" name="Footer Placeholder 4">
+            <a:extLst>
+              <a:ext uri="{FF2B5EF4-FFF2-40B4-BE49-F238E27FC236}">
+                <a16:creationId xmlns:a16="http://schemas.microsoft.com/office/drawing/2014/main" id="{5EDC591F-3ACD-494A-9A2B-670AE711DDB7}"/>
+              </a:ext>
+            </a:extLst>
+          </p:cNvPr>
+          <p:cNvSpPr>
+            <a:spLocks noGrp="1"/>
+          </p:cNvSpPr>
+          <p:nvPr>
+            <p:ph type="ftr" sz="quarter" idx="11"/>
+          </p:nvPr>
+        </p:nvSpPr>
+        <p:spPr/>
+        <p:txBody>
+          <a:bodyPr/>
+          <a:lstStyle/>
+          <a:p>
+            <a:r>
+              <a:rPr lang="en-US"/>
+              <a:t>Digital Scholarship Services </a:t>
+            </a:r>
+            <a:r>
+              <a:rPr lang="en-US">
+                <a:solidFill>
+                  <a:schemeClr val="accent1">
+                    <a:lumMod val="50000"/>
+                  </a:schemeClr>
+                </a:solidFill>
+              </a:rPr>
+              <a:t>| Email</a:t>
+            </a:r>
+            <a:r>
+              <a:rPr lang="en-US"/>
+              <a:t> cf24@rice.edu </a:t>
+            </a:r>
+            <a:r>
+              <a:rPr lang="en-US">
+                <a:solidFill>
+                  <a:schemeClr val="accent1">
+                    <a:lumMod val="50000"/>
+                  </a:schemeClr>
+                </a:solidFill>
+              </a:rPr>
+              <a:t>|</a:t>
+            </a:r>
+            <a:r>
+              <a:rPr lang="en-US"/>
+              <a:t> library.rice.edu/dss</a:t>
+            </a:r>
+            <a:endParaRPr lang="en-US" dirty="0"/>
+          </a:p>
+        </p:txBody>
+      </p:sp>
+      <p:sp>
+        <p:nvSpPr>
+          <p:cNvPr id="6" name="Slide Number Placeholder 5">
+            <a:extLst>
+              <a:ext uri="{FF2B5EF4-FFF2-40B4-BE49-F238E27FC236}">
+                <a16:creationId xmlns:a16="http://schemas.microsoft.com/office/drawing/2014/main" id="{06DD70CE-B53B-4527-BDF0-0FA1B01776B6}"/>
+              </a:ext>
+            </a:extLst>
+          </p:cNvPr>
+          <p:cNvSpPr>
+            <a:spLocks noGrp="1"/>
+          </p:cNvSpPr>
+          <p:nvPr>
+            <p:ph type="sldNum" sz="quarter" idx="12"/>
+          </p:nvPr>
+        </p:nvSpPr>
+        <p:spPr/>
+        <p:txBody>
+          <a:bodyPr/>
+          <a:lstStyle/>
+          <a:p>
+            <a:fld id="{D57F1E4F-1CFF-5643-939E-02111984F565}" type="slidenum">
+              <a:rPr lang="en-US" smtClean="0"/>
+              <a:t>23</a:t>
+            </a:fld>
+            <a:endParaRPr lang="en-US" dirty="0"/>
+          </a:p>
+        </p:txBody>
+      </p:sp>
+    </p:spTree>
+    <p:extLst>
+      <p:ext uri="{BB962C8B-B14F-4D97-AF65-F5344CB8AC3E}">
+        <p14:creationId xmlns:p14="http://schemas.microsoft.com/office/powerpoint/2010/main" val="1930838147"/>
+      </p:ext>
+    </p:extLst>
+  </p:cSld>
+  <p:clrMapOvr>
+    <a:masterClrMapping/>
+  </p:clrMapOvr>
+</p:sld>
+</file>
+
+<file path=ppt/slides/slide24.xml><?xml version="1.0" encoding="utf-8"?>
+<p:sld xmlns:a="http://schemas.openxmlformats.org/drawingml/2006/main" xmlns:r="http://schemas.openxmlformats.org/officeDocument/2006/relationships" xmlns:p="http://schemas.openxmlformats.org/presentationml/2006/main">
+  <p:cSld>
+    <p:spTree>
+      <p:nvGrpSpPr>
+        <p:cNvPr id="1" name=""/>
+        <p:cNvGrpSpPr/>
+        <p:nvPr/>
+      </p:nvGrpSpPr>
+      <p:grpSpPr>
+        <a:xfrm>
+          <a:off x="0" y="0"/>
+          <a:ext cx="0" cy="0"/>
+          <a:chOff x="0" y="0"/>
+          <a:chExt cx="0" cy="0"/>
+        </a:xfrm>
+      </p:grpSpPr>
+      <p:sp>
+        <p:nvSpPr>
+          <p:cNvPr id="2" name="Title 1">
+            <a:extLst>
+              <a:ext uri="{FF2B5EF4-FFF2-40B4-BE49-F238E27FC236}">
+                <a16:creationId xmlns:a16="http://schemas.microsoft.com/office/drawing/2014/main" id="{FAD52A62-78C8-40EF-A013-D6F0DC8A83DC}"/>
+              </a:ext>
+            </a:extLst>
+          </p:cNvPr>
+          <p:cNvSpPr>
+            <a:spLocks noGrp="1"/>
+          </p:cNvSpPr>
+          <p:nvPr>
+            <p:ph type="title"/>
+          </p:nvPr>
+        </p:nvSpPr>
+        <p:spPr/>
+        <p:txBody>
+          <a:bodyPr/>
+          <a:lstStyle/>
+          <a:p>
+            <a:r>
+              <a:rPr lang="en-US" dirty="0"/>
+              <a:t>MAPPINGS</a:t>
+            </a:r>
+          </a:p>
+        </p:txBody>
+      </p:sp>
+      <p:sp>
+        <p:nvSpPr>
+          <p:cNvPr id="3" name="Content Placeholder 2">
+            <a:extLst>
+              <a:ext uri="{FF2B5EF4-FFF2-40B4-BE49-F238E27FC236}">
+                <a16:creationId xmlns:a16="http://schemas.microsoft.com/office/drawing/2014/main" id="{577CA4E4-3313-4802-884F-A7157A5C5D17}"/>
+              </a:ext>
+            </a:extLst>
+          </p:cNvPr>
+          <p:cNvSpPr>
+            <a:spLocks noGrp="1"/>
+          </p:cNvSpPr>
+          <p:nvPr>
+            <p:ph idx="1"/>
+          </p:nvPr>
+        </p:nvSpPr>
+        <p:spPr/>
+        <p:txBody>
+          <a:bodyPr/>
+          <a:lstStyle/>
+          <a:p>
+            <a:endParaRPr lang="en-US"/>
+          </a:p>
+        </p:txBody>
+      </p:sp>
+      <p:sp>
+        <p:nvSpPr>
+          <p:cNvPr id="4" name="Date Placeholder 3">
+            <a:extLst>
+              <a:ext uri="{FF2B5EF4-FFF2-40B4-BE49-F238E27FC236}">
+                <a16:creationId xmlns:a16="http://schemas.microsoft.com/office/drawing/2014/main" id="{5BD8233A-9ECB-4631-AC6A-87E7861025BB}"/>
+              </a:ext>
+            </a:extLst>
+          </p:cNvPr>
+          <p:cNvSpPr>
+            <a:spLocks noGrp="1"/>
+          </p:cNvSpPr>
+          <p:nvPr>
+            <p:ph type="dt" sz="half" idx="10"/>
+          </p:nvPr>
+        </p:nvSpPr>
+        <p:spPr/>
+        <p:txBody>
+          <a:bodyPr/>
+          <a:lstStyle/>
+          <a:p>
+            <a:fld id="{8AAE40A0-A7D8-4DC3-BC9E-BADA32DA2004}" type="datetime4">
+              <a:rPr lang="en-US" smtClean="0"/>
+              <a:t>July 7, 2019</a:t>
+            </a:fld>
+            <a:endParaRPr lang="en-US" dirty="0"/>
+          </a:p>
+        </p:txBody>
+      </p:sp>
+      <p:sp>
+        <p:nvSpPr>
+          <p:cNvPr id="5" name="Footer Placeholder 4">
+            <a:extLst>
+              <a:ext uri="{FF2B5EF4-FFF2-40B4-BE49-F238E27FC236}">
+                <a16:creationId xmlns:a16="http://schemas.microsoft.com/office/drawing/2014/main" id="{22BDB5CB-F1EA-4D91-9B7C-3992A69C9ABA}"/>
+              </a:ext>
+            </a:extLst>
+          </p:cNvPr>
+          <p:cNvSpPr>
+            <a:spLocks noGrp="1"/>
+          </p:cNvSpPr>
+          <p:nvPr>
+            <p:ph type="ftr" sz="quarter" idx="11"/>
+          </p:nvPr>
+        </p:nvSpPr>
+        <p:spPr/>
+        <p:txBody>
+          <a:bodyPr/>
+          <a:lstStyle/>
+          <a:p>
+            <a:r>
+              <a:rPr lang="en-US"/>
+              <a:t>Digital Scholarship Services </a:t>
+            </a:r>
+            <a:r>
+              <a:rPr lang="en-US">
+                <a:solidFill>
+                  <a:schemeClr val="accent1">
+                    <a:lumMod val="50000"/>
+                  </a:schemeClr>
+                </a:solidFill>
+              </a:rPr>
+              <a:t>| Email</a:t>
+            </a:r>
+            <a:r>
+              <a:rPr lang="en-US"/>
+              <a:t> cf24@rice.edu </a:t>
+            </a:r>
+            <a:r>
+              <a:rPr lang="en-US">
+                <a:solidFill>
+                  <a:schemeClr val="accent1">
+                    <a:lumMod val="50000"/>
+                  </a:schemeClr>
+                </a:solidFill>
+              </a:rPr>
+              <a:t>|</a:t>
+            </a:r>
+            <a:r>
+              <a:rPr lang="en-US"/>
+              <a:t> library.rice.edu/dss</a:t>
+            </a:r>
+            <a:endParaRPr lang="en-US" dirty="0"/>
+          </a:p>
+        </p:txBody>
+      </p:sp>
+      <p:sp>
+        <p:nvSpPr>
+          <p:cNvPr id="6" name="Slide Number Placeholder 5">
+            <a:extLst>
+              <a:ext uri="{FF2B5EF4-FFF2-40B4-BE49-F238E27FC236}">
+                <a16:creationId xmlns:a16="http://schemas.microsoft.com/office/drawing/2014/main" id="{1420A9BB-53F5-4A07-87B1-9155518E0293}"/>
+              </a:ext>
+            </a:extLst>
+          </p:cNvPr>
+          <p:cNvSpPr>
+            <a:spLocks noGrp="1"/>
+          </p:cNvSpPr>
+          <p:nvPr>
+            <p:ph type="sldNum" sz="quarter" idx="12"/>
+          </p:nvPr>
+        </p:nvSpPr>
+        <p:spPr/>
+        <p:txBody>
+          <a:bodyPr/>
+          <a:lstStyle/>
+          <a:p>
+            <a:fld id="{D57F1E4F-1CFF-5643-939E-02111984F565}" type="slidenum">
+              <a:rPr lang="en-US" smtClean="0"/>
+              <a:t>24</a:t>
+            </a:fld>
+            <a:endParaRPr lang="en-US" dirty="0"/>
+          </a:p>
+        </p:txBody>
+      </p:sp>
+    </p:spTree>
+    <p:extLst>
+      <p:ext uri="{BB962C8B-B14F-4D97-AF65-F5344CB8AC3E}">
+        <p14:creationId xmlns:p14="http://schemas.microsoft.com/office/powerpoint/2010/main" val="2975928317"/>
+      </p:ext>
+    </p:extLst>
+  </p:cSld>
+  <p:clrMapOvr>
+    <a:masterClrMapping/>
+  </p:clrMapOvr>
+</p:sld>
+</file>
+
+<file path=ppt/slides/slide25.xml><?xml version="1.0" encoding="utf-8"?>
+<p:sld xmlns:a="http://schemas.openxmlformats.org/drawingml/2006/main" xmlns:r="http://schemas.openxmlformats.org/officeDocument/2006/relationships" xmlns:p="http://schemas.openxmlformats.org/presentationml/2006/main">
+  <p:cSld>
+    <p:spTree>
+      <p:nvGrpSpPr>
+        <p:cNvPr id="1" name=""/>
+        <p:cNvGrpSpPr/>
+        <p:nvPr/>
+      </p:nvGrpSpPr>
+      <p:grpSpPr>
+        <a:xfrm>
+          <a:off x="0" y="0"/>
+          <a:ext cx="0" cy="0"/>
+          <a:chOff x="0" y="0"/>
+          <a:chExt cx="0" cy="0"/>
+        </a:xfrm>
+      </p:grpSpPr>
+      <p:sp>
+        <p:nvSpPr>
+          <p:cNvPr id="2" name="Title 1">
+            <a:extLst>
+              <a:ext uri="{FF2B5EF4-FFF2-40B4-BE49-F238E27FC236}">
+                <a16:creationId xmlns:a16="http://schemas.microsoft.com/office/drawing/2014/main" id="{3F2FCEAC-2500-40D0-B447-4F4FC89121D5}"/>
+              </a:ext>
+            </a:extLst>
+          </p:cNvPr>
+          <p:cNvSpPr>
+            <a:spLocks noGrp="1"/>
+          </p:cNvSpPr>
+          <p:nvPr>
+            <p:ph type="title"/>
+          </p:nvPr>
+        </p:nvSpPr>
+        <p:spPr/>
+        <p:txBody>
+          <a:bodyPr/>
+          <a:lstStyle/>
+          <a:p>
+            <a:r>
+              <a:rPr lang="en-US" dirty="0"/>
+              <a:t>STATS</a:t>
+            </a:r>
+          </a:p>
+        </p:txBody>
+      </p:sp>
+      <p:sp>
+        <p:nvSpPr>
+          <p:cNvPr id="3" name="Content Placeholder 2">
+            <a:extLst>
+              <a:ext uri="{FF2B5EF4-FFF2-40B4-BE49-F238E27FC236}">
+                <a16:creationId xmlns:a16="http://schemas.microsoft.com/office/drawing/2014/main" id="{8121A63E-863F-463B-85EA-DB4619122CFF}"/>
+              </a:ext>
+            </a:extLst>
+          </p:cNvPr>
+          <p:cNvSpPr>
+            <a:spLocks noGrp="1"/>
+          </p:cNvSpPr>
+          <p:nvPr>
+            <p:ph idx="1"/>
+          </p:nvPr>
+        </p:nvSpPr>
+        <p:spPr/>
+        <p:txBody>
+          <a:bodyPr/>
+          <a:lstStyle/>
+          <a:p>
+            <a:endParaRPr lang="en-US"/>
+          </a:p>
+        </p:txBody>
+      </p:sp>
+      <p:sp>
+        <p:nvSpPr>
+          <p:cNvPr id="4" name="Date Placeholder 3">
+            <a:extLst>
+              <a:ext uri="{FF2B5EF4-FFF2-40B4-BE49-F238E27FC236}">
+                <a16:creationId xmlns:a16="http://schemas.microsoft.com/office/drawing/2014/main" id="{E16A380E-0B0F-4BC2-923E-26A60084299E}"/>
+              </a:ext>
+            </a:extLst>
+          </p:cNvPr>
+          <p:cNvSpPr>
+            <a:spLocks noGrp="1"/>
+          </p:cNvSpPr>
+          <p:nvPr>
+            <p:ph type="dt" sz="half" idx="10"/>
+          </p:nvPr>
+        </p:nvSpPr>
+        <p:spPr/>
+        <p:txBody>
+          <a:bodyPr/>
+          <a:lstStyle/>
+          <a:p>
+            <a:fld id="{8AAE40A0-A7D8-4DC3-BC9E-BADA32DA2004}" type="datetime4">
+              <a:rPr lang="en-US" smtClean="0"/>
+              <a:t>July 7, 2019</a:t>
+            </a:fld>
+            <a:endParaRPr lang="en-US" dirty="0"/>
+          </a:p>
+        </p:txBody>
+      </p:sp>
+      <p:sp>
+        <p:nvSpPr>
+          <p:cNvPr id="5" name="Footer Placeholder 4">
+            <a:extLst>
+              <a:ext uri="{FF2B5EF4-FFF2-40B4-BE49-F238E27FC236}">
+                <a16:creationId xmlns:a16="http://schemas.microsoft.com/office/drawing/2014/main" id="{6368E7F1-5952-4CD5-928E-D5BD868DE63F}"/>
+              </a:ext>
+            </a:extLst>
+          </p:cNvPr>
+          <p:cNvSpPr>
+            <a:spLocks noGrp="1"/>
+          </p:cNvSpPr>
+          <p:nvPr>
+            <p:ph type="ftr" sz="quarter" idx="11"/>
+          </p:nvPr>
+        </p:nvSpPr>
+        <p:spPr/>
+        <p:txBody>
+          <a:bodyPr/>
+          <a:lstStyle/>
+          <a:p>
+            <a:r>
+              <a:rPr lang="en-US"/>
+              <a:t>Digital Scholarship Services </a:t>
+            </a:r>
+            <a:r>
+              <a:rPr lang="en-US">
+                <a:solidFill>
+                  <a:schemeClr val="accent1">
+                    <a:lumMod val="50000"/>
+                  </a:schemeClr>
+                </a:solidFill>
+              </a:rPr>
+              <a:t>| Email</a:t>
+            </a:r>
+            <a:r>
+              <a:rPr lang="en-US"/>
+              <a:t> cf24@rice.edu </a:t>
+            </a:r>
+            <a:r>
+              <a:rPr lang="en-US">
+                <a:solidFill>
+                  <a:schemeClr val="accent1">
+                    <a:lumMod val="50000"/>
+                  </a:schemeClr>
+                </a:solidFill>
+              </a:rPr>
+              <a:t>|</a:t>
+            </a:r>
+            <a:r>
+              <a:rPr lang="en-US"/>
+              <a:t> library.rice.edu/dss</a:t>
+            </a:r>
+            <a:endParaRPr lang="en-US" dirty="0"/>
+          </a:p>
+        </p:txBody>
+      </p:sp>
+      <p:sp>
+        <p:nvSpPr>
+          <p:cNvPr id="6" name="Slide Number Placeholder 5">
+            <a:extLst>
+              <a:ext uri="{FF2B5EF4-FFF2-40B4-BE49-F238E27FC236}">
+                <a16:creationId xmlns:a16="http://schemas.microsoft.com/office/drawing/2014/main" id="{8E3A041A-1824-4A4D-A98C-12CC6F5E7B9D}"/>
+              </a:ext>
+            </a:extLst>
+          </p:cNvPr>
+          <p:cNvSpPr>
+            <a:spLocks noGrp="1"/>
+          </p:cNvSpPr>
+          <p:nvPr>
+            <p:ph type="sldNum" sz="quarter" idx="12"/>
+          </p:nvPr>
+        </p:nvSpPr>
+        <p:spPr/>
+        <p:txBody>
+          <a:bodyPr/>
+          <a:lstStyle/>
+          <a:p>
+            <a:fld id="{D57F1E4F-1CFF-5643-939E-02111984F565}" type="slidenum">
+              <a:rPr lang="en-US" smtClean="0"/>
+              <a:t>25</a:t>
+            </a:fld>
+            <a:endParaRPr lang="en-US" dirty="0"/>
+          </a:p>
+        </p:txBody>
+      </p:sp>
+    </p:spTree>
+    <p:extLst>
+      <p:ext uri="{BB962C8B-B14F-4D97-AF65-F5344CB8AC3E}">
+        <p14:creationId xmlns:p14="http://schemas.microsoft.com/office/powerpoint/2010/main" val="2738704153"/>
+      </p:ext>
+    </p:extLst>
+  </p:cSld>
+  <p:clrMapOvr>
+    <a:masterClrMapping/>
+  </p:clrMapOvr>
+</p:sld>
+</file>
+
+<file path=ppt/slides/slide26.xml><?xml version="1.0" encoding="utf-8"?>
+<p:sld xmlns:a="http://schemas.openxmlformats.org/drawingml/2006/main" xmlns:r="http://schemas.openxmlformats.org/officeDocument/2006/relationships" xmlns:p="http://schemas.openxmlformats.org/presentationml/2006/main">
+  <p:cSld>
+    <p:spTree>
+      <p:nvGrpSpPr>
+        <p:cNvPr id="1" name=""/>
+        <p:cNvGrpSpPr/>
+        <p:nvPr/>
+      </p:nvGrpSpPr>
+      <p:grpSpPr>
+        <a:xfrm>
+          <a:off x="0" y="0"/>
+          <a:ext cx="0" cy="0"/>
+          <a:chOff x="0" y="0"/>
+          <a:chExt cx="0" cy="0"/>
+        </a:xfrm>
+      </p:grpSpPr>
+      <p:sp>
+        <p:nvSpPr>
+          <p:cNvPr id="2" name="Title 1">
+            <a:extLst>
+              <a:ext uri="{FF2B5EF4-FFF2-40B4-BE49-F238E27FC236}">
+                <a16:creationId xmlns:a16="http://schemas.microsoft.com/office/drawing/2014/main" id="{C0CB272F-7F81-477F-8457-DF92B499DBC9}"/>
+              </a:ext>
+            </a:extLst>
+          </p:cNvPr>
+          <p:cNvSpPr>
+            <a:spLocks noGrp="1"/>
+          </p:cNvSpPr>
+          <p:nvPr>
+            <p:ph type="title"/>
+          </p:nvPr>
+        </p:nvSpPr>
+        <p:spPr/>
+        <p:txBody>
+          <a:bodyPr/>
+          <a:lstStyle/>
+          <a:p>
+            <a:r>
+              <a:rPr lang="en-US" dirty="0"/>
+              <a:t>PLOTS (GEOMS)</a:t>
+            </a:r>
+          </a:p>
+        </p:txBody>
+      </p:sp>
+      <p:sp>
+        <p:nvSpPr>
+          <p:cNvPr id="3" name="Content Placeholder 2">
+            <a:extLst>
+              <a:ext uri="{FF2B5EF4-FFF2-40B4-BE49-F238E27FC236}">
+                <a16:creationId xmlns:a16="http://schemas.microsoft.com/office/drawing/2014/main" id="{6BC707E2-E3EA-4C43-9AA0-BE38BA10BAC3}"/>
+              </a:ext>
+            </a:extLst>
+          </p:cNvPr>
+          <p:cNvSpPr>
+            <a:spLocks noGrp="1"/>
+          </p:cNvSpPr>
+          <p:nvPr>
+            <p:ph idx="1"/>
+          </p:nvPr>
+        </p:nvSpPr>
+        <p:spPr/>
+        <p:txBody>
+          <a:bodyPr/>
+          <a:lstStyle/>
+          <a:p>
+            <a:endParaRPr lang="en-US"/>
+          </a:p>
+        </p:txBody>
+      </p:sp>
+      <p:sp>
+        <p:nvSpPr>
+          <p:cNvPr id="4" name="Date Placeholder 3">
+            <a:extLst>
+              <a:ext uri="{FF2B5EF4-FFF2-40B4-BE49-F238E27FC236}">
+                <a16:creationId xmlns:a16="http://schemas.microsoft.com/office/drawing/2014/main" id="{93CFF671-EF2F-4B41-B0DF-212711FF9111}"/>
+              </a:ext>
+            </a:extLst>
+          </p:cNvPr>
+          <p:cNvSpPr>
+            <a:spLocks noGrp="1"/>
+          </p:cNvSpPr>
+          <p:nvPr>
+            <p:ph type="dt" sz="half" idx="10"/>
+          </p:nvPr>
+        </p:nvSpPr>
+        <p:spPr/>
+        <p:txBody>
+          <a:bodyPr/>
+          <a:lstStyle/>
+          <a:p>
+            <a:fld id="{8AAE40A0-A7D8-4DC3-BC9E-BADA32DA2004}" type="datetime4">
+              <a:rPr lang="en-US" smtClean="0"/>
+              <a:t>July 7, 2019</a:t>
+            </a:fld>
+            <a:endParaRPr lang="en-US" dirty="0"/>
+          </a:p>
+        </p:txBody>
+      </p:sp>
+      <p:sp>
+        <p:nvSpPr>
+          <p:cNvPr id="5" name="Footer Placeholder 4">
+            <a:extLst>
+              <a:ext uri="{FF2B5EF4-FFF2-40B4-BE49-F238E27FC236}">
+                <a16:creationId xmlns:a16="http://schemas.microsoft.com/office/drawing/2014/main" id="{FE0384EA-9794-42B6-89F0-804EDF8F71F2}"/>
+              </a:ext>
+            </a:extLst>
+          </p:cNvPr>
+          <p:cNvSpPr>
+            <a:spLocks noGrp="1"/>
+          </p:cNvSpPr>
+          <p:nvPr>
+            <p:ph type="ftr" sz="quarter" idx="11"/>
+          </p:nvPr>
+        </p:nvSpPr>
+        <p:spPr/>
+        <p:txBody>
+          <a:bodyPr/>
+          <a:lstStyle/>
+          <a:p>
+            <a:r>
+              <a:rPr lang="en-US"/>
+              <a:t>Digital Scholarship Services </a:t>
+            </a:r>
+            <a:r>
+              <a:rPr lang="en-US">
+                <a:solidFill>
+                  <a:schemeClr val="accent1">
+                    <a:lumMod val="50000"/>
+                  </a:schemeClr>
+                </a:solidFill>
+              </a:rPr>
+              <a:t>| Email</a:t>
+            </a:r>
+            <a:r>
+              <a:rPr lang="en-US"/>
+              <a:t> cf24@rice.edu </a:t>
+            </a:r>
+            <a:r>
+              <a:rPr lang="en-US">
+                <a:solidFill>
+                  <a:schemeClr val="accent1">
+                    <a:lumMod val="50000"/>
+                  </a:schemeClr>
+                </a:solidFill>
+              </a:rPr>
+              <a:t>|</a:t>
+            </a:r>
+            <a:r>
+              <a:rPr lang="en-US"/>
+              <a:t> library.rice.edu/dss</a:t>
+            </a:r>
+            <a:endParaRPr lang="en-US" dirty="0"/>
+          </a:p>
+        </p:txBody>
+      </p:sp>
+      <p:sp>
+        <p:nvSpPr>
+          <p:cNvPr id="6" name="Slide Number Placeholder 5">
+            <a:extLst>
+              <a:ext uri="{FF2B5EF4-FFF2-40B4-BE49-F238E27FC236}">
+                <a16:creationId xmlns:a16="http://schemas.microsoft.com/office/drawing/2014/main" id="{F7D9DA6F-0E92-4216-B0CA-EB20441D3903}"/>
+              </a:ext>
+            </a:extLst>
+          </p:cNvPr>
+          <p:cNvSpPr>
+            <a:spLocks noGrp="1"/>
+          </p:cNvSpPr>
+          <p:nvPr>
+            <p:ph type="sldNum" sz="quarter" idx="12"/>
+          </p:nvPr>
+        </p:nvSpPr>
+        <p:spPr/>
+        <p:txBody>
+          <a:bodyPr/>
+          <a:lstStyle/>
+          <a:p>
+            <a:fld id="{D57F1E4F-1CFF-5643-939E-02111984F565}" type="slidenum">
+              <a:rPr lang="en-US" smtClean="0"/>
+              <a:t>26</a:t>
+            </a:fld>
+            <a:endParaRPr lang="en-US" dirty="0"/>
+          </a:p>
+        </p:txBody>
+      </p:sp>
+    </p:spTree>
+    <p:extLst>
+      <p:ext uri="{BB962C8B-B14F-4D97-AF65-F5344CB8AC3E}">
+        <p14:creationId xmlns:p14="http://schemas.microsoft.com/office/powerpoint/2010/main" val="3534530202"/>
+      </p:ext>
+    </p:extLst>
+  </p:cSld>
+  <p:clrMapOvr>
+    <a:masterClrMapping/>
+  </p:clrMapOvr>
+</p:sld>
+</file>
+
+<file path=ppt/slides/slide27.xml><?xml version="1.0" encoding="utf-8"?>
+<p:sld xmlns:a="http://schemas.openxmlformats.org/drawingml/2006/main" xmlns:r="http://schemas.openxmlformats.org/officeDocument/2006/relationships" xmlns:p="http://schemas.openxmlformats.org/presentationml/2006/main">
+  <p:cSld>
+    <p:spTree>
+      <p:nvGrpSpPr>
+        <p:cNvPr id="1" name=""/>
+        <p:cNvGrpSpPr/>
+        <p:nvPr/>
+      </p:nvGrpSpPr>
+      <p:grpSpPr>
+        <a:xfrm>
+          <a:off x="0" y="0"/>
+          <a:ext cx="0" cy="0"/>
+          <a:chOff x="0" y="0"/>
+          <a:chExt cx="0" cy="0"/>
+        </a:xfrm>
+      </p:grpSpPr>
+      <p:sp>
+        <p:nvSpPr>
+          <p:cNvPr id="2" name="Title 1">
+            <a:extLst>
+              <a:ext uri="{FF2B5EF4-FFF2-40B4-BE49-F238E27FC236}">
+                <a16:creationId xmlns:a16="http://schemas.microsoft.com/office/drawing/2014/main" id="{C0CB272F-7F81-477F-8457-DF92B499DBC9}"/>
+              </a:ext>
+            </a:extLst>
+          </p:cNvPr>
+          <p:cNvSpPr>
+            <a:spLocks noGrp="1"/>
+          </p:cNvSpPr>
+          <p:nvPr>
+            <p:ph type="title"/>
+          </p:nvPr>
+        </p:nvSpPr>
+        <p:spPr/>
+        <p:txBody>
+          <a:bodyPr/>
+          <a:lstStyle/>
+          <a:p>
+            <a:r>
+              <a:rPr lang="en-US" dirty="0"/>
+              <a:t>FACETS</a:t>
+            </a:r>
+          </a:p>
+        </p:txBody>
+      </p:sp>
+      <p:sp>
+        <p:nvSpPr>
+          <p:cNvPr id="3" name="Content Placeholder 2">
+            <a:extLst>
+              <a:ext uri="{FF2B5EF4-FFF2-40B4-BE49-F238E27FC236}">
+                <a16:creationId xmlns:a16="http://schemas.microsoft.com/office/drawing/2014/main" id="{6BC707E2-E3EA-4C43-9AA0-BE38BA10BAC3}"/>
+              </a:ext>
+            </a:extLst>
+          </p:cNvPr>
+          <p:cNvSpPr>
+            <a:spLocks noGrp="1"/>
+          </p:cNvSpPr>
+          <p:nvPr>
+            <p:ph idx="1"/>
+          </p:nvPr>
+        </p:nvSpPr>
+        <p:spPr/>
+        <p:txBody>
+          <a:bodyPr/>
+          <a:lstStyle/>
+          <a:p>
+            <a:endParaRPr lang="en-US"/>
+          </a:p>
+        </p:txBody>
+      </p:sp>
+      <p:sp>
+        <p:nvSpPr>
+          <p:cNvPr id="4" name="Date Placeholder 3">
+            <a:extLst>
+              <a:ext uri="{FF2B5EF4-FFF2-40B4-BE49-F238E27FC236}">
+                <a16:creationId xmlns:a16="http://schemas.microsoft.com/office/drawing/2014/main" id="{93CFF671-EF2F-4B41-B0DF-212711FF9111}"/>
+              </a:ext>
+            </a:extLst>
+          </p:cNvPr>
+          <p:cNvSpPr>
+            <a:spLocks noGrp="1"/>
+          </p:cNvSpPr>
+          <p:nvPr>
+            <p:ph type="dt" sz="half" idx="10"/>
+          </p:nvPr>
+        </p:nvSpPr>
+        <p:spPr/>
+        <p:txBody>
+          <a:bodyPr/>
+          <a:lstStyle/>
+          <a:p>
+            <a:fld id="{8AAE40A0-A7D8-4DC3-BC9E-BADA32DA2004}" type="datetime4">
+              <a:rPr lang="en-US" smtClean="0"/>
+              <a:t>July 7, 2019</a:t>
+            </a:fld>
+            <a:endParaRPr lang="en-US" dirty="0"/>
+          </a:p>
+        </p:txBody>
+      </p:sp>
+      <p:sp>
+        <p:nvSpPr>
+          <p:cNvPr id="5" name="Footer Placeholder 4">
+            <a:extLst>
+              <a:ext uri="{FF2B5EF4-FFF2-40B4-BE49-F238E27FC236}">
+                <a16:creationId xmlns:a16="http://schemas.microsoft.com/office/drawing/2014/main" id="{FE0384EA-9794-42B6-89F0-804EDF8F71F2}"/>
+              </a:ext>
+            </a:extLst>
+          </p:cNvPr>
+          <p:cNvSpPr>
+            <a:spLocks noGrp="1"/>
+          </p:cNvSpPr>
+          <p:nvPr>
+            <p:ph type="ftr" sz="quarter" idx="11"/>
+          </p:nvPr>
+        </p:nvSpPr>
+        <p:spPr/>
+        <p:txBody>
+          <a:bodyPr/>
+          <a:lstStyle/>
+          <a:p>
+            <a:r>
+              <a:rPr lang="en-US"/>
+              <a:t>Digital Scholarship Services </a:t>
+            </a:r>
+            <a:r>
+              <a:rPr lang="en-US">
+                <a:solidFill>
+                  <a:schemeClr val="accent1">
+                    <a:lumMod val="50000"/>
+                  </a:schemeClr>
+                </a:solidFill>
+              </a:rPr>
+              <a:t>| Email</a:t>
+            </a:r>
+            <a:r>
+              <a:rPr lang="en-US"/>
+              <a:t> cf24@rice.edu </a:t>
+            </a:r>
+            <a:r>
+              <a:rPr lang="en-US">
+                <a:solidFill>
+                  <a:schemeClr val="accent1">
+                    <a:lumMod val="50000"/>
+                  </a:schemeClr>
+                </a:solidFill>
+              </a:rPr>
+              <a:t>|</a:t>
+            </a:r>
+            <a:r>
+              <a:rPr lang="en-US"/>
+              <a:t> library.rice.edu/dss</a:t>
+            </a:r>
+            <a:endParaRPr lang="en-US" dirty="0"/>
+          </a:p>
+        </p:txBody>
+      </p:sp>
+      <p:sp>
+        <p:nvSpPr>
+          <p:cNvPr id="6" name="Slide Number Placeholder 5">
+            <a:extLst>
+              <a:ext uri="{FF2B5EF4-FFF2-40B4-BE49-F238E27FC236}">
+                <a16:creationId xmlns:a16="http://schemas.microsoft.com/office/drawing/2014/main" id="{F7D9DA6F-0E92-4216-B0CA-EB20441D3903}"/>
+              </a:ext>
+            </a:extLst>
+          </p:cNvPr>
+          <p:cNvSpPr>
+            <a:spLocks noGrp="1"/>
+          </p:cNvSpPr>
+          <p:nvPr>
+            <p:ph type="sldNum" sz="quarter" idx="12"/>
+          </p:nvPr>
+        </p:nvSpPr>
+        <p:spPr/>
+        <p:txBody>
+          <a:bodyPr/>
+          <a:lstStyle/>
+          <a:p>
+            <a:fld id="{D57F1E4F-1CFF-5643-939E-02111984F565}" type="slidenum">
+              <a:rPr lang="en-US" smtClean="0"/>
+              <a:t>27</a:t>
+            </a:fld>
+            <a:endParaRPr lang="en-US" dirty="0"/>
+          </a:p>
+        </p:txBody>
+      </p:sp>
+    </p:spTree>
+    <p:extLst>
+      <p:ext uri="{BB962C8B-B14F-4D97-AF65-F5344CB8AC3E}">
+        <p14:creationId xmlns:p14="http://schemas.microsoft.com/office/powerpoint/2010/main" val="964372467"/>
+      </p:ext>
+    </p:extLst>
+  </p:cSld>
+  <p:clrMapOvr>
+    <a:masterClrMapping/>
+  </p:clrMapOvr>
+</p:sld>
+</file>
+
+<file path=ppt/slides/slide28.xml><?xml version="1.0" encoding="utf-8"?>
+<p:sld xmlns:a="http://schemas.openxmlformats.org/drawingml/2006/main" xmlns:r="http://schemas.openxmlformats.org/officeDocument/2006/relationships" xmlns:p="http://schemas.openxmlformats.org/presentationml/2006/main">
+  <p:cSld>
+    <p:spTree>
+      <p:nvGrpSpPr>
+        <p:cNvPr id="1" name=""/>
+        <p:cNvGrpSpPr/>
+        <p:nvPr/>
+      </p:nvGrpSpPr>
+      <p:grpSpPr>
+        <a:xfrm>
+          <a:off x="0" y="0"/>
+          <a:ext cx="0" cy="0"/>
+          <a:chOff x="0" y="0"/>
+          <a:chExt cx="0" cy="0"/>
+        </a:xfrm>
+      </p:grpSpPr>
+      <p:sp>
+        <p:nvSpPr>
+          <p:cNvPr id="2" name="Title 1">
+            <a:extLst>
+              <a:ext uri="{FF2B5EF4-FFF2-40B4-BE49-F238E27FC236}">
+                <a16:creationId xmlns:a16="http://schemas.microsoft.com/office/drawing/2014/main" id="{E850068E-C01E-4BED-AF24-C2E9D57DABAC}"/>
+              </a:ext>
+            </a:extLst>
+          </p:cNvPr>
+          <p:cNvSpPr>
+            <a:spLocks noGrp="1"/>
+          </p:cNvSpPr>
+          <p:nvPr>
+            <p:ph type="title"/>
+          </p:nvPr>
+        </p:nvSpPr>
+        <p:spPr/>
+        <p:txBody>
+          <a:bodyPr/>
+          <a:lstStyle/>
+          <a:p>
+            <a:r>
+              <a:rPr lang="en-US" dirty="0"/>
+              <a:t>COLORS</a:t>
+            </a:r>
+          </a:p>
+        </p:txBody>
+      </p:sp>
+      <p:sp>
+        <p:nvSpPr>
+          <p:cNvPr id="3" name="Content Placeholder 2">
+            <a:extLst>
+              <a:ext uri="{FF2B5EF4-FFF2-40B4-BE49-F238E27FC236}">
+                <a16:creationId xmlns:a16="http://schemas.microsoft.com/office/drawing/2014/main" id="{37E146B7-6BDE-4F21-A09D-FE7EF30B6C00}"/>
+              </a:ext>
+            </a:extLst>
+          </p:cNvPr>
+          <p:cNvSpPr>
+            <a:spLocks noGrp="1"/>
+          </p:cNvSpPr>
+          <p:nvPr>
+            <p:ph idx="1"/>
+          </p:nvPr>
+        </p:nvSpPr>
+        <p:spPr/>
+        <p:txBody>
+          <a:bodyPr/>
+          <a:lstStyle/>
+          <a:p>
+            <a:endParaRPr lang="en-US"/>
+          </a:p>
+        </p:txBody>
+      </p:sp>
+      <p:sp>
+        <p:nvSpPr>
+          <p:cNvPr id="4" name="Date Placeholder 3">
+            <a:extLst>
+              <a:ext uri="{FF2B5EF4-FFF2-40B4-BE49-F238E27FC236}">
+                <a16:creationId xmlns:a16="http://schemas.microsoft.com/office/drawing/2014/main" id="{58EA3CF3-42A7-4E41-869A-BE3767CDB53E}"/>
+              </a:ext>
+            </a:extLst>
+          </p:cNvPr>
+          <p:cNvSpPr>
+            <a:spLocks noGrp="1"/>
+          </p:cNvSpPr>
+          <p:nvPr>
+            <p:ph type="dt" sz="half" idx="10"/>
+          </p:nvPr>
+        </p:nvSpPr>
+        <p:spPr/>
+        <p:txBody>
+          <a:bodyPr/>
+          <a:lstStyle/>
+          <a:p>
+            <a:fld id="{8AAE40A0-A7D8-4DC3-BC9E-BADA32DA2004}" type="datetime4">
+              <a:rPr lang="en-US" smtClean="0"/>
+              <a:t>July 7, 2019</a:t>
+            </a:fld>
+            <a:endParaRPr lang="en-US" dirty="0"/>
+          </a:p>
+        </p:txBody>
+      </p:sp>
+      <p:sp>
+        <p:nvSpPr>
+          <p:cNvPr id="5" name="Footer Placeholder 4">
+            <a:extLst>
+              <a:ext uri="{FF2B5EF4-FFF2-40B4-BE49-F238E27FC236}">
+                <a16:creationId xmlns:a16="http://schemas.microsoft.com/office/drawing/2014/main" id="{75633ADC-5CEC-49E7-BF4C-B805C52E296D}"/>
+              </a:ext>
+            </a:extLst>
+          </p:cNvPr>
+          <p:cNvSpPr>
+            <a:spLocks noGrp="1"/>
+          </p:cNvSpPr>
+          <p:nvPr>
+            <p:ph type="ftr" sz="quarter" idx="11"/>
+          </p:nvPr>
+        </p:nvSpPr>
+        <p:spPr/>
+        <p:txBody>
+          <a:bodyPr/>
+          <a:lstStyle/>
+          <a:p>
+            <a:r>
+              <a:rPr lang="en-US"/>
+              <a:t>Digital Scholarship Services </a:t>
+            </a:r>
+            <a:r>
+              <a:rPr lang="en-US">
+                <a:solidFill>
+                  <a:schemeClr val="accent1">
+                    <a:lumMod val="50000"/>
+                  </a:schemeClr>
+                </a:solidFill>
+              </a:rPr>
+              <a:t>| Email</a:t>
+            </a:r>
+            <a:r>
+              <a:rPr lang="en-US"/>
+              <a:t> cf24@rice.edu </a:t>
+            </a:r>
+            <a:r>
+              <a:rPr lang="en-US">
+                <a:solidFill>
+                  <a:schemeClr val="accent1">
+                    <a:lumMod val="50000"/>
+                  </a:schemeClr>
+                </a:solidFill>
+              </a:rPr>
+              <a:t>|</a:t>
+            </a:r>
+            <a:r>
+              <a:rPr lang="en-US"/>
+              <a:t> library.rice.edu/dss</a:t>
+            </a:r>
+            <a:endParaRPr lang="en-US" dirty="0"/>
+          </a:p>
+        </p:txBody>
+      </p:sp>
+      <p:sp>
+        <p:nvSpPr>
+          <p:cNvPr id="6" name="Slide Number Placeholder 5">
+            <a:extLst>
+              <a:ext uri="{FF2B5EF4-FFF2-40B4-BE49-F238E27FC236}">
+                <a16:creationId xmlns:a16="http://schemas.microsoft.com/office/drawing/2014/main" id="{B1BAA732-BBD1-4FE8-891E-2C7E97D82282}"/>
+              </a:ext>
+            </a:extLst>
+          </p:cNvPr>
+          <p:cNvSpPr>
+            <a:spLocks noGrp="1"/>
+          </p:cNvSpPr>
+          <p:nvPr>
+            <p:ph type="sldNum" sz="quarter" idx="12"/>
+          </p:nvPr>
+        </p:nvSpPr>
+        <p:spPr/>
+        <p:txBody>
+          <a:bodyPr/>
+          <a:lstStyle/>
+          <a:p>
+            <a:fld id="{D57F1E4F-1CFF-5643-939E-02111984F565}" type="slidenum">
+              <a:rPr lang="en-US" smtClean="0"/>
+              <a:t>28</a:t>
+            </a:fld>
+            <a:endParaRPr lang="en-US" dirty="0"/>
+          </a:p>
+        </p:txBody>
+      </p:sp>
+    </p:spTree>
+    <p:extLst>
+      <p:ext uri="{BB962C8B-B14F-4D97-AF65-F5344CB8AC3E}">
+        <p14:creationId xmlns:p14="http://schemas.microsoft.com/office/powerpoint/2010/main" val="3226142298"/>
+      </p:ext>
+    </p:extLst>
+  </p:cSld>
+  <p:clrMapOvr>
+    <a:masterClrMapping/>
+  </p:clrMapOvr>
+</p:sld>
+</file>
+
+<file path=ppt/slides/slide29.xml><?xml version="1.0" encoding="utf-8"?>
+<p:sld xmlns:a="http://schemas.openxmlformats.org/drawingml/2006/main" xmlns:r="http://schemas.openxmlformats.org/officeDocument/2006/relationships" xmlns:p="http://schemas.openxmlformats.org/presentationml/2006/main">
+  <p:cSld>
+    <p:spTree>
+      <p:nvGrpSpPr>
+        <p:cNvPr id="1" name=""/>
+        <p:cNvGrpSpPr/>
+        <p:nvPr/>
+      </p:nvGrpSpPr>
+      <p:grpSpPr>
+        <a:xfrm>
+          <a:off x="0" y="0"/>
+          <a:ext cx="0" cy="0"/>
+          <a:chOff x="0" y="0"/>
+          <a:chExt cx="0" cy="0"/>
+        </a:xfrm>
+      </p:grpSpPr>
+      <p:sp>
+        <p:nvSpPr>
+          <p:cNvPr id="2" name="Title 1">
+            <a:extLst>
+              <a:ext uri="{FF2B5EF4-FFF2-40B4-BE49-F238E27FC236}">
+                <a16:creationId xmlns:a16="http://schemas.microsoft.com/office/drawing/2014/main" id="{5404E55C-1D1A-4A9F-8642-A70D32332C9D}"/>
+              </a:ext>
+            </a:extLst>
+          </p:cNvPr>
+          <p:cNvSpPr>
+            <a:spLocks noGrp="1"/>
+          </p:cNvSpPr>
+          <p:nvPr>
+            <p:ph type="title"/>
+          </p:nvPr>
+        </p:nvSpPr>
+        <p:spPr/>
+        <p:txBody>
+          <a:bodyPr/>
+          <a:lstStyle/>
+          <a:p>
+            <a:r>
+              <a:rPr lang="en-US" dirty="0"/>
+              <a:t>A TEMPLATE</a:t>
+            </a:r>
+          </a:p>
+        </p:txBody>
+      </p:sp>
+      <p:sp>
+        <p:nvSpPr>
+          <p:cNvPr id="3" name="Content Placeholder 2">
+            <a:extLst>
+              <a:ext uri="{FF2B5EF4-FFF2-40B4-BE49-F238E27FC236}">
+                <a16:creationId xmlns:a16="http://schemas.microsoft.com/office/drawing/2014/main" id="{0874E7F0-95B2-48B3-AE13-C6A98FE00716}"/>
+              </a:ext>
+            </a:extLst>
+          </p:cNvPr>
+          <p:cNvSpPr>
+            <a:spLocks noGrp="1"/>
+          </p:cNvSpPr>
+          <p:nvPr>
+            <p:ph idx="1"/>
+          </p:nvPr>
+        </p:nvSpPr>
+        <p:spPr/>
+        <p:txBody>
+          <a:bodyPr/>
+          <a:lstStyle/>
+          <a:p>
+            <a:endParaRPr lang="en-US"/>
+          </a:p>
+        </p:txBody>
+      </p:sp>
+      <p:sp>
+        <p:nvSpPr>
+          <p:cNvPr id="4" name="Date Placeholder 3">
+            <a:extLst>
+              <a:ext uri="{FF2B5EF4-FFF2-40B4-BE49-F238E27FC236}">
+                <a16:creationId xmlns:a16="http://schemas.microsoft.com/office/drawing/2014/main" id="{8A6899FC-979F-477E-96F7-1EC709A1EF01}"/>
+              </a:ext>
+            </a:extLst>
+          </p:cNvPr>
+          <p:cNvSpPr>
+            <a:spLocks noGrp="1"/>
+          </p:cNvSpPr>
+          <p:nvPr>
+            <p:ph type="dt" sz="half" idx="10"/>
+          </p:nvPr>
+        </p:nvSpPr>
+        <p:spPr/>
+        <p:txBody>
+          <a:bodyPr/>
+          <a:lstStyle/>
+          <a:p>
+            <a:fld id="{8AAE40A0-A7D8-4DC3-BC9E-BADA32DA2004}" type="datetime4">
+              <a:rPr lang="en-US" smtClean="0"/>
+              <a:t>July 7, 2019</a:t>
+            </a:fld>
+            <a:endParaRPr lang="en-US" dirty="0"/>
+          </a:p>
+        </p:txBody>
+      </p:sp>
+      <p:sp>
+        <p:nvSpPr>
+          <p:cNvPr id="5" name="Footer Placeholder 4">
+            <a:extLst>
+              <a:ext uri="{FF2B5EF4-FFF2-40B4-BE49-F238E27FC236}">
+                <a16:creationId xmlns:a16="http://schemas.microsoft.com/office/drawing/2014/main" id="{022A767A-D929-4954-970D-E16719ECEB3E}"/>
+              </a:ext>
+            </a:extLst>
+          </p:cNvPr>
+          <p:cNvSpPr>
+            <a:spLocks noGrp="1"/>
+          </p:cNvSpPr>
+          <p:nvPr>
+            <p:ph type="ftr" sz="quarter" idx="11"/>
+          </p:nvPr>
+        </p:nvSpPr>
+        <p:spPr/>
+        <p:txBody>
+          <a:bodyPr/>
+          <a:lstStyle/>
+          <a:p>
+            <a:r>
+              <a:rPr lang="en-US"/>
+              <a:t>Digital Scholarship Services </a:t>
+            </a:r>
+            <a:r>
+              <a:rPr lang="en-US">
+                <a:solidFill>
+                  <a:schemeClr val="accent1">
+                    <a:lumMod val="50000"/>
+                  </a:schemeClr>
+                </a:solidFill>
+              </a:rPr>
+              <a:t>| Email</a:t>
+            </a:r>
+            <a:r>
+              <a:rPr lang="en-US"/>
+              <a:t> cf24@rice.edu </a:t>
+            </a:r>
+            <a:r>
+              <a:rPr lang="en-US">
+                <a:solidFill>
+                  <a:schemeClr val="accent1">
+                    <a:lumMod val="50000"/>
+                  </a:schemeClr>
+                </a:solidFill>
+              </a:rPr>
+              <a:t>|</a:t>
+            </a:r>
+            <a:r>
+              <a:rPr lang="en-US"/>
+              <a:t> library.rice.edu/dss</a:t>
+            </a:r>
+            <a:endParaRPr lang="en-US" dirty="0"/>
+          </a:p>
+        </p:txBody>
+      </p:sp>
+      <p:sp>
+        <p:nvSpPr>
+          <p:cNvPr id="6" name="Slide Number Placeholder 5">
+            <a:extLst>
+              <a:ext uri="{FF2B5EF4-FFF2-40B4-BE49-F238E27FC236}">
+                <a16:creationId xmlns:a16="http://schemas.microsoft.com/office/drawing/2014/main" id="{209CE1FE-97DC-4E1A-B048-0A1A42B45904}"/>
+              </a:ext>
+            </a:extLst>
+          </p:cNvPr>
+          <p:cNvSpPr>
+            <a:spLocks noGrp="1"/>
+          </p:cNvSpPr>
+          <p:nvPr>
+            <p:ph type="sldNum" sz="quarter" idx="12"/>
+          </p:nvPr>
+        </p:nvSpPr>
+        <p:spPr/>
+        <p:txBody>
+          <a:bodyPr/>
+          <a:lstStyle/>
+          <a:p>
+            <a:fld id="{D57F1E4F-1CFF-5643-939E-02111984F565}" type="slidenum">
+              <a:rPr lang="en-US" smtClean="0"/>
+              <a:t>29</a:t>
+            </a:fld>
+            <a:endParaRPr lang="en-US" dirty="0"/>
+          </a:p>
+        </p:txBody>
+      </p:sp>
+    </p:spTree>
+    <p:extLst>
+      <p:ext uri="{BB962C8B-B14F-4D97-AF65-F5344CB8AC3E}">
+        <p14:creationId xmlns:p14="http://schemas.microsoft.com/office/powerpoint/2010/main" val="3816346416"/>
       </p:ext>
     </p:extLst>
   </p:cSld>
@@ -8502,26 +11516,11 @@
           <a:lstStyle/>
           <a:p>
             <a:r>
-              <a:rPr lang="en-US" dirty="0" smtClean="0">
-                <a:latin typeface="+mn-lt"/>
-              </a:rPr>
-              <a:t>WHAT IS </a:t>
-            </a:r>
-            <a:r>
               <a:rPr lang="en-US" dirty="0">
                 <a:latin typeface="+mn-lt"/>
               </a:rPr>
-              <a:t>THE </a:t>
-            </a:r>
-            <a:r>
-              <a:rPr lang="en-US" dirty="0" smtClean="0">
-                <a:latin typeface="+mn-lt"/>
-              </a:rPr>
-              <a:t>TIDYVERSE?</a:t>
-            </a:r>
-            <a:endParaRPr lang="en-US" dirty="0">
-              <a:latin typeface="+mn-lt"/>
-            </a:endParaRPr>
+              <a:t>WHAT IS THE TIDYVERSE?</a:t>
+            </a:r>
           </a:p>
         </p:txBody>
       </p:sp>
@@ -8546,7 +11545,22 @@
           <a:bodyPr/>
           <a:lstStyle/>
           <a:p>
-            <a:endParaRPr lang="en-US"/>
+            <a:r>
+              <a:rPr lang="en-US" dirty="0"/>
+              <a:t>Hadley Wickham’s brainchild</a:t>
+            </a:r>
+          </a:p>
+          <a:p>
+            <a:r>
+              <a:rPr lang="en-US" dirty="0"/>
+              <a:t>The most important and influential development in R in the past decade</a:t>
+            </a:r>
+          </a:p>
+          <a:p>
+            <a:r>
+              <a:rPr lang="en-US" dirty="0"/>
+              <a:t>An ecosystem of packages that hold a similar philosophy about tidy data</a:t>
+            </a:r>
           </a:p>
         </p:txBody>
       </p:sp>
@@ -8567,7 +11581,7 @@
           <a:p>
             <a:fld id="{3686C9ED-58DA-41A6-B894-9B830C59600E}" type="datetime4">
               <a:rPr lang="en-US" smtClean="0"/>
-              <a:t>June 25, 2019</a:t>
+              <a:t>July 7, 2019</a:t>
             </a:fld>
             <a:endParaRPr lang="en-US" dirty="0"/>
           </a:p>
@@ -8623,6 +11637,833 @@
     <p:extLst>
       <p:ext uri="{BB962C8B-B14F-4D97-AF65-F5344CB8AC3E}">
         <p14:creationId xmlns:p14="http://schemas.microsoft.com/office/powerpoint/2010/main" val="999144808"/>
+      </p:ext>
+    </p:extLst>
+  </p:cSld>
+  <p:clrMapOvr>
+    <a:masterClrMapping/>
+  </p:clrMapOvr>
+</p:sld>
+</file>
+
+<file path=ppt/slides/slide30.xml><?xml version="1.0" encoding="utf-8"?>
+<p:sld xmlns:a="http://schemas.openxmlformats.org/drawingml/2006/main" xmlns:r="http://schemas.openxmlformats.org/officeDocument/2006/relationships" xmlns:p="http://schemas.openxmlformats.org/presentationml/2006/main">
+  <p:cSld>
+    <p:spTree>
+      <p:nvGrpSpPr>
+        <p:cNvPr id="1" name=""/>
+        <p:cNvGrpSpPr/>
+        <p:nvPr/>
+      </p:nvGrpSpPr>
+      <p:grpSpPr>
+        <a:xfrm>
+          <a:off x="0" y="0"/>
+          <a:ext cx="0" cy="0"/>
+          <a:chOff x="0" y="0"/>
+          <a:chExt cx="0" cy="0"/>
+        </a:xfrm>
+      </p:grpSpPr>
+      <p:sp>
+        <p:nvSpPr>
+          <p:cNvPr id="2" name="Title 1">
+            <a:extLst>
+              <a:ext uri="{FF2B5EF4-FFF2-40B4-BE49-F238E27FC236}">
+                <a16:creationId xmlns:a16="http://schemas.microsoft.com/office/drawing/2014/main" id="{3355F5CD-9232-4308-9E65-DB6DA7EBF80E}"/>
+              </a:ext>
+            </a:extLst>
+          </p:cNvPr>
+          <p:cNvSpPr>
+            <a:spLocks noGrp="1"/>
+          </p:cNvSpPr>
+          <p:nvPr>
+            <p:ph type="title"/>
+          </p:nvPr>
+        </p:nvSpPr>
+        <p:spPr/>
+        <p:txBody>
+          <a:bodyPr/>
+          <a:lstStyle/>
+          <a:p>
+            <a:r>
+              <a:rPr lang="en-US" dirty="0"/>
+              <a:t>PUTTING IT TOGETHER</a:t>
+            </a:r>
+          </a:p>
+        </p:txBody>
+      </p:sp>
+      <p:sp>
+        <p:nvSpPr>
+          <p:cNvPr id="3" name="Content Placeholder 2">
+            <a:extLst>
+              <a:ext uri="{FF2B5EF4-FFF2-40B4-BE49-F238E27FC236}">
+                <a16:creationId xmlns:a16="http://schemas.microsoft.com/office/drawing/2014/main" id="{62EAA16E-823F-4C14-86FD-FED8F2321EE6}"/>
+              </a:ext>
+            </a:extLst>
+          </p:cNvPr>
+          <p:cNvSpPr>
+            <a:spLocks noGrp="1"/>
+          </p:cNvSpPr>
+          <p:nvPr>
+            <p:ph idx="1"/>
+          </p:nvPr>
+        </p:nvSpPr>
+        <p:spPr/>
+        <p:txBody>
+          <a:bodyPr/>
+          <a:lstStyle/>
+          <a:p>
+            <a:endParaRPr lang="en-US"/>
+          </a:p>
+        </p:txBody>
+      </p:sp>
+      <p:sp>
+        <p:nvSpPr>
+          <p:cNvPr id="4" name="Date Placeholder 3">
+            <a:extLst>
+              <a:ext uri="{FF2B5EF4-FFF2-40B4-BE49-F238E27FC236}">
+                <a16:creationId xmlns:a16="http://schemas.microsoft.com/office/drawing/2014/main" id="{695F9B61-B132-4A1F-956F-C7FA5894868B}"/>
+              </a:ext>
+            </a:extLst>
+          </p:cNvPr>
+          <p:cNvSpPr>
+            <a:spLocks noGrp="1"/>
+          </p:cNvSpPr>
+          <p:nvPr>
+            <p:ph type="dt" sz="half" idx="10"/>
+          </p:nvPr>
+        </p:nvSpPr>
+        <p:spPr/>
+        <p:txBody>
+          <a:bodyPr/>
+          <a:lstStyle/>
+          <a:p>
+            <a:fld id="{8AAE40A0-A7D8-4DC3-BC9E-BADA32DA2004}" type="datetime4">
+              <a:rPr lang="en-US" smtClean="0"/>
+              <a:t>July 7, 2019</a:t>
+            </a:fld>
+            <a:endParaRPr lang="en-US" dirty="0"/>
+          </a:p>
+        </p:txBody>
+      </p:sp>
+      <p:sp>
+        <p:nvSpPr>
+          <p:cNvPr id="5" name="Footer Placeholder 4">
+            <a:extLst>
+              <a:ext uri="{FF2B5EF4-FFF2-40B4-BE49-F238E27FC236}">
+                <a16:creationId xmlns:a16="http://schemas.microsoft.com/office/drawing/2014/main" id="{DA540B43-4E0D-4617-A8E2-BB5B9401C854}"/>
+              </a:ext>
+            </a:extLst>
+          </p:cNvPr>
+          <p:cNvSpPr>
+            <a:spLocks noGrp="1"/>
+          </p:cNvSpPr>
+          <p:nvPr>
+            <p:ph type="ftr" sz="quarter" idx="11"/>
+          </p:nvPr>
+        </p:nvSpPr>
+        <p:spPr/>
+        <p:txBody>
+          <a:bodyPr/>
+          <a:lstStyle/>
+          <a:p>
+            <a:r>
+              <a:rPr lang="en-US"/>
+              <a:t>Digital Scholarship Services </a:t>
+            </a:r>
+            <a:r>
+              <a:rPr lang="en-US">
+                <a:solidFill>
+                  <a:schemeClr val="accent1">
+                    <a:lumMod val="50000"/>
+                  </a:schemeClr>
+                </a:solidFill>
+              </a:rPr>
+              <a:t>| Email</a:t>
+            </a:r>
+            <a:r>
+              <a:rPr lang="en-US"/>
+              <a:t> cf24@rice.edu </a:t>
+            </a:r>
+            <a:r>
+              <a:rPr lang="en-US">
+                <a:solidFill>
+                  <a:schemeClr val="accent1">
+                    <a:lumMod val="50000"/>
+                  </a:schemeClr>
+                </a:solidFill>
+              </a:rPr>
+              <a:t>|</a:t>
+            </a:r>
+            <a:r>
+              <a:rPr lang="en-US"/>
+              <a:t> library.rice.edu/dss</a:t>
+            </a:r>
+            <a:endParaRPr lang="en-US" dirty="0"/>
+          </a:p>
+        </p:txBody>
+      </p:sp>
+      <p:sp>
+        <p:nvSpPr>
+          <p:cNvPr id="6" name="Slide Number Placeholder 5">
+            <a:extLst>
+              <a:ext uri="{FF2B5EF4-FFF2-40B4-BE49-F238E27FC236}">
+                <a16:creationId xmlns:a16="http://schemas.microsoft.com/office/drawing/2014/main" id="{B3BA36E9-613D-4BC5-B0F7-4BBB217DEE0E}"/>
+              </a:ext>
+            </a:extLst>
+          </p:cNvPr>
+          <p:cNvSpPr>
+            <a:spLocks noGrp="1"/>
+          </p:cNvSpPr>
+          <p:nvPr>
+            <p:ph type="sldNum" sz="quarter" idx="12"/>
+          </p:nvPr>
+        </p:nvSpPr>
+        <p:spPr/>
+        <p:txBody>
+          <a:bodyPr/>
+          <a:lstStyle/>
+          <a:p>
+            <a:fld id="{D57F1E4F-1CFF-5643-939E-02111984F565}" type="slidenum">
+              <a:rPr lang="en-US" smtClean="0"/>
+              <a:t>30</a:t>
+            </a:fld>
+            <a:endParaRPr lang="en-US" dirty="0"/>
+          </a:p>
+        </p:txBody>
+      </p:sp>
+    </p:spTree>
+    <p:extLst>
+      <p:ext uri="{BB962C8B-B14F-4D97-AF65-F5344CB8AC3E}">
+        <p14:creationId xmlns:p14="http://schemas.microsoft.com/office/powerpoint/2010/main" val="844801094"/>
+      </p:ext>
+    </p:extLst>
+  </p:cSld>
+  <p:clrMapOvr>
+    <a:masterClrMapping/>
+  </p:clrMapOvr>
+</p:sld>
+</file>
+
+<file path=ppt/slides/slide31.xml><?xml version="1.0" encoding="utf-8"?>
+<p:sld xmlns:a="http://schemas.openxmlformats.org/drawingml/2006/main" xmlns:r="http://schemas.openxmlformats.org/officeDocument/2006/relationships" xmlns:p="http://schemas.openxmlformats.org/presentationml/2006/main">
+  <p:cSld>
+    <p:spTree>
+      <p:nvGrpSpPr>
+        <p:cNvPr id="1" name=""/>
+        <p:cNvGrpSpPr/>
+        <p:nvPr/>
+      </p:nvGrpSpPr>
+      <p:grpSpPr>
+        <a:xfrm>
+          <a:off x="0" y="0"/>
+          <a:ext cx="0" cy="0"/>
+          <a:chOff x="0" y="0"/>
+          <a:chExt cx="0" cy="0"/>
+        </a:xfrm>
+      </p:grpSpPr>
+      <p:sp>
+        <p:nvSpPr>
+          <p:cNvPr id="7" name="Title 6">
+            <a:extLst>
+              <a:ext uri="{FF2B5EF4-FFF2-40B4-BE49-F238E27FC236}">
+                <a16:creationId xmlns:a16="http://schemas.microsoft.com/office/drawing/2014/main" id="{2C7C7B52-4FB0-4A0B-B5E1-EDD5A9ADA476}"/>
+              </a:ext>
+            </a:extLst>
+          </p:cNvPr>
+          <p:cNvSpPr>
+            <a:spLocks noGrp="1"/>
+          </p:cNvSpPr>
+          <p:nvPr>
+            <p:ph type="title"/>
+          </p:nvPr>
+        </p:nvSpPr>
+        <p:spPr/>
+        <p:txBody>
+          <a:bodyPr/>
+          <a:lstStyle/>
+          <a:p>
+            <a:r>
+              <a:rPr lang="en-US" dirty="0"/>
+              <a:t>ALL TOGETHER NOW</a:t>
+            </a:r>
+          </a:p>
+        </p:txBody>
+      </p:sp>
+      <p:sp>
+        <p:nvSpPr>
+          <p:cNvPr id="8" name="Text Placeholder 7">
+            <a:extLst>
+              <a:ext uri="{FF2B5EF4-FFF2-40B4-BE49-F238E27FC236}">
+                <a16:creationId xmlns:a16="http://schemas.microsoft.com/office/drawing/2014/main" id="{235128D3-FA6E-47E7-87E1-272DD4C10B55}"/>
+              </a:ext>
+            </a:extLst>
+          </p:cNvPr>
+          <p:cNvSpPr>
+            <a:spLocks noGrp="1"/>
+          </p:cNvSpPr>
+          <p:nvPr>
+            <p:ph type="body" idx="1"/>
+          </p:nvPr>
+        </p:nvSpPr>
+        <p:spPr/>
+        <p:txBody>
+          <a:bodyPr/>
+          <a:lstStyle/>
+          <a:p>
+            <a:r>
+              <a:rPr lang="en-US" dirty="0"/>
+              <a:t>Integrating all the components</a:t>
+            </a:r>
+          </a:p>
+        </p:txBody>
+      </p:sp>
+      <p:sp>
+        <p:nvSpPr>
+          <p:cNvPr id="4" name="Date Placeholder 3">
+            <a:extLst>
+              <a:ext uri="{FF2B5EF4-FFF2-40B4-BE49-F238E27FC236}">
+                <a16:creationId xmlns:a16="http://schemas.microsoft.com/office/drawing/2014/main" id="{729242CD-322A-4BBF-A5F9-A0BD7FF80C30}"/>
+              </a:ext>
+            </a:extLst>
+          </p:cNvPr>
+          <p:cNvSpPr>
+            <a:spLocks noGrp="1"/>
+          </p:cNvSpPr>
+          <p:nvPr>
+            <p:ph type="dt" sz="half" idx="10"/>
+          </p:nvPr>
+        </p:nvSpPr>
+        <p:spPr/>
+        <p:txBody>
+          <a:bodyPr/>
+          <a:lstStyle/>
+          <a:p>
+            <a:fld id="{8AAE40A0-A7D8-4DC3-BC9E-BADA32DA2004}" type="datetime4">
+              <a:rPr lang="en-US" smtClean="0"/>
+              <a:t>July 7, 2019</a:t>
+            </a:fld>
+            <a:endParaRPr lang="en-US" dirty="0"/>
+          </a:p>
+        </p:txBody>
+      </p:sp>
+      <p:sp>
+        <p:nvSpPr>
+          <p:cNvPr id="5" name="Footer Placeholder 4">
+            <a:extLst>
+              <a:ext uri="{FF2B5EF4-FFF2-40B4-BE49-F238E27FC236}">
+                <a16:creationId xmlns:a16="http://schemas.microsoft.com/office/drawing/2014/main" id="{30FAF9A1-04F4-4BAE-9142-17FB314C8EED}"/>
+              </a:ext>
+            </a:extLst>
+          </p:cNvPr>
+          <p:cNvSpPr>
+            <a:spLocks noGrp="1"/>
+          </p:cNvSpPr>
+          <p:nvPr>
+            <p:ph type="ftr" sz="quarter" idx="11"/>
+          </p:nvPr>
+        </p:nvSpPr>
+        <p:spPr/>
+        <p:txBody>
+          <a:bodyPr/>
+          <a:lstStyle/>
+          <a:p>
+            <a:r>
+              <a:rPr lang="en-US"/>
+              <a:t>Digital Scholarship Services </a:t>
+            </a:r>
+            <a:r>
+              <a:rPr lang="en-US">
+                <a:solidFill>
+                  <a:schemeClr val="accent1">
+                    <a:lumMod val="50000"/>
+                  </a:schemeClr>
+                </a:solidFill>
+              </a:rPr>
+              <a:t>| Email</a:t>
+            </a:r>
+            <a:r>
+              <a:rPr lang="en-US"/>
+              <a:t> cf24@rice.edu </a:t>
+            </a:r>
+            <a:r>
+              <a:rPr lang="en-US">
+                <a:solidFill>
+                  <a:schemeClr val="accent1">
+                    <a:lumMod val="50000"/>
+                  </a:schemeClr>
+                </a:solidFill>
+              </a:rPr>
+              <a:t>|</a:t>
+            </a:r>
+            <a:r>
+              <a:rPr lang="en-US"/>
+              <a:t> library.rice.edu/dss</a:t>
+            </a:r>
+            <a:endParaRPr lang="en-US" dirty="0"/>
+          </a:p>
+        </p:txBody>
+      </p:sp>
+      <p:sp>
+        <p:nvSpPr>
+          <p:cNvPr id="6" name="Slide Number Placeholder 5">
+            <a:extLst>
+              <a:ext uri="{FF2B5EF4-FFF2-40B4-BE49-F238E27FC236}">
+                <a16:creationId xmlns:a16="http://schemas.microsoft.com/office/drawing/2014/main" id="{51F51AE9-B6B5-4DDB-B0E8-6F790417F61A}"/>
+              </a:ext>
+            </a:extLst>
+          </p:cNvPr>
+          <p:cNvSpPr>
+            <a:spLocks noGrp="1"/>
+          </p:cNvSpPr>
+          <p:nvPr>
+            <p:ph type="sldNum" sz="quarter" idx="12"/>
+          </p:nvPr>
+        </p:nvSpPr>
+        <p:spPr/>
+        <p:txBody>
+          <a:bodyPr/>
+          <a:lstStyle/>
+          <a:p>
+            <a:fld id="{D57F1E4F-1CFF-5643-939E-02111984F565}" type="slidenum">
+              <a:rPr lang="en-US" smtClean="0"/>
+              <a:t>31</a:t>
+            </a:fld>
+            <a:endParaRPr lang="en-US" dirty="0"/>
+          </a:p>
+        </p:txBody>
+      </p:sp>
+    </p:spTree>
+    <p:extLst>
+      <p:ext uri="{BB962C8B-B14F-4D97-AF65-F5344CB8AC3E}">
+        <p14:creationId xmlns:p14="http://schemas.microsoft.com/office/powerpoint/2010/main" val="2106640646"/>
+      </p:ext>
+    </p:extLst>
+  </p:cSld>
+  <p:clrMapOvr>
+    <a:masterClrMapping/>
+  </p:clrMapOvr>
+</p:sld>
+</file>
+
+<file path=ppt/slides/slide32.xml><?xml version="1.0" encoding="utf-8"?>
+<p:sld xmlns:a="http://schemas.openxmlformats.org/drawingml/2006/main" xmlns:r="http://schemas.openxmlformats.org/officeDocument/2006/relationships" xmlns:p="http://schemas.openxmlformats.org/presentationml/2006/main">
+  <p:cSld>
+    <p:spTree>
+      <p:nvGrpSpPr>
+        <p:cNvPr id="1" name=""/>
+        <p:cNvGrpSpPr/>
+        <p:nvPr/>
+      </p:nvGrpSpPr>
+      <p:grpSpPr>
+        <a:xfrm>
+          <a:off x="0" y="0"/>
+          <a:ext cx="0" cy="0"/>
+          <a:chOff x="0" y="0"/>
+          <a:chExt cx="0" cy="0"/>
+        </a:xfrm>
+      </p:grpSpPr>
+      <p:sp>
+        <p:nvSpPr>
+          <p:cNvPr id="2" name="Title 1">
+            <a:extLst>
+              <a:ext uri="{FF2B5EF4-FFF2-40B4-BE49-F238E27FC236}">
+                <a16:creationId xmlns:a16="http://schemas.microsoft.com/office/drawing/2014/main" id="{11D2AEC1-B86D-49DC-8240-FC110A098B47}"/>
+              </a:ext>
+            </a:extLst>
+          </p:cNvPr>
+          <p:cNvSpPr>
+            <a:spLocks noGrp="1"/>
+          </p:cNvSpPr>
+          <p:nvPr>
+            <p:ph type="title"/>
+          </p:nvPr>
+        </p:nvSpPr>
+        <p:spPr/>
+        <p:txBody>
+          <a:bodyPr/>
+          <a:lstStyle/>
+          <a:p>
+            <a:r>
+              <a:rPr lang="en-US" dirty="0"/>
+              <a:t>A FULL TIDYVERSE WORKFLOW</a:t>
+            </a:r>
+          </a:p>
+        </p:txBody>
+      </p:sp>
+      <p:sp>
+        <p:nvSpPr>
+          <p:cNvPr id="3" name="Content Placeholder 2">
+            <a:extLst>
+              <a:ext uri="{FF2B5EF4-FFF2-40B4-BE49-F238E27FC236}">
+                <a16:creationId xmlns:a16="http://schemas.microsoft.com/office/drawing/2014/main" id="{70465980-9286-4387-A5A5-A575E6590F74}"/>
+              </a:ext>
+            </a:extLst>
+          </p:cNvPr>
+          <p:cNvSpPr>
+            <a:spLocks noGrp="1"/>
+          </p:cNvSpPr>
+          <p:nvPr>
+            <p:ph idx="1"/>
+          </p:nvPr>
+        </p:nvSpPr>
+        <p:spPr/>
+        <p:txBody>
+          <a:bodyPr/>
+          <a:lstStyle/>
+          <a:p>
+            <a:endParaRPr lang="en-US"/>
+          </a:p>
+        </p:txBody>
+      </p:sp>
+      <p:sp>
+        <p:nvSpPr>
+          <p:cNvPr id="4" name="Date Placeholder 3">
+            <a:extLst>
+              <a:ext uri="{FF2B5EF4-FFF2-40B4-BE49-F238E27FC236}">
+                <a16:creationId xmlns:a16="http://schemas.microsoft.com/office/drawing/2014/main" id="{4E32AD3C-9F7E-457C-AE3F-422282C0F9E7}"/>
+              </a:ext>
+            </a:extLst>
+          </p:cNvPr>
+          <p:cNvSpPr>
+            <a:spLocks noGrp="1"/>
+          </p:cNvSpPr>
+          <p:nvPr>
+            <p:ph type="dt" sz="half" idx="10"/>
+          </p:nvPr>
+        </p:nvSpPr>
+        <p:spPr/>
+        <p:txBody>
+          <a:bodyPr/>
+          <a:lstStyle/>
+          <a:p>
+            <a:fld id="{8AAE40A0-A7D8-4DC3-BC9E-BADA32DA2004}" type="datetime4">
+              <a:rPr lang="en-US" smtClean="0"/>
+              <a:t>July 7, 2019</a:t>
+            </a:fld>
+            <a:endParaRPr lang="en-US" dirty="0"/>
+          </a:p>
+        </p:txBody>
+      </p:sp>
+      <p:sp>
+        <p:nvSpPr>
+          <p:cNvPr id="5" name="Footer Placeholder 4">
+            <a:extLst>
+              <a:ext uri="{FF2B5EF4-FFF2-40B4-BE49-F238E27FC236}">
+                <a16:creationId xmlns:a16="http://schemas.microsoft.com/office/drawing/2014/main" id="{FBC1C866-EB47-455D-BF46-BFC503046315}"/>
+              </a:ext>
+            </a:extLst>
+          </p:cNvPr>
+          <p:cNvSpPr>
+            <a:spLocks noGrp="1"/>
+          </p:cNvSpPr>
+          <p:nvPr>
+            <p:ph type="ftr" sz="quarter" idx="11"/>
+          </p:nvPr>
+        </p:nvSpPr>
+        <p:spPr/>
+        <p:txBody>
+          <a:bodyPr/>
+          <a:lstStyle/>
+          <a:p>
+            <a:r>
+              <a:rPr lang="en-US"/>
+              <a:t>Digital Scholarship Services </a:t>
+            </a:r>
+            <a:r>
+              <a:rPr lang="en-US">
+                <a:solidFill>
+                  <a:schemeClr val="accent1">
+                    <a:lumMod val="50000"/>
+                  </a:schemeClr>
+                </a:solidFill>
+              </a:rPr>
+              <a:t>| Email</a:t>
+            </a:r>
+            <a:r>
+              <a:rPr lang="en-US"/>
+              <a:t> cf24@rice.edu </a:t>
+            </a:r>
+            <a:r>
+              <a:rPr lang="en-US">
+                <a:solidFill>
+                  <a:schemeClr val="accent1">
+                    <a:lumMod val="50000"/>
+                  </a:schemeClr>
+                </a:solidFill>
+              </a:rPr>
+              <a:t>|</a:t>
+            </a:r>
+            <a:r>
+              <a:rPr lang="en-US"/>
+              <a:t> library.rice.edu/dss</a:t>
+            </a:r>
+            <a:endParaRPr lang="en-US" dirty="0"/>
+          </a:p>
+        </p:txBody>
+      </p:sp>
+      <p:sp>
+        <p:nvSpPr>
+          <p:cNvPr id="6" name="Slide Number Placeholder 5">
+            <a:extLst>
+              <a:ext uri="{FF2B5EF4-FFF2-40B4-BE49-F238E27FC236}">
+                <a16:creationId xmlns:a16="http://schemas.microsoft.com/office/drawing/2014/main" id="{2B03362D-7208-43A1-B722-15CB9305C312}"/>
+              </a:ext>
+            </a:extLst>
+          </p:cNvPr>
+          <p:cNvSpPr>
+            <a:spLocks noGrp="1"/>
+          </p:cNvSpPr>
+          <p:nvPr>
+            <p:ph type="sldNum" sz="quarter" idx="12"/>
+          </p:nvPr>
+        </p:nvSpPr>
+        <p:spPr/>
+        <p:txBody>
+          <a:bodyPr/>
+          <a:lstStyle/>
+          <a:p>
+            <a:fld id="{D57F1E4F-1CFF-5643-939E-02111984F565}" type="slidenum">
+              <a:rPr lang="en-US" smtClean="0"/>
+              <a:t>32</a:t>
+            </a:fld>
+            <a:endParaRPr lang="en-US" dirty="0"/>
+          </a:p>
+        </p:txBody>
+      </p:sp>
+    </p:spTree>
+    <p:extLst>
+      <p:ext uri="{BB962C8B-B14F-4D97-AF65-F5344CB8AC3E}">
+        <p14:creationId xmlns:p14="http://schemas.microsoft.com/office/powerpoint/2010/main" val="2605989437"/>
+      </p:ext>
+    </p:extLst>
+  </p:cSld>
+  <p:clrMapOvr>
+    <a:masterClrMapping/>
+  </p:clrMapOvr>
+</p:sld>
+</file>
+
+<file path=ppt/slides/slide33.xml><?xml version="1.0" encoding="utf-8"?>
+<p:sld xmlns:a="http://schemas.openxmlformats.org/drawingml/2006/main" xmlns:r="http://schemas.openxmlformats.org/officeDocument/2006/relationships" xmlns:p="http://schemas.openxmlformats.org/presentationml/2006/main">
+  <p:cSld>
+    <p:spTree>
+      <p:nvGrpSpPr>
+        <p:cNvPr id="1" name=""/>
+        <p:cNvGrpSpPr/>
+        <p:nvPr/>
+      </p:nvGrpSpPr>
+      <p:grpSpPr>
+        <a:xfrm>
+          <a:off x="0" y="0"/>
+          <a:ext cx="0" cy="0"/>
+          <a:chOff x="0" y="0"/>
+          <a:chExt cx="0" cy="0"/>
+        </a:xfrm>
+      </p:grpSpPr>
+      <p:sp>
+        <p:nvSpPr>
+          <p:cNvPr id="2" name="Title 1">
+            <a:extLst>
+              <a:ext uri="{FF2B5EF4-FFF2-40B4-BE49-F238E27FC236}">
+                <a16:creationId xmlns:a16="http://schemas.microsoft.com/office/drawing/2014/main" id="{A8909A85-5F97-4785-BA4C-680457A0F1AF}"/>
+              </a:ext>
+            </a:extLst>
+          </p:cNvPr>
+          <p:cNvSpPr>
+            <a:spLocks noGrp="1"/>
+          </p:cNvSpPr>
+          <p:nvPr>
+            <p:ph type="title"/>
+          </p:nvPr>
+        </p:nvSpPr>
+        <p:spPr/>
+        <p:txBody>
+          <a:bodyPr/>
+          <a:lstStyle/>
+          <a:p>
+            <a:r>
+              <a:rPr lang="en-US" dirty="0"/>
+              <a:t>ACKNOWLEDGEMENTS</a:t>
+            </a:r>
+          </a:p>
+        </p:txBody>
+      </p:sp>
+      <p:sp>
+        <p:nvSpPr>
+          <p:cNvPr id="7" name="Content Placeholder 6">
+            <a:extLst>
+              <a:ext uri="{FF2B5EF4-FFF2-40B4-BE49-F238E27FC236}">
+                <a16:creationId xmlns:a16="http://schemas.microsoft.com/office/drawing/2014/main" id="{063C36B6-F28F-4BE7-9B27-1DD6F6385857}"/>
+              </a:ext>
+            </a:extLst>
+          </p:cNvPr>
+          <p:cNvSpPr>
+            <a:spLocks noGrp="1"/>
+          </p:cNvSpPr>
+          <p:nvPr>
+            <p:ph idx="1"/>
+          </p:nvPr>
+        </p:nvSpPr>
+        <p:spPr/>
+        <p:txBody>
+          <a:bodyPr/>
+          <a:lstStyle/>
+          <a:p>
+            <a:r>
+              <a:rPr lang="en-US" dirty="0"/>
+              <a:t>Much of this tutorial is based on Hadley Wickham’s Amazing </a:t>
+            </a:r>
+            <a:r>
+              <a:rPr lang="en-US" i="1" dirty="0"/>
+              <a:t>R For Data Science</a:t>
+            </a:r>
+            <a:r>
+              <a:rPr lang="en-US" dirty="0"/>
+              <a:t>, available for free at </a:t>
+            </a:r>
+            <a:r>
+              <a:rPr lang="en-US" dirty="0">
+                <a:hlinkClick r:id="rId2"/>
+              </a:rPr>
+              <a:t>https://r4ds.had.co.nz</a:t>
+            </a:r>
+            <a:endParaRPr lang="en-US" dirty="0"/>
+          </a:p>
+          <a:p>
+            <a:r>
+              <a:rPr lang="en-US" dirty="0"/>
+              <a:t>The </a:t>
+            </a:r>
+            <a:r>
+              <a:rPr lang="en-US" dirty="0" err="1"/>
+              <a:t>tidyverse</a:t>
+            </a:r>
+            <a:r>
+              <a:rPr lang="en-US" dirty="0"/>
+              <a:t> hex stickers are used under the terms of the Creative Commons 1.0 Universal license.</a:t>
+            </a:r>
+          </a:p>
+        </p:txBody>
+      </p:sp>
+      <p:sp>
+        <p:nvSpPr>
+          <p:cNvPr id="4" name="Date Placeholder 3">
+            <a:extLst>
+              <a:ext uri="{FF2B5EF4-FFF2-40B4-BE49-F238E27FC236}">
+                <a16:creationId xmlns:a16="http://schemas.microsoft.com/office/drawing/2014/main" id="{6BD03D3F-8307-4B2B-85E0-9639DD7F7B8C}"/>
+              </a:ext>
+            </a:extLst>
+          </p:cNvPr>
+          <p:cNvSpPr>
+            <a:spLocks noGrp="1"/>
+          </p:cNvSpPr>
+          <p:nvPr>
+            <p:ph type="dt" sz="half" idx="10"/>
+          </p:nvPr>
+        </p:nvSpPr>
+        <p:spPr/>
+        <p:txBody>
+          <a:bodyPr/>
+          <a:lstStyle/>
+          <a:p>
+            <a:fld id="{8AAE40A0-A7D8-4DC3-BC9E-BADA32DA2004}" type="datetime4">
+              <a:rPr lang="en-US" smtClean="0"/>
+              <a:t>July 7, 2019</a:t>
+            </a:fld>
+            <a:endParaRPr lang="en-US" dirty="0"/>
+          </a:p>
+        </p:txBody>
+      </p:sp>
+      <p:sp>
+        <p:nvSpPr>
+          <p:cNvPr id="5" name="Footer Placeholder 4">
+            <a:extLst>
+              <a:ext uri="{FF2B5EF4-FFF2-40B4-BE49-F238E27FC236}">
+                <a16:creationId xmlns:a16="http://schemas.microsoft.com/office/drawing/2014/main" id="{07FB1389-2798-4D26-8CCE-27767E9E7F1D}"/>
+              </a:ext>
+            </a:extLst>
+          </p:cNvPr>
+          <p:cNvSpPr>
+            <a:spLocks noGrp="1"/>
+          </p:cNvSpPr>
+          <p:nvPr>
+            <p:ph type="ftr" sz="quarter" idx="11"/>
+          </p:nvPr>
+        </p:nvSpPr>
+        <p:spPr/>
+        <p:txBody>
+          <a:bodyPr/>
+          <a:lstStyle/>
+          <a:p>
+            <a:r>
+              <a:rPr lang="en-US"/>
+              <a:t>Digital Scholarship Services </a:t>
+            </a:r>
+            <a:r>
+              <a:rPr lang="en-US">
+                <a:solidFill>
+                  <a:schemeClr val="accent1">
+                    <a:lumMod val="50000"/>
+                  </a:schemeClr>
+                </a:solidFill>
+              </a:rPr>
+              <a:t>| Email</a:t>
+            </a:r>
+            <a:r>
+              <a:rPr lang="en-US"/>
+              <a:t> cf24@rice.edu </a:t>
+            </a:r>
+            <a:r>
+              <a:rPr lang="en-US">
+                <a:solidFill>
+                  <a:schemeClr val="accent1">
+                    <a:lumMod val="50000"/>
+                  </a:schemeClr>
+                </a:solidFill>
+              </a:rPr>
+              <a:t>|</a:t>
+            </a:r>
+            <a:r>
+              <a:rPr lang="en-US"/>
+              <a:t> library.rice.edu/dss</a:t>
+            </a:r>
+            <a:endParaRPr lang="en-US" dirty="0"/>
+          </a:p>
+        </p:txBody>
+      </p:sp>
+      <p:sp>
+        <p:nvSpPr>
+          <p:cNvPr id="6" name="Slide Number Placeholder 5">
+            <a:extLst>
+              <a:ext uri="{FF2B5EF4-FFF2-40B4-BE49-F238E27FC236}">
+                <a16:creationId xmlns:a16="http://schemas.microsoft.com/office/drawing/2014/main" id="{D9EB88B7-3533-4306-8F51-5BF384EBA51E}"/>
+              </a:ext>
+            </a:extLst>
+          </p:cNvPr>
+          <p:cNvSpPr>
+            <a:spLocks noGrp="1"/>
+          </p:cNvSpPr>
+          <p:nvPr>
+            <p:ph type="sldNum" sz="quarter" idx="12"/>
+          </p:nvPr>
+        </p:nvSpPr>
+        <p:spPr/>
+        <p:txBody>
+          <a:bodyPr/>
+          <a:lstStyle/>
+          <a:p>
+            <a:fld id="{D57F1E4F-1CFF-5643-939E-02111984F565}" type="slidenum">
+              <a:rPr lang="en-US" smtClean="0"/>
+              <a:t>33</a:t>
+            </a:fld>
+            <a:endParaRPr lang="en-US" dirty="0"/>
+          </a:p>
+        </p:txBody>
+      </p:sp>
+    </p:spTree>
+    <p:extLst>
+      <p:ext uri="{BB962C8B-B14F-4D97-AF65-F5344CB8AC3E}">
+        <p14:creationId xmlns:p14="http://schemas.microsoft.com/office/powerpoint/2010/main" val="1583061505"/>
       </p:ext>
     </p:extLst>
   </p:cSld>
@@ -8651,7 +12492,13 @@
       </p:grpSpPr>
       <p:sp>
         <p:nvSpPr>
-          <p:cNvPr id="7" name="Title 6"/>
+          <p:cNvPr id="2" name="Title 1">
+            <a:extLst>
+              <a:ext uri="{FF2B5EF4-FFF2-40B4-BE49-F238E27FC236}">
+                <a16:creationId xmlns:a16="http://schemas.microsoft.com/office/drawing/2014/main" id="{579DD2C8-CA66-4474-9054-C86682ED2502}"/>
+              </a:ext>
+            </a:extLst>
+          </p:cNvPr>
           <p:cNvSpPr>
             <a:spLocks noGrp="1"/>
           </p:cNvSpPr>
@@ -8665,50 +12512,63 @@
           <a:lstStyle/>
           <a:p>
             <a:r>
-              <a:rPr lang="en-US" dirty="0" smtClean="0"/>
-              <a:t>DATA STORAGE</a:t>
-            </a:r>
-            <a:br>
-              <a:rPr lang="en-US" dirty="0" smtClean="0"/>
-            </a:br>
-            <a:r>
-              <a:rPr lang="en-US" dirty="0" smtClean="0"/>
-              <a:t>WITH TIBBLES</a:t>
-            </a:r>
-            <a:endParaRPr lang="en-US" dirty="0"/>
-          </a:p>
-        </p:txBody>
-      </p:sp>
-      <p:sp>
-        <p:nvSpPr>
-          <p:cNvPr id="8" name="Text Placeholder 7"/>
-          <p:cNvSpPr>
-            <a:spLocks noGrp="1"/>
-          </p:cNvSpPr>
-          <p:nvPr>
-            <p:ph type="body" idx="1"/>
-          </p:nvPr>
-        </p:nvSpPr>
-        <p:spPr/>
-        <p:txBody>
-          <a:bodyPr/>
-          <a:lstStyle/>
-          <a:p>
-            <a:r>
-              <a:rPr lang="en-US" dirty="0" smtClean="0"/>
-              <a:t>Tidy </a:t>
-            </a:r>
-            <a:r>
-              <a:rPr lang="en-US" dirty="0" err="1" smtClean="0"/>
-              <a:t>dataframes</a:t>
-            </a:r>
-            <a:endParaRPr lang="en-US" dirty="0"/>
-          </a:p>
-        </p:txBody>
-      </p:sp>
-      <p:sp>
-        <p:nvSpPr>
-          <p:cNvPr id="4" name="Date Placeholder 3"/>
+              <a:rPr lang="en-US" dirty="0"/>
+              <a:t>SO, WHAT IS TIDY DATA?</a:t>
+            </a:r>
+          </a:p>
+        </p:txBody>
+      </p:sp>
+      <p:sp>
+        <p:nvSpPr>
+          <p:cNvPr id="3" name="Content Placeholder 2">
+            <a:extLst>
+              <a:ext uri="{FF2B5EF4-FFF2-40B4-BE49-F238E27FC236}">
+                <a16:creationId xmlns:a16="http://schemas.microsoft.com/office/drawing/2014/main" id="{218EB716-6636-4CE5-AF81-A8022A95316A}"/>
+              </a:ext>
+            </a:extLst>
+          </p:cNvPr>
+          <p:cNvSpPr>
+            <a:spLocks noGrp="1"/>
+          </p:cNvSpPr>
+          <p:nvPr>
+            <p:ph idx="1"/>
+          </p:nvPr>
+        </p:nvSpPr>
+        <p:spPr/>
+        <p:txBody>
+          <a:bodyPr/>
+          <a:lstStyle/>
+          <a:p>
+            <a:r>
+              <a:rPr lang="en-US" dirty="0"/>
+              <a:t>Two rules:</a:t>
+            </a:r>
+          </a:p>
+          <a:p>
+            <a:pPr lvl="1"/>
+            <a:r>
+              <a:rPr lang="en-US" dirty="0"/>
+              <a:t>Row is an observation</a:t>
+            </a:r>
+          </a:p>
+          <a:p>
+            <a:pPr lvl="1"/>
+            <a:r>
+              <a:rPr lang="en-US" dirty="0"/>
+              <a:t>Column is a variable</a:t>
+            </a:r>
+          </a:p>
+        </p:txBody>
+      </p:sp>
+      <p:sp>
+        <p:nvSpPr>
+          <p:cNvPr id="4" name="Date Placeholder 3">
+            <a:extLst>
+              <a:ext uri="{FF2B5EF4-FFF2-40B4-BE49-F238E27FC236}">
+                <a16:creationId xmlns:a16="http://schemas.microsoft.com/office/drawing/2014/main" id="{D5492FF7-2196-494F-A448-BB3E07B4A431}"/>
+              </a:ext>
+            </a:extLst>
+          </p:cNvPr>
           <p:cNvSpPr>
             <a:spLocks noGrp="1"/>
           </p:cNvSpPr>
@@ -8723,7 +12583,7 @@
           <a:p>
             <a:fld id="{8AAE40A0-A7D8-4DC3-BC9E-BADA32DA2004}" type="datetime4">
               <a:rPr lang="en-US" smtClean="0"/>
-              <a:t>June 25, 2019</a:t>
+              <a:t>July 7, 2019</a:t>
             </a:fld>
             <a:endParaRPr lang="en-US" dirty="0"/>
           </a:p>
@@ -8731,7 +12591,13 @@
       </p:sp>
       <p:sp>
         <p:nvSpPr>
-          <p:cNvPr id="5" name="Footer Placeholder 4"/>
+          <p:cNvPr id="5" name="Footer Placeholder 4">
+            <a:extLst>
+              <a:ext uri="{FF2B5EF4-FFF2-40B4-BE49-F238E27FC236}">
+                <a16:creationId xmlns:a16="http://schemas.microsoft.com/office/drawing/2014/main" id="{FD7360DC-41A9-4763-9A01-DADA907D8EF1}"/>
+              </a:ext>
+            </a:extLst>
+          </p:cNvPr>
           <p:cNvSpPr>
             <a:spLocks noGrp="1"/>
           </p:cNvSpPr>
@@ -8745,11 +12611,11 @@
           <a:lstStyle/>
           <a:p>
             <a:r>
-              <a:rPr lang="en-US" smtClean="0"/>
+              <a:rPr lang="en-US"/>
               <a:t>Digital Scholarship Services </a:t>
             </a:r>
             <a:r>
-              <a:rPr lang="en-US" smtClean="0">
+              <a:rPr lang="en-US">
                 <a:solidFill>
                   <a:schemeClr val="accent1">
                     <a:lumMod val="50000"/>
@@ -8759,11 +12625,11 @@
               <a:t>| Email</a:t>
             </a:r>
             <a:r>
-              <a:rPr lang="en-US" smtClean="0"/>
+              <a:rPr lang="en-US"/>
               <a:t> cf24@rice.edu </a:t>
             </a:r>
             <a:r>
-              <a:rPr lang="en-US" smtClean="0">
+              <a:rPr lang="en-US">
                 <a:solidFill>
                   <a:schemeClr val="accent1">
                     <a:lumMod val="50000"/>
@@ -8773,7 +12639,7 @@
               <a:t>|</a:t>
             </a:r>
             <a:r>
-              <a:rPr lang="en-US" smtClean="0"/>
+              <a:rPr lang="en-US"/>
               <a:t> library.rice.edu/dss</a:t>
             </a:r>
             <a:endParaRPr lang="en-US" dirty="0"/>
@@ -8782,7 +12648,13 @@
       </p:sp>
       <p:sp>
         <p:nvSpPr>
-          <p:cNvPr id="6" name="Slide Number Placeholder 5"/>
+          <p:cNvPr id="6" name="Slide Number Placeholder 5">
+            <a:extLst>
+              <a:ext uri="{FF2B5EF4-FFF2-40B4-BE49-F238E27FC236}">
+                <a16:creationId xmlns:a16="http://schemas.microsoft.com/office/drawing/2014/main" id="{5EABE5DC-8415-4C59-968F-565BD51F398A}"/>
+              </a:ext>
+            </a:extLst>
+          </p:cNvPr>
           <p:cNvSpPr>
             <a:spLocks noGrp="1"/>
           </p:cNvSpPr>
@@ -8806,7 +12678,7 @@
     </p:spTree>
     <p:extLst>
       <p:ext uri="{BB962C8B-B14F-4D97-AF65-F5344CB8AC3E}">
-        <p14:creationId xmlns:p14="http://schemas.microsoft.com/office/powerpoint/2010/main" val="4292710653"/>
+        <p14:creationId xmlns:p14="http://schemas.microsoft.com/office/powerpoint/2010/main" val="129918219"/>
       </p:ext>
     </p:extLst>
   </p:cSld>
@@ -8835,7 +12707,13 @@
       </p:grpSpPr>
       <p:sp>
         <p:nvSpPr>
-          <p:cNvPr id="7" name="Title 6"/>
+          <p:cNvPr id="2" name="Title 1">
+            <a:extLst>
+              <a:ext uri="{FF2B5EF4-FFF2-40B4-BE49-F238E27FC236}">
+                <a16:creationId xmlns:a16="http://schemas.microsoft.com/office/drawing/2014/main" id="{6F8AC3F2-CBDA-4672-8B83-4F930CB292A8}"/>
+              </a:ext>
+            </a:extLst>
+          </p:cNvPr>
           <p:cNvSpPr>
             <a:spLocks noGrp="1"/>
           </p:cNvSpPr>
@@ -8849,16 +12727,21 @@
           <a:lstStyle/>
           <a:p>
             <a:r>
-              <a:rPr lang="en-US" dirty="0" smtClean="0"/>
-              <a:t>WHY TIBBLES?</a:t>
-            </a:r>
-            <a:endParaRPr lang="en-US" dirty="0"/>
-          </a:p>
-        </p:txBody>
-      </p:sp>
-      <p:sp>
-        <p:nvSpPr>
-          <p:cNvPr id="8" name="Content Placeholder 7"/>
+              <a:rPr lang="en-US" dirty="0"/>
+              <a:t>EXAMPLES OF UNTIDY DATA</a:t>
+            </a:r>
+          </a:p>
+        </p:txBody>
+      </p:sp>
+      <p:sp>
+        <p:nvSpPr>
+          <p:cNvPr id="3" name="Content Placeholder 2">
+            <a:extLst>
+              <a:ext uri="{FF2B5EF4-FFF2-40B4-BE49-F238E27FC236}">
+                <a16:creationId xmlns:a16="http://schemas.microsoft.com/office/drawing/2014/main" id="{154026D5-D5E3-443C-90A8-1F589C6CEA44}"/>
+              </a:ext>
+            </a:extLst>
+          </p:cNvPr>
           <p:cNvSpPr>
             <a:spLocks noGrp="1"/>
           </p:cNvSpPr>
@@ -8877,7 +12760,13 @@
       </p:sp>
       <p:sp>
         <p:nvSpPr>
-          <p:cNvPr id="4" name="Date Placeholder 3"/>
+          <p:cNvPr id="4" name="Date Placeholder 3">
+            <a:extLst>
+              <a:ext uri="{FF2B5EF4-FFF2-40B4-BE49-F238E27FC236}">
+                <a16:creationId xmlns:a16="http://schemas.microsoft.com/office/drawing/2014/main" id="{D721D2A5-24F2-4C7D-9E1A-9436BD7971B0}"/>
+              </a:ext>
+            </a:extLst>
+          </p:cNvPr>
           <p:cNvSpPr>
             <a:spLocks noGrp="1"/>
           </p:cNvSpPr>
@@ -8890,9 +12779,9 @@
           <a:bodyPr/>
           <a:lstStyle/>
           <a:p>
-            <a:fld id="{B08FEED8-D7D4-44E9-BFBC-ED06B5996D94}" type="datetime4">
+            <a:fld id="{8AAE40A0-A7D8-4DC3-BC9E-BADA32DA2004}" type="datetime4">
               <a:rPr lang="en-US" smtClean="0"/>
-              <a:t>June 25, 2019</a:t>
+              <a:t>July 7, 2019</a:t>
             </a:fld>
             <a:endParaRPr lang="en-US" dirty="0"/>
           </a:p>
@@ -8900,7 +12789,13 @@
       </p:sp>
       <p:sp>
         <p:nvSpPr>
-          <p:cNvPr id="5" name="Footer Placeholder 4"/>
+          <p:cNvPr id="5" name="Footer Placeholder 4">
+            <a:extLst>
+              <a:ext uri="{FF2B5EF4-FFF2-40B4-BE49-F238E27FC236}">
+                <a16:creationId xmlns:a16="http://schemas.microsoft.com/office/drawing/2014/main" id="{6D69B3FC-7BE6-4A8E-92E4-564BC33E0FF3}"/>
+              </a:ext>
+            </a:extLst>
+          </p:cNvPr>
           <p:cNvSpPr>
             <a:spLocks noGrp="1"/>
           </p:cNvSpPr>
@@ -8914,11 +12809,11 @@
           <a:lstStyle/>
           <a:p>
             <a:r>
-              <a:rPr lang="en-US" smtClean="0"/>
+              <a:rPr lang="en-US"/>
               <a:t>Digital Scholarship Services </a:t>
             </a:r>
             <a:r>
-              <a:rPr lang="en-US" smtClean="0">
+              <a:rPr lang="en-US">
                 <a:solidFill>
                   <a:schemeClr val="accent1">
                     <a:lumMod val="50000"/>
@@ -8928,11 +12823,11 @@
               <a:t>| Email</a:t>
             </a:r>
             <a:r>
-              <a:rPr lang="en-US" smtClean="0"/>
+              <a:rPr lang="en-US"/>
               <a:t> cf24@rice.edu </a:t>
             </a:r>
             <a:r>
-              <a:rPr lang="en-US" smtClean="0">
+              <a:rPr lang="en-US">
                 <a:solidFill>
                   <a:schemeClr val="accent1">
                     <a:lumMod val="50000"/>
@@ -8942,7 +12837,7 @@
               <a:t>|</a:t>
             </a:r>
             <a:r>
-              <a:rPr lang="en-US" smtClean="0"/>
+              <a:rPr lang="en-US"/>
               <a:t> library.rice.edu/dss</a:t>
             </a:r>
             <a:endParaRPr lang="en-US" dirty="0"/>
@@ -8951,7 +12846,13 @@
       </p:sp>
       <p:sp>
         <p:nvSpPr>
-          <p:cNvPr id="6" name="Slide Number Placeholder 5"/>
+          <p:cNvPr id="6" name="Slide Number Placeholder 5">
+            <a:extLst>
+              <a:ext uri="{FF2B5EF4-FFF2-40B4-BE49-F238E27FC236}">
+                <a16:creationId xmlns:a16="http://schemas.microsoft.com/office/drawing/2014/main" id="{5364D5C6-6376-4F7A-B222-7E3A35E099A2}"/>
+              </a:ext>
+            </a:extLst>
+          </p:cNvPr>
           <p:cNvSpPr>
             <a:spLocks noGrp="1"/>
           </p:cNvSpPr>
@@ -8975,7 +12876,7 @@
     </p:spTree>
     <p:extLst>
       <p:ext uri="{BB962C8B-B14F-4D97-AF65-F5344CB8AC3E}">
-        <p14:creationId xmlns:p14="http://schemas.microsoft.com/office/powerpoint/2010/main" val="2752769776"/>
+        <p14:creationId xmlns:p14="http://schemas.microsoft.com/office/powerpoint/2010/main" val="424203477"/>
       </p:ext>
     </p:extLst>
   </p:cSld>
@@ -9004,7 +12905,13 @@
       </p:grpSpPr>
       <p:sp>
         <p:nvSpPr>
-          <p:cNvPr id="7" name="Title 6"/>
+          <p:cNvPr id="2" name="Title 1">
+            <a:extLst>
+              <a:ext uri="{FF2B5EF4-FFF2-40B4-BE49-F238E27FC236}">
+                <a16:creationId xmlns:a16="http://schemas.microsoft.com/office/drawing/2014/main" id="{F31218C9-37B1-4A44-BDC9-66C93A37DED0}"/>
+              </a:ext>
+            </a:extLst>
+          </p:cNvPr>
           <p:cNvSpPr>
             <a:spLocks noGrp="1"/>
           </p:cNvSpPr>
@@ -9018,42 +12925,55 @@
           <a:lstStyle/>
           <a:p>
             <a:r>
-              <a:rPr lang="en-US" dirty="0" smtClean="0"/>
-              <a:t>DATA ACQUISITION</a:t>
-            </a:r>
-            <a:br>
-              <a:rPr lang="en-US" dirty="0" smtClean="0"/>
-            </a:br>
-            <a:r>
-              <a:rPr lang="en-US" dirty="0" smtClean="0"/>
-              <a:t>WITH READR</a:t>
-            </a:r>
-            <a:endParaRPr lang="en-US" dirty="0"/>
-          </a:p>
-        </p:txBody>
-      </p:sp>
-      <p:sp>
-        <p:nvSpPr>
-          <p:cNvPr id="8" name="Text Placeholder 7"/>
-          <p:cNvSpPr>
-            <a:spLocks noGrp="1"/>
-          </p:cNvSpPr>
-          <p:nvPr>
-            <p:ph type="body" idx="1"/>
-          </p:nvPr>
-        </p:nvSpPr>
-        <p:spPr/>
-        <p:txBody>
-          <a:bodyPr/>
-          <a:lstStyle/>
-          <a:p>
-            <a:endParaRPr lang="en-US"/>
-          </a:p>
-        </p:txBody>
-      </p:sp>
-      <p:sp>
-        <p:nvSpPr>
-          <p:cNvPr id="4" name="Date Placeholder 3"/>
+              <a:rPr lang="en-US" dirty="0"/>
+              <a:t>TIDYING UP</a:t>
+            </a:r>
+          </a:p>
+        </p:txBody>
+      </p:sp>
+      <p:sp>
+        <p:nvSpPr>
+          <p:cNvPr id="3" name="Content Placeholder 2">
+            <a:extLst>
+              <a:ext uri="{FF2B5EF4-FFF2-40B4-BE49-F238E27FC236}">
+                <a16:creationId xmlns:a16="http://schemas.microsoft.com/office/drawing/2014/main" id="{FAA6CB89-3DE6-4D10-A1F7-AA94A3C5C7B9}"/>
+              </a:ext>
+            </a:extLst>
+          </p:cNvPr>
+          <p:cNvSpPr>
+            <a:spLocks noGrp="1"/>
+          </p:cNvSpPr>
+          <p:nvPr>
+            <p:ph idx="1"/>
+          </p:nvPr>
+        </p:nvSpPr>
+        <p:spPr/>
+        <p:txBody>
+          <a:bodyPr/>
+          <a:lstStyle/>
+          <a:p>
+            <a:r>
+              <a:rPr lang="en-US" dirty="0"/>
+              <a:t>Scatter</a:t>
+            </a:r>
+          </a:p>
+          <a:p>
+            <a:r>
+              <a:rPr lang="en-US" dirty="0"/>
+              <a:t>Gather</a:t>
+            </a:r>
+          </a:p>
+        </p:txBody>
+      </p:sp>
+      <p:sp>
+        <p:nvSpPr>
+          <p:cNvPr id="4" name="Date Placeholder 3">
+            <a:extLst>
+              <a:ext uri="{FF2B5EF4-FFF2-40B4-BE49-F238E27FC236}">
+                <a16:creationId xmlns:a16="http://schemas.microsoft.com/office/drawing/2014/main" id="{5AFB7839-776B-4589-AF4D-7397BC31FFA2}"/>
+              </a:ext>
+            </a:extLst>
+          </p:cNvPr>
           <p:cNvSpPr>
             <a:spLocks noGrp="1"/>
           </p:cNvSpPr>
@@ -9068,7 +12988,7 @@
           <a:p>
             <a:fld id="{8AAE40A0-A7D8-4DC3-BC9E-BADA32DA2004}" type="datetime4">
               <a:rPr lang="en-US" smtClean="0"/>
-              <a:t>June 25, 2019</a:t>
+              <a:t>July 7, 2019</a:t>
             </a:fld>
             <a:endParaRPr lang="en-US" dirty="0"/>
           </a:p>
@@ -9076,7 +12996,13 @@
       </p:sp>
       <p:sp>
         <p:nvSpPr>
-          <p:cNvPr id="5" name="Footer Placeholder 4"/>
+          <p:cNvPr id="5" name="Footer Placeholder 4">
+            <a:extLst>
+              <a:ext uri="{FF2B5EF4-FFF2-40B4-BE49-F238E27FC236}">
+                <a16:creationId xmlns:a16="http://schemas.microsoft.com/office/drawing/2014/main" id="{6E7B8EC1-C8AC-4904-9B4B-7B50AD1E5638}"/>
+              </a:ext>
+            </a:extLst>
+          </p:cNvPr>
           <p:cNvSpPr>
             <a:spLocks noGrp="1"/>
           </p:cNvSpPr>
@@ -9090,11 +13016,11 @@
           <a:lstStyle/>
           <a:p>
             <a:r>
-              <a:rPr lang="en-US" smtClean="0"/>
+              <a:rPr lang="en-US"/>
               <a:t>Digital Scholarship Services </a:t>
             </a:r>
             <a:r>
-              <a:rPr lang="en-US" smtClean="0">
+              <a:rPr lang="en-US">
                 <a:solidFill>
                   <a:schemeClr val="accent1">
                     <a:lumMod val="50000"/>
@@ -9104,11 +13030,11 @@
               <a:t>| Email</a:t>
             </a:r>
             <a:r>
-              <a:rPr lang="en-US" smtClean="0"/>
+              <a:rPr lang="en-US"/>
               <a:t> cf24@rice.edu </a:t>
             </a:r>
             <a:r>
-              <a:rPr lang="en-US" smtClean="0">
+              <a:rPr lang="en-US">
                 <a:solidFill>
                   <a:schemeClr val="accent1">
                     <a:lumMod val="50000"/>
@@ -9118,7 +13044,7 @@
               <a:t>|</a:t>
             </a:r>
             <a:r>
-              <a:rPr lang="en-US" smtClean="0"/>
+              <a:rPr lang="en-US"/>
               <a:t> library.rice.edu/dss</a:t>
             </a:r>
             <a:endParaRPr lang="en-US" dirty="0"/>
@@ -9127,7 +13053,13 @@
       </p:sp>
       <p:sp>
         <p:nvSpPr>
-          <p:cNvPr id="6" name="Slide Number Placeholder 5"/>
+          <p:cNvPr id="6" name="Slide Number Placeholder 5">
+            <a:extLst>
+              <a:ext uri="{FF2B5EF4-FFF2-40B4-BE49-F238E27FC236}">
+                <a16:creationId xmlns:a16="http://schemas.microsoft.com/office/drawing/2014/main" id="{D21BE43A-9C3A-45B5-A29D-838E6783AED4}"/>
+              </a:ext>
+            </a:extLst>
+          </p:cNvPr>
           <p:cNvSpPr>
             <a:spLocks noGrp="1"/>
           </p:cNvSpPr>
@@ -9151,7 +13083,7 @@
     </p:spTree>
     <p:extLst>
       <p:ext uri="{BB962C8B-B14F-4D97-AF65-F5344CB8AC3E}">
-        <p14:creationId xmlns:p14="http://schemas.microsoft.com/office/powerpoint/2010/main" val="1403993645"/>
+        <p14:creationId xmlns:p14="http://schemas.microsoft.com/office/powerpoint/2010/main" val="1745989756"/>
       </p:ext>
     </p:extLst>
   </p:cSld>
@@ -9194,29 +13126,38 @@
           <a:lstStyle/>
           <a:p>
             <a:r>
-              <a:rPr lang="en-US" dirty="0" smtClean="0"/>
-              <a:t>READING DATA, TIDY-STYLE!</a:t>
-            </a:r>
-            <a:endParaRPr lang="en-US" dirty="0"/>
-          </a:p>
-        </p:txBody>
-      </p:sp>
-      <p:sp>
-        <p:nvSpPr>
-          <p:cNvPr id="8" name="Content Placeholder 7"/>
-          <p:cNvSpPr>
-            <a:spLocks noGrp="1"/>
-          </p:cNvSpPr>
-          <p:nvPr>
-            <p:ph idx="1"/>
-          </p:nvPr>
-        </p:nvSpPr>
-        <p:spPr/>
-        <p:txBody>
-          <a:bodyPr/>
-          <a:lstStyle/>
-          <a:p>
-            <a:endParaRPr lang="en-US"/>
+              <a:rPr lang="en-US" dirty="0"/>
+              <a:t>DATA STORAGE</a:t>
+            </a:r>
+            <a:br>
+              <a:rPr lang="en-US" dirty="0"/>
+            </a:br>
+            <a:r>
+              <a:rPr lang="en-US" dirty="0"/>
+              <a:t>WITH TIBBLES</a:t>
+            </a:r>
+          </a:p>
+        </p:txBody>
+      </p:sp>
+      <p:sp>
+        <p:nvSpPr>
+          <p:cNvPr id="8" name="Text Placeholder 7"/>
+          <p:cNvSpPr>
+            <a:spLocks noGrp="1"/>
+          </p:cNvSpPr>
+          <p:nvPr>
+            <p:ph type="body" idx="1"/>
+          </p:nvPr>
+        </p:nvSpPr>
+        <p:spPr/>
+        <p:txBody>
+          <a:bodyPr/>
+          <a:lstStyle/>
+          <a:p>
+            <a:r>
+              <a:rPr lang="en-US" dirty="0"/>
+              <a:t>A modernized approach to data frames</a:t>
+            </a:r>
           </a:p>
         </p:txBody>
       </p:sp>
@@ -9235,9 +13176,9 @@
           <a:bodyPr/>
           <a:lstStyle/>
           <a:p>
-            <a:fld id="{B08FEED8-D7D4-44E9-BFBC-ED06B5996D94}" type="datetime4">
+            <a:fld id="{8AAE40A0-A7D8-4DC3-BC9E-BADA32DA2004}" type="datetime4">
               <a:rPr lang="en-US" smtClean="0"/>
-              <a:t>June 25, 2019</a:t>
+              <a:t>July 7, 2019</a:t>
             </a:fld>
             <a:endParaRPr lang="en-US" dirty="0"/>
           </a:p>
@@ -9259,11 +13200,11 @@
           <a:lstStyle/>
           <a:p>
             <a:r>
-              <a:rPr lang="en-US" smtClean="0"/>
+              <a:rPr lang="en-US"/>
               <a:t>Digital Scholarship Services </a:t>
             </a:r>
             <a:r>
-              <a:rPr lang="en-US" smtClean="0">
+              <a:rPr lang="en-US">
                 <a:solidFill>
                   <a:schemeClr val="accent1">
                     <a:lumMod val="50000"/>
@@ -9273,11 +13214,11 @@
               <a:t>| Email</a:t>
             </a:r>
             <a:r>
-              <a:rPr lang="en-US" smtClean="0"/>
+              <a:rPr lang="en-US"/>
               <a:t> cf24@rice.edu </a:t>
             </a:r>
             <a:r>
-              <a:rPr lang="en-US" smtClean="0">
+              <a:rPr lang="en-US">
                 <a:solidFill>
                   <a:schemeClr val="accent1">
                     <a:lumMod val="50000"/>
@@ -9287,7 +13228,7 @@
               <a:t>|</a:t>
             </a:r>
             <a:r>
-              <a:rPr lang="en-US" smtClean="0"/>
+              <a:rPr lang="en-US"/>
               <a:t> library.rice.edu/dss</a:t>
             </a:r>
             <a:endParaRPr lang="en-US" dirty="0"/>
@@ -9320,7 +13261,7 @@
     </p:spTree>
     <p:extLst>
       <p:ext uri="{BB962C8B-B14F-4D97-AF65-F5344CB8AC3E}">
-        <p14:creationId xmlns:p14="http://schemas.microsoft.com/office/powerpoint/2010/main" val="1623985300"/>
+        <p14:creationId xmlns:p14="http://schemas.microsoft.com/office/powerpoint/2010/main" val="4292710653"/>
       </p:ext>
     </p:extLst>
   </p:cSld>
@@ -9363,36 +13304,59 @@
           <a:lstStyle/>
           <a:p>
             <a:r>
-              <a:rPr lang="en-US" dirty="0" smtClean="0"/>
-              <a:t>VECTOR MANIPULATION </a:t>
-            </a:r>
-            <a:br>
-              <a:rPr lang="en-US" dirty="0" smtClean="0"/>
-            </a:br>
-            <a:r>
-              <a:rPr lang="en-US" dirty="0" smtClean="0"/>
-              <a:t>WITH PURRR AND FURRR</a:t>
-            </a:r>
-            <a:endParaRPr lang="en-US" dirty="0"/>
-          </a:p>
-        </p:txBody>
-      </p:sp>
-      <p:sp>
-        <p:nvSpPr>
-          <p:cNvPr id="8" name="Text Placeholder 7"/>
-          <p:cNvSpPr>
-            <a:spLocks noGrp="1"/>
-          </p:cNvSpPr>
-          <p:nvPr>
-            <p:ph type="body" idx="1"/>
-          </p:nvPr>
-        </p:nvSpPr>
-        <p:spPr/>
-        <p:txBody>
-          <a:bodyPr/>
-          <a:lstStyle/>
-          <a:p>
-            <a:endParaRPr lang="en-US" dirty="0"/>
+              <a:rPr lang="en-US" dirty="0"/>
+              <a:t>WHY TIBBLES?</a:t>
+            </a:r>
+          </a:p>
+        </p:txBody>
+      </p:sp>
+      <p:sp>
+        <p:nvSpPr>
+          <p:cNvPr id="8" name="Content Placeholder 7"/>
+          <p:cNvSpPr>
+            <a:spLocks noGrp="1"/>
+          </p:cNvSpPr>
+          <p:nvPr>
+            <p:ph idx="1"/>
+          </p:nvPr>
+        </p:nvSpPr>
+        <p:spPr/>
+        <p:txBody>
+          <a:bodyPr/>
+          <a:lstStyle/>
+          <a:p>
+            <a:r>
+              <a:rPr lang="en-US" dirty="0"/>
+              <a:t>Fixes many annoyances with base R</a:t>
+            </a:r>
+          </a:p>
+          <a:p>
+            <a:pPr lvl="1"/>
+            <a:r>
+              <a:rPr lang="en-US" dirty="0" err="1"/>
+              <a:t>stringsAsFactors</a:t>
+            </a:r>
+            <a:endParaRPr lang="en-US" dirty="0"/>
+          </a:p>
+          <a:p>
+            <a:pPr lvl="1"/>
+            <a:r>
+              <a:rPr lang="en-US" dirty="0"/>
+              <a:t>Partial column name matching</a:t>
+            </a:r>
+          </a:p>
+          <a:p>
+            <a:pPr lvl="1"/>
+            <a:r>
+              <a:rPr lang="en-US" dirty="0"/>
+              <a:t>Unhelpful printing</a:t>
+            </a:r>
+          </a:p>
+          <a:p>
+            <a:r>
+              <a:rPr lang="en-US" dirty="0"/>
+              <a:t>Very easy to use with all the packages we are going to talk about today!</a:t>
+            </a:r>
           </a:p>
         </p:txBody>
       </p:sp>
@@ -9411,9 +13375,9 @@
           <a:bodyPr/>
           <a:lstStyle/>
           <a:p>
-            <a:fld id="{8AAE40A0-A7D8-4DC3-BC9E-BADA32DA2004}" type="datetime4">
+            <a:fld id="{B08FEED8-D7D4-44E9-BFBC-ED06B5996D94}" type="datetime4">
               <a:rPr lang="en-US" smtClean="0"/>
-              <a:t>June 25, 2019</a:t>
+              <a:t>July 7, 2019</a:t>
             </a:fld>
             <a:endParaRPr lang="en-US" dirty="0"/>
           </a:p>
@@ -9435,11 +13399,11 @@
           <a:lstStyle/>
           <a:p>
             <a:r>
-              <a:rPr lang="en-US" smtClean="0"/>
+              <a:rPr lang="en-US"/>
               <a:t>Digital Scholarship Services </a:t>
             </a:r>
             <a:r>
-              <a:rPr lang="en-US" smtClean="0">
+              <a:rPr lang="en-US">
                 <a:solidFill>
                   <a:schemeClr val="accent1">
                     <a:lumMod val="50000"/>
@@ -9449,11 +13413,11 @@
               <a:t>| Email</a:t>
             </a:r>
             <a:r>
-              <a:rPr lang="en-US" smtClean="0"/>
+              <a:rPr lang="en-US"/>
               <a:t> cf24@rice.edu </a:t>
             </a:r>
             <a:r>
-              <a:rPr lang="en-US" smtClean="0">
+              <a:rPr lang="en-US">
                 <a:solidFill>
                   <a:schemeClr val="accent1">
                     <a:lumMod val="50000"/>
@@ -9463,7 +13427,7 @@
               <a:t>|</a:t>
             </a:r>
             <a:r>
-              <a:rPr lang="en-US" smtClean="0"/>
+              <a:rPr lang="en-US"/>
               <a:t> library.rice.edu/dss</a:t>
             </a:r>
             <a:endParaRPr lang="en-US" dirty="0"/>
@@ -9496,7 +13460,7 @@
     </p:spTree>
     <p:extLst>
       <p:ext uri="{BB962C8B-B14F-4D97-AF65-F5344CB8AC3E}">
-        <p14:creationId xmlns:p14="http://schemas.microsoft.com/office/powerpoint/2010/main" val="1385717678"/>
+        <p14:creationId xmlns:p14="http://schemas.microsoft.com/office/powerpoint/2010/main" val="2752769776"/>
       </p:ext>
     </p:extLst>
   </p:cSld>
@@ -9525,7 +13489,13 @@
       </p:grpSpPr>
       <p:sp>
         <p:nvSpPr>
-          <p:cNvPr id="9" name="Title 8"/>
+          <p:cNvPr id="2" name="Title 1">
+            <a:extLst>
+              <a:ext uri="{FF2B5EF4-FFF2-40B4-BE49-F238E27FC236}">
+                <a16:creationId xmlns:a16="http://schemas.microsoft.com/office/drawing/2014/main" id="{73E8A098-C6E6-4EFF-89D4-4E2579E3F1C0}"/>
+              </a:ext>
+            </a:extLst>
+          </p:cNvPr>
           <p:cNvSpPr>
             <a:spLocks noGrp="1"/>
           </p:cNvSpPr>
@@ -9539,16 +13509,21 @@
           <a:lstStyle/>
           <a:p>
             <a:r>
-              <a:rPr lang="en-US" dirty="0" smtClean="0"/>
-              <a:t>FUNCTIONAL ALTERATIONS</a:t>
-            </a:r>
-            <a:endParaRPr lang="en-US" dirty="0"/>
-          </a:p>
-        </p:txBody>
-      </p:sp>
-      <p:sp>
-        <p:nvSpPr>
-          <p:cNvPr id="10" name="Content Placeholder 9"/>
+              <a:rPr lang="en-US" dirty="0"/>
+              <a:t>CONVERTING TO TIBBLES</a:t>
+            </a:r>
+          </a:p>
+        </p:txBody>
+      </p:sp>
+      <p:sp>
+        <p:nvSpPr>
+          <p:cNvPr id="3" name="Content Placeholder 2">
+            <a:extLst>
+              <a:ext uri="{FF2B5EF4-FFF2-40B4-BE49-F238E27FC236}">
+                <a16:creationId xmlns:a16="http://schemas.microsoft.com/office/drawing/2014/main" id="{587730EB-BBFF-4E48-AAD5-A2A14CE8CD54}"/>
+              </a:ext>
+            </a:extLst>
+          </p:cNvPr>
           <p:cNvSpPr>
             <a:spLocks noGrp="1"/>
           </p:cNvSpPr>
@@ -9567,7 +13542,13 @@
       </p:sp>
       <p:sp>
         <p:nvSpPr>
-          <p:cNvPr id="4" name="Date Placeholder 3"/>
+          <p:cNvPr id="4" name="Date Placeholder 3">
+            <a:extLst>
+              <a:ext uri="{FF2B5EF4-FFF2-40B4-BE49-F238E27FC236}">
+                <a16:creationId xmlns:a16="http://schemas.microsoft.com/office/drawing/2014/main" id="{BD330FEA-F721-4C6A-99EA-F0C4FD86DC0C}"/>
+              </a:ext>
+            </a:extLst>
+          </p:cNvPr>
           <p:cNvSpPr>
             <a:spLocks noGrp="1"/>
           </p:cNvSpPr>
@@ -9580,9 +13561,9 @@
           <a:bodyPr/>
           <a:lstStyle/>
           <a:p>
-            <a:fld id="{B08FEED8-D7D4-44E9-BFBC-ED06B5996D94}" type="datetime4">
+            <a:fld id="{8AAE40A0-A7D8-4DC3-BC9E-BADA32DA2004}" type="datetime4">
               <a:rPr lang="en-US" smtClean="0"/>
-              <a:t>June 25, 2019</a:t>
+              <a:t>July 7, 2019</a:t>
             </a:fld>
             <a:endParaRPr lang="en-US" dirty="0"/>
           </a:p>
@@ -9590,7 +13571,13 @@
       </p:sp>
       <p:sp>
         <p:nvSpPr>
-          <p:cNvPr id="5" name="Footer Placeholder 4"/>
+          <p:cNvPr id="5" name="Footer Placeholder 4">
+            <a:extLst>
+              <a:ext uri="{FF2B5EF4-FFF2-40B4-BE49-F238E27FC236}">
+                <a16:creationId xmlns:a16="http://schemas.microsoft.com/office/drawing/2014/main" id="{AE89460F-2B9A-44B8-A446-7E2F0C99C4A4}"/>
+              </a:ext>
+            </a:extLst>
+          </p:cNvPr>
           <p:cNvSpPr>
             <a:spLocks noGrp="1"/>
           </p:cNvSpPr>
@@ -9604,11 +13591,11 @@
           <a:lstStyle/>
           <a:p>
             <a:r>
-              <a:rPr lang="en-US" smtClean="0"/>
+              <a:rPr lang="en-US"/>
               <a:t>Digital Scholarship Services </a:t>
             </a:r>
             <a:r>
-              <a:rPr lang="en-US" smtClean="0">
+              <a:rPr lang="en-US">
                 <a:solidFill>
                   <a:schemeClr val="accent1">
                     <a:lumMod val="50000"/>
@@ -9618,11 +13605,11 @@
               <a:t>| Email</a:t>
             </a:r>
             <a:r>
-              <a:rPr lang="en-US" smtClean="0"/>
+              <a:rPr lang="en-US"/>
               <a:t> cf24@rice.edu </a:t>
             </a:r>
             <a:r>
-              <a:rPr lang="en-US" smtClean="0">
+              <a:rPr lang="en-US">
                 <a:solidFill>
                   <a:schemeClr val="accent1">
                     <a:lumMod val="50000"/>
@@ -9632,7 +13619,7 @@
               <a:t>|</a:t>
             </a:r>
             <a:r>
-              <a:rPr lang="en-US" smtClean="0"/>
+              <a:rPr lang="en-US"/>
               <a:t> library.rice.edu/dss</a:t>
             </a:r>
             <a:endParaRPr lang="en-US" dirty="0"/>
@@ -9641,7 +13628,13 @@
       </p:sp>
       <p:sp>
         <p:nvSpPr>
-          <p:cNvPr id="6" name="Slide Number Placeholder 5"/>
+          <p:cNvPr id="6" name="Slide Number Placeholder 5">
+            <a:extLst>
+              <a:ext uri="{FF2B5EF4-FFF2-40B4-BE49-F238E27FC236}">
+                <a16:creationId xmlns:a16="http://schemas.microsoft.com/office/drawing/2014/main" id="{1029086C-5DE7-4831-876E-27FB795FD716}"/>
+              </a:ext>
+            </a:extLst>
+          </p:cNvPr>
           <p:cNvSpPr>
             <a:spLocks noGrp="1"/>
           </p:cNvSpPr>
@@ -9665,7 +13658,7 @@
     </p:spTree>
     <p:extLst>
       <p:ext uri="{BB962C8B-B14F-4D97-AF65-F5344CB8AC3E}">
-        <p14:creationId xmlns:p14="http://schemas.microsoft.com/office/powerpoint/2010/main" val="1537886024"/>
+        <p14:creationId xmlns:p14="http://schemas.microsoft.com/office/powerpoint/2010/main" val="1668117470"/>
       </p:ext>
     </p:extLst>
   </p:cSld>

--- a/Rviz/R Visualization and Data Manipulation.pptx
+++ b/Rviz/R Visualization and Data Manipulation.pptx
@@ -5,7 +5,7 @@
     <p:sldMasterId id="2147483707" r:id="rId1"/>
   </p:sldMasterIdLst>
   <p:notesMasterIdLst>
-    <p:notesMasterId r:id="rId35"/>
+    <p:notesMasterId r:id="rId51"/>
   </p:notesMasterIdLst>
   <p:sldIdLst>
     <p:sldId id="266" r:id="rId2"/>
@@ -18,29 +18,45 @@
     <p:sldId id="275" r:id="rId9"/>
     <p:sldId id="283" r:id="rId10"/>
     <p:sldId id="284" r:id="rId11"/>
-    <p:sldId id="276" r:id="rId12"/>
-    <p:sldId id="277" r:id="rId13"/>
-    <p:sldId id="278" r:id="rId14"/>
-    <p:sldId id="279" r:id="rId15"/>
-    <p:sldId id="285" r:id="rId16"/>
-    <p:sldId id="270" r:id="rId17"/>
-    <p:sldId id="269" r:id="rId18"/>
-    <p:sldId id="287" r:id="rId19"/>
-    <p:sldId id="288" r:id="rId20"/>
-    <p:sldId id="286" r:id="rId21"/>
-    <p:sldId id="271" r:id="rId22"/>
-    <p:sldId id="268" r:id="rId23"/>
-    <p:sldId id="292" r:id="rId24"/>
-    <p:sldId id="296" r:id="rId25"/>
-    <p:sldId id="297" r:id="rId26"/>
-    <p:sldId id="293" r:id="rId27"/>
-    <p:sldId id="294" r:id="rId28"/>
-    <p:sldId id="298" r:id="rId29"/>
-    <p:sldId id="291" r:id="rId30"/>
-    <p:sldId id="289" r:id="rId31"/>
-    <p:sldId id="295" r:id="rId32"/>
-    <p:sldId id="290" r:id="rId33"/>
-    <p:sldId id="272" r:id="rId34"/>
+    <p:sldId id="307" r:id="rId12"/>
+    <p:sldId id="276" r:id="rId13"/>
+    <p:sldId id="277" r:id="rId14"/>
+    <p:sldId id="278" r:id="rId15"/>
+    <p:sldId id="279" r:id="rId16"/>
+    <p:sldId id="303" r:id="rId17"/>
+    <p:sldId id="304" r:id="rId18"/>
+    <p:sldId id="305" r:id="rId19"/>
+    <p:sldId id="306" r:id="rId20"/>
+    <p:sldId id="310" r:id="rId21"/>
+    <p:sldId id="285" r:id="rId22"/>
+    <p:sldId id="270" r:id="rId23"/>
+    <p:sldId id="269" r:id="rId24"/>
+    <p:sldId id="308" r:id="rId25"/>
+    <p:sldId id="311" r:id="rId26"/>
+    <p:sldId id="288" r:id="rId27"/>
+    <p:sldId id="287" r:id="rId28"/>
+    <p:sldId id="313" r:id="rId29"/>
+    <p:sldId id="314" r:id="rId30"/>
+    <p:sldId id="312" r:id="rId31"/>
+    <p:sldId id="309" r:id="rId32"/>
+    <p:sldId id="286" r:id="rId33"/>
+    <p:sldId id="271" r:id="rId34"/>
+    <p:sldId id="268" r:id="rId35"/>
+    <p:sldId id="292" r:id="rId36"/>
+    <p:sldId id="296" r:id="rId37"/>
+    <p:sldId id="297" r:id="rId38"/>
+    <p:sldId id="293" r:id="rId39"/>
+    <p:sldId id="299" r:id="rId40"/>
+    <p:sldId id="300" r:id="rId41"/>
+    <p:sldId id="301" r:id="rId42"/>
+    <p:sldId id="294" r:id="rId43"/>
+    <p:sldId id="298" r:id="rId44"/>
+    <p:sldId id="302" r:id="rId45"/>
+    <p:sldId id="291" r:id="rId46"/>
+    <p:sldId id="289" r:id="rId47"/>
+    <p:sldId id="295" r:id="rId48"/>
+    <p:sldId id="290" r:id="rId49"/>
+    <p:sldId id="272" r:id="rId50"/>
   </p:sldIdLst>
   <p:sldSz cx="12192000" cy="6858000"/>
   <p:notesSz cx="6858000" cy="9144000"/>
@@ -145,463 +161,6 @@
     </p:ext>
   </p:extLst>
 </p:presentation>
-</file>
-
-<file path=ppt/revisionInfo.xml><?xml version="1.0" encoding="utf-8"?>
-<p1510:revInfo xmlns:a="http://schemas.openxmlformats.org/drawingml/2006/main" xmlns:r="http://schemas.openxmlformats.org/officeDocument/2006/relationships" xmlns:p1510="http://schemas.microsoft.com/office/powerpoint/2015/10/main">
-  <p1510:revLst>
-    <p1510:client id="{783B737A-CDF2-4CEC-9D3B-537121A8FDCE}" v="95" dt="2019-06-19T19:17:49.401"/>
-  </p1510:revLst>
-</p1510:revInfo>
-</file>
-
-<file path=ppt/changesInfos/changesInfo1.xml><?xml version="1.0" encoding="utf-8"?>
-<pc:chgInfo xmlns:a="http://schemas.openxmlformats.org/drawingml/2006/main" xmlns:r="http://schemas.openxmlformats.org/officeDocument/2006/relationships" xmlns:ac="http://schemas.microsoft.com/office/drawing/2013/main/command" xmlns:pc="http://schemas.microsoft.com/office/powerpoint/2013/main/command">
-  <pc:docChgLst>
-    <pc:chgData name="Corrin Fosmire" userId="a524964c-8ea2-4043-a42f-6197262f79fd" providerId="ADAL" clId="{D757F5B3-0678-46AB-8D95-A69C2A76921D}"/>
-    <pc:docChg chg="custSel addSld delSld modSld sldOrd modMainMaster">
-      <pc:chgData name="Corrin Fosmire" userId="a524964c-8ea2-4043-a42f-6197262f79fd" providerId="ADAL" clId="{D757F5B3-0678-46AB-8D95-A69C2A76921D}" dt="2019-06-19T19:18:04.447" v="364" actId="20577"/>
-      <pc:docMkLst>
-        <pc:docMk/>
-      </pc:docMkLst>
-      <pc:sldChg chg="addSp delSp modSp">
-        <pc:chgData name="Corrin Fosmire" userId="a524964c-8ea2-4043-a42f-6197262f79fd" providerId="ADAL" clId="{D757F5B3-0678-46AB-8D95-A69C2A76921D}" dt="2019-06-19T19:11:47.879" v="135"/>
-        <pc:sldMkLst>
-          <pc:docMk/>
-          <pc:sldMk cId="999144808" sldId="264"/>
-        </pc:sldMkLst>
-        <pc:spChg chg="mod">
-          <ac:chgData name="Corrin Fosmire" userId="a524964c-8ea2-4043-a42f-6197262f79fd" providerId="ADAL" clId="{D757F5B3-0678-46AB-8D95-A69C2A76921D}" dt="2019-06-19T19:02:21.208" v="123" actId="20577"/>
-          <ac:spMkLst>
-            <pc:docMk/>
-            <pc:sldMk cId="999144808" sldId="264"/>
-            <ac:spMk id="2" creationId="{00000000-0000-0000-0000-000000000000}"/>
-          </ac:spMkLst>
-        </pc:spChg>
-        <pc:spChg chg="del">
-          <ac:chgData name="Corrin Fosmire" userId="a524964c-8ea2-4043-a42f-6197262f79fd" providerId="ADAL" clId="{D757F5B3-0678-46AB-8D95-A69C2A76921D}" dt="2019-06-19T19:11:47.879" v="135"/>
-          <ac:spMkLst>
-            <pc:docMk/>
-            <pc:sldMk cId="999144808" sldId="264"/>
-            <ac:spMk id="8" creationId="{9C03A20F-A47A-4830-AA63-199D95995645}"/>
-          </ac:spMkLst>
-        </pc:spChg>
-        <pc:spChg chg="add mod">
-          <ac:chgData name="Corrin Fosmire" userId="a524964c-8ea2-4043-a42f-6197262f79fd" providerId="ADAL" clId="{D757F5B3-0678-46AB-8D95-A69C2A76921D}" dt="2019-06-19T19:11:47.879" v="135"/>
-          <ac:spMkLst>
-            <pc:docMk/>
-            <pc:sldMk cId="999144808" sldId="264"/>
-            <ac:spMk id="9" creationId="{8772C546-7E83-4A84-BA9F-EA0D0CA5A804}"/>
-          </ac:spMkLst>
-        </pc:spChg>
-      </pc:sldChg>
-      <pc:sldChg chg="addSp delSp modSp">
-        <pc:chgData name="Corrin Fosmire" userId="a524964c-8ea2-4043-a42f-6197262f79fd" providerId="ADAL" clId="{D757F5B3-0678-46AB-8D95-A69C2A76921D}" dt="2019-06-19T19:01:45.004" v="84" actId="20577"/>
-        <pc:sldMkLst>
-          <pc:docMk/>
-          <pc:sldMk cId="2473095914" sldId="266"/>
-        </pc:sldMkLst>
-        <pc:spChg chg="mod">
-          <ac:chgData name="Corrin Fosmire" userId="a524964c-8ea2-4043-a42f-6197262f79fd" providerId="ADAL" clId="{D757F5B3-0678-46AB-8D95-A69C2A76921D}" dt="2019-06-19T19:01:45.004" v="84" actId="20577"/>
-          <ac:spMkLst>
-            <pc:docMk/>
-            <pc:sldMk cId="2473095914" sldId="266"/>
-            <ac:spMk id="2" creationId="{00000000-0000-0000-0000-000000000000}"/>
-          </ac:spMkLst>
-        </pc:spChg>
-        <pc:picChg chg="del">
-          <ac:chgData name="Corrin Fosmire" userId="a524964c-8ea2-4043-a42f-6197262f79fd" providerId="ADAL" clId="{D757F5B3-0678-46AB-8D95-A69C2A76921D}" dt="2019-06-19T18:41:03.873" v="0" actId="478"/>
-          <ac:picMkLst>
-            <pc:docMk/>
-            <pc:sldMk cId="2473095914" sldId="266"/>
-            <ac:picMk id="10" creationId="{F8D5928D-0061-478D-A5BF-2828C9E66416}"/>
-          </ac:picMkLst>
-        </pc:picChg>
-        <pc:picChg chg="add del mod">
-          <ac:chgData name="Corrin Fosmire" userId="a524964c-8ea2-4043-a42f-6197262f79fd" providerId="ADAL" clId="{D757F5B3-0678-46AB-8D95-A69C2A76921D}" dt="2019-06-19T19:00:46.024" v="30" actId="478"/>
-          <ac:picMkLst>
-            <pc:docMk/>
-            <pc:sldMk cId="2473095914" sldId="266"/>
-            <ac:picMk id="3074" creationId="{AD4BF5D8-838D-4C5B-B756-671A7B196425}"/>
-          </ac:picMkLst>
-        </pc:picChg>
-        <pc:picChg chg="add mod">
-          <ac:chgData name="Corrin Fosmire" userId="a524964c-8ea2-4043-a42f-6197262f79fd" providerId="ADAL" clId="{D757F5B3-0678-46AB-8D95-A69C2A76921D}" dt="2019-06-19T19:01:20.101" v="37" actId="1076"/>
-          <ac:picMkLst>
-            <pc:docMk/>
-            <pc:sldMk cId="2473095914" sldId="266"/>
-            <ac:picMk id="3076" creationId="{5A8BE6FE-13B6-4535-A943-2337EFA6DDA3}"/>
-          </ac:picMkLst>
-        </pc:picChg>
-      </pc:sldChg>
-      <pc:sldChg chg="add del">
-        <pc:chgData name="Corrin Fosmire" userId="a524964c-8ea2-4043-a42f-6197262f79fd" providerId="ADAL" clId="{D757F5B3-0678-46AB-8D95-A69C2A76921D}" dt="2019-06-19T19:12:04.706" v="138" actId="2696"/>
-        <pc:sldMkLst>
-          <pc:docMk/>
-          <pc:sldMk cId="3125377559" sldId="267"/>
-        </pc:sldMkLst>
-      </pc:sldChg>
-      <pc:sldChg chg="addSp delSp modSp add">
-        <pc:chgData name="Corrin Fosmire" userId="a524964c-8ea2-4043-a42f-6197262f79fd" providerId="ADAL" clId="{D757F5B3-0678-46AB-8D95-A69C2A76921D}" dt="2019-06-19T19:12:14.838" v="153"/>
-        <pc:sldMkLst>
-          <pc:docMk/>
-          <pc:sldMk cId="2814895575" sldId="268"/>
-        </pc:sldMkLst>
-        <pc:spChg chg="mod">
-          <ac:chgData name="Corrin Fosmire" userId="a524964c-8ea2-4043-a42f-6197262f79fd" providerId="ADAL" clId="{D757F5B3-0678-46AB-8D95-A69C2A76921D}" dt="2019-06-19T19:12:09.221" v="151" actId="20577"/>
-          <ac:spMkLst>
-            <pc:docMk/>
-            <pc:sldMk cId="2814895575" sldId="268"/>
-            <ac:spMk id="2" creationId="{8BB31801-2E3E-485F-82B8-81F94CAC0E69}"/>
-          </ac:spMkLst>
-        </pc:spChg>
-        <pc:picChg chg="add del">
-          <ac:chgData name="Corrin Fosmire" userId="a524964c-8ea2-4043-a42f-6197262f79fd" providerId="ADAL" clId="{D757F5B3-0678-46AB-8D95-A69C2A76921D}" dt="2019-06-19T19:12:14.838" v="153"/>
-          <ac:picMkLst>
-            <pc:docMk/>
-            <pc:sldMk cId="2814895575" sldId="268"/>
-            <ac:picMk id="6146" creationId="{A51DE127-4F6B-4BFD-966E-F05D8C6C96F4}"/>
-          </ac:picMkLst>
-        </pc:picChg>
-      </pc:sldChg>
-      <pc:sldChg chg="modSp add ord">
-        <pc:chgData name="Corrin Fosmire" userId="a524964c-8ea2-4043-a42f-6197262f79fd" providerId="ADAL" clId="{D757F5B3-0678-46AB-8D95-A69C2A76921D}" dt="2019-06-19T19:12:33.291" v="167"/>
-        <pc:sldMkLst>
-          <pc:docMk/>
-          <pc:sldMk cId="773067360" sldId="269"/>
-        </pc:sldMkLst>
-        <pc:spChg chg="mod">
-          <ac:chgData name="Corrin Fosmire" userId="a524964c-8ea2-4043-a42f-6197262f79fd" providerId="ADAL" clId="{D757F5B3-0678-46AB-8D95-A69C2A76921D}" dt="2019-06-19T19:12:26.437" v="166" actId="20577"/>
-          <ac:spMkLst>
-            <pc:docMk/>
-            <pc:sldMk cId="773067360" sldId="269"/>
-            <ac:spMk id="2" creationId="{783AB27B-A036-46B4-8273-B00B4CC009E5}"/>
-          </ac:spMkLst>
-        </pc:spChg>
-      </pc:sldChg>
-      <pc:sldChg chg="addSp delSp modSp add">
-        <pc:chgData name="Corrin Fosmire" userId="a524964c-8ea2-4043-a42f-6197262f79fd" providerId="ADAL" clId="{D757F5B3-0678-46AB-8D95-A69C2A76921D}" dt="2019-06-19T19:13:11.918" v="223" actId="20577"/>
-        <pc:sldMkLst>
-          <pc:docMk/>
-          <pc:sldMk cId="2464089218" sldId="270"/>
-        </pc:sldMkLst>
-        <pc:spChg chg="del">
-          <ac:chgData name="Corrin Fosmire" userId="a524964c-8ea2-4043-a42f-6197262f79fd" providerId="ADAL" clId="{D757F5B3-0678-46AB-8D95-A69C2A76921D}" dt="2019-06-19T19:12:55.229" v="171"/>
-          <ac:spMkLst>
-            <pc:docMk/>
-            <pc:sldMk cId="2464089218" sldId="270"/>
-            <ac:spMk id="2" creationId="{F366ACA6-0080-4E1E-B9A9-A57DEFA661A6}"/>
-          </ac:spMkLst>
-        </pc:spChg>
-        <pc:spChg chg="del">
-          <ac:chgData name="Corrin Fosmire" userId="a524964c-8ea2-4043-a42f-6197262f79fd" providerId="ADAL" clId="{D757F5B3-0678-46AB-8D95-A69C2A76921D}" dt="2019-06-19T19:12:55.229" v="171"/>
-          <ac:spMkLst>
-            <pc:docMk/>
-            <pc:sldMk cId="2464089218" sldId="270"/>
-            <ac:spMk id="3" creationId="{86EE26B4-B393-4F0D-96F3-41251C9A25D9}"/>
-          </ac:spMkLst>
-        </pc:spChg>
-        <pc:spChg chg="add mod">
-          <ac:chgData name="Corrin Fosmire" userId="a524964c-8ea2-4043-a42f-6197262f79fd" providerId="ADAL" clId="{D757F5B3-0678-46AB-8D95-A69C2A76921D}" dt="2019-06-19T19:13:06.854" v="196" actId="20577"/>
-          <ac:spMkLst>
-            <pc:docMk/>
-            <pc:sldMk cId="2464089218" sldId="270"/>
-            <ac:spMk id="7" creationId="{F9B622D1-34BF-44D8-BDC0-3D31803EC1C8}"/>
-          </ac:spMkLst>
-        </pc:spChg>
-        <pc:spChg chg="add mod">
-          <ac:chgData name="Corrin Fosmire" userId="a524964c-8ea2-4043-a42f-6197262f79fd" providerId="ADAL" clId="{D757F5B3-0678-46AB-8D95-A69C2A76921D}" dt="2019-06-19T19:13:11.918" v="223" actId="20577"/>
-          <ac:spMkLst>
-            <pc:docMk/>
-            <pc:sldMk cId="2464089218" sldId="270"/>
-            <ac:spMk id="8" creationId="{DD6D9B92-0C9B-4797-BC66-E014C6A328D0}"/>
-          </ac:spMkLst>
-        </pc:spChg>
-      </pc:sldChg>
-      <pc:sldChg chg="add del">
-        <pc:chgData name="Corrin Fosmire" userId="a524964c-8ea2-4043-a42f-6197262f79fd" providerId="ADAL" clId="{D757F5B3-0678-46AB-8D95-A69C2A76921D}" dt="2019-06-19T19:12:47.684" v="169" actId="2696"/>
-        <pc:sldMkLst>
-          <pc:docMk/>
-          <pc:sldMk cId="4238098952" sldId="270"/>
-        </pc:sldMkLst>
-      </pc:sldChg>
-      <pc:sldChg chg="modSp add">
-        <pc:chgData name="Corrin Fosmire" userId="a524964c-8ea2-4043-a42f-6197262f79fd" providerId="ADAL" clId="{D757F5B3-0678-46AB-8D95-A69C2A76921D}" dt="2019-06-19T19:13:35.620" v="259" actId="20577"/>
-        <pc:sldMkLst>
-          <pc:docMk/>
-          <pc:sldMk cId="2922848558" sldId="271"/>
-        </pc:sldMkLst>
-        <pc:spChg chg="mod">
-          <ac:chgData name="Corrin Fosmire" userId="a524964c-8ea2-4043-a42f-6197262f79fd" providerId="ADAL" clId="{D757F5B3-0678-46AB-8D95-A69C2A76921D}" dt="2019-06-19T19:13:28.688" v="231" actId="20577"/>
-          <ac:spMkLst>
-            <pc:docMk/>
-            <pc:sldMk cId="2922848558" sldId="271"/>
-            <ac:spMk id="7" creationId="{F9B622D1-34BF-44D8-BDC0-3D31803EC1C8}"/>
-          </ac:spMkLst>
-        </pc:spChg>
-        <pc:spChg chg="mod">
-          <ac:chgData name="Corrin Fosmire" userId="a524964c-8ea2-4043-a42f-6197262f79fd" providerId="ADAL" clId="{D757F5B3-0678-46AB-8D95-A69C2A76921D}" dt="2019-06-19T19:13:35.620" v="259" actId="20577"/>
-          <ac:spMkLst>
-            <pc:docMk/>
-            <pc:sldMk cId="2922848558" sldId="271"/>
-            <ac:spMk id="8" creationId="{DD6D9B92-0C9B-4797-BC66-E014C6A328D0}"/>
-          </ac:spMkLst>
-        </pc:spChg>
-      </pc:sldChg>
-      <pc:sldChg chg="addSp delSp modSp add">
-        <pc:chgData name="Corrin Fosmire" userId="a524964c-8ea2-4043-a42f-6197262f79fd" providerId="ADAL" clId="{D757F5B3-0678-46AB-8D95-A69C2A76921D}" dt="2019-06-19T19:17:35.214" v="296"/>
-        <pc:sldMkLst>
-          <pc:docMk/>
-          <pc:sldMk cId="1583061505" sldId="272"/>
-        </pc:sldMkLst>
-        <pc:spChg chg="mod">
-          <ac:chgData name="Corrin Fosmire" userId="a524964c-8ea2-4043-a42f-6197262f79fd" providerId="ADAL" clId="{D757F5B3-0678-46AB-8D95-A69C2A76921D}" dt="2019-06-19T19:17:28.869" v="295" actId="20577"/>
-          <ac:spMkLst>
-            <pc:docMk/>
-            <pc:sldMk cId="1583061505" sldId="272"/>
-            <ac:spMk id="2" creationId="{A8909A85-5F97-4785-BA4C-680457A0F1AF}"/>
-          </ac:spMkLst>
-        </pc:spChg>
-        <pc:spChg chg="del">
-          <ac:chgData name="Corrin Fosmire" userId="a524964c-8ea2-4043-a42f-6197262f79fd" providerId="ADAL" clId="{D757F5B3-0678-46AB-8D95-A69C2A76921D}" dt="2019-06-19T19:17:35.214" v="296"/>
-          <ac:spMkLst>
-            <pc:docMk/>
-            <pc:sldMk cId="1583061505" sldId="272"/>
-            <ac:spMk id="3" creationId="{3DFF09E7-B1BA-41B2-A7D8-29660FFA46D5}"/>
-          </ac:spMkLst>
-        </pc:spChg>
-        <pc:spChg chg="add mod">
-          <ac:chgData name="Corrin Fosmire" userId="a524964c-8ea2-4043-a42f-6197262f79fd" providerId="ADAL" clId="{D757F5B3-0678-46AB-8D95-A69C2A76921D}" dt="2019-06-19T19:17:35.214" v="296"/>
-          <ac:spMkLst>
-            <pc:docMk/>
-            <pc:sldMk cId="1583061505" sldId="272"/>
-            <ac:spMk id="7" creationId="{063C36B6-F28F-4BE7-9B27-1DD6F6385857}"/>
-          </ac:spMkLst>
-        </pc:spChg>
-      </pc:sldChg>
-      <pc:sldChg chg="addSp delSp modSp add">
-        <pc:chgData name="Corrin Fosmire" userId="a524964c-8ea2-4043-a42f-6197262f79fd" providerId="ADAL" clId="{D757F5B3-0678-46AB-8D95-A69C2A76921D}" dt="2019-06-19T19:18:04.447" v="364" actId="20577"/>
-        <pc:sldMkLst>
-          <pc:docMk/>
-          <pc:sldMk cId="1352389852" sldId="273"/>
-        </pc:sldMkLst>
-        <pc:spChg chg="del">
-          <ac:chgData name="Corrin Fosmire" userId="a524964c-8ea2-4043-a42f-6197262f79fd" providerId="ADAL" clId="{D757F5B3-0678-46AB-8D95-A69C2A76921D}" dt="2019-06-19T19:17:49.401" v="298"/>
-          <ac:spMkLst>
-            <pc:docMk/>
-            <pc:sldMk cId="1352389852" sldId="273"/>
-            <ac:spMk id="2" creationId="{C017F9D3-C7A7-4E5F-8D80-DE024113B0FA}"/>
-          </ac:spMkLst>
-        </pc:spChg>
-        <pc:spChg chg="del">
-          <ac:chgData name="Corrin Fosmire" userId="a524964c-8ea2-4043-a42f-6197262f79fd" providerId="ADAL" clId="{D757F5B3-0678-46AB-8D95-A69C2A76921D}" dt="2019-06-19T19:17:49.401" v="298"/>
-          <ac:spMkLst>
-            <pc:docMk/>
-            <pc:sldMk cId="1352389852" sldId="273"/>
-            <ac:spMk id="3" creationId="{1D330353-D2DF-4FD2-8286-BA98BACE63B1}"/>
-          </ac:spMkLst>
-        </pc:spChg>
-        <pc:spChg chg="add mod">
-          <ac:chgData name="Corrin Fosmire" userId="a524964c-8ea2-4043-a42f-6197262f79fd" providerId="ADAL" clId="{D757F5B3-0678-46AB-8D95-A69C2A76921D}" dt="2019-06-19T19:17:56.263" v="325" actId="20577"/>
-          <ac:spMkLst>
-            <pc:docMk/>
-            <pc:sldMk cId="1352389852" sldId="273"/>
-            <ac:spMk id="7" creationId="{2C7C7B52-4FB0-4A0B-B5E1-EDD5A9ADA476}"/>
-          </ac:spMkLst>
-        </pc:spChg>
-        <pc:spChg chg="add mod">
-          <ac:chgData name="Corrin Fosmire" userId="a524964c-8ea2-4043-a42f-6197262f79fd" providerId="ADAL" clId="{D757F5B3-0678-46AB-8D95-A69C2A76921D}" dt="2019-06-19T19:18:04.447" v="364" actId="20577"/>
-          <ac:spMkLst>
-            <pc:docMk/>
-            <pc:sldMk cId="1352389852" sldId="273"/>
-            <ac:spMk id="8" creationId="{235128D3-FA6E-47E7-87E1-272DD4C10B55}"/>
-          </ac:spMkLst>
-        </pc:spChg>
-      </pc:sldChg>
-      <pc:sldMasterChg chg="modSldLayout">
-        <pc:chgData name="Corrin Fosmire" userId="a524964c-8ea2-4043-a42f-6197262f79fd" providerId="ADAL" clId="{D757F5B3-0678-46AB-8D95-A69C2A76921D}" dt="2019-06-19T19:16:50.681" v="278" actId="14100"/>
-        <pc:sldMasterMkLst>
-          <pc:docMk/>
-          <pc:sldMasterMk cId="900081173" sldId="2147483707"/>
-        </pc:sldMasterMkLst>
-        <pc:sldLayoutChg chg="addSp delSp modSp">
-          <pc:chgData name="Corrin Fosmire" userId="a524964c-8ea2-4043-a42f-6197262f79fd" providerId="ADAL" clId="{D757F5B3-0678-46AB-8D95-A69C2A76921D}" dt="2019-06-19T18:58:41.981" v="29" actId="14100"/>
-          <pc:sldLayoutMkLst>
-            <pc:docMk/>
-            <pc:sldMasterMk cId="900081173" sldId="2147483707"/>
-            <pc:sldLayoutMk cId="1808569555" sldId="2147483709"/>
-          </pc:sldLayoutMkLst>
-          <pc:picChg chg="del">
-            <ac:chgData name="Corrin Fosmire" userId="a524964c-8ea2-4043-a42f-6197262f79fd" providerId="ADAL" clId="{D757F5B3-0678-46AB-8D95-A69C2A76921D}" dt="2019-06-19T18:44:11.096" v="12" actId="478"/>
-            <ac:picMkLst>
-              <pc:docMk/>
-              <pc:sldMasterMk cId="900081173" sldId="2147483707"/>
-              <pc:sldLayoutMk cId="1808569555" sldId="2147483709"/>
-              <ac:picMk id="9" creationId="{93C9F7BD-F268-4C6C-A4D6-B43AB1E4A025}"/>
-            </ac:picMkLst>
-          </pc:picChg>
-          <pc:picChg chg="add del mod">
-            <ac:chgData name="Corrin Fosmire" userId="a524964c-8ea2-4043-a42f-6197262f79fd" providerId="ADAL" clId="{D757F5B3-0678-46AB-8D95-A69C2A76921D}" dt="2019-06-19T18:57:53.031" v="24" actId="478"/>
-            <ac:picMkLst>
-              <pc:docMk/>
-              <pc:sldMasterMk cId="900081173" sldId="2147483707"/>
-              <pc:sldLayoutMk cId="1808569555" sldId="2147483709"/>
-              <ac:picMk id="2050" creationId="{054C54F5-53B0-4085-BCF6-3E14CB6F4EB1}"/>
-            </ac:picMkLst>
-          </pc:picChg>
-          <pc:picChg chg="add del">
-            <ac:chgData name="Corrin Fosmire" userId="a524964c-8ea2-4043-a42f-6197262f79fd" providerId="ADAL" clId="{D757F5B3-0678-46AB-8D95-A69C2A76921D}" dt="2019-06-19T18:58:02.326" v="26" actId="478"/>
-            <ac:picMkLst>
-              <pc:docMk/>
-              <pc:sldMasterMk cId="900081173" sldId="2147483707"/>
-              <pc:sldLayoutMk cId="1808569555" sldId="2147483709"/>
-              <ac:picMk id="2052" creationId="{EC020F3A-4134-4C52-BF0B-8ECCEDC0B379}"/>
-            </ac:picMkLst>
-          </pc:picChg>
-          <pc:picChg chg="add mod">
-            <ac:chgData name="Corrin Fosmire" userId="a524964c-8ea2-4043-a42f-6197262f79fd" providerId="ADAL" clId="{D757F5B3-0678-46AB-8D95-A69C2A76921D}" dt="2019-06-19T18:58:41.981" v="29" actId="14100"/>
-            <ac:picMkLst>
-              <pc:docMk/>
-              <pc:sldMasterMk cId="900081173" sldId="2147483707"/>
-              <pc:sldLayoutMk cId="1808569555" sldId="2147483709"/>
-              <ac:picMk id="2054" creationId="{E6548B91-9F8D-4993-A187-9A451BE46FD8}"/>
-            </ac:picMkLst>
-          </pc:picChg>
-        </pc:sldLayoutChg>
-        <pc:sldLayoutChg chg="addSp delSp modSp">
-          <pc:chgData name="Corrin Fosmire" userId="a524964c-8ea2-4043-a42f-6197262f79fd" providerId="ADAL" clId="{D757F5B3-0678-46AB-8D95-A69C2A76921D}" dt="2019-06-19T19:11:33.674" v="134" actId="14100"/>
-          <pc:sldLayoutMkLst>
-            <pc:docMk/>
-            <pc:sldMasterMk cId="900081173" sldId="2147483707"/>
-            <pc:sldLayoutMk cId="49427724" sldId="2147483710"/>
-          </pc:sldLayoutMkLst>
-          <pc:picChg chg="del">
-            <ac:chgData name="Corrin Fosmire" userId="a524964c-8ea2-4043-a42f-6197262f79fd" providerId="ADAL" clId="{D757F5B3-0678-46AB-8D95-A69C2A76921D}" dt="2019-06-19T19:11:17.291" v="130" actId="478"/>
-            <ac:picMkLst>
-              <pc:docMk/>
-              <pc:sldMasterMk cId="900081173" sldId="2147483707"/>
-              <pc:sldLayoutMk cId="49427724" sldId="2147483710"/>
-              <ac:picMk id="8" creationId="{4511FBB2-1A2A-41A5-9E35-F225C7338F5E}"/>
-            </ac:picMkLst>
-          </pc:picChg>
-          <pc:picChg chg="add mod">
-            <ac:chgData name="Corrin Fosmire" userId="a524964c-8ea2-4043-a42f-6197262f79fd" providerId="ADAL" clId="{D757F5B3-0678-46AB-8D95-A69C2A76921D}" dt="2019-06-19T19:11:33.674" v="134" actId="14100"/>
-            <ac:picMkLst>
-              <pc:docMk/>
-              <pc:sldMasterMk cId="900081173" sldId="2147483707"/>
-              <pc:sldLayoutMk cId="49427724" sldId="2147483710"/>
-              <ac:picMk id="1026" creationId="{72D18DC8-9A40-4D01-845D-4D6CB7B9B60C}"/>
-            </ac:picMkLst>
-          </pc:picChg>
-        </pc:sldLayoutChg>
-        <pc:sldLayoutChg chg="addSp delSp modSp">
-          <pc:chgData name="Corrin Fosmire" userId="a524964c-8ea2-4043-a42f-6197262f79fd" providerId="ADAL" clId="{D757F5B3-0678-46AB-8D95-A69C2A76921D}" dt="2019-06-19T18:57:16.987" v="23" actId="14100"/>
-          <pc:sldLayoutMkLst>
-            <pc:docMk/>
-            <pc:sldMasterMk cId="900081173" sldId="2147483707"/>
-            <pc:sldLayoutMk cId="4186932437" sldId="2147483719"/>
-          </pc:sldLayoutMkLst>
-          <pc:picChg chg="del">
-            <ac:chgData name="Corrin Fosmire" userId="a524964c-8ea2-4043-a42f-6197262f79fd" providerId="ADAL" clId="{D757F5B3-0678-46AB-8D95-A69C2A76921D}" dt="2019-06-19T18:57:07.252" v="21" actId="478"/>
-            <ac:picMkLst>
-              <pc:docMk/>
-              <pc:sldMasterMk cId="900081173" sldId="2147483707"/>
-              <pc:sldLayoutMk cId="4186932437" sldId="2147483719"/>
-              <ac:picMk id="2050" creationId="{054C54F5-53B0-4085-BCF6-3E14CB6F4EB1}"/>
-            </ac:picMkLst>
-          </pc:picChg>
-          <pc:picChg chg="add mod">
-            <ac:chgData name="Corrin Fosmire" userId="a524964c-8ea2-4043-a42f-6197262f79fd" providerId="ADAL" clId="{D757F5B3-0678-46AB-8D95-A69C2A76921D}" dt="2019-06-19T18:57:16.987" v="23" actId="14100"/>
-            <ac:picMkLst>
-              <pc:docMk/>
-              <pc:sldMasterMk cId="900081173" sldId="2147483707"/>
-              <pc:sldLayoutMk cId="4186932437" sldId="2147483719"/>
-              <ac:picMk id="4098" creationId="{84924D5D-31FF-4BA9-9128-2F2F5F93EF67}"/>
-            </ac:picMkLst>
-          </pc:picChg>
-        </pc:sldLayoutChg>
-        <pc:sldLayoutChg chg="addSp delSp modSp">
-          <pc:chgData name="Corrin Fosmire" userId="a524964c-8ea2-4043-a42f-6197262f79fd" providerId="ADAL" clId="{D757F5B3-0678-46AB-8D95-A69C2A76921D}" dt="2019-06-19T19:10:53.311" v="129" actId="14100"/>
-          <pc:sldLayoutMkLst>
-            <pc:docMk/>
-            <pc:sldMasterMk cId="900081173" sldId="2147483707"/>
-            <pc:sldLayoutMk cId="289356546" sldId="2147483720"/>
-          </pc:sldLayoutMkLst>
-          <pc:picChg chg="del mod">
-            <ac:chgData name="Corrin Fosmire" userId="a524964c-8ea2-4043-a42f-6197262f79fd" providerId="ADAL" clId="{D757F5B3-0678-46AB-8D95-A69C2A76921D}" dt="2019-06-19T19:10:26.783" v="127" actId="478"/>
-            <ac:picMkLst>
-              <pc:docMk/>
-              <pc:sldMasterMk cId="900081173" sldId="2147483707"/>
-              <pc:sldLayoutMk cId="289356546" sldId="2147483720"/>
-              <ac:picMk id="4098" creationId="{84924D5D-31FF-4BA9-9128-2F2F5F93EF67}"/>
-            </ac:picMkLst>
-          </pc:picChg>
-          <pc:picChg chg="add mod">
-            <ac:chgData name="Corrin Fosmire" userId="a524964c-8ea2-4043-a42f-6197262f79fd" providerId="ADAL" clId="{D757F5B3-0678-46AB-8D95-A69C2A76921D}" dt="2019-06-19T19:10:53.311" v="129" actId="14100"/>
-            <ac:picMkLst>
-              <pc:docMk/>
-              <pc:sldMasterMk cId="900081173" sldId="2147483707"/>
-              <pc:sldLayoutMk cId="289356546" sldId="2147483720"/>
-              <ac:picMk id="5122" creationId="{F76BB529-BB3C-45E9-92B0-880F5B9ECB98}"/>
-            </ac:picMkLst>
-          </pc:picChg>
-        </pc:sldLayoutChg>
-        <pc:sldLayoutChg chg="addSp delSp modSp">
-          <pc:chgData name="Corrin Fosmire" userId="a524964c-8ea2-4043-a42f-6197262f79fd" providerId="ADAL" clId="{D757F5B3-0678-46AB-8D95-A69C2A76921D}" dt="2019-06-19T19:14:53.445" v="268" actId="14100"/>
-          <pc:sldLayoutMkLst>
-            <pc:docMk/>
-            <pc:sldMasterMk cId="900081173" sldId="2147483707"/>
-            <pc:sldLayoutMk cId="799889474" sldId="2147483721"/>
-          </pc:sldLayoutMkLst>
-          <pc:picChg chg="add mod">
-            <ac:chgData name="Corrin Fosmire" userId="a524964c-8ea2-4043-a42f-6197262f79fd" providerId="ADAL" clId="{D757F5B3-0678-46AB-8D95-A69C2A76921D}" dt="2019-06-19T19:14:53.445" v="268" actId="14100"/>
-            <ac:picMkLst>
-              <pc:docMk/>
-              <pc:sldMasterMk cId="900081173" sldId="2147483707"/>
-              <pc:sldLayoutMk cId="799889474" sldId="2147483721"/>
-              <ac:picMk id="8" creationId="{2B423E35-BB3A-420D-97DC-41C64528DCAD}"/>
-            </ac:picMkLst>
-          </pc:picChg>
-          <pc:picChg chg="add del">
-            <ac:chgData name="Corrin Fosmire" userId="a524964c-8ea2-4043-a42f-6197262f79fd" providerId="ADAL" clId="{D757F5B3-0678-46AB-8D95-A69C2A76921D}" dt="2019-06-19T19:14:45.899" v="267" actId="478"/>
-            <ac:picMkLst>
-              <pc:docMk/>
-              <pc:sldMasterMk cId="900081173" sldId="2147483707"/>
-              <pc:sldLayoutMk cId="799889474" sldId="2147483721"/>
-              <ac:picMk id="1026" creationId="{72D18DC8-9A40-4D01-845D-4D6CB7B9B60C}"/>
-            </ac:picMkLst>
-          </pc:picChg>
-        </pc:sldLayoutChg>
-        <pc:sldLayoutChg chg="addSp delSp modSp">
-          <pc:chgData name="Corrin Fosmire" userId="a524964c-8ea2-4043-a42f-6197262f79fd" providerId="ADAL" clId="{D757F5B3-0678-46AB-8D95-A69C2A76921D}" dt="2019-06-19T19:16:50.681" v="278" actId="14100"/>
-          <pc:sldLayoutMkLst>
-            <pc:docMk/>
-            <pc:sldMasterMk cId="900081173" sldId="2147483707"/>
-            <pc:sldLayoutMk cId="844720777" sldId="2147483722"/>
-          </pc:sldLayoutMkLst>
-          <pc:picChg chg="del">
-            <ac:chgData name="Corrin Fosmire" userId="a524964c-8ea2-4043-a42f-6197262f79fd" providerId="ADAL" clId="{D757F5B3-0678-46AB-8D95-A69C2A76921D}" dt="2019-06-19T19:16:45.947" v="277" actId="478"/>
-            <ac:picMkLst>
-              <pc:docMk/>
-              <pc:sldMasterMk cId="900081173" sldId="2147483707"/>
-              <pc:sldLayoutMk cId="844720777" sldId="2147483722"/>
-              <ac:picMk id="8" creationId="{2B423E35-BB3A-420D-97DC-41C64528DCAD}"/>
-            </ac:picMkLst>
-          </pc:picChg>
-          <pc:picChg chg="add mod">
-            <ac:chgData name="Corrin Fosmire" userId="a524964c-8ea2-4043-a42f-6197262f79fd" providerId="ADAL" clId="{D757F5B3-0678-46AB-8D95-A69C2A76921D}" dt="2019-06-19T19:16:50.681" v="278" actId="14100"/>
-            <ac:picMkLst>
-              <pc:docMk/>
-              <pc:sldMasterMk cId="900081173" sldId="2147483707"/>
-              <pc:sldLayoutMk cId="844720777" sldId="2147483722"/>
-              <ac:picMk id="7170" creationId="{7028791A-2A4F-4650-BD0F-4D8A55BAECCC}"/>
-            </ac:picMkLst>
-          </pc:picChg>
-        </pc:sldLayoutChg>
-      </pc:sldMasterChg>
-    </pc:docChg>
-  </pc:docChgLst>
-</pc:chgInfo>
 </file>
 
 <file path=ppt/notesMasters/notesMaster1.xml><?xml version="1.0" encoding="utf-8"?>
@@ -1184,12 +743,14 @@
           <a:bodyPr anchor="b"/>
           <a:lstStyle>
             <a:lvl1pPr>
-              <a:defRPr sz="6000"/>
+              <a:defRPr sz="6000">
+                <a:latin typeface="+mn-lt"/>
+              </a:defRPr>
             </a:lvl1pPr>
           </a:lstStyle>
           <a:p>
             <a:r>
-              <a:rPr lang="en-US"/>
+              <a:rPr lang="en-US" dirty="0"/>
               <a:t>Click to edit Master title style</a:t>
             </a:r>
           </a:p>
@@ -1506,12 +1067,14 @@
           <a:bodyPr anchor="b"/>
           <a:lstStyle>
             <a:lvl1pPr>
-              <a:defRPr sz="6000"/>
+              <a:defRPr sz="6000">
+                <a:latin typeface="+mn-lt"/>
+              </a:defRPr>
             </a:lvl1pPr>
           </a:lstStyle>
           <a:p>
             <a:r>
-              <a:rPr lang="en-US"/>
+              <a:rPr lang="en-US" dirty="0"/>
               <a:t>Click to edit Master title style</a:t>
             </a:r>
           </a:p>
@@ -1834,12 +1397,14 @@
           <a:bodyPr anchor="b"/>
           <a:lstStyle>
             <a:lvl1pPr>
-              <a:defRPr sz="6000"/>
+              <a:defRPr sz="6000">
+                <a:latin typeface="+mn-lt"/>
+              </a:defRPr>
             </a:lvl1pPr>
           </a:lstStyle>
           <a:p>
             <a:r>
-              <a:rPr lang="en-US"/>
+              <a:rPr lang="en-US" dirty="0"/>
               <a:t>Click to edit Master title style</a:t>
             </a:r>
           </a:p>
@@ -2162,12 +1727,14 @@
           <a:bodyPr anchor="b"/>
           <a:lstStyle>
             <a:lvl1pPr>
-              <a:defRPr sz="6000"/>
+              <a:defRPr sz="6000">
+                <a:latin typeface="+mn-lt"/>
+              </a:defRPr>
             </a:lvl1pPr>
           </a:lstStyle>
           <a:p>
             <a:r>
-              <a:rPr lang="en-US"/>
+              <a:rPr lang="en-US" dirty="0"/>
               <a:t>Click to edit Master title style</a:t>
             </a:r>
           </a:p>
@@ -3846,7 +3413,13 @@
         </p:spPr>
         <p:txBody>
           <a:bodyPr/>
-          <a:lstStyle/>
+          <a:lstStyle>
+            <a:lvl1pPr>
+              <a:defRPr>
+                <a:latin typeface="+mn-lt"/>
+              </a:defRPr>
+            </a:lvl1pPr>
+          </a:lstStyle>
           <a:p>
             <a:r>
               <a:rPr lang="en-US" dirty="0"/>
@@ -4461,7 +4034,13 @@
         </p:spPr>
         <p:txBody>
           <a:bodyPr/>
-          <a:lstStyle/>
+          <a:lstStyle>
+            <a:lvl1pPr>
+              <a:defRPr>
+                <a:latin typeface="+mn-lt"/>
+              </a:defRPr>
+            </a:lvl1pPr>
+          </a:lstStyle>
           <a:p>
             <a:r>
               <a:rPr lang="en-US" dirty="0"/>
@@ -4721,7 +4300,13 @@
         </p:spPr>
         <p:txBody>
           <a:bodyPr/>
-          <a:lstStyle/>
+          <a:lstStyle>
+            <a:lvl1pPr>
+              <a:defRPr>
+                <a:latin typeface="+mn-lt"/>
+              </a:defRPr>
+            </a:lvl1pPr>
+          </a:lstStyle>
           <a:p>
             <a:r>
               <a:rPr lang="en-US" dirty="0"/>
@@ -4976,7 +4561,13 @@
         </p:spPr>
         <p:txBody>
           <a:bodyPr/>
-          <a:lstStyle/>
+          <a:lstStyle>
+            <a:lvl1pPr>
+              <a:defRPr>
+                <a:latin typeface="+mn-lt"/>
+              </a:defRPr>
+            </a:lvl1pPr>
+          </a:lstStyle>
           <a:p>
             <a:r>
               <a:rPr lang="en-US" dirty="0"/>
@@ -5237,7 +4828,13 @@
         </p:spPr>
         <p:txBody>
           <a:bodyPr/>
-          <a:lstStyle/>
+          <a:lstStyle>
+            <a:lvl1pPr>
+              <a:defRPr>
+                <a:latin typeface="+mn-lt"/>
+              </a:defRPr>
+            </a:lvl1pPr>
+          </a:lstStyle>
           <a:p>
             <a:r>
               <a:rPr lang="en-US" dirty="0"/>
@@ -5498,7 +5095,13 @@
         </p:spPr>
         <p:txBody>
           <a:bodyPr/>
-          <a:lstStyle/>
+          <a:lstStyle>
+            <a:lvl1pPr>
+              <a:defRPr>
+                <a:latin typeface="+mn-lt"/>
+              </a:defRPr>
+            </a:lvl1pPr>
+          </a:lstStyle>
           <a:p>
             <a:r>
               <a:rPr lang="en-US" dirty="0"/>
@@ -5760,12 +5363,14 @@
           <a:bodyPr anchor="b"/>
           <a:lstStyle>
             <a:lvl1pPr>
-              <a:defRPr sz="6000"/>
+              <a:defRPr sz="6000">
+                <a:latin typeface="+mn-lt"/>
+              </a:defRPr>
             </a:lvl1pPr>
           </a:lstStyle>
           <a:p>
             <a:r>
-              <a:rPr lang="en-US"/>
+              <a:rPr lang="en-US" dirty="0"/>
               <a:t>Click to edit Master title style</a:t>
             </a:r>
           </a:p>
@@ -6088,12 +5693,14 @@
           <a:bodyPr anchor="b"/>
           <a:lstStyle>
             <a:lvl1pPr>
-              <a:defRPr sz="6000"/>
+              <a:defRPr sz="6000">
+                <a:latin typeface="+mn-lt"/>
+              </a:defRPr>
             </a:lvl1pPr>
           </a:lstStyle>
           <a:p>
             <a:r>
-              <a:rPr lang="en-US"/>
+              <a:rPr lang="en-US" dirty="0"/>
               <a:t>Click to edit Master title style</a:t>
             </a:r>
           </a:p>
@@ -7331,7 +6938,91 @@
           <a:bodyPr/>
           <a:lstStyle/>
           <a:p>
-            <a:endParaRPr lang="en-US"/>
+            <a:r>
+              <a:rPr lang="en-US" dirty="0"/>
+              <a:t>Column approach</a:t>
+            </a:r>
+          </a:p>
+          <a:p>
+            <a:pPr lvl="1"/>
+            <a:r>
+              <a:rPr lang="en-US" dirty="0" err="1">
+                <a:latin typeface="Courier New" panose="02070309020205020404" pitchFamily="49" charset="0"/>
+                <a:cs typeface="Courier New" panose="02070309020205020404" pitchFamily="49" charset="0"/>
+              </a:rPr>
+              <a:t>tibble</a:t>
+            </a:r>
+            <a:r>
+              <a:rPr lang="en-US" dirty="0">
+                <a:latin typeface="Courier New" panose="02070309020205020404" pitchFamily="49" charset="0"/>
+                <a:cs typeface="Courier New" panose="02070309020205020404" pitchFamily="49" charset="0"/>
+              </a:rPr>
+              <a:t>(colname1=c(…), colname2=c(…))</a:t>
+            </a:r>
+          </a:p>
+          <a:p>
+            <a:r>
+              <a:rPr lang="en-US" dirty="0"/>
+              <a:t>Row approach</a:t>
+            </a:r>
+          </a:p>
+          <a:p>
+            <a:pPr lvl="1"/>
+            <a:r>
+              <a:rPr lang="en-US" dirty="0">
+                <a:latin typeface="Courier New" panose="02070309020205020404" pitchFamily="49" charset="0"/>
+                <a:cs typeface="Courier New" panose="02070309020205020404" pitchFamily="49" charset="0"/>
+              </a:rPr>
+              <a:t>tribble(</a:t>
+            </a:r>
+          </a:p>
+          <a:p>
+            <a:pPr marL="457200" lvl="1" indent="0">
+              <a:buNone/>
+            </a:pPr>
+            <a:r>
+              <a:rPr lang="en-US" dirty="0">
+                <a:latin typeface="Courier New" panose="02070309020205020404" pitchFamily="49" charset="0"/>
+                <a:cs typeface="Courier New" panose="02070309020205020404" pitchFamily="49" charset="0"/>
+              </a:rPr>
+              <a:t>	~colname1, 	~colname2,</a:t>
+            </a:r>
+          </a:p>
+          <a:p>
+            <a:pPr marL="457200" lvl="1" indent="0">
+              <a:buNone/>
+            </a:pPr>
+            <a:r>
+              <a:rPr lang="en-US" dirty="0">
+                <a:latin typeface="Courier New" panose="02070309020205020404" pitchFamily="49" charset="0"/>
+                <a:cs typeface="Courier New" panose="02070309020205020404" pitchFamily="49" charset="0"/>
+              </a:rPr>
+              <a:t>	val1,			val2,</a:t>
+            </a:r>
+          </a:p>
+          <a:p>
+            <a:pPr marL="457200" lvl="1" indent="0">
+              <a:buNone/>
+            </a:pPr>
+            <a:r>
+              <a:rPr lang="en-US" dirty="0">
+                <a:latin typeface="Courier New" panose="02070309020205020404" pitchFamily="49" charset="0"/>
+                <a:cs typeface="Courier New" panose="02070309020205020404" pitchFamily="49" charset="0"/>
+              </a:rPr>
+              <a:t>	val3, 		val4,</a:t>
+            </a:r>
+          </a:p>
+          <a:p>
+            <a:pPr marL="457200" lvl="1" indent="0">
+              <a:buNone/>
+            </a:pPr>
+            <a:r>
+              <a:rPr lang="en-US" dirty="0">
+                <a:latin typeface="Courier New" panose="02070309020205020404" pitchFamily="49" charset="0"/>
+                <a:cs typeface="Courier New" panose="02070309020205020404" pitchFamily="49" charset="0"/>
+              </a:rPr>
+              <a:t>)</a:t>
+            </a:r>
           </a:p>
         </p:txBody>
       </p:sp>
@@ -7482,7 +7173,13 @@
       </p:grpSpPr>
       <p:sp>
         <p:nvSpPr>
-          <p:cNvPr id="7" name="Title 6"/>
+          <p:cNvPr id="2" name="Title 1">
+            <a:extLst>
+              <a:ext uri="{FF2B5EF4-FFF2-40B4-BE49-F238E27FC236}">
+                <a16:creationId xmlns:a16="http://schemas.microsoft.com/office/drawing/2014/main" id="{62849F97-B0A8-4DB2-9DE0-969BB64FAA1E}"/>
+              </a:ext>
+            </a:extLst>
+          </p:cNvPr>
           <p:cNvSpPr>
             <a:spLocks noGrp="1"/>
           </p:cNvSpPr>
@@ -7497,51 +7194,240 @@
           <a:p>
             <a:r>
               <a:rPr lang="en-US" dirty="0"/>
-              <a:t>DATA ACQUISITION</a:t>
-            </a:r>
-            <a:br>
-              <a:rPr lang="en-US" dirty="0"/>
-            </a:br>
-            <a:r>
-              <a:rPr lang="en-US" dirty="0"/>
-              <a:t>WITH READR</a:t>
-            </a:r>
-          </a:p>
-        </p:txBody>
-      </p:sp>
-      <p:sp>
-        <p:nvSpPr>
-          <p:cNvPr id="8" name="Text Placeholder 7"/>
-          <p:cNvSpPr>
-            <a:spLocks noGrp="1"/>
-          </p:cNvSpPr>
-          <p:nvPr>
-            <p:ph type="body" idx="1"/>
-          </p:nvPr>
-        </p:nvSpPr>
-        <p:spPr/>
-        <p:txBody>
-          <a:bodyPr/>
-          <a:lstStyle/>
-          <a:p>
-            <a:r>
-              <a:rPr lang="en-US" dirty="0"/>
-              <a:t>Fast, simple, and instantly in the </a:t>
-            </a:r>
-            <a:r>
-              <a:rPr lang="en-US" dirty="0" err="1"/>
+              <a:t>ACCESSING TIBBLES</a:t>
+            </a:r>
+          </a:p>
+        </p:txBody>
+      </p:sp>
+      <p:sp>
+        <p:nvSpPr>
+          <p:cNvPr id="3" name="Content Placeholder 2">
+            <a:extLst>
+              <a:ext uri="{FF2B5EF4-FFF2-40B4-BE49-F238E27FC236}">
+                <a16:creationId xmlns:a16="http://schemas.microsoft.com/office/drawing/2014/main" id="{CE332362-EAA1-46F7-BBD3-98F5DB3E3C42}"/>
+              </a:ext>
+            </a:extLst>
+          </p:cNvPr>
+          <p:cNvSpPr>
+            <a:spLocks noGrp="1"/>
+          </p:cNvSpPr>
+          <p:nvPr>
+            <p:ph idx="1"/>
+          </p:nvPr>
+        </p:nvSpPr>
+        <p:spPr/>
+        <p:txBody>
+          <a:bodyPr/>
+          <a:lstStyle/>
+          <a:p>
+            <a:r>
+              <a:rPr lang="en-US" dirty="0">
+                <a:cs typeface="Courier New" panose="02070309020205020404" pitchFamily="49" charset="0"/>
+              </a:rPr>
+              <a:t>Columns:</a:t>
+            </a:r>
+          </a:p>
+          <a:p>
+            <a:pPr lvl="1"/>
+            <a:r>
+              <a:rPr lang="en-US" dirty="0" err="1">
+                <a:latin typeface="Courier New" panose="02070309020205020404" pitchFamily="49" charset="0"/>
+                <a:cs typeface="Courier New" panose="02070309020205020404" pitchFamily="49" charset="0"/>
+              </a:rPr>
+              <a:t>tbl$colname</a:t>
+            </a:r>
+            <a:endParaRPr lang="en-US" dirty="0">
+              <a:latin typeface="Courier New" panose="02070309020205020404" pitchFamily="49" charset="0"/>
+              <a:cs typeface="Courier New" panose="02070309020205020404" pitchFamily="49" charset="0"/>
+            </a:endParaRPr>
+          </a:p>
+          <a:p>
+            <a:pPr lvl="1"/>
+            <a:r>
+              <a:rPr lang="en-US" dirty="0">
+                <a:latin typeface="Courier New" panose="02070309020205020404" pitchFamily="49" charset="0"/>
+                <a:cs typeface="Courier New" panose="02070309020205020404" pitchFamily="49" charset="0"/>
+              </a:rPr>
+              <a:t>select(</a:t>
+            </a:r>
+            <a:r>
+              <a:rPr lang="en-US" dirty="0" err="1">
+                <a:latin typeface="Courier New" panose="02070309020205020404" pitchFamily="49" charset="0"/>
+                <a:cs typeface="Courier New" panose="02070309020205020404" pitchFamily="49" charset="0"/>
+              </a:rPr>
+              <a:t>tbl</a:t>
+            </a:r>
+            <a:r>
+              <a:rPr lang="en-US" dirty="0">
+                <a:latin typeface="Courier New" panose="02070309020205020404" pitchFamily="49" charset="0"/>
+                <a:cs typeface="Courier New" panose="02070309020205020404" pitchFamily="49" charset="0"/>
+              </a:rPr>
+              <a:t>, </a:t>
+            </a:r>
+            <a:r>
+              <a:rPr lang="en-US" dirty="0" err="1">
+                <a:latin typeface="Courier New" panose="02070309020205020404" pitchFamily="49" charset="0"/>
+                <a:cs typeface="Courier New" panose="02070309020205020404" pitchFamily="49" charset="0"/>
+              </a:rPr>
+              <a:t>colnames</a:t>
+            </a:r>
+            <a:r>
+              <a:rPr lang="en-US" dirty="0">
+                <a:latin typeface="Courier New" panose="02070309020205020404" pitchFamily="49" charset="0"/>
+                <a:cs typeface="Courier New" panose="02070309020205020404" pitchFamily="49" charset="0"/>
+              </a:rPr>
+              <a:t>): </a:t>
+            </a:r>
+            <a:r>
+              <a:rPr lang="en-US" dirty="0">
+                <a:cs typeface="Courier New" panose="02070309020205020404" pitchFamily="49" charset="0"/>
+              </a:rPr>
+              <a:t>returns a </a:t>
+            </a:r>
+            <a:r>
+              <a:rPr lang="en-US" dirty="0" err="1">
+                <a:cs typeface="Courier New" panose="02070309020205020404" pitchFamily="49" charset="0"/>
+              </a:rPr>
+              <a:t>tibble</a:t>
+            </a:r>
+            <a:endParaRPr lang="en-US" dirty="0">
+              <a:cs typeface="Courier New" panose="02070309020205020404" pitchFamily="49" charset="0"/>
+            </a:endParaRPr>
+          </a:p>
+          <a:p>
+            <a:pPr lvl="1"/>
+            <a:r>
+              <a:rPr lang="en-US" dirty="0">
+                <a:latin typeface="Courier New" panose="02070309020205020404" pitchFamily="49" charset="0"/>
+                <a:cs typeface="Courier New" panose="02070309020205020404" pitchFamily="49" charset="0"/>
+              </a:rPr>
+              <a:t>pull(</a:t>
+            </a:r>
+            <a:r>
+              <a:rPr lang="en-US" dirty="0" err="1">
+                <a:latin typeface="Courier New" panose="02070309020205020404" pitchFamily="49" charset="0"/>
+                <a:cs typeface="Courier New" panose="02070309020205020404" pitchFamily="49" charset="0"/>
+              </a:rPr>
+              <a:t>tbl</a:t>
+            </a:r>
+            <a:r>
+              <a:rPr lang="en-US" dirty="0">
+                <a:latin typeface="Courier New" panose="02070309020205020404" pitchFamily="49" charset="0"/>
+                <a:cs typeface="Courier New" panose="02070309020205020404" pitchFamily="49" charset="0"/>
+              </a:rPr>
+              <a:t>, </a:t>
+            </a:r>
+            <a:r>
+              <a:rPr lang="en-US" dirty="0" err="1">
+                <a:latin typeface="Courier New" panose="02070309020205020404" pitchFamily="49" charset="0"/>
+                <a:cs typeface="Courier New" panose="02070309020205020404" pitchFamily="49" charset="0"/>
+              </a:rPr>
+              <a:t>colname</a:t>
+            </a:r>
+            <a:r>
+              <a:rPr lang="en-US" dirty="0">
+                <a:latin typeface="Courier New" panose="02070309020205020404" pitchFamily="49" charset="0"/>
+                <a:cs typeface="Courier New" panose="02070309020205020404" pitchFamily="49" charset="0"/>
+              </a:rPr>
+              <a:t>): </a:t>
+            </a:r>
+            <a:r>
+              <a:rPr lang="en-US" dirty="0">
+                <a:cs typeface="Courier New" panose="02070309020205020404" pitchFamily="49" charset="0"/>
+              </a:rPr>
+              <a:t>returns a vector</a:t>
+            </a:r>
+          </a:p>
+          <a:p>
+            <a:r>
+              <a:rPr lang="en-US" dirty="0">
+                <a:cs typeface="Courier New" panose="02070309020205020404" pitchFamily="49" charset="0"/>
+              </a:rPr>
+              <a:t>Rows:</a:t>
+            </a:r>
+          </a:p>
+          <a:p>
+            <a:pPr lvl="1"/>
+            <a:r>
+              <a:rPr lang="en-US" dirty="0" err="1">
+                <a:latin typeface="Courier New" panose="02070309020205020404" pitchFamily="49" charset="0"/>
+                <a:cs typeface="Courier New" panose="02070309020205020404" pitchFamily="49" charset="0"/>
+              </a:rPr>
+              <a:t>tbl</a:t>
+            </a:r>
+            <a:r>
+              <a:rPr lang="en-US" dirty="0">
+                <a:latin typeface="Courier New" panose="02070309020205020404" pitchFamily="49" charset="0"/>
+                <a:cs typeface="Courier New" panose="02070309020205020404" pitchFamily="49" charset="0"/>
+              </a:rPr>
+              <a:t>[index, ]</a:t>
+            </a:r>
+          </a:p>
+          <a:p>
+            <a:pPr lvl="1"/>
+            <a:r>
+              <a:rPr lang="en-US" dirty="0">
+                <a:latin typeface="Courier New" panose="02070309020205020404" pitchFamily="49" charset="0"/>
+                <a:cs typeface="Courier New" panose="02070309020205020404" pitchFamily="49" charset="0"/>
+              </a:rPr>
+              <a:t>slice(</a:t>
+            </a:r>
+            <a:r>
+              <a:rPr lang="en-US" dirty="0" err="1">
+                <a:latin typeface="Courier New" panose="02070309020205020404" pitchFamily="49" charset="0"/>
+                <a:cs typeface="Courier New" panose="02070309020205020404" pitchFamily="49" charset="0"/>
+              </a:rPr>
+              <a:t>tbl</a:t>
+            </a:r>
+            <a:r>
+              <a:rPr lang="en-US" dirty="0">
+                <a:latin typeface="Courier New" panose="02070309020205020404" pitchFamily="49" charset="0"/>
+                <a:cs typeface="Courier New" panose="02070309020205020404" pitchFamily="49" charset="0"/>
+              </a:rPr>
+              <a:t>, index)</a:t>
+            </a:r>
+          </a:p>
+          <a:p>
+            <a:r>
+              <a:rPr lang="en-US" dirty="0">
+                <a:cs typeface="Courier New" panose="02070309020205020404" pitchFamily="49" charset="0"/>
+              </a:rPr>
+              <a:t>Note: the first options are inherited from base R, the second options are from the </a:t>
+            </a:r>
+            <a:r>
+              <a:rPr lang="en-US" dirty="0" err="1">
+                <a:latin typeface="Courier New" panose="02070309020205020404" pitchFamily="49" charset="0"/>
+                <a:cs typeface="Courier New" panose="02070309020205020404" pitchFamily="49" charset="0"/>
+              </a:rPr>
+              <a:t>dplyr</a:t>
+            </a:r>
+            <a:r>
+              <a:rPr lang="en-US" dirty="0">
+                <a:cs typeface="Courier New" panose="02070309020205020404" pitchFamily="49" charset="0"/>
+              </a:rPr>
+              <a:t> package of the </a:t>
+            </a:r>
+            <a:r>
+              <a:rPr lang="en-US" dirty="0" err="1">
+                <a:cs typeface="Courier New" panose="02070309020205020404" pitchFamily="49" charset="0"/>
+              </a:rPr>
               <a:t>tidyverse</a:t>
             </a:r>
-            <a:r>
-              <a:rPr lang="en-US" dirty="0"/>
-              <a:t>!</a:t>
-            </a:r>
-          </a:p>
-        </p:txBody>
-      </p:sp>
-      <p:sp>
-        <p:nvSpPr>
-          <p:cNvPr id="4" name="Date Placeholder 3"/>
+            <a:endParaRPr lang="en-US" dirty="0">
+              <a:cs typeface="Courier New" panose="02070309020205020404" pitchFamily="49" charset="0"/>
+            </a:endParaRPr>
+          </a:p>
+        </p:txBody>
+      </p:sp>
+      <p:sp>
+        <p:nvSpPr>
+          <p:cNvPr id="4" name="Date Placeholder 3">
+            <a:extLst>
+              <a:ext uri="{FF2B5EF4-FFF2-40B4-BE49-F238E27FC236}">
+                <a16:creationId xmlns:a16="http://schemas.microsoft.com/office/drawing/2014/main" id="{2B640D1E-2834-437A-B521-E508A42A000A}"/>
+              </a:ext>
+            </a:extLst>
+          </p:cNvPr>
           <p:cNvSpPr>
             <a:spLocks noGrp="1"/>
           </p:cNvSpPr>
@@ -7564,7 +7450,13 @@
       </p:sp>
       <p:sp>
         <p:nvSpPr>
-          <p:cNvPr id="5" name="Footer Placeholder 4"/>
+          <p:cNvPr id="5" name="Footer Placeholder 4">
+            <a:extLst>
+              <a:ext uri="{FF2B5EF4-FFF2-40B4-BE49-F238E27FC236}">
+                <a16:creationId xmlns:a16="http://schemas.microsoft.com/office/drawing/2014/main" id="{B9EC0EA0-C443-4DBC-AF3A-C12205CF0D01}"/>
+              </a:ext>
+            </a:extLst>
+          </p:cNvPr>
           <p:cNvSpPr>
             <a:spLocks noGrp="1"/>
           </p:cNvSpPr>
@@ -7615,7 +7507,13 @@
       </p:sp>
       <p:sp>
         <p:nvSpPr>
-          <p:cNvPr id="6" name="Slide Number Placeholder 5"/>
+          <p:cNvPr id="6" name="Slide Number Placeholder 5">
+            <a:extLst>
+              <a:ext uri="{FF2B5EF4-FFF2-40B4-BE49-F238E27FC236}">
+                <a16:creationId xmlns:a16="http://schemas.microsoft.com/office/drawing/2014/main" id="{4E102CF0-8A95-4DA8-A147-B61B55A2B3B2}"/>
+              </a:ext>
+            </a:extLst>
+          </p:cNvPr>
           <p:cNvSpPr>
             <a:spLocks noGrp="1"/>
           </p:cNvSpPr>
@@ -7639,7 +7537,7 @@
     </p:spTree>
     <p:extLst>
       <p:ext uri="{BB962C8B-B14F-4D97-AF65-F5344CB8AC3E}">
-        <p14:creationId xmlns:p14="http://schemas.microsoft.com/office/powerpoint/2010/main" val="1403993645"/>
+        <p14:creationId xmlns:p14="http://schemas.microsoft.com/office/powerpoint/2010/main" val="168685726"/>
       </p:ext>
     </p:extLst>
   </p:cSld>
@@ -7683,129 +7581,45 @@
           <a:p>
             <a:r>
               <a:rPr lang="en-US" dirty="0"/>
-              <a:t>READING DATA, TIDY-STYLE!</a:t>
-            </a:r>
-          </a:p>
-        </p:txBody>
-      </p:sp>
-      <p:sp>
-        <p:nvSpPr>
-          <p:cNvPr id="8" name="Content Placeholder 7"/>
-          <p:cNvSpPr>
-            <a:spLocks noGrp="1"/>
-          </p:cNvSpPr>
-          <p:nvPr>
-            <p:ph idx="1"/>
-          </p:nvPr>
-        </p:nvSpPr>
-        <p:spPr/>
-        <p:txBody>
-          <a:bodyPr/>
-          <a:lstStyle/>
-          <a:p>
+              <a:t>DATA ACQUISITION</a:t>
+            </a:r>
+            <a:br>
+              <a:rPr lang="en-US" dirty="0"/>
+            </a:br>
+            <a:r>
+              <a:rPr lang="en-US" dirty="0"/>
+              <a:t>WITH READR</a:t>
+            </a:r>
+          </a:p>
+        </p:txBody>
+      </p:sp>
+      <p:sp>
+        <p:nvSpPr>
+          <p:cNvPr id="8" name="Text Placeholder 7"/>
+          <p:cNvSpPr>
+            <a:spLocks noGrp="1"/>
+          </p:cNvSpPr>
+          <p:nvPr>
+            <p:ph type="body" idx="1"/>
+          </p:nvPr>
+        </p:nvSpPr>
+        <p:spPr/>
+        <p:txBody>
+          <a:bodyPr/>
+          <a:lstStyle/>
+          <a:p>
+            <a:r>
+              <a:rPr lang="en-US" dirty="0"/>
+              <a:t>Fast, simple, and instantly in the </a:t>
+            </a:r>
             <a:r>
               <a:rPr lang="en-US" dirty="0" err="1"/>
-              <a:t>read_csv</a:t>
-            </a:r>
-            <a:r>
-              <a:rPr lang="en-US" dirty="0"/>
-              <a:t>(“filename”)</a:t>
-            </a:r>
-          </a:p>
-          <a:p>
-            <a:pPr lvl="1"/>
-            <a:r>
-              <a:rPr lang="en-US" dirty="0"/>
-              <a:t>Also, csv2 (;), </a:t>
-            </a:r>
-            <a:r>
-              <a:rPr lang="en-US" dirty="0" err="1"/>
-              <a:t>tsv</a:t>
-            </a:r>
-            <a:r>
-              <a:rPr lang="en-US" dirty="0"/>
-              <a:t> (tabs), and more</a:t>
-            </a:r>
-          </a:p>
-          <a:p>
-            <a:r>
-              <a:rPr lang="en-US" dirty="0" err="1"/>
-              <a:t>read_fwf</a:t>
-            </a:r>
-            <a:r>
-              <a:rPr lang="en-US" dirty="0"/>
-              <a:t>(“filename”, </a:t>
-            </a:r>
-            <a:r>
-              <a:rPr lang="en-US" dirty="0" err="1"/>
-              <a:t>fwf_widths</a:t>
-            </a:r>
-            <a:r>
-              <a:rPr lang="en-US" dirty="0"/>
-              <a:t>(c(3, 5, …)))</a:t>
-            </a:r>
-          </a:p>
-          <a:p>
-            <a:r>
-              <a:rPr lang="en-US" dirty="0"/>
-              <a:t>Other libraries for reading xlsx, json, xml and more!</a:t>
-            </a:r>
-          </a:p>
-          <a:p>
-            <a:pPr lvl="1"/>
-            <a:r>
-              <a:rPr lang="en-US" dirty="0" err="1"/>
-              <a:t>readxl</a:t>
-            </a:r>
-            <a:r>
-              <a:rPr lang="en-US" dirty="0"/>
-              <a:t>, </a:t>
-            </a:r>
-            <a:r>
-              <a:rPr lang="en-US" dirty="0" err="1"/>
-              <a:t>tidyjson</a:t>
-            </a:r>
-            <a:r>
-              <a:rPr lang="en-US" dirty="0"/>
-              <a:t>, XML</a:t>
-            </a:r>
-          </a:p>
-          <a:p>
-            <a:r>
-              <a:rPr lang="en-US" dirty="0"/>
-              <a:t>Base R: read.csv, </a:t>
-            </a:r>
-            <a:r>
-              <a:rPr lang="en-US" dirty="0" err="1"/>
-              <a:t>read.fwf</a:t>
-            </a:r>
-            <a:r>
-              <a:rPr lang="en-US" dirty="0"/>
-              <a:t>, etc.</a:t>
-            </a:r>
-          </a:p>
-          <a:p>
-            <a:pPr lvl="1"/>
-            <a:r>
-              <a:rPr lang="en-US" dirty="0"/>
-              <a:t>Much slower! </a:t>
-            </a:r>
-          </a:p>
-          <a:p>
-            <a:pPr lvl="1"/>
-            <a:r>
-              <a:rPr lang="en-US" dirty="0" err="1"/>
-              <a:t>data.frame</a:t>
-            </a:r>
-            <a:r>
-              <a:rPr lang="en-US" dirty="0"/>
-              <a:t>, not </a:t>
-            </a:r>
-            <a:r>
-              <a:rPr lang="en-US" dirty="0" err="1"/>
-              <a:t>tibble</a:t>
-            </a:r>
-            <a:endParaRPr lang="en-US" dirty="0"/>
+              <a:t>tidyverse</a:t>
+            </a:r>
+            <a:r>
+              <a:rPr lang="en-US" dirty="0"/>
+              <a:t>!</a:t>
+            </a:r>
           </a:p>
         </p:txBody>
       </p:sp>
@@ -7824,7 +7638,7 @@
           <a:bodyPr/>
           <a:lstStyle/>
           <a:p>
-            <a:fld id="{B08FEED8-D7D4-44E9-BFBC-ED06B5996D94}" type="datetime4">
+            <a:fld id="{8AAE40A0-A7D8-4DC3-BC9E-BADA32DA2004}" type="datetime4">
               <a:rPr lang="en-US" smtClean="0"/>
               <a:t>July 7, 2019</a:t>
             </a:fld>
@@ -7909,7 +7723,7 @@
     </p:spTree>
     <p:extLst>
       <p:ext uri="{BB962C8B-B14F-4D97-AF65-F5344CB8AC3E}">
-        <p14:creationId xmlns:p14="http://schemas.microsoft.com/office/powerpoint/2010/main" val="1623985300"/>
+        <p14:creationId xmlns:p14="http://schemas.microsoft.com/office/powerpoint/2010/main" val="1403993645"/>
       </p:ext>
     </p:extLst>
   </p:cSld>
@@ -7953,37 +7767,173 @@
           <a:p>
             <a:r>
               <a:rPr lang="en-US" dirty="0"/>
-              <a:t>VECTOR MANIPULATION </a:t>
-            </a:r>
-            <a:br>
-              <a:rPr lang="en-US" dirty="0"/>
-            </a:br>
-            <a:r>
-              <a:rPr lang="en-US" dirty="0"/>
-              <a:t>WITH PURRR AND FURRR</a:t>
-            </a:r>
-          </a:p>
-        </p:txBody>
-      </p:sp>
-      <p:sp>
-        <p:nvSpPr>
-          <p:cNvPr id="8" name="Text Placeholder 7"/>
-          <p:cNvSpPr>
-            <a:spLocks noGrp="1"/>
-          </p:cNvSpPr>
-          <p:nvPr>
-            <p:ph type="body" idx="1"/>
-          </p:nvPr>
-        </p:nvSpPr>
-        <p:spPr/>
-        <p:txBody>
-          <a:bodyPr/>
-          <a:lstStyle/>
-          <a:p>
-            <a:r>
-              <a:rPr lang="en-US" dirty="0"/>
-              <a:t>Functional and expressive operations</a:t>
-            </a:r>
+              <a:t>READING DATA, TIDY-STYLE!</a:t>
+            </a:r>
+          </a:p>
+        </p:txBody>
+      </p:sp>
+      <p:sp>
+        <p:nvSpPr>
+          <p:cNvPr id="8" name="Content Placeholder 7"/>
+          <p:cNvSpPr>
+            <a:spLocks noGrp="1"/>
+          </p:cNvSpPr>
+          <p:nvPr>
+            <p:ph idx="1"/>
+          </p:nvPr>
+        </p:nvSpPr>
+        <p:spPr/>
+        <p:txBody>
+          <a:bodyPr/>
+          <a:lstStyle/>
+          <a:p>
+            <a:r>
+              <a:rPr lang="en-US" dirty="0" err="1">
+                <a:latin typeface="Courier New" panose="02070309020205020404" pitchFamily="49" charset="0"/>
+                <a:cs typeface="Courier New" panose="02070309020205020404" pitchFamily="49" charset="0"/>
+              </a:rPr>
+              <a:t>read_csv</a:t>
+            </a:r>
+            <a:r>
+              <a:rPr lang="en-US" dirty="0">
+                <a:latin typeface="Courier New" panose="02070309020205020404" pitchFamily="49" charset="0"/>
+                <a:cs typeface="Courier New" panose="02070309020205020404" pitchFamily="49" charset="0"/>
+              </a:rPr>
+              <a:t>(“filename”)</a:t>
+            </a:r>
+          </a:p>
+          <a:p>
+            <a:pPr lvl="1"/>
+            <a:r>
+              <a:rPr lang="en-US" dirty="0"/>
+              <a:t>Also, csv2 (;), </a:t>
+            </a:r>
+            <a:r>
+              <a:rPr lang="en-US" dirty="0" err="1"/>
+              <a:t>tsv</a:t>
+            </a:r>
+            <a:r>
+              <a:rPr lang="en-US" dirty="0"/>
+              <a:t> (tabs), and more</a:t>
+            </a:r>
+          </a:p>
+          <a:p>
+            <a:r>
+              <a:rPr lang="en-US" dirty="0" err="1">
+                <a:latin typeface="Courier New" panose="02070309020205020404" pitchFamily="49" charset="0"/>
+                <a:cs typeface="Courier New" panose="02070309020205020404" pitchFamily="49" charset="0"/>
+              </a:rPr>
+              <a:t>read_fwf</a:t>
+            </a:r>
+            <a:r>
+              <a:rPr lang="en-US" dirty="0">
+                <a:latin typeface="Courier New" panose="02070309020205020404" pitchFamily="49" charset="0"/>
+                <a:cs typeface="Courier New" panose="02070309020205020404" pitchFamily="49" charset="0"/>
+              </a:rPr>
+              <a:t>(“filename”, </a:t>
+            </a:r>
+            <a:r>
+              <a:rPr lang="en-US" dirty="0" err="1">
+                <a:latin typeface="Courier New" panose="02070309020205020404" pitchFamily="49" charset="0"/>
+                <a:cs typeface="Courier New" panose="02070309020205020404" pitchFamily="49" charset="0"/>
+              </a:rPr>
+              <a:t>fwf_widths</a:t>
+            </a:r>
+            <a:r>
+              <a:rPr lang="en-US" dirty="0">
+                <a:latin typeface="Courier New" panose="02070309020205020404" pitchFamily="49" charset="0"/>
+                <a:cs typeface="Courier New" panose="02070309020205020404" pitchFamily="49" charset="0"/>
+              </a:rPr>
+              <a:t>(c(3, 5, …)))</a:t>
+            </a:r>
+          </a:p>
+          <a:p>
+            <a:r>
+              <a:rPr lang="en-US" dirty="0"/>
+              <a:t>Other libraries for reading xlsx, json, xml and more!</a:t>
+            </a:r>
+          </a:p>
+          <a:p>
+            <a:pPr lvl="1"/>
+            <a:r>
+              <a:rPr lang="en-US" dirty="0" err="1"/>
+              <a:t>readxl</a:t>
+            </a:r>
+            <a:r>
+              <a:rPr lang="en-US" dirty="0"/>
+              <a:t>, </a:t>
+            </a:r>
+            <a:r>
+              <a:rPr lang="en-US" dirty="0" err="1"/>
+              <a:t>tidyjson</a:t>
+            </a:r>
+            <a:r>
+              <a:rPr lang="en-US" dirty="0"/>
+              <a:t>, XML</a:t>
+            </a:r>
+          </a:p>
+          <a:p>
+            <a:r>
+              <a:rPr lang="en-US" dirty="0"/>
+              <a:t>Base R: </a:t>
+            </a:r>
+            <a:r>
+              <a:rPr lang="en-US" dirty="0">
+                <a:latin typeface="Courier New" panose="02070309020205020404" pitchFamily="49" charset="0"/>
+                <a:cs typeface="Courier New" panose="02070309020205020404" pitchFamily="49" charset="0"/>
+              </a:rPr>
+              <a:t>read.csv, </a:t>
+            </a:r>
+            <a:r>
+              <a:rPr lang="en-US" dirty="0" err="1">
+                <a:latin typeface="Courier New" panose="02070309020205020404" pitchFamily="49" charset="0"/>
+                <a:cs typeface="Courier New" panose="02070309020205020404" pitchFamily="49" charset="0"/>
+              </a:rPr>
+              <a:t>read.fwf</a:t>
+            </a:r>
+            <a:r>
+              <a:rPr lang="en-US" dirty="0">
+                <a:latin typeface="Courier New" panose="02070309020205020404" pitchFamily="49" charset="0"/>
+                <a:cs typeface="Courier New" panose="02070309020205020404" pitchFamily="49" charset="0"/>
+              </a:rPr>
+              <a:t>,</a:t>
+            </a:r>
+            <a:r>
+              <a:rPr lang="en-US" dirty="0"/>
+              <a:t> etc.</a:t>
+            </a:r>
+          </a:p>
+          <a:p>
+            <a:pPr lvl="1"/>
+            <a:r>
+              <a:rPr lang="en-US" dirty="0"/>
+              <a:t>Much slower! </a:t>
+            </a:r>
+          </a:p>
+          <a:p>
+            <a:pPr lvl="1"/>
+            <a:r>
+              <a:rPr lang="en-US" dirty="0" err="1">
+                <a:latin typeface="Courier New" panose="02070309020205020404" pitchFamily="49" charset="0"/>
+                <a:cs typeface="Courier New" panose="02070309020205020404" pitchFamily="49" charset="0"/>
+              </a:rPr>
+              <a:t>data.frame</a:t>
+            </a:r>
+            <a:r>
+              <a:rPr lang="en-US" dirty="0"/>
+              <a:t>, not </a:t>
+            </a:r>
+            <a:r>
+              <a:rPr lang="en-US" dirty="0" err="1">
+                <a:latin typeface="Courier New" panose="02070309020205020404" pitchFamily="49" charset="0"/>
+                <a:cs typeface="Courier New" panose="02070309020205020404" pitchFamily="49" charset="0"/>
+              </a:rPr>
+              <a:t>tibble</a:t>
+            </a:r>
+            <a:endParaRPr lang="en-US" dirty="0">
+              <a:latin typeface="Courier New" panose="02070309020205020404" pitchFamily="49" charset="0"/>
+              <a:cs typeface="Courier New" panose="02070309020205020404" pitchFamily="49" charset="0"/>
+            </a:endParaRPr>
           </a:p>
         </p:txBody>
       </p:sp>
@@ -8002,7 +7952,7 @@
           <a:bodyPr/>
           <a:lstStyle/>
           <a:p>
-            <a:fld id="{8AAE40A0-A7D8-4DC3-BC9E-BADA32DA2004}" type="datetime4">
+            <a:fld id="{B08FEED8-D7D4-44E9-BFBC-ED06B5996D94}" type="datetime4">
               <a:rPr lang="en-US" smtClean="0"/>
               <a:t>July 7, 2019</a:t>
             </a:fld>
@@ -8087,7 +8037,7 @@
     </p:spTree>
     <p:extLst>
       <p:ext uri="{BB962C8B-B14F-4D97-AF65-F5344CB8AC3E}">
-        <p14:creationId xmlns:p14="http://schemas.microsoft.com/office/powerpoint/2010/main" val="1385717678"/>
+        <p14:creationId xmlns:p14="http://schemas.microsoft.com/office/powerpoint/2010/main" val="1623985300"/>
       </p:ext>
     </p:extLst>
   </p:cSld>
@@ -8116,7 +8066,7 @@
       </p:grpSpPr>
       <p:sp>
         <p:nvSpPr>
-          <p:cNvPr id="9" name="Title 8"/>
+          <p:cNvPr id="7" name="Title 6"/>
           <p:cNvSpPr>
             <a:spLocks noGrp="1"/>
           </p:cNvSpPr>
@@ -8131,44 +8081,36 @@
           <a:p>
             <a:r>
               <a:rPr lang="en-US" dirty="0"/>
-              <a:t>FUNCTIONAL ALTERATIONS</a:t>
-            </a:r>
-          </a:p>
-        </p:txBody>
-      </p:sp>
-      <p:sp>
-        <p:nvSpPr>
-          <p:cNvPr id="10" name="Content Placeholder 9"/>
-          <p:cNvSpPr>
-            <a:spLocks noGrp="1"/>
-          </p:cNvSpPr>
-          <p:nvPr>
-            <p:ph idx="1"/>
-          </p:nvPr>
-        </p:nvSpPr>
-        <p:spPr/>
-        <p:txBody>
-          <a:bodyPr/>
-          <a:lstStyle/>
-          <a:p>
-            <a:r>
-              <a:rPr lang="en-US" dirty="0" err="1"/>
-              <a:t>purrr</a:t>
-            </a:r>
-            <a:r>
-              <a:rPr lang="en-US" dirty="0"/>
-              <a:t> vs. for loops:</a:t>
-            </a:r>
-          </a:p>
-          <a:p>
-            <a:pPr lvl="1"/>
-            <a:r>
-              <a:rPr lang="en-US" dirty="0" err="1"/>
-              <a:t>purrr</a:t>
-            </a:r>
-            <a:r>
-              <a:rPr lang="en-US" dirty="0"/>
-              <a:t> is extremely easy to parallelize, much cleaner and more expressive</a:t>
+              <a:t>VECTOR MANIPULATION </a:t>
+            </a:r>
+            <a:br>
+              <a:rPr lang="en-US" dirty="0"/>
+            </a:br>
+            <a:r>
+              <a:rPr lang="en-US" dirty="0"/>
+              <a:t>WITH PURRR AND FURRR</a:t>
+            </a:r>
+          </a:p>
+        </p:txBody>
+      </p:sp>
+      <p:sp>
+        <p:nvSpPr>
+          <p:cNvPr id="8" name="Text Placeholder 7"/>
+          <p:cNvSpPr>
+            <a:spLocks noGrp="1"/>
+          </p:cNvSpPr>
+          <p:nvPr>
+            <p:ph type="body" idx="1"/>
+          </p:nvPr>
+        </p:nvSpPr>
+        <p:spPr/>
+        <p:txBody>
+          <a:bodyPr/>
+          <a:lstStyle/>
+          <a:p>
+            <a:r>
+              <a:rPr lang="en-US" dirty="0"/>
+              <a:t>Functional and expressive operations</a:t>
             </a:r>
           </a:p>
         </p:txBody>
@@ -8188,7 +8130,7 @@
           <a:bodyPr/>
           <a:lstStyle/>
           <a:p>
-            <a:fld id="{B08FEED8-D7D4-44E9-BFBC-ED06B5996D94}" type="datetime4">
+            <a:fld id="{8AAE40A0-A7D8-4DC3-BC9E-BADA32DA2004}" type="datetime4">
               <a:rPr lang="en-US" smtClean="0"/>
               <a:t>July 7, 2019</a:t>
             </a:fld>
@@ -8273,7 +8215,7 @@
     </p:spTree>
     <p:extLst>
       <p:ext uri="{BB962C8B-B14F-4D97-AF65-F5344CB8AC3E}">
-        <p14:creationId xmlns:p14="http://schemas.microsoft.com/office/powerpoint/2010/main" val="1537886024"/>
+        <p14:creationId xmlns:p14="http://schemas.microsoft.com/office/powerpoint/2010/main" val="1385717678"/>
       </p:ext>
     </p:extLst>
   </p:cSld>
@@ -8302,13 +8244,7 @@
       </p:grpSpPr>
       <p:sp>
         <p:nvSpPr>
-          <p:cNvPr id="2" name="Title 1">
-            <a:extLst>
-              <a:ext uri="{FF2B5EF4-FFF2-40B4-BE49-F238E27FC236}">
-                <a16:creationId xmlns:a16="http://schemas.microsoft.com/office/drawing/2014/main" id="{1FFA2CD6-B011-46A8-9A47-7E3AD0FD2D2A}"/>
-              </a:ext>
-            </a:extLst>
-          </p:cNvPr>
+          <p:cNvPr id="9" name="Title 8"/>
           <p:cNvSpPr>
             <a:spLocks noGrp="1"/>
           </p:cNvSpPr>
@@ -8323,20 +8259,14 @@
           <a:p>
             <a:r>
               <a:rPr lang="en-US" dirty="0"/>
-              <a:t>EASY PARALLELIZATION</a:t>
-            </a:r>
-          </a:p>
-        </p:txBody>
-      </p:sp>
-      <p:sp>
-        <p:nvSpPr>
-          <p:cNvPr id="3" name="Content Placeholder 2">
-            <a:extLst>
-              <a:ext uri="{FF2B5EF4-FFF2-40B4-BE49-F238E27FC236}">
-                <a16:creationId xmlns:a16="http://schemas.microsoft.com/office/drawing/2014/main" id="{3F43D8F2-6A4D-4EE1-8023-B20D3C4C183D}"/>
-              </a:ext>
-            </a:extLst>
-          </p:cNvPr>
+              <a:t>THE FUNCTIONAL APPROACH</a:t>
+            </a:r>
+          </a:p>
+        </p:txBody>
+      </p:sp>
+      <p:sp>
+        <p:nvSpPr>
+          <p:cNvPr id="10" name="Content Placeholder 9"/>
           <p:cNvSpPr>
             <a:spLocks noGrp="1"/>
           </p:cNvSpPr>
@@ -8351,26 +8281,41 @@
           <a:p>
             <a:r>
               <a:rPr lang="en-US" dirty="0"/>
-              <a:t>Run many tasks at the same time</a:t>
-            </a:r>
-          </a:p>
-          <a:p>
-            <a:r>
-              <a:rPr lang="en-US" dirty="0"/>
-              <a:t>Considerable speedup!</a:t>
-            </a:r>
-          </a:p>
-        </p:txBody>
-      </p:sp>
-      <p:sp>
-        <p:nvSpPr>
-          <p:cNvPr id="4" name="Date Placeholder 3">
-            <a:extLst>
-              <a:ext uri="{FF2B5EF4-FFF2-40B4-BE49-F238E27FC236}">
-                <a16:creationId xmlns:a16="http://schemas.microsoft.com/office/drawing/2014/main" id="{C7544D0B-69F9-46DE-A9F4-524D5DEDB864}"/>
-              </a:ext>
-            </a:extLst>
-          </p:cNvPr>
+              <a:t>Focus is on the operation, not iteration</a:t>
+            </a:r>
+          </a:p>
+          <a:p>
+            <a:r>
+              <a:rPr lang="en-US" dirty="0"/>
+              <a:t>More concise</a:t>
+            </a:r>
+          </a:p>
+          <a:p>
+            <a:r>
+              <a:rPr lang="en-US" dirty="0" err="1"/>
+              <a:t>purrr</a:t>
+            </a:r>
+            <a:r>
+              <a:rPr lang="en-US" dirty="0"/>
+              <a:t> vs. for loops:</a:t>
+            </a:r>
+          </a:p>
+          <a:p>
+            <a:pPr lvl="1"/>
+            <a:r>
+              <a:rPr lang="en-US" dirty="0" err="1"/>
+              <a:t>purrr</a:t>
+            </a:r>
+            <a:r>
+              <a:rPr lang="en-US" dirty="0"/>
+              <a:t> is extremely easy to parallelize, much cleaner and more expressive</a:t>
+            </a:r>
+          </a:p>
+        </p:txBody>
+      </p:sp>
+      <p:sp>
+        <p:nvSpPr>
+          <p:cNvPr id="4" name="Date Placeholder 3"/>
           <p:cNvSpPr>
             <a:spLocks noGrp="1"/>
           </p:cNvSpPr>
@@ -8383,7 +8328,7 @@
           <a:bodyPr/>
           <a:lstStyle/>
           <a:p>
-            <a:fld id="{8AAE40A0-A7D8-4DC3-BC9E-BADA32DA2004}" type="datetime4">
+            <a:fld id="{B08FEED8-D7D4-44E9-BFBC-ED06B5996D94}" type="datetime4">
               <a:rPr lang="en-US" smtClean="0"/>
               <a:t>July 7, 2019</a:t>
             </a:fld>
@@ -8393,13 +8338,7 @@
       </p:sp>
       <p:sp>
         <p:nvSpPr>
-          <p:cNvPr id="5" name="Footer Placeholder 4">
-            <a:extLst>
-              <a:ext uri="{FF2B5EF4-FFF2-40B4-BE49-F238E27FC236}">
-                <a16:creationId xmlns:a16="http://schemas.microsoft.com/office/drawing/2014/main" id="{F2583C41-4DEE-4F1E-BF3C-57EFEEB468CC}"/>
-              </a:ext>
-            </a:extLst>
-          </p:cNvPr>
+          <p:cNvPr id="5" name="Footer Placeholder 4"/>
           <p:cNvSpPr>
             <a:spLocks noGrp="1"/>
           </p:cNvSpPr>
@@ -8450,13 +8389,7 @@
       </p:sp>
       <p:sp>
         <p:nvSpPr>
-          <p:cNvPr id="6" name="Slide Number Placeholder 5">
-            <a:extLst>
-              <a:ext uri="{FF2B5EF4-FFF2-40B4-BE49-F238E27FC236}">
-                <a16:creationId xmlns:a16="http://schemas.microsoft.com/office/drawing/2014/main" id="{89627A91-5286-414F-BEF7-86ACFEEBC189}"/>
-              </a:ext>
-            </a:extLst>
-          </p:cNvPr>
+          <p:cNvPr id="6" name="Slide Number Placeholder 5"/>
           <p:cNvSpPr>
             <a:spLocks noGrp="1"/>
           </p:cNvSpPr>
@@ -8480,7 +8413,7 @@
     </p:spTree>
     <p:extLst>
       <p:ext uri="{BB962C8B-B14F-4D97-AF65-F5344CB8AC3E}">
-        <p14:creationId xmlns:p14="http://schemas.microsoft.com/office/powerpoint/2010/main" val="4239391620"/>
+        <p14:creationId xmlns:p14="http://schemas.microsoft.com/office/powerpoint/2010/main" val="1537886024"/>
       </p:ext>
     </p:extLst>
   </p:cSld>
@@ -8509,10 +8442,10 @@
       </p:grpSpPr>
       <p:sp>
         <p:nvSpPr>
-          <p:cNvPr id="7" name="Title 6">
-            <a:extLst>
-              <a:ext uri="{FF2B5EF4-FFF2-40B4-BE49-F238E27FC236}">
-                <a16:creationId xmlns:a16="http://schemas.microsoft.com/office/drawing/2014/main" id="{F9B622D1-34BF-44D8-BDC0-3D31803EC1C8}"/>
+          <p:cNvPr id="2" name="Title 1">
+            <a:extLst>
+              <a:ext uri="{FF2B5EF4-FFF2-40B4-BE49-F238E27FC236}">
+                <a16:creationId xmlns:a16="http://schemas.microsoft.com/office/drawing/2014/main" id="{25C0B0A5-279D-42E7-9019-DD2BB4330C94}"/>
               </a:ext>
             </a:extLst>
           </p:cNvPr>
@@ -8530,42 +8463,144 @@
           <a:p>
             <a:r>
               <a:rPr lang="en-US" dirty="0"/>
-              <a:t>DATA MANIPULATION</a:t>
-            </a:r>
-            <a:br>
-              <a:rPr lang="en-US" dirty="0"/>
-            </a:br>
-            <a:r>
-              <a:rPr lang="en-US" dirty="0"/>
-              <a:t>WITH DPLYR</a:t>
-            </a:r>
-          </a:p>
-        </p:txBody>
-      </p:sp>
-      <p:sp>
-        <p:nvSpPr>
-          <p:cNvPr id="8" name="Text Placeholder 7">
-            <a:extLst>
-              <a:ext uri="{FF2B5EF4-FFF2-40B4-BE49-F238E27FC236}">
-                <a16:creationId xmlns:a16="http://schemas.microsoft.com/office/drawing/2014/main" id="{DD6D9B92-0C9B-4797-BC66-E014C6A328D0}"/>
-              </a:ext>
-            </a:extLst>
-          </p:cNvPr>
-          <p:cNvSpPr>
-            <a:spLocks noGrp="1"/>
-          </p:cNvSpPr>
-          <p:nvPr>
-            <p:ph type="body" idx="1"/>
-          </p:nvPr>
-        </p:nvSpPr>
-        <p:spPr/>
-        <p:txBody>
-          <a:bodyPr/>
-          <a:lstStyle/>
-          <a:p>
-            <a:r>
-              <a:rPr lang="en-US" dirty="0"/>
-              <a:t>Common actions</a:t>
+              <a:t>MAP</a:t>
+            </a:r>
+          </a:p>
+        </p:txBody>
+      </p:sp>
+      <p:sp>
+        <p:nvSpPr>
+          <p:cNvPr id="3" name="Content Placeholder 2">
+            <a:extLst>
+              <a:ext uri="{FF2B5EF4-FFF2-40B4-BE49-F238E27FC236}">
+                <a16:creationId xmlns:a16="http://schemas.microsoft.com/office/drawing/2014/main" id="{23AF2A11-9756-4D63-8E2B-57AE9205B9CD}"/>
+              </a:ext>
+            </a:extLst>
+          </p:cNvPr>
+          <p:cNvSpPr>
+            <a:spLocks noGrp="1"/>
+          </p:cNvSpPr>
+          <p:nvPr>
+            <p:ph idx="1"/>
+          </p:nvPr>
+        </p:nvSpPr>
+        <p:spPr/>
+        <p:txBody>
+          <a:bodyPr>
+            <a:normAutofit lnSpcReduction="10000"/>
+          </a:bodyPr>
+          <a:lstStyle/>
+          <a:p>
+            <a:r>
+              <a:rPr lang="en-US" dirty="0"/>
+              <a:t>Apply an operation to everything in a vector (column)</a:t>
+            </a:r>
+          </a:p>
+          <a:p>
+            <a:r>
+              <a:rPr lang="en-US" dirty="0"/>
+              <a:t>Function can be passed as either:</a:t>
+            </a:r>
+          </a:p>
+          <a:p>
+            <a:pPr lvl="1"/>
+            <a:r>
+              <a:rPr lang="en-US" dirty="0"/>
+              <a:t>Any function that takes one argument</a:t>
+            </a:r>
+          </a:p>
+          <a:p>
+            <a:pPr lvl="2"/>
+            <a:r>
+              <a:rPr lang="en-US" dirty="0"/>
+              <a:t>e.g. </a:t>
+            </a:r>
+            <a:r>
+              <a:rPr lang="en-US" dirty="0" err="1">
+                <a:latin typeface="Courier New" panose="02070309020205020404" pitchFamily="49" charset="0"/>
+                <a:cs typeface="Courier New" panose="02070309020205020404" pitchFamily="49" charset="0"/>
+              </a:rPr>
+              <a:t>tolower</a:t>
+            </a:r>
+            <a:r>
+              <a:rPr lang="en-US" dirty="0">
+                <a:latin typeface="Courier New" panose="02070309020205020404" pitchFamily="49" charset="0"/>
+                <a:cs typeface="Courier New" panose="02070309020205020404" pitchFamily="49" charset="0"/>
+              </a:rPr>
+              <a:t>(x)</a:t>
+            </a:r>
+            <a:r>
+              <a:rPr lang="en-US" dirty="0"/>
+              <a:t>, which converts a string of characters to lowercase</a:t>
+            </a:r>
+          </a:p>
+          <a:p>
+            <a:pPr lvl="1"/>
+            <a:r>
+              <a:rPr lang="en-US" dirty="0"/>
+              <a:t>Any function passed as a formula</a:t>
+            </a:r>
+          </a:p>
+          <a:p>
+            <a:pPr lvl="2"/>
+            <a:r>
+              <a:rPr lang="en-US" dirty="0"/>
+              <a:t>Lambda / Anonymous function</a:t>
+            </a:r>
+          </a:p>
+          <a:p>
+            <a:pPr lvl="2"/>
+            <a:r>
+              <a:rPr lang="en-US" dirty="0"/>
+              <a:t>Start with </a:t>
+            </a:r>
+            <a:r>
+              <a:rPr lang="en-US" dirty="0">
+                <a:latin typeface="Courier New" panose="02070309020205020404" pitchFamily="49" charset="0"/>
+                <a:cs typeface="Courier New" panose="02070309020205020404" pitchFamily="49" charset="0"/>
+              </a:rPr>
+              <a:t>~</a:t>
+            </a:r>
+            <a:r>
+              <a:rPr lang="en-US" dirty="0"/>
+              <a:t> to indicate formula</a:t>
+            </a:r>
+          </a:p>
+          <a:p>
+            <a:pPr lvl="2"/>
+            <a:r>
+              <a:rPr lang="en-US" dirty="0">
+                <a:latin typeface="Courier New" panose="02070309020205020404" pitchFamily="49" charset="0"/>
+                <a:cs typeface="Courier New" panose="02070309020205020404" pitchFamily="49" charset="0"/>
+              </a:rPr>
+              <a:t>.x</a:t>
+            </a:r>
+            <a:r>
+              <a:rPr lang="en-US" dirty="0"/>
+              <a:t> is the name of the parameter</a:t>
+            </a:r>
+          </a:p>
+          <a:p>
+            <a:pPr lvl="2"/>
+            <a:r>
+              <a:rPr lang="en-US" dirty="0">
+                <a:latin typeface="Courier New" panose="02070309020205020404" pitchFamily="49" charset="0"/>
+                <a:cs typeface="Courier New" panose="02070309020205020404" pitchFamily="49" charset="0"/>
+              </a:rPr>
+              <a:t>~ 3 + 5 * .x</a:t>
+            </a:r>
+          </a:p>
+          <a:p>
+            <a:r>
+              <a:rPr lang="en-US" sz="2000" dirty="0">
+                <a:latin typeface="Courier New" panose="02070309020205020404" pitchFamily="49" charset="0"/>
+                <a:cs typeface="Courier New" panose="02070309020205020404" pitchFamily="49" charset="0"/>
+              </a:rPr>
+              <a:t>map(a, ~ 3 + 5 * .x) </a:t>
+            </a:r>
+            <a:r>
+              <a:rPr lang="en-US" dirty="0"/>
+              <a:t>will take each value in a and multiply it by 5, then add 3!</a:t>
             </a:r>
           </a:p>
         </p:txBody>
@@ -8575,7 +8610,7 @@
           <p:cNvPr id="4" name="Date Placeholder 3">
             <a:extLst>
               <a:ext uri="{FF2B5EF4-FFF2-40B4-BE49-F238E27FC236}">
-                <a16:creationId xmlns:a16="http://schemas.microsoft.com/office/drawing/2014/main" id="{7F0C02FB-F57E-4A39-8820-BCD7DA0FA681}"/>
+                <a16:creationId xmlns:a16="http://schemas.microsoft.com/office/drawing/2014/main" id="{935E0DBA-2A1D-4539-B42F-85B84C925322}"/>
               </a:ext>
             </a:extLst>
           </p:cNvPr>
@@ -8604,7 +8639,7 @@
           <p:cNvPr id="5" name="Footer Placeholder 4">
             <a:extLst>
               <a:ext uri="{FF2B5EF4-FFF2-40B4-BE49-F238E27FC236}">
-                <a16:creationId xmlns:a16="http://schemas.microsoft.com/office/drawing/2014/main" id="{7392278C-B6CF-46D2-A2D7-DB522B8FD6BB}"/>
+                <a16:creationId xmlns:a16="http://schemas.microsoft.com/office/drawing/2014/main" id="{CDC0DFAB-396D-4ECF-9FFB-BA577D4E56F5}"/>
               </a:ext>
             </a:extLst>
           </p:cNvPr>
@@ -8661,7 +8696,7 @@
           <p:cNvPr id="6" name="Slide Number Placeholder 5">
             <a:extLst>
               <a:ext uri="{FF2B5EF4-FFF2-40B4-BE49-F238E27FC236}">
-                <a16:creationId xmlns:a16="http://schemas.microsoft.com/office/drawing/2014/main" id="{E0E072A8-158A-417B-B985-B4D802B5C32D}"/>
+                <a16:creationId xmlns:a16="http://schemas.microsoft.com/office/drawing/2014/main" id="{E355D19F-D19C-47A6-8384-23F4F4D3C514}"/>
               </a:ext>
             </a:extLst>
           </p:cNvPr>
@@ -8688,7 +8723,7 @@
     </p:spTree>
     <p:extLst>
       <p:ext uri="{BB962C8B-B14F-4D97-AF65-F5344CB8AC3E}">
-        <p14:creationId xmlns:p14="http://schemas.microsoft.com/office/powerpoint/2010/main" val="2464089218"/>
+        <p14:creationId xmlns:p14="http://schemas.microsoft.com/office/powerpoint/2010/main" val="3220580753"/>
       </p:ext>
     </p:extLst>
   </p:cSld>
@@ -8720,7 +8755,7 @@
           <p:cNvPr id="2" name="Title 1">
             <a:extLst>
               <a:ext uri="{FF2B5EF4-FFF2-40B4-BE49-F238E27FC236}">
-                <a16:creationId xmlns:a16="http://schemas.microsoft.com/office/drawing/2014/main" id="{783AB27B-A036-46B4-8273-B00B4CC009E5}"/>
+                <a16:creationId xmlns:a16="http://schemas.microsoft.com/office/drawing/2014/main" id="{25C0B0A5-279D-42E7-9019-DD2BB4330C94}"/>
               </a:ext>
             </a:extLst>
           </p:cNvPr>
@@ -8738,7 +8773,7 @@
           <a:p>
             <a:r>
               <a:rPr lang="en-US" dirty="0"/>
-              <a:t>FILTER</a:t>
+              <a:t>MAP2</a:t>
             </a:r>
           </a:p>
         </p:txBody>
@@ -8748,7 +8783,7 @@
           <p:cNvPr id="3" name="Content Placeholder 2">
             <a:extLst>
               <a:ext uri="{FF2B5EF4-FFF2-40B4-BE49-F238E27FC236}">
-                <a16:creationId xmlns:a16="http://schemas.microsoft.com/office/drawing/2014/main" id="{43136DA3-E238-45FB-9460-C178D50DB43E}"/>
+                <a16:creationId xmlns:a16="http://schemas.microsoft.com/office/drawing/2014/main" id="{23AF2A11-9756-4D63-8E2B-57AE9205B9CD}"/>
               </a:ext>
             </a:extLst>
           </p:cNvPr>
@@ -8761,10 +8796,140 @@
         </p:nvSpPr>
         <p:spPr/>
         <p:txBody>
-          <a:bodyPr/>
-          <a:lstStyle/>
-          <a:p>
-            <a:endParaRPr lang="en-US" dirty="0"/>
+          <a:bodyPr>
+            <a:normAutofit lnSpcReduction="10000"/>
+          </a:bodyPr>
+          <a:lstStyle/>
+          <a:p>
+            <a:r>
+              <a:rPr lang="en-US" dirty="0"/>
+              <a:t>Apply an operation to everything in two vectors (column)</a:t>
+            </a:r>
+          </a:p>
+          <a:p>
+            <a:r>
+              <a:rPr lang="en-US" dirty="0"/>
+              <a:t>Function can be passed as either:</a:t>
+            </a:r>
+          </a:p>
+          <a:p>
+            <a:pPr lvl="1"/>
+            <a:r>
+              <a:rPr lang="en-US" dirty="0"/>
+              <a:t>Any function that takes two arguments</a:t>
+            </a:r>
+          </a:p>
+          <a:p>
+            <a:pPr lvl="2"/>
+            <a:r>
+              <a:rPr lang="en-US" dirty="0"/>
+              <a:t>e.g. </a:t>
+            </a:r>
+            <a:r>
+              <a:rPr lang="en-US" dirty="0">
+                <a:latin typeface="Courier New" panose="02070309020205020404" pitchFamily="49" charset="0"/>
+                <a:cs typeface="Courier New" panose="02070309020205020404" pitchFamily="49" charset="0"/>
+              </a:rPr>
+              <a:t>max(x, y)</a:t>
+            </a:r>
+            <a:r>
+              <a:rPr lang="en-US" dirty="0"/>
+              <a:t>, returns the larger</a:t>
+            </a:r>
+          </a:p>
+          <a:p>
+            <a:pPr lvl="1"/>
+            <a:r>
+              <a:rPr lang="en-US" dirty="0"/>
+              <a:t>Any function passed as a formula</a:t>
+            </a:r>
+          </a:p>
+          <a:p>
+            <a:pPr lvl="2"/>
+            <a:r>
+              <a:rPr lang="en-US" dirty="0"/>
+              <a:t>Lambda / Anonymous function</a:t>
+            </a:r>
+          </a:p>
+          <a:p>
+            <a:pPr lvl="2"/>
+            <a:r>
+              <a:rPr lang="en-US" dirty="0"/>
+              <a:t>Start with </a:t>
+            </a:r>
+            <a:r>
+              <a:rPr lang="en-US" dirty="0">
+                <a:latin typeface="Courier New" panose="02070309020205020404" pitchFamily="49" charset="0"/>
+                <a:cs typeface="Courier New" panose="02070309020205020404" pitchFamily="49" charset="0"/>
+              </a:rPr>
+              <a:t>~</a:t>
+            </a:r>
+            <a:r>
+              <a:rPr lang="en-US" dirty="0"/>
+              <a:t> to indicate formula</a:t>
+            </a:r>
+          </a:p>
+          <a:p>
+            <a:pPr lvl="2"/>
+            <a:r>
+              <a:rPr lang="en-US" dirty="0">
+                <a:latin typeface="Courier New" panose="02070309020205020404" pitchFamily="49" charset="0"/>
+                <a:cs typeface="Courier New" panose="02070309020205020404" pitchFamily="49" charset="0"/>
+              </a:rPr>
+              <a:t>.x and .y</a:t>
+            </a:r>
+            <a:endParaRPr lang="en-US" dirty="0"/>
+          </a:p>
+          <a:p>
+            <a:pPr lvl="2"/>
+            <a:r>
+              <a:rPr lang="en-US" dirty="0">
+                <a:latin typeface="Courier New" panose="02070309020205020404" pitchFamily="49" charset="0"/>
+                <a:cs typeface="Courier New" panose="02070309020205020404" pitchFamily="49" charset="0"/>
+              </a:rPr>
+              <a:t>~ 3 * .y + 5 * .x</a:t>
+            </a:r>
+          </a:p>
+          <a:p>
+            <a:r>
+              <a:rPr lang="en-US" sz="2000" dirty="0">
+                <a:latin typeface="Courier New" panose="02070309020205020404" pitchFamily="49" charset="0"/>
+                <a:cs typeface="Courier New" panose="02070309020205020404" pitchFamily="49" charset="0"/>
+              </a:rPr>
+              <a:t>map2(</a:t>
+            </a:r>
+            <a:r>
+              <a:rPr lang="en-US" sz="2000" dirty="0" err="1">
+                <a:latin typeface="Courier New" panose="02070309020205020404" pitchFamily="49" charset="0"/>
+                <a:cs typeface="Courier New" panose="02070309020205020404" pitchFamily="49" charset="0"/>
+              </a:rPr>
+              <a:t>firstname</a:t>
+            </a:r>
+            <a:r>
+              <a:rPr lang="en-US" sz="2000" dirty="0">
+                <a:latin typeface="Courier New" panose="02070309020205020404" pitchFamily="49" charset="0"/>
+                <a:cs typeface="Courier New" panose="02070309020205020404" pitchFamily="49" charset="0"/>
+              </a:rPr>
+              <a:t>, </a:t>
+            </a:r>
+            <a:r>
+              <a:rPr lang="en-US" sz="2000" dirty="0" err="1">
+                <a:latin typeface="Courier New" panose="02070309020205020404" pitchFamily="49" charset="0"/>
+                <a:cs typeface="Courier New" panose="02070309020205020404" pitchFamily="49" charset="0"/>
+              </a:rPr>
+              <a:t>lastname</a:t>
+            </a:r>
+            <a:r>
+              <a:rPr lang="en-US" sz="2000" dirty="0">
+                <a:latin typeface="Courier New" panose="02070309020205020404" pitchFamily="49" charset="0"/>
+                <a:cs typeface="Courier New" panose="02070309020205020404" pitchFamily="49" charset="0"/>
+              </a:rPr>
+              <a:t>, ~ paste(.x, .y)) </a:t>
+            </a:r>
+            <a:r>
+              <a:rPr lang="en-US" dirty="0"/>
+              <a:t>will concatenate corresponding strings!</a:t>
+            </a:r>
           </a:p>
         </p:txBody>
       </p:sp>
@@ -8773,7 +8938,7 @@
           <p:cNvPr id="4" name="Date Placeholder 3">
             <a:extLst>
               <a:ext uri="{FF2B5EF4-FFF2-40B4-BE49-F238E27FC236}">
-                <a16:creationId xmlns:a16="http://schemas.microsoft.com/office/drawing/2014/main" id="{E5E06012-E22D-4816-AAB2-FA54D59A1182}"/>
+                <a16:creationId xmlns:a16="http://schemas.microsoft.com/office/drawing/2014/main" id="{935E0DBA-2A1D-4539-B42F-85B84C925322}"/>
               </a:ext>
             </a:extLst>
           </p:cNvPr>
@@ -8802,7 +8967,7 @@
           <p:cNvPr id="5" name="Footer Placeholder 4">
             <a:extLst>
               <a:ext uri="{FF2B5EF4-FFF2-40B4-BE49-F238E27FC236}">
-                <a16:creationId xmlns:a16="http://schemas.microsoft.com/office/drawing/2014/main" id="{F3555683-DD74-4221-B1D1-E97AA77ED2BD}"/>
+                <a16:creationId xmlns:a16="http://schemas.microsoft.com/office/drawing/2014/main" id="{CDC0DFAB-396D-4ECF-9FFB-BA577D4E56F5}"/>
               </a:ext>
             </a:extLst>
           </p:cNvPr>
@@ -8859,7 +9024,7 @@
           <p:cNvPr id="6" name="Slide Number Placeholder 5">
             <a:extLst>
               <a:ext uri="{FF2B5EF4-FFF2-40B4-BE49-F238E27FC236}">
-                <a16:creationId xmlns:a16="http://schemas.microsoft.com/office/drawing/2014/main" id="{FE1E6B8A-86A7-4271-AD53-EA475A5972F7}"/>
+                <a16:creationId xmlns:a16="http://schemas.microsoft.com/office/drawing/2014/main" id="{E355D19F-D19C-47A6-8384-23F4F4D3C514}"/>
               </a:ext>
             </a:extLst>
           </p:cNvPr>
@@ -8886,7 +9051,7 @@
     </p:spTree>
     <p:extLst>
       <p:ext uri="{BB962C8B-B14F-4D97-AF65-F5344CB8AC3E}">
-        <p14:creationId xmlns:p14="http://schemas.microsoft.com/office/powerpoint/2010/main" val="773067360"/>
+        <p14:creationId xmlns:p14="http://schemas.microsoft.com/office/powerpoint/2010/main" val="4090456450"/>
       </p:ext>
     </p:extLst>
   </p:cSld>
@@ -8918,7 +9083,7 @@
           <p:cNvPr id="2" name="Title 1">
             <a:extLst>
               <a:ext uri="{FF2B5EF4-FFF2-40B4-BE49-F238E27FC236}">
-                <a16:creationId xmlns:a16="http://schemas.microsoft.com/office/drawing/2014/main" id="{9F7FE4A7-44B8-4AF2-8CD7-D2F4583FDEFC}"/>
+                <a16:creationId xmlns:a16="http://schemas.microsoft.com/office/drawing/2014/main" id="{B00BECCD-CF76-4B0E-B6F2-D5799ADBF7F7}"/>
               </a:ext>
             </a:extLst>
           </p:cNvPr>
@@ -8936,7 +9101,7 @@
           <a:p>
             <a:r>
               <a:rPr lang="en-US" dirty="0"/>
-              <a:t>JOIN / MERGE</a:t>
+              <a:t>DELETE AND KEEP</a:t>
             </a:r>
           </a:p>
         </p:txBody>
@@ -8946,7 +9111,7 @@
           <p:cNvPr id="3" name="Content Placeholder 2">
             <a:extLst>
               <a:ext uri="{FF2B5EF4-FFF2-40B4-BE49-F238E27FC236}">
-                <a16:creationId xmlns:a16="http://schemas.microsoft.com/office/drawing/2014/main" id="{AE979079-854B-411C-B824-947E44C14007}"/>
+                <a16:creationId xmlns:a16="http://schemas.microsoft.com/office/drawing/2014/main" id="{89B0D2A7-960E-4809-AEB0-370D35C41C32}"/>
               </a:ext>
             </a:extLst>
           </p:cNvPr>
@@ -8962,7 +9127,94 @@
           <a:bodyPr/>
           <a:lstStyle/>
           <a:p>
-            <a:endParaRPr lang="en-US"/>
+            <a:r>
+              <a:rPr lang="en-US" dirty="0"/>
+              <a:t>Only get the data you really want</a:t>
+            </a:r>
+          </a:p>
+          <a:p>
+            <a:r>
+              <a:rPr lang="en-US" dirty="0"/>
+              <a:t>Formulas again!</a:t>
+            </a:r>
+          </a:p>
+          <a:p>
+            <a:pPr lvl="1"/>
+            <a:r>
+              <a:rPr lang="en-US" dirty="0">
+                <a:latin typeface="Courier New" panose="02070309020205020404" pitchFamily="49" charset="0"/>
+                <a:cs typeface="Courier New" panose="02070309020205020404" pitchFamily="49" charset="0"/>
+              </a:rPr>
+              <a:t>delete(</a:t>
+            </a:r>
+            <a:r>
+              <a:rPr lang="en-US" dirty="0" err="1">
+                <a:latin typeface="Courier New" panose="02070309020205020404" pitchFamily="49" charset="0"/>
+                <a:cs typeface="Courier New" panose="02070309020205020404" pitchFamily="49" charset="0"/>
+              </a:rPr>
+              <a:t>gpas</a:t>
+            </a:r>
+            <a:r>
+              <a:rPr lang="en-US" dirty="0">
+                <a:latin typeface="Courier New" panose="02070309020205020404" pitchFamily="49" charset="0"/>
+                <a:cs typeface="Courier New" panose="02070309020205020404" pitchFamily="49" charset="0"/>
+              </a:rPr>
+              <a:t>, ~ .x &lt; 2.0)</a:t>
+            </a:r>
+          </a:p>
+          <a:p>
+            <a:pPr lvl="1"/>
+            <a:r>
+              <a:rPr lang="en-US" dirty="0" err="1">
+                <a:latin typeface="Courier New" panose="02070309020205020404" pitchFamily="49" charset="0"/>
+                <a:cs typeface="Courier New" panose="02070309020205020404" pitchFamily="49" charset="0"/>
+              </a:rPr>
+              <a:t>purrr</a:t>
+            </a:r>
+            <a:r>
+              <a:rPr lang="en-US" dirty="0">
+                <a:latin typeface="Courier New" panose="02070309020205020404" pitchFamily="49" charset="0"/>
+                <a:cs typeface="Courier New" panose="02070309020205020404" pitchFamily="49" charset="0"/>
+              </a:rPr>
+              <a:t>::keep(</a:t>
+            </a:r>
+            <a:r>
+              <a:rPr lang="en-US" dirty="0" err="1">
+                <a:latin typeface="Courier New" panose="02070309020205020404" pitchFamily="49" charset="0"/>
+                <a:cs typeface="Courier New" panose="02070309020205020404" pitchFamily="49" charset="0"/>
+              </a:rPr>
+              <a:t>gpas</a:t>
+            </a:r>
+            <a:r>
+              <a:rPr lang="en-US" dirty="0">
+                <a:latin typeface="Courier New" panose="02070309020205020404" pitchFamily="49" charset="0"/>
+                <a:cs typeface="Courier New" panose="02070309020205020404" pitchFamily="49" charset="0"/>
+              </a:rPr>
+              <a:t>, ~ .x &gt; 3.8)</a:t>
+            </a:r>
+          </a:p>
+          <a:p>
+            <a:pPr lvl="2"/>
+            <a:r>
+              <a:rPr lang="en-US" dirty="0" err="1">
+                <a:latin typeface="Courier New" panose="02070309020205020404" pitchFamily="49" charset="0"/>
+                <a:cs typeface="Courier New" panose="02070309020205020404" pitchFamily="49" charset="0"/>
+              </a:rPr>
+              <a:t>purrr</a:t>
+            </a:r>
+            <a:r>
+              <a:rPr lang="en-US" dirty="0">
+                <a:latin typeface="Courier New" panose="02070309020205020404" pitchFamily="49" charset="0"/>
+                <a:cs typeface="Courier New" panose="02070309020205020404" pitchFamily="49" charset="0"/>
+              </a:rPr>
+              <a:t>:: </a:t>
+            </a:r>
+            <a:r>
+              <a:rPr lang="en-US" dirty="0">
+                <a:cs typeface="Courier New" panose="02070309020205020404" pitchFamily="49" charset="0"/>
+              </a:rPr>
+              <a:t>means that we’re specifying what package we’re looking in.</a:t>
+            </a:r>
           </a:p>
         </p:txBody>
       </p:sp>
@@ -8971,7 +9223,7 @@
           <p:cNvPr id="4" name="Date Placeholder 3">
             <a:extLst>
               <a:ext uri="{FF2B5EF4-FFF2-40B4-BE49-F238E27FC236}">
-                <a16:creationId xmlns:a16="http://schemas.microsoft.com/office/drawing/2014/main" id="{D3FFBF28-A0DD-44D1-99BD-6CDDA65C79F9}"/>
+                <a16:creationId xmlns:a16="http://schemas.microsoft.com/office/drawing/2014/main" id="{F6961778-83BF-4D9C-80F5-548A79C16F39}"/>
               </a:ext>
             </a:extLst>
           </p:cNvPr>
@@ -9000,7 +9252,7 @@
           <p:cNvPr id="5" name="Footer Placeholder 4">
             <a:extLst>
               <a:ext uri="{FF2B5EF4-FFF2-40B4-BE49-F238E27FC236}">
-                <a16:creationId xmlns:a16="http://schemas.microsoft.com/office/drawing/2014/main" id="{98666681-CDCF-4CCC-998D-14B77E6C232E}"/>
+                <a16:creationId xmlns:a16="http://schemas.microsoft.com/office/drawing/2014/main" id="{16137D9A-1788-458D-85C1-E57833EE693A}"/>
               </a:ext>
             </a:extLst>
           </p:cNvPr>
@@ -9057,7 +9309,7 @@
           <p:cNvPr id="6" name="Slide Number Placeholder 5">
             <a:extLst>
               <a:ext uri="{FF2B5EF4-FFF2-40B4-BE49-F238E27FC236}">
-                <a16:creationId xmlns:a16="http://schemas.microsoft.com/office/drawing/2014/main" id="{DDCEAA25-7DC0-4506-9B3F-554960FA4943}"/>
+                <a16:creationId xmlns:a16="http://schemas.microsoft.com/office/drawing/2014/main" id="{AB9BA80B-8F96-4D2E-9BA8-D64F675FA9A8}"/>
               </a:ext>
             </a:extLst>
           </p:cNvPr>
@@ -9084,7 +9336,7 @@
     </p:spTree>
     <p:extLst>
       <p:ext uri="{BB962C8B-B14F-4D97-AF65-F5344CB8AC3E}">
-        <p14:creationId xmlns:p14="http://schemas.microsoft.com/office/powerpoint/2010/main" val="129508627"/>
+        <p14:creationId xmlns:p14="http://schemas.microsoft.com/office/powerpoint/2010/main" val="1050581935"/>
       </p:ext>
     </p:extLst>
   </p:cSld>
@@ -9116,7 +9368,7 @@
           <p:cNvPr id="2" name="Title 1">
             <a:extLst>
               <a:ext uri="{FF2B5EF4-FFF2-40B4-BE49-F238E27FC236}">
-                <a16:creationId xmlns:a16="http://schemas.microsoft.com/office/drawing/2014/main" id="{49F1C6FE-E79C-4C80-88FE-72C34F9CA94F}"/>
+                <a16:creationId xmlns:a16="http://schemas.microsoft.com/office/drawing/2014/main" id="{B00BECCD-CF76-4B0E-B6F2-D5799ADBF7F7}"/>
               </a:ext>
             </a:extLst>
           </p:cNvPr>
@@ -9134,7 +9386,7 @@
           <a:p>
             <a:r>
               <a:rPr lang="en-US" dirty="0"/>
-              <a:t>ARRANGE</a:t>
+              <a:t>EVERY AND SOME</a:t>
             </a:r>
           </a:p>
         </p:txBody>
@@ -9144,7 +9396,7 @@
           <p:cNvPr id="3" name="Content Placeholder 2">
             <a:extLst>
               <a:ext uri="{FF2B5EF4-FFF2-40B4-BE49-F238E27FC236}">
-                <a16:creationId xmlns:a16="http://schemas.microsoft.com/office/drawing/2014/main" id="{76521A6E-EBE5-4696-830C-DB21AF26D609}"/>
+                <a16:creationId xmlns:a16="http://schemas.microsoft.com/office/drawing/2014/main" id="{89B0D2A7-960E-4809-AEB0-370D35C41C32}"/>
               </a:ext>
             </a:extLst>
           </p:cNvPr>
@@ -9160,7 +9412,64 @@
           <a:bodyPr/>
           <a:lstStyle/>
           <a:p>
-            <a:endParaRPr lang="en-US"/>
+            <a:r>
+              <a:rPr lang="en-US" dirty="0"/>
+              <a:t>Summarize a list</a:t>
+            </a:r>
+          </a:p>
+          <a:p>
+            <a:r>
+              <a:rPr lang="en-US" dirty="0"/>
+              <a:t>What do you know? Formulas again!</a:t>
+            </a:r>
+          </a:p>
+          <a:p>
+            <a:pPr lvl="1"/>
+            <a:r>
+              <a:rPr lang="en-US" dirty="0">
+                <a:latin typeface="Courier New" panose="02070309020205020404" pitchFamily="49" charset="0"/>
+                <a:cs typeface="Courier New" panose="02070309020205020404" pitchFamily="49" charset="0"/>
+              </a:rPr>
+              <a:t>every(</a:t>
+            </a:r>
+            <a:r>
+              <a:rPr lang="en-US" dirty="0" err="1">
+                <a:latin typeface="Courier New" panose="02070309020205020404" pitchFamily="49" charset="0"/>
+                <a:cs typeface="Courier New" panose="02070309020205020404" pitchFamily="49" charset="0"/>
+              </a:rPr>
+              <a:t>gpas</a:t>
+            </a:r>
+            <a:r>
+              <a:rPr lang="en-US" dirty="0">
+                <a:latin typeface="Courier New" panose="02070309020205020404" pitchFamily="49" charset="0"/>
+                <a:cs typeface="Courier New" panose="02070309020205020404" pitchFamily="49" charset="0"/>
+              </a:rPr>
+              <a:t>, ~ .x &lt; 2.0)</a:t>
+            </a:r>
+          </a:p>
+          <a:p>
+            <a:pPr lvl="1"/>
+            <a:r>
+              <a:rPr lang="en-US" dirty="0">
+                <a:latin typeface="Courier New" panose="02070309020205020404" pitchFamily="49" charset="0"/>
+                <a:cs typeface="Courier New" panose="02070309020205020404" pitchFamily="49" charset="0"/>
+              </a:rPr>
+              <a:t>some(</a:t>
+            </a:r>
+            <a:r>
+              <a:rPr lang="en-US" dirty="0" err="1">
+                <a:latin typeface="Courier New" panose="02070309020205020404" pitchFamily="49" charset="0"/>
+                <a:cs typeface="Courier New" panose="02070309020205020404" pitchFamily="49" charset="0"/>
+              </a:rPr>
+              <a:t>gpas</a:t>
+            </a:r>
+            <a:r>
+              <a:rPr lang="en-US" dirty="0">
+                <a:latin typeface="Courier New" panose="02070309020205020404" pitchFamily="49" charset="0"/>
+                <a:cs typeface="Courier New" panose="02070309020205020404" pitchFamily="49" charset="0"/>
+              </a:rPr>
+              <a:t>, ~ .x &gt; 3.8)</a:t>
+            </a:r>
           </a:p>
         </p:txBody>
       </p:sp>
@@ -9169,7 +9478,7 @@
           <p:cNvPr id="4" name="Date Placeholder 3">
             <a:extLst>
               <a:ext uri="{FF2B5EF4-FFF2-40B4-BE49-F238E27FC236}">
-                <a16:creationId xmlns:a16="http://schemas.microsoft.com/office/drawing/2014/main" id="{A72BADC7-C4F0-4682-AB40-262467FD519D}"/>
+                <a16:creationId xmlns:a16="http://schemas.microsoft.com/office/drawing/2014/main" id="{F6961778-83BF-4D9C-80F5-548A79C16F39}"/>
               </a:ext>
             </a:extLst>
           </p:cNvPr>
@@ -9198,7 +9507,7 @@
           <p:cNvPr id="5" name="Footer Placeholder 4">
             <a:extLst>
               <a:ext uri="{FF2B5EF4-FFF2-40B4-BE49-F238E27FC236}">
-                <a16:creationId xmlns:a16="http://schemas.microsoft.com/office/drawing/2014/main" id="{E8040E38-D198-41BA-A22B-F75B4D934AB4}"/>
+                <a16:creationId xmlns:a16="http://schemas.microsoft.com/office/drawing/2014/main" id="{16137D9A-1788-458D-85C1-E57833EE693A}"/>
               </a:ext>
             </a:extLst>
           </p:cNvPr>
@@ -9255,7 +9564,7 @@
           <p:cNvPr id="6" name="Slide Number Placeholder 5">
             <a:extLst>
               <a:ext uri="{FF2B5EF4-FFF2-40B4-BE49-F238E27FC236}">
-                <a16:creationId xmlns:a16="http://schemas.microsoft.com/office/drawing/2014/main" id="{AA36146F-7E0F-4CA1-971D-E4BDF0481FFD}"/>
+                <a16:creationId xmlns:a16="http://schemas.microsoft.com/office/drawing/2014/main" id="{AB9BA80B-8F96-4D2E-9BA8-D64F675FA9A8}"/>
               </a:ext>
             </a:extLst>
           </p:cNvPr>
@@ -9282,7 +9591,7 @@
     </p:spTree>
     <p:extLst>
       <p:ext uri="{BB962C8B-B14F-4D97-AF65-F5344CB8AC3E}">
-        <p14:creationId xmlns:p14="http://schemas.microsoft.com/office/powerpoint/2010/main" val="864970109"/>
+        <p14:creationId xmlns:p14="http://schemas.microsoft.com/office/powerpoint/2010/main" val="3471528219"/>
       </p:ext>
     </p:extLst>
   </p:cSld>
@@ -9515,7 +9824,7 @@
           <p:cNvPr id="2" name="Title 1">
             <a:extLst>
               <a:ext uri="{FF2B5EF4-FFF2-40B4-BE49-F238E27FC236}">
-                <a16:creationId xmlns:a16="http://schemas.microsoft.com/office/drawing/2014/main" id="{5D1687A0-6F31-4A21-ACD0-FE8A0EAF8C89}"/>
+                <a16:creationId xmlns:a16="http://schemas.microsoft.com/office/drawing/2014/main" id="{B00BECCD-CF76-4B0E-B6F2-D5799ADBF7F7}"/>
               </a:ext>
             </a:extLst>
           </p:cNvPr>
@@ -9533,7 +9842,7 @@
           <a:p>
             <a:r>
               <a:rPr lang="en-US" dirty="0"/>
-              <a:t>THE PIPE</a:t>
+              <a:t>MODIFY IF</a:t>
             </a:r>
           </a:p>
         </p:txBody>
@@ -9543,7 +9852,7 @@
           <p:cNvPr id="3" name="Content Placeholder 2">
             <a:extLst>
               <a:ext uri="{FF2B5EF4-FFF2-40B4-BE49-F238E27FC236}">
-                <a16:creationId xmlns:a16="http://schemas.microsoft.com/office/drawing/2014/main" id="{89088887-9B0E-44EE-96AD-018B60F0FC71}"/>
+                <a16:creationId xmlns:a16="http://schemas.microsoft.com/office/drawing/2014/main" id="{89B0D2A7-960E-4809-AEB0-370D35C41C32}"/>
               </a:ext>
             </a:extLst>
           </p:cNvPr>
@@ -9559,7 +9868,57 @@
           <a:bodyPr/>
           <a:lstStyle/>
           <a:p>
-            <a:endParaRPr lang="en-US"/>
+            <a:r>
+              <a:rPr lang="en-US" dirty="0"/>
+              <a:t>Only change certain values</a:t>
+            </a:r>
+          </a:p>
+          <a:p>
+            <a:r>
+              <a:rPr lang="en-US" dirty="0" err="1">
+                <a:latin typeface="Courier New" panose="02070309020205020404" pitchFamily="49" charset="0"/>
+                <a:cs typeface="Courier New" panose="02070309020205020404" pitchFamily="49" charset="0"/>
+              </a:rPr>
+              <a:t>modify_if</a:t>
+            </a:r>
+            <a:r>
+              <a:rPr lang="en-US" dirty="0">
+                <a:latin typeface="Courier New" panose="02070309020205020404" pitchFamily="49" charset="0"/>
+                <a:cs typeface="Courier New" panose="02070309020205020404" pitchFamily="49" charset="0"/>
+              </a:rPr>
+              <a:t>(vector, condition, operation)</a:t>
+            </a:r>
+          </a:p>
+          <a:p>
+            <a:pPr lvl="1"/>
+            <a:r>
+              <a:rPr lang="en-US" dirty="0" err="1">
+                <a:latin typeface="Courier New" panose="02070309020205020404" pitchFamily="49" charset="0"/>
+                <a:cs typeface="Courier New" panose="02070309020205020404" pitchFamily="49" charset="0"/>
+              </a:rPr>
+              <a:t>modify_if</a:t>
+            </a:r>
+            <a:r>
+              <a:rPr lang="en-US" dirty="0">
+                <a:latin typeface="Courier New" panose="02070309020205020404" pitchFamily="49" charset="0"/>
+                <a:cs typeface="Courier New" panose="02070309020205020404" pitchFamily="49" charset="0"/>
+              </a:rPr>
+              <a:t>(</a:t>
+            </a:r>
+            <a:r>
+              <a:rPr lang="en-US" dirty="0" err="1">
+                <a:latin typeface="Courier New" panose="02070309020205020404" pitchFamily="49" charset="0"/>
+                <a:cs typeface="Courier New" panose="02070309020205020404" pitchFamily="49" charset="0"/>
+              </a:rPr>
+              <a:t>stateareas</a:t>
+            </a:r>
+            <a:r>
+              <a:rPr lang="en-US" dirty="0">
+                <a:latin typeface="Courier New" panose="02070309020205020404" pitchFamily="49" charset="0"/>
+                <a:cs typeface="Courier New" panose="02070309020205020404" pitchFamily="49" charset="0"/>
+              </a:rPr>
+              <a:t>, ~ .x &gt; 50000, ~ .x / 2)</a:t>
+            </a:r>
           </a:p>
         </p:txBody>
       </p:sp>
@@ -9568,7 +9927,7 @@
           <p:cNvPr id="4" name="Date Placeholder 3">
             <a:extLst>
               <a:ext uri="{FF2B5EF4-FFF2-40B4-BE49-F238E27FC236}">
-                <a16:creationId xmlns:a16="http://schemas.microsoft.com/office/drawing/2014/main" id="{A8BA16B2-C60B-487F-B375-1D39D8DE5708}"/>
+                <a16:creationId xmlns:a16="http://schemas.microsoft.com/office/drawing/2014/main" id="{F6961778-83BF-4D9C-80F5-548A79C16F39}"/>
               </a:ext>
             </a:extLst>
           </p:cNvPr>
@@ -9597,7 +9956,7 @@
           <p:cNvPr id="5" name="Footer Placeholder 4">
             <a:extLst>
               <a:ext uri="{FF2B5EF4-FFF2-40B4-BE49-F238E27FC236}">
-                <a16:creationId xmlns:a16="http://schemas.microsoft.com/office/drawing/2014/main" id="{CBA90653-BBD4-4EE6-A72C-B74A92C1117B}"/>
+                <a16:creationId xmlns:a16="http://schemas.microsoft.com/office/drawing/2014/main" id="{16137D9A-1788-458D-85C1-E57833EE693A}"/>
               </a:ext>
             </a:extLst>
           </p:cNvPr>
@@ -9654,7 +10013,7 @@
           <p:cNvPr id="6" name="Slide Number Placeholder 5">
             <a:extLst>
               <a:ext uri="{FF2B5EF4-FFF2-40B4-BE49-F238E27FC236}">
-                <a16:creationId xmlns:a16="http://schemas.microsoft.com/office/drawing/2014/main" id="{67700C04-F127-4514-B7CF-AEEB3F541378}"/>
+                <a16:creationId xmlns:a16="http://schemas.microsoft.com/office/drawing/2014/main" id="{AB9BA80B-8F96-4D2E-9BA8-D64F675FA9A8}"/>
               </a:ext>
             </a:extLst>
           </p:cNvPr>
@@ -9681,7 +10040,7 @@
     </p:spTree>
     <p:extLst>
       <p:ext uri="{BB962C8B-B14F-4D97-AF65-F5344CB8AC3E}">
-        <p14:creationId xmlns:p14="http://schemas.microsoft.com/office/powerpoint/2010/main" val="1580853764"/>
+        <p14:creationId xmlns:p14="http://schemas.microsoft.com/office/powerpoint/2010/main" val="3833906619"/>
       </p:ext>
     </p:extLst>
   </p:cSld>
@@ -9710,10 +10069,10 @@
       </p:grpSpPr>
       <p:sp>
         <p:nvSpPr>
-          <p:cNvPr id="7" name="Title 6">
-            <a:extLst>
-              <a:ext uri="{FF2B5EF4-FFF2-40B4-BE49-F238E27FC236}">
-                <a16:creationId xmlns:a16="http://schemas.microsoft.com/office/drawing/2014/main" id="{F9B622D1-34BF-44D8-BDC0-3D31803EC1C8}"/>
+          <p:cNvPr id="2" name="Title 1">
+            <a:extLst>
+              <a:ext uri="{FF2B5EF4-FFF2-40B4-BE49-F238E27FC236}">
+                <a16:creationId xmlns:a16="http://schemas.microsoft.com/office/drawing/2014/main" id="{1FFA2CD6-B011-46A8-9A47-7E3AD0FD2D2A}"/>
               </a:ext>
             </a:extLst>
           </p:cNvPr>
@@ -9731,42 +10090,156 @@
           <a:p>
             <a:r>
               <a:rPr lang="en-US" dirty="0"/>
-              <a:t>VISUALIZING DATA</a:t>
-            </a:r>
-            <a:br>
-              <a:rPr lang="en-US" dirty="0"/>
-            </a:br>
-            <a:r>
-              <a:rPr lang="en-US" dirty="0"/>
-              <a:t>WITH GGPLOT2</a:t>
-            </a:r>
-          </a:p>
-        </p:txBody>
-      </p:sp>
-      <p:sp>
-        <p:nvSpPr>
-          <p:cNvPr id="8" name="Text Placeholder 7">
-            <a:extLst>
-              <a:ext uri="{FF2B5EF4-FFF2-40B4-BE49-F238E27FC236}">
-                <a16:creationId xmlns:a16="http://schemas.microsoft.com/office/drawing/2014/main" id="{DD6D9B92-0C9B-4797-BC66-E014C6A328D0}"/>
-              </a:ext>
-            </a:extLst>
-          </p:cNvPr>
-          <p:cNvSpPr>
-            <a:spLocks noGrp="1"/>
-          </p:cNvSpPr>
-          <p:nvPr>
-            <p:ph type="body" idx="1"/>
-          </p:nvPr>
-        </p:nvSpPr>
-        <p:spPr/>
-        <p:txBody>
-          <a:bodyPr/>
-          <a:lstStyle/>
-          <a:p>
-            <a:r>
-              <a:rPr lang="en-US" dirty="0"/>
-              <a:t>Versatile and customizable plotting</a:t>
+              <a:t>EASY PARALLELIZATION</a:t>
+            </a:r>
+          </a:p>
+        </p:txBody>
+      </p:sp>
+      <p:sp>
+        <p:nvSpPr>
+          <p:cNvPr id="3" name="Content Placeholder 2">
+            <a:extLst>
+              <a:ext uri="{FF2B5EF4-FFF2-40B4-BE49-F238E27FC236}">
+                <a16:creationId xmlns:a16="http://schemas.microsoft.com/office/drawing/2014/main" id="{3F43D8F2-6A4D-4EE1-8023-B20D3C4C183D}"/>
+              </a:ext>
+            </a:extLst>
+          </p:cNvPr>
+          <p:cNvSpPr>
+            <a:spLocks noGrp="1"/>
+          </p:cNvSpPr>
+          <p:nvPr>
+            <p:ph idx="1"/>
+          </p:nvPr>
+        </p:nvSpPr>
+        <p:spPr/>
+        <p:txBody>
+          <a:bodyPr/>
+          <a:lstStyle/>
+          <a:p>
+            <a:r>
+              <a:rPr lang="en-US" dirty="0"/>
+              <a:t>Run many tasks at the same time</a:t>
+            </a:r>
+          </a:p>
+          <a:p>
+            <a:r>
+              <a:rPr lang="en-US" dirty="0"/>
+              <a:t>Considerable speedup!</a:t>
+            </a:r>
+          </a:p>
+          <a:p>
+            <a:r>
+              <a:rPr lang="en-US" dirty="0" err="1"/>
+              <a:t>furrr</a:t>
+            </a:r>
+            <a:r>
+              <a:rPr lang="en-US" dirty="0"/>
+              <a:t>: leverage parallel computation for purr</a:t>
+            </a:r>
+          </a:p>
+          <a:p>
+            <a:pPr lvl="1"/>
+            <a:r>
+              <a:rPr lang="en-US" dirty="0"/>
+              <a:t>Add </a:t>
+            </a:r>
+            <a:r>
+              <a:rPr lang="en-US" dirty="0">
+                <a:latin typeface="Courier New" panose="02070309020205020404" pitchFamily="49" charset="0"/>
+                <a:cs typeface="Courier New" panose="02070309020205020404" pitchFamily="49" charset="0"/>
+              </a:rPr>
+              <a:t>plan(</a:t>
+            </a:r>
+            <a:r>
+              <a:rPr lang="en-US" dirty="0" err="1">
+                <a:latin typeface="Courier New" panose="02070309020205020404" pitchFamily="49" charset="0"/>
+                <a:cs typeface="Courier New" panose="02070309020205020404" pitchFamily="49" charset="0"/>
+              </a:rPr>
+              <a:t>multiprocess</a:t>
+            </a:r>
+            <a:r>
+              <a:rPr lang="en-US" dirty="0">
+                <a:latin typeface="Courier New" panose="02070309020205020404" pitchFamily="49" charset="0"/>
+                <a:cs typeface="Courier New" panose="02070309020205020404" pitchFamily="49" charset="0"/>
+              </a:rPr>
+              <a:t>) </a:t>
+            </a:r>
+            <a:r>
+              <a:rPr lang="en-US" dirty="0"/>
+              <a:t>to your script</a:t>
+            </a:r>
+          </a:p>
+          <a:p>
+            <a:pPr lvl="1"/>
+            <a:r>
+              <a:rPr lang="en-US" dirty="0"/>
+              <a:t>Just use </a:t>
+            </a:r>
+            <a:r>
+              <a:rPr lang="en-US" dirty="0" err="1">
+                <a:latin typeface="Courier New" panose="02070309020205020404" pitchFamily="49" charset="0"/>
+                <a:cs typeface="Courier New" panose="02070309020205020404" pitchFamily="49" charset="0"/>
+              </a:rPr>
+              <a:t>future_map</a:t>
+            </a:r>
+            <a:r>
+              <a:rPr lang="en-US" dirty="0">
+                <a:latin typeface="Courier New" panose="02070309020205020404" pitchFamily="49" charset="0"/>
+                <a:cs typeface="Courier New" panose="02070309020205020404" pitchFamily="49" charset="0"/>
+              </a:rPr>
+              <a:t> </a:t>
+            </a:r>
+            <a:r>
+              <a:rPr lang="en-US" dirty="0"/>
+              <a:t>over </a:t>
+            </a:r>
+            <a:r>
+              <a:rPr lang="en-US" dirty="0">
+                <a:latin typeface="Courier New" panose="02070309020205020404" pitchFamily="49" charset="0"/>
+                <a:cs typeface="Courier New" panose="02070309020205020404" pitchFamily="49" charset="0"/>
+              </a:rPr>
+              <a:t>map</a:t>
+            </a:r>
+            <a:r>
+              <a:rPr lang="en-US" dirty="0"/>
+              <a:t>, and similarly for other functions!</a:t>
+            </a:r>
+          </a:p>
+          <a:p>
+            <a:r>
+              <a:rPr lang="en-US" dirty="0"/>
+              <a:t>Ex:</a:t>
+            </a:r>
+          </a:p>
+          <a:p>
+            <a:pPr lvl="1"/>
+            <a:r>
+              <a:rPr lang="en-US" dirty="0" err="1">
+                <a:latin typeface="Courier New" panose="02070309020205020404" pitchFamily="49" charset="0"/>
+                <a:cs typeface="Courier New" panose="02070309020205020404" pitchFamily="49" charset="0"/>
+              </a:rPr>
+              <a:t>future_map</a:t>
+            </a:r>
+            <a:r>
+              <a:rPr lang="en-US" dirty="0">
+                <a:latin typeface="Courier New" panose="02070309020205020404" pitchFamily="49" charset="0"/>
+                <a:cs typeface="Courier New" panose="02070309020205020404" pitchFamily="49" charset="0"/>
+              </a:rPr>
+              <a:t>(names, </a:t>
+            </a:r>
+            <a:r>
+              <a:rPr lang="en-US" dirty="0" err="1">
+                <a:latin typeface="Courier New" panose="02070309020205020404" pitchFamily="49" charset="0"/>
+                <a:cs typeface="Courier New" panose="02070309020205020404" pitchFamily="49" charset="0"/>
+              </a:rPr>
+              <a:t>tolower</a:t>
+            </a:r>
+            <a:r>
+              <a:rPr lang="en-US" dirty="0">
+                <a:latin typeface="Courier New" panose="02070309020205020404" pitchFamily="49" charset="0"/>
+                <a:cs typeface="Courier New" panose="02070309020205020404" pitchFamily="49" charset="0"/>
+              </a:rPr>
+              <a:t>)</a:t>
             </a:r>
           </a:p>
         </p:txBody>
@@ -9776,7 +10249,7 @@
           <p:cNvPr id="4" name="Date Placeholder 3">
             <a:extLst>
               <a:ext uri="{FF2B5EF4-FFF2-40B4-BE49-F238E27FC236}">
-                <a16:creationId xmlns:a16="http://schemas.microsoft.com/office/drawing/2014/main" id="{7F0C02FB-F57E-4A39-8820-BCD7DA0FA681}"/>
+                <a16:creationId xmlns:a16="http://schemas.microsoft.com/office/drawing/2014/main" id="{C7544D0B-69F9-46DE-A9F4-524D5DEDB864}"/>
               </a:ext>
             </a:extLst>
           </p:cNvPr>
@@ -9805,7 +10278,7 @@
           <p:cNvPr id="5" name="Footer Placeholder 4">
             <a:extLst>
               <a:ext uri="{FF2B5EF4-FFF2-40B4-BE49-F238E27FC236}">
-                <a16:creationId xmlns:a16="http://schemas.microsoft.com/office/drawing/2014/main" id="{7392278C-B6CF-46D2-A2D7-DB522B8FD6BB}"/>
+                <a16:creationId xmlns:a16="http://schemas.microsoft.com/office/drawing/2014/main" id="{F2583C41-4DEE-4F1E-BF3C-57EFEEB468CC}"/>
               </a:ext>
             </a:extLst>
           </p:cNvPr>
@@ -9862,7 +10335,7 @@
           <p:cNvPr id="6" name="Slide Number Placeholder 5">
             <a:extLst>
               <a:ext uri="{FF2B5EF4-FFF2-40B4-BE49-F238E27FC236}">
-                <a16:creationId xmlns:a16="http://schemas.microsoft.com/office/drawing/2014/main" id="{E0E072A8-158A-417B-B985-B4D802B5C32D}"/>
+                <a16:creationId xmlns:a16="http://schemas.microsoft.com/office/drawing/2014/main" id="{89627A91-5286-414F-BEF7-86ACFEEBC189}"/>
               </a:ext>
             </a:extLst>
           </p:cNvPr>
@@ -9889,7 +10362,7 @@
     </p:spTree>
     <p:extLst>
       <p:ext uri="{BB962C8B-B14F-4D97-AF65-F5344CB8AC3E}">
-        <p14:creationId xmlns:p14="http://schemas.microsoft.com/office/powerpoint/2010/main" val="2922848558"/>
+        <p14:creationId xmlns:p14="http://schemas.microsoft.com/office/powerpoint/2010/main" val="4239391620"/>
       </p:ext>
     </p:extLst>
   </p:cSld>
@@ -9918,10 +10391,10 @@
       </p:grpSpPr>
       <p:sp>
         <p:nvSpPr>
-          <p:cNvPr id="2" name="Title 1">
-            <a:extLst>
-              <a:ext uri="{FF2B5EF4-FFF2-40B4-BE49-F238E27FC236}">
-                <a16:creationId xmlns:a16="http://schemas.microsoft.com/office/drawing/2014/main" id="{8BB31801-2E3E-485F-82B8-81F94CAC0E69}"/>
+          <p:cNvPr id="7" name="Title 6">
+            <a:extLst>
+              <a:ext uri="{FF2B5EF4-FFF2-40B4-BE49-F238E27FC236}">
+                <a16:creationId xmlns:a16="http://schemas.microsoft.com/office/drawing/2014/main" id="{F9B622D1-34BF-44D8-BDC0-3D31803EC1C8}"/>
               </a:ext>
             </a:extLst>
           </p:cNvPr>
@@ -9939,33 +10412,43 @@
           <a:p>
             <a:r>
               <a:rPr lang="en-US" dirty="0"/>
-              <a:t>THE LAYERED PLOTTING MODEL</a:t>
-            </a:r>
-          </a:p>
-        </p:txBody>
-      </p:sp>
-      <p:sp>
-        <p:nvSpPr>
-          <p:cNvPr id="3" name="Content Placeholder 2">
-            <a:extLst>
-              <a:ext uri="{FF2B5EF4-FFF2-40B4-BE49-F238E27FC236}">
-                <a16:creationId xmlns:a16="http://schemas.microsoft.com/office/drawing/2014/main" id="{390EC6AF-F6AE-4708-966A-6ECE19BE5BC6}"/>
-              </a:ext>
-            </a:extLst>
-          </p:cNvPr>
-          <p:cNvSpPr>
-            <a:spLocks noGrp="1"/>
-          </p:cNvSpPr>
-          <p:nvPr>
-            <p:ph idx="1"/>
-          </p:nvPr>
-        </p:nvSpPr>
-        <p:spPr/>
-        <p:txBody>
-          <a:bodyPr/>
-          <a:lstStyle/>
-          <a:p>
-            <a:endParaRPr lang="en-US"/>
+              <a:t>DATA MANIPULATION</a:t>
+            </a:r>
+            <a:br>
+              <a:rPr lang="en-US" dirty="0"/>
+            </a:br>
+            <a:r>
+              <a:rPr lang="en-US" dirty="0"/>
+              <a:t>WITH DPLYR</a:t>
+            </a:r>
+          </a:p>
+        </p:txBody>
+      </p:sp>
+      <p:sp>
+        <p:nvSpPr>
+          <p:cNvPr id="8" name="Text Placeholder 7">
+            <a:extLst>
+              <a:ext uri="{FF2B5EF4-FFF2-40B4-BE49-F238E27FC236}">
+                <a16:creationId xmlns:a16="http://schemas.microsoft.com/office/drawing/2014/main" id="{DD6D9B92-0C9B-4797-BC66-E014C6A328D0}"/>
+              </a:ext>
+            </a:extLst>
+          </p:cNvPr>
+          <p:cNvSpPr>
+            <a:spLocks noGrp="1"/>
+          </p:cNvSpPr>
+          <p:nvPr>
+            <p:ph type="body" idx="1"/>
+          </p:nvPr>
+        </p:nvSpPr>
+        <p:spPr/>
+        <p:txBody>
+          <a:bodyPr/>
+          <a:lstStyle/>
+          <a:p>
+            <a:r>
+              <a:rPr lang="en-US" dirty="0"/>
+              <a:t>A vocabulary of common actions</a:t>
+            </a:r>
           </a:p>
         </p:txBody>
       </p:sp>
@@ -9974,7 +10457,7 @@
           <p:cNvPr id="4" name="Date Placeholder 3">
             <a:extLst>
               <a:ext uri="{FF2B5EF4-FFF2-40B4-BE49-F238E27FC236}">
-                <a16:creationId xmlns:a16="http://schemas.microsoft.com/office/drawing/2014/main" id="{FFAAEF07-9EEF-437A-AC4E-2B14BC28A3D5}"/>
+                <a16:creationId xmlns:a16="http://schemas.microsoft.com/office/drawing/2014/main" id="{7F0C02FB-F57E-4A39-8820-BCD7DA0FA681}"/>
               </a:ext>
             </a:extLst>
           </p:cNvPr>
@@ -10003,7 +10486,7 @@
           <p:cNvPr id="5" name="Footer Placeholder 4">
             <a:extLst>
               <a:ext uri="{FF2B5EF4-FFF2-40B4-BE49-F238E27FC236}">
-                <a16:creationId xmlns:a16="http://schemas.microsoft.com/office/drawing/2014/main" id="{5EDC591F-3ACD-494A-9A2B-670AE711DDB7}"/>
+                <a16:creationId xmlns:a16="http://schemas.microsoft.com/office/drawing/2014/main" id="{7392278C-B6CF-46D2-A2D7-DB522B8FD6BB}"/>
               </a:ext>
             </a:extLst>
           </p:cNvPr>
@@ -10060,7 +10543,7 @@
           <p:cNvPr id="6" name="Slide Number Placeholder 5">
             <a:extLst>
               <a:ext uri="{FF2B5EF4-FFF2-40B4-BE49-F238E27FC236}">
-                <a16:creationId xmlns:a16="http://schemas.microsoft.com/office/drawing/2014/main" id="{06DD70CE-B53B-4527-BDF0-0FA1B01776B6}"/>
+                <a16:creationId xmlns:a16="http://schemas.microsoft.com/office/drawing/2014/main" id="{E0E072A8-158A-417B-B985-B4D802B5C32D}"/>
               </a:ext>
             </a:extLst>
           </p:cNvPr>
@@ -10087,7 +10570,7 @@
     </p:spTree>
     <p:extLst>
       <p:ext uri="{BB962C8B-B14F-4D97-AF65-F5344CB8AC3E}">
-        <p14:creationId xmlns:p14="http://schemas.microsoft.com/office/powerpoint/2010/main" val="2814895575"/>
+        <p14:creationId xmlns:p14="http://schemas.microsoft.com/office/powerpoint/2010/main" val="2464089218"/>
       </p:ext>
     </p:extLst>
   </p:cSld>
@@ -10119,7 +10602,7 @@
           <p:cNvPr id="2" name="Title 1">
             <a:extLst>
               <a:ext uri="{FF2B5EF4-FFF2-40B4-BE49-F238E27FC236}">
-                <a16:creationId xmlns:a16="http://schemas.microsoft.com/office/drawing/2014/main" id="{8BB31801-2E3E-485F-82B8-81F94CAC0E69}"/>
+                <a16:creationId xmlns:a16="http://schemas.microsoft.com/office/drawing/2014/main" id="{783AB27B-A036-46B4-8273-B00B4CC009E5}"/>
               </a:ext>
             </a:extLst>
           </p:cNvPr>
@@ -10137,7 +10620,7 @@
           <a:p>
             <a:r>
               <a:rPr lang="en-US" dirty="0"/>
-              <a:t>COORDINATES</a:t>
+              <a:t>FILTER</a:t>
             </a:r>
           </a:p>
         </p:txBody>
@@ -10147,7 +10630,7 @@
           <p:cNvPr id="3" name="Content Placeholder 2">
             <a:extLst>
               <a:ext uri="{FF2B5EF4-FFF2-40B4-BE49-F238E27FC236}">
-                <a16:creationId xmlns:a16="http://schemas.microsoft.com/office/drawing/2014/main" id="{390EC6AF-F6AE-4708-966A-6ECE19BE5BC6}"/>
+                <a16:creationId xmlns:a16="http://schemas.microsoft.com/office/drawing/2014/main" id="{43136DA3-E238-45FB-9460-C178D50DB43E}"/>
               </a:ext>
             </a:extLst>
           </p:cNvPr>
@@ -10163,7 +10646,60 @@
           <a:bodyPr/>
           <a:lstStyle/>
           <a:p>
-            <a:endParaRPr lang="en-US" dirty="0"/>
+            <a:r>
+              <a:rPr lang="en-US" dirty="0"/>
+              <a:t>Subsetting a data frame</a:t>
+            </a:r>
+          </a:p>
+          <a:p>
+            <a:pPr lvl="1"/>
+            <a:r>
+              <a:rPr lang="en-US" dirty="0">
+                <a:latin typeface="Courier New" panose="02070309020205020404" pitchFamily="49" charset="0"/>
+                <a:cs typeface="Courier New" panose="02070309020205020404" pitchFamily="49" charset="0"/>
+              </a:rPr>
+              <a:t>filter(</a:t>
+            </a:r>
+            <a:r>
+              <a:rPr lang="en-US" dirty="0" err="1">
+                <a:latin typeface="Courier New" panose="02070309020205020404" pitchFamily="49" charset="0"/>
+                <a:cs typeface="Courier New" panose="02070309020205020404" pitchFamily="49" charset="0"/>
+              </a:rPr>
+              <a:t>tbl</a:t>
+            </a:r>
+            <a:r>
+              <a:rPr lang="en-US" dirty="0">
+                <a:latin typeface="Courier New" panose="02070309020205020404" pitchFamily="49" charset="0"/>
+                <a:cs typeface="Courier New" panose="02070309020205020404" pitchFamily="49" charset="0"/>
+              </a:rPr>
+              <a:t>, condition)</a:t>
+            </a:r>
+          </a:p>
+          <a:p>
+            <a:pPr lvl="1"/>
+            <a:r>
+              <a:rPr lang="en-US" dirty="0"/>
+              <a:t>Use column names as-is</a:t>
+            </a:r>
+          </a:p>
+          <a:p>
+            <a:pPr lvl="2"/>
+            <a:r>
+              <a:rPr lang="en-US" dirty="0">
+                <a:latin typeface="Courier New" panose="02070309020205020404" pitchFamily="49" charset="0"/>
+                <a:cs typeface="Courier New" panose="02070309020205020404" pitchFamily="49" charset="0"/>
+              </a:rPr>
+              <a:t>filter(states, Area &gt; 50000)</a:t>
+            </a:r>
+          </a:p>
+          <a:p>
+            <a:pPr lvl="1"/>
+            <a:r>
+              <a:rPr lang="en-US" dirty="0">
+                <a:cs typeface="Courier New" panose="02070309020205020404" pitchFamily="49" charset="0"/>
+              </a:rPr>
+              <a:t>Can use multiple column names!</a:t>
+            </a:r>
           </a:p>
         </p:txBody>
       </p:sp>
@@ -10172,7 +10708,7 @@
           <p:cNvPr id="4" name="Date Placeholder 3">
             <a:extLst>
               <a:ext uri="{FF2B5EF4-FFF2-40B4-BE49-F238E27FC236}">
-                <a16:creationId xmlns:a16="http://schemas.microsoft.com/office/drawing/2014/main" id="{FFAAEF07-9EEF-437A-AC4E-2B14BC28A3D5}"/>
+                <a16:creationId xmlns:a16="http://schemas.microsoft.com/office/drawing/2014/main" id="{E5E06012-E22D-4816-AAB2-FA54D59A1182}"/>
               </a:ext>
             </a:extLst>
           </p:cNvPr>
@@ -10201,7 +10737,7 @@
           <p:cNvPr id="5" name="Footer Placeholder 4">
             <a:extLst>
               <a:ext uri="{FF2B5EF4-FFF2-40B4-BE49-F238E27FC236}">
-                <a16:creationId xmlns:a16="http://schemas.microsoft.com/office/drawing/2014/main" id="{5EDC591F-3ACD-494A-9A2B-670AE711DDB7}"/>
+                <a16:creationId xmlns:a16="http://schemas.microsoft.com/office/drawing/2014/main" id="{F3555683-DD74-4221-B1D1-E97AA77ED2BD}"/>
               </a:ext>
             </a:extLst>
           </p:cNvPr>
@@ -10258,7 +10794,7 @@
           <p:cNvPr id="6" name="Slide Number Placeholder 5">
             <a:extLst>
               <a:ext uri="{FF2B5EF4-FFF2-40B4-BE49-F238E27FC236}">
-                <a16:creationId xmlns:a16="http://schemas.microsoft.com/office/drawing/2014/main" id="{06DD70CE-B53B-4527-BDF0-0FA1B01776B6}"/>
+                <a16:creationId xmlns:a16="http://schemas.microsoft.com/office/drawing/2014/main" id="{FE1E6B8A-86A7-4271-AD53-EA475A5972F7}"/>
               </a:ext>
             </a:extLst>
           </p:cNvPr>
@@ -10285,7 +10821,7 @@
     </p:spTree>
     <p:extLst>
       <p:ext uri="{BB962C8B-B14F-4D97-AF65-F5344CB8AC3E}">
-        <p14:creationId xmlns:p14="http://schemas.microsoft.com/office/powerpoint/2010/main" val="1930838147"/>
+        <p14:creationId xmlns:p14="http://schemas.microsoft.com/office/powerpoint/2010/main" val="773067360"/>
       </p:ext>
     </p:extLst>
   </p:cSld>
@@ -10317,7 +10853,7 @@
           <p:cNvPr id="2" name="Title 1">
             <a:extLst>
               <a:ext uri="{FF2B5EF4-FFF2-40B4-BE49-F238E27FC236}">
-                <a16:creationId xmlns:a16="http://schemas.microsoft.com/office/drawing/2014/main" id="{FAD52A62-78C8-40EF-A013-D6F0DC8A83DC}"/>
+                <a16:creationId xmlns:a16="http://schemas.microsoft.com/office/drawing/2014/main" id="{783AB27B-A036-46B4-8273-B00B4CC009E5}"/>
               </a:ext>
             </a:extLst>
           </p:cNvPr>
@@ -10335,7 +10871,7 @@
           <a:p>
             <a:r>
               <a:rPr lang="en-US" dirty="0"/>
-              <a:t>MAPPINGS</a:t>
+              <a:t>MUTATE AND TRANSMUTE</a:t>
             </a:r>
           </a:p>
         </p:txBody>
@@ -10345,7 +10881,7 @@
           <p:cNvPr id="3" name="Content Placeholder 2">
             <a:extLst>
               <a:ext uri="{FF2B5EF4-FFF2-40B4-BE49-F238E27FC236}">
-                <a16:creationId xmlns:a16="http://schemas.microsoft.com/office/drawing/2014/main" id="{577CA4E4-3313-4802-884F-A7157A5C5D17}"/>
+                <a16:creationId xmlns:a16="http://schemas.microsoft.com/office/drawing/2014/main" id="{43136DA3-E238-45FB-9460-C178D50DB43E}"/>
               </a:ext>
             </a:extLst>
           </p:cNvPr>
@@ -10361,7 +10897,100 @@
           <a:bodyPr/>
           <a:lstStyle/>
           <a:p>
-            <a:endParaRPr lang="en-US"/>
+            <a:r>
+              <a:rPr lang="en-US" dirty="0">
+                <a:cs typeface="Courier New" panose="02070309020205020404" pitchFamily="49" charset="0"/>
+              </a:rPr>
+              <a:t>Create new columns</a:t>
+            </a:r>
+          </a:p>
+          <a:p>
+            <a:pPr lvl="1"/>
+            <a:r>
+              <a:rPr lang="en-US" dirty="0">
+                <a:cs typeface="Courier New" panose="02070309020205020404" pitchFamily="49" charset="0"/>
+              </a:rPr>
+              <a:t>Similar to </a:t>
+            </a:r>
+            <a:r>
+              <a:rPr lang="en-US" dirty="0" err="1">
+                <a:cs typeface="Courier New" panose="02070309020205020404" pitchFamily="49" charset="0"/>
+              </a:rPr>
+              <a:t>purrr’s</a:t>
+            </a:r>
+            <a:r>
+              <a:rPr lang="en-US" dirty="0">
+                <a:cs typeface="Courier New" panose="02070309020205020404" pitchFamily="49" charset="0"/>
+              </a:rPr>
+              <a:t> mapping functions</a:t>
+            </a:r>
+          </a:p>
+          <a:p>
+            <a:r>
+              <a:rPr lang="en-US" dirty="0">
+                <a:latin typeface="Courier New" panose="02070309020205020404" pitchFamily="49" charset="0"/>
+                <a:cs typeface="Courier New" panose="02070309020205020404" pitchFamily="49" charset="0"/>
+              </a:rPr>
+              <a:t>mutate</a:t>
+            </a:r>
+            <a:r>
+              <a:rPr lang="en-US" dirty="0">
+                <a:cs typeface="Courier New" panose="02070309020205020404" pitchFamily="49" charset="0"/>
+              </a:rPr>
+              <a:t>: add column</a:t>
+            </a:r>
+          </a:p>
+          <a:p>
+            <a:r>
+              <a:rPr lang="en-US" dirty="0">
+                <a:latin typeface="Courier New" panose="02070309020205020404" pitchFamily="49" charset="0"/>
+                <a:cs typeface="Courier New" panose="02070309020205020404" pitchFamily="49" charset="0"/>
+              </a:rPr>
+              <a:t>transmute</a:t>
+            </a:r>
+            <a:r>
+              <a:rPr lang="en-US" dirty="0">
+                <a:cs typeface="Courier New" panose="02070309020205020404" pitchFamily="49" charset="0"/>
+              </a:rPr>
+              <a:t>: delete everything but column</a:t>
+            </a:r>
+          </a:p>
+          <a:p>
+            <a:r>
+              <a:rPr lang="en-US" dirty="0">
+                <a:latin typeface="Courier New" panose="02070309020205020404" pitchFamily="49" charset="0"/>
+                <a:cs typeface="Courier New" panose="02070309020205020404" pitchFamily="49" charset="0"/>
+              </a:rPr>
+              <a:t>mutate(df, </a:t>
+            </a:r>
+            <a:r>
+              <a:rPr lang="en-US" dirty="0" err="1">
+                <a:latin typeface="Courier New" panose="02070309020205020404" pitchFamily="49" charset="0"/>
+                <a:cs typeface="Courier New" panose="02070309020205020404" pitchFamily="49" charset="0"/>
+              </a:rPr>
+              <a:t>newcol</a:t>
+            </a:r>
+            <a:r>
+              <a:rPr lang="en-US" dirty="0">
+                <a:latin typeface="Courier New" panose="02070309020205020404" pitchFamily="49" charset="0"/>
+                <a:cs typeface="Courier New" panose="02070309020205020404" pitchFamily="49" charset="0"/>
+              </a:rPr>
+              <a:t> = </a:t>
+            </a:r>
+            <a:r>
+              <a:rPr lang="en-US" dirty="0" err="1">
+                <a:latin typeface="Courier New" panose="02070309020205020404" pitchFamily="49" charset="0"/>
+                <a:cs typeface="Courier New" panose="02070309020205020404" pitchFamily="49" charset="0"/>
+              </a:rPr>
+              <a:t>oldcol</a:t>
+            </a:r>
+            <a:r>
+              <a:rPr lang="en-US" dirty="0">
+                <a:latin typeface="Courier New" panose="02070309020205020404" pitchFamily="49" charset="0"/>
+                <a:cs typeface="Courier New" panose="02070309020205020404" pitchFamily="49" charset="0"/>
+              </a:rPr>
+              <a:t> * 2)</a:t>
+            </a:r>
           </a:p>
         </p:txBody>
       </p:sp>
@@ -10370,7 +10999,7 @@
           <p:cNvPr id="4" name="Date Placeholder 3">
             <a:extLst>
               <a:ext uri="{FF2B5EF4-FFF2-40B4-BE49-F238E27FC236}">
-                <a16:creationId xmlns:a16="http://schemas.microsoft.com/office/drawing/2014/main" id="{5BD8233A-9ECB-4631-AC6A-87E7861025BB}"/>
+                <a16:creationId xmlns:a16="http://schemas.microsoft.com/office/drawing/2014/main" id="{E5E06012-E22D-4816-AAB2-FA54D59A1182}"/>
               </a:ext>
             </a:extLst>
           </p:cNvPr>
@@ -10399,7 +11028,7 @@
           <p:cNvPr id="5" name="Footer Placeholder 4">
             <a:extLst>
               <a:ext uri="{FF2B5EF4-FFF2-40B4-BE49-F238E27FC236}">
-                <a16:creationId xmlns:a16="http://schemas.microsoft.com/office/drawing/2014/main" id="{22BDB5CB-F1EA-4D91-9B7C-3992A69C9ABA}"/>
+                <a16:creationId xmlns:a16="http://schemas.microsoft.com/office/drawing/2014/main" id="{F3555683-DD74-4221-B1D1-E97AA77ED2BD}"/>
               </a:ext>
             </a:extLst>
           </p:cNvPr>
@@ -10456,7 +11085,7 @@
           <p:cNvPr id="6" name="Slide Number Placeholder 5">
             <a:extLst>
               <a:ext uri="{FF2B5EF4-FFF2-40B4-BE49-F238E27FC236}">
-                <a16:creationId xmlns:a16="http://schemas.microsoft.com/office/drawing/2014/main" id="{1420A9BB-53F5-4A07-87B1-9155518E0293}"/>
+                <a16:creationId xmlns:a16="http://schemas.microsoft.com/office/drawing/2014/main" id="{FE1E6B8A-86A7-4271-AD53-EA475A5972F7}"/>
               </a:ext>
             </a:extLst>
           </p:cNvPr>
@@ -10483,7 +11112,7 @@
     </p:spTree>
     <p:extLst>
       <p:ext uri="{BB962C8B-B14F-4D97-AF65-F5344CB8AC3E}">
-        <p14:creationId xmlns:p14="http://schemas.microsoft.com/office/powerpoint/2010/main" val="2975928317"/>
+        <p14:creationId xmlns:p14="http://schemas.microsoft.com/office/powerpoint/2010/main" val="795726535"/>
       </p:ext>
     </p:extLst>
   </p:cSld>
@@ -10515,7 +11144,7 @@
           <p:cNvPr id="2" name="Title 1">
             <a:extLst>
               <a:ext uri="{FF2B5EF4-FFF2-40B4-BE49-F238E27FC236}">
-                <a16:creationId xmlns:a16="http://schemas.microsoft.com/office/drawing/2014/main" id="{3F2FCEAC-2500-40D0-B447-4F4FC89121D5}"/>
+                <a16:creationId xmlns:a16="http://schemas.microsoft.com/office/drawing/2014/main" id="{783AB27B-A036-46B4-8273-B00B4CC009E5}"/>
               </a:ext>
             </a:extLst>
           </p:cNvPr>
@@ -10533,7 +11162,7 @@
           <a:p>
             <a:r>
               <a:rPr lang="en-US" dirty="0"/>
-              <a:t>STATS</a:t>
+              <a:t>USING PURRR WITH TIBBLES</a:t>
             </a:r>
           </a:p>
         </p:txBody>
@@ -10543,7 +11172,7 @@
           <p:cNvPr id="3" name="Content Placeholder 2">
             <a:extLst>
               <a:ext uri="{FF2B5EF4-FFF2-40B4-BE49-F238E27FC236}">
-                <a16:creationId xmlns:a16="http://schemas.microsoft.com/office/drawing/2014/main" id="{8121A63E-863F-463B-85EA-DB4619122CFF}"/>
+                <a16:creationId xmlns:a16="http://schemas.microsoft.com/office/drawing/2014/main" id="{43136DA3-E238-45FB-9460-C178D50DB43E}"/>
               </a:ext>
             </a:extLst>
           </p:cNvPr>
@@ -10559,7 +11188,63 @@
           <a:bodyPr/>
           <a:lstStyle/>
           <a:p>
-            <a:endParaRPr lang="en-US"/>
+            <a:r>
+              <a:rPr lang="en-US" dirty="0" err="1">
+                <a:cs typeface="Courier New" panose="02070309020205020404" pitchFamily="49" charset="0"/>
+              </a:rPr>
+              <a:t>purrr</a:t>
+            </a:r>
+            <a:r>
+              <a:rPr lang="en-US" dirty="0">
+                <a:cs typeface="Courier New" panose="02070309020205020404" pitchFamily="49" charset="0"/>
+              </a:rPr>
+              <a:t> can be extremely useful when you’re dealing with data tables as well!</a:t>
+            </a:r>
+          </a:p>
+          <a:p>
+            <a:pPr lvl="1"/>
+            <a:r>
+              <a:rPr lang="en-US" dirty="0" err="1">
+                <a:latin typeface="Courier New" panose="02070309020205020404" pitchFamily="49" charset="0"/>
+                <a:cs typeface="Courier New" panose="02070309020205020404" pitchFamily="49" charset="0"/>
+              </a:rPr>
+              <a:t>statedata$Area</a:t>
+            </a:r>
+            <a:r>
+              <a:rPr lang="en-US" dirty="0">
+                <a:latin typeface="Courier New" panose="02070309020205020404" pitchFamily="49" charset="0"/>
+                <a:cs typeface="Courier New" panose="02070309020205020404" pitchFamily="49" charset="0"/>
+              </a:rPr>
+              <a:t> &lt;- </a:t>
+            </a:r>
+            <a:r>
+              <a:rPr lang="en-US" dirty="0" err="1">
+                <a:latin typeface="Courier New" panose="02070309020205020404" pitchFamily="49" charset="0"/>
+                <a:cs typeface="Courier New" panose="02070309020205020404" pitchFamily="49" charset="0"/>
+              </a:rPr>
+              <a:t>modify_if</a:t>
+            </a:r>
+            <a:r>
+              <a:rPr lang="en-US" dirty="0">
+                <a:latin typeface="Courier New" panose="02070309020205020404" pitchFamily="49" charset="0"/>
+                <a:cs typeface="Courier New" panose="02070309020205020404" pitchFamily="49" charset="0"/>
+              </a:rPr>
+              <a:t>(</a:t>
+            </a:r>
+            <a:r>
+              <a:rPr lang="en-US" dirty="0" err="1">
+                <a:latin typeface="Courier New" panose="02070309020205020404" pitchFamily="49" charset="0"/>
+                <a:cs typeface="Courier New" panose="02070309020205020404" pitchFamily="49" charset="0"/>
+              </a:rPr>
+              <a:t>statedata$Area</a:t>
+            </a:r>
+            <a:r>
+              <a:rPr lang="en-US" dirty="0">
+                <a:latin typeface="Courier New" panose="02070309020205020404" pitchFamily="49" charset="0"/>
+                <a:cs typeface="Courier New" panose="02070309020205020404" pitchFamily="49" charset="0"/>
+              </a:rPr>
+              <a:t>, ~ .x &gt; 50000, ~ .x + 20)</a:t>
+            </a:r>
           </a:p>
         </p:txBody>
       </p:sp>
@@ -10568,7 +11253,7 @@
           <p:cNvPr id="4" name="Date Placeholder 3">
             <a:extLst>
               <a:ext uri="{FF2B5EF4-FFF2-40B4-BE49-F238E27FC236}">
-                <a16:creationId xmlns:a16="http://schemas.microsoft.com/office/drawing/2014/main" id="{E16A380E-0B0F-4BC2-923E-26A60084299E}"/>
+                <a16:creationId xmlns:a16="http://schemas.microsoft.com/office/drawing/2014/main" id="{E5E06012-E22D-4816-AAB2-FA54D59A1182}"/>
               </a:ext>
             </a:extLst>
           </p:cNvPr>
@@ -10597,7 +11282,7 @@
           <p:cNvPr id="5" name="Footer Placeholder 4">
             <a:extLst>
               <a:ext uri="{FF2B5EF4-FFF2-40B4-BE49-F238E27FC236}">
-                <a16:creationId xmlns:a16="http://schemas.microsoft.com/office/drawing/2014/main" id="{6368E7F1-5952-4CD5-928E-D5BD868DE63F}"/>
+                <a16:creationId xmlns:a16="http://schemas.microsoft.com/office/drawing/2014/main" id="{F3555683-DD74-4221-B1D1-E97AA77ED2BD}"/>
               </a:ext>
             </a:extLst>
           </p:cNvPr>
@@ -10654,7 +11339,7 @@
           <p:cNvPr id="6" name="Slide Number Placeholder 5">
             <a:extLst>
               <a:ext uri="{FF2B5EF4-FFF2-40B4-BE49-F238E27FC236}">
-                <a16:creationId xmlns:a16="http://schemas.microsoft.com/office/drawing/2014/main" id="{8E3A041A-1824-4A4D-A98C-12CC6F5E7B9D}"/>
+                <a16:creationId xmlns:a16="http://schemas.microsoft.com/office/drawing/2014/main" id="{FE1E6B8A-86A7-4271-AD53-EA475A5972F7}"/>
               </a:ext>
             </a:extLst>
           </p:cNvPr>
@@ -10681,7 +11366,7 @@
     </p:spTree>
     <p:extLst>
       <p:ext uri="{BB962C8B-B14F-4D97-AF65-F5344CB8AC3E}">
-        <p14:creationId xmlns:p14="http://schemas.microsoft.com/office/powerpoint/2010/main" val="2738704153"/>
+        <p14:creationId xmlns:p14="http://schemas.microsoft.com/office/powerpoint/2010/main" val="1625142922"/>
       </p:ext>
     </p:extLst>
   </p:cSld>
@@ -10713,7 +11398,7 @@
           <p:cNvPr id="2" name="Title 1">
             <a:extLst>
               <a:ext uri="{FF2B5EF4-FFF2-40B4-BE49-F238E27FC236}">
-                <a16:creationId xmlns:a16="http://schemas.microsoft.com/office/drawing/2014/main" id="{C0CB272F-7F81-477F-8457-DF92B499DBC9}"/>
+                <a16:creationId xmlns:a16="http://schemas.microsoft.com/office/drawing/2014/main" id="{49F1C6FE-E79C-4C80-88FE-72C34F9CA94F}"/>
               </a:ext>
             </a:extLst>
           </p:cNvPr>
@@ -10731,7 +11416,7 @@
           <a:p>
             <a:r>
               <a:rPr lang="en-US" dirty="0"/>
-              <a:t>PLOTS (GEOMS)</a:t>
+              <a:t>ARRANGE</a:t>
             </a:r>
           </a:p>
         </p:txBody>
@@ -10741,7 +11426,7 @@
           <p:cNvPr id="3" name="Content Placeholder 2">
             <a:extLst>
               <a:ext uri="{FF2B5EF4-FFF2-40B4-BE49-F238E27FC236}">
-                <a16:creationId xmlns:a16="http://schemas.microsoft.com/office/drawing/2014/main" id="{6BC707E2-E3EA-4C43-9AA0-BE38BA10BAC3}"/>
+                <a16:creationId xmlns:a16="http://schemas.microsoft.com/office/drawing/2014/main" id="{76521A6E-EBE5-4696-830C-DB21AF26D609}"/>
               </a:ext>
             </a:extLst>
           </p:cNvPr>
@@ -10757,7 +11442,57 @@
           <a:bodyPr/>
           <a:lstStyle/>
           <a:p>
-            <a:endParaRPr lang="en-US"/>
+            <a:r>
+              <a:rPr lang="en-US" dirty="0"/>
+              <a:t>Sort rows by some criterion</a:t>
+            </a:r>
+          </a:p>
+          <a:p>
+            <a:pPr lvl="1"/>
+            <a:r>
+              <a:rPr lang="en-US" dirty="0"/>
+              <a:t>Specify as column name</a:t>
+            </a:r>
+          </a:p>
+          <a:p>
+            <a:r>
+              <a:rPr lang="en-US" dirty="0">
+                <a:latin typeface="Courier New" panose="02070309020205020404" pitchFamily="49" charset="0"/>
+                <a:cs typeface="Courier New" panose="02070309020205020404" pitchFamily="49" charset="0"/>
+              </a:rPr>
+              <a:t>arrange(states, Area)</a:t>
+            </a:r>
+          </a:p>
+          <a:p>
+            <a:r>
+              <a:rPr lang="en-US" dirty="0"/>
+              <a:t>Use </a:t>
+            </a:r>
+            <a:r>
+              <a:rPr lang="en-US" dirty="0">
+                <a:latin typeface="Courier New" panose="02070309020205020404" pitchFamily="49" charset="0"/>
+                <a:cs typeface="Courier New" panose="02070309020205020404" pitchFamily="49" charset="0"/>
+              </a:rPr>
+              <a:t>desc() </a:t>
+            </a:r>
+            <a:r>
+              <a:rPr lang="en-US" dirty="0"/>
+              <a:t>to switch order!</a:t>
+            </a:r>
+          </a:p>
+          <a:p>
+            <a:pPr lvl="1"/>
+            <a:r>
+              <a:rPr lang="en-US" dirty="0">
+                <a:latin typeface="Courier New" panose="02070309020205020404" pitchFamily="49" charset="0"/>
+                <a:cs typeface="Courier New" panose="02070309020205020404" pitchFamily="49" charset="0"/>
+              </a:rPr>
+              <a:t>arrange(states, desc(Area))</a:t>
+            </a:r>
+          </a:p>
+          <a:p>
+            <a:pPr lvl="1"/>
+            <a:endParaRPr lang="en-US" dirty="0"/>
           </a:p>
         </p:txBody>
       </p:sp>
@@ -10766,7 +11501,7 @@
           <p:cNvPr id="4" name="Date Placeholder 3">
             <a:extLst>
               <a:ext uri="{FF2B5EF4-FFF2-40B4-BE49-F238E27FC236}">
-                <a16:creationId xmlns:a16="http://schemas.microsoft.com/office/drawing/2014/main" id="{93CFF671-EF2F-4B41-B0DF-212711FF9111}"/>
+                <a16:creationId xmlns:a16="http://schemas.microsoft.com/office/drawing/2014/main" id="{A72BADC7-C4F0-4682-AB40-262467FD519D}"/>
               </a:ext>
             </a:extLst>
           </p:cNvPr>
@@ -10795,7 +11530,7 @@
           <p:cNvPr id="5" name="Footer Placeholder 4">
             <a:extLst>
               <a:ext uri="{FF2B5EF4-FFF2-40B4-BE49-F238E27FC236}">
-                <a16:creationId xmlns:a16="http://schemas.microsoft.com/office/drawing/2014/main" id="{FE0384EA-9794-42B6-89F0-804EDF8F71F2}"/>
+                <a16:creationId xmlns:a16="http://schemas.microsoft.com/office/drawing/2014/main" id="{E8040E38-D198-41BA-A22B-F75B4D934AB4}"/>
               </a:ext>
             </a:extLst>
           </p:cNvPr>
@@ -10852,7 +11587,7 @@
           <p:cNvPr id="6" name="Slide Number Placeholder 5">
             <a:extLst>
               <a:ext uri="{FF2B5EF4-FFF2-40B4-BE49-F238E27FC236}">
-                <a16:creationId xmlns:a16="http://schemas.microsoft.com/office/drawing/2014/main" id="{F7D9DA6F-0E92-4216-B0CA-EB20441D3903}"/>
+                <a16:creationId xmlns:a16="http://schemas.microsoft.com/office/drawing/2014/main" id="{AA36146F-7E0F-4CA1-971D-E4BDF0481FFD}"/>
               </a:ext>
             </a:extLst>
           </p:cNvPr>
@@ -10879,7 +11614,7 @@
     </p:spTree>
     <p:extLst>
       <p:ext uri="{BB962C8B-B14F-4D97-AF65-F5344CB8AC3E}">
-        <p14:creationId xmlns:p14="http://schemas.microsoft.com/office/powerpoint/2010/main" val="3534530202"/>
+        <p14:creationId xmlns:p14="http://schemas.microsoft.com/office/powerpoint/2010/main" val="864970109"/>
       </p:ext>
     </p:extLst>
   </p:cSld>
@@ -10911,7 +11646,7 @@
           <p:cNvPr id="2" name="Title 1">
             <a:extLst>
               <a:ext uri="{FF2B5EF4-FFF2-40B4-BE49-F238E27FC236}">
-                <a16:creationId xmlns:a16="http://schemas.microsoft.com/office/drawing/2014/main" id="{C0CB272F-7F81-477F-8457-DF92B499DBC9}"/>
+                <a16:creationId xmlns:a16="http://schemas.microsoft.com/office/drawing/2014/main" id="{9F7FE4A7-44B8-4AF2-8CD7-D2F4583FDEFC}"/>
               </a:ext>
             </a:extLst>
           </p:cNvPr>
@@ -10929,7 +11664,7 @@
           <a:p>
             <a:r>
               <a:rPr lang="en-US" dirty="0"/>
-              <a:t>FACETS</a:t>
+              <a:t>JOIN / MERGE</a:t>
             </a:r>
           </a:p>
         </p:txBody>
@@ -10939,7 +11674,7 @@
           <p:cNvPr id="3" name="Content Placeholder 2">
             <a:extLst>
               <a:ext uri="{FF2B5EF4-FFF2-40B4-BE49-F238E27FC236}">
-                <a16:creationId xmlns:a16="http://schemas.microsoft.com/office/drawing/2014/main" id="{6BC707E2-E3EA-4C43-9AA0-BE38BA10BAC3}"/>
+                <a16:creationId xmlns:a16="http://schemas.microsoft.com/office/drawing/2014/main" id="{AE979079-854B-411C-B824-947E44C14007}"/>
               </a:ext>
             </a:extLst>
           </p:cNvPr>
@@ -10955,7 +11690,123 @@
           <a:bodyPr/>
           <a:lstStyle/>
           <a:p>
-            <a:endParaRPr lang="en-US"/>
+            <a:r>
+              <a:rPr lang="en-US" dirty="0"/>
+              <a:t>Combine data from two </a:t>
+            </a:r>
+            <a:r>
+              <a:rPr lang="en-US" dirty="0" err="1"/>
+              <a:t>tibbles</a:t>
+            </a:r>
+            <a:r>
+              <a:rPr lang="en-US" dirty="0"/>
+              <a:t>!</a:t>
+            </a:r>
+          </a:p>
+          <a:p>
+            <a:pPr lvl="1"/>
+            <a:r>
+              <a:rPr lang="en-US" dirty="0"/>
+              <a:t>Must share one column. Specify this as the “by” argument.</a:t>
+            </a:r>
+          </a:p>
+          <a:p>
+            <a:pPr lvl="1"/>
+            <a:r>
+              <a:rPr lang="en-US" dirty="0"/>
+              <a:t>Adds columns from both </a:t>
+            </a:r>
+            <a:r>
+              <a:rPr lang="en-US" dirty="0" err="1"/>
+              <a:t>tibbles</a:t>
+            </a:r>
+            <a:r>
+              <a:rPr lang="en-US" dirty="0"/>
+              <a:t>!</a:t>
+            </a:r>
+          </a:p>
+          <a:p>
+            <a:pPr lvl="1"/>
+            <a:r>
+              <a:rPr lang="en-US" dirty="0"/>
+              <a:t>Inner: keep only rows that are in both</a:t>
+            </a:r>
+          </a:p>
+          <a:p>
+            <a:pPr lvl="1"/>
+            <a:r>
+              <a:rPr lang="en-US" dirty="0"/>
+              <a:t>Left: keep all in first argument</a:t>
+            </a:r>
+          </a:p>
+          <a:p>
+            <a:pPr lvl="1"/>
+            <a:r>
+              <a:rPr lang="en-US" dirty="0"/>
+              <a:t>Right: keep all rows in second argument</a:t>
+            </a:r>
+          </a:p>
+          <a:p>
+            <a:pPr lvl="1"/>
+            <a:r>
+              <a:rPr lang="en-US" dirty="0"/>
+              <a:t>Outer: keep all rows</a:t>
+            </a:r>
+          </a:p>
+          <a:p>
+            <a:r>
+              <a:rPr lang="en-US" dirty="0" err="1">
+                <a:latin typeface="Courier New" panose="02070309020205020404" pitchFamily="49" charset="0"/>
+                <a:cs typeface="Courier New" panose="02070309020205020404" pitchFamily="49" charset="0"/>
+              </a:rPr>
+              <a:t>inner_join</a:t>
+            </a:r>
+            <a:r>
+              <a:rPr lang="en-US" dirty="0">
+                <a:latin typeface="Courier New" panose="02070309020205020404" pitchFamily="49" charset="0"/>
+                <a:cs typeface="Courier New" panose="02070309020205020404" pitchFamily="49" charset="0"/>
+              </a:rPr>
+              <a:t>, </a:t>
+            </a:r>
+            <a:r>
+              <a:rPr lang="en-US" dirty="0" err="1">
+                <a:latin typeface="Courier New" panose="02070309020205020404" pitchFamily="49" charset="0"/>
+                <a:cs typeface="Courier New" panose="02070309020205020404" pitchFamily="49" charset="0"/>
+              </a:rPr>
+              <a:t>left_join</a:t>
+            </a:r>
+            <a:r>
+              <a:rPr lang="en-US" dirty="0">
+                <a:latin typeface="Courier New" panose="02070309020205020404" pitchFamily="49" charset="0"/>
+                <a:cs typeface="Courier New" panose="02070309020205020404" pitchFamily="49" charset="0"/>
+              </a:rPr>
+              <a:t>, </a:t>
+            </a:r>
+            <a:r>
+              <a:rPr lang="en-US" dirty="0" err="1">
+                <a:latin typeface="Courier New" panose="02070309020205020404" pitchFamily="49" charset="0"/>
+                <a:cs typeface="Courier New" panose="02070309020205020404" pitchFamily="49" charset="0"/>
+              </a:rPr>
+              <a:t>right_join</a:t>
+            </a:r>
+            <a:r>
+              <a:rPr lang="en-US" dirty="0">
+                <a:latin typeface="Courier New" panose="02070309020205020404" pitchFamily="49" charset="0"/>
+                <a:cs typeface="Courier New" panose="02070309020205020404" pitchFamily="49" charset="0"/>
+              </a:rPr>
+              <a:t>, </a:t>
+            </a:r>
+            <a:r>
+              <a:rPr lang="en-US" dirty="0" err="1">
+                <a:latin typeface="Courier New" panose="02070309020205020404" pitchFamily="49" charset="0"/>
+                <a:cs typeface="Courier New" panose="02070309020205020404" pitchFamily="49" charset="0"/>
+              </a:rPr>
+              <a:t>outer_join</a:t>
+            </a:r>
+            <a:endParaRPr lang="en-US" dirty="0">
+              <a:latin typeface="Courier New" panose="02070309020205020404" pitchFamily="49" charset="0"/>
+              <a:cs typeface="Courier New" panose="02070309020205020404" pitchFamily="49" charset="0"/>
+            </a:endParaRPr>
           </a:p>
         </p:txBody>
       </p:sp>
@@ -10964,7 +11815,7 @@
           <p:cNvPr id="4" name="Date Placeholder 3">
             <a:extLst>
               <a:ext uri="{FF2B5EF4-FFF2-40B4-BE49-F238E27FC236}">
-                <a16:creationId xmlns:a16="http://schemas.microsoft.com/office/drawing/2014/main" id="{93CFF671-EF2F-4B41-B0DF-212711FF9111}"/>
+                <a16:creationId xmlns:a16="http://schemas.microsoft.com/office/drawing/2014/main" id="{D3FFBF28-A0DD-44D1-99BD-6CDDA65C79F9}"/>
               </a:ext>
             </a:extLst>
           </p:cNvPr>
@@ -10993,7 +11844,7 @@
           <p:cNvPr id="5" name="Footer Placeholder 4">
             <a:extLst>
               <a:ext uri="{FF2B5EF4-FFF2-40B4-BE49-F238E27FC236}">
-                <a16:creationId xmlns:a16="http://schemas.microsoft.com/office/drawing/2014/main" id="{FE0384EA-9794-42B6-89F0-804EDF8F71F2}"/>
+                <a16:creationId xmlns:a16="http://schemas.microsoft.com/office/drawing/2014/main" id="{98666681-CDCF-4CCC-998D-14B77E6C232E}"/>
               </a:ext>
             </a:extLst>
           </p:cNvPr>
@@ -11050,7 +11901,7 @@
           <p:cNvPr id="6" name="Slide Number Placeholder 5">
             <a:extLst>
               <a:ext uri="{FF2B5EF4-FFF2-40B4-BE49-F238E27FC236}">
-                <a16:creationId xmlns:a16="http://schemas.microsoft.com/office/drawing/2014/main" id="{F7D9DA6F-0E92-4216-B0CA-EB20441D3903}"/>
+                <a16:creationId xmlns:a16="http://schemas.microsoft.com/office/drawing/2014/main" id="{DDCEAA25-7DC0-4506-9B3F-554960FA4943}"/>
               </a:ext>
             </a:extLst>
           </p:cNvPr>
@@ -11077,7 +11928,7 @@
     </p:spTree>
     <p:extLst>
       <p:ext uri="{BB962C8B-B14F-4D97-AF65-F5344CB8AC3E}">
-        <p14:creationId xmlns:p14="http://schemas.microsoft.com/office/powerpoint/2010/main" val="964372467"/>
+        <p14:creationId xmlns:p14="http://schemas.microsoft.com/office/powerpoint/2010/main" val="129508627"/>
       </p:ext>
     </p:extLst>
   </p:cSld>
@@ -11109,7 +11960,7 @@
           <p:cNvPr id="2" name="Title 1">
             <a:extLst>
               <a:ext uri="{FF2B5EF4-FFF2-40B4-BE49-F238E27FC236}">
-                <a16:creationId xmlns:a16="http://schemas.microsoft.com/office/drawing/2014/main" id="{E850068E-C01E-4BED-AF24-C2E9D57DABAC}"/>
+                <a16:creationId xmlns:a16="http://schemas.microsoft.com/office/drawing/2014/main" id="{9F7FE4A7-44B8-4AF2-8CD7-D2F4583FDEFC}"/>
               </a:ext>
             </a:extLst>
           </p:cNvPr>
@@ -11127,7 +11978,7 @@
           <a:p>
             <a:r>
               <a:rPr lang="en-US" dirty="0"/>
-              <a:t>COLORS</a:t>
+              <a:t>JOIN / MERGE: VENN DIAGRAMS</a:t>
             </a:r>
           </a:p>
         </p:txBody>
@@ -11137,7 +11988,7 @@
           <p:cNvPr id="3" name="Content Placeholder 2">
             <a:extLst>
               <a:ext uri="{FF2B5EF4-FFF2-40B4-BE49-F238E27FC236}">
-                <a16:creationId xmlns:a16="http://schemas.microsoft.com/office/drawing/2014/main" id="{37E146B7-6BDE-4F21-A09D-FE7EF30B6C00}"/>
+                <a16:creationId xmlns:a16="http://schemas.microsoft.com/office/drawing/2014/main" id="{AE979079-854B-411C-B824-947E44C14007}"/>
               </a:ext>
             </a:extLst>
           </p:cNvPr>
@@ -11153,7 +12004,7 @@
           <a:bodyPr/>
           <a:lstStyle/>
           <a:p>
-            <a:endParaRPr lang="en-US"/>
+            <a:endParaRPr lang="en-US" dirty="0"/>
           </a:p>
         </p:txBody>
       </p:sp>
@@ -11162,7 +12013,7 @@
           <p:cNvPr id="4" name="Date Placeholder 3">
             <a:extLst>
               <a:ext uri="{FF2B5EF4-FFF2-40B4-BE49-F238E27FC236}">
-                <a16:creationId xmlns:a16="http://schemas.microsoft.com/office/drawing/2014/main" id="{58EA3CF3-42A7-4E41-869A-BE3767CDB53E}"/>
+                <a16:creationId xmlns:a16="http://schemas.microsoft.com/office/drawing/2014/main" id="{D3FFBF28-A0DD-44D1-99BD-6CDDA65C79F9}"/>
               </a:ext>
             </a:extLst>
           </p:cNvPr>
@@ -11191,7 +12042,7 @@
           <p:cNvPr id="5" name="Footer Placeholder 4">
             <a:extLst>
               <a:ext uri="{FF2B5EF4-FFF2-40B4-BE49-F238E27FC236}">
-                <a16:creationId xmlns:a16="http://schemas.microsoft.com/office/drawing/2014/main" id="{75633ADC-5CEC-49E7-BF4C-B805C52E296D}"/>
+                <a16:creationId xmlns:a16="http://schemas.microsoft.com/office/drawing/2014/main" id="{98666681-CDCF-4CCC-998D-14B77E6C232E}"/>
               </a:ext>
             </a:extLst>
           </p:cNvPr>
@@ -11248,7 +12099,7 @@
           <p:cNvPr id="6" name="Slide Number Placeholder 5">
             <a:extLst>
               <a:ext uri="{FF2B5EF4-FFF2-40B4-BE49-F238E27FC236}">
-                <a16:creationId xmlns:a16="http://schemas.microsoft.com/office/drawing/2014/main" id="{B1BAA732-BBD1-4FE8-891E-2C7E97D82282}"/>
+                <a16:creationId xmlns:a16="http://schemas.microsoft.com/office/drawing/2014/main" id="{DDCEAA25-7DC0-4506-9B3F-554960FA4943}"/>
               </a:ext>
             </a:extLst>
           </p:cNvPr>
@@ -11275,7 +12126,7 @@
     </p:spTree>
     <p:extLst>
       <p:ext uri="{BB962C8B-B14F-4D97-AF65-F5344CB8AC3E}">
-        <p14:creationId xmlns:p14="http://schemas.microsoft.com/office/powerpoint/2010/main" val="3226142298"/>
+        <p14:creationId xmlns:p14="http://schemas.microsoft.com/office/powerpoint/2010/main" val="1545346064"/>
       </p:ext>
     </p:extLst>
   </p:cSld>
@@ -11307,7 +12158,7 @@
           <p:cNvPr id="2" name="Title 1">
             <a:extLst>
               <a:ext uri="{FF2B5EF4-FFF2-40B4-BE49-F238E27FC236}">
-                <a16:creationId xmlns:a16="http://schemas.microsoft.com/office/drawing/2014/main" id="{5404E55C-1D1A-4A9F-8642-A70D32332C9D}"/>
+                <a16:creationId xmlns:a16="http://schemas.microsoft.com/office/drawing/2014/main" id="{9F7FE4A7-44B8-4AF2-8CD7-D2F4583FDEFC}"/>
               </a:ext>
             </a:extLst>
           </p:cNvPr>
@@ -11325,7 +12176,7 @@
           <a:p>
             <a:r>
               <a:rPr lang="en-US" dirty="0"/>
-              <a:t>A TEMPLATE</a:t>
+              <a:t>JOIN / MERGE: MORE PICTURES</a:t>
             </a:r>
           </a:p>
         </p:txBody>
@@ -11335,7 +12186,7 @@
           <p:cNvPr id="3" name="Content Placeholder 2">
             <a:extLst>
               <a:ext uri="{FF2B5EF4-FFF2-40B4-BE49-F238E27FC236}">
-                <a16:creationId xmlns:a16="http://schemas.microsoft.com/office/drawing/2014/main" id="{0874E7F0-95B2-48B3-AE13-C6A98FE00716}"/>
+                <a16:creationId xmlns:a16="http://schemas.microsoft.com/office/drawing/2014/main" id="{AE979079-854B-411C-B824-947E44C14007}"/>
               </a:ext>
             </a:extLst>
           </p:cNvPr>
@@ -11351,7 +12202,7 @@
           <a:bodyPr/>
           <a:lstStyle/>
           <a:p>
-            <a:endParaRPr lang="en-US"/>
+            <a:endParaRPr lang="en-US" dirty="0"/>
           </a:p>
         </p:txBody>
       </p:sp>
@@ -11360,7 +12211,7 @@
           <p:cNvPr id="4" name="Date Placeholder 3">
             <a:extLst>
               <a:ext uri="{FF2B5EF4-FFF2-40B4-BE49-F238E27FC236}">
-                <a16:creationId xmlns:a16="http://schemas.microsoft.com/office/drawing/2014/main" id="{8A6899FC-979F-477E-96F7-1EC709A1EF01}"/>
+                <a16:creationId xmlns:a16="http://schemas.microsoft.com/office/drawing/2014/main" id="{D3FFBF28-A0DD-44D1-99BD-6CDDA65C79F9}"/>
               </a:ext>
             </a:extLst>
           </p:cNvPr>
@@ -11389,7 +12240,7 @@
           <p:cNvPr id="5" name="Footer Placeholder 4">
             <a:extLst>
               <a:ext uri="{FF2B5EF4-FFF2-40B4-BE49-F238E27FC236}">
-                <a16:creationId xmlns:a16="http://schemas.microsoft.com/office/drawing/2014/main" id="{022A767A-D929-4954-970D-E16719ECEB3E}"/>
+                <a16:creationId xmlns:a16="http://schemas.microsoft.com/office/drawing/2014/main" id="{98666681-CDCF-4CCC-998D-14B77E6C232E}"/>
               </a:ext>
             </a:extLst>
           </p:cNvPr>
@@ -11446,7 +12297,7 @@
           <p:cNvPr id="6" name="Slide Number Placeholder 5">
             <a:extLst>
               <a:ext uri="{FF2B5EF4-FFF2-40B4-BE49-F238E27FC236}">
-                <a16:creationId xmlns:a16="http://schemas.microsoft.com/office/drawing/2014/main" id="{209CE1FE-97DC-4E1A-B048-0A1A42B45904}"/>
+                <a16:creationId xmlns:a16="http://schemas.microsoft.com/office/drawing/2014/main" id="{DDCEAA25-7DC0-4506-9B3F-554960FA4943}"/>
               </a:ext>
             </a:extLst>
           </p:cNvPr>
@@ -11473,7 +12324,7 @@
     </p:spTree>
     <p:extLst>
       <p:ext uri="{BB962C8B-B14F-4D97-AF65-F5344CB8AC3E}">
-        <p14:creationId xmlns:p14="http://schemas.microsoft.com/office/powerpoint/2010/main" val="3816346416"/>
+        <p14:creationId xmlns:p14="http://schemas.microsoft.com/office/powerpoint/2010/main" val="3953209808"/>
       </p:ext>
     </p:extLst>
   </p:cSld>
@@ -11668,7 +12519,7 @@
           <p:cNvPr id="2" name="Title 1">
             <a:extLst>
               <a:ext uri="{FF2B5EF4-FFF2-40B4-BE49-F238E27FC236}">
-                <a16:creationId xmlns:a16="http://schemas.microsoft.com/office/drawing/2014/main" id="{3355F5CD-9232-4308-9E65-DB6DA7EBF80E}"/>
+                <a16:creationId xmlns:a16="http://schemas.microsoft.com/office/drawing/2014/main" id="{9F7FE4A7-44B8-4AF2-8CD7-D2F4583FDEFC}"/>
               </a:ext>
             </a:extLst>
           </p:cNvPr>
@@ -11686,7 +12537,7 @@
           <a:p>
             <a:r>
               <a:rPr lang="en-US" dirty="0"/>
-              <a:t>PUTTING IT TOGETHER</a:t>
+              <a:t>GROUP BY</a:t>
             </a:r>
           </a:p>
         </p:txBody>
@@ -11696,7 +12547,7 @@
           <p:cNvPr id="3" name="Content Placeholder 2">
             <a:extLst>
               <a:ext uri="{FF2B5EF4-FFF2-40B4-BE49-F238E27FC236}">
-                <a16:creationId xmlns:a16="http://schemas.microsoft.com/office/drawing/2014/main" id="{62EAA16E-823F-4C14-86FD-FED8F2321EE6}"/>
+                <a16:creationId xmlns:a16="http://schemas.microsoft.com/office/drawing/2014/main" id="{AE979079-854B-411C-B824-947E44C14007}"/>
               </a:ext>
             </a:extLst>
           </p:cNvPr>
@@ -11712,7 +12563,72 @@
           <a:bodyPr/>
           <a:lstStyle/>
           <a:p>
-            <a:endParaRPr lang="en-US"/>
+            <a:r>
+              <a:rPr lang="en-US" dirty="0"/>
+              <a:t>Group by a categorical variable</a:t>
+            </a:r>
+          </a:p>
+          <a:p>
+            <a:pPr lvl="1"/>
+            <a:r>
+              <a:rPr lang="en-US" dirty="0"/>
+              <a:t>Won’t immediately change the </a:t>
+            </a:r>
+            <a:r>
+              <a:rPr lang="en-US" dirty="0" err="1"/>
+              <a:t>tibble</a:t>
+            </a:r>
+            <a:endParaRPr lang="en-US" dirty="0"/>
+          </a:p>
+          <a:p>
+            <a:r>
+              <a:rPr lang="en-US" dirty="0" err="1">
+                <a:latin typeface="Courier New" panose="02070309020205020404" pitchFamily="49" charset="0"/>
+                <a:cs typeface="Courier New" panose="02070309020205020404" pitchFamily="49" charset="0"/>
+              </a:rPr>
+              <a:t>group_by</a:t>
+            </a:r>
+            <a:r>
+              <a:rPr lang="en-US" dirty="0">
+                <a:latin typeface="Courier New" panose="02070309020205020404" pitchFamily="49" charset="0"/>
+                <a:cs typeface="Courier New" panose="02070309020205020404" pitchFamily="49" charset="0"/>
+              </a:rPr>
+              <a:t>(students, major)</a:t>
+            </a:r>
+          </a:p>
+          <a:p>
+            <a:r>
+              <a:rPr lang="en-US" dirty="0">
+                <a:cs typeface="Courier New" panose="02070309020205020404" pitchFamily="49" charset="0"/>
+              </a:rPr>
+              <a:t>Use </a:t>
+            </a:r>
+            <a:r>
+              <a:rPr lang="en-US" dirty="0">
+                <a:latin typeface="Courier New" panose="02070309020205020404" pitchFamily="49" charset="0"/>
+                <a:cs typeface="Courier New" panose="02070309020205020404" pitchFamily="49" charset="0"/>
+              </a:rPr>
+              <a:t>count() </a:t>
+            </a:r>
+            <a:r>
+              <a:rPr lang="en-US" dirty="0">
+                <a:cs typeface="Courier New" panose="02070309020205020404" pitchFamily="49" charset="0"/>
+              </a:rPr>
+              <a:t>to make sure the </a:t>
+            </a:r>
+            <a:r>
+              <a:rPr lang="en-US" dirty="0" err="1">
+                <a:latin typeface="Courier New" panose="02070309020205020404" pitchFamily="49" charset="0"/>
+                <a:cs typeface="Courier New" panose="02070309020205020404" pitchFamily="49" charset="0"/>
+              </a:rPr>
+              <a:t>group_by</a:t>
+            </a:r>
+            <a:r>
+              <a:rPr lang="en-US" dirty="0">
+                <a:cs typeface="Courier New" panose="02070309020205020404" pitchFamily="49" charset="0"/>
+              </a:rPr>
+              <a:t> worked</a:t>
+            </a:r>
           </a:p>
         </p:txBody>
       </p:sp>
@@ -11721,7 +12637,7 @@
           <p:cNvPr id="4" name="Date Placeholder 3">
             <a:extLst>
               <a:ext uri="{FF2B5EF4-FFF2-40B4-BE49-F238E27FC236}">
-                <a16:creationId xmlns:a16="http://schemas.microsoft.com/office/drawing/2014/main" id="{695F9B61-B132-4A1F-956F-C7FA5894868B}"/>
+                <a16:creationId xmlns:a16="http://schemas.microsoft.com/office/drawing/2014/main" id="{D3FFBF28-A0DD-44D1-99BD-6CDDA65C79F9}"/>
               </a:ext>
             </a:extLst>
           </p:cNvPr>
@@ -11750,7 +12666,7 @@
           <p:cNvPr id="5" name="Footer Placeholder 4">
             <a:extLst>
               <a:ext uri="{FF2B5EF4-FFF2-40B4-BE49-F238E27FC236}">
-                <a16:creationId xmlns:a16="http://schemas.microsoft.com/office/drawing/2014/main" id="{DA540B43-4E0D-4617-A8E2-BB5B9401C854}"/>
+                <a16:creationId xmlns:a16="http://schemas.microsoft.com/office/drawing/2014/main" id="{98666681-CDCF-4CCC-998D-14B77E6C232E}"/>
               </a:ext>
             </a:extLst>
           </p:cNvPr>
@@ -11807,7 +12723,7 @@
           <p:cNvPr id="6" name="Slide Number Placeholder 5">
             <a:extLst>
               <a:ext uri="{FF2B5EF4-FFF2-40B4-BE49-F238E27FC236}">
-                <a16:creationId xmlns:a16="http://schemas.microsoft.com/office/drawing/2014/main" id="{B3BA36E9-613D-4BC5-B0F7-4BBB217DEE0E}"/>
+                <a16:creationId xmlns:a16="http://schemas.microsoft.com/office/drawing/2014/main" id="{DDCEAA25-7DC0-4506-9B3F-554960FA4943}"/>
               </a:ext>
             </a:extLst>
           </p:cNvPr>
@@ -11834,7 +12750,7 @@
     </p:spTree>
     <p:extLst>
       <p:ext uri="{BB962C8B-B14F-4D97-AF65-F5344CB8AC3E}">
-        <p14:creationId xmlns:p14="http://schemas.microsoft.com/office/powerpoint/2010/main" val="844801094"/>
+        <p14:creationId xmlns:p14="http://schemas.microsoft.com/office/powerpoint/2010/main" val="1703601758"/>
       </p:ext>
     </p:extLst>
   </p:cSld>
@@ -11863,10 +12779,10 @@
       </p:grpSpPr>
       <p:sp>
         <p:nvSpPr>
-          <p:cNvPr id="7" name="Title 6">
-            <a:extLst>
-              <a:ext uri="{FF2B5EF4-FFF2-40B4-BE49-F238E27FC236}">
-                <a16:creationId xmlns:a16="http://schemas.microsoft.com/office/drawing/2014/main" id="{2C7C7B52-4FB0-4A0B-B5E1-EDD5A9ADA476}"/>
+          <p:cNvPr id="2" name="Title 1">
+            <a:extLst>
+              <a:ext uri="{FF2B5EF4-FFF2-40B4-BE49-F238E27FC236}">
+                <a16:creationId xmlns:a16="http://schemas.microsoft.com/office/drawing/2014/main" id="{49F1C6FE-E79C-4C80-88FE-72C34F9CA94F}"/>
               </a:ext>
             </a:extLst>
           </p:cNvPr>
@@ -11884,36 +12800,138 @@
           <a:p>
             <a:r>
               <a:rPr lang="en-US" dirty="0"/>
-              <a:t>ALL TOGETHER NOW</a:t>
-            </a:r>
-          </a:p>
-        </p:txBody>
-      </p:sp>
-      <p:sp>
-        <p:nvSpPr>
-          <p:cNvPr id="8" name="Text Placeholder 7">
-            <a:extLst>
-              <a:ext uri="{FF2B5EF4-FFF2-40B4-BE49-F238E27FC236}">
-                <a16:creationId xmlns:a16="http://schemas.microsoft.com/office/drawing/2014/main" id="{235128D3-FA6E-47E7-87E1-272DD4C10B55}"/>
-              </a:ext>
-            </a:extLst>
-          </p:cNvPr>
-          <p:cNvSpPr>
-            <a:spLocks noGrp="1"/>
-          </p:cNvSpPr>
-          <p:nvPr>
-            <p:ph type="body" idx="1"/>
-          </p:nvPr>
-        </p:nvSpPr>
-        <p:spPr/>
-        <p:txBody>
-          <a:bodyPr/>
-          <a:lstStyle/>
-          <a:p>
-            <a:r>
-              <a:rPr lang="en-US" dirty="0"/>
-              <a:t>Integrating all the components</a:t>
-            </a:r>
+              <a:t>SUMMARIZE</a:t>
+            </a:r>
+          </a:p>
+        </p:txBody>
+      </p:sp>
+      <p:sp>
+        <p:nvSpPr>
+          <p:cNvPr id="3" name="Content Placeholder 2">
+            <a:extLst>
+              <a:ext uri="{FF2B5EF4-FFF2-40B4-BE49-F238E27FC236}">
+                <a16:creationId xmlns:a16="http://schemas.microsoft.com/office/drawing/2014/main" id="{76521A6E-EBE5-4696-830C-DB21AF26D609}"/>
+              </a:ext>
+            </a:extLst>
+          </p:cNvPr>
+          <p:cNvSpPr>
+            <a:spLocks noGrp="1"/>
+          </p:cNvSpPr>
+          <p:nvPr>
+            <p:ph idx="1"/>
+          </p:nvPr>
+        </p:nvSpPr>
+        <p:spPr/>
+        <p:txBody>
+          <a:bodyPr/>
+          <a:lstStyle/>
+          <a:p>
+            <a:r>
+              <a:rPr lang="en-US" dirty="0"/>
+              <a:t>Calculate a measurement of a vector</a:t>
+            </a:r>
+          </a:p>
+          <a:p>
+            <a:pPr lvl="1"/>
+            <a:r>
+              <a:rPr lang="en-US" dirty="0"/>
+              <a:t>mean, median, range, </a:t>
+            </a:r>
+            <a:r>
+              <a:rPr lang="en-US" dirty="0" err="1"/>
+              <a:t>etc</a:t>
+            </a:r>
+            <a:endParaRPr lang="en-US" dirty="0"/>
+          </a:p>
+          <a:p>
+            <a:pPr lvl="1"/>
+            <a:r>
+              <a:rPr lang="en-US" dirty="0">
+                <a:latin typeface="Courier New" panose="02070309020205020404" pitchFamily="49" charset="0"/>
+                <a:cs typeface="Courier New" panose="02070309020205020404" pitchFamily="49" charset="0"/>
+              </a:rPr>
+              <a:t>summarize(</a:t>
+            </a:r>
+            <a:r>
+              <a:rPr lang="en-US" dirty="0" err="1">
+                <a:latin typeface="Courier New" panose="02070309020205020404" pitchFamily="49" charset="0"/>
+                <a:cs typeface="Courier New" panose="02070309020205020404" pitchFamily="49" charset="0"/>
+              </a:rPr>
+              <a:t>tbl</a:t>
+            </a:r>
+            <a:r>
+              <a:rPr lang="en-US" dirty="0">
+                <a:latin typeface="Courier New" panose="02070309020205020404" pitchFamily="49" charset="0"/>
+                <a:cs typeface="Courier New" panose="02070309020205020404" pitchFamily="49" charset="0"/>
+              </a:rPr>
+              <a:t>, </a:t>
+            </a:r>
+            <a:r>
+              <a:rPr lang="en-US" dirty="0" err="1">
+                <a:latin typeface="Courier New" panose="02070309020205020404" pitchFamily="49" charset="0"/>
+                <a:cs typeface="Courier New" panose="02070309020205020404" pitchFamily="49" charset="0"/>
+              </a:rPr>
+              <a:t>colname</a:t>
+            </a:r>
+            <a:r>
+              <a:rPr lang="en-US" dirty="0">
+                <a:latin typeface="Courier New" panose="02070309020205020404" pitchFamily="49" charset="0"/>
+                <a:cs typeface="Courier New" panose="02070309020205020404" pitchFamily="49" charset="0"/>
+              </a:rPr>
+              <a:t>=mean(column))</a:t>
+            </a:r>
+          </a:p>
+          <a:p>
+            <a:r>
+              <a:rPr lang="en-US" dirty="0" err="1">
+                <a:latin typeface="Courier New" panose="02070309020205020404" pitchFamily="49" charset="0"/>
+                <a:cs typeface="Courier New" panose="02070309020205020404" pitchFamily="49" charset="0"/>
+              </a:rPr>
+              <a:t>summarize_all</a:t>
+            </a:r>
+            <a:r>
+              <a:rPr lang="en-US" dirty="0">
+                <a:latin typeface="Courier New" panose="02070309020205020404" pitchFamily="49" charset="0"/>
+                <a:cs typeface="Courier New" panose="02070309020205020404" pitchFamily="49" charset="0"/>
+              </a:rPr>
+              <a:t>(</a:t>
+            </a:r>
+            <a:r>
+              <a:rPr lang="en-US" dirty="0" err="1">
+                <a:latin typeface="Courier New" panose="02070309020205020404" pitchFamily="49" charset="0"/>
+                <a:cs typeface="Courier New" panose="02070309020205020404" pitchFamily="49" charset="0"/>
+              </a:rPr>
+              <a:t>tbl</a:t>
+            </a:r>
+            <a:r>
+              <a:rPr lang="en-US" dirty="0">
+                <a:latin typeface="Courier New" panose="02070309020205020404" pitchFamily="49" charset="0"/>
+                <a:cs typeface="Courier New" panose="02070309020205020404" pitchFamily="49" charset="0"/>
+              </a:rPr>
+              <a:t>, summary): </a:t>
+            </a:r>
+            <a:r>
+              <a:rPr lang="en-US" dirty="0"/>
+              <a:t>apply to all columns</a:t>
+            </a:r>
+          </a:p>
+          <a:p>
+            <a:pPr lvl="1"/>
+            <a:r>
+              <a:rPr lang="en-US" dirty="0" err="1">
+                <a:latin typeface="Courier New" panose="02070309020205020404" pitchFamily="49" charset="0"/>
+                <a:cs typeface="Courier New" panose="02070309020205020404" pitchFamily="49" charset="0"/>
+              </a:rPr>
+              <a:t>summarize_all</a:t>
+            </a:r>
+            <a:r>
+              <a:rPr lang="en-US" dirty="0">
+                <a:latin typeface="Courier New" panose="02070309020205020404" pitchFamily="49" charset="0"/>
+                <a:cs typeface="Courier New" panose="02070309020205020404" pitchFamily="49" charset="0"/>
+              </a:rPr>
+              <a:t>(states, mean)</a:t>
+            </a:r>
+            <a:endParaRPr lang="en-US" dirty="0"/>
           </a:p>
         </p:txBody>
       </p:sp>
@@ -11922,7 +12940,7 @@
           <p:cNvPr id="4" name="Date Placeholder 3">
             <a:extLst>
               <a:ext uri="{FF2B5EF4-FFF2-40B4-BE49-F238E27FC236}">
-                <a16:creationId xmlns:a16="http://schemas.microsoft.com/office/drawing/2014/main" id="{729242CD-322A-4BBF-A5F9-A0BD7FF80C30}"/>
+                <a16:creationId xmlns:a16="http://schemas.microsoft.com/office/drawing/2014/main" id="{A72BADC7-C4F0-4682-AB40-262467FD519D}"/>
               </a:ext>
             </a:extLst>
           </p:cNvPr>
@@ -11951,7 +12969,7 @@
           <p:cNvPr id="5" name="Footer Placeholder 4">
             <a:extLst>
               <a:ext uri="{FF2B5EF4-FFF2-40B4-BE49-F238E27FC236}">
-                <a16:creationId xmlns:a16="http://schemas.microsoft.com/office/drawing/2014/main" id="{30FAF9A1-04F4-4BAE-9142-17FB314C8EED}"/>
+                <a16:creationId xmlns:a16="http://schemas.microsoft.com/office/drawing/2014/main" id="{E8040E38-D198-41BA-A22B-F75B4D934AB4}"/>
               </a:ext>
             </a:extLst>
           </p:cNvPr>
@@ -12008,7 +13026,7 @@
           <p:cNvPr id="6" name="Slide Number Placeholder 5">
             <a:extLst>
               <a:ext uri="{FF2B5EF4-FFF2-40B4-BE49-F238E27FC236}">
-                <a16:creationId xmlns:a16="http://schemas.microsoft.com/office/drawing/2014/main" id="{51F51AE9-B6B5-4DDB-B0E8-6F790417F61A}"/>
+                <a16:creationId xmlns:a16="http://schemas.microsoft.com/office/drawing/2014/main" id="{AA36146F-7E0F-4CA1-971D-E4BDF0481FFD}"/>
               </a:ext>
             </a:extLst>
           </p:cNvPr>
@@ -12035,7 +13053,7 @@
     </p:spTree>
     <p:extLst>
       <p:ext uri="{BB962C8B-B14F-4D97-AF65-F5344CB8AC3E}">
-        <p14:creationId xmlns:p14="http://schemas.microsoft.com/office/powerpoint/2010/main" val="2106640646"/>
+        <p14:creationId xmlns:p14="http://schemas.microsoft.com/office/powerpoint/2010/main" val="2805101692"/>
       </p:ext>
     </p:extLst>
   </p:cSld>
@@ -12067,7 +13085,7 @@
           <p:cNvPr id="2" name="Title 1">
             <a:extLst>
               <a:ext uri="{FF2B5EF4-FFF2-40B4-BE49-F238E27FC236}">
-                <a16:creationId xmlns:a16="http://schemas.microsoft.com/office/drawing/2014/main" id="{11D2AEC1-B86D-49DC-8240-FC110A098B47}"/>
+                <a16:creationId xmlns:a16="http://schemas.microsoft.com/office/drawing/2014/main" id="{5D1687A0-6F31-4A21-ACD0-FE8A0EAF8C89}"/>
               </a:ext>
             </a:extLst>
           </p:cNvPr>
@@ -12085,7 +13103,7 @@
           <a:p>
             <a:r>
               <a:rPr lang="en-US" dirty="0"/>
-              <a:t>A FULL TIDYVERSE WORKFLOW</a:t>
+              <a:t>THE PIPE</a:t>
             </a:r>
           </a:p>
         </p:txBody>
@@ -12095,7 +13113,7 @@
           <p:cNvPr id="3" name="Content Placeholder 2">
             <a:extLst>
               <a:ext uri="{FF2B5EF4-FFF2-40B4-BE49-F238E27FC236}">
-                <a16:creationId xmlns:a16="http://schemas.microsoft.com/office/drawing/2014/main" id="{70465980-9286-4387-A5A5-A575E6590F74}"/>
+                <a16:creationId xmlns:a16="http://schemas.microsoft.com/office/drawing/2014/main" id="{89088887-9B0E-44EE-96AD-018B60F0FC71}"/>
               </a:ext>
             </a:extLst>
           </p:cNvPr>
@@ -12108,10 +13126,139 @@
         </p:nvSpPr>
         <p:spPr/>
         <p:txBody>
-          <a:bodyPr/>
-          <a:lstStyle/>
-          <a:p>
-            <a:endParaRPr lang="en-US"/>
+          <a:bodyPr>
+            <a:normAutofit fontScale="92500" lnSpcReduction="10000"/>
+          </a:bodyPr>
+          <a:lstStyle/>
+          <a:p>
+            <a:r>
+              <a:rPr lang="en-US" dirty="0"/>
+              <a:t>Easily combine many operations</a:t>
+            </a:r>
+          </a:p>
+          <a:p>
+            <a:pPr lvl="1"/>
+            <a:r>
+              <a:rPr lang="en-US" dirty="0">
+                <a:latin typeface="Courier New" panose="02070309020205020404" pitchFamily="49" charset="0"/>
+                <a:cs typeface="Courier New" panose="02070309020205020404" pitchFamily="49" charset="0"/>
+              </a:rPr>
+              <a:t>%&gt;% </a:t>
+            </a:r>
+            <a:r>
+              <a:rPr lang="en-US" dirty="0">
+                <a:cs typeface="Courier New" panose="02070309020205020404" pitchFamily="49" charset="0"/>
+              </a:rPr>
+              <a:t>at the end of a line (not the start of </a:t>
+            </a:r>
+            <a:r>
+              <a:rPr lang="en-US">
+                <a:cs typeface="Courier New" panose="02070309020205020404" pitchFamily="49" charset="0"/>
+              </a:rPr>
+              <a:t>the next one!)</a:t>
+            </a:r>
+            <a:endParaRPr lang="en-US" dirty="0">
+              <a:cs typeface="Courier New" panose="02070309020205020404" pitchFamily="49" charset="0"/>
+            </a:endParaRPr>
+          </a:p>
+          <a:p>
+            <a:pPr lvl="1"/>
+            <a:r>
+              <a:rPr lang="en-US" dirty="0" err="1">
+                <a:latin typeface="Courier New" panose="02070309020205020404" pitchFamily="49" charset="0"/>
+                <a:cs typeface="Courier New" panose="02070309020205020404" pitchFamily="49" charset="0"/>
+              </a:rPr>
+              <a:t>magrittr</a:t>
+            </a:r>
+            <a:r>
+              <a:rPr lang="en-US" dirty="0">
+                <a:latin typeface="Courier New" panose="02070309020205020404" pitchFamily="49" charset="0"/>
+                <a:cs typeface="Courier New" panose="02070309020205020404" pitchFamily="49" charset="0"/>
+              </a:rPr>
+              <a:t> </a:t>
+            </a:r>
+            <a:r>
+              <a:rPr lang="en-US" dirty="0"/>
+              <a:t>package</a:t>
+            </a:r>
+          </a:p>
+          <a:p>
+            <a:pPr lvl="1"/>
+            <a:r>
+              <a:rPr lang="en-US" dirty="0"/>
+              <a:t>Chains operations together by passing along the first argument</a:t>
+            </a:r>
+          </a:p>
+          <a:p>
+            <a:r>
+              <a:rPr lang="en-US" dirty="0"/>
+              <a:t>Example:</a:t>
+            </a:r>
+          </a:p>
+          <a:p>
+            <a:pPr lvl="1"/>
+            <a:r>
+              <a:rPr lang="en-US" dirty="0">
+                <a:latin typeface="Courier New" panose="02070309020205020404" pitchFamily="49" charset="0"/>
+                <a:cs typeface="Courier New" panose="02070309020205020404" pitchFamily="49" charset="0"/>
+              </a:rPr>
+              <a:t>states %&gt;% </a:t>
+            </a:r>
+          </a:p>
+          <a:p>
+            <a:pPr marL="457200" lvl="1" indent="0">
+              <a:buNone/>
+            </a:pPr>
+            <a:r>
+              <a:rPr lang="en-US" dirty="0">
+                <a:latin typeface="Courier New" panose="02070309020205020404" pitchFamily="49" charset="0"/>
+                <a:cs typeface="Courier New" panose="02070309020205020404" pitchFamily="49" charset="0"/>
+              </a:rPr>
+              <a:t>   filter(Area &gt; 50000) %&gt;%</a:t>
+            </a:r>
+          </a:p>
+          <a:p>
+            <a:pPr marL="457200" lvl="1" indent="0">
+              <a:buNone/>
+            </a:pPr>
+            <a:r>
+              <a:rPr lang="en-US" dirty="0">
+                <a:latin typeface="Courier New" panose="02070309020205020404" pitchFamily="49" charset="0"/>
+                <a:cs typeface="Courier New" panose="02070309020205020404" pitchFamily="49" charset="0"/>
+              </a:rPr>
+              <a:t>   mutate(density = Population / Area) %&gt;%</a:t>
+            </a:r>
+          </a:p>
+          <a:p>
+            <a:pPr marL="457200" lvl="1" indent="0">
+              <a:buNone/>
+            </a:pPr>
+            <a:r>
+              <a:rPr lang="en-US" dirty="0">
+                <a:latin typeface="Courier New" panose="02070309020205020404" pitchFamily="49" charset="0"/>
+                <a:cs typeface="Courier New" panose="02070309020205020404" pitchFamily="49" charset="0"/>
+              </a:rPr>
+              <a:t>   summarize(avg=mean(density))</a:t>
+            </a:r>
+          </a:p>
+          <a:p>
+            <a:pPr lvl="1"/>
+            <a:r>
+              <a:rPr lang="en-US" dirty="0">
+                <a:cs typeface="Courier New" panose="02070309020205020404" pitchFamily="49" charset="0"/>
+              </a:rPr>
+              <a:t>Instead of</a:t>
+            </a:r>
+          </a:p>
+          <a:p>
+            <a:pPr lvl="1"/>
+            <a:r>
+              <a:rPr lang="en-US" dirty="0">
+                <a:latin typeface="Courier New" panose="02070309020205020404" pitchFamily="49" charset="0"/>
+                <a:cs typeface="Courier New" panose="02070309020205020404" pitchFamily="49" charset="0"/>
+              </a:rPr>
+              <a:t>summarize(mutate(filter(states, Area &gt; 50000),   density=Population / Area), avg = mean(density))</a:t>
+            </a:r>
           </a:p>
         </p:txBody>
       </p:sp>
@@ -12120,7 +13267,7 @@
           <p:cNvPr id="4" name="Date Placeholder 3">
             <a:extLst>
               <a:ext uri="{FF2B5EF4-FFF2-40B4-BE49-F238E27FC236}">
-                <a16:creationId xmlns:a16="http://schemas.microsoft.com/office/drawing/2014/main" id="{4E32AD3C-9F7E-457C-AE3F-422282C0F9E7}"/>
+                <a16:creationId xmlns:a16="http://schemas.microsoft.com/office/drawing/2014/main" id="{A8BA16B2-C60B-487F-B375-1D39D8DE5708}"/>
               </a:ext>
             </a:extLst>
           </p:cNvPr>
@@ -12149,7 +13296,7 @@
           <p:cNvPr id="5" name="Footer Placeholder 4">
             <a:extLst>
               <a:ext uri="{FF2B5EF4-FFF2-40B4-BE49-F238E27FC236}">
-                <a16:creationId xmlns:a16="http://schemas.microsoft.com/office/drawing/2014/main" id="{FBC1C866-EB47-455D-BF46-BFC503046315}"/>
+                <a16:creationId xmlns:a16="http://schemas.microsoft.com/office/drawing/2014/main" id="{CBA90653-BBD4-4EE6-A72C-B74A92C1117B}"/>
               </a:ext>
             </a:extLst>
           </p:cNvPr>
@@ -12206,7 +13353,7 @@
           <p:cNvPr id="6" name="Slide Number Placeholder 5">
             <a:extLst>
               <a:ext uri="{FF2B5EF4-FFF2-40B4-BE49-F238E27FC236}">
-                <a16:creationId xmlns:a16="http://schemas.microsoft.com/office/drawing/2014/main" id="{2B03362D-7208-43A1-B722-15CB9305C312}"/>
+                <a16:creationId xmlns:a16="http://schemas.microsoft.com/office/drawing/2014/main" id="{67700C04-F127-4514-B7CF-AEEB3F541378}"/>
               </a:ext>
             </a:extLst>
           </p:cNvPr>
@@ -12233,7 +13380,7 @@
     </p:spTree>
     <p:extLst>
       <p:ext uri="{BB962C8B-B14F-4D97-AF65-F5344CB8AC3E}">
-        <p14:creationId xmlns:p14="http://schemas.microsoft.com/office/powerpoint/2010/main" val="2605989437"/>
+        <p14:creationId xmlns:p14="http://schemas.microsoft.com/office/powerpoint/2010/main" val="1580853764"/>
       </p:ext>
     </p:extLst>
   </p:cSld>
@@ -12262,10 +13409,10 @@
       </p:grpSpPr>
       <p:sp>
         <p:nvSpPr>
-          <p:cNvPr id="2" name="Title 1">
-            <a:extLst>
-              <a:ext uri="{FF2B5EF4-FFF2-40B4-BE49-F238E27FC236}">
-                <a16:creationId xmlns:a16="http://schemas.microsoft.com/office/drawing/2014/main" id="{A8909A85-5F97-4785-BA4C-680457A0F1AF}"/>
+          <p:cNvPr id="7" name="Title 6">
+            <a:extLst>
+              <a:ext uri="{FF2B5EF4-FFF2-40B4-BE49-F238E27FC236}">
+                <a16:creationId xmlns:a16="http://schemas.microsoft.com/office/drawing/2014/main" id="{F9B622D1-34BF-44D8-BDC0-3D31803EC1C8}"/>
               </a:ext>
             </a:extLst>
           </p:cNvPr>
@@ -12283,64 +13430,42 @@
           <a:p>
             <a:r>
               <a:rPr lang="en-US" dirty="0"/>
-              <a:t>ACKNOWLEDGEMENTS</a:t>
-            </a:r>
-          </a:p>
-        </p:txBody>
-      </p:sp>
-      <p:sp>
-        <p:nvSpPr>
-          <p:cNvPr id="7" name="Content Placeholder 6">
-            <a:extLst>
-              <a:ext uri="{FF2B5EF4-FFF2-40B4-BE49-F238E27FC236}">
-                <a16:creationId xmlns:a16="http://schemas.microsoft.com/office/drawing/2014/main" id="{063C36B6-F28F-4BE7-9B27-1DD6F6385857}"/>
-              </a:ext>
-            </a:extLst>
-          </p:cNvPr>
-          <p:cNvSpPr>
-            <a:spLocks noGrp="1"/>
-          </p:cNvSpPr>
-          <p:nvPr>
-            <p:ph idx="1"/>
-          </p:nvPr>
-        </p:nvSpPr>
-        <p:spPr/>
-        <p:txBody>
-          <a:bodyPr/>
-          <a:lstStyle/>
-          <a:p>
-            <a:r>
-              <a:rPr lang="en-US" dirty="0"/>
-              <a:t>Much of this tutorial is based on Hadley Wickham’s Amazing </a:t>
-            </a:r>
-            <a:r>
-              <a:rPr lang="en-US" i="1" dirty="0"/>
-              <a:t>R For Data Science</a:t>
-            </a:r>
-            <a:r>
-              <a:rPr lang="en-US" dirty="0"/>
-              <a:t>, available for free at </a:t>
-            </a:r>
-            <a:r>
-              <a:rPr lang="en-US" dirty="0">
-                <a:hlinkClick r:id="rId2"/>
-              </a:rPr>
-              <a:t>https://r4ds.had.co.nz</a:t>
-            </a:r>
-            <a:endParaRPr lang="en-US" dirty="0"/>
-          </a:p>
-          <a:p>
-            <a:r>
-              <a:rPr lang="en-US" dirty="0"/>
-              <a:t>The </a:t>
-            </a:r>
-            <a:r>
-              <a:rPr lang="en-US" dirty="0" err="1"/>
-              <a:t>tidyverse</a:t>
-            </a:r>
-            <a:r>
-              <a:rPr lang="en-US" dirty="0"/>
-              <a:t> hex stickers are used under the terms of the Creative Commons 1.0 Universal license.</a:t>
+              <a:t>VISUALIZING DATA</a:t>
+            </a:r>
+            <a:br>
+              <a:rPr lang="en-US" dirty="0"/>
+            </a:br>
+            <a:r>
+              <a:rPr lang="en-US" dirty="0"/>
+              <a:t>WITH GGPLOT2</a:t>
+            </a:r>
+          </a:p>
+        </p:txBody>
+      </p:sp>
+      <p:sp>
+        <p:nvSpPr>
+          <p:cNvPr id="8" name="Text Placeholder 7">
+            <a:extLst>
+              <a:ext uri="{FF2B5EF4-FFF2-40B4-BE49-F238E27FC236}">
+                <a16:creationId xmlns:a16="http://schemas.microsoft.com/office/drawing/2014/main" id="{DD6D9B92-0C9B-4797-BC66-E014C6A328D0}"/>
+              </a:ext>
+            </a:extLst>
+          </p:cNvPr>
+          <p:cNvSpPr>
+            <a:spLocks noGrp="1"/>
+          </p:cNvSpPr>
+          <p:nvPr>
+            <p:ph type="body" idx="1"/>
+          </p:nvPr>
+        </p:nvSpPr>
+        <p:spPr/>
+        <p:txBody>
+          <a:bodyPr/>
+          <a:lstStyle/>
+          <a:p>
+            <a:r>
+              <a:rPr lang="en-US" dirty="0"/>
+              <a:t>Versatile and customizable plotting</a:t>
             </a:r>
           </a:p>
         </p:txBody>
@@ -12350,7 +13475,7 @@
           <p:cNvPr id="4" name="Date Placeholder 3">
             <a:extLst>
               <a:ext uri="{FF2B5EF4-FFF2-40B4-BE49-F238E27FC236}">
-                <a16:creationId xmlns:a16="http://schemas.microsoft.com/office/drawing/2014/main" id="{6BD03D3F-8307-4B2B-85E0-9639DD7F7B8C}"/>
+                <a16:creationId xmlns:a16="http://schemas.microsoft.com/office/drawing/2014/main" id="{7F0C02FB-F57E-4A39-8820-BCD7DA0FA681}"/>
               </a:ext>
             </a:extLst>
           </p:cNvPr>
@@ -12379,7 +13504,7 @@
           <p:cNvPr id="5" name="Footer Placeholder 4">
             <a:extLst>
               <a:ext uri="{FF2B5EF4-FFF2-40B4-BE49-F238E27FC236}">
-                <a16:creationId xmlns:a16="http://schemas.microsoft.com/office/drawing/2014/main" id="{07FB1389-2798-4D26-8CCE-27767E9E7F1D}"/>
+                <a16:creationId xmlns:a16="http://schemas.microsoft.com/office/drawing/2014/main" id="{7392278C-B6CF-46D2-A2D7-DB522B8FD6BB}"/>
               </a:ext>
             </a:extLst>
           </p:cNvPr>
@@ -12436,7 +13561,7 @@
           <p:cNvPr id="6" name="Slide Number Placeholder 5">
             <a:extLst>
               <a:ext uri="{FF2B5EF4-FFF2-40B4-BE49-F238E27FC236}">
-                <a16:creationId xmlns:a16="http://schemas.microsoft.com/office/drawing/2014/main" id="{D9EB88B7-3533-4306-8F51-5BF384EBA51E}"/>
+                <a16:creationId xmlns:a16="http://schemas.microsoft.com/office/drawing/2014/main" id="{E0E072A8-158A-417B-B985-B4D802B5C32D}"/>
               </a:ext>
             </a:extLst>
           </p:cNvPr>
@@ -12463,7 +13588,1195 @@
     </p:spTree>
     <p:extLst>
       <p:ext uri="{BB962C8B-B14F-4D97-AF65-F5344CB8AC3E}">
-        <p14:creationId xmlns:p14="http://schemas.microsoft.com/office/powerpoint/2010/main" val="1583061505"/>
+        <p14:creationId xmlns:p14="http://schemas.microsoft.com/office/powerpoint/2010/main" val="2922848558"/>
+      </p:ext>
+    </p:extLst>
+  </p:cSld>
+  <p:clrMapOvr>
+    <a:masterClrMapping/>
+  </p:clrMapOvr>
+</p:sld>
+</file>
+
+<file path=ppt/slides/slide34.xml><?xml version="1.0" encoding="utf-8"?>
+<p:sld xmlns:a="http://schemas.openxmlformats.org/drawingml/2006/main" xmlns:r="http://schemas.openxmlformats.org/officeDocument/2006/relationships" xmlns:p="http://schemas.openxmlformats.org/presentationml/2006/main">
+  <p:cSld>
+    <p:spTree>
+      <p:nvGrpSpPr>
+        <p:cNvPr id="1" name=""/>
+        <p:cNvGrpSpPr/>
+        <p:nvPr/>
+      </p:nvGrpSpPr>
+      <p:grpSpPr>
+        <a:xfrm>
+          <a:off x="0" y="0"/>
+          <a:ext cx="0" cy="0"/>
+          <a:chOff x="0" y="0"/>
+          <a:chExt cx="0" cy="0"/>
+        </a:xfrm>
+      </p:grpSpPr>
+      <p:sp>
+        <p:nvSpPr>
+          <p:cNvPr id="2" name="Title 1">
+            <a:extLst>
+              <a:ext uri="{FF2B5EF4-FFF2-40B4-BE49-F238E27FC236}">
+                <a16:creationId xmlns:a16="http://schemas.microsoft.com/office/drawing/2014/main" id="{8BB31801-2E3E-485F-82B8-81F94CAC0E69}"/>
+              </a:ext>
+            </a:extLst>
+          </p:cNvPr>
+          <p:cNvSpPr>
+            <a:spLocks noGrp="1"/>
+          </p:cNvSpPr>
+          <p:nvPr>
+            <p:ph type="title"/>
+          </p:nvPr>
+        </p:nvSpPr>
+        <p:spPr/>
+        <p:txBody>
+          <a:bodyPr/>
+          <a:lstStyle/>
+          <a:p>
+            <a:r>
+              <a:rPr lang="en-US" dirty="0"/>
+              <a:t>THE LAYERED PLOTTING MODEL</a:t>
+            </a:r>
+          </a:p>
+        </p:txBody>
+      </p:sp>
+      <p:sp>
+        <p:nvSpPr>
+          <p:cNvPr id="3" name="Content Placeholder 2">
+            <a:extLst>
+              <a:ext uri="{FF2B5EF4-FFF2-40B4-BE49-F238E27FC236}">
+                <a16:creationId xmlns:a16="http://schemas.microsoft.com/office/drawing/2014/main" id="{390EC6AF-F6AE-4708-966A-6ECE19BE5BC6}"/>
+              </a:ext>
+            </a:extLst>
+          </p:cNvPr>
+          <p:cNvSpPr>
+            <a:spLocks noGrp="1"/>
+          </p:cNvSpPr>
+          <p:nvPr>
+            <p:ph idx="1"/>
+          </p:nvPr>
+        </p:nvSpPr>
+        <p:spPr/>
+        <p:txBody>
+          <a:bodyPr/>
+          <a:lstStyle/>
+          <a:p>
+            <a:endParaRPr lang="en-US"/>
+          </a:p>
+        </p:txBody>
+      </p:sp>
+      <p:sp>
+        <p:nvSpPr>
+          <p:cNvPr id="4" name="Date Placeholder 3">
+            <a:extLst>
+              <a:ext uri="{FF2B5EF4-FFF2-40B4-BE49-F238E27FC236}">
+                <a16:creationId xmlns:a16="http://schemas.microsoft.com/office/drawing/2014/main" id="{FFAAEF07-9EEF-437A-AC4E-2B14BC28A3D5}"/>
+              </a:ext>
+            </a:extLst>
+          </p:cNvPr>
+          <p:cNvSpPr>
+            <a:spLocks noGrp="1"/>
+          </p:cNvSpPr>
+          <p:nvPr>
+            <p:ph type="dt" sz="half" idx="10"/>
+          </p:nvPr>
+        </p:nvSpPr>
+        <p:spPr/>
+        <p:txBody>
+          <a:bodyPr/>
+          <a:lstStyle/>
+          <a:p>
+            <a:fld id="{8AAE40A0-A7D8-4DC3-BC9E-BADA32DA2004}" type="datetime4">
+              <a:rPr lang="en-US" smtClean="0"/>
+              <a:t>July 7, 2019</a:t>
+            </a:fld>
+            <a:endParaRPr lang="en-US" dirty="0"/>
+          </a:p>
+        </p:txBody>
+      </p:sp>
+      <p:sp>
+        <p:nvSpPr>
+          <p:cNvPr id="5" name="Footer Placeholder 4">
+            <a:extLst>
+              <a:ext uri="{FF2B5EF4-FFF2-40B4-BE49-F238E27FC236}">
+                <a16:creationId xmlns:a16="http://schemas.microsoft.com/office/drawing/2014/main" id="{5EDC591F-3ACD-494A-9A2B-670AE711DDB7}"/>
+              </a:ext>
+            </a:extLst>
+          </p:cNvPr>
+          <p:cNvSpPr>
+            <a:spLocks noGrp="1"/>
+          </p:cNvSpPr>
+          <p:nvPr>
+            <p:ph type="ftr" sz="quarter" idx="11"/>
+          </p:nvPr>
+        </p:nvSpPr>
+        <p:spPr/>
+        <p:txBody>
+          <a:bodyPr/>
+          <a:lstStyle/>
+          <a:p>
+            <a:r>
+              <a:rPr lang="en-US"/>
+              <a:t>Digital Scholarship Services </a:t>
+            </a:r>
+            <a:r>
+              <a:rPr lang="en-US">
+                <a:solidFill>
+                  <a:schemeClr val="accent1">
+                    <a:lumMod val="50000"/>
+                  </a:schemeClr>
+                </a:solidFill>
+              </a:rPr>
+              <a:t>| Email</a:t>
+            </a:r>
+            <a:r>
+              <a:rPr lang="en-US"/>
+              <a:t> cf24@rice.edu </a:t>
+            </a:r>
+            <a:r>
+              <a:rPr lang="en-US">
+                <a:solidFill>
+                  <a:schemeClr val="accent1">
+                    <a:lumMod val="50000"/>
+                  </a:schemeClr>
+                </a:solidFill>
+              </a:rPr>
+              <a:t>|</a:t>
+            </a:r>
+            <a:r>
+              <a:rPr lang="en-US"/>
+              <a:t> library.rice.edu/dss</a:t>
+            </a:r>
+            <a:endParaRPr lang="en-US" dirty="0"/>
+          </a:p>
+        </p:txBody>
+      </p:sp>
+      <p:sp>
+        <p:nvSpPr>
+          <p:cNvPr id="6" name="Slide Number Placeholder 5">
+            <a:extLst>
+              <a:ext uri="{FF2B5EF4-FFF2-40B4-BE49-F238E27FC236}">
+                <a16:creationId xmlns:a16="http://schemas.microsoft.com/office/drawing/2014/main" id="{06DD70CE-B53B-4527-BDF0-0FA1B01776B6}"/>
+              </a:ext>
+            </a:extLst>
+          </p:cNvPr>
+          <p:cNvSpPr>
+            <a:spLocks noGrp="1"/>
+          </p:cNvSpPr>
+          <p:nvPr>
+            <p:ph type="sldNum" sz="quarter" idx="12"/>
+          </p:nvPr>
+        </p:nvSpPr>
+        <p:spPr/>
+        <p:txBody>
+          <a:bodyPr/>
+          <a:lstStyle/>
+          <a:p>
+            <a:fld id="{D57F1E4F-1CFF-5643-939E-02111984F565}" type="slidenum">
+              <a:rPr lang="en-US" smtClean="0"/>
+              <a:t>34</a:t>
+            </a:fld>
+            <a:endParaRPr lang="en-US" dirty="0"/>
+          </a:p>
+        </p:txBody>
+      </p:sp>
+    </p:spTree>
+    <p:extLst>
+      <p:ext uri="{BB962C8B-B14F-4D97-AF65-F5344CB8AC3E}">
+        <p14:creationId xmlns:p14="http://schemas.microsoft.com/office/powerpoint/2010/main" val="2814895575"/>
+      </p:ext>
+    </p:extLst>
+  </p:cSld>
+  <p:clrMapOvr>
+    <a:masterClrMapping/>
+  </p:clrMapOvr>
+</p:sld>
+</file>
+
+<file path=ppt/slides/slide35.xml><?xml version="1.0" encoding="utf-8"?>
+<p:sld xmlns:a="http://schemas.openxmlformats.org/drawingml/2006/main" xmlns:r="http://schemas.openxmlformats.org/officeDocument/2006/relationships" xmlns:p="http://schemas.openxmlformats.org/presentationml/2006/main">
+  <p:cSld>
+    <p:spTree>
+      <p:nvGrpSpPr>
+        <p:cNvPr id="1" name=""/>
+        <p:cNvGrpSpPr/>
+        <p:nvPr/>
+      </p:nvGrpSpPr>
+      <p:grpSpPr>
+        <a:xfrm>
+          <a:off x="0" y="0"/>
+          <a:ext cx="0" cy="0"/>
+          <a:chOff x="0" y="0"/>
+          <a:chExt cx="0" cy="0"/>
+        </a:xfrm>
+      </p:grpSpPr>
+      <p:sp>
+        <p:nvSpPr>
+          <p:cNvPr id="2" name="Title 1">
+            <a:extLst>
+              <a:ext uri="{FF2B5EF4-FFF2-40B4-BE49-F238E27FC236}">
+                <a16:creationId xmlns:a16="http://schemas.microsoft.com/office/drawing/2014/main" id="{8BB31801-2E3E-485F-82B8-81F94CAC0E69}"/>
+              </a:ext>
+            </a:extLst>
+          </p:cNvPr>
+          <p:cNvSpPr>
+            <a:spLocks noGrp="1"/>
+          </p:cNvSpPr>
+          <p:nvPr>
+            <p:ph type="title"/>
+          </p:nvPr>
+        </p:nvSpPr>
+        <p:spPr/>
+        <p:txBody>
+          <a:bodyPr/>
+          <a:lstStyle/>
+          <a:p>
+            <a:r>
+              <a:rPr lang="en-US" dirty="0"/>
+              <a:t>COORDINATES</a:t>
+            </a:r>
+          </a:p>
+        </p:txBody>
+      </p:sp>
+      <p:sp>
+        <p:nvSpPr>
+          <p:cNvPr id="3" name="Content Placeholder 2">
+            <a:extLst>
+              <a:ext uri="{FF2B5EF4-FFF2-40B4-BE49-F238E27FC236}">
+                <a16:creationId xmlns:a16="http://schemas.microsoft.com/office/drawing/2014/main" id="{390EC6AF-F6AE-4708-966A-6ECE19BE5BC6}"/>
+              </a:ext>
+            </a:extLst>
+          </p:cNvPr>
+          <p:cNvSpPr>
+            <a:spLocks noGrp="1"/>
+          </p:cNvSpPr>
+          <p:nvPr>
+            <p:ph idx="1"/>
+          </p:nvPr>
+        </p:nvSpPr>
+        <p:spPr/>
+        <p:txBody>
+          <a:bodyPr/>
+          <a:lstStyle/>
+          <a:p>
+            <a:endParaRPr lang="en-US" dirty="0"/>
+          </a:p>
+        </p:txBody>
+      </p:sp>
+      <p:sp>
+        <p:nvSpPr>
+          <p:cNvPr id="4" name="Date Placeholder 3">
+            <a:extLst>
+              <a:ext uri="{FF2B5EF4-FFF2-40B4-BE49-F238E27FC236}">
+                <a16:creationId xmlns:a16="http://schemas.microsoft.com/office/drawing/2014/main" id="{FFAAEF07-9EEF-437A-AC4E-2B14BC28A3D5}"/>
+              </a:ext>
+            </a:extLst>
+          </p:cNvPr>
+          <p:cNvSpPr>
+            <a:spLocks noGrp="1"/>
+          </p:cNvSpPr>
+          <p:nvPr>
+            <p:ph type="dt" sz="half" idx="10"/>
+          </p:nvPr>
+        </p:nvSpPr>
+        <p:spPr/>
+        <p:txBody>
+          <a:bodyPr/>
+          <a:lstStyle/>
+          <a:p>
+            <a:fld id="{8AAE40A0-A7D8-4DC3-BC9E-BADA32DA2004}" type="datetime4">
+              <a:rPr lang="en-US" smtClean="0"/>
+              <a:t>July 7, 2019</a:t>
+            </a:fld>
+            <a:endParaRPr lang="en-US" dirty="0"/>
+          </a:p>
+        </p:txBody>
+      </p:sp>
+      <p:sp>
+        <p:nvSpPr>
+          <p:cNvPr id="5" name="Footer Placeholder 4">
+            <a:extLst>
+              <a:ext uri="{FF2B5EF4-FFF2-40B4-BE49-F238E27FC236}">
+                <a16:creationId xmlns:a16="http://schemas.microsoft.com/office/drawing/2014/main" id="{5EDC591F-3ACD-494A-9A2B-670AE711DDB7}"/>
+              </a:ext>
+            </a:extLst>
+          </p:cNvPr>
+          <p:cNvSpPr>
+            <a:spLocks noGrp="1"/>
+          </p:cNvSpPr>
+          <p:nvPr>
+            <p:ph type="ftr" sz="quarter" idx="11"/>
+          </p:nvPr>
+        </p:nvSpPr>
+        <p:spPr/>
+        <p:txBody>
+          <a:bodyPr/>
+          <a:lstStyle/>
+          <a:p>
+            <a:r>
+              <a:rPr lang="en-US"/>
+              <a:t>Digital Scholarship Services </a:t>
+            </a:r>
+            <a:r>
+              <a:rPr lang="en-US">
+                <a:solidFill>
+                  <a:schemeClr val="accent1">
+                    <a:lumMod val="50000"/>
+                  </a:schemeClr>
+                </a:solidFill>
+              </a:rPr>
+              <a:t>| Email</a:t>
+            </a:r>
+            <a:r>
+              <a:rPr lang="en-US"/>
+              <a:t> cf24@rice.edu </a:t>
+            </a:r>
+            <a:r>
+              <a:rPr lang="en-US">
+                <a:solidFill>
+                  <a:schemeClr val="accent1">
+                    <a:lumMod val="50000"/>
+                  </a:schemeClr>
+                </a:solidFill>
+              </a:rPr>
+              <a:t>|</a:t>
+            </a:r>
+            <a:r>
+              <a:rPr lang="en-US"/>
+              <a:t> library.rice.edu/dss</a:t>
+            </a:r>
+            <a:endParaRPr lang="en-US" dirty="0"/>
+          </a:p>
+        </p:txBody>
+      </p:sp>
+      <p:sp>
+        <p:nvSpPr>
+          <p:cNvPr id="6" name="Slide Number Placeholder 5">
+            <a:extLst>
+              <a:ext uri="{FF2B5EF4-FFF2-40B4-BE49-F238E27FC236}">
+                <a16:creationId xmlns:a16="http://schemas.microsoft.com/office/drawing/2014/main" id="{06DD70CE-B53B-4527-BDF0-0FA1B01776B6}"/>
+              </a:ext>
+            </a:extLst>
+          </p:cNvPr>
+          <p:cNvSpPr>
+            <a:spLocks noGrp="1"/>
+          </p:cNvSpPr>
+          <p:nvPr>
+            <p:ph type="sldNum" sz="quarter" idx="12"/>
+          </p:nvPr>
+        </p:nvSpPr>
+        <p:spPr/>
+        <p:txBody>
+          <a:bodyPr/>
+          <a:lstStyle/>
+          <a:p>
+            <a:fld id="{D57F1E4F-1CFF-5643-939E-02111984F565}" type="slidenum">
+              <a:rPr lang="en-US" smtClean="0"/>
+              <a:t>35</a:t>
+            </a:fld>
+            <a:endParaRPr lang="en-US" dirty="0"/>
+          </a:p>
+        </p:txBody>
+      </p:sp>
+    </p:spTree>
+    <p:extLst>
+      <p:ext uri="{BB962C8B-B14F-4D97-AF65-F5344CB8AC3E}">
+        <p14:creationId xmlns:p14="http://schemas.microsoft.com/office/powerpoint/2010/main" val="1930838147"/>
+      </p:ext>
+    </p:extLst>
+  </p:cSld>
+  <p:clrMapOvr>
+    <a:masterClrMapping/>
+  </p:clrMapOvr>
+</p:sld>
+</file>
+
+<file path=ppt/slides/slide36.xml><?xml version="1.0" encoding="utf-8"?>
+<p:sld xmlns:a="http://schemas.openxmlformats.org/drawingml/2006/main" xmlns:r="http://schemas.openxmlformats.org/officeDocument/2006/relationships" xmlns:p="http://schemas.openxmlformats.org/presentationml/2006/main">
+  <p:cSld>
+    <p:spTree>
+      <p:nvGrpSpPr>
+        <p:cNvPr id="1" name=""/>
+        <p:cNvGrpSpPr/>
+        <p:nvPr/>
+      </p:nvGrpSpPr>
+      <p:grpSpPr>
+        <a:xfrm>
+          <a:off x="0" y="0"/>
+          <a:ext cx="0" cy="0"/>
+          <a:chOff x="0" y="0"/>
+          <a:chExt cx="0" cy="0"/>
+        </a:xfrm>
+      </p:grpSpPr>
+      <p:sp>
+        <p:nvSpPr>
+          <p:cNvPr id="2" name="Title 1">
+            <a:extLst>
+              <a:ext uri="{FF2B5EF4-FFF2-40B4-BE49-F238E27FC236}">
+                <a16:creationId xmlns:a16="http://schemas.microsoft.com/office/drawing/2014/main" id="{FAD52A62-78C8-40EF-A013-D6F0DC8A83DC}"/>
+              </a:ext>
+            </a:extLst>
+          </p:cNvPr>
+          <p:cNvSpPr>
+            <a:spLocks noGrp="1"/>
+          </p:cNvSpPr>
+          <p:nvPr>
+            <p:ph type="title"/>
+          </p:nvPr>
+        </p:nvSpPr>
+        <p:spPr/>
+        <p:txBody>
+          <a:bodyPr/>
+          <a:lstStyle/>
+          <a:p>
+            <a:r>
+              <a:rPr lang="en-US" dirty="0"/>
+              <a:t>MAPPINGS</a:t>
+            </a:r>
+          </a:p>
+        </p:txBody>
+      </p:sp>
+      <p:sp>
+        <p:nvSpPr>
+          <p:cNvPr id="3" name="Content Placeholder 2">
+            <a:extLst>
+              <a:ext uri="{FF2B5EF4-FFF2-40B4-BE49-F238E27FC236}">
+                <a16:creationId xmlns:a16="http://schemas.microsoft.com/office/drawing/2014/main" id="{577CA4E4-3313-4802-884F-A7157A5C5D17}"/>
+              </a:ext>
+            </a:extLst>
+          </p:cNvPr>
+          <p:cNvSpPr>
+            <a:spLocks noGrp="1"/>
+          </p:cNvSpPr>
+          <p:nvPr>
+            <p:ph idx="1"/>
+          </p:nvPr>
+        </p:nvSpPr>
+        <p:spPr/>
+        <p:txBody>
+          <a:bodyPr/>
+          <a:lstStyle/>
+          <a:p>
+            <a:endParaRPr lang="en-US"/>
+          </a:p>
+        </p:txBody>
+      </p:sp>
+      <p:sp>
+        <p:nvSpPr>
+          <p:cNvPr id="4" name="Date Placeholder 3">
+            <a:extLst>
+              <a:ext uri="{FF2B5EF4-FFF2-40B4-BE49-F238E27FC236}">
+                <a16:creationId xmlns:a16="http://schemas.microsoft.com/office/drawing/2014/main" id="{5BD8233A-9ECB-4631-AC6A-87E7861025BB}"/>
+              </a:ext>
+            </a:extLst>
+          </p:cNvPr>
+          <p:cNvSpPr>
+            <a:spLocks noGrp="1"/>
+          </p:cNvSpPr>
+          <p:nvPr>
+            <p:ph type="dt" sz="half" idx="10"/>
+          </p:nvPr>
+        </p:nvSpPr>
+        <p:spPr/>
+        <p:txBody>
+          <a:bodyPr/>
+          <a:lstStyle/>
+          <a:p>
+            <a:fld id="{8AAE40A0-A7D8-4DC3-BC9E-BADA32DA2004}" type="datetime4">
+              <a:rPr lang="en-US" smtClean="0"/>
+              <a:t>July 7, 2019</a:t>
+            </a:fld>
+            <a:endParaRPr lang="en-US" dirty="0"/>
+          </a:p>
+        </p:txBody>
+      </p:sp>
+      <p:sp>
+        <p:nvSpPr>
+          <p:cNvPr id="5" name="Footer Placeholder 4">
+            <a:extLst>
+              <a:ext uri="{FF2B5EF4-FFF2-40B4-BE49-F238E27FC236}">
+                <a16:creationId xmlns:a16="http://schemas.microsoft.com/office/drawing/2014/main" id="{22BDB5CB-F1EA-4D91-9B7C-3992A69C9ABA}"/>
+              </a:ext>
+            </a:extLst>
+          </p:cNvPr>
+          <p:cNvSpPr>
+            <a:spLocks noGrp="1"/>
+          </p:cNvSpPr>
+          <p:nvPr>
+            <p:ph type="ftr" sz="quarter" idx="11"/>
+          </p:nvPr>
+        </p:nvSpPr>
+        <p:spPr/>
+        <p:txBody>
+          <a:bodyPr/>
+          <a:lstStyle/>
+          <a:p>
+            <a:r>
+              <a:rPr lang="en-US"/>
+              <a:t>Digital Scholarship Services </a:t>
+            </a:r>
+            <a:r>
+              <a:rPr lang="en-US">
+                <a:solidFill>
+                  <a:schemeClr val="accent1">
+                    <a:lumMod val="50000"/>
+                  </a:schemeClr>
+                </a:solidFill>
+              </a:rPr>
+              <a:t>| Email</a:t>
+            </a:r>
+            <a:r>
+              <a:rPr lang="en-US"/>
+              <a:t> cf24@rice.edu </a:t>
+            </a:r>
+            <a:r>
+              <a:rPr lang="en-US">
+                <a:solidFill>
+                  <a:schemeClr val="accent1">
+                    <a:lumMod val="50000"/>
+                  </a:schemeClr>
+                </a:solidFill>
+              </a:rPr>
+              <a:t>|</a:t>
+            </a:r>
+            <a:r>
+              <a:rPr lang="en-US"/>
+              <a:t> library.rice.edu/dss</a:t>
+            </a:r>
+            <a:endParaRPr lang="en-US" dirty="0"/>
+          </a:p>
+        </p:txBody>
+      </p:sp>
+      <p:sp>
+        <p:nvSpPr>
+          <p:cNvPr id="6" name="Slide Number Placeholder 5">
+            <a:extLst>
+              <a:ext uri="{FF2B5EF4-FFF2-40B4-BE49-F238E27FC236}">
+                <a16:creationId xmlns:a16="http://schemas.microsoft.com/office/drawing/2014/main" id="{1420A9BB-53F5-4A07-87B1-9155518E0293}"/>
+              </a:ext>
+            </a:extLst>
+          </p:cNvPr>
+          <p:cNvSpPr>
+            <a:spLocks noGrp="1"/>
+          </p:cNvSpPr>
+          <p:nvPr>
+            <p:ph type="sldNum" sz="quarter" idx="12"/>
+          </p:nvPr>
+        </p:nvSpPr>
+        <p:spPr/>
+        <p:txBody>
+          <a:bodyPr/>
+          <a:lstStyle/>
+          <a:p>
+            <a:fld id="{D57F1E4F-1CFF-5643-939E-02111984F565}" type="slidenum">
+              <a:rPr lang="en-US" smtClean="0"/>
+              <a:t>36</a:t>
+            </a:fld>
+            <a:endParaRPr lang="en-US" dirty="0"/>
+          </a:p>
+        </p:txBody>
+      </p:sp>
+    </p:spTree>
+    <p:extLst>
+      <p:ext uri="{BB962C8B-B14F-4D97-AF65-F5344CB8AC3E}">
+        <p14:creationId xmlns:p14="http://schemas.microsoft.com/office/powerpoint/2010/main" val="2975928317"/>
+      </p:ext>
+    </p:extLst>
+  </p:cSld>
+  <p:clrMapOvr>
+    <a:masterClrMapping/>
+  </p:clrMapOvr>
+</p:sld>
+</file>
+
+<file path=ppt/slides/slide37.xml><?xml version="1.0" encoding="utf-8"?>
+<p:sld xmlns:a="http://schemas.openxmlformats.org/drawingml/2006/main" xmlns:r="http://schemas.openxmlformats.org/officeDocument/2006/relationships" xmlns:p="http://schemas.openxmlformats.org/presentationml/2006/main">
+  <p:cSld>
+    <p:spTree>
+      <p:nvGrpSpPr>
+        <p:cNvPr id="1" name=""/>
+        <p:cNvGrpSpPr/>
+        <p:nvPr/>
+      </p:nvGrpSpPr>
+      <p:grpSpPr>
+        <a:xfrm>
+          <a:off x="0" y="0"/>
+          <a:ext cx="0" cy="0"/>
+          <a:chOff x="0" y="0"/>
+          <a:chExt cx="0" cy="0"/>
+        </a:xfrm>
+      </p:grpSpPr>
+      <p:sp>
+        <p:nvSpPr>
+          <p:cNvPr id="2" name="Title 1">
+            <a:extLst>
+              <a:ext uri="{FF2B5EF4-FFF2-40B4-BE49-F238E27FC236}">
+                <a16:creationId xmlns:a16="http://schemas.microsoft.com/office/drawing/2014/main" id="{3F2FCEAC-2500-40D0-B447-4F4FC89121D5}"/>
+              </a:ext>
+            </a:extLst>
+          </p:cNvPr>
+          <p:cNvSpPr>
+            <a:spLocks noGrp="1"/>
+          </p:cNvSpPr>
+          <p:nvPr>
+            <p:ph type="title"/>
+          </p:nvPr>
+        </p:nvSpPr>
+        <p:spPr/>
+        <p:txBody>
+          <a:bodyPr/>
+          <a:lstStyle/>
+          <a:p>
+            <a:r>
+              <a:rPr lang="en-US" dirty="0"/>
+              <a:t>STATS</a:t>
+            </a:r>
+          </a:p>
+        </p:txBody>
+      </p:sp>
+      <p:sp>
+        <p:nvSpPr>
+          <p:cNvPr id="3" name="Content Placeholder 2">
+            <a:extLst>
+              <a:ext uri="{FF2B5EF4-FFF2-40B4-BE49-F238E27FC236}">
+                <a16:creationId xmlns:a16="http://schemas.microsoft.com/office/drawing/2014/main" id="{8121A63E-863F-463B-85EA-DB4619122CFF}"/>
+              </a:ext>
+            </a:extLst>
+          </p:cNvPr>
+          <p:cNvSpPr>
+            <a:spLocks noGrp="1"/>
+          </p:cNvSpPr>
+          <p:nvPr>
+            <p:ph idx="1"/>
+          </p:nvPr>
+        </p:nvSpPr>
+        <p:spPr/>
+        <p:txBody>
+          <a:bodyPr/>
+          <a:lstStyle/>
+          <a:p>
+            <a:endParaRPr lang="en-US"/>
+          </a:p>
+        </p:txBody>
+      </p:sp>
+      <p:sp>
+        <p:nvSpPr>
+          <p:cNvPr id="4" name="Date Placeholder 3">
+            <a:extLst>
+              <a:ext uri="{FF2B5EF4-FFF2-40B4-BE49-F238E27FC236}">
+                <a16:creationId xmlns:a16="http://schemas.microsoft.com/office/drawing/2014/main" id="{E16A380E-0B0F-4BC2-923E-26A60084299E}"/>
+              </a:ext>
+            </a:extLst>
+          </p:cNvPr>
+          <p:cNvSpPr>
+            <a:spLocks noGrp="1"/>
+          </p:cNvSpPr>
+          <p:nvPr>
+            <p:ph type="dt" sz="half" idx="10"/>
+          </p:nvPr>
+        </p:nvSpPr>
+        <p:spPr/>
+        <p:txBody>
+          <a:bodyPr/>
+          <a:lstStyle/>
+          <a:p>
+            <a:fld id="{8AAE40A0-A7D8-4DC3-BC9E-BADA32DA2004}" type="datetime4">
+              <a:rPr lang="en-US" smtClean="0"/>
+              <a:t>July 7, 2019</a:t>
+            </a:fld>
+            <a:endParaRPr lang="en-US" dirty="0"/>
+          </a:p>
+        </p:txBody>
+      </p:sp>
+      <p:sp>
+        <p:nvSpPr>
+          <p:cNvPr id="5" name="Footer Placeholder 4">
+            <a:extLst>
+              <a:ext uri="{FF2B5EF4-FFF2-40B4-BE49-F238E27FC236}">
+                <a16:creationId xmlns:a16="http://schemas.microsoft.com/office/drawing/2014/main" id="{6368E7F1-5952-4CD5-928E-D5BD868DE63F}"/>
+              </a:ext>
+            </a:extLst>
+          </p:cNvPr>
+          <p:cNvSpPr>
+            <a:spLocks noGrp="1"/>
+          </p:cNvSpPr>
+          <p:nvPr>
+            <p:ph type="ftr" sz="quarter" idx="11"/>
+          </p:nvPr>
+        </p:nvSpPr>
+        <p:spPr/>
+        <p:txBody>
+          <a:bodyPr/>
+          <a:lstStyle/>
+          <a:p>
+            <a:r>
+              <a:rPr lang="en-US"/>
+              <a:t>Digital Scholarship Services </a:t>
+            </a:r>
+            <a:r>
+              <a:rPr lang="en-US">
+                <a:solidFill>
+                  <a:schemeClr val="accent1">
+                    <a:lumMod val="50000"/>
+                  </a:schemeClr>
+                </a:solidFill>
+              </a:rPr>
+              <a:t>| Email</a:t>
+            </a:r>
+            <a:r>
+              <a:rPr lang="en-US"/>
+              <a:t> cf24@rice.edu </a:t>
+            </a:r>
+            <a:r>
+              <a:rPr lang="en-US">
+                <a:solidFill>
+                  <a:schemeClr val="accent1">
+                    <a:lumMod val="50000"/>
+                  </a:schemeClr>
+                </a:solidFill>
+              </a:rPr>
+              <a:t>|</a:t>
+            </a:r>
+            <a:r>
+              <a:rPr lang="en-US"/>
+              <a:t> library.rice.edu/dss</a:t>
+            </a:r>
+            <a:endParaRPr lang="en-US" dirty="0"/>
+          </a:p>
+        </p:txBody>
+      </p:sp>
+      <p:sp>
+        <p:nvSpPr>
+          <p:cNvPr id="6" name="Slide Number Placeholder 5">
+            <a:extLst>
+              <a:ext uri="{FF2B5EF4-FFF2-40B4-BE49-F238E27FC236}">
+                <a16:creationId xmlns:a16="http://schemas.microsoft.com/office/drawing/2014/main" id="{8E3A041A-1824-4A4D-A98C-12CC6F5E7B9D}"/>
+              </a:ext>
+            </a:extLst>
+          </p:cNvPr>
+          <p:cNvSpPr>
+            <a:spLocks noGrp="1"/>
+          </p:cNvSpPr>
+          <p:nvPr>
+            <p:ph type="sldNum" sz="quarter" idx="12"/>
+          </p:nvPr>
+        </p:nvSpPr>
+        <p:spPr/>
+        <p:txBody>
+          <a:bodyPr/>
+          <a:lstStyle/>
+          <a:p>
+            <a:fld id="{D57F1E4F-1CFF-5643-939E-02111984F565}" type="slidenum">
+              <a:rPr lang="en-US" smtClean="0"/>
+              <a:t>37</a:t>
+            </a:fld>
+            <a:endParaRPr lang="en-US" dirty="0"/>
+          </a:p>
+        </p:txBody>
+      </p:sp>
+    </p:spTree>
+    <p:extLst>
+      <p:ext uri="{BB962C8B-B14F-4D97-AF65-F5344CB8AC3E}">
+        <p14:creationId xmlns:p14="http://schemas.microsoft.com/office/powerpoint/2010/main" val="2738704153"/>
+      </p:ext>
+    </p:extLst>
+  </p:cSld>
+  <p:clrMapOvr>
+    <a:masterClrMapping/>
+  </p:clrMapOvr>
+</p:sld>
+</file>
+
+<file path=ppt/slides/slide38.xml><?xml version="1.0" encoding="utf-8"?>
+<p:sld xmlns:a="http://schemas.openxmlformats.org/drawingml/2006/main" xmlns:r="http://schemas.openxmlformats.org/officeDocument/2006/relationships" xmlns:p="http://schemas.openxmlformats.org/presentationml/2006/main">
+  <p:cSld>
+    <p:spTree>
+      <p:nvGrpSpPr>
+        <p:cNvPr id="1" name=""/>
+        <p:cNvGrpSpPr/>
+        <p:nvPr/>
+      </p:nvGrpSpPr>
+      <p:grpSpPr>
+        <a:xfrm>
+          <a:off x="0" y="0"/>
+          <a:ext cx="0" cy="0"/>
+          <a:chOff x="0" y="0"/>
+          <a:chExt cx="0" cy="0"/>
+        </a:xfrm>
+      </p:grpSpPr>
+      <p:sp>
+        <p:nvSpPr>
+          <p:cNvPr id="2" name="Title 1">
+            <a:extLst>
+              <a:ext uri="{FF2B5EF4-FFF2-40B4-BE49-F238E27FC236}">
+                <a16:creationId xmlns:a16="http://schemas.microsoft.com/office/drawing/2014/main" id="{C0CB272F-7F81-477F-8457-DF92B499DBC9}"/>
+              </a:ext>
+            </a:extLst>
+          </p:cNvPr>
+          <p:cNvSpPr>
+            <a:spLocks noGrp="1"/>
+          </p:cNvSpPr>
+          <p:nvPr>
+            <p:ph type="title"/>
+          </p:nvPr>
+        </p:nvSpPr>
+        <p:spPr/>
+        <p:txBody>
+          <a:bodyPr/>
+          <a:lstStyle/>
+          <a:p>
+            <a:r>
+              <a:rPr lang="en-US" dirty="0"/>
+              <a:t>PLOTS (GEOMS)</a:t>
+            </a:r>
+          </a:p>
+        </p:txBody>
+      </p:sp>
+      <p:sp>
+        <p:nvSpPr>
+          <p:cNvPr id="3" name="Content Placeholder 2">
+            <a:extLst>
+              <a:ext uri="{FF2B5EF4-FFF2-40B4-BE49-F238E27FC236}">
+                <a16:creationId xmlns:a16="http://schemas.microsoft.com/office/drawing/2014/main" id="{6BC707E2-E3EA-4C43-9AA0-BE38BA10BAC3}"/>
+              </a:ext>
+            </a:extLst>
+          </p:cNvPr>
+          <p:cNvSpPr>
+            <a:spLocks noGrp="1"/>
+          </p:cNvSpPr>
+          <p:nvPr>
+            <p:ph idx="1"/>
+          </p:nvPr>
+        </p:nvSpPr>
+        <p:spPr/>
+        <p:txBody>
+          <a:bodyPr/>
+          <a:lstStyle/>
+          <a:p>
+            <a:endParaRPr lang="en-US"/>
+          </a:p>
+        </p:txBody>
+      </p:sp>
+      <p:sp>
+        <p:nvSpPr>
+          <p:cNvPr id="4" name="Date Placeholder 3">
+            <a:extLst>
+              <a:ext uri="{FF2B5EF4-FFF2-40B4-BE49-F238E27FC236}">
+                <a16:creationId xmlns:a16="http://schemas.microsoft.com/office/drawing/2014/main" id="{93CFF671-EF2F-4B41-B0DF-212711FF9111}"/>
+              </a:ext>
+            </a:extLst>
+          </p:cNvPr>
+          <p:cNvSpPr>
+            <a:spLocks noGrp="1"/>
+          </p:cNvSpPr>
+          <p:nvPr>
+            <p:ph type="dt" sz="half" idx="10"/>
+          </p:nvPr>
+        </p:nvSpPr>
+        <p:spPr/>
+        <p:txBody>
+          <a:bodyPr/>
+          <a:lstStyle/>
+          <a:p>
+            <a:fld id="{8AAE40A0-A7D8-4DC3-BC9E-BADA32DA2004}" type="datetime4">
+              <a:rPr lang="en-US" smtClean="0"/>
+              <a:t>July 7, 2019</a:t>
+            </a:fld>
+            <a:endParaRPr lang="en-US" dirty="0"/>
+          </a:p>
+        </p:txBody>
+      </p:sp>
+      <p:sp>
+        <p:nvSpPr>
+          <p:cNvPr id="5" name="Footer Placeholder 4">
+            <a:extLst>
+              <a:ext uri="{FF2B5EF4-FFF2-40B4-BE49-F238E27FC236}">
+                <a16:creationId xmlns:a16="http://schemas.microsoft.com/office/drawing/2014/main" id="{FE0384EA-9794-42B6-89F0-804EDF8F71F2}"/>
+              </a:ext>
+            </a:extLst>
+          </p:cNvPr>
+          <p:cNvSpPr>
+            <a:spLocks noGrp="1"/>
+          </p:cNvSpPr>
+          <p:nvPr>
+            <p:ph type="ftr" sz="quarter" idx="11"/>
+          </p:nvPr>
+        </p:nvSpPr>
+        <p:spPr/>
+        <p:txBody>
+          <a:bodyPr/>
+          <a:lstStyle/>
+          <a:p>
+            <a:r>
+              <a:rPr lang="en-US"/>
+              <a:t>Digital Scholarship Services </a:t>
+            </a:r>
+            <a:r>
+              <a:rPr lang="en-US">
+                <a:solidFill>
+                  <a:schemeClr val="accent1">
+                    <a:lumMod val="50000"/>
+                  </a:schemeClr>
+                </a:solidFill>
+              </a:rPr>
+              <a:t>| Email</a:t>
+            </a:r>
+            <a:r>
+              <a:rPr lang="en-US"/>
+              <a:t> cf24@rice.edu </a:t>
+            </a:r>
+            <a:r>
+              <a:rPr lang="en-US">
+                <a:solidFill>
+                  <a:schemeClr val="accent1">
+                    <a:lumMod val="50000"/>
+                  </a:schemeClr>
+                </a:solidFill>
+              </a:rPr>
+              <a:t>|</a:t>
+            </a:r>
+            <a:r>
+              <a:rPr lang="en-US"/>
+              <a:t> library.rice.edu/dss</a:t>
+            </a:r>
+            <a:endParaRPr lang="en-US" dirty="0"/>
+          </a:p>
+        </p:txBody>
+      </p:sp>
+      <p:sp>
+        <p:nvSpPr>
+          <p:cNvPr id="6" name="Slide Number Placeholder 5">
+            <a:extLst>
+              <a:ext uri="{FF2B5EF4-FFF2-40B4-BE49-F238E27FC236}">
+                <a16:creationId xmlns:a16="http://schemas.microsoft.com/office/drawing/2014/main" id="{F7D9DA6F-0E92-4216-B0CA-EB20441D3903}"/>
+              </a:ext>
+            </a:extLst>
+          </p:cNvPr>
+          <p:cNvSpPr>
+            <a:spLocks noGrp="1"/>
+          </p:cNvSpPr>
+          <p:nvPr>
+            <p:ph type="sldNum" sz="quarter" idx="12"/>
+          </p:nvPr>
+        </p:nvSpPr>
+        <p:spPr/>
+        <p:txBody>
+          <a:bodyPr/>
+          <a:lstStyle/>
+          <a:p>
+            <a:fld id="{D57F1E4F-1CFF-5643-939E-02111984F565}" type="slidenum">
+              <a:rPr lang="en-US" smtClean="0"/>
+              <a:t>38</a:t>
+            </a:fld>
+            <a:endParaRPr lang="en-US" dirty="0"/>
+          </a:p>
+        </p:txBody>
+      </p:sp>
+    </p:spTree>
+    <p:extLst>
+      <p:ext uri="{BB962C8B-B14F-4D97-AF65-F5344CB8AC3E}">
+        <p14:creationId xmlns:p14="http://schemas.microsoft.com/office/powerpoint/2010/main" val="3534530202"/>
+      </p:ext>
+    </p:extLst>
+  </p:cSld>
+  <p:clrMapOvr>
+    <a:masterClrMapping/>
+  </p:clrMapOvr>
+</p:sld>
+</file>
+
+<file path=ppt/slides/slide39.xml><?xml version="1.0" encoding="utf-8"?>
+<p:sld xmlns:a="http://schemas.openxmlformats.org/drawingml/2006/main" xmlns:r="http://schemas.openxmlformats.org/officeDocument/2006/relationships" xmlns:p="http://schemas.openxmlformats.org/presentationml/2006/main">
+  <p:cSld>
+    <p:spTree>
+      <p:nvGrpSpPr>
+        <p:cNvPr id="1" name=""/>
+        <p:cNvGrpSpPr/>
+        <p:nvPr/>
+      </p:nvGrpSpPr>
+      <p:grpSpPr>
+        <a:xfrm>
+          <a:off x="0" y="0"/>
+          <a:ext cx="0" cy="0"/>
+          <a:chOff x="0" y="0"/>
+          <a:chExt cx="0" cy="0"/>
+        </a:xfrm>
+      </p:grpSpPr>
+      <p:sp>
+        <p:nvSpPr>
+          <p:cNvPr id="2" name="Title 1">
+            <a:extLst>
+              <a:ext uri="{FF2B5EF4-FFF2-40B4-BE49-F238E27FC236}">
+                <a16:creationId xmlns:a16="http://schemas.microsoft.com/office/drawing/2014/main" id="{C0CB272F-7F81-477F-8457-DF92B499DBC9}"/>
+              </a:ext>
+            </a:extLst>
+          </p:cNvPr>
+          <p:cNvSpPr>
+            <a:spLocks noGrp="1"/>
+          </p:cNvSpPr>
+          <p:nvPr>
+            <p:ph type="title"/>
+          </p:nvPr>
+        </p:nvSpPr>
+        <p:spPr/>
+        <p:txBody>
+          <a:bodyPr/>
+          <a:lstStyle/>
+          <a:p>
+            <a:r>
+              <a:rPr lang="en-US" dirty="0"/>
+              <a:t>PLOTS (GEOMS): POINTS</a:t>
+            </a:r>
+          </a:p>
+        </p:txBody>
+      </p:sp>
+      <p:sp>
+        <p:nvSpPr>
+          <p:cNvPr id="3" name="Content Placeholder 2">
+            <a:extLst>
+              <a:ext uri="{FF2B5EF4-FFF2-40B4-BE49-F238E27FC236}">
+                <a16:creationId xmlns:a16="http://schemas.microsoft.com/office/drawing/2014/main" id="{6BC707E2-E3EA-4C43-9AA0-BE38BA10BAC3}"/>
+              </a:ext>
+            </a:extLst>
+          </p:cNvPr>
+          <p:cNvSpPr>
+            <a:spLocks noGrp="1"/>
+          </p:cNvSpPr>
+          <p:nvPr>
+            <p:ph idx="1"/>
+          </p:nvPr>
+        </p:nvSpPr>
+        <p:spPr/>
+        <p:txBody>
+          <a:bodyPr/>
+          <a:lstStyle/>
+          <a:p>
+            <a:endParaRPr lang="en-US"/>
+          </a:p>
+        </p:txBody>
+      </p:sp>
+      <p:sp>
+        <p:nvSpPr>
+          <p:cNvPr id="4" name="Date Placeholder 3">
+            <a:extLst>
+              <a:ext uri="{FF2B5EF4-FFF2-40B4-BE49-F238E27FC236}">
+                <a16:creationId xmlns:a16="http://schemas.microsoft.com/office/drawing/2014/main" id="{93CFF671-EF2F-4B41-B0DF-212711FF9111}"/>
+              </a:ext>
+            </a:extLst>
+          </p:cNvPr>
+          <p:cNvSpPr>
+            <a:spLocks noGrp="1"/>
+          </p:cNvSpPr>
+          <p:nvPr>
+            <p:ph type="dt" sz="half" idx="10"/>
+          </p:nvPr>
+        </p:nvSpPr>
+        <p:spPr/>
+        <p:txBody>
+          <a:bodyPr/>
+          <a:lstStyle/>
+          <a:p>
+            <a:fld id="{8AAE40A0-A7D8-4DC3-BC9E-BADA32DA2004}" type="datetime4">
+              <a:rPr lang="en-US" smtClean="0"/>
+              <a:t>July 7, 2019</a:t>
+            </a:fld>
+            <a:endParaRPr lang="en-US" dirty="0"/>
+          </a:p>
+        </p:txBody>
+      </p:sp>
+      <p:sp>
+        <p:nvSpPr>
+          <p:cNvPr id="5" name="Footer Placeholder 4">
+            <a:extLst>
+              <a:ext uri="{FF2B5EF4-FFF2-40B4-BE49-F238E27FC236}">
+                <a16:creationId xmlns:a16="http://schemas.microsoft.com/office/drawing/2014/main" id="{FE0384EA-9794-42B6-89F0-804EDF8F71F2}"/>
+              </a:ext>
+            </a:extLst>
+          </p:cNvPr>
+          <p:cNvSpPr>
+            <a:spLocks noGrp="1"/>
+          </p:cNvSpPr>
+          <p:nvPr>
+            <p:ph type="ftr" sz="quarter" idx="11"/>
+          </p:nvPr>
+        </p:nvSpPr>
+        <p:spPr/>
+        <p:txBody>
+          <a:bodyPr/>
+          <a:lstStyle/>
+          <a:p>
+            <a:r>
+              <a:rPr lang="en-US"/>
+              <a:t>Digital Scholarship Services </a:t>
+            </a:r>
+            <a:r>
+              <a:rPr lang="en-US">
+                <a:solidFill>
+                  <a:schemeClr val="accent1">
+                    <a:lumMod val="50000"/>
+                  </a:schemeClr>
+                </a:solidFill>
+              </a:rPr>
+              <a:t>| Email</a:t>
+            </a:r>
+            <a:r>
+              <a:rPr lang="en-US"/>
+              <a:t> cf24@rice.edu </a:t>
+            </a:r>
+            <a:r>
+              <a:rPr lang="en-US">
+                <a:solidFill>
+                  <a:schemeClr val="accent1">
+                    <a:lumMod val="50000"/>
+                  </a:schemeClr>
+                </a:solidFill>
+              </a:rPr>
+              <a:t>|</a:t>
+            </a:r>
+            <a:r>
+              <a:rPr lang="en-US"/>
+              <a:t> library.rice.edu/dss</a:t>
+            </a:r>
+            <a:endParaRPr lang="en-US" dirty="0"/>
+          </a:p>
+        </p:txBody>
+      </p:sp>
+      <p:sp>
+        <p:nvSpPr>
+          <p:cNvPr id="6" name="Slide Number Placeholder 5">
+            <a:extLst>
+              <a:ext uri="{FF2B5EF4-FFF2-40B4-BE49-F238E27FC236}">
+                <a16:creationId xmlns:a16="http://schemas.microsoft.com/office/drawing/2014/main" id="{F7D9DA6F-0E92-4216-B0CA-EB20441D3903}"/>
+              </a:ext>
+            </a:extLst>
+          </p:cNvPr>
+          <p:cNvSpPr>
+            <a:spLocks noGrp="1"/>
+          </p:cNvSpPr>
+          <p:nvPr>
+            <p:ph type="sldNum" sz="quarter" idx="12"/>
+          </p:nvPr>
+        </p:nvSpPr>
+        <p:spPr/>
+        <p:txBody>
+          <a:bodyPr/>
+          <a:lstStyle/>
+          <a:p>
+            <a:fld id="{D57F1E4F-1CFF-5643-939E-02111984F565}" type="slidenum">
+              <a:rPr lang="en-US" smtClean="0"/>
+              <a:t>39</a:t>
+            </a:fld>
+            <a:endParaRPr lang="en-US" dirty="0"/>
+          </a:p>
+        </p:txBody>
+      </p:sp>
+    </p:spTree>
+    <p:extLst>
+      <p:ext uri="{BB962C8B-B14F-4D97-AF65-F5344CB8AC3E}">
+        <p14:creationId xmlns:p14="http://schemas.microsoft.com/office/powerpoint/2010/main" val="1599416469"/>
       </p:ext>
     </p:extLst>
   </p:cSld>
@@ -12679,6 +14992,2021 @@
     <p:extLst>
       <p:ext uri="{BB962C8B-B14F-4D97-AF65-F5344CB8AC3E}">
         <p14:creationId xmlns:p14="http://schemas.microsoft.com/office/powerpoint/2010/main" val="129918219"/>
+      </p:ext>
+    </p:extLst>
+  </p:cSld>
+  <p:clrMapOvr>
+    <a:masterClrMapping/>
+  </p:clrMapOvr>
+</p:sld>
+</file>
+
+<file path=ppt/slides/slide40.xml><?xml version="1.0" encoding="utf-8"?>
+<p:sld xmlns:a="http://schemas.openxmlformats.org/drawingml/2006/main" xmlns:r="http://schemas.openxmlformats.org/officeDocument/2006/relationships" xmlns:p="http://schemas.openxmlformats.org/presentationml/2006/main">
+  <p:cSld>
+    <p:spTree>
+      <p:nvGrpSpPr>
+        <p:cNvPr id="1" name=""/>
+        <p:cNvGrpSpPr/>
+        <p:nvPr/>
+      </p:nvGrpSpPr>
+      <p:grpSpPr>
+        <a:xfrm>
+          <a:off x="0" y="0"/>
+          <a:ext cx="0" cy="0"/>
+          <a:chOff x="0" y="0"/>
+          <a:chExt cx="0" cy="0"/>
+        </a:xfrm>
+      </p:grpSpPr>
+      <p:sp>
+        <p:nvSpPr>
+          <p:cNvPr id="2" name="Title 1">
+            <a:extLst>
+              <a:ext uri="{FF2B5EF4-FFF2-40B4-BE49-F238E27FC236}">
+                <a16:creationId xmlns:a16="http://schemas.microsoft.com/office/drawing/2014/main" id="{C0CB272F-7F81-477F-8457-DF92B499DBC9}"/>
+              </a:ext>
+            </a:extLst>
+          </p:cNvPr>
+          <p:cNvSpPr>
+            <a:spLocks noGrp="1"/>
+          </p:cNvSpPr>
+          <p:nvPr>
+            <p:ph type="title"/>
+          </p:nvPr>
+        </p:nvSpPr>
+        <p:spPr/>
+        <p:txBody>
+          <a:bodyPr/>
+          <a:lstStyle/>
+          <a:p>
+            <a:r>
+              <a:rPr lang="en-US" dirty="0"/>
+              <a:t>PLOTS (GEOMS): BOXPLOTS</a:t>
+            </a:r>
+          </a:p>
+        </p:txBody>
+      </p:sp>
+      <p:sp>
+        <p:nvSpPr>
+          <p:cNvPr id="3" name="Content Placeholder 2">
+            <a:extLst>
+              <a:ext uri="{FF2B5EF4-FFF2-40B4-BE49-F238E27FC236}">
+                <a16:creationId xmlns:a16="http://schemas.microsoft.com/office/drawing/2014/main" id="{6BC707E2-E3EA-4C43-9AA0-BE38BA10BAC3}"/>
+              </a:ext>
+            </a:extLst>
+          </p:cNvPr>
+          <p:cNvSpPr>
+            <a:spLocks noGrp="1"/>
+          </p:cNvSpPr>
+          <p:nvPr>
+            <p:ph idx="1"/>
+          </p:nvPr>
+        </p:nvSpPr>
+        <p:spPr/>
+        <p:txBody>
+          <a:bodyPr/>
+          <a:lstStyle/>
+          <a:p>
+            <a:endParaRPr lang="en-US"/>
+          </a:p>
+        </p:txBody>
+      </p:sp>
+      <p:sp>
+        <p:nvSpPr>
+          <p:cNvPr id="4" name="Date Placeholder 3">
+            <a:extLst>
+              <a:ext uri="{FF2B5EF4-FFF2-40B4-BE49-F238E27FC236}">
+                <a16:creationId xmlns:a16="http://schemas.microsoft.com/office/drawing/2014/main" id="{93CFF671-EF2F-4B41-B0DF-212711FF9111}"/>
+              </a:ext>
+            </a:extLst>
+          </p:cNvPr>
+          <p:cNvSpPr>
+            <a:spLocks noGrp="1"/>
+          </p:cNvSpPr>
+          <p:nvPr>
+            <p:ph type="dt" sz="half" idx="10"/>
+          </p:nvPr>
+        </p:nvSpPr>
+        <p:spPr/>
+        <p:txBody>
+          <a:bodyPr/>
+          <a:lstStyle/>
+          <a:p>
+            <a:fld id="{8AAE40A0-A7D8-4DC3-BC9E-BADA32DA2004}" type="datetime4">
+              <a:rPr lang="en-US" smtClean="0"/>
+              <a:t>July 7, 2019</a:t>
+            </a:fld>
+            <a:endParaRPr lang="en-US" dirty="0"/>
+          </a:p>
+        </p:txBody>
+      </p:sp>
+      <p:sp>
+        <p:nvSpPr>
+          <p:cNvPr id="5" name="Footer Placeholder 4">
+            <a:extLst>
+              <a:ext uri="{FF2B5EF4-FFF2-40B4-BE49-F238E27FC236}">
+                <a16:creationId xmlns:a16="http://schemas.microsoft.com/office/drawing/2014/main" id="{FE0384EA-9794-42B6-89F0-804EDF8F71F2}"/>
+              </a:ext>
+            </a:extLst>
+          </p:cNvPr>
+          <p:cNvSpPr>
+            <a:spLocks noGrp="1"/>
+          </p:cNvSpPr>
+          <p:nvPr>
+            <p:ph type="ftr" sz="quarter" idx="11"/>
+          </p:nvPr>
+        </p:nvSpPr>
+        <p:spPr/>
+        <p:txBody>
+          <a:bodyPr/>
+          <a:lstStyle/>
+          <a:p>
+            <a:r>
+              <a:rPr lang="en-US"/>
+              <a:t>Digital Scholarship Services </a:t>
+            </a:r>
+            <a:r>
+              <a:rPr lang="en-US">
+                <a:solidFill>
+                  <a:schemeClr val="accent1">
+                    <a:lumMod val="50000"/>
+                  </a:schemeClr>
+                </a:solidFill>
+              </a:rPr>
+              <a:t>| Email</a:t>
+            </a:r>
+            <a:r>
+              <a:rPr lang="en-US"/>
+              <a:t> cf24@rice.edu </a:t>
+            </a:r>
+            <a:r>
+              <a:rPr lang="en-US">
+                <a:solidFill>
+                  <a:schemeClr val="accent1">
+                    <a:lumMod val="50000"/>
+                  </a:schemeClr>
+                </a:solidFill>
+              </a:rPr>
+              <a:t>|</a:t>
+            </a:r>
+            <a:r>
+              <a:rPr lang="en-US"/>
+              <a:t> library.rice.edu/dss</a:t>
+            </a:r>
+            <a:endParaRPr lang="en-US" dirty="0"/>
+          </a:p>
+        </p:txBody>
+      </p:sp>
+      <p:sp>
+        <p:nvSpPr>
+          <p:cNvPr id="6" name="Slide Number Placeholder 5">
+            <a:extLst>
+              <a:ext uri="{FF2B5EF4-FFF2-40B4-BE49-F238E27FC236}">
+                <a16:creationId xmlns:a16="http://schemas.microsoft.com/office/drawing/2014/main" id="{F7D9DA6F-0E92-4216-B0CA-EB20441D3903}"/>
+              </a:ext>
+            </a:extLst>
+          </p:cNvPr>
+          <p:cNvSpPr>
+            <a:spLocks noGrp="1"/>
+          </p:cNvSpPr>
+          <p:nvPr>
+            <p:ph type="sldNum" sz="quarter" idx="12"/>
+          </p:nvPr>
+        </p:nvSpPr>
+        <p:spPr/>
+        <p:txBody>
+          <a:bodyPr/>
+          <a:lstStyle/>
+          <a:p>
+            <a:fld id="{D57F1E4F-1CFF-5643-939E-02111984F565}" type="slidenum">
+              <a:rPr lang="en-US" smtClean="0"/>
+              <a:t>40</a:t>
+            </a:fld>
+            <a:endParaRPr lang="en-US" dirty="0"/>
+          </a:p>
+        </p:txBody>
+      </p:sp>
+    </p:spTree>
+    <p:extLst>
+      <p:ext uri="{BB962C8B-B14F-4D97-AF65-F5344CB8AC3E}">
+        <p14:creationId xmlns:p14="http://schemas.microsoft.com/office/powerpoint/2010/main" val="2013860168"/>
+      </p:ext>
+    </p:extLst>
+  </p:cSld>
+  <p:clrMapOvr>
+    <a:masterClrMapping/>
+  </p:clrMapOvr>
+</p:sld>
+</file>
+
+<file path=ppt/slides/slide41.xml><?xml version="1.0" encoding="utf-8"?>
+<p:sld xmlns:a="http://schemas.openxmlformats.org/drawingml/2006/main" xmlns:r="http://schemas.openxmlformats.org/officeDocument/2006/relationships" xmlns:p="http://schemas.openxmlformats.org/presentationml/2006/main">
+  <p:cSld>
+    <p:spTree>
+      <p:nvGrpSpPr>
+        <p:cNvPr id="1" name=""/>
+        <p:cNvGrpSpPr/>
+        <p:nvPr/>
+      </p:nvGrpSpPr>
+      <p:grpSpPr>
+        <a:xfrm>
+          <a:off x="0" y="0"/>
+          <a:ext cx="0" cy="0"/>
+          <a:chOff x="0" y="0"/>
+          <a:chExt cx="0" cy="0"/>
+        </a:xfrm>
+      </p:grpSpPr>
+      <p:sp>
+        <p:nvSpPr>
+          <p:cNvPr id="2" name="Title 1">
+            <a:extLst>
+              <a:ext uri="{FF2B5EF4-FFF2-40B4-BE49-F238E27FC236}">
+                <a16:creationId xmlns:a16="http://schemas.microsoft.com/office/drawing/2014/main" id="{90949A2E-AE39-4CCA-B55F-42F285F22D3C}"/>
+              </a:ext>
+            </a:extLst>
+          </p:cNvPr>
+          <p:cNvSpPr>
+            <a:spLocks noGrp="1"/>
+          </p:cNvSpPr>
+          <p:nvPr>
+            <p:ph type="title"/>
+          </p:nvPr>
+        </p:nvSpPr>
+        <p:spPr/>
+        <p:txBody>
+          <a:bodyPr/>
+          <a:lstStyle/>
+          <a:p>
+            <a:r>
+              <a:rPr lang="en-US" dirty="0"/>
+              <a:t>PLOTS (GEOMS): HISTOGRAMS</a:t>
+            </a:r>
+          </a:p>
+        </p:txBody>
+      </p:sp>
+      <p:sp>
+        <p:nvSpPr>
+          <p:cNvPr id="3" name="Content Placeholder 2">
+            <a:extLst>
+              <a:ext uri="{FF2B5EF4-FFF2-40B4-BE49-F238E27FC236}">
+                <a16:creationId xmlns:a16="http://schemas.microsoft.com/office/drawing/2014/main" id="{0F728FFC-928C-48A4-B460-584EF7C0D4FF}"/>
+              </a:ext>
+            </a:extLst>
+          </p:cNvPr>
+          <p:cNvSpPr>
+            <a:spLocks noGrp="1"/>
+          </p:cNvSpPr>
+          <p:nvPr>
+            <p:ph idx="1"/>
+          </p:nvPr>
+        </p:nvSpPr>
+        <p:spPr/>
+        <p:txBody>
+          <a:bodyPr/>
+          <a:lstStyle/>
+          <a:p>
+            <a:endParaRPr lang="en-US"/>
+          </a:p>
+        </p:txBody>
+      </p:sp>
+      <p:sp>
+        <p:nvSpPr>
+          <p:cNvPr id="4" name="Date Placeholder 3">
+            <a:extLst>
+              <a:ext uri="{FF2B5EF4-FFF2-40B4-BE49-F238E27FC236}">
+                <a16:creationId xmlns:a16="http://schemas.microsoft.com/office/drawing/2014/main" id="{795AF78F-96EA-4231-BDDD-33FC0179AD3B}"/>
+              </a:ext>
+            </a:extLst>
+          </p:cNvPr>
+          <p:cNvSpPr>
+            <a:spLocks noGrp="1"/>
+          </p:cNvSpPr>
+          <p:nvPr>
+            <p:ph type="dt" sz="half" idx="10"/>
+          </p:nvPr>
+        </p:nvSpPr>
+        <p:spPr/>
+        <p:txBody>
+          <a:bodyPr/>
+          <a:lstStyle/>
+          <a:p>
+            <a:fld id="{8AAE40A0-A7D8-4DC3-BC9E-BADA32DA2004}" type="datetime4">
+              <a:rPr lang="en-US" smtClean="0"/>
+              <a:t>July 7, 2019</a:t>
+            </a:fld>
+            <a:endParaRPr lang="en-US" dirty="0"/>
+          </a:p>
+        </p:txBody>
+      </p:sp>
+      <p:sp>
+        <p:nvSpPr>
+          <p:cNvPr id="5" name="Footer Placeholder 4">
+            <a:extLst>
+              <a:ext uri="{FF2B5EF4-FFF2-40B4-BE49-F238E27FC236}">
+                <a16:creationId xmlns:a16="http://schemas.microsoft.com/office/drawing/2014/main" id="{45E5161D-777B-4BBE-81D2-EB323B42B75A}"/>
+              </a:ext>
+            </a:extLst>
+          </p:cNvPr>
+          <p:cNvSpPr>
+            <a:spLocks noGrp="1"/>
+          </p:cNvSpPr>
+          <p:nvPr>
+            <p:ph type="ftr" sz="quarter" idx="11"/>
+          </p:nvPr>
+        </p:nvSpPr>
+        <p:spPr/>
+        <p:txBody>
+          <a:bodyPr/>
+          <a:lstStyle/>
+          <a:p>
+            <a:r>
+              <a:rPr lang="en-US"/>
+              <a:t>Digital Scholarship Services </a:t>
+            </a:r>
+            <a:r>
+              <a:rPr lang="en-US">
+                <a:solidFill>
+                  <a:schemeClr val="accent1">
+                    <a:lumMod val="50000"/>
+                  </a:schemeClr>
+                </a:solidFill>
+              </a:rPr>
+              <a:t>| Email</a:t>
+            </a:r>
+            <a:r>
+              <a:rPr lang="en-US"/>
+              <a:t> cf24@rice.edu </a:t>
+            </a:r>
+            <a:r>
+              <a:rPr lang="en-US">
+                <a:solidFill>
+                  <a:schemeClr val="accent1">
+                    <a:lumMod val="50000"/>
+                  </a:schemeClr>
+                </a:solidFill>
+              </a:rPr>
+              <a:t>|</a:t>
+            </a:r>
+            <a:r>
+              <a:rPr lang="en-US"/>
+              <a:t> library.rice.edu/dss</a:t>
+            </a:r>
+            <a:endParaRPr lang="en-US" dirty="0"/>
+          </a:p>
+        </p:txBody>
+      </p:sp>
+      <p:sp>
+        <p:nvSpPr>
+          <p:cNvPr id="6" name="Slide Number Placeholder 5">
+            <a:extLst>
+              <a:ext uri="{FF2B5EF4-FFF2-40B4-BE49-F238E27FC236}">
+                <a16:creationId xmlns:a16="http://schemas.microsoft.com/office/drawing/2014/main" id="{80D8E905-9CD6-41B2-BD6F-90D8CCFE1537}"/>
+              </a:ext>
+            </a:extLst>
+          </p:cNvPr>
+          <p:cNvSpPr>
+            <a:spLocks noGrp="1"/>
+          </p:cNvSpPr>
+          <p:nvPr>
+            <p:ph type="sldNum" sz="quarter" idx="12"/>
+          </p:nvPr>
+        </p:nvSpPr>
+        <p:spPr/>
+        <p:txBody>
+          <a:bodyPr/>
+          <a:lstStyle/>
+          <a:p>
+            <a:fld id="{D57F1E4F-1CFF-5643-939E-02111984F565}" type="slidenum">
+              <a:rPr lang="en-US" smtClean="0"/>
+              <a:t>41</a:t>
+            </a:fld>
+            <a:endParaRPr lang="en-US" dirty="0"/>
+          </a:p>
+        </p:txBody>
+      </p:sp>
+    </p:spTree>
+    <p:extLst>
+      <p:ext uri="{BB962C8B-B14F-4D97-AF65-F5344CB8AC3E}">
+        <p14:creationId xmlns:p14="http://schemas.microsoft.com/office/powerpoint/2010/main" val="2340260443"/>
+      </p:ext>
+    </p:extLst>
+  </p:cSld>
+  <p:clrMapOvr>
+    <a:masterClrMapping/>
+  </p:clrMapOvr>
+</p:sld>
+</file>
+
+<file path=ppt/slides/slide42.xml><?xml version="1.0" encoding="utf-8"?>
+<p:sld xmlns:a="http://schemas.openxmlformats.org/drawingml/2006/main" xmlns:r="http://schemas.openxmlformats.org/officeDocument/2006/relationships" xmlns:p="http://schemas.openxmlformats.org/presentationml/2006/main">
+  <p:cSld>
+    <p:spTree>
+      <p:nvGrpSpPr>
+        <p:cNvPr id="1" name=""/>
+        <p:cNvGrpSpPr/>
+        <p:nvPr/>
+      </p:nvGrpSpPr>
+      <p:grpSpPr>
+        <a:xfrm>
+          <a:off x="0" y="0"/>
+          <a:ext cx="0" cy="0"/>
+          <a:chOff x="0" y="0"/>
+          <a:chExt cx="0" cy="0"/>
+        </a:xfrm>
+      </p:grpSpPr>
+      <p:sp>
+        <p:nvSpPr>
+          <p:cNvPr id="2" name="Title 1">
+            <a:extLst>
+              <a:ext uri="{FF2B5EF4-FFF2-40B4-BE49-F238E27FC236}">
+                <a16:creationId xmlns:a16="http://schemas.microsoft.com/office/drawing/2014/main" id="{C0CB272F-7F81-477F-8457-DF92B499DBC9}"/>
+              </a:ext>
+            </a:extLst>
+          </p:cNvPr>
+          <p:cNvSpPr>
+            <a:spLocks noGrp="1"/>
+          </p:cNvSpPr>
+          <p:nvPr>
+            <p:ph type="title"/>
+          </p:nvPr>
+        </p:nvSpPr>
+        <p:spPr/>
+        <p:txBody>
+          <a:bodyPr/>
+          <a:lstStyle/>
+          <a:p>
+            <a:r>
+              <a:rPr lang="en-US" dirty="0"/>
+              <a:t>FACETS</a:t>
+            </a:r>
+          </a:p>
+        </p:txBody>
+      </p:sp>
+      <p:sp>
+        <p:nvSpPr>
+          <p:cNvPr id="3" name="Content Placeholder 2">
+            <a:extLst>
+              <a:ext uri="{FF2B5EF4-FFF2-40B4-BE49-F238E27FC236}">
+                <a16:creationId xmlns:a16="http://schemas.microsoft.com/office/drawing/2014/main" id="{6BC707E2-E3EA-4C43-9AA0-BE38BA10BAC3}"/>
+              </a:ext>
+            </a:extLst>
+          </p:cNvPr>
+          <p:cNvSpPr>
+            <a:spLocks noGrp="1"/>
+          </p:cNvSpPr>
+          <p:nvPr>
+            <p:ph idx="1"/>
+          </p:nvPr>
+        </p:nvSpPr>
+        <p:spPr/>
+        <p:txBody>
+          <a:bodyPr/>
+          <a:lstStyle/>
+          <a:p>
+            <a:endParaRPr lang="en-US"/>
+          </a:p>
+        </p:txBody>
+      </p:sp>
+      <p:sp>
+        <p:nvSpPr>
+          <p:cNvPr id="4" name="Date Placeholder 3">
+            <a:extLst>
+              <a:ext uri="{FF2B5EF4-FFF2-40B4-BE49-F238E27FC236}">
+                <a16:creationId xmlns:a16="http://schemas.microsoft.com/office/drawing/2014/main" id="{93CFF671-EF2F-4B41-B0DF-212711FF9111}"/>
+              </a:ext>
+            </a:extLst>
+          </p:cNvPr>
+          <p:cNvSpPr>
+            <a:spLocks noGrp="1"/>
+          </p:cNvSpPr>
+          <p:nvPr>
+            <p:ph type="dt" sz="half" idx="10"/>
+          </p:nvPr>
+        </p:nvSpPr>
+        <p:spPr/>
+        <p:txBody>
+          <a:bodyPr/>
+          <a:lstStyle/>
+          <a:p>
+            <a:fld id="{8AAE40A0-A7D8-4DC3-BC9E-BADA32DA2004}" type="datetime4">
+              <a:rPr lang="en-US" smtClean="0"/>
+              <a:t>July 7, 2019</a:t>
+            </a:fld>
+            <a:endParaRPr lang="en-US" dirty="0"/>
+          </a:p>
+        </p:txBody>
+      </p:sp>
+      <p:sp>
+        <p:nvSpPr>
+          <p:cNvPr id="5" name="Footer Placeholder 4">
+            <a:extLst>
+              <a:ext uri="{FF2B5EF4-FFF2-40B4-BE49-F238E27FC236}">
+                <a16:creationId xmlns:a16="http://schemas.microsoft.com/office/drawing/2014/main" id="{FE0384EA-9794-42B6-89F0-804EDF8F71F2}"/>
+              </a:ext>
+            </a:extLst>
+          </p:cNvPr>
+          <p:cNvSpPr>
+            <a:spLocks noGrp="1"/>
+          </p:cNvSpPr>
+          <p:nvPr>
+            <p:ph type="ftr" sz="quarter" idx="11"/>
+          </p:nvPr>
+        </p:nvSpPr>
+        <p:spPr/>
+        <p:txBody>
+          <a:bodyPr/>
+          <a:lstStyle/>
+          <a:p>
+            <a:r>
+              <a:rPr lang="en-US"/>
+              <a:t>Digital Scholarship Services </a:t>
+            </a:r>
+            <a:r>
+              <a:rPr lang="en-US">
+                <a:solidFill>
+                  <a:schemeClr val="accent1">
+                    <a:lumMod val="50000"/>
+                  </a:schemeClr>
+                </a:solidFill>
+              </a:rPr>
+              <a:t>| Email</a:t>
+            </a:r>
+            <a:r>
+              <a:rPr lang="en-US"/>
+              <a:t> cf24@rice.edu </a:t>
+            </a:r>
+            <a:r>
+              <a:rPr lang="en-US">
+                <a:solidFill>
+                  <a:schemeClr val="accent1">
+                    <a:lumMod val="50000"/>
+                  </a:schemeClr>
+                </a:solidFill>
+              </a:rPr>
+              <a:t>|</a:t>
+            </a:r>
+            <a:r>
+              <a:rPr lang="en-US"/>
+              <a:t> library.rice.edu/dss</a:t>
+            </a:r>
+            <a:endParaRPr lang="en-US" dirty="0"/>
+          </a:p>
+        </p:txBody>
+      </p:sp>
+      <p:sp>
+        <p:nvSpPr>
+          <p:cNvPr id="6" name="Slide Number Placeholder 5">
+            <a:extLst>
+              <a:ext uri="{FF2B5EF4-FFF2-40B4-BE49-F238E27FC236}">
+                <a16:creationId xmlns:a16="http://schemas.microsoft.com/office/drawing/2014/main" id="{F7D9DA6F-0E92-4216-B0CA-EB20441D3903}"/>
+              </a:ext>
+            </a:extLst>
+          </p:cNvPr>
+          <p:cNvSpPr>
+            <a:spLocks noGrp="1"/>
+          </p:cNvSpPr>
+          <p:nvPr>
+            <p:ph type="sldNum" sz="quarter" idx="12"/>
+          </p:nvPr>
+        </p:nvSpPr>
+        <p:spPr/>
+        <p:txBody>
+          <a:bodyPr/>
+          <a:lstStyle/>
+          <a:p>
+            <a:fld id="{D57F1E4F-1CFF-5643-939E-02111984F565}" type="slidenum">
+              <a:rPr lang="en-US" smtClean="0"/>
+              <a:t>42</a:t>
+            </a:fld>
+            <a:endParaRPr lang="en-US" dirty="0"/>
+          </a:p>
+        </p:txBody>
+      </p:sp>
+    </p:spTree>
+    <p:extLst>
+      <p:ext uri="{BB962C8B-B14F-4D97-AF65-F5344CB8AC3E}">
+        <p14:creationId xmlns:p14="http://schemas.microsoft.com/office/powerpoint/2010/main" val="964372467"/>
+      </p:ext>
+    </p:extLst>
+  </p:cSld>
+  <p:clrMapOvr>
+    <a:masterClrMapping/>
+  </p:clrMapOvr>
+</p:sld>
+</file>
+
+<file path=ppt/slides/slide43.xml><?xml version="1.0" encoding="utf-8"?>
+<p:sld xmlns:a="http://schemas.openxmlformats.org/drawingml/2006/main" xmlns:r="http://schemas.openxmlformats.org/officeDocument/2006/relationships" xmlns:p="http://schemas.openxmlformats.org/presentationml/2006/main">
+  <p:cSld>
+    <p:spTree>
+      <p:nvGrpSpPr>
+        <p:cNvPr id="1" name=""/>
+        <p:cNvGrpSpPr/>
+        <p:nvPr/>
+      </p:nvGrpSpPr>
+      <p:grpSpPr>
+        <a:xfrm>
+          <a:off x="0" y="0"/>
+          <a:ext cx="0" cy="0"/>
+          <a:chOff x="0" y="0"/>
+          <a:chExt cx="0" cy="0"/>
+        </a:xfrm>
+      </p:grpSpPr>
+      <p:sp>
+        <p:nvSpPr>
+          <p:cNvPr id="2" name="Title 1">
+            <a:extLst>
+              <a:ext uri="{FF2B5EF4-FFF2-40B4-BE49-F238E27FC236}">
+                <a16:creationId xmlns:a16="http://schemas.microsoft.com/office/drawing/2014/main" id="{E850068E-C01E-4BED-AF24-C2E9D57DABAC}"/>
+              </a:ext>
+            </a:extLst>
+          </p:cNvPr>
+          <p:cNvSpPr>
+            <a:spLocks noGrp="1"/>
+          </p:cNvSpPr>
+          <p:nvPr>
+            <p:ph type="title"/>
+          </p:nvPr>
+        </p:nvSpPr>
+        <p:spPr/>
+        <p:txBody>
+          <a:bodyPr/>
+          <a:lstStyle/>
+          <a:p>
+            <a:r>
+              <a:rPr lang="en-US" dirty="0"/>
+              <a:t>COLORS</a:t>
+            </a:r>
+          </a:p>
+        </p:txBody>
+      </p:sp>
+      <p:sp>
+        <p:nvSpPr>
+          <p:cNvPr id="3" name="Content Placeholder 2">
+            <a:extLst>
+              <a:ext uri="{FF2B5EF4-FFF2-40B4-BE49-F238E27FC236}">
+                <a16:creationId xmlns:a16="http://schemas.microsoft.com/office/drawing/2014/main" id="{37E146B7-6BDE-4F21-A09D-FE7EF30B6C00}"/>
+              </a:ext>
+            </a:extLst>
+          </p:cNvPr>
+          <p:cNvSpPr>
+            <a:spLocks noGrp="1"/>
+          </p:cNvSpPr>
+          <p:nvPr>
+            <p:ph idx="1"/>
+          </p:nvPr>
+        </p:nvSpPr>
+        <p:spPr/>
+        <p:txBody>
+          <a:bodyPr/>
+          <a:lstStyle/>
+          <a:p>
+            <a:endParaRPr lang="en-US"/>
+          </a:p>
+        </p:txBody>
+      </p:sp>
+      <p:sp>
+        <p:nvSpPr>
+          <p:cNvPr id="4" name="Date Placeholder 3">
+            <a:extLst>
+              <a:ext uri="{FF2B5EF4-FFF2-40B4-BE49-F238E27FC236}">
+                <a16:creationId xmlns:a16="http://schemas.microsoft.com/office/drawing/2014/main" id="{58EA3CF3-42A7-4E41-869A-BE3767CDB53E}"/>
+              </a:ext>
+            </a:extLst>
+          </p:cNvPr>
+          <p:cNvSpPr>
+            <a:spLocks noGrp="1"/>
+          </p:cNvSpPr>
+          <p:nvPr>
+            <p:ph type="dt" sz="half" idx="10"/>
+          </p:nvPr>
+        </p:nvSpPr>
+        <p:spPr/>
+        <p:txBody>
+          <a:bodyPr/>
+          <a:lstStyle/>
+          <a:p>
+            <a:fld id="{8AAE40A0-A7D8-4DC3-BC9E-BADA32DA2004}" type="datetime4">
+              <a:rPr lang="en-US" smtClean="0"/>
+              <a:t>July 7, 2019</a:t>
+            </a:fld>
+            <a:endParaRPr lang="en-US" dirty="0"/>
+          </a:p>
+        </p:txBody>
+      </p:sp>
+      <p:sp>
+        <p:nvSpPr>
+          <p:cNvPr id="5" name="Footer Placeholder 4">
+            <a:extLst>
+              <a:ext uri="{FF2B5EF4-FFF2-40B4-BE49-F238E27FC236}">
+                <a16:creationId xmlns:a16="http://schemas.microsoft.com/office/drawing/2014/main" id="{75633ADC-5CEC-49E7-BF4C-B805C52E296D}"/>
+              </a:ext>
+            </a:extLst>
+          </p:cNvPr>
+          <p:cNvSpPr>
+            <a:spLocks noGrp="1"/>
+          </p:cNvSpPr>
+          <p:nvPr>
+            <p:ph type="ftr" sz="quarter" idx="11"/>
+          </p:nvPr>
+        </p:nvSpPr>
+        <p:spPr/>
+        <p:txBody>
+          <a:bodyPr/>
+          <a:lstStyle/>
+          <a:p>
+            <a:r>
+              <a:rPr lang="en-US"/>
+              <a:t>Digital Scholarship Services </a:t>
+            </a:r>
+            <a:r>
+              <a:rPr lang="en-US">
+                <a:solidFill>
+                  <a:schemeClr val="accent1">
+                    <a:lumMod val="50000"/>
+                  </a:schemeClr>
+                </a:solidFill>
+              </a:rPr>
+              <a:t>| Email</a:t>
+            </a:r>
+            <a:r>
+              <a:rPr lang="en-US"/>
+              <a:t> cf24@rice.edu </a:t>
+            </a:r>
+            <a:r>
+              <a:rPr lang="en-US">
+                <a:solidFill>
+                  <a:schemeClr val="accent1">
+                    <a:lumMod val="50000"/>
+                  </a:schemeClr>
+                </a:solidFill>
+              </a:rPr>
+              <a:t>|</a:t>
+            </a:r>
+            <a:r>
+              <a:rPr lang="en-US"/>
+              <a:t> library.rice.edu/dss</a:t>
+            </a:r>
+            <a:endParaRPr lang="en-US" dirty="0"/>
+          </a:p>
+        </p:txBody>
+      </p:sp>
+      <p:sp>
+        <p:nvSpPr>
+          <p:cNvPr id="6" name="Slide Number Placeholder 5">
+            <a:extLst>
+              <a:ext uri="{FF2B5EF4-FFF2-40B4-BE49-F238E27FC236}">
+                <a16:creationId xmlns:a16="http://schemas.microsoft.com/office/drawing/2014/main" id="{B1BAA732-BBD1-4FE8-891E-2C7E97D82282}"/>
+              </a:ext>
+            </a:extLst>
+          </p:cNvPr>
+          <p:cNvSpPr>
+            <a:spLocks noGrp="1"/>
+          </p:cNvSpPr>
+          <p:nvPr>
+            <p:ph type="sldNum" sz="quarter" idx="12"/>
+          </p:nvPr>
+        </p:nvSpPr>
+        <p:spPr/>
+        <p:txBody>
+          <a:bodyPr/>
+          <a:lstStyle/>
+          <a:p>
+            <a:fld id="{D57F1E4F-1CFF-5643-939E-02111984F565}" type="slidenum">
+              <a:rPr lang="en-US" smtClean="0"/>
+              <a:t>43</a:t>
+            </a:fld>
+            <a:endParaRPr lang="en-US" dirty="0"/>
+          </a:p>
+        </p:txBody>
+      </p:sp>
+    </p:spTree>
+    <p:extLst>
+      <p:ext uri="{BB962C8B-B14F-4D97-AF65-F5344CB8AC3E}">
+        <p14:creationId xmlns:p14="http://schemas.microsoft.com/office/powerpoint/2010/main" val="3226142298"/>
+      </p:ext>
+    </p:extLst>
+  </p:cSld>
+  <p:clrMapOvr>
+    <a:masterClrMapping/>
+  </p:clrMapOvr>
+</p:sld>
+</file>
+
+<file path=ppt/slides/slide44.xml><?xml version="1.0" encoding="utf-8"?>
+<p:sld xmlns:a="http://schemas.openxmlformats.org/drawingml/2006/main" xmlns:r="http://schemas.openxmlformats.org/officeDocument/2006/relationships" xmlns:p="http://schemas.openxmlformats.org/presentationml/2006/main">
+  <p:cSld>
+    <p:spTree>
+      <p:nvGrpSpPr>
+        <p:cNvPr id="1" name=""/>
+        <p:cNvGrpSpPr/>
+        <p:nvPr/>
+      </p:nvGrpSpPr>
+      <p:grpSpPr>
+        <a:xfrm>
+          <a:off x="0" y="0"/>
+          <a:ext cx="0" cy="0"/>
+          <a:chOff x="0" y="0"/>
+          <a:chExt cx="0" cy="0"/>
+        </a:xfrm>
+      </p:grpSpPr>
+      <p:sp>
+        <p:nvSpPr>
+          <p:cNvPr id="2" name="Title 1">
+            <a:extLst>
+              <a:ext uri="{FF2B5EF4-FFF2-40B4-BE49-F238E27FC236}">
+                <a16:creationId xmlns:a16="http://schemas.microsoft.com/office/drawing/2014/main" id="{E850068E-C01E-4BED-AF24-C2E9D57DABAC}"/>
+              </a:ext>
+            </a:extLst>
+          </p:cNvPr>
+          <p:cNvSpPr>
+            <a:spLocks noGrp="1"/>
+          </p:cNvSpPr>
+          <p:nvPr>
+            <p:ph type="title"/>
+          </p:nvPr>
+        </p:nvSpPr>
+        <p:spPr/>
+        <p:txBody>
+          <a:bodyPr/>
+          <a:lstStyle/>
+          <a:p>
+            <a:r>
+              <a:rPr lang="en-US" dirty="0"/>
+              <a:t>LABELING</a:t>
+            </a:r>
+          </a:p>
+        </p:txBody>
+      </p:sp>
+      <p:sp>
+        <p:nvSpPr>
+          <p:cNvPr id="3" name="Content Placeholder 2">
+            <a:extLst>
+              <a:ext uri="{FF2B5EF4-FFF2-40B4-BE49-F238E27FC236}">
+                <a16:creationId xmlns:a16="http://schemas.microsoft.com/office/drawing/2014/main" id="{37E146B7-6BDE-4F21-A09D-FE7EF30B6C00}"/>
+              </a:ext>
+            </a:extLst>
+          </p:cNvPr>
+          <p:cNvSpPr>
+            <a:spLocks noGrp="1"/>
+          </p:cNvSpPr>
+          <p:nvPr>
+            <p:ph idx="1"/>
+          </p:nvPr>
+        </p:nvSpPr>
+        <p:spPr/>
+        <p:txBody>
+          <a:bodyPr/>
+          <a:lstStyle/>
+          <a:p>
+            <a:endParaRPr lang="en-US"/>
+          </a:p>
+        </p:txBody>
+      </p:sp>
+      <p:sp>
+        <p:nvSpPr>
+          <p:cNvPr id="4" name="Date Placeholder 3">
+            <a:extLst>
+              <a:ext uri="{FF2B5EF4-FFF2-40B4-BE49-F238E27FC236}">
+                <a16:creationId xmlns:a16="http://schemas.microsoft.com/office/drawing/2014/main" id="{58EA3CF3-42A7-4E41-869A-BE3767CDB53E}"/>
+              </a:ext>
+            </a:extLst>
+          </p:cNvPr>
+          <p:cNvSpPr>
+            <a:spLocks noGrp="1"/>
+          </p:cNvSpPr>
+          <p:nvPr>
+            <p:ph type="dt" sz="half" idx="10"/>
+          </p:nvPr>
+        </p:nvSpPr>
+        <p:spPr/>
+        <p:txBody>
+          <a:bodyPr/>
+          <a:lstStyle/>
+          <a:p>
+            <a:fld id="{8AAE40A0-A7D8-4DC3-BC9E-BADA32DA2004}" type="datetime4">
+              <a:rPr lang="en-US" smtClean="0"/>
+              <a:t>July 7, 2019</a:t>
+            </a:fld>
+            <a:endParaRPr lang="en-US" dirty="0"/>
+          </a:p>
+        </p:txBody>
+      </p:sp>
+      <p:sp>
+        <p:nvSpPr>
+          <p:cNvPr id="5" name="Footer Placeholder 4">
+            <a:extLst>
+              <a:ext uri="{FF2B5EF4-FFF2-40B4-BE49-F238E27FC236}">
+                <a16:creationId xmlns:a16="http://schemas.microsoft.com/office/drawing/2014/main" id="{75633ADC-5CEC-49E7-BF4C-B805C52E296D}"/>
+              </a:ext>
+            </a:extLst>
+          </p:cNvPr>
+          <p:cNvSpPr>
+            <a:spLocks noGrp="1"/>
+          </p:cNvSpPr>
+          <p:nvPr>
+            <p:ph type="ftr" sz="quarter" idx="11"/>
+          </p:nvPr>
+        </p:nvSpPr>
+        <p:spPr/>
+        <p:txBody>
+          <a:bodyPr/>
+          <a:lstStyle/>
+          <a:p>
+            <a:r>
+              <a:rPr lang="en-US"/>
+              <a:t>Digital Scholarship Services </a:t>
+            </a:r>
+            <a:r>
+              <a:rPr lang="en-US">
+                <a:solidFill>
+                  <a:schemeClr val="accent1">
+                    <a:lumMod val="50000"/>
+                  </a:schemeClr>
+                </a:solidFill>
+              </a:rPr>
+              <a:t>| Email</a:t>
+            </a:r>
+            <a:r>
+              <a:rPr lang="en-US"/>
+              <a:t> cf24@rice.edu </a:t>
+            </a:r>
+            <a:r>
+              <a:rPr lang="en-US">
+                <a:solidFill>
+                  <a:schemeClr val="accent1">
+                    <a:lumMod val="50000"/>
+                  </a:schemeClr>
+                </a:solidFill>
+              </a:rPr>
+              <a:t>|</a:t>
+            </a:r>
+            <a:r>
+              <a:rPr lang="en-US"/>
+              <a:t> library.rice.edu/dss</a:t>
+            </a:r>
+            <a:endParaRPr lang="en-US" dirty="0"/>
+          </a:p>
+        </p:txBody>
+      </p:sp>
+      <p:sp>
+        <p:nvSpPr>
+          <p:cNvPr id="6" name="Slide Number Placeholder 5">
+            <a:extLst>
+              <a:ext uri="{FF2B5EF4-FFF2-40B4-BE49-F238E27FC236}">
+                <a16:creationId xmlns:a16="http://schemas.microsoft.com/office/drawing/2014/main" id="{B1BAA732-BBD1-4FE8-891E-2C7E97D82282}"/>
+              </a:ext>
+            </a:extLst>
+          </p:cNvPr>
+          <p:cNvSpPr>
+            <a:spLocks noGrp="1"/>
+          </p:cNvSpPr>
+          <p:nvPr>
+            <p:ph type="sldNum" sz="quarter" idx="12"/>
+          </p:nvPr>
+        </p:nvSpPr>
+        <p:spPr/>
+        <p:txBody>
+          <a:bodyPr/>
+          <a:lstStyle/>
+          <a:p>
+            <a:fld id="{D57F1E4F-1CFF-5643-939E-02111984F565}" type="slidenum">
+              <a:rPr lang="en-US" smtClean="0"/>
+              <a:t>44</a:t>
+            </a:fld>
+            <a:endParaRPr lang="en-US" dirty="0"/>
+          </a:p>
+        </p:txBody>
+      </p:sp>
+    </p:spTree>
+    <p:extLst>
+      <p:ext uri="{BB962C8B-B14F-4D97-AF65-F5344CB8AC3E}">
+        <p14:creationId xmlns:p14="http://schemas.microsoft.com/office/powerpoint/2010/main" val="2483438752"/>
+      </p:ext>
+    </p:extLst>
+  </p:cSld>
+  <p:clrMapOvr>
+    <a:masterClrMapping/>
+  </p:clrMapOvr>
+</p:sld>
+</file>
+
+<file path=ppt/slides/slide45.xml><?xml version="1.0" encoding="utf-8"?>
+<p:sld xmlns:a="http://schemas.openxmlformats.org/drawingml/2006/main" xmlns:r="http://schemas.openxmlformats.org/officeDocument/2006/relationships" xmlns:p="http://schemas.openxmlformats.org/presentationml/2006/main">
+  <p:cSld>
+    <p:spTree>
+      <p:nvGrpSpPr>
+        <p:cNvPr id="1" name=""/>
+        <p:cNvGrpSpPr/>
+        <p:nvPr/>
+      </p:nvGrpSpPr>
+      <p:grpSpPr>
+        <a:xfrm>
+          <a:off x="0" y="0"/>
+          <a:ext cx="0" cy="0"/>
+          <a:chOff x="0" y="0"/>
+          <a:chExt cx="0" cy="0"/>
+        </a:xfrm>
+      </p:grpSpPr>
+      <p:sp>
+        <p:nvSpPr>
+          <p:cNvPr id="2" name="Title 1">
+            <a:extLst>
+              <a:ext uri="{FF2B5EF4-FFF2-40B4-BE49-F238E27FC236}">
+                <a16:creationId xmlns:a16="http://schemas.microsoft.com/office/drawing/2014/main" id="{5404E55C-1D1A-4A9F-8642-A70D32332C9D}"/>
+              </a:ext>
+            </a:extLst>
+          </p:cNvPr>
+          <p:cNvSpPr>
+            <a:spLocks noGrp="1"/>
+          </p:cNvSpPr>
+          <p:nvPr>
+            <p:ph type="title"/>
+          </p:nvPr>
+        </p:nvSpPr>
+        <p:spPr/>
+        <p:txBody>
+          <a:bodyPr/>
+          <a:lstStyle/>
+          <a:p>
+            <a:r>
+              <a:rPr lang="en-US" dirty="0"/>
+              <a:t>A TEMPLATE</a:t>
+            </a:r>
+          </a:p>
+        </p:txBody>
+      </p:sp>
+      <p:sp>
+        <p:nvSpPr>
+          <p:cNvPr id="3" name="Content Placeholder 2">
+            <a:extLst>
+              <a:ext uri="{FF2B5EF4-FFF2-40B4-BE49-F238E27FC236}">
+                <a16:creationId xmlns:a16="http://schemas.microsoft.com/office/drawing/2014/main" id="{0874E7F0-95B2-48B3-AE13-C6A98FE00716}"/>
+              </a:ext>
+            </a:extLst>
+          </p:cNvPr>
+          <p:cNvSpPr>
+            <a:spLocks noGrp="1"/>
+          </p:cNvSpPr>
+          <p:nvPr>
+            <p:ph idx="1"/>
+          </p:nvPr>
+        </p:nvSpPr>
+        <p:spPr/>
+        <p:txBody>
+          <a:bodyPr/>
+          <a:lstStyle/>
+          <a:p>
+            <a:endParaRPr lang="en-US"/>
+          </a:p>
+        </p:txBody>
+      </p:sp>
+      <p:sp>
+        <p:nvSpPr>
+          <p:cNvPr id="4" name="Date Placeholder 3">
+            <a:extLst>
+              <a:ext uri="{FF2B5EF4-FFF2-40B4-BE49-F238E27FC236}">
+                <a16:creationId xmlns:a16="http://schemas.microsoft.com/office/drawing/2014/main" id="{8A6899FC-979F-477E-96F7-1EC709A1EF01}"/>
+              </a:ext>
+            </a:extLst>
+          </p:cNvPr>
+          <p:cNvSpPr>
+            <a:spLocks noGrp="1"/>
+          </p:cNvSpPr>
+          <p:nvPr>
+            <p:ph type="dt" sz="half" idx="10"/>
+          </p:nvPr>
+        </p:nvSpPr>
+        <p:spPr/>
+        <p:txBody>
+          <a:bodyPr/>
+          <a:lstStyle/>
+          <a:p>
+            <a:fld id="{8AAE40A0-A7D8-4DC3-BC9E-BADA32DA2004}" type="datetime4">
+              <a:rPr lang="en-US" smtClean="0"/>
+              <a:t>July 7, 2019</a:t>
+            </a:fld>
+            <a:endParaRPr lang="en-US" dirty="0"/>
+          </a:p>
+        </p:txBody>
+      </p:sp>
+      <p:sp>
+        <p:nvSpPr>
+          <p:cNvPr id="5" name="Footer Placeholder 4">
+            <a:extLst>
+              <a:ext uri="{FF2B5EF4-FFF2-40B4-BE49-F238E27FC236}">
+                <a16:creationId xmlns:a16="http://schemas.microsoft.com/office/drawing/2014/main" id="{022A767A-D929-4954-970D-E16719ECEB3E}"/>
+              </a:ext>
+            </a:extLst>
+          </p:cNvPr>
+          <p:cNvSpPr>
+            <a:spLocks noGrp="1"/>
+          </p:cNvSpPr>
+          <p:nvPr>
+            <p:ph type="ftr" sz="quarter" idx="11"/>
+          </p:nvPr>
+        </p:nvSpPr>
+        <p:spPr/>
+        <p:txBody>
+          <a:bodyPr/>
+          <a:lstStyle/>
+          <a:p>
+            <a:r>
+              <a:rPr lang="en-US"/>
+              <a:t>Digital Scholarship Services </a:t>
+            </a:r>
+            <a:r>
+              <a:rPr lang="en-US">
+                <a:solidFill>
+                  <a:schemeClr val="accent1">
+                    <a:lumMod val="50000"/>
+                  </a:schemeClr>
+                </a:solidFill>
+              </a:rPr>
+              <a:t>| Email</a:t>
+            </a:r>
+            <a:r>
+              <a:rPr lang="en-US"/>
+              <a:t> cf24@rice.edu </a:t>
+            </a:r>
+            <a:r>
+              <a:rPr lang="en-US">
+                <a:solidFill>
+                  <a:schemeClr val="accent1">
+                    <a:lumMod val="50000"/>
+                  </a:schemeClr>
+                </a:solidFill>
+              </a:rPr>
+              <a:t>|</a:t>
+            </a:r>
+            <a:r>
+              <a:rPr lang="en-US"/>
+              <a:t> library.rice.edu/dss</a:t>
+            </a:r>
+            <a:endParaRPr lang="en-US" dirty="0"/>
+          </a:p>
+        </p:txBody>
+      </p:sp>
+      <p:sp>
+        <p:nvSpPr>
+          <p:cNvPr id="6" name="Slide Number Placeholder 5">
+            <a:extLst>
+              <a:ext uri="{FF2B5EF4-FFF2-40B4-BE49-F238E27FC236}">
+                <a16:creationId xmlns:a16="http://schemas.microsoft.com/office/drawing/2014/main" id="{209CE1FE-97DC-4E1A-B048-0A1A42B45904}"/>
+              </a:ext>
+            </a:extLst>
+          </p:cNvPr>
+          <p:cNvSpPr>
+            <a:spLocks noGrp="1"/>
+          </p:cNvSpPr>
+          <p:nvPr>
+            <p:ph type="sldNum" sz="quarter" idx="12"/>
+          </p:nvPr>
+        </p:nvSpPr>
+        <p:spPr/>
+        <p:txBody>
+          <a:bodyPr/>
+          <a:lstStyle/>
+          <a:p>
+            <a:fld id="{D57F1E4F-1CFF-5643-939E-02111984F565}" type="slidenum">
+              <a:rPr lang="en-US" smtClean="0"/>
+              <a:t>45</a:t>
+            </a:fld>
+            <a:endParaRPr lang="en-US" dirty="0"/>
+          </a:p>
+        </p:txBody>
+      </p:sp>
+    </p:spTree>
+    <p:extLst>
+      <p:ext uri="{BB962C8B-B14F-4D97-AF65-F5344CB8AC3E}">
+        <p14:creationId xmlns:p14="http://schemas.microsoft.com/office/powerpoint/2010/main" val="3816346416"/>
+      </p:ext>
+    </p:extLst>
+  </p:cSld>
+  <p:clrMapOvr>
+    <a:masterClrMapping/>
+  </p:clrMapOvr>
+</p:sld>
+</file>
+
+<file path=ppt/slides/slide46.xml><?xml version="1.0" encoding="utf-8"?>
+<p:sld xmlns:a="http://schemas.openxmlformats.org/drawingml/2006/main" xmlns:r="http://schemas.openxmlformats.org/officeDocument/2006/relationships" xmlns:p="http://schemas.openxmlformats.org/presentationml/2006/main">
+  <p:cSld>
+    <p:spTree>
+      <p:nvGrpSpPr>
+        <p:cNvPr id="1" name=""/>
+        <p:cNvGrpSpPr/>
+        <p:nvPr/>
+      </p:nvGrpSpPr>
+      <p:grpSpPr>
+        <a:xfrm>
+          <a:off x="0" y="0"/>
+          <a:ext cx="0" cy="0"/>
+          <a:chOff x="0" y="0"/>
+          <a:chExt cx="0" cy="0"/>
+        </a:xfrm>
+      </p:grpSpPr>
+      <p:sp>
+        <p:nvSpPr>
+          <p:cNvPr id="2" name="Title 1">
+            <a:extLst>
+              <a:ext uri="{FF2B5EF4-FFF2-40B4-BE49-F238E27FC236}">
+                <a16:creationId xmlns:a16="http://schemas.microsoft.com/office/drawing/2014/main" id="{3355F5CD-9232-4308-9E65-DB6DA7EBF80E}"/>
+              </a:ext>
+            </a:extLst>
+          </p:cNvPr>
+          <p:cNvSpPr>
+            <a:spLocks noGrp="1"/>
+          </p:cNvSpPr>
+          <p:nvPr>
+            <p:ph type="title"/>
+          </p:nvPr>
+        </p:nvSpPr>
+        <p:spPr/>
+        <p:txBody>
+          <a:bodyPr/>
+          <a:lstStyle/>
+          <a:p>
+            <a:r>
+              <a:rPr lang="en-US" dirty="0"/>
+              <a:t>PUTTING IT TOGETHER</a:t>
+            </a:r>
+          </a:p>
+        </p:txBody>
+      </p:sp>
+      <p:sp>
+        <p:nvSpPr>
+          <p:cNvPr id="3" name="Content Placeholder 2">
+            <a:extLst>
+              <a:ext uri="{FF2B5EF4-FFF2-40B4-BE49-F238E27FC236}">
+                <a16:creationId xmlns:a16="http://schemas.microsoft.com/office/drawing/2014/main" id="{62EAA16E-823F-4C14-86FD-FED8F2321EE6}"/>
+              </a:ext>
+            </a:extLst>
+          </p:cNvPr>
+          <p:cNvSpPr>
+            <a:spLocks noGrp="1"/>
+          </p:cNvSpPr>
+          <p:nvPr>
+            <p:ph idx="1"/>
+          </p:nvPr>
+        </p:nvSpPr>
+        <p:spPr/>
+        <p:txBody>
+          <a:bodyPr/>
+          <a:lstStyle/>
+          <a:p>
+            <a:endParaRPr lang="en-US"/>
+          </a:p>
+        </p:txBody>
+      </p:sp>
+      <p:sp>
+        <p:nvSpPr>
+          <p:cNvPr id="4" name="Date Placeholder 3">
+            <a:extLst>
+              <a:ext uri="{FF2B5EF4-FFF2-40B4-BE49-F238E27FC236}">
+                <a16:creationId xmlns:a16="http://schemas.microsoft.com/office/drawing/2014/main" id="{695F9B61-B132-4A1F-956F-C7FA5894868B}"/>
+              </a:ext>
+            </a:extLst>
+          </p:cNvPr>
+          <p:cNvSpPr>
+            <a:spLocks noGrp="1"/>
+          </p:cNvSpPr>
+          <p:nvPr>
+            <p:ph type="dt" sz="half" idx="10"/>
+          </p:nvPr>
+        </p:nvSpPr>
+        <p:spPr/>
+        <p:txBody>
+          <a:bodyPr/>
+          <a:lstStyle/>
+          <a:p>
+            <a:fld id="{8AAE40A0-A7D8-4DC3-BC9E-BADA32DA2004}" type="datetime4">
+              <a:rPr lang="en-US" smtClean="0"/>
+              <a:t>July 7, 2019</a:t>
+            </a:fld>
+            <a:endParaRPr lang="en-US" dirty="0"/>
+          </a:p>
+        </p:txBody>
+      </p:sp>
+      <p:sp>
+        <p:nvSpPr>
+          <p:cNvPr id="5" name="Footer Placeholder 4">
+            <a:extLst>
+              <a:ext uri="{FF2B5EF4-FFF2-40B4-BE49-F238E27FC236}">
+                <a16:creationId xmlns:a16="http://schemas.microsoft.com/office/drawing/2014/main" id="{DA540B43-4E0D-4617-A8E2-BB5B9401C854}"/>
+              </a:ext>
+            </a:extLst>
+          </p:cNvPr>
+          <p:cNvSpPr>
+            <a:spLocks noGrp="1"/>
+          </p:cNvSpPr>
+          <p:nvPr>
+            <p:ph type="ftr" sz="quarter" idx="11"/>
+          </p:nvPr>
+        </p:nvSpPr>
+        <p:spPr/>
+        <p:txBody>
+          <a:bodyPr/>
+          <a:lstStyle/>
+          <a:p>
+            <a:r>
+              <a:rPr lang="en-US"/>
+              <a:t>Digital Scholarship Services </a:t>
+            </a:r>
+            <a:r>
+              <a:rPr lang="en-US">
+                <a:solidFill>
+                  <a:schemeClr val="accent1">
+                    <a:lumMod val="50000"/>
+                  </a:schemeClr>
+                </a:solidFill>
+              </a:rPr>
+              <a:t>| Email</a:t>
+            </a:r>
+            <a:r>
+              <a:rPr lang="en-US"/>
+              <a:t> cf24@rice.edu </a:t>
+            </a:r>
+            <a:r>
+              <a:rPr lang="en-US">
+                <a:solidFill>
+                  <a:schemeClr val="accent1">
+                    <a:lumMod val="50000"/>
+                  </a:schemeClr>
+                </a:solidFill>
+              </a:rPr>
+              <a:t>|</a:t>
+            </a:r>
+            <a:r>
+              <a:rPr lang="en-US"/>
+              <a:t> library.rice.edu/dss</a:t>
+            </a:r>
+            <a:endParaRPr lang="en-US" dirty="0"/>
+          </a:p>
+        </p:txBody>
+      </p:sp>
+      <p:sp>
+        <p:nvSpPr>
+          <p:cNvPr id="6" name="Slide Number Placeholder 5">
+            <a:extLst>
+              <a:ext uri="{FF2B5EF4-FFF2-40B4-BE49-F238E27FC236}">
+                <a16:creationId xmlns:a16="http://schemas.microsoft.com/office/drawing/2014/main" id="{B3BA36E9-613D-4BC5-B0F7-4BBB217DEE0E}"/>
+              </a:ext>
+            </a:extLst>
+          </p:cNvPr>
+          <p:cNvSpPr>
+            <a:spLocks noGrp="1"/>
+          </p:cNvSpPr>
+          <p:nvPr>
+            <p:ph type="sldNum" sz="quarter" idx="12"/>
+          </p:nvPr>
+        </p:nvSpPr>
+        <p:spPr/>
+        <p:txBody>
+          <a:bodyPr/>
+          <a:lstStyle/>
+          <a:p>
+            <a:fld id="{D57F1E4F-1CFF-5643-939E-02111984F565}" type="slidenum">
+              <a:rPr lang="en-US" smtClean="0"/>
+              <a:t>46</a:t>
+            </a:fld>
+            <a:endParaRPr lang="en-US" dirty="0"/>
+          </a:p>
+        </p:txBody>
+      </p:sp>
+    </p:spTree>
+    <p:extLst>
+      <p:ext uri="{BB962C8B-B14F-4D97-AF65-F5344CB8AC3E}">
+        <p14:creationId xmlns:p14="http://schemas.microsoft.com/office/powerpoint/2010/main" val="844801094"/>
+      </p:ext>
+    </p:extLst>
+  </p:cSld>
+  <p:clrMapOvr>
+    <a:masterClrMapping/>
+  </p:clrMapOvr>
+</p:sld>
+</file>
+
+<file path=ppt/slides/slide47.xml><?xml version="1.0" encoding="utf-8"?>
+<p:sld xmlns:a="http://schemas.openxmlformats.org/drawingml/2006/main" xmlns:r="http://schemas.openxmlformats.org/officeDocument/2006/relationships" xmlns:p="http://schemas.openxmlformats.org/presentationml/2006/main">
+  <p:cSld>
+    <p:spTree>
+      <p:nvGrpSpPr>
+        <p:cNvPr id="1" name=""/>
+        <p:cNvGrpSpPr/>
+        <p:nvPr/>
+      </p:nvGrpSpPr>
+      <p:grpSpPr>
+        <a:xfrm>
+          <a:off x="0" y="0"/>
+          <a:ext cx="0" cy="0"/>
+          <a:chOff x="0" y="0"/>
+          <a:chExt cx="0" cy="0"/>
+        </a:xfrm>
+      </p:grpSpPr>
+      <p:sp>
+        <p:nvSpPr>
+          <p:cNvPr id="7" name="Title 6">
+            <a:extLst>
+              <a:ext uri="{FF2B5EF4-FFF2-40B4-BE49-F238E27FC236}">
+                <a16:creationId xmlns:a16="http://schemas.microsoft.com/office/drawing/2014/main" id="{2C7C7B52-4FB0-4A0B-B5E1-EDD5A9ADA476}"/>
+              </a:ext>
+            </a:extLst>
+          </p:cNvPr>
+          <p:cNvSpPr>
+            <a:spLocks noGrp="1"/>
+          </p:cNvSpPr>
+          <p:nvPr>
+            <p:ph type="title"/>
+          </p:nvPr>
+        </p:nvSpPr>
+        <p:spPr/>
+        <p:txBody>
+          <a:bodyPr/>
+          <a:lstStyle/>
+          <a:p>
+            <a:r>
+              <a:rPr lang="en-US" dirty="0"/>
+              <a:t>ALL TOGETHER NOW</a:t>
+            </a:r>
+          </a:p>
+        </p:txBody>
+      </p:sp>
+      <p:sp>
+        <p:nvSpPr>
+          <p:cNvPr id="8" name="Text Placeholder 7">
+            <a:extLst>
+              <a:ext uri="{FF2B5EF4-FFF2-40B4-BE49-F238E27FC236}">
+                <a16:creationId xmlns:a16="http://schemas.microsoft.com/office/drawing/2014/main" id="{235128D3-FA6E-47E7-87E1-272DD4C10B55}"/>
+              </a:ext>
+            </a:extLst>
+          </p:cNvPr>
+          <p:cNvSpPr>
+            <a:spLocks noGrp="1"/>
+          </p:cNvSpPr>
+          <p:nvPr>
+            <p:ph type="body" idx="1"/>
+          </p:nvPr>
+        </p:nvSpPr>
+        <p:spPr/>
+        <p:txBody>
+          <a:bodyPr/>
+          <a:lstStyle/>
+          <a:p>
+            <a:r>
+              <a:rPr lang="en-US" dirty="0"/>
+              <a:t>Integrating all the components</a:t>
+            </a:r>
+          </a:p>
+        </p:txBody>
+      </p:sp>
+      <p:sp>
+        <p:nvSpPr>
+          <p:cNvPr id="4" name="Date Placeholder 3">
+            <a:extLst>
+              <a:ext uri="{FF2B5EF4-FFF2-40B4-BE49-F238E27FC236}">
+                <a16:creationId xmlns:a16="http://schemas.microsoft.com/office/drawing/2014/main" id="{729242CD-322A-4BBF-A5F9-A0BD7FF80C30}"/>
+              </a:ext>
+            </a:extLst>
+          </p:cNvPr>
+          <p:cNvSpPr>
+            <a:spLocks noGrp="1"/>
+          </p:cNvSpPr>
+          <p:nvPr>
+            <p:ph type="dt" sz="half" idx="10"/>
+          </p:nvPr>
+        </p:nvSpPr>
+        <p:spPr/>
+        <p:txBody>
+          <a:bodyPr/>
+          <a:lstStyle/>
+          <a:p>
+            <a:fld id="{8AAE40A0-A7D8-4DC3-BC9E-BADA32DA2004}" type="datetime4">
+              <a:rPr lang="en-US" smtClean="0"/>
+              <a:t>July 7, 2019</a:t>
+            </a:fld>
+            <a:endParaRPr lang="en-US" dirty="0"/>
+          </a:p>
+        </p:txBody>
+      </p:sp>
+      <p:sp>
+        <p:nvSpPr>
+          <p:cNvPr id="5" name="Footer Placeholder 4">
+            <a:extLst>
+              <a:ext uri="{FF2B5EF4-FFF2-40B4-BE49-F238E27FC236}">
+                <a16:creationId xmlns:a16="http://schemas.microsoft.com/office/drawing/2014/main" id="{30FAF9A1-04F4-4BAE-9142-17FB314C8EED}"/>
+              </a:ext>
+            </a:extLst>
+          </p:cNvPr>
+          <p:cNvSpPr>
+            <a:spLocks noGrp="1"/>
+          </p:cNvSpPr>
+          <p:nvPr>
+            <p:ph type="ftr" sz="quarter" idx="11"/>
+          </p:nvPr>
+        </p:nvSpPr>
+        <p:spPr/>
+        <p:txBody>
+          <a:bodyPr/>
+          <a:lstStyle/>
+          <a:p>
+            <a:r>
+              <a:rPr lang="en-US"/>
+              <a:t>Digital Scholarship Services </a:t>
+            </a:r>
+            <a:r>
+              <a:rPr lang="en-US">
+                <a:solidFill>
+                  <a:schemeClr val="accent1">
+                    <a:lumMod val="50000"/>
+                  </a:schemeClr>
+                </a:solidFill>
+              </a:rPr>
+              <a:t>| Email</a:t>
+            </a:r>
+            <a:r>
+              <a:rPr lang="en-US"/>
+              <a:t> cf24@rice.edu </a:t>
+            </a:r>
+            <a:r>
+              <a:rPr lang="en-US">
+                <a:solidFill>
+                  <a:schemeClr val="accent1">
+                    <a:lumMod val="50000"/>
+                  </a:schemeClr>
+                </a:solidFill>
+              </a:rPr>
+              <a:t>|</a:t>
+            </a:r>
+            <a:r>
+              <a:rPr lang="en-US"/>
+              <a:t> library.rice.edu/dss</a:t>
+            </a:r>
+            <a:endParaRPr lang="en-US" dirty="0"/>
+          </a:p>
+        </p:txBody>
+      </p:sp>
+      <p:sp>
+        <p:nvSpPr>
+          <p:cNvPr id="6" name="Slide Number Placeholder 5">
+            <a:extLst>
+              <a:ext uri="{FF2B5EF4-FFF2-40B4-BE49-F238E27FC236}">
+                <a16:creationId xmlns:a16="http://schemas.microsoft.com/office/drawing/2014/main" id="{51F51AE9-B6B5-4DDB-B0E8-6F790417F61A}"/>
+              </a:ext>
+            </a:extLst>
+          </p:cNvPr>
+          <p:cNvSpPr>
+            <a:spLocks noGrp="1"/>
+          </p:cNvSpPr>
+          <p:nvPr>
+            <p:ph type="sldNum" sz="quarter" idx="12"/>
+          </p:nvPr>
+        </p:nvSpPr>
+        <p:spPr/>
+        <p:txBody>
+          <a:bodyPr/>
+          <a:lstStyle/>
+          <a:p>
+            <a:fld id="{D57F1E4F-1CFF-5643-939E-02111984F565}" type="slidenum">
+              <a:rPr lang="en-US" smtClean="0"/>
+              <a:t>47</a:t>
+            </a:fld>
+            <a:endParaRPr lang="en-US" dirty="0"/>
+          </a:p>
+        </p:txBody>
+      </p:sp>
+    </p:spTree>
+    <p:extLst>
+      <p:ext uri="{BB962C8B-B14F-4D97-AF65-F5344CB8AC3E}">
+        <p14:creationId xmlns:p14="http://schemas.microsoft.com/office/powerpoint/2010/main" val="2106640646"/>
+      </p:ext>
+    </p:extLst>
+  </p:cSld>
+  <p:clrMapOvr>
+    <a:masterClrMapping/>
+  </p:clrMapOvr>
+</p:sld>
+</file>
+
+<file path=ppt/slides/slide48.xml><?xml version="1.0" encoding="utf-8"?>
+<p:sld xmlns:a="http://schemas.openxmlformats.org/drawingml/2006/main" xmlns:r="http://schemas.openxmlformats.org/officeDocument/2006/relationships" xmlns:p="http://schemas.openxmlformats.org/presentationml/2006/main">
+  <p:cSld>
+    <p:spTree>
+      <p:nvGrpSpPr>
+        <p:cNvPr id="1" name=""/>
+        <p:cNvGrpSpPr/>
+        <p:nvPr/>
+      </p:nvGrpSpPr>
+      <p:grpSpPr>
+        <a:xfrm>
+          <a:off x="0" y="0"/>
+          <a:ext cx="0" cy="0"/>
+          <a:chOff x="0" y="0"/>
+          <a:chExt cx="0" cy="0"/>
+        </a:xfrm>
+      </p:grpSpPr>
+      <p:sp>
+        <p:nvSpPr>
+          <p:cNvPr id="2" name="Title 1">
+            <a:extLst>
+              <a:ext uri="{FF2B5EF4-FFF2-40B4-BE49-F238E27FC236}">
+                <a16:creationId xmlns:a16="http://schemas.microsoft.com/office/drawing/2014/main" id="{11D2AEC1-B86D-49DC-8240-FC110A098B47}"/>
+              </a:ext>
+            </a:extLst>
+          </p:cNvPr>
+          <p:cNvSpPr>
+            <a:spLocks noGrp="1"/>
+          </p:cNvSpPr>
+          <p:nvPr>
+            <p:ph type="title"/>
+          </p:nvPr>
+        </p:nvSpPr>
+        <p:spPr/>
+        <p:txBody>
+          <a:bodyPr/>
+          <a:lstStyle/>
+          <a:p>
+            <a:r>
+              <a:rPr lang="en-US" dirty="0"/>
+              <a:t>A FULL TIDYVERSE WORKFLOW</a:t>
+            </a:r>
+          </a:p>
+        </p:txBody>
+      </p:sp>
+      <p:sp>
+        <p:nvSpPr>
+          <p:cNvPr id="3" name="Content Placeholder 2">
+            <a:extLst>
+              <a:ext uri="{FF2B5EF4-FFF2-40B4-BE49-F238E27FC236}">
+                <a16:creationId xmlns:a16="http://schemas.microsoft.com/office/drawing/2014/main" id="{70465980-9286-4387-A5A5-A575E6590F74}"/>
+              </a:ext>
+            </a:extLst>
+          </p:cNvPr>
+          <p:cNvSpPr>
+            <a:spLocks noGrp="1"/>
+          </p:cNvSpPr>
+          <p:nvPr>
+            <p:ph idx="1"/>
+          </p:nvPr>
+        </p:nvSpPr>
+        <p:spPr/>
+        <p:txBody>
+          <a:bodyPr/>
+          <a:lstStyle/>
+          <a:p>
+            <a:endParaRPr lang="en-US"/>
+          </a:p>
+        </p:txBody>
+      </p:sp>
+      <p:sp>
+        <p:nvSpPr>
+          <p:cNvPr id="4" name="Date Placeholder 3">
+            <a:extLst>
+              <a:ext uri="{FF2B5EF4-FFF2-40B4-BE49-F238E27FC236}">
+                <a16:creationId xmlns:a16="http://schemas.microsoft.com/office/drawing/2014/main" id="{4E32AD3C-9F7E-457C-AE3F-422282C0F9E7}"/>
+              </a:ext>
+            </a:extLst>
+          </p:cNvPr>
+          <p:cNvSpPr>
+            <a:spLocks noGrp="1"/>
+          </p:cNvSpPr>
+          <p:nvPr>
+            <p:ph type="dt" sz="half" idx="10"/>
+          </p:nvPr>
+        </p:nvSpPr>
+        <p:spPr/>
+        <p:txBody>
+          <a:bodyPr/>
+          <a:lstStyle/>
+          <a:p>
+            <a:fld id="{8AAE40A0-A7D8-4DC3-BC9E-BADA32DA2004}" type="datetime4">
+              <a:rPr lang="en-US" smtClean="0"/>
+              <a:t>July 7, 2019</a:t>
+            </a:fld>
+            <a:endParaRPr lang="en-US" dirty="0"/>
+          </a:p>
+        </p:txBody>
+      </p:sp>
+      <p:sp>
+        <p:nvSpPr>
+          <p:cNvPr id="5" name="Footer Placeholder 4">
+            <a:extLst>
+              <a:ext uri="{FF2B5EF4-FFF2-40B4-BE49-F238E27FC236}">
+                <a16:creationId xmlns:a16="http://schemas.microsoft.com/office/drawing/2014/main" id="{FBC1C866-EB47-455D-BF46-BFC503046315}"/>
+              </a:ext>
+            </a:extLst>
+          </p:cNvPr>
+          <p:cNvSpPr>
+            <a:spLocks noGrp="1"/>
+          </p:cNvSpPr>
+          <p:nvPr>
+            <p:ph type="ftr" sz="quarter" idx="11"/>
+          </p:nvPr>
+        </p:nvSpPr>
+        <p:spPr/>
+        <p:txBody>
+          <a:bodyPr/>
+          <a:lstStyle/>
+          <a:p>
+            <a:r>
+              <a:rPr lang="en-US"/>
+              <a:t>Digital Scholarship Services </a:t>
+            </a:r>
+            <a:r>
+              <a:rPr lang="en-US">
+                <a:solidFill>
+                  <a:schemeClr val="accent1">
+                    <a:lumMod val="50000"/>
+                  </a:schemeClr>
+                </a:solidFill>
+              </a:rPr>
+              <a:t>| Email</a:t>
+            </a:r>
+            <a:r>
+              <a:rPr lang="en-US"/>
+              <a:t> cf24@rice.edu </a:t>
+            </a:r>
+            <a:r>
+              <a:rPr lang="en-US">
+                <a:solidFill>
+                  <a:schemeClr val="accent1">
+                    <a:lumMod val="50000"/>
+                  </a:schemeClr>
+                </a:solidFill>
+              </a:rPr>
+              <a:t>|</a:t>
+            </a:r>
+            <a:r>
+              <a:rPr lang="en-US"/>
+              <a:t> library.rice.edu/dss</a:t>
+            </a:r>
+            <a:endParaRPr lang="en-US" dirty="0"/>
+          </a:p>
+        </p:txBody>
+      </p:sp>
+      <p:sp>
+        <p:nvSpPr>
+          <p:cNvPr id="6" name="Slide Number Placeholder 5">
+            <a:extLst>
+              <a:ext uri="{FF2B5EF4-FFF2-40B4-BE49-F238E27FC236}">
+                <a16:creationId xmlns:a16="http://schemas.microsoft.com/office/drawing/2014/main" id="{2B03362D-7208-43A1-B722-15CB9305C312}"/>
+              </a:ext>
+            </a:extLst>
+          </p:cNvPr>
+          <p:cNvSpPr>
+            <a:spLocks noGrp="1"/>
+          </p:cNvSpPr>
+          <p:nvPr>
+            <p:ph type="sldNum" sz="quarter" idx="12"/>
+          </p:nvPr>
+        </p:nvSpPr>
+        <p:spPr/>
+        <p:txBody>
+          <a:bodyPr/>
+          <a:lstStyle/>
+          <a:p>
+            <a:fld id="{D57F1E4F-1CFF-5643-939E-02111984F565}" type="slidenum">
+              <a:rPr lang="en-US" smtClean="0"/>
+              <a:t>48</a:t>
+            </a:fld>
+            <a:endParaRPr lang="en-US" dirty="0"/>
+          </a:p>
+        </p:txBody>
+      </p:sp>
+    </p:spTree>
+    <p:extLst>
+      <p:ext uri="{BB962C8B-B14F-4D97-AF65-F5344CB8AC3E}">
+        <p14:creationId xmlns:p14="http://schemas.microsoft.com/office/powerpoint/2010/main" val="2605989437"/>
+      </p:ext>
+    </p:extLst>
+  </p:cSld>
+  <p:clrMapOvr>
+    <a:masterClrMapping/>
+  </p:clrMapOvr>
+</p:sld>
+</file>
+
+<file path=ppt/slides/slide49.xml><?xml version="1.0" encoding="utf-8"?>
+<p:sld xmlns:a="http://schemas.openxmlformats.org/drawingml/2006/main" xmlns:r="http://schemas.openxmlformats.org/officeDocument/2006/relationships" xmlns:p="http://schemas.openxmlformats.org/presentationml/2006/main">
+  <p:cSld>
+    <p:spTree>
+      <p:nvGrpSpPr>
+        <p:cNvPr id="1" name=""/>
+        <p:cNvGrpSpPr/>
+        <p:nvPr/>
+      </p:nvGrpSpPr>
+      <p:grpSpPr>
+        <a:xfrm>
+          <a:off x="0" y="0"/>
+          <a:ext cx="0" cy="0"/>
+          <a:chOff x="0" y="0"/>
+          <a:chExt cx="0" cy="0"/>
+        </a:xfrm>
+      </p:grpSpPr>
+      <p:sp>
+        <p:nvSpPr>
+          <p:cNvPr id="2" name="Title 1">
+            <a:extLst>
+              <a:ext uri="{FF2B5EF4-FFF2-40B4-BE49-F238E27FC236}">
+                <a16:creationId xmlns:a16="http://schemas.microsoft.com/office/drawing/2014/main" id="{A8909A85-5F97-4785-BA4C-680457A0F1AF}"/>
+              </a:ext>
+            </a:extLst>
+          </p:cNvPr>
+          <p:cNvSpPr>
+            <a:spLocks noGrp="1"/>
+          </p:cNvSpPr>
+          <p:nvPr>
+            <p:ph type="title"/>
+          </p:nvPr>
+        </p:nvSpPr>
+        <p:spPr/>
+        <p:txBody>
+          <a:bodyPr/>
+          <a:lstStyle/>
+          <a:p>
+            <a:r>
+              <a:rPr lang="en-US" dirty="0"/>
+              <a:t>ACKNOWLEDGEMENTS</a:t>
+            </a:r>
+          </a:p>
+        </p:txBody>
+      </p:sp>
+      <p:sp>
+        <p:nvSpPr>
+          <p:cNvPr id="7" name="Content Placeholder 6">
+            <a:extLst>
+              <a:ext uri="{FF2B5EF4-FFF2-40B4-BE49-F238E27FC236}">
+                <a16:creationId xmlns:a16="http://schemas.microsoft.com/office/drawing/2014/main" id="{063C36B6-F28F-4BE7-9B27-1DD6F6385857}"/>
+              </a:ext>
+            </a:extLst>
+          </p:cNvPr>
+          <p:cNvSpPr>
+            <a:spLocks noGrp="1"/>
+          </p:cNvSpPr>
+          <p:nvPr>
+            <p:ph idx="1"/>
+          </p:nvPr>
+        </p:nvSpPr>
+        <p:spPr/>
+        <p:txBody>
+          <a:bodyPr/>
+          <a:lstStyle/>
+          <a:p>
+            <a:r>
+              <a:rPr lang="en-US" dirty="0"/>
+              <a:t>Much of this tutorial is based on Hadley Wickham’s Amazing </a:t>
+            </a:r>
+            <a:r>
+              <a:rPr lang="en-US" i="1" dirty="0"/>
+              <a:t>R For Data Science</a:t>
+            </a:r>
+            <a:r>
+              <a:rPr lang="en-US" dirty="0"/>
+              <a:t>, available for free at </a:t>
+            </a:r>
+            <a:r>
+              <a:rPr lang="en-US" dirty="0">
+                <a:hlinkClick r:id="rId2"/>
+              </a:rPr>
+              <a:t>https://r4ds.had.co.nz</a:t>
+            </a:r>
+            <a:endParaRPr lang="en-US" dirty="0"/>
+          </a:p>
+          <a:p>
+            <a:r>
+              <a:rPr lang="en-US" dirty="0"/>
+              <a:t>The </a:t>
+            </a:r>
+            <a:r>
+              <a:rPr lang="en-US" dirty="0" err="1"/>
+              <a:t>tidyverse</a:t>
+            </a:r>
+            <a:r>
+              <a:rPr lang="en-US" dirty="0"/>
+              <a:t> hex stickers are used under the terms of the Creative Commons 1.0 Universal license.</a:t>
+            </a:r>
+          </a:p>
+        </p:txBody>
+      </p:sp>
+      <p:sp>
+        <p:nvSpPr>
+          <p:cNvPr id="4" name="Date Placeholder 3">
+            <a:extLst>
+              <a:ext uri="{FF2B5EF4-FFF2-40B4-BE49-F238E27FC236}">
+                <a16:creationId xmlns:a16="http://schemas.microsoft.com/office/drawing/2014/main" id="{6BD03D3F-8307-4B2B-85E0-9639DD7F7B8C}"/>
+              </a:ext>
+            </a:extLst>
+          </p:cNvPr>
+          <p:cNvSpPr>
+            <a:spLocks noGrp="1"/>
+          </p:cNvSpPr>
+          <p:nvPr>
+            <p:ph type="dt" sz="half" idx="10"/>
+          </p:nvPr>
+        </p:nvSpPr>
+        <p:spPr/>
+        <p:txBody>
+          <a:bodyPr/>
+          <a:lstStyle/>
+          <a:p>
+            <a:fld id="{8AAE40A0-A7D8-4DC3-BC9E-BADA32DA2004}" type="datetime4">
+              <a:rPr lang="en-US" smtClean="0"/>
+              <a:t>July 7, 2019</a:t>
+            </a:fld>
+            <a:endParaRPr lang="en-US" dirty="0"/>
+          </a:p>
+        </p:txBody>
+      </p:sp>
+      <p:sp>
+        <p:nvSpPr>
+          <p:cNvPr id="5" name="Footer Placeholder 4">
+            <a:extLst>
+              <a:ext uri="{FF2B5EF4-FFF2-40B4-BE49-F238E27FC236}">
+                <a16:creationId xmlns:a16="http://schemas.microsoft.com/office/drawing/2014/main" id="{07FB1389-2798-4D26-8CCE-27767E9E7F1D}"/>
+              </a:ext>
+            </a:extLst>
+          </p:cNvPr>
+          <p:cNvSpPr>
+            <a:spLocks noGrp="1"/>
+          </p:cNvSpPr>
+          <p:nvPr>
+            <p:ph type="ftr" sz="quarter" idx="11"/>
+          </p:nvPr>
+        </p:nvSpPr>
+        <p:spPr/>
+        <p:txBody>
+          <a:bodyPr/>
+          <a:lstStyle/>
+          <a:p>
+            <a:r>
+              <a:rPr lang="en-US"/>
+              <a:t>Digital Scholarship Services </a:t>
+            </a:r>
+            <a:r>
+              <a:rPr lang="en-US">
+                <a:solidFill>
+                  <a:schemeClr val="accent1">
+                    <a:lumMod val="50000"/>
+                  </a:schemeClr>
+                </a:solidFill>
+              </a:rPr>
+              <a:t>| Email</a:t>
+            </a:r>
+            <a:r>
+              <a:rPr lang="en-US"/>
+              <a:t> cf24@rice.edu </a:t>
+            </a:r>
+            <a:r>
+              <a:rPr lang="en-US">
+                <a:solidFill>
+                  <a:schemeClr val="accent1">
+                    <a:lumMod val="50000"/>
+                  </a:schemeClr>
+                </a:solidFill>
+              </a:rPr>
+              <a:t>|</a:t>
+            </a:r>
+            <a:r>
+              <a:rPr lang="en-US"/>
+              <a:t> library.rice.edu/dss</a:t>
+            </a:r>
+            <a:endParaRPr lang="en-US" dirty="0"/>
+          </a:p>
+        </p:txBody>
+      </p:sp>
+      <p:sp>
+        <p:nvSpPr>
+          <p:cNvPr id="6" name="Slide Number Placeholder 5">
+            <a:extLst>
+              <a:ext uri="{FF2B5EF4-FFF2-40B4-BE49-F238E27FC236}">
+                <a16:creationId xmlns:a16="http://schemas.microsoft.com/office/drawing/2014/main" id="{D9EB88B7-3533-4306-8F51-5BF384EBA51E}"/>
+              </a:ext>
+            </a:extLst>
+          </p:cNvPr>
+          <p:cNvSpPr>
+            <a:spLocks noGrp="1"/>
+          </p:cNvSpPr>
+          <p:nvPr>
+            <p:ph type="sldNum" sz="quarter" idx="12"/>
+          </p:nvPr>
+        </p:nvSpPr>
+        <p:spPr/>
+        <p:txBody>
+          <a:bodyPr/>
+          <a:lstStyle/>
+          <a:p>
+            <a:fld id="{D57F1E4F-1CFF-5643-939E-02111984F565}" type="slidenum">
+              <a:rPr lang="en-US" smtClean="0"/>
+              <a:t>49</a:t>
+            </a:fld>
+            <a:endParaRPr lang="en-US" dirty="0"/>
+          </a:p>
+        </p:txBody>
+      </p:sp>
+    </p:spTree>
+    <p:extLst>
+      <p:ext uri="{BB962C8B-B14F-4D97-AF65-F5344CB8AC3E}">
+        <p14:creationId xmlns:p14="http://schemas.microsoft.com/office/powerpoint/2010/main" val="1583061505"/>
       </p:ext>
     </p:extLst>
   </p:cSld>
@@ -12953,14 +17281,20 @@
           <a:lstStyle/>
           <a:p>
             <a:r>
-              <a:rPr lang="en-US" dirty="0"/>
-              <a:t>Scatter</a:t>
-            </a:r>
-          </a:p>
-          <a:p>
-            <a:r>
-              <a:rPr lang="en-US" dirty="0"/>
-              <a:t>Gather</a:t>
+              <a:rPr lang="en-US" dirty="0">
+                <a:latin typeface="Courier New" panose="02070309020205020404" pitchFamily="49" charset="0"/>
+                <a:cs typeface="Courier New" panose="02070309020205020404" pitchFamily="49" charset="0"/>
+              </a:rPr>
+              <a:t>scatter</a:t>
+            </a:r>
+          </a:p>
+          <a:p>
+            <a:r>
+              <a:rPr lang="en-US" dirty="0">
+                <a:latin typeface="Courier New" panose="02070309020205020404" pitchFamily="49" charset="0"/>
+                <a:cs typeface="Courier New" panose="02070309020205020404" pitchFamily="49" charset="0"/>
+              </a:rPr>
+              <a:t>gather</a:t>
             </a:r>
           </a:p>
         </p:txBody>
@@ -13536,7 +17870,135 @@
           <a:bodyPr/>
           <a:lstStyle/>
           <a:p>
-            <a:endParaRPr lang="en-US"/>
+            <a:r>
+              <a:rPr lang="en-US" dirty="0"/>
+              <a:t>Convert an existing </a:t>
+            </a:r>
+            <a:r>
+              <a:rPr lang="en-US" dirty="0" err="1">
+                <a:latin typeface="Courier New" panose="02070309020205020404" pitchFamily="49" charset="0"/>
+                <a:cs typeface="Courier New" panose="02070309020205020404" pitchFamily="49" charset="0"/>
+              </a:rPr>
+              <a:t>data.frame</a:t>
+            </a:r>
+            <a:r>
+              <a:rPr lang="en-US" dirty="0"/>
+              <a:t> to a </a:t>
+            </a:r>
+            <a:r>
+              <a:rPr lang="en-US" dirty="0" err="1">
+                <a:latin typeface="Courier New" panose="02070309020205020404" pitchFamily="49" charset="0"/>
+                <a:cs typeface="Courier New" panose="02070309020205020404" pitchFamily="49" charset="0"/>
+              </a:rPr>
+              <a:t>tibble</a:t>
+            </a:r>
+            <a:r>
+              <a:rPr lang="en-US" dirty="0"/>
+              <a:t>:</a:t>
+            </a:r>
+          </a:p>
+          <a:p>
+            <a:pPr lvl="1"/>
+            <a:r>
+              <a:rPr lang="en-US" sz="2800" dirty="0" err="1">
+                <a:latin typeface="Courier New" panose="02070309020205020404" pitchFamily="49" charset="0"/>
+                <a:cs typeface="Courier New" panose="02070309020205020404" pitchFamily="49" charset="0"/>
+              </a:rPr>
+              <a:t>as_tibble</a:t>
+            </a:r>
+            <a:r>
+              <a:rPr lang="en-US" sz="2800" dirty="0">
+                <a:latin typeface="Courier New" panose="02070309020205020404" pitchFamily="49" charset="0"/>
+                <a:cs typeface="Courier New" panose="02070309020205020404" pitchFamily="49" charset="0"/>
+              </a:rPr>
+              <a:t>(df)</a:t>
+            </a:r>
+          </a:p>
+          <a:p>
+            <a:r>
+              <a:rPr lang="en-US" dirty="0"/>
+              <a:t>Convert an existing </a:t>
+            </a:r>
+            <a:r>
+              <a:rPr lang="en-US" dirty="0" err="1">
+                <a:latin typeface="Courier New" panose="02070309020205020404" pitchFamily="49" charset="0"/>
+                <a:cs typeface="Courier New" panose="02070309020205020404" pitchFamily="49" charset="0"/>
+              </a:rPr>
+              <a:t>tibble</a:t>
+            </a:r>
+            <a:r>
+              <a:rPr lang="en-US" dirty="0"/>
+              <a:t> to a </a:t>
+            </a:r>
+            <a:r>
+              <a:rPr lang="en-US" dirty="0" err="1">
+                <a:latin typeface="Courier New" panose="02070309020205020404" pitchFamily="49" charset="0"/>
+                <a:cs typeface="Courier New" panose="02070309020205020404" pitchFamily="49" charset="0"/>
+              </a:rPr>
+              <a:t>data.frame</a:t>
+            </a:r>
+            <a:r>
+              <a:rPr lang="en-US" dirty="0">
+                <a:latin typeface="Courier New" panose="02070309020205020404" pitchFamily="49" charset="0"/>
+                <a:cs typeface="Courier New" panose="02070309020205020404" pitchFamily="49" charset="0"/>
+              </a:rPr>
+              <a:t>:</a:t>
+            </a:r>
+          </a:p>
+          <a:p>
+            <a:pPr lvl="1"/>
+            <a:r>
+              <a:rPr lang="en-US" sz="2800" dirty="0" err="1">
+                <a:latin typeface="Courier New" panose="02070309020205020404" pitchFamily="49" charset="0"/>
+                <a:cs typeface="Courier New" panose="02070309020205020404" pitchFamily="49" charset="0"/>
+              </a:rPr>
+              <a:t>as.data.frame</a:t>
+            </a:r>
+            <a:r>
+              <a:rPr lang="en-US" sz="2800" dirty="0">
+                <a:latin typeface="Courier New" panose="02070309020205020404" pitchFamily="49" charset="0"/>
+                <a:cs typeface="Courier New" panose="02070309020205020404" pitchFamily="49" charset="0"/>
+              </a:rPr>
+              <a:t>(</a:t>
+            </a:r>
+            <a:r>
+              <a:rPr lang="en-US" sz="2800" dirty="0" err="1">
+                <a:latin typeface="Courier New" panose="02070309020205020404" pitchFamily="49" charset="0"/>
+                <a:cs typeface="Courier New" panose="02070309020205020404" pitchFamily="49" charset="0"/>
+              </a:rPr>
+              <a:t>tbl</a:t>
+            </a:r>
+            <a:r>
+              <a:rPr lang="en-US" sz="2800" dirty="0">
+                <a:latin typeface="Courier New" panose="02070309020205020404" pitchFamily="49" charset="0"/>
+                <a:cs typeface="Courier New" panose="02070309020205020404" pitchFamily="49" charset="0"/>
+              </a:rPr>
+              <a:t>)</a:t>
+            </a:r>
+          </a:p>
+          <a:p>
+            <a:r>
+              <a:rPr lang="en-US" dirty="0"/>
+              <a:t>Typical asymmetry</a:t>
+            </a:r>
+          </a:p>
+          <a:p>
+            <a:pPr lvl="1"/>
+            <a:r>
+              <a:rPr lang="en-US" dirty="0"/>
+              <a:t>Base R uses periods a lot</a:t>
+            </a:r>
+          </a:p>
+          <a:p>
+            <a:pPr lvl="1"/>
+            <a:r>
+              <a:rPr lang="en-US" dirty="0" err="1"/>
+              <a:t>Tidyverse</a:t>
+            </a:r>
+            <a:r>
+              <a:rPr lang="en-US" dirty="0"/>
+              <a:t> prefers underscores</a:t>
+            </a:r>
           </a:p>
         </p:txBody>
       </p:sp>

--- a/Rviz/R Visualization and Data Manipulation.pptx
+++ b/Rviz/R Visualization and Data Manipulation.pptx
@@ -5,7 +5,7 @@
     <p:sldMasterId id="2147483707" r:id="rId1"/>
   </p:sldMasterIdLst>
   <p:notesMasterIdLst>
-    <p:notesMasterId r:id="rId51"/>
+    <p:notesMasterId r:id="rId49"/>
   </p:notesMasterIdLst>
   <p:sldIdLst>
     <p:sldId id="266" r:id="rId2"/>
@@ -44,19 +44,17 @@
     <p:sldId id="268" r:id="rId35"/>
     <p:sldId id="292" r:id="rId36"/>
     <p:sldId id="296" r:id="rId37"/>
-    <p:sldId id="297" r:id="rId38"/>
-    <p:sldId id="293" r:id="rId39"/>
-    <p:sldId id="299" r:id="rId40"/>
-    <p:sldId id="300" r:id="rId41"/>
-    <p:sldId id="301" r:id="rId42"/>
+    <p:sldId id="293" r:id="rId38"/>
+    <p:sldId id="299" r:id="rId39"/>
+    <p:sldId id="300" r:id="rId40"/>
+    <p:sldId id="301" r:id="rId41"/>
+    <p:sldId id="298" r:id="rId42"/>
     <p:sldId id="294" r:id="rId43"/>
-    <p:sldId id="298" r:id="rId44"/>
-    <p:sldId id="302" r:id="rId45"/>
-    <p:sldId id="291" r:id="rId46"/>
-    <p:sldId id="289" r:id="rId47"/>
-    <p:sldId id="295" r:id="rId48"/>
-    <p:sldId id="290" r:id="rId49"/>
-    <p:sldId id="272" r:id="rId50"/>
+    <p:sldId id="302" r:id="rId44"/>
+    <p:sldId id="289" r:id="rId45"/>
+    <p:sldId id="295" r:id="rId46"/>
+    <p:sldId id="290" r:id="rId47"/>
+    <p:sldId id="272" r:id="rId48"/>
   </p:sldIdLst>
   <p:sldSz cx="12192000" cy="6858000"/>
   <p:notesSz cx="6858000" cy="9144000"/>
@@ -13149,17 +13147,8 @@
               <a:rPr lang="en-US" dirty="0">
                 <a:cs typeface="Courier New" panose="02070309020205020404" pitchFamily="49" charset="0"/>
               </a:rPr>
-              <a:t>at the end of a line (not the start of </a:t>
-            </a:r>
-            <a:r>
-              <a:rPr lang="en-US">
-                <a:cs typeface="Courier New" panose="02070309020205020404" pitchFamily="49" charset="0"/>
-              </a:rPr>
-              <a:t>the next one!)</a:t>
-            </a:r>
-            <a:endParaRPr lang="en-US" dirty="0">
-              <a:cs typeface="Courier New" panose="02070309020205020404" pitchFamily="49" charset="0"/>
-            </a:endParaRPr>
+              <a:t>at the end of a line (not the start of the next one!)</a:t>
+            </a:r>
           </a:p>
           <a:p>
             <a:pPr lvl="1"/>
@@ -13664,7 +13653,23 @@
           <a:bodyPr/>
           <a:lstStyle/>
           <a:p>
-            <a:endParaRPr lang="en-US"/>
+            <a:r>
+              <a:rPr lang="en-US" dirty="0"/>
+              <a:t>Add aspects of the plot, one-by-one</a:t>
+            </a:r>
+          </a:p>
+          <a:p>
+            <a:pPr lvl="1"/>
+            <a:r>
+              <a:rPr lang="en-US" dirty="0"/>
+              <a:t>Most plotting programs make you decide on everything at once</a:t>
+            </a:r>
+          </a:p>
+          <a:p>
+            <a:r>
+              <a:rPr lang="en-US" dirty="0"/>
+              <a:t>Coordinate system, type of plot, labels, facets….</a:t>
+            </a:r>
           </a:p>
         </p:txBody>
       </p:sp>
@@ -13862,7 +13867,66 @@
           <a:bodyPr/>
           <a:lstStyle/>
           <a:p>
-            <a:endParaRPr lang="en-US" dirty="0"/>
+            <a:r>
+              <a:rPr lang="en-US" dirty="0"/>
+              <a:t>Created when you call </a:t>
+            </a:r>
+            <a:r>
+              <a:rPr lang="en-US" dirty="0" err="1">
+                <a:latin typeface="Courier New" panose="02070309020205020404" pitchFamily="49" charset="0"/>
+                <a:cs typeface="Courier New" panose="02070309020205020404" pitchFamily="49" charset="0"/>
+              </a:rPr>
+              <a:t>ggplot</a:t>
+            </a:r>
+            <a:r>
+              <a:rPr lang="en-US" dirty="0">
+                <a:latin typeface="Courier New" panose="02070309020205020404" pitchFamily="49" charset="0"/>
+                <a:cs typeface="Courier New" panose="02070309020205020404" pitchFamily="49" charset="0"/>
+              </a:rPr>
+              <a:t>(data = …)</a:t>
+            </a:r>
+          </a:p>
+          <a:p>
+            <a:r>
+              <a:rPr lang="en-US" dirty="0"/>
+              <a:t>Changed by </a:t>
+            </a:r>
+            <a:r>
+              <a:rPr lang="en-US" dirty="0" err="1">
+                <a:latin typeface="Courier New" panose="02070309020205020404" pitchFamily="49" charset="0"/>
+                <a:cs typeface="Courier New" panose="02070309020205020404" pitchFamily="49" charset="0"/>
+              </a:rPr>
+              <a:t>coord_flip</a:t>
+            </a:r>
+            <a:r>
+              <a:rPr lang="en-US" dirty="0">
+                <a:latin typeface="Courier New" panose="02070309020205020404" pitchFamily="49" charset="0"/>
+                <a:cs typeface="Courier New" panose="02070309020205020404" pitchFamily="49" charset="0"/>
+              </a:rPr>
+              <a:t>() </a:t>
+            </a:r>
+            <a:r>
+              <a:rPr lang="en-US" dirty="0"/>
+              <a:t>and </a:t>
+            </a:r>
+            <a:r>
+              <a:rPr lang="en-US" dirty="0" err="1">
+                <a:latin typeface="Courier New" panose="02070309020205020404" pitchFamily="49" charset="0"/>
+                <a:cs typeface="Courier New" panose="02070309020205020404" pitchFamily="49" charset="0"/>
+              </a:rPr>
+              <a:t>coord_polar</a:t>
+            </a:r>
+            <a:r>
+              <a:rPr lang="en-US" dirty="0">
+                <a:latin typeface="Courier New" panose="02070309020205020404" pitchFamily="49" charset="0"/>
+                <a:cs typeface="Courier New" panose="02070309020205020404" pitchFamily="49" charset="0"/>
+              </a:rPr>
+              <a:t>(),</a:t>
+            </a:r>
+            <a:r>
+              <a:rPr lang="en-US" dirty="0"/>
+              <a:t> for example</a:t>
+            </a:r>
           </a:p>
         </p:txBody>
       </p:sp>
@@ -14060,7 +14124,45 @@
           <a:bodyPr/>
           <a:lstStyle/>
           <a:p>
-            <a:endParaRPr lang="en-US"/>
+            <a:r>
+              <a:rPr lang="en-US" dirty="0"/>
+              <a:t>How to tell </a:t>
+            </a:r>
+            <a:r>
+              <a:rPr lang="en-US" dirty="0" err="1">
+                <a:latin typeface="Courier New" panose="02070309020205020404" pitchFamily="49" charset="0"/>
+                <a:cs typeface="Courier New" panose="02070309020205020404" pitchFamily="49" charset="0"/>
+              </a:rPr>
+              <a:t>ggplot</a:t>
+            </a:r>
+            <a:r>
+              <a:rPr lang="en-US" dirty="0"/>
+              <a:t> what you want to use your data as</a:t>
+            </a:r>
+          </a:p>
+          <a:p>
+            <a:r>
+              <a:rPr lang="en-US" dirty="0"/>
+              <a:t>Usually, </a:t>
+            </a:r>
+            <a:r>
+              <a:rPr lang="en-US" dirty="0">
+                <a:latin typeface="Courier New" panose="02070309020205020404" pitchFamily="49" charset="0"/>
+                <a:cs typeface="Courier New" panose="02070309020205020404" pitchFamily="49" charset="0"/>
+              </a:rPr>
+              <a:t>x = …, </a:t>
+            </a:r>
+            <a:r>
+              <a:rPr lang="en-US" dirty="0"/>
+              <a:t>and </a:t>
+            </a:r>
+            <a:r>
+              <a:rPr lang="en-US" dirty="0">
+                <a:latin typeface="Courier New" panose="02070309020205020404" pitchFamily="49" charset="0"/>
+                <a:cs typeface="Courier New" panose="02070309020205020404" pitchFamily="49" charset="0"/>
+              </a:rPr>
+              <a:t>y = …, color = …</a:t>
+            </a:r>
           </a:p>
         </p:txBody>
       </p:sp>
@@ -14214,7 +14316,7 @@
           <p:cNvPr id="2" name="Title 1">
             <a:extLst>
               <a:ext uri="{FF2B5EF4-FFF2-40B4-BE49-F238E27FC236}">
-                <a16:creationId xmlns:a16="http://schemas.microsoft.com/office/drawing/2014/main" id="{3F2FCEAC-2500-40D0-B447-4F4FC89121D5}"/>
+                <a16:creationId xmlns:a16="http://schemas.microsoft.com/office/drawing/2014/main" id="{C0CB272F-7F81-477F-8457-DF92B499DBC9}"/>
               </a:ext>
             </a:extLst>
           </p:cNvPr>
@@ -14232,7 +14334,7 @@
           <a:p>
             <a:r>
               <a:rPr lang="en-US" dirty="0"/>
-              <a:t>STATS</a:t>
+              <a:t>PLOTS (GEOMS)</a:t>
             </a:r>
           </a:p>
         </p:txBody>
@@ -14242,7 +14344,7 @@
           <p:cNvPr id="3" name="Content Placeholder 2">
             <a:extLst>
               <a:ext uri="{FF2B5EF4-FFF2-40B4-BE49-F238E27FC236}">
-                <a16:creationId xmlns:a16="http://schemas.microsoft.com/office/drawing/2014/main" id="{8121A63E-863F-463B-85EA-DB4619122CFF}"/>
+                <a16:creationId xmlns:a16="http://schemas.microsoft.com/office/drawing/2014/main" id="{6BC707E2-E3EA-4C43-9AA0-BE38BA10BAC3}"/>
               </a:ext>
             </a:extLst>
           </p:cNvPr>
@@ -14258,7 +14360,71 @@
           <a:bodyPr/>
           <a:lstStyle/>
           <a:p>
-            <a:endParaRPr lang="en-US"/>
+            <a:r>
+              <a:rPr lang="en-US" dirty="0"/>
+              <a:t>All plotting functions in </a:t>
+            </a:r>
+            <a:r>
+              <a:rPr lang="en-US" dirty="0" err="1">
+                <a:latin typeface="Courier New" panose="02070309020205020404" pitchFamily="49" charset="0"/>
+                <a:cs typeface="Courier New" panose="02070309020205020404" pitchFamily="49" charset="0"/>
+              </a:rPr>
+              <a:t>ggplot</a:t>
+            </a:r>
+            <a:r>
+              <a:rPr lang="en-US" dirty="0"/>
+              <a:t> start with </a:t>
+            </a:r>
+            <a:r>
+              <a:rPr lang="en-US" dirty="0" err="1">
+                <a:latin typeface="Courier New" panose="02070309020205020404" pitchFamily="49" charset="0"/>
+                <a:cs typeface="Courier New" panose="02070309020205020404" pitchFamily="49" charset="0"/>
+              </a:rPr>
+              <a:t>geom</a:t>
+            </a:r>
+            <a:r>
+              <a:rPr lang="en-US" dirty="0"/>
+              <a:t>_, to indicate they contain some geometric information in them</a:t>
+            </a:r>
+          </a:p>
+          <a:p>
+            <a:r>
+              <a:rPr lang="en-US" dirty="0"/>
+              <a:t>Examples: scatterplots (</a:t>
+            </a:r>
+            <a:r>
+              <a:rPr lang="en-US" dirty="0" err="1">
+                <a:latin typeface="Courier New" panose="02070309020205020404" pitchFamily="49" charset="0"/>
+                <a:cs typeface="Courier New" panose="02070309020205020404" pitchFamily="49" charset="0"/>
+              </a:rPr>
+              <a:t>geom_point</a:t>
+            </a:r>
+            <a:r>
+              <a:rPr lang="en-US" dirty="0"/>
+              <a:t>), boxplots (</a:t>
+            </a:r>
+            <a:r>
+              <a:rPr lang="en-US" dirty="0" err="1">
+                <a:latin typeface="Courier New" panose="02070309020205020404" pitchFamily="49" charset="0"/>
+                <a:cs typeface="Courier New" panose="02070309020205020404" pitchFamily="49" charset="0"/>
+              </a:rPr>
+              <a:t>geom_boxplot</a:t>
+            </a:r>
+            <a:r>
+              <a:rPr lang="en-US" dirty="0"/>
+              <a:t>), histograms (</a:t>
+            </a:r>
+            <a:r>
+              <a:rPr lang="en-US" dirty="0" err="1">
+                <a:latin typeface="Courier New" panose="02070309020205020404" pitchFamily="49" charset="0"/>
+                <a:cs typeface="Courier New" panose="02070309020205020404" pitchFamily="49" charset="0"/>
+              </a:rPr>
+              <a:t>geom_histogram</a:t>
+            </a:r>
+            <a:r>
+              <a:rPr lang="en-US" dirty="0"/>
+              <a:t>)</a:t>
+            </a:r>
           </a:p>
         </p:txBody>
       </p:sp>
@@ -14267,7 +14433,7 @@
           <p:cNvPr id="4" name="Date Placeholder 3">
             <a:extLst>
               <a:ext uri="{FF2B5EF4-FFF2-40B4-BE49-F238E27FC236}">
-                <a16:creationId xmlns:a16="http://schemas.microsoft.com/office/drawing/2014/main" id="{E16A380E-0B0F-4BC2-923E-26A60084299E}"/>
+                <a16:creationId xmlns:a16="http://schemas.microsoft.com/office/drawing/2014/main" id="{93CFF671-EF2F-4B41-B0DF-212711FF9111}"/>
               </a:ext>
             </a:extLst>
           </p:cNvPr>
@@ -14296,7 +14462,7 @@
           <p:cNvPr id="5" name="Footer Placeholder 4">
             <a:extLst>
               <a:ext uri="{FF2B5EF4-FFF2-40B4-BE49-F238E27FC236}">
-                <a16:creationId xmlns:a16="http://schemas.microsoft.com/office/drawing/2014/main" id="{6368E7F1-5952-4CD5-928E-D5BD868DE63F}"/>
+                <a16:creationId xmlns:a16="http://schemas.microsoft.com/office/drawing/2014/main" id="{FE0384EA-9794-42B6-89F0-804EDF8F71F2}"/>
               </a:ext>
             </a:extLst>
           </p:cNvPr>
@@ -14353,7 +14519,7 @@
           <p:cNvPr id="6" name="Slide Number Placeholder 5">
             <a:extLst>
               <a:ext uri="{FF2B5EF4-FFF2-40B4-BE49-F238E27FC236}">
-                <a16:creationId xmlns:a16="http://schemas.microsoft.com/office/drawing/2014/main" id="{8E3A041A-1824-4A4D-A98C-12CC6F5E7B9D}"/>
+                <a16:creationId xmlns:a16="http://schemas.microsoft.com/office/drawing/2014/main" id="{F7D9DA6F-0E92-4216-B0CA-EB20441D3903}"/>
               </a:ext>
             </a:extLst>
           </p:cNvPr>
@@ -14380,7 +14546,7 @@
     </p:spTree>
     <p:extLst>
       <p:ext uri="{BB962C8B-B14F-4D97-AF65-F5344CB8AC3E}">
-        <p14:creationId xmlns:p14="http://schemas.microsoft.com/office/powerpoint/2010/main" val="2738704153"/>
+        <p14:creationId xmlns:p14="http://schemas.microsoft.com/office/powerpoint/2010/main" val="3534530202"/>
       </p:ext>
     </p:extLst>
   </p:cSld>
@@ -14430,7 +14596,7 @@
           <a:p>
             <a:r>
               <a:rPr lang="en-US" dirty="0"/>
-              <a:t>PLOTS (GEOMS)</a:t>
+              <a:t>PLOTS (GEOMS): SCATTERPLOTS</a:t>
             </a:r>
           </a:p>
         </p:txBody>
@@ -14456,7 +14622,67 @@
           <a:bodyPr/>
           <a:lstStyle/>
           <a:p>
-            <a:endParaRPr lang="en-US"/>
+            <a:r>
+              <a:rPr lang="en-US" dirty="0"/>
+              <a:t>Scatterplots are made with the </a:t>
+            </a:r>
+            <a:r>
+              <a:rPr lang="en-US" dirty="0" err="1">
+                <a:latin typeface="Courier New" panose="02070309020205020404" pitchFamily="49" charset="0"/>
+                <a:cs typeface="Courier New" panose="02070309020205020404" pitchFamily="49" charset="0"/>
+              </a:rPr>
+              <a:t>geom_point</a:t>
+            </a:r>
+            <a:r>
+              <a:rPr lang="en-US" dirty="0">
+                <a:latin typeface="Courier New" panose="02070309020205020404" pitchFamily="49" charset="0"/>
+                <a:cs typeface="Courier New" panose="02070309020205020404" pitchFamily="49" charset="0"/>
+              </a:rPr>
+              <a:t>() </a:t>
+            </a:r>
+            <a:r>
+              <a:rPr lang="en-US" dirty="0"/>
+              <a:t>function</a:t>
+            </a:r>
+          </a:p>
+          <a:p>
+            <a:r>
+              <a:rPr lang="en-US" dirty="0"/>
+              <a:t>Needs aesthetic mapping for </a:t>
+            </a:r>
+            <a:r>
+              <a:rPr lang="en-US" dirty="0">
+                <a:latin typeface="Courier New" panose="02070309020205020404" pitchFamily="49" charset="0"/>
+                <a:cs typeface="Courier New" panose="02070309020205020404" pitchFamily="49" charset="0"/>
+              </a:rPr>
+              <a:t>x</a:t>
+            </a:r>
+            <a:r>
+              <a:rPr lang="en-US" dirty="0"/>
+              <a:t> and </a:t>
+            </a:r>
+            <a:r>
+              <a:rPr lang="en-US" dirty="0">
+                <a:latin typeface="Courier New" panose="02070309020205020404" pitchFamily="49" charset="0"/>
+                <a:cs typeface="Courier New" panose="02070309020205020404" pitchFamily="49" charset="0"/>
+              </a:rPr>
+              <a:t>y.</a:t>
+            </a:r>
+            <a:r>
+              <a:rPr lang="en-US" dirty="0"/>
+              <a:t> Can use </a:t>
+            </a:r>
+            <a:r>
+              <a:rPr lang="en-US" dirty="0">
+                <a:latin typeface="Courier New" panose="02070309020205020404" pitchFamily="49" charset="0"/>
+                <a:cs typeface="Courier New" panose="02070309020205020404" pitchFamily="49" charset="0"/>
+              </a:rPr>
+              <a:t>color</a:t>
+            </a:r>
+            <a:r>
+              <a:rPr lang="en-US" dirty="0"/>
+              <a:t> as well!</a:t>
+            </a:r>
           </a:p>
         </p:txBody>
       </p:sp>
@@ -14578,7 +14804,7 @@
     </p:spTree>
     <p:extLst>
       <p:ext uri="{BB962C8B-B14F-4D97-AF65-F5344CB8AC3E}">
-        <p14:creationId xmlns:p14="http://schemas.microsoft.com/office/powerpoint/2010/main" val="3534530202"/>
+        <p14:creationId xmlns:p14="http://schemas.microsoft.com/office/powerpoint/2010/main" val="1599416469"/>
       </p:ext>
     </p:extLst>
   </p:cSld>
@@ -14628,7 +14854,7 @@
           <a:p>
             <a:r>
               <a:rPr lang="en-US" dirty="0"/>
-              <a:t>PLOTS (GEOMS): POINTS</a:t>
+              <a:t>PLOTS (GEOMS): BOXPLOTS</a:t>
             </a:r>
           </a:p>
         </p:txBody>
@@ -14654,7 +14880,45 @@
           <a:bodyPr/>
           <a:lstStyle/>
           <a:p>
-            <a:endParaRPr lang="en-US"/>
+            <a:r>
+              <a:rPr lang="en-US" dirty="0"/>
+              <a:t>Boxplots are made with the </a:t>
+            </a:r>
+            <a:r>
+              <a:rPr lang="en-US" dirty="0" err="1">
+                <a:latin typeface="Courier New" panose="02070309020205020404" pitchFamily="49" charset="0"/>
+                <a:cs typeface="Courier New" panose="02070309020205020404" pitchFamily="49" charset="0"/>
+              </a:rPr>
+              <a:t>geom_boxplot</a:t>
+            </a:r>
+            <a:r>
+              <a:rPr lang="en-US" dirty="0">
+                <a:latin typeface="Courier New" panose="02070309020205020404" pitchFamily="49" charset="0"/>
+                <a:cs typeface="Courier New" panose="02070309020205020404" pitchFamily="49" charset="0"/>
+              </a:rPr>
+              <a:t>()</a:t>
+            </a:r>
+            <a:r>
+              <a:rPr lang="en-US" dirty="0"/>
+              <a:t> function</a:t>
+            </a:r>
+          </a:p>
+          <a:p>
+            <a:r>
+              <a:rPr lang="en-US" dirty="0"/>
+              <a:t>Only needs </a:t>
+            </a:r>
+            <a:r>
+              <a:rPr lang="en-US" dirty="0">
+                <a:latin typeface="Courier New" panose="02070309020205020404" pitchFamily="49" charset="0"/>
+                <a:cs typeface="Courier New" panose="02070309020205020404" pitchFamily="49" charset="0"/>
+              </a:rPr>
+              <a:t>y</a:t>
+            </a:r>
+            <a:r>
+              <a:rPr lang="en-US" dirty="0"/>
+              <a:t> mapping.</a:t>
+            </a:r>
           </a:p>
         </p:txBody>
       </p:sp>
@@ -14776,7 +15040,7 @@
     </p:spTree>
     <p:extLst>
       <p:ext uri="{BB962C8B-B14F-4D97-AF65-F5344CB8AC3E}">
-        <p14:creationId xmlns:p14="http://schemas.microsoft.com/office/powerpoint/2010/main" val="1599416469"/>
+        <p14:creationId xmlns:p14="http://schemas.microsoft.com/office/powerpoint/2010/main" val="2013860168"/>
       </p:ext>
     </p:extLst>
   </p:cSld>
@@ -15023,7 +15287,7 @@
           <p:cNvPr id="2" name="Title 1">
             <a:extLst>
               <a:ext uri="{FF2B5EF4-FFF2-40B4-BE49-F238E27FC236}">
-                <a16:creationId xmlns:a16="http://schemas.microsoft.com/office/drawing/2014/main" id="{C0CB272F-7F81-477F-8457-DF92B499DBC9}"/>
+                <a16:creationId xmlns:a16="http://schemas.microsoft.com/office/drawing/2014/main" id="{90949A2E-AE39-4CCA-B55F-42F285F22D3C}"/>
               </a:ext>
             </a:extLst>
           </p:cNvPr>
@@ -15041,7 +15305,7 @@
           <a:p>
             <a:r>
               <a:rPr lang="en-US" dirty="0"/>
-              <a:t>PLOTS (GEOMS): BOXPLOTS</a:t>
+              <a:t>PLOTS (GEOMS): HISTOGRAMS</a:t>
             </a:r>
           </a:p>
         </p:txBody>
@@ -15051,7 +15315,7 @@
           <p:cNvPr id="3" name="Content Placeholder 2">
             <a:extLst>
               <a:ext uri="{FF2B5EF4-FFF2-40B4-BE49-F238E27FC236}">
-                <a16:creationId xmlns:a16="http://schemas.microsoft.com/office/drawing/2014/main" id="{6BC707E2-E3EA-4C43-9AA0-BE38BA10BAC3}"/>
+                <a16:creationId xmlns:a16="http://schemas.microsoft.com/office/drawing/2014/main" id="{0F728FFC-928C-48A4-B460-584EF7C0D4FF}"/>
               </a:ext>
             </a:extLst>
           </p:cNvPr>
@@ -15067,7 +15331,45 @@
           <a:bodyPr/>
           <a:lstStyle/>
           <a:p>
-            <a:endParaRPr lang="en-US"/>
+            <a:r>
+              <a:rPr lang="en-US" dirty="0"/>
+              <a:t>Histograms are made with the </a:t>
+            </a:r>
+            <a:r>
+              <a:rPr lang="en-US" dirty="0" err="1">
+                <a:latin typeface="Courier New" panose="02070309020205020404" pitchFamily="49" charset="0"/>
+                <a:cs typeface="Courier New" panose="02070309020205020404" pitchFamily="49" charset="0"/>
+              </a:rPr>
+              <a:t>geom_histogram</a:t>
+            </a:r>
+            <a:r>
+              <a:rPr lang="en-US" dirty="0">
+                <a:latin typeface="Courier New" panose="02070309020205020404" pitchFamily="49" charset="0"/>
+                <a:cs typeface="Courier New" panose="02070309020205020404" pitchFamily="49" charset="0"/>
+              </a:rPr>
+              <a:t>()</a:t>
+            </a:r>
+            <a:r>
+              <a:rPr lang="en-US" dirty="0"/>
+              <a:t> function</a:t>
+            </a:r>
+          </a:p>
+          <a:p>
+            <a:r>
+              <a:rPr lang="en-US" dirty="0"/>
+              <a:t>Only needs </a:t>
+            </a:r>
+            <a:r>
+              <a:rPr lang="en-US" dirty="0">
+                <a:latin typeface="Courier New" panose="02070309020205020404" pitchFamily="49" charset="0"/>
+                <a:cs typeface="Courier New" panose="02070309020205020404" pitchFamily="49" charset="0"/>
+              </a:rPr>
+              <a:t>x</a:t>
+            </a:r>
+            <a:r>
+              <a:rPr lang="en-US" dirty="0"/>
+              <a:t> mapping.</a:t>
+            </a:r>
           </a:p>
         </p:txBody>
       </p:sp>
@@ -15076,7 +15378,7 @@
           <p:cNvPr id="4" name="Date Placeholder 3">
             <a:extLst>
               <a:ext uri="{FF2B5EF4-FFF2-40B4-BE49-F238E27FC236}">
-                <a16:creationId xmlns:a16="http://schemas.microsoft.com/office/drawing/2014/main" id="{93CFF671-EF2F-4B41-B0DF-212711FF9111}"/>
+                <a16:creationId xmlns:a16="http://schemas.microsoft.com/office/drawing/2014/main" id="{795AF78F-96EA-4231-BDDD-33FC0179AD3B}"/>
               </a:ext>
             </a:extLst>
           </p:cNvPr>
@@ -15105,7 +15407,7 @@
           <p:cNvPr id="5" name="Footer Placeholder 4">
             <a:extLst>
               <a:ext uri="{FF2B5EF4-FFF2-40B4-BE49-F238E27FC236}">
-                <a16:creationId xmlns:a16="http://schemas.microsoft.com/office/drawing/2014/main" id="{FE0384EA-9794-42B6-89F0-804EDF8F71F2}"/>
+                <a16:creationId xmlns:a16="http://schemas.microsoft.com/office/drawing/2014/main" id="{45E5161D-777B-4BBE-81D2-EB323B42B75A}"/>
               </a:ext>
             </a:extLst>
           </p:cNvPr>
@@ -15162,7 +15464,7 @@
           <p:cNvPr id="6" name="Slide Number Placeholder 5">
             <a:extLst>
               <a:ext uri="{FF2B5EF4-FFF2-40B4-BE49-F238E27FC236}">
-                <a16:creationId xmlns:a16="http://schemas.microsoft.com/office/drawing/2014/main" id="{F7D9DA6F-0E92-4216-B0CA-EB20441D3903}"/>
+                <a16:creationId xmlns:a16="http://schemas.microsoft.com/office/drawing/2014/main" id="{80D8E905-9CD6-41B2-BD6F-90D8CCFE1537}"/>
               </a:ext>
             </a:extLst>
           </p:cNvPr>
@@ -15189,7 +15491,7 @@
     </p:spTree>
     <p:extLst>
       <p:ext uri="{BB962C8B-B14F-4D97-AF65-F5344CB8AC3E}">
-        <p14:creationId xmlns:p14="http://schemas.microsoft.com/office/powerpoint/2010/main" val="2013860168"/>
+        <p14:creationId xmlns:p14="http://schemas.microsoft.com/office/powerpoint/2010/main" val="2340260443"/>
       </p:ext>
     </p:extLst>
   </p:cSld>
@@ -15221,7 +15523,7 @@
           <p:cNvPr id="2" name="Title 1">
             <a:extLst>
               <a:ext uri="{FF2B5EF4-FFF2-40B4-BE49-F238E27FC236}">
-                <a16:creationId xmlns:a16="http://schemas.microsoft.com/office/drawing/2014/main" id="{90949A2E-AE39-4CCA-B55F-42F285F22D3C}"/>
+                <a16:creationId xmlns:a16="http://schemas.microsoft.com/office/drawing/2014/main" id="{E850068E-C01E-4BED-AF24-C2E9D57DABAC}"/>
               </a:ext>
             </a:extLst>
           </p:cNvPr>
@@ -15239,7 +15541,7 @@
           <a:p>
             <a:r>
               <a:rPr lang="en-US" dirty="0"/>
-              <a:t>PLOTS (GEOMS): HISTOGRAMS</a:t>
+              <a:t>COLORS</a:t>
             </a:r>
           </a:p>
         </p:txBody>
@@ -15249,7 +15551,7 @@
           <p:cNvPr id="3" name="Content Placeholder 2">
             <a:extLst>
               <a:ext uri="{FF2B5EF4-FFF2-40B4-BE49-F238E27FC236}">
-                <a16:creationId xmlns:a16="http://schemas.microsoft.com/office/drawing/2014/main" id="{0F728FFC-928C-48A4-B460-584EF7C0D4FF}"/>
+                <a16:creationId xmlns:a16="http://schemas.microsoft.com/office/drawing/2014/main" id="{37E146B7-6BDE-4F21-A09D-FE7EF30B6C00}"/>
               </a:ext>
             </a:extLst>
           </p:cNvPr>
@@ -15265,7 +15567,137 @@
           <a:bodyPr/>
           <a:lstStyle/>
           <a:p>
-            <a:endParaRPr lang="en-US"/>
+            <a:r>
+              <a:rPr lang="en-US" dirty="0"/>
+              <a:t>You can color points two ways to get a ‘third dimension’ on your plots:</a:t>
+            </a:r>
+          </a:p>
+          <a:p>
+            <a:pPr lvl="1"/>
+            <a:r>
+              <a:rPr lang="en-US" dirty="0"/>
+              <a:t>Continuous: </a:t>
+            </a:r>
+            <a:r>
+              <a:rPr lang="en-US" sz="2800" dirty="0">
+                <a:latin typeface="Courier New" panose="02070309020205020404" pitchFamily="49" charset="0"/>
+                <a:cs typeface="Courier New" panose="02070309020205020404" pitchFamily="49" charset="0"/>
+              </a:rPr>
+              <a:t>color</a:t>
+            </a:r>
+            <a:r>
+              <a:rPr lang="en-US" dirty="0"/>
+              <a:t> </a:t>
+            </a:r>
+            <a:r>
+              <a:rPr lang="en-US" sz="2800" dirty="0">
+                <a:latin typeface="Courier New" panose="02070309020205020404" pitchFamily="49" charset="0"/>
+                <a:cs typeface="Courier New" panose="02070309020205020404" pitchFamily="49" charset="0"/>
+              </a:rPr>
+              <a:t>=</a:t>
+            </a:r>
+            <a:r>
+              <a:rPr lang="en-US" dirty="0"/>
+              <a:t> “</a:t>
+            </a:r>
+            <a:r>
+              <a:rPr lang="en-US" sz="2800" dirty="0">
+                <a:latin typeface="Courier New" panose="02070309020205020404" pitchFamily="49" charset="0"/>
+                <a:cs typeface="Courier New" panose="02070309020205020404" pitchFamily="49" charset="0"/>
+              </a:rPr>
+              <a:t>column</a:t>
+            </a:r>
+            <a:r>
+              <a:rPr lang="en-US" dirty="0"/>
+              <a:t>”, then add a color scale with </a:t>
+            </a:r>
+            <a:r>
+              <a:rPr lang="en-US" sz="2800" dirty="0" err="1">
+                <a:latin typeface="Courier New" panose="02070309020205020404" pitchFamily="49" charset="0"/>
+                <a:cs typeface="Courier New" panose="02070309020205020404" pitchFamily="49" charset="0"/>
+              </a:rPr>
+              <a:t>scale</a:t>
+            </a:r>
+            <a:r>
+              <a:rPr lang="en-US" dirty="0" err="1"/>
+              <a:t>_</a:t>
+            </a:r>
+            <a:r>
+              <a:rPr lang="en-US" sz="2800" dirty="0" err="1">
+                <a:latin typeface="Courier New" panose="02070309020205020404" pitchFamily="49" charset="0"/>
+                <a:cs typeface="Courier New" panose="02070309020205020404" pitchFamily="49" charset="0"/>
+              </a:rPr>
+              <a:t>color</a:t>
+            </a:r>
+            <a:r>
+              <a:rPr lang="en-US" dirty="0" err="1"/>
+              <a:t>_</a:t>
+            </a:r>
+            <a:r>
+              <a:rPr lang="en-US" sz="2800" dirty="0" err="1">
+                <a:latin typeface="Courier New" panose="02070309020205020404" pitchFamily="49" charset="0"/>
+                <a:cs typeface="Courier New" panose="02070309020205020404" pitchFamily="49" charset="0"/>
+              </a:rPr>
+              <a:t>viridis</a:t>
+            </a:r>
+            <a:r>
+              <a:rPr lang="en-US" sz="2800" dirty="0">
+                <a:latin typeface="Courier New" panose="02070309020205020404" pitchFamily="49" charset="0"/>
+                <a:cs typeface="Courier New" panose="02070309020205020404" pitchFamily="49" charset="0"/>
+              </a:rPr>
+              <a:t>()</a:t>
+            </a:r>
+            <a:r>
+              <a:rPr lang="en-US" dirty="0"/>
+              <a:t> or something similar</a:t>
+            </a:r>
+          </a:p>
+          <a:p>
+            <a:pPr lvl="1"/>
+            <a:r>
+              <a:rPr lang="en-US" dirty="0"/>
+              <a:t>Discrete: </a:t>
+            </a:r>
+            <a:r>
+              <a:rPr lang="en-US" sz="2800" dirty="0">
+                <a:latin typeface="Courier New" panose="02070309020205020404" pitchFamily="49" charset="0"/>
+                <a:cs typeface="Courier New" panose="02070309020205020404" pitchFamily="49" charset="0"/>
+              </a:rPr>
+              <a:t>color</a:t>
+            </a:r>
+            <a:r>
+              <a:rPr lang="en-US" dirty="0"/>
+              <a:t> = “</a:t>
+            </a:r>
+            <a:r>
+              <a:rPr lang="en-US" sz="2800" dirty="0">
+                <a:latin typeface="Courier New" panose="02070309020205020404" pitchFamily="49" charset="0"/>
+                <a:cs typeface="Courier New" panose="02070309020205020404" pitchFamily="49" charset="0"/>
+              </a:rPr>
+              <a:t>column</a:t>
+            </a:r>
+            <a:r>
+              <a:rPr lang="en-US" dirty="0"/>
+              <a:t>” in </a:t>
+            </a:r>
+            <a:r>
+              <a:rPr lang="en-US" sz="2800" dirty="0" err="1">
+                <a:latin typeface="Courier New" panose="02070309020205020404" pitchFamily="49" charset="0"/>
+                <a:cs typeface="Courier New" panose="02070309020205020404" pitchFamily="49" charset="0"/>
+              </a:rPr>
+              <a:t>aes</a:t>
+            </a:r>
+            <a:r>
+              <a:rPr lang="en-US" sz="2800" dirty="0">
+                <a:latin typeface="Courier New" panose="02070309020205020404" pitchFamily="49" charset="0"/>
+                <a:cs typeface="Courier New" panose="02070309020205020404" pitchFamily="49" charset="0"/>
+              </a:rPr>
+              <a:t>()</a:t>
+            </a:r>
+          </a:p>
+          <a:p>
+            <a:pPr lvl="1"/>
+            <a:endParaRPr lang="en-US" dirty="0"/>
           </a:p>
         </p:txBody>
       </p:sp>
@@ -15274,7 +15706,7 @@
           <p:cNvPr id="4" name="Date Placeholder 3">
             <a:extLst>
               <a:ext uri="{FF2B5EF4-FFF2-40B4-BE49-F238E27FC236}">
-                <a16:creationId xmlns:a16="http://schemas.microsoft.com/office/drawing/2014/main" id="{795AF78F-96EA-4231-BDDD-33FC0179AD3B}"/>
+                <a16:creationId xmlns:a16="http://schemas.microsoft.com/office/drawing/2014/main" id="{58EA3CF3-42A7-4E41-869A-BE3767CDB53E}"/>
               </a:ext>
             </a:extLst>
           </p:cNvPr>
@@ -15303,7 +15735,7 @@
           <p:cNvPr id="5" name="Footer Placeholder 4">
             <a:extLst>
               <a:ext uri="{FF2B5EF4-FFF2-40B4-BE49-F238E27FC236}">
-                <a16:creationId xmlns:a16="http://schemas.microsoft.com/office/drawing/2014/main" id="{45E5161D-777B-4BBE-81D2-EB323B42B75A}"/>
+                <a16:creationId xmlns:a16="http://schemas.microsoft.com/office/drawing/2014/main" id="{75633ADC-5CEC-49E7-BF4C-B805C52E296D}"/>
               </a:ext>
             </a:extLst>
           </p:cNvPr>
@@ -15360,7 +15792,7 @@
           <p:cNvPr id="6" name="Slide Number Placeholder 5">
             <a:extLst>
               <a:ext uri="{FF2B5EF4-FFF2-40B4-BE49-F238E27FC236}">
-                <a16:creationId xmlns:a16="http://schemas.microsoft.com/office/drawing/2014/main" id="{80D8E905-9CD6-41B2-BD6F-90D8CCFE1537}"/>
+                <a16:creationId xmlns:a16="http://schemas.microsoft.com/office/drawing/2014/main" id="{B1BAA732-BBD1-4FE8-891E-2C7E97D82282}"/>
               </a:ext>
             </a:extLst>
           </p:cNvPr>
@@ -15387,7 +15819,7 @@
     </p:spTree>
     <p:extLst>
       <p:ext uri="{BB962C8B-B14F-4D97-AF65-F5344CB8AC3E}">
-        <p14:creationId xmlns:p14="http://schemas.microsoft.com/office/powerpoint/2010/main" val="2340260443"/>
+        <p14:creationId xmlns:p14="http://schemas.microsoft.com/office/powerpoint/2010/main" val="3226142298"/>
       </p:ext>
     </p:extLst>
   </p:cSld>
@@ -15463,7 +15895,43 @@
           <a:bodyPr/>
           <a:lstStyle/>
           <a:p>
-            <a:endParaRPr lang="en-US"/>
+            <a:r>
+              <a:rPr lang="en-US" dirty="0"/>
+              <a:t>Instead of coloring third variables, you can also make gridded plots for each subset of the data</a:t>
+            </a:r>
+          </a:p>
+          <a:p>
+            <a:r>
+              <a:rPr lang="en-US" dirty="0" err="1">
+                <a:latin typeface="Courier New" panose="02070309020205020404" pitchFamily="49" charset="0"/>
+                <a:cs typeface="Courier New" panose="02070309020205020404" pitchFamily="49" charset="0"/>
+              </a:rPr>
+              <a:t>facet_wrap</a:t>
+            </a:r>
+            <a:r>
+              <a:rPr lang="en-US" dirty="0">
+                <a:latin typeface="Courier New" panose="02070309020205020404" pitchFamily="49" charset="0"/>
+                <a:cs typeface="Courier New" panose="02070309020205020404" pitchFamily="49" charset="0"/>
+              </a:rPr>
+              <a:t>()</a:t>
+            </a:r>
+          </a:p>
+          <a:p>
+            <a:r>
+              <a:rPr lang="en-US" dirty="0" err="1">
+                <a:latin typeface="Courier New" panose="02070309020205020404" pitchFamily="49" charset="0"/>
+                <a:cs typeface="Courier New" panose="02070309020205020404" pitchFamily="49" charset="0"/>
+              </a:rPr>
+              <a:t>facet_grid</a:t>
+            </a:r>
+            <a:r>
+              <a:rPr lang="en-US" dirty="0">
+                <a:latin typeface="Courier New" panose="02070309020205020404" pitchFamily="49" charset="0"/>
+                <a:cs typeface="Courier New" panose="02070309020205020404" pitchFamily="49" charset="0"/>
+              </a:rPr>
+              <a:t>()</a:t>
+            </a:r>
+            <a:endParaRPr lang="en-US" dirty="0"/>
           </a:p>
         </p:txBody>
       </p:sp>
@@ -15635,7 +16103,7 @@
           <a:p>
             <a:r>
               <a:rPr lang="en-US" dirty="0"/>
-              <a:t>COLORS</a:t>
+              <a:t>LABELING</a:t>
             </a:r>
           </a:p>
         </p:txBody>
@@ -15661,7 +16129,78 @@
           <a:bodyPr/>
           <a:lstStyle/>
           <a:p>
-            <a:endParaRPr lang="en-US"/>
+            <a:r>
+              <a:rPr lang="en-US" dirty="0">
+                <a:latin typeface="Courier New" panose="02070309020205020404" pitchFamily="49" charset="0"/>
+                <a:cs typeface="Courier New" panose="02070309020205020404" pitchFamily="49" charset="0"/>
+              </a:rPr>
+              <a:t>labs(title=“”, x=“”, y=“”)</a:t>
+            </a:r>
+          </a:p>
+          <a:p>
+            <a:r>
+              <a:rPr lang="en-US" dirty="0"/>
+              <a:t>Add axis titles:</a:t>
+            </a:r>
+          </a:p>
+          <a:p>
+            <a:pPr lvl="1"/>
+            <a:r>
+              <a:rPr lang="en-US" sz="2800" dirty="0">
+                <a:latin typeface="Courier New" panose="02070309020205020404" pitchFamily="49" charset="0"/>
+                <a:cs typeface="Courier New" panose="02070309020205020404" pitchFamily="49" charset="0"/>
+              </a:rPr>
+              <a:t>x=“title”</a:t>
+            </a:r>
+            <a:r>
+              <a:rPr lang="en-US" dirty="0"/>
+              <a:t> and </a:t>
+            </a:r>
+            <a:r>
+              <a:rPr lang="en-US" sz="2800" dirty="0">
+                <a:latin typeface="Courier New" panose="02070309020205020404" pitchFamily="49" charset="0"/>
+                <a:cs typeface="Courier New" panose="02070309020205020404" pitchFamily="49" charset="0"/>
+              </a:rPr>
+              <a:t>y=“title”</a:t>
+            </a:r>
+          </a:p>
+          <a:p>
+            <a:r>
+              <a:rPr lang="en-US" dirty="0"/>
+              <a:t>For discrete data, especially for bar charts, you might want to rotate your axis labels!</a:t>
+            </a:r>
+          </a:p>
+          <a:p>
+            <a:pPr lvl="1"/>
+            <a:r>
+              <a:rPr lang="en-US" dirty="0"/>
+              <a:t>Theme(</a:t>
+            </a:r>
+            <a:r>
+              <a:rPr lang="en-US" dirty="0" err="1"/>
+              <a:t>axis.text.x</a:t>
+            </a:r>
+            <a:r>
+              <a:rPr lang="en-US" dirty="0"/>
+              <a:t> = </a:t>
+            </a:r>
+            <a:r>
+              <a:rPr lang="en-US" dirty="0" err="1"/>
+              <a:t>element_text</a:t>
+            </a:r>
+            <a:r>
+              <a:rPr lang="en-US" dirty="0"/>
+              <a:t>(angle  = 90, </a:t>
+            </a:r>
+            <a:r>
+              <a:rPr lang="en-US" dirty="0" err="1"/>
+              <a:t>hjust</a:t>
+            </a:r>
+            <a:r>
+              <a:rPr lang="en-US"/>
+              <a:t> = 1))</a:t>
+            </a:r>
+            <a:endParaRPr lang="en-US" dirty="0"/>
           </a:p>
         </p:txBody>
       </p:sp>
@@ -15783,7 +16322,7 @@
     </p:spTree>
     <p:extLst>
       <p:ext uri="{BB962C8B-B14F-4D97-AF65-F5344CB8AC3E}">
-        <p14:creationId xmlns:p14="http://schemas.microsoft.com/office/powerpoint/2010/main" val="3226142298"/>
+        <p14:creationId xmlns:p14="http://schemas.microsoft.com/office/powerpoint/2010/main" val="2483438752"/>
       </p:ext>
     </p:extLst>
   </p:cSld>
@@ -15815,7 +16354,7 @@
           <p:cNvPr id="2" name="Title 1">
             <a:extLst>
               <a:ext uri="{FF2B5EF4-FFF2-40B4-BE49-F238E27FC236}">
-                <a16:creationId xmlns:a16="http://schemas.microsoft.com/office/drawing/2014/main" id="{E850068E-C01E-4BED-AF24-C2E9D57DABAC}"/>
+                <a16:creationId xmlns:a16="http://schemas.microsoft.com/office/drawing/2014/main" id="{3355F5CD-9232-4308-9E65-DB6DA7EBF80E}"/>
               </a:ext>
             </a:extLst>
           </p:cNvPr>
@@ -15833,7 +16372,7 @@
           <a:p>
             <a:r>
               <a:rPr lang="en-US" dirty="0"/>
-              <a:t>LABELING</a:t>
+              <a:t>PUTTING IT TOGETHER</a:t>
             </a:r>
           </a:p>
         </p:txBody>
@@ -15843,7 +16382,7 @@
           <p:cNvPr id="3" name="Content Placeholder 2">
             <a:extLst>
               <a:ext uri="{FF2B5EF4-FFF2-40B4-BE49-F238E27FC236}">
-                <a16:creationId xmlns:a16="http://schemas.microsoft.com/office/drawing/2014/main" id="{37E146B7-6BDE-4F21-A09D-FE7EF30B6C00}"/>
+                <a16:creationId xmlns:a16="http://schemas.microsoft.com/office/drawing/2014/main" id="{62EAA16E-823F-4C14-86FD-FED8F2321EE6}"/>
               </a:ext>
             </a:extLst>
           </p:cNvPr>
@@ -15859,7 +16398,34 @@
           <a:bodyPr/>
           <a:lstStyle/>
           <a:p>
-            <a:endParaRPr lang="en-US"/>
+            <a:r>
+              <a:rPr lang="en-US" dirty="0" err="1">
+                <a:latin typeface="Courier New" panose="02070309020205020404" pitchFamily="49" charset="0"/>
+                <a:cs typeface="Courier New" panose="02070309020205020404" pitchFamily="49" charset="0"/>
+              </a:rPr>
+              <a:t>ggplot</a:t>
+            </a:r>
+            <a:r>
+              <a:rPr lang="en-US" dirty="0"/>
+              <a:t> uses the</a:t>
+            </a:r>
+            <a:r>
+              <a:rPr lang="en-US" dirty="0">
+                <a:latin typeface="Courier New" panose="02070309020205020404" pitchFamily="49" charset="0"/>
+                <a:cs typeface="Courier New" panose="02070309020205020404" pitchFamily="49" charset="0"/>
+              </a:rPr>
+              <a:t> + </a:t>
+            </a:r>
+            <a:r>
+              <a:rPr lang="en-US" dirty="0"/>
+              <a:t>as a linker between layers</a:t>
+            </a:r>
+          </a:p>
+          <a:p>
+            <a:r>
+              <a:rPr lang="en-US" dirty="0"/>
+              <a:t>Just like the pipe, you can combine tons of these together!</a:t>
+            </a:r>
           </a:p>
         </p:txBody>
       </p:sp>
@@ -15868,7 +16434,7 @@
           <p:cNvPr id="4" name="Date Placeholder 3">
             <a:extLst>
               <a:ext uri="{FF2B5EF4-FFF2-40B4-BE49-F238E27FC236}">
-                <a16:creationId xmlns:a16="http://schemas.microsoft.com/office/drawing/2014/main" id="{58EA3CF3-42A7-4E41-869A-BE3767CDB53E}"/>
+                <a16:creationId xmlns:a16="http://schemas.microsoft.com/office/drawing/2014/main" id="{695F9B61-B132-4A1F-956F-C7FA5894868B}"/>
               </a:ext>
             </a:extLst>
           </p:cNvPr>
@@ -15897,7 +16463,7 @@
           <p:cNvPr id="5" name="Footer Placeholder 4">
             <a:extLst>
               <a:ext uri="{FF2B5EF4-FFF2-40B4-BE49-F238E27FC236}">
-                <a16:creationId xmlns:a16="http://schemas.microsoft.com/office/drawing/2014/main" id="{75633ADC-5CEC-49E7-BF4C-B805C52E296D}"/>
+                <a16:creationId xmlns:a16="http://schemas.microsoft.com/office/drawing/2014/main" id="{DA540B43-4E0D-4617-A8E2-BB5B9401C854}"/>
               </a:ext>
             </a:extLst>
           </p:cNvPr>
@@ -15954,7 +16520,7 @@
           <p:cNvPr id="6" name="Slide Number Placeholder 5">
             <a:extLst>
               <a:ext uri="{FF2B5EF4-FFF2-40B4-BE49-F238E27FC236}">
-                <a16:creationId xmlns:a16="http://schemas.microsoft.com/office/drawing/2014/main" id="{B1BAA732-BBD1-4FE8-891E-2C7E97D82282}"/>
+                <a16:creationId xmlns:a16="http://schemas.microsoft.com/office/drawing/2014/main" id="{B3BA36E9-613D-4BC5-B0F7-4BBB217DEE0E}"/>
               </a:ext>
             </a:extLst>
           </p:cNvPr>
@@ -15981,7 +16547,7 @@
     </p:spTree>
     <p:extLst>
       <p:ext uri="{BB962C8B-B14F-4D97-AF65-F5344CB8AC3E}">
-        <p14:creationId xmlns:p14="http://schemas.microsoft.com/office/powerpoint/2010/main" val="2483438752"/>
+        <p14:creationId xmlns:p14="http://schemas.microsoft.com/office/powerpoint/2010/main" val="844801094"/>
       </p:ext>
     </p:extLst>
   </p:cSld>
@@ -16010,10 +16576,10 @@
       </p:grpSpPr>
       <p:sp>
         <p:nvSpPr>
-          <p:cNvPr id="2" name="Title 1">
-            <a:extLst>
-              <a:ext uri="{FF2B5EF4-FFF2-40B4-BE49-F238E27FC236}">
-                <a16:creationId xmlns:a16="http://schemas.microsoft.com/office/drawing/2014/main" id="{5404E55C-1D1A-4A9F-8642-A70D32332C9D}"/>
+          <p:cNvPr id="7" name="Title 6">
+            <a:extLst>
+              <a:ext uri="{FF2B5EF4-FFF2-40B4-BE49-F238E27FC236}">
+                <a16:creationId xmlns:a16="http://schemas.microsoft.com/office/drawing/2014/main" id="{2C7C7B52-4FB0-4A0B-B5E1-EDD5A9ADA476}"/>
               </a:ext>
             </a:extLst>
           </p:cNvPr>
@@ -16031,33 +16597,36 @@
           <a:p>
             <a:r>
               <a:rPr lang="en-US" dirty="0"/>
-              <a:t>A TEMPLATE</a:t>
-            </a:r>
-          </a:p>
-        </p:txBody>
-      </p:sp>
-      <p:sp>
-        <p:nvSpPr>
-          <p:cNvPr id="3" name="Content Placeholder 2">
-            <a:extLst>
-              <a:ext uri="{FF2B5EF4-FFF2-40B4-BE49-F238E27FC236}">
-                <a16:creationId xmlns:a16="http://schemas.microsoft.com/office/drawing/2014/main" id="{0874E7F0-95B2-48B3-AE13-C6A98FE00716}"/>
-              </a:ext>
-            </a:extLst>
-          </p:cNvPr>
-          <p:cNvSpPr>
-            <a:spLocks noGrp="1"/>
-          </p:cNvSpPr>
-          <p:nvPr>
-            <p:ph idx="1"/>
-          </p:nvPr>
-        </p:nvSpPr>
-        <p:spPr/>
-        <p:txBody>
-          <a:bodyPr/>
-          <a:lstStyle/>
-          <a:p>
-            <a:endParaRPr lang="en-US"/>
+              <a:t>ALL TOGETHER NOW</a:t>
+            </a:r>
+          </a:p>
+        </p:txBody>
+      </p:sp>
+      <p:sp>
+        <p:nvSpPr>
+          <p:cNvPr id="8" name="Text Placeholder 7">
+            <a:extLst>
+              <a:ext uri="{FF2B5EF4-FFF2-40B4-BE49-F238E27FC236}">
+                <a16:creationId xmlns:a16="http://schemas.microsoft.com/office/drawing/2014/main" id="{235128D3-FA6E-47E7-87E1-272DD4C10B55}"/>
+              </a:ext>
+            </a:extLst>
+          </p:cNvPr>
+          <p:cNvSpPr>
+            <a:spLocks noGrp="1"/>
+          </p:cNvSpPr>
+          <p:nvPr>
+            <p:ph type="body" idx="1"/>
+          </p:nvPr>
+        </p:nvSpPr>
+        <p:spPr/>
+        <p:txBody>
+          <a:bodyPr/>
+          <a:lstStyle/>
+          <a:p>
+            <a:r>
+              <a:rPr lang="en-US" dirty="0"/>
+              <a:t>Integrating all the components</a:t>
+            </a:r>
           </a:p>
         </p:txBody>
       </p:sp>
@@ -16066,7 +16635,7 @@
           <p:cNvPr id="4" name="Date Placeholder 3">
             <a:extLst>
               <a:ext uri="{FF2B5EF4-FFF2-40B4-BE49-F238E27FC236}">
-                <a16:creationId xmlns:a16="http://schemas.microsoft.com/office/drawing/2014/main" id="{8A6899FC-979F-477E-96F7-1EC709A1EF01}"/>
+                <a16:creationId xmlns:a16="http://schemas.microsoft.com/office/drawing/2014/main" id="{729242CD-322A-4BBF-A5F9-A0BD7FF80C30}"/>
               </a:ext>
             </a:extLst>
           </p:cNvPr>
@@ -16095,7 +16664,7 @@
           <p:cNvPr id="5" name="Footer Placeholder 4">
             <a:extLst>
               <a:ext uri="{FF2B5EF4-FFF2-40B4-BE49-F238E27FC236}">
-                <a16:creationId xmlns:a16="http://schemas.microsoft.com/office/drawing/2014/main" id="{022A767A-D929-4954-970D-E16719ECEB3E}"/>
+                <a16:creationId xmlns:a16="http://schemas.microsoft.com/office/drawing/2014/main" id="{30FAF9A1-04F4-4BAE-9142-17FB314C8EED}"/>
               </a:ext>
             </a:extLst>
           </p:cNvPr>
@@ -16152,7 +16721,7 @@
           <p:cNvPr id="6" name="Slide Number Placeholder 5">
             <a:extLst>
               <a:ext uri="{FF2B5EF4-FFF2-40B4-BE49-F238E27FC236}">
-                <a16:creationId xmlns:a16="http://schemas.microsoft.com/office/drawing/2014/main" id="{209CE1FE-97DC-4E1A-B048-0A1A42B45904}"/>
+                <a16:creationId xmlns:a16="http://schemas.microsoft.com/office/drawing/2014/main" id="{51F51AE9-B6B5-4DDB-B0E8-6F790417F61A}"/>
               </a:ext>
             </a:extLst>
           </p:cNvPr>
@@ -16179,7 +16748,7 @@
     </p:spTree>
     <p:extLst>
       <p:ext uri="{BB962C8B-B14F-4D97-AF65-F5344CB8AC3E}">
-        <p14:creationId xmlns:p14="http://schemas.microsoft.com/office/powerpoint/2010/main" val="3816346416"/>
+        <p14:creationId xmlns:p14="http://schemas.microsoft.com/office/powerpoint/2010/main" val="2106640646"/>
       </p:ext>
     </p:extLst>
   </p:cSld>
@@ -16211,7 +16780,7 @@
           <p:cNvPr id="2" name="Title 1">
             <a:extLst>
               <a:ext uri="{FF2B5EF4-FFF2-40B4-BE49-F238E27FC236}">
-                <a16:creationId xmlns:a16="http://schemas.microsoft.com/office/drawing/2014/main" id="{3355F5CD-9232-4308-9E65-DB6DA7EBF80E}"/>
+                <a16:creationId xmlns:a16="http://schemas.microsoft.com/office/drawing/2014/main" id="{11D2AEC1-B86D-49DC-8240-FC110A098B47}"/>
               </a:ext>
             </a:extLst>
           </p:cNvPr>
@@ -16229,7 +16798,7 @@
           <a:p>
             <a:r>
               <a:rPr lang="en-US" dirty="0"/>
-              <a:t>PUTTING IT TOGETHER</a:t>
+              <a:t>A FULL TIDYVERSE WORKFLOW</a:t>
             </a:r>
           </a:p>
         </p:txBody>
@@ -16239,7 +16808,7 @@
           <p:cNvPr id="3" name="Content Placeholder 2">
             <a:extLst>
               <a:ext uri="{FF2B5EF4-FFF2-40B4-BE49-F238E27FC236}">
-                <a16:creationId xmlns:a16="http://schemas.microsoft.com/office/drawing/2014/main" id="{62EAA16E-823F-4C14-86FD-FED8F2321EE6}"/>
+                <a16:creationId xmlns:a16="http://schemas.microsoft.com/office/drawing/2014/main" id="{70465980-9286-4387-A5A5-A575E6590F74}"/>
               </a:ext>
             </a:extLst>
           </p:cNvPr>
@@ -16255,7 +16824,29 @@
           <a:bodyPr/>
           <a:lstStyle/>
           <a:p>
-            <a:endParaRPr lang="en-US"/>
+            <a:r>
+              <a:rPr lang="en-US" dirty="0"/>
+              <a:t>You can combine %&gt;% and + to get long, but very readable chains of commands!</a:t>
+            </a:r>
+          </a:p>
+          <a:p>
+            <a:r>
+              <a:rPr lang="en-US" dirty="0"/>
+              <a:t>However, don’t just rely on these alone.</a:t>
+            </a:r>
+          </a:p>
+          <a:p>
+            <a:r>
+              <a:rPr lang="en-US" dirty="0"/>
+              <a:t>If you have too many commands at once, you start to lose track.</a:t>
+            </a:r>
+          </a:p>
+          <a:p>
+            <a:pPr lvl="1"/>
+            <a:r>
+              <a:rPr lang="en-US" dirty="0"/>
+              <a:t>Add intermediate variables!</a:t>
+            </a:r>
           </a:p>
         </p:txBody>
       </p:sp>
@@ -16264,7 +16855,7 @@
           <p:cNvPr id="4" name="Date Placeholder 3">
             <a:extLst>
               <a:ext uri="{FF2B5EF4-FFF2-40B4-BE49-F238E27FC236}">
-                <a16:creationId xmlns:a16="http://schemas.microsoft.com/office/drawing/2014/main" id="{695F9B61-B132-4A1F-956F-C7FA5894868B}"/>
+                <a16:creationId xmlns:a16="http://schemas.microsoft.com/office/drawing/2014/main" id="{4E32AD3C-9F7E-457C-AE3F-422282C0F9E7}"/>
               </a:ext>
             </a:extLst>
           </p:cNvPr>
@@ -16293,7 +16884,7 @@
           <p:cNvPr id="5" name="Footer Placeholder 4">
             <a:extLst>
               <a:ext uri="{FF2B5EF4-FFF2-40B4-BE49-F238E27FC236}">
-                <a16:creationId xmlns:a16="http://schemas.microsoft.com/office/drawing/2014/main" id="{DA540B43-4E0D-4617-A8E2-BB5B9401C854}"/>
+                <a16:creationId xmlns:a16="http://schemas.microsoft.com/office/drawing/2014/main" id="{FBC1C866-EB47-455D-BF46-BFC503046315}"/>
               </a:ext>
             </a:extLst>
           </p:cNvPr>
@@ -16350,7 +16941,7 @@
           <p:cNvPr id="6" name="Slide Number Placeholder 5">
             <a:extLst>
               <a:ext uri="{FF2B5EF4-FFF2-40B4-BE49-F238E27FC236}">
-                <a16:creationId xmlns:a16="http://schemas.microsoft.com/office/drawing/2014/main" id="{B3BA36E9-613D-4BC5-B0F7-4BBB217DEE0E}"/>
+                <a16:creationId xmlns:a16="http://schemas.microsoft.com/office/drawing/2014/main" id="{2B03362D-7208-43A1-B722-15CB9305C312}"/>
               </a:ext>
             </a:extLst>
           </p:cNvPr>
@@ -16377,7 +16968,7 @@
     </p:spTree>
     <p:extLst>
       <p:ext uri="{BB962C8B-B14F-4D97-AF65-F5344CB8AC3E}">
-        <p14:creationId xmlns:p14="http://schemas.microsoft.com/office/powerpoint/2010/main" val="844801094"/>
+        <p14:creationId xmlns:p14="http://schemas.microsoft.com/office/powerpoint/2010/main" val="2605989437"/>
       </p:ext>
     </p:extLst>
   </p:cSld>
@@ -16406,10 +16997,10 @@
       </p:grpSpPr>
       <p:sp>
         <p:nvSpPr>
-          <p:cNvPr id="7" name="Title 6">
-            <a:extLst>
-              <a:ext uri="{FF2B5EF4-FFF2-40B4-BE49-F238E27FC236}">
-                <a16:creationId xmlns:a16="http://schemas.microsoft.com/office/drawing/2014/main" id="{2C7C7B52-4FB0-4A0B-B5E1-EDD5A9ADA476}"/>
+          <p:cNvPr id="2" name="Title 1">
+            <a:extLst>
+              <a:ext uri="{FF2B5EF4-FFF2-40B4-BE49-F238E27FC236}">
+                <a16:creationId xmlns:a16="http://schemas.microsoft.com/office/drawing/2014/main" id="{A8909A85-5F97-4785-BA4C-680457A0F1AF}"/>
               </a:ext>
             </a:extLst>
           </p:cNvPr>
@@ -16427,35 +17018,64 @@
           <a:p>
             <a:r>
               <a:rPr lang="en-US" dirty="0"/>
-              <a:t>ALL TOGETHER NOW</a:t>
-            </a:r>
-          </a:p>
-        </p:txBody>
-      </p:sp>
-      <p:sp>
-        <p:nvSpPr>
-          <p:cNvPr id="8" name="Text Placeholder 7">
-            <a:extLst>
-              <a:ext uri="{FF2B5EF4-FFF2-40B4-BE49-F238E27FC236}">
-                <a16:creationId xmlns:a16="http://schemas.microsoft.com/office/drawing/2014/main" id="{235128D3-FA6E-47E7-87E1-272DD4C10B55}"/>
-              </a:ext>
-            </a:extLst>
-          </p:cNvPr>
-          <p:cNvSpPr>
-            <a:spLocks noGrp="1"/>
-          </p:cNvSpPr>
-          <p:nvPr>
-            <p:ph type="body" idx="1"/>
-          </p:nvPr>
-        </p:nvSpPr>
-        <p:spPr/>
-        <p:txBody>
-          <a:bodyPr/>
-          <a:lstStyle/>
-          <a:p>
-            <a:r>
-              <a:rPr lang="en-US" dirty="0"/>
-              <a:t>Integrating all the components</a:t>
+              <a:t>ACKNOWLEDGEMENTS</a:t>
+            </a:r>
+          </a:p>
+        </p:txBody>
+      </p:sp>
+      <p:sp>
+        <p:nvSpPr>
+          <p:cNvPr id="7" name="Content Placeholder 6">
+            <a:extLst>
+              <a:ext uri="{FF2B5EF4-FFF2-40B4-BE49-F238E27FC236}">
+                <a16:creationId xmlns:a16="http://schemas.microsoft.com/office/drawing/2014/main" id="{063C36B6-F28F-4BE7-9B27-1DD6F6385857}"/>
+              </a:ext>
+            </a:extLst>
+          </p:cNvPr>
+          <p:cNvSpPr>
+            <a:spLocks noGrp="1"/>
+          </p:cNvSpPr>
+          <p:nvPr>
+            <p:ph idx="1"/>
+          </p:nvPr>
+        </p:nvSpPr>
+        <p:spPr/>
+        <p:txBody>
+          <a:bodyPr/>
+          <a:lstStyle/>
+          <a:p>
+            <a:r>
+              <a:rPr lang="en-US" dirty="0"/>
+              <a:t>Much of this tutorial is based on Hadley Wickham’s Amazing </a:t>
+            </a:r>
+            <a:r>
+              <a:rPr lang="en-US" i="1" dirty="0"/>
+              <a:t>R For Data Science</a:t>
+            </a:r>
+            <a:r>
+              <a:rPr lang="en-US" dirty="0"/>
+              <a:t>, available for free at </a:t>
+            </a:r>
+            <a:r>
+              <a:rPr lang="en-US" dirty="0">
+                <a:hlinkClick r:id="rId2"/>
+              </a:rPr>
+              <a:t>https://r4ds.had.co.nz</a:t>
+            </a:r>
+            <a:endParaRPr lang="en-US" dirty="0"/>
+          </a:p>
+          <a:p>
+            <a:r>
+              <a:rPr lang="en-US" dirty="0"/>
+              <a:t>The </a:t>
+            </a:r>
+            <a:r>
+              <a:rPr lang="en-US" dirty="0" err="1"/>
+              <a:t>tidyverse</a:t>
+            </a:r>
+            <a:r>
+              <a:rPr lang="en-US" dirty="0"/>
+              <a:t> hex stickers are used under the terms of the Creative Commons 1.0 Universal license.</a:t>
             </a:r>
           </a:p>
         </p:txBody>
@@ -16465,7 +17085,7 @@
           <p:cNvPr id="4" name="Date Placeholder 3">
             <a:extLst>
               <a:ext uri="{FF2B5EF4-FFF2-40B4-BE49-F238E27FC236}">
-                <a16:creationId xmlns:a16="http://schemas.microsoft.com/office/drawing/2014/main" id="{729242CD-322A-4BBF-A5F9-A0BD7FF80C30}"/>
+                <a16:creationId xmlns:a16="http://schemas.microsoft.com/office/drawing/2014/main" id="{6BD03D3F-8307-4B2B-85E0-9639DD7F7B8C}"/>
               </a:ext>
             </a:extLst>
           </p:cNvPr>
@@ -16494,7 +17114,7 @@
           <p:cNvPr id="5" name="Footer Placeholder 4">
             <a:extLst>
               <a:ext uri="{FF2B5EF4-FFF2-40B4-BE49-F238E27FC236}">
-                <a16:creationId xmlns:a16="http://schemas.microsoft.com/office/drawing/2014/main" id="{30FAF9A1-04F4-4BAE-9142-17FB314C8EED}"/>
+                <a16:creationId xmlns:a16="http://schemas.microsoft.com/office/drawing/2014/main" id="{07FB1389-2798-4D26-8CCE-27767E9E7F1D}"/>
               </a:ext>
             </a:extLst>
           </p:cNvPr>
@@ -16551,7 +17171,7 @@
           <p:cNvPr id="6" name="Slide Number Placeholder 5">
             <a:extLst>
               <a:ext uri="{FF2B5EF4-FFF2-40B4-BE49-F238E27FC236}">
-                <a16:creationId xmlns:a16="http://schemas.microsoft.com/office/drawing/2014/main" id="{51F51AE9-B6B5-4DDB-B0E8-6F790417F61A}"/>
+                <a16:creationId xmlns:a16="http://schemas.microsoft.com/office/drawing/2014/main" id="{D9EB88B7-3533-4306-8F51-5BF384EBA51E}"/>
               </a:ext>
             </a:extLst>
           </p:cNvPr>
@@ -16570,434 +17190,6 @@
             <a:fld id="{D57F1E4F-1CFF-5643-939E-02111984F565}" type="slidenum">
               <a:rPr lang="en-US" smtClean="0"/>
               <a:t>47</a:t>
-            </a:fld>
-            <a:endParaRPr lang="en-US" dirty="0"/>
-          </a:p>
-        </p:txBody>
-      </p:sp>
-    </p:spTree>
-    <p:extLst>
-      <p:ext uri="{BB962C8B-B14F-4D97-AF65-F5344CB8AC3E}">
-        <p14:creationId xmlns:p14="http://schemas.microsoft.com/office/powerpoint/2010/main" val="2106640646"/>
-      </p:ext>
-    </p:extLst>
-  </p:cSld>
-  <p:clrMapOvr>
-    <a:masterClrMapping/>
-  </p:clrMapOvr>
-</p:sld>
-</file>
-
-<file path=ppt/slides/slide48.xml><?xml version="1.0" encoding="utf-8"?>
-<p:sld xmlns:a="http://schemas.openxmlformats.org/drawingml/2006/main" xmlns:r="http://schemas.openxmlformats.org/officeDocument/2006/relationships" xmlns:p="http://schemas.openxmlformats.org/presentationml/2006/main">
-  <p:cSld>
-    <p:spTree>
-      <p:nvGrpSpPr>
-        <p:cNvPr id="1" name=""/>
-        <p:cNvGrpSpPr/>
-        <p:nvPr/>
-      </p:nvGrpSpPr>
-      <p:grpSpPr>
-        <a:xfrm>
-          <a:off x="0" y="0"/>
-          <a:ext cx="0" cy="0"/>
-          <a:chOff x="0" y="0"/>
-          <a:chExt cx="0" cy="0"/>
-        </a:xfrm>
-      </p:grpSpPr>
-      <p:sp>
-        <p:nvSpPr>
-          <p:cNvPr id="2" name="Title 1">
-            <a:extLst>
-              <a:ext uri="{FF2B5EF4-FFF2-40B4-BE49-F238E27FC236}">
-                <a16:creationId xmlns:a16="http://schemas.microsoft.com/office/drawing/2014/main" id="{11D2AEC1-B86D-49DC-8240-FC110A098B47}"/>
-              </a:ext>
-            </a:extLst>
-          </p:cNvPr>
-          <p:cNvSpPr>
-            <a:spLocks noGrp="1"/>
-          </p:cNvSpPr>
-          <p:nvPr>
-            <p:ph type="title"/>
-          </p:nvPr>
-        </p:nvSpPr>
-        <p:spPr/>
-        <p:txBody>
-          <a:bodyPr/>
-          <a:lstStyle/>
-          <a:p>
-            <a:r>
-              <a:rPr lang="en-US" dirty="0"/>
-              <a:t>A FULL TIDYVERSE WORKFLOW</a:t>
-            </a:r>
-          </a:p>
-        </p:txBody>
-      </p:sp>
-      <p:sp>
-        <p:nvSpPr>
-          <p:cNvPr id="3" name="Content Placeholder 2">
-            <a:extLst>
-              <a:ext uri="{FF2B5EF4-FFF2-40B4-BE49-F238E27FC236}">
-                <a16:creationId xmlns:a16="http://schemas.microsoft.com/office/drawing/2014/main" id="{70465980-9286-4387-A5A5-A575E6590F74}"/>
-              </a:ext>
-            </a:extLst>
-          </p:cNvPr>
-          <p:cNvSpPr>
-            <a:spLocks noGrp="1"/>
-          </p:cNvSpPr>
-          <p:nvPr>
-            <p:ph idx="1"/>
-          </p:nvPr>
-        </p:nvSpPr>
-        <p:spPr/>
-        <p:txBody>
-          <a:bodyPr/>
-          <a:lstStyle/>
-          <a:p>
-            <a:endParaRPr lang="en-US"/>
-          </a:p>
-        </p:txBody>
-      </p:sp>
-      <p:sp>
-        <p:nvSpPr>
-          <p:cNvPr id="4" name="Date Placeholder 3">
-            <a:extLst>
-              <a:ext uri="{FF2B5EF4-FFF2-40B4-BE49-F238E27FC236}">
-                <a16:creationId xmlns:a16="http://schemas.microsoft.com/office/drawing/2014/main" id="{4E32AD3C-9F7E-457C-AE3F-422282C0F9E7}"/>
-              </a:ext>
-            </a:extLst>
-          </p:cNvPr>
-          <p:cNvSpPr>
-            <a:spLocks noGrp="1"/>
-          </p:cNvSpPr>
-          <p:nvPr>
-            <p:ph type="dt" sz="half" idx="10"/>
-          </p:nvPr>
-        </p:nvSpPr>
-        <p:spPr/>
-        <p:txBody>
-          <a:bodyPr/>
-          <a:lstStyle/>
-          <a:p>
-            <a:fld id="{8AAE40A0-A7D8-4DC3-BC9E-BADA32DA2004}" type="datetime4">
-              <a:rPr lang="en-US" smtClean="0"/>
-              <a:t>July 7, 2019</a:t>
-            </a:fld>
-            <a:endParaRPr lang="en-US" dirty="0"/>
-          </a:p>
-        </p:txBody>
-      </p:sp>
-      <p:sp>
-        <p:nvSpPr>
-          <p:cNvPr id="5" name="Footer Placeholder 4">
-            <a:extLst>
-              <a:ext uri="{FF2B5EF4-FFF2-40B4-BE49-F238E27FC236}">
-                <a16:creationId xmlns:a16="http://schemas.microsoft.com/office/drawing/2014/main" id="{FBC1C866-EB47-455D-BF46-BFC503046315}"/>
-              </a:ext>
-            </a:extLst>
-          </p:cNvPr>
-          <p:cNvSpPr>
-            <a:spLocks noGrp="1"/>
-          </p:cNvSpPr>
-          <p:nvPr>
-            <p:ph type="ftr" sz="quarter" idx="11"/>
-          </p:nvPr>
-        </p:nvSpPr>
-        <p:spPr/>
-        <p:txBody>
-          <a:bodyPr/>
-          <a:lstStyle/>
-          <a:p>
-            <a:r>
-              <a:rPr lang="en-US"/>
-              <a:t>Digital Scholarship Services </a:t>
-            </a:r>
-            <a:r>
-              <a:rPr lang="en-US">
-                <a:solidFill>
-                  <a:schemeClr val="accent1">
-                    <a:lumMod val="50000"/>
-                  </a:schemeClr>
-                </a:solidFill>
-              </a:rPr>
-              <a:t>| Email</a:t>
-            </a:r>
-            <a:r>
-              <a:rPr lang="en-US"/>
-              <a:t> cf24@rice.edu </a:t>
-            </a:r>
-            <a:r>
-              <a:rPr lang="en-US">
-                <a:solidFill>
-                  <a:schemeClr val="accent1">
-                    <a:lumMod val="50000"/>
-                  </a:schemeClr>
-                </a:solidFill>
-              </a:rPr>
-              <a:t>|</a:t>
-            </a:r>
-            <a:r>
-              <a:rPr lang="en-US"/>
-              <a:t> library.rice.edu/dss</a:t>
-            </a:r>
-            <a:endParaRPr lang="en-US" dirty="0"/>
-          </a:p>
-        </p:txBody>
-      </p:sp>
-      <p:sp>
-        <p:nvSpPr>
-          <p:cNvPr id="6" name="Slide Number Placeholder 5">
-            <a:extLst>
-              <a:ext uri="{FF2B5EF4-FFF2-40B4-BE49-F238E27FC236}">
-                <a16:creationId xmlns:a16="http://schemas.microsoft.com/office/drawing/2014/main" id="{2B03362D-7208-43A1-B722-15CB9305C312}"/>
-              </a:ext>
-            </a:extLst>
-          </p:cNvPr>
-          <p:cNvSpPr>
-            <a:spLocks noGrp="1"/>
-          </p:cNvSpPr>
-          <p:nvPr>
-            <p:ph type="sldNum" sz="quarter" idx="12"/>
-          </p:nvPr>
-        </p:nvSpPr>
-        <p:spPr/>
-        <p:txBody>
-          <a:bodyPr/>
-          <a:lstStyle/>
-          <a:p>
-            <a:fld id="{D57F1E4F-1CFF-5643-939E-02111984F565}" type="slidenum">
-              <a:rPr lang="en-US" smtClean="0"/>
-              <a:t>48</a:t>
-            </a:fld>
-            <a:endParaRPr lang="en-US" dirty="0"/>
-          </a:p>
-        </p:txBody>
-      </p:sp>
-    </p:spTree>
-    <p:extLst>
-      <p:ext uri="{BB962C8B-B14F-4D97-AF65-F5344CB8AC3E}">
-        <p14:creationId xmlns:p14="http://schemas.microsoft.com/office/powerpoint/2010/main" val="2605989437"/>
-      </p:ext>
-    </p:extLst>
-  </p:cSld>
-  <p:clrMapOvr>
-    <a:masterClrMapping/>
-  </p:clrMapOvr>
-</p:sld>
-</file>
-
-<file path=ppt/slides/slide49.xml><?xml version="1.0" encoding="utf-8"?>
-<p:sld xmlns:a="http://schemas.openxmlformats.org/drawingml/2006/main" xmlns:r="http://schemas.openxmlformats.org/officeDocument/2006/relationships" xmlns:p="http://schemas.openxmlformats.org/presentationml/2006/main">
-  <p:cSld>
-    <p:spTree>
-      <p:nvGrpSpPr>
-        <p:cNvPr id="1" name=""/>
-        <p:cNvGrpSpPr/>
-        <p:nvPr/>
-      </p:nvGrpSpPr>
-      <p:grpSpPr>
-        <a:xfrm>
-          <a:off x="0" y="0"/>
-          <a:ext cx="0" cy="0"/>
-          <a:chOff x="0" y="0"/>
-          <a:chExt cx="0" cy="0"/>
-        </a:xfrm>
-      </p:grpSpPr>
-      <p:sp>
-        <p:nvSpPr>
-          <p:cNvPr id="2" name="Title 1">
-            <a:extLst>
-              <a:ext uri="{FF2B5EF4-FFF2-40B4-BE49-F238E27FC236}">
-                <a16:creationId xmlns:a16="http://schemas.microsoft.com/office/drawing/2014/main" id="{A8909A85-5F97-4785-BA4C-680457A0F1AF}"/>
-              </a:ext>
-            </a:extLst>
-          </p:cNvPr>
-          <p:cNvSpPr>
-            <a:spLocks noGrp="1"/>
-          </p:cNvSpPr>
-          <p:nvPr>
-            <p:ph type="title"/>
-          </p:nvPr>
-        </p:nvSpPr>
-        <p:spPr/>
-        <p:txBody>
-          <a:bodyPr/>
-          <a:lstStyle/>
-          <a:p>
-            <a:r>
-              <a:rPr lang="en-US" dirty="0"/>
-              <a:t>ACKNOWLEDGEMENTS</a:t>
-            </a:r>
-          </a:p>
-        </p:txBody>
-      </p:sp>
-      <p:sp>
-        <p:nvSpPr>
-          <p:cNvPr id="7" name="Content Placeholder 6">
-            <a:extLst>
-              <a:ext uri="{FF2B5EF4-FFF2-40B4-BE49-F238E27FC236}">
-                <a16:creationId xmlns:a16="http://schemas.microsoft.com/office/drawing/2014/main" id="{063C36B6-F28F-4BE7-9B27-1DD6F6385857}"/>
-              </a:ext>
-            </a:extLst>
-          </p:cNvPr>
-          <p:cNvSpPr>
-            <a:spLocks noGrp="1"/>
-          </p:cNvSpPr>
-          <p:nvPr>
-            <p:ph idx="1"/>
-          </p:nvPr>
-        </p:nvSpPr>
-        <p:spPr/>
-        <p:txBody>
-          <a:bodyPr/>
-          <a:lstStyle/>
-          <a:p>
-            <a:r>
-              <a:rPr lang="en-US" dirty="0"/>
-              <a:t>Much of this tutorial is based on Hadley Wickham’s Amazing </a:t>
-            </a:r>
-            <a:r>
-              <a:rPr lang="en-US" i="1" dirty="0"/>
-              <a:t>R For Data Science</a:t>
-            </a:r>
-            <a:r>
-              <a:rPr lang="en-US" dirty="0"/>
-              <a:t>, available for free at </a:t>
-            </a:r>
-            <a:r>
-              <a:rPr lang="en-US" dirty="0">
-                <a:hlinkClick r:id="rId2"/>
-              </a:rPr>
-              <a:t>https://r4ds.had.co.nz</a:t>
-            </a:r>
-            <a:endParaRPr lang="en-US" dirty="0"/>
-          </a:p>
-          <a:p>
-            <a:r>
-              <a:rPr lang="en-US" dirty="0"/>
-              <a:t>The </a:t>
-            </a:r>
-            <a:r>
-              <a:rPr lang="en-US" dirty="0" err="1"/>
-              <a:t>tidyverse</a:t>
-            </a:r>
-            <a:r>
-              <a:rPr lang="en-US" dirty="0"/>
-              <a:t> hex stickers are used under the terms of the Creative Commons 1.0 Universal license.</a:t>
-            </a:r>
-          </a:p>
-        </p:txBody>
-      </p:sp>
-      <p:sp>
-        <p:nvSpPr>
-          <p:cNvPr id="4" name="Date Placeholder 3">
-            <a:extLst>
-              <a:ext uri="{FF2B5EF4-FFF2-40B4-BE49-F238E27FC236}">
-                <a16:creationId xmlns:a16="http://schemas.microsoft.com/office/drawing/2014/main" id="{6BD03D3F-8307-4B2B-85E0-9639DD7F7B8C}"/>
-              </a:ext>
-            </a:extLst>
-          </p:cNvPr>
-          <p:cNvSpPr>
-            <a:spLocks noGrp="1"/>
-          </p:cNvSpPr>
-          <p:nvPr>
-            <p:ph type="dt" sz="half" idx="10"/>
-          </p:nvPr>
-        </p:nvSpPr>
-        <p:spPr/>
-        <p:txBody>
-          <a:bodyPr/>
-          <a:lstStyle/>
-          <a:p>
-            <a:fld id="{8AAE40A0-A7D8-4DC3-BC9E-BADA32DA2004}" type="datetime4">
-              <a:rPr lang="en-US" smtClean="0"/>
-              <a:t>July 7, 2019</a:t>
-            </a:fld>
-            <a:endParaRPr lang="en-US" dirty="0"/>
-          </a:p>
-        </p:txBody>
-      </p:sp>
-      <p:sp>
-        <p:nvSpPr>
-          <p:cNvPr id="5" name="Footer Placeholder 4">
-            <a:extLst>
-              <a:ext uri="{FF2B5EF4-FFF2-40B4-BE49-F238E27FC236}">
-                <a16:creationId xmlns:a16="http://schemas.microsoft.com/office/drawing/2014/main" id="{07FB1389-2798-4D26-8CCE-27767E9E7F1D}"/>
-              </a:ext>
-            </a:extLst>
-          </p:cNvPr>
-          <p:cNvSpPr>
-            <a:spLocks noGrp="1"/>
-          </p:cNvSpPr>
-          <p:nvPr>
-            <p:ph type="ftr" sz="quarter" idx="11"/>
-          </p:nvPr>
-        </p:nvSpPr>
-        <p:spPr/>
-        <p:txBody>
-          <a:bodyPr/>
-          <a:lstStyle/>
-          <a:p>
-            <a:r>
-              <a:rPr lang="en-US"/>
-              <a:t>Digital Scholarship Services </a:t>
-            </a:r>
-            <a:r>
-              <a:rPr lang="en-US">
-                <a:solidFill>
-                  <a:schemeClr val="accent1">
-                    <a:lumMod val="50000"/>
-                  </a:schemeClr>
-                </a:solidFill>
-              </a:rPr>
-              <a:t>| Email</a:t>
-            </a:r>
-            <a:r>
-              <a:rPr lang="en-US"/>
-              <a:t> cf24@rice.edu </a:t>
-            </a:r>
-            <a:r>
-              <a:rPr lang="en-US">
-                <a:solidFill>
-                  <a:schemeClr val="accent1">
-                    <a:lumMod val="50000"/>
-                  </a:schemeClr>
-                </a:solidFill>
-              </a:rPr>
-              <a:t>|</a:t>
-            </a:r>
-            <a:r>
-              <a:rPr lang="en-US"/>
-              <a:t> library.rice.edu/dss</a:t>
-            </a:r>
-            <a:endParaRPr lang="en-US" dirty="0"/>
-          </a:p>
-        </p:txBody>
-      </p:sp>
-      <p:sp>
-        <p:nvSpPr>
-          <p:cNvPr id="6" name="Slide Number Placeholder 5">
-            <a:extLst>
-              <a:ext uri="{FF2B5EF4-FFF2-40B4-BE49-F238E27FC236}">
-                <a16:creationId xmlns:a16="http://schemas.microsoft.com/office/drawing/2014/main" id="{D9EB88B7-3533-4306-8F51-5BF384EBA51E}"/>
-              </a:ext>
-            </a:extLst>
-          </p:cNvPr>
-          <p:cNvSpPr>
-            <a:spLocks noGrp="1"/>
-          </p:cNvSpPr>
-          <p:nvPr>
-            <p:ph type="sldNum" sz="quarter" idx="12"/>
-          </p:nvPr>
-        </p:nvSpPr>
-        <p:spPr/>
-        <p:txBody>
-          <a:bodyPr/>
-          <a:lstStyle/>
-          <a:p>
-            <a:fld id="{D57F1E4F-1CFF-5643-939E-02111984F565}" type="slidenum">
-              <a:rPr lang="en-US" smtClean="0"/>
-              <a:t>49</a:t>
             </a:fld>
             <a:endParaRPr lang="en-US" dirty="0"/>
           </a:p>

--- a/Rviz/R Visualization and Data Manipulation.pptx
+++ b/Rviz/R Visualization and Data Manipulation.pptx
@@ -5,7 +5,7 @@
     <p:sldMasterId id="2147483707" r:id="rId1"/>
   </p:sldMasterIdLst>
   <p:notesMasterIdLst>
-    <p:notesMasterId r:id="rId49"/>
+    <p:notesMasterId r:id="rId50"/>
   </p:notesMasterIdLst>
   <p:sldIdLst>
     <p:sldId id="266" r:id="rId2"/>
@@ -35,8 +35,8 @@
     <p:sldId id="311" r:id="rId26"/>
     <p:sldId id="288" r:id="rId27"/>
     <p:sldId id="287" r:id="rId28"/>
-    <p:sldId id="313" r:id="rId29"/>
-    <p:sldId id="314" r:id="rId30"/>
+    <p:sldId id="314" r:id="rId29"/>
+    <p:sldId id="313" r:id="rId30"/>
     <p:sldId id="312" r:id="rId31"/>
     <p:sldId id="309" r:id="rId32"/>
     <p:sldId id="286" r:id="rId33"/>
@@ -48,13 +48,14 @@
     <p:sldId id="299" r:id="rId39"/>
     <p:sldId id="300" r:id="rId40"/>
     <p:sldId id="301" r:id="rId41"/>
-    <p:sldId id="298" r:id="rId42"/>
-    <p:sldId id="294" r:id="rId43"/>
-    <p:sldId id="302" r:id="rId44"/>
-    <p:sldId id="289" r:id="rId45"/>
-    <p:sldId id="295" r:id="rId46"/>
-    <p:sldId id="290" r:id="rId47"/>
-    <p:sldId id="272" r:id="rId48"/>
+    <p:sldId id="315" r:id="rId42"/>
+    <p:sldId id="298" r:id="rId43"/>
+    <p:sldId id="294" r:id="rId44"/>
+    <p:sldId id="302" r:id="rId45"/>
+    <p:sldId id="289" r:id="rId46"/>
+    <p:sldId id="295" r:id="rId47"/>
+    <p:sldId id="290" r:id="rId48"/>
+    <p:sldId id="272" r:id="rId49"/>
   </p:sldIdLst>
   <p:sldSz cx="12192000" cy="6858000"/>
   <p:notesSz cx="6858000" cy="9144000"/>
@@ -7390,7 +7391,7 @@
               <a:rPr lang="en-US" dirty="0">
                 <a:cs typeface="Courier New" panose="02070309020205020404" pitchFamily="49" charset="0"/>
               </a:rPr>
-              <a:t>Note: the first options are inherited from base R, the second options are from the </a:t>
+              <a:t>Note: the first options are inherited from base R, the other options are from the </a:t>
             </a:r>
             <a:r>
               <a:rPr lang="en-US" dirty="0" err="1">
@@ -8536,7 +8537,7 @@
             <a:pPr lvl="1"/>
             <a:r>
               <a:rPr lang="en-US" dirty="0"/>
-              <a:t>Any function passed as a formula</a:t>
+              <a:t>Any function can be passed as a formula</a:t>
             </a:r>
           </a:p>
           <a:p>
@@ -8575,7 +8576,7 @@
             </a:r>
             <a:r>
               <a:rPr lang="en-US" dirty="0"/>
-              <a:t> is the name of the parameter</a:t>
+              <a:t> is the name of the parameter of the function</a:t>
             </a:r>
           </a:p>
           <a:p>
@@ -9163,55 +9164,25 @@
           <a:p>
             <a:pPr lvl="1"/>
             <a:r>
+              <a:rPr lang="en-US" dirty="0">
+                <a:latin typeface="Courier New" panose="02070309020205020404" pitchFamily="49" charset="0"/>
+                <a:cs typeface="Courier New" panose="02070309020205020404" pitchFamily="49" charset="0"/>
+              </a:rPr>
+              <a:t>keep(</a:t>
+            </a:r>
+            <a:r>
               <a:rPr lang="en-US" dirty="0" err="1">
                 <a:latin typeface="Courier New" panose="02070309020205020404" pitchFamily="49" charset="0"/>
                 <a:cs typeface="Courier New" panose="02070309020205020404" pitchFamily="49" charset="0"/>
               </a:rPr>
-              <a:t>purrr</a:t>
+              <a:t>gpas</a:t>
             </a:r>
             <a:r>
               <a:rPr lang="en-US" dirty="0">
                 <a:latin typeface="Courier New" panose="02070309020205020404" pitchFamily="49" charset="0"/>
                 <a:cs typeface="Courier New" panose="02070309020205020404" pitchFamily="49" charset="0"/>
               </a:rPr>
-              <a:t>::keep(</a:t>
-            </a:r>
-            <a:r>
-              <a:rPr lang="en-US" dirty="0" err="1">
-                <a:latin typeface="Courier New" panose="02070309020205020404" pitchFamily="49" charset="0"/>
-                <a:cs typeface="Courier New" panose="02070309020205020404" pitchFamily="49" charset="0"/>
-              </a:rPr>
-              <a:t>gpas</a:t>
-            </a:r>
-            <a:r>
-              <a:rPr lang="en-US" dirty="0">
-                <a:latin typeface="Courier New" panose="02070309020205020404" pitchFamily="49" charset="0"/>
-                <a:cs typeface="Courier New" panose="02070309020205020404" pitchFamily="49" charset="0"/>
-              </a:rPr>
               <a:t>, ~ .x &gt; 3.8)</a:t>
-            </a:r>
-          </a:p>
-          <a:p>
-            <a:pPr lvl="2"/>
-            <a:r>
-              <a:rPr lang="en-US" dirty="0" err="1">
-                <a:latin typeface="Courier New" panose="02070309020205020404" pitchFamily="49" charset="0"/>
-                <a:cs typeface="Courier New" panose="02070309020205020404" pitchFamily="49" charset="0"/>
-              </a:rPr>
-              <a:t>purrr</a:t>
-            </a:r>
-            <a:r>
-              <a:rPr lang="en-US" dirty="0">
-                <a:latin typeface="Courier New" panose="02070309020205020404" pitchFamily="49" charset="0"/>
-                <a:cs typeface="Courier New" panose="02070309020205020404" pitchFamily="49" charset="0"/>
-              </a:rPr>
-              <a:t>:: </a:t>
-            </a:r>
-            <a:r>
-              <a:rPr lang="en-US" dirty="0">
-                <a:cs typeface="Courier New" panose="02070309020205020404" pitchFamily="49" charset="0"/>
-              </a:rPr>
-              <a:t>means that we’re specifying what package we’re looking in.</a:t>
             </a:r>
           </a:p>
         </p:txBody>
@@ -9416,6 +9387,20 @@
             </a:r>
           </a:p>
           <a:p>
+            <a:pPr lvl="1"/>
+            <a:r>
+              <a:rPr lang="en-US" dirty="0"/>
+              <a:t>Is a condition always true?</a:t>
+            </a:r>
+          </a:p>
+          <a:p>
+            <a:pPr lvl="1"/>
+            <a:r>
+              <a:rPr lang="en-US" dirty="0"/>
+              <a:t>Is a condition ever true?</a:t>
+            </a:r>
+          </a:p>
+          <a:p>
             <a:r>
               <a:rPr lang="en-US" dirty="0"/>
               <a:t>What do you know? Formulas again!</a:t>
@@ -10206,7 +10191,7 @@
           <a:p>
             <a:r>
               <a:rPr lang="en-US" dirty="0"/>
-              <a:t>Ex:</a:t>
+              <a:t>e.g.:</a:t>
             </a:r>
           </a:p>
           <a:p>
@@ -10699,6 +10684,32 @@
               <a:t>Can use multiple column names!</a:t>
             </a:r>
           </a:p>
+          <a:p>
+            <a:r>
+              <a:rPr lang="en-US" dirty="0" err="1">
+                <a:latin typeface="Courier New" panose="02070309020205020404" pitchFamily="49" charset="0"/>
+                <a:cs typeface="Courier New" panose="02070309020205020404" pitchFamily="49" charset="0"/>
+              </a:rPr>
+              <a:t>drop_na</a:t>
+            </a:r>
+            <a:r>
+              <a:rPr lang="en-US" dirty="0">
+                <a:latin typeface="Courier New" panose="02070309020205020404" pitchFamily="49" charset="0"/>
+                <a:cs typeface="Courier New" panose="02070309020205020404" pitchFamily="49" charset="0"/>
+              </a:rPr>
+              <a:t>(): </a:t>
+            </a:r>
+            <a:r>
+              <a:rPr lang="en-US" dirty="0">
+                <a:cs typeface="Courier New" panose="02070309020205020404" pitchFamily="49" charset="0"/>
+              </a:rPr>
+              <a:t>a special case for deleting any row that has a missing value</a:t>
+            </a:r>
+            <a:endParaRPr lang="en-US" dirty="0">
+              <a:latin typeface="Courier New" panose="02070309020205020404" pitchFamily="49" charset="0"/>
+              <a:cs typeface="Courier New" panose="02070309020205020404" pitchFamily="49" charset="0"/>
+            </a:endParaRPr>
+          </a:p>
         </p:txBody>
       </p:sp>
       <p:sp>
@@ -11690,7 +11701,7 @@
           <a:p>
             <a:r>
               <a:rPr lang="en-US" dirty="0"/>
-              <a:t>Combine data from two </a:t>
+              <a:t>Combine data from two different </a:t>
             </a:r>
             <a:r>
               <a:rPr lang="en-US" dirty="0" err="1"/>
@@ -11705,50 +11716,69 @@
             <a:pPr lvl="1"/>
             <a:r>
               <a:rPr lang="en-US" dirty="0"/>
-              <a:t>Must share one column. Specify this as the “by” argument.</a:t>
+              <a:t>Must share one column name. Specify this as the “by” argument.</a:t>
             </a:r>
           </a:p>
           <a:p>
             <a:pPr lvl="1"/>
             <a:r>
               <a:rPr lang="en-US" dirty="0"/>
-              <a:t>Adds columns from both </a:t>
+              <a:t>Inner: keep only rows that are in both</a:t>
+            </a:r>
+          </a:p>
+          <a:p>
+            <a:pPr lvl="1"/>
+            <a:r>
+              <a:rPr lang="en-US" dirty="0"/>
+              <a:t>Left: keep all rows in first </a:t>
             </a:r>
             <a:r>
               <a:rPr lang="en-US" dirty="0" err="1"/>
-              <a:t>tibbles</a:t>
-            </a:r>
-            <a:r>
-              <a:rPr lang="en-US" dirty="0"/>
-              <a:t>!</a:t>
+              <a:t>tibble</a:t>
+            </a:r>
+            <a:r>
+              <a:rPr lang="en-US" dirty="0"/>
+              <a:t>, even if they don’t have a match</a:t>
             </a:r>
           </a:p>
           <a:p>
             <a:pPr lvl="1"/>
             <a:r>
               <a:rPr lang="en-US" dirty="0"/>
-              <a:t>Inner: keep only rows that are in both</a:t>
+              <a:t>Right: keep all rows in second </a:t>
+            </a:r>
+            <a:r>
+              <a:rPr lang="en-US" dirty="0" err="1"/>
+              <a:t>tibble</a:t>
+            </a:r>
+            <a:r>
+              <a:rPr lang="en-US" dirty="0"/>
+              <a:t>, even if they don’t have a match</a:t>
             </a:r>
           </a:p>
           <a:p>
             <a:pPr lvl="1"/>
             <a:r>
               <a:rPr lang="en-US" dirty="0"/>
-              <a:t>Left: keep all in first argument</a:t>
+              <a:t>Full: keep all rows</a:t>
             </a:r>
           </a:p>
           <a:p>
             <a:pPr lvl="1"/>
             <a:r>
               <a:rPr lang="en-US" dirty="0"/>
-              <a:t>Right: keep all rows in second argument</a:t>
-            </a:r>
-          </a:p>
-          <a:p>
-            <a:pPr lvl="1"/>
-            <a:r>
-              <a:rPr lang="en-US" dirty="0"/>
-              <a:t>Outer: keep all rows</a:t>
+              <a:t>Note: if there is no match, </a:t>
+            </a:r>
+            <a:r>
+              <a:rPr lang="en-US" dirty="0">
+                <a:latin typeface="Courier New" panose="02070309020205020404" pitchFamily="49" charset="0"/>
+                <a:cs typeface="Courier New" panose="02070309020205020404" pitchFamily="49" charset="0"/>
+              </a:rPr>
+              <a:t>NA</a:t>
+            </a:r>
+            <a:r>
+              <a:rPr lang="en-US" dirty="0"/>
+              <a:t> is the default!</a:t>
             </a:r>
           </a:p>
           <a:p>
@@ -11805,6 +11835,15 @@
               <a:latin typeface="Courier New" panose="02070309020205020404" pitchFamily="49" charset="0"/>
               <a:cs typeface="Courier New" panose="02070309020205020404" pitchFamily="49" charset="0"/>
             </a:endParaRPr>
+          </a:p>
+          <a:p>
+            <a:r>
+              <a:rPr lang="en-US" dirty="0">
+                <a:latin typeface="Courier New" panose="02070309020205020404" pitchFamily="49" charset="0"/>
+                <a:cs typeface="Courier New" panose="02070309020205020404" pitchFamily="49" charset="0"/>
+              </a:rPr>
+              <a:t>*_join(tbl_1, tbl_2, by=“common column name”)</a:t>
+            </a:r>
           </a:p>
         </p:txBody>
       </p:sp>
@@ -11976,36 +12015,40 @@
           <a:p>
             <a:r>
               <a:rPr lang="en-US" dirty="0"/>
-              <a:t>JOIN / MERGE: VENN DIAGRAMS</a:t>
-            </a:r>
-          </a:p>
-        </p:txBody>
-      </p:sp>
-      <p:sp>
-        <p:nvSpPr>
-          <p:cNvPr id="3" name="Content Placeholder 2">
-            <a:extLst>
-              <a:ext uri="{FF2B5EF4-FFF2-40B4-BE49-F238E27FC236}">
-                <a16:creationId xmlns:a16="http://schemas.microsoft.com/office/drawing/2014/main" id="{AE979079-854B-411C-B824-947E44C14007}"/>
-              </a:ext>
-            </a:extLst>
-          </p:cNvPr>
-          <p:cNvSpPr>
-            <a:spLocks noGrp="1"/>
-          </p:cNvSpPr>
+              <a:t>JOIN / MERGE: VISUALLY</a:t>
+            </a:r>
+          </a:p>
+        </p:txBody>
+      </p:sp>
+      <p:pic>
+        <p:nvPicPr>
+          <p:cNvPr id="8" name="Content Placeholder 7" descr="A drawing of a person&#10;&#10;Description automatically generated">
+            <a:extLst>
+              <a:ext uri="{FF2B5EF4-FFF2-40B4-BE49-F238E27FC236}">
+                <a16:creationId xmlns:a16="http://schemas.microsoft.com/office/drawing/2014/main" id="{4D9A4C85-88E8-41BD-86A1-BFB6FB832F82}"/>
+              </a:ext>
+            </a:extLst>
+          </p:cNvPr>
+          <p:cNvPicPr>
+            <a:picLocks noGrp="1" noChangeAspect="1"/>
+          </p:cNvPicPr>
           <p:nvPr>
             <p:ph idx="1"/>
           </p:nvPr>
-        </p:nvSpPr>
-        <p:spPr/>
-        <p:txBody>
-          <a:bodyPr/>
-          <a:lstStyle/>
-          <a:p>
-            <a:endParaRPr lang="en-US" dirty="0"/>
-          </a:p>
-        </p:txBody>
-      </p:sp>
+        </p:nvPicPr>
+        <p:blipFill>
+          <a:blip r:embed="rId2"/>
+          <a:stretch>
+            <a:fillRect/>
+          </a:stretch>
+        </p:blipFill>
+        <p:spPr>
+          <a:xfrm>
+            <a:off x="838200" y="2690492"/>
+            <a:ext cx="1652600" cy="1000132"/>
+          </a:xfrm>
+        </p:spPr>
+      </p:pic>
       <p:sp>
         <p:nvSpPr>
           <p:cNvPr id="4" name="Date Placeholder 3">
@@ -12121,10 +12164,100 @@
           </a:p>
         </p:txBody>
       </p:sp>
+      <p:pic>
+        <p:nvPicPr>
+          <p:cNvPr id="10" name="Picture 9" descr="A close up of text on a white background&#10;&#10;Description automatically generated">
+            <a:extLst>
+              <a:ext uri="{FF2B5EF4-FFF2-40B4-BE49-F238E27FC236}">
+                <a16:creationId xmlns:a16="http://schemas.microsoft.com/office/drawing/2014/main" id="{3879146D-D34E-4B87-90EB-6923BBA26FBE}"/>
+              </a:ext>
+            </a:extLst>
+          </p:cNvPr>
+          <p:cNvPicPr>
+            <a:picLocks noChangeAspect="1"/>
+          </p:cNvPicPr>
+          <p:nvPr/>
+        </p:nvPicPr>
+        <p:blipFill>
+          <a:blip r:embed="rId3"/>
+          <a:stretch>
+            <a:fillRect/>
+          </a:stretch>
+        </p:blipFill>
+        <p:spPr>
+          <a:xfrm>
+            <a:off x="3229659" y="3092844"/>
+            <a:ext cx="3633814" cy="1728800"/>
+          </a:xfrm>
+          <a:prstGeom prst="rect">
+            <a:avLst/>
+          </a:prstGeom>
+        </p:spPr>
+      </p:pic>
+      <p:pic>
+        <p:nvPicPr>
+          <p:cNvPr id="12" name="Picture 11" descr="A close up of text on a white background&#10;&#10;Description automatically generated">
+            <a:extLst>
+              <a:ext uri="{FF2B5EF4-FFF2-40B4-BE49-F238E27FC236}">
+                <a16:creationId xmlns:a16="http://schemas.microsoft.com/office/drawing/2014/main" id="{37FAB09A-FEF7-4B8B-9594-1A1017665978}"/>
+              </a:ext>
+            </a:extLst>
+          </p:cNvPr>
+          <p:cNvPicPr>
+            <a:picLocks noChangeAspect="1"/>
+          </p:cNvPicPr>
+          <p:nvPr/>
+        </p:nvPicPr>
+        <p:blipFill>
+          <a:blip r:embed="rId4"/>
+          <a:stretch>
+            <a:fillRect/>
+          </a:stretch>
+        </p:blipFill>
+        <p:spPr>
+          <a:xfrm>
+            <a:off x="3089164" y="1581950"/>
+            <a:ext cx="3914804" cy="1409710"/>
+          </a:xfrm>
+          <a:prstGeom prst="rect">
+            <a:avLst/>
+          </a:prstGeom>
+        </p:spPr>
+      </p:pic>
+      <p:pic>
+        <p:nvPicPr>
+          <p:cNvPr id="14" name="Picture 13" descr="A screenshot of a cell phone screen with text&#10;&#10;Description automatically generated">
+            <a:extLst>
+              <a:ext uri="{FF2B5EF4-FFF2-40B4-BE49-F238E27FC236}">
+                <a16:creationId xmlns:a16="http://schemas.microsoft.com/office/drawing/2014/main" id="{B1A0062C-F782-4C95-B94A-C4C2BD46E84E}"/>
+              </a:ext>
+            </a:extLst>
+          </p:cNvPr>
+          <p:cNvPicPr>
+            <a:picLocks noChangeAspect="1"/>
+          </p:cNvPicPr>
+          <p:nvPr/>
+        </p:nvPicPr>
+        <p:blipFill>
+          <a:blip r:embed="rId5"/>
+          <a:stretch>
+            <a:fillRect/>
+          </a:stretch>
+        </p:blipFill>
+        <p:spPr>
+          <a:xfrm>
+            <a:off x="7268654" y="1699885"/>
+            <a:ext cx="3705252" cy="2981347"/>
+          </a:xfrm>
+          <a:prstGeom prst="rect">
+            <a:avLst/>
+          </a:prstGeom>
+        </p:spPr>
+      </p:pic>
     </p:spTree>
     <p:extLst>
       <p:ext uri="{BB962C8B-B14F-4D97-AF65-F5344CB8AC3E}">
-        <p14:creationId xmlns:p14="http://schemas.microsoft.com/office/powerpoint/2010/main" val="1545346064"/>
+        <p14:creationId xmlns:p14="http://schemas.microsoft.com/office/powerpoint/2010/main" val="3953209808"/>
       </p:ext>
     </p:extLst>
   </p:cSld>
@@ -12174,36 +12307,40 @@
           <a:p>
             <a:r>
               <a:rPr lang="en-US" dirty="0"/>
-              <a:t>JOIN / MERGE: MORE PICTURES</a:t>
-            </a:r>
-          </a:p>
-        </p:txBody>
-      </p:sp>
-      <p:sp>
-        <p:nvSpPr>
-          <p:cNvPr id="3" name="Content Placeholder 2">
-            <a:extLst>
-              <a:ext uri="{FF2B5EF4-FFF2-40B4-BE49-F238E27FC236}">
-                <a16:creationId xmlns:a16="http://schemas.microsoft.com/office/drawing/2014/main" id="{AE979079-854B-411C-B824-947E44C14007}"/>
-              </a:ext>
-            </a:extLst>
-          </p:cNvPr>
-          <p:cNvSpPr>
-            <a:spLocks noGrp="1"/>
-          </p:cNvSpPr>
+              <a:t>JOIN / MERGE: VENN DIAGRAMS</a:t>
+            </a:r>
+          </a:p>
+        </p:txBody>
+      </p:sp>
+      <p:pic>
+        <p:nvPicPr>
+          <p:cNvPr id="8" name="Content Placeholder 7" descr="A picture containing sport, athletic game&#10;&#10;Description automatically generated">
+            <a:extLst>
+              <a:ext uri="{FF2B5EF4-FFF2-40B4-BE49-F238E27FC236}">
+                <a16:creationId xmlns:a16="http://schemas.microsoft.com/office/drawing/2014/main" id="{68A34F49-297C-41EF-B8BD-BE720A07D15A}"/>
+              </a:ext>
+            </a:extLst>
+          </p:cNvPr>
+          <p:cNvPicPr>
+            <a:picLocks noGrp="1" noChangeAspect="1"/>
+          </p:cNvPicPr>
           <p:nvPr>
             <p:ph idx="1"/>
           </p:nvPr>
-        </p:nvSpPr>
-        <p:spPr/>
-        <p:txBody>
-          <a:bodyPr/>
-          <a:lstStyle/>
-          <a:p>
-            <a:endParaRPr lang="en-US" dirty="0"/>
-          </a:p>
-        </p:txBody>
-      </p:sp>
+        </p:nvPicPr>
+        <p:blipFill>
+          <a:blip r:embed="rId2"/>
+          <a:stretch>
+            <a:fillRect/>
+          </a:stretch>
+        </p:blipFill>
+        <p:spPr>
+          <a:xfrm>
+            <a:off x="3169422" y="3179756"/>
+            <a:ext cx="5853155" cy="1643075"/>
+          </a:xfrm>
+        </p:spPr>
+      </p:pic>
       <p:sp>
         <p:nvSpPr>
           <p:cNvPr id="4" name="Date Placeholder 3">
@@ -12322,7 +12459,7 @@
     </p:spTree>
     <p:extLst>
       <p:ext uri="{BB962C8B-B14F-4D97-AF65-F5344CB8AC3E}">
-        <p14:creationId xmlns:p14="http://schemas.microsoft.com/office/powerpoint/2010/main" val="3953209808"/>
+        <p14:creationId xmlns:p14="http://schemas.microsoft.com/office/powerpoint/2010/main" val="1545346064"/>
       </p:ext>
     </p:extLst>
   </p:cSld>
@@ -12628,6 +12765,14 @@
               <a:t> worked</a:t>
             </a:r>
           </a:p>
+          <a:p>
+            <a:r>
+              <a:rPr lang="en-US" dirty="0">
+                <a:cs typeface="Courier New" panose="02070309020205020404" pitchFamily="49" charset="0"/>
+              </a:rPr>
+              <a:t>Then, add a different summary function!</a:t>
+            </a:r>
+          </a:p>
         </p:txBody>
       </p:sp>
       <p:sp>
@@ -12929,6 +13074,60 @@
               </a:rPr>
               <a:t>(states, mean)</a:t>
             </a:r>
+          </a:p>
+          <a:p>
+            <a:r>
+              <a:rPr lang="en-US" dirty="0">
+                <a:cs typeface="Courier New" panose="02070309020205020404" pitchFamily="49" charset="0"/>
+              </a:rPr>
+              <a:t>Common grouping operations:</a:t>
+            </a:r>
+          </a:p>
+          <a:p>
+            <a:pPr lvl="1"/>
+            <a:r>
+              <a:rPr lang="en-US" dirty="0" err="1">
+                <a:latin typeface="Courier New" panose="02070309020205020404" pitchFamily="49" charset="0"/>
+                <a:cs typeface="Courier New" panose="02070309020205020404" pitchFamily="49" charset="0"/>
+              </a:rPr>
+              <a:t>n_distinct</a:t>
+            </a:r>
+            <a:r>
+              <a:rPr lang="en-US" dirty="0">
+                <a:latin typeface="Courier New" panose="02070309020205020404" pitchFamily="49" charset="0"/>
+                <a:cs typeface="Courier New" panose="02070309020205020404" pitchFamily="49" charset="0"/>
+              </a:rPr>
+              <a:t> -&gt;</a:t>
+            </a:r>
+            <a:r>
+              <a:rPr lang="en-US" dirty="0">
+                <a:cs typeface="Courier New" panose="02070309020205020404" pitchFamily="49" charset="0"/>
+              </a:rPr>
+              <a:t> number of unique rows</a:t>
+            </a:r>
+          </a:p>
+          <a:p>
+            <a:pPr lvl="1"/>
+            <a:r>
+              <a:rPr lang="en-US" dirty="0">
+                <a:latin typeface="Courier New" panose="02070309020205020404" pitchFamily="49" charset="0"/>
+                <a:cs typeface="Courier New" panose="02070309020205020404" pitchFamily="49" charset="0"/>
+              </a:rPr>
+              <a:t>sum</a:t>
+            </a:r>
+          </a:p>
+          <a:p>
+            <a:pPr lvl="1"/>
+            <a:r>
+              <a:rPr lang="en-US" dirty="0">
+                <a:latin typeface="Courier New" panose="02070309020205020404" pitchFamily="49" charset="0"/>
+                <a:cs typeface="Courier New" panose="02070309020205020404" pitchFamily="49" charset="0"/>
+              </a:rPr>
+              <a:t>min, max</a:t>
+            </a:r>
+          </a:p>
+          <a:p>
+            <a:pPr lvl="1"/>
             <a:endParaRPr lang="en-US" dirty="0"/>
           </a:p>
         </p:txBody>
@@ -14045,6 +14244,66 @@
           </a:p>
         </p:txBody>
       </p:sp>
+      <p:pic>
+        <p:nvPicPr>
+          <p:cNvPr id="8" name="Picture 7" descr="A close up of a white wall&#10;&#10;Description automatically generated">
+            <a:extLst>
+              <a:ext uri="{FF2B5EF4-FFF2-40B4-BE49-F238E27FC236}">
+                <a16:creationId xmlns:a16="http://schemas.microsoft.com/office/drawing/2014/main" id="{7F956898-13F0-4231-95F4-882101C40240}"/>
+              </a:ext>
+            </a:extLst>
+          </p:cNvPr>
+          <p:cNvPicPr>
+            <a:picLocks noChangeAspect="1"/>
+          </p:cNvPicPr>
+          <p:nvPr/>
+        </p:nvPicPr>
+        <p:blipFill>
+          <a:blip r:embed="rId2"/>
+          <a:stretch>
+            <a:fillRect/>
+          </a:stretch>
+        </p:blipFill>
+        <p:spPr>
+          <a:xfrm>
+            <a:off x="1474487" y="3204783"/>
+            <a:ext cx="4358323" cy="2887904"/>
+          </a:xfrm>
+          <a:prstGeom prst="rect">
+            <a:avLst/>
+          </a:prstGeom>
+        </p:spPr>
+      </p:pic>
+      <p:pic>
+        <p:nvPicPr>
+          <p:cNvPr id="10" name="Picture 9">
+            <a:extLst>
+              <a:ext uri="{FF2B5EF4-FFF2-40B4-BE49-F238E27FC236}">
+                <a16:creationId xmlns:a16="http://schemas.microsoft.com/office/drawing/2014/main" id="{181FF408-FB46-4397-A2C3-CBBB9E199695}"/>
+              </a:ext>
+            </a:extLst>
+          </p:cNvPr>
+          <p:cNvPicPr>
+            <a:picLocks noChangeAspect="1"/>
+          </p:cNvPicPr>
+          <p:nvPr/>
+        </p:nvPicPr>
+        <p:blipFill>
+          <a:blip r:embed="rId3"/>
+          <a:stretch>
+            <a:fillRect/>
+          </a:stretch>
+        </p:blipFill>
+        <p:spPr>
+          <a:xfrm>
+            <a:off x="6469096" y="3132968"/>
+            <a:ext cx="4466704" cy="2959719"/>
+          </a:xfrm>
+          <a:prstGeom prst="rect">
+            <a:avLst/>
+          </a:prstGeom>
+        </p:spPr>
+      </p:pic>
     </p:spTree>
     <p:extLst>
       <p:ext uri="{BB962C8B-B14F-4D97-AF65-F5344CB8AC3E}">
@@ -14164,6 +14423,88 @@
               <a:t>y = …, color = …</a:t>
             </a:r>
           </a:p>
+          <a:p>
+            <a:endParaRPr lang="en-US" dirty="0">
+              <a:latin typeface="Courier New" panose="02070309020205020404" pitchFamily="49" charset="0"/>
+              <a:cs typeface="Courier New" panose="02070309020205020404" pitchFamily="49" charset="0"/>
+            </a:endParaRPr>
+          </a:p>
+          <a:p>
+            <a:r>
+              <a:rPr lang="en-US" dirty="0" err="1">
+                <a:latin typeface="Courier New" panose="02070309020205020404" pitchFamily="49" charset="0"/>
+                <a:cs typeface="Courier New" panose="02070309020205020404" pitchFamily="49" charset="0"/>
+              </a:rPr>
+              <a:t>ggplot</a:t>
+            </a:r>
+            <a:r>
+              <a:rPr lang="en-US" dirty="0">
+                <a:latin typeface="Courier New" panose="02070309020205020404" pitchFamily="49" charset="0"/>
+                <a:cs typeface="Courier New" panose="02070309020205020404" pitchFamily="49" charset="0"/>
+              </a:rPr>
+              <a:t>(data = iris, mapping = </a:t>
+            </a:r>
+            <a:r>
+              <a:rPr lang="en-US" dirty="0" err="1">
+                <a:latin typeface="Courier New" panose="02070309020205020404" pitchFamily="49" charset="0"/>
+                <a:cs typeface="Courier New" panose="02070309020205020404" pitchFamily="49" charset="0"/>
+              </a:rPr>
+              <a:t>aes</a:t>
+            </a:r>
+            <a:r>
+              <a:rPr lang="en-US" dirty="0">
+                <a:latin typeface="Courier New" panose="02070309020205020404" pitchFamily="49" charset="0"/>
+                <a:cs typeface="Courier New" panose="02070309020205020404" pitchFamily="49" charset="0"/>
+              </a:rPr>
+              <a:t>(x = </a:t>
+            </a:r>
+            <a:r>
+              <a:rPr lang="en-US" dirty="0" err="1">
+                <a:latin typeface="Courier New" panose="02070309020205020404" pitchFamily="49" charset="0"/>
+                <a:cs typeface="Courier New" panose="02070309020205020404" pitchFamily="49" charset="0"/>
+              </a:rPr>
+              <a:t>Petal.Length</a:t>
+            </a:r>
+            <a:r>
+              <a:rPr lang="en-US" dirty="0">
+                <a:latin typeface="Courier New" panose="02070309020205020404" pitchFamily="49" charset="0"/>
+                <a:cs typeface="Courier New" panose="02070309020205020404" pitchFamily="49" charset="0"/>
+              </a:rPr>
+              <a:t>, y = </a:t>
+            </a:r>
+            <a:r>
+              <a:rPr lang="en-US" dirty="0" err="1">
+                <a:latin typeface="Courier New" panose="02070309020205020404" pitchFamily="49" charset="0"/>
+                <a:cs typeface="Courier New" panose="02070309020205020404" pitchFamily="49" charset="0"/>
+              </a:rPr>
+              <a:t>Petal.Width</a:t>
+            </a:r>
+            <a:r>
+              <a:rPr lang="en-US" dirty="0">
+                <a:latin typeface="Courier New" panose="02070309020205020404" pitchFamily="49" charset="0"/>
+                <a:cs typeface="Courier New" panose="02070309020205020404" pitchFamily="49" charset="0"/>
+              </a:rPr>
+              <a:t>, color = Species))</a:t>
+            </a:r>
+          </a:p>
+          <a:p>
+            <a:pPr lvl="1"/>
+            <a:r>
+              <a:rPr lang="en-US" dirty="0">
+                <a:cs typeface="Courier New" panose="02070309020205020404" pitchFamily="49" charset="0"/>
+              </a:rPr>
+              <a:t>This means we’ve assigned the x value the lengths of the irises’ petals, the y value the widths of the irises’ petals, and the color to the species.</a:t>
+            </a:r>
+          </a:p>
+          <a:p>
+            <a:pPr lvl="1"/>
+            <a:r>
+              <a:rPr lang="en-US" dirty="0">
+                <a:cs typeface="Courier New" panose="02070309020205020404" pitchFamily="49" charset="0"/>
+              </a:rPr>
+              <a:t>Note this doesn’t yet make a plot! We have to specify what to do with our mapping.</a:t>
+            </a:r>
+          </a:p>
         </p:txBody>
       </p:sp>
       <p:sp>
@@ -14426,6 +14767,97 @@
               <a:t>)</a:t>
             </a:r>
           </a:p>
+          <a:p>
+            <a:r>
+              <a:rPr lang="en-US" dirty="0"/>
+              <a:t>e.g.</a:t>
+            </a:r>
+          </a:p>
+          <a:p>
+            <a:pPr lvl="1"/>
+            <a:r>
+              <a:rPr lang="en-US" sz="2000" dirty="0" err="1">
+                <a:latin typeface="Courier New" panose="02070309020205020404" pitchFamily="49" charset="0"/>
+                <a:cs typeface="Courier New" panose="02070309020205020404" pitchFamily="49" charset="0"/>
+              </a:rPr>
+              <a:t>ggplot</a:t>
+            </a:r>
+            <a:r>
+              <a:rPr lang="en-US" sz="2000" dirty="0">
+                <a:latin typeface="Courier New" panose="02070309020205020404" pitchFamily="49" charset="0"/>
+                <a:cs typeface="Courier New" panose="02070309020205020404" pitchFamily="49" charset="0"/>
+              </a:rPr>
+              <a:t>(data = iris) + </a:t>
+            </a:r>
+          </a:p>
+          <a:p>
+            <a:pPr marL="457200" lvl="1" indent="0">
+              <a:buNone/>
+            </a:pPr>
+            <a:r>
+              <a:rPr lang="en-US" sz="2000" dirty="0">
+                <a:latin typeface="Courier New" panose="02070309020205020404" pitchFamily="49" charset="0"/>
+                <a:cs typeface="Courier New" panose="02070309020205020404" pitchFamily="49" charset="0"/>
+              </a:rPr>
+              <a:t>   </a:t>
+            </a:r>
+            <a:r>
+              <a:rPr lang="en-US" sz="2000" dirty="0" err="1">
+                <a:latin typeface="Courier New" panose="02070309020205020404" pitchFamily="49" charset="0"/>
+                <a:cs typeface="Courier New" panose="02070309020205020404" pitchFamily="49" charset="0"/>
+              </a:rPr>
+              <a:t>geom_point</a:t>
+            </a:r>
+            <a:r>
+              <a:rPr lang="en-US" sz="2000" dirty="0">
+                <a:latin typeface="Courier New" panose="02070309020205020404" pitchFamily="49" charset="0"/>
+                <a:cs typeface="Courier New" panose="02070309020205020404" pitchFamily="49" charset="0"/>
+              </a:rPr>
+              <a:t>(mapping = </a:t>
+            </a:r>
+            <a:r>
+              <a:rPr lang="en-US" sz="2000" dirty="0" err="1">
+                <a:latin typeface="Courier New" panose="02070309020205020404" pitchFamily="49" charset="0"/>
+                <a:cs typeface="Courier New" panose="02070309020205020404" pitchFamily="49" charset="0"/>
+              </a:rPr>
+              <a:t>aes</a:t>
+            </a:r>
+            <a:r>
+              <a:rPr lang="en-US" sz="2000" dirty="0">
+                <a:latin typeface="Courier New" panose="02070309020205020404" pitchFamily="49" charset="0"/>
+                <a:cs typeface="Courier New" panose="02070309020205020404" pitchFamily="49" charset="0"/>
+              </a:rPr>
+              <a:t>(x = </a:t>
+            </a:r>
+            <a:r>
+              <a:rPr lang="en-US" sz="2000" dirty="0" err="1">
+                <a:latin typeface="Courier New" panose="02070309020205020404" pitchFamily="49" charset="0"/>
+                <a:cs typeface="Courier New" panose="02070309020205020404" pitchFamily="49" charset="0"/>
+              </a:rPr>
+              <a:t>Petal.Length</a:t>
+            </a:r>
+            <a:r>
+              <a:rPr lang="en-US" sz="2000" dirty="0">
+                <a:latin typeface="Courier New" panose="02070309020205020404" pitchFamily="49" charset="0"/>
+                <a:cs typeface="Courier New" panose="02070309020205020404" pitchFamily="49" charset="0"/>
+              </a:rPr>
+              <a:t>, y = </a:t>
+            </a:r>
+            <a:r>
+              <a:rPr lang="en-US" sz="2000" dirty="0" err="1">
+                <a:latin typeface="Courier New" panose="02070309020205020404" pitchFamily="49" charset="0"/>
+                <a:cs typeface="Courier New" panose="02070309020205020404" pitchFamily="49" charset="0"/>
+              </a:rPr>
+              <a:t>Petal.Width</a:t>
+            </a:r>
+            <a:r>
+              <a:rPr lang="en-US" sz="2000" dirty="0">
+                <a:latin typeface="Courier New" panose="02070309020205020404" pitchFamily="49" charset="0"/>
+                <a:cs typeface="Courier New" panose="02070309020205020404" pitchFamily="49" charset="0"/>
+              </a:rPr>
+              <a:t>))</a:t>
+            </a:r>
+          </a:p>
         </p:txBody>
       </p:sp>
       <p:sp>
@@ -14684,6 +15116,132 @@
               <a:t> as well!</a:t>
             </a:r>
           </a:p>
+          <a:p>
+            <a:endParaRPr lang="en-US" dirty="0"/>
+          </a:p>
+          <a:p>
+            <a:pPr marL="0" indent="0">
+              <a:buNone/>
+            </a:pPr>
+            <a:r>
+              <a:rPr lang="en-US" dirty="0" err="1">
+                <a:latin typeface="Courier New" panose="02070309020205020404" pitchFamily="49" charset="0"/>
+                <a:cs typeface="Courier New" panose="02070309020205020404" pitchFamily="49" charset="0"/>
+              </a:rPr>
+              <a:t>ggplot</a:t>
+            </a:r>
+            <a:r>
+              <a:rPr lang="en-US" dirty="0">
+                <a:latin typeface="Courier New" panose="02070309020205020404" pitchFamily="49" charset="0"/>
+                <a:cs typeface="Courier New" panose="02070309020205020404" pitchFamily="49" charset="0"/>
+              </a:rPr>
+              <a:t>(data = iris) +</a:t>
+            </a:r>
+          </a:p>
+          <a:p>
+            <a:pPr marL="0" indent="0">
+              <a:buNone/>
+            </a:pPr>
+            <a:r>
+              <a:rPr lang="en-US" dirty="0">
+                <a:latin typeface="Courier New" panose="02070309020205020404" pitchFamily="49" charset="0"/>
+                <a:cs typeface="Courier New" panose="02070309020205020404" pitchFamily="49" charset="0"/>
+              </a:rPr>
+              <a:t>  </a:t>
+            </a:r>
+            <a:r>
+              <a:rPr lang="en-US" dirty="0" err="1">
+                <a:latin typeface="Courier New" panose="02070309020205020404" pitchFamily="49" charset="0"/>
+                <a:cs typeface="Courier New" panose="02070309020205020404" pitchFamily="49" charset="0"/>
+              </a:rPr>
+              <a:t>geom_point</a:t>
+            </a:r>
+            <a:r>
+              <a:rPr lang="en-US" dirty="0">
+                <a:latin typeface="Courier New" panose="02070309020205020404" pitchFamily="49" charset="0"/>
+                <a:cs typeface="Courier New" panose="02070309020205020404" pitchFamily="49" charset="0"/>
+              </a:rPr>
+              <a:t>(mapping = </a:t>
+            </a:r>
+            <a:r>
+              <a:rPr lang="en-US" dirty="0" err="1">
+                <a:latin typeface="Courier New" panose="02070309020205020404" pitchFamily="49" charset="0"/>
+                <a:cs typeface="Courier New" panose="02070309020205020404" pitchFamily="49" charset="0"/>
+              </a:rPr>
+              <a:t>aes</a:t>
+            </a:r>
+            <a:r>
+              <a:rPr lang="en-US" dirty="0">
+                <a:latin typeface="Courier New" panose="02070309020205020404" pitchFamily="49" charset="0"/>
+                <a:cs typeface="Courier New" panose="02070309020205020404" pitchFamily="49" charset="0"/>
+              </a:rPr>
+              <a:t>(</a:t>
+            </a:r>
+          </a:p>
+          <a:p>
+            <a:pPr marL="0" indent="0">
+              <a:buNone/>
+            </a:pPr>
+            <a:r>
+              <a:rPr lang="en-US" dirty="0">
+                <a:latin typeface="Courier New" panose="02070309020205020404" pitchFamily="49" charset="0"/>
+                <a:cs typeface="Courier New" panose="02070309020205020404" pitchFamily="49" charset="0"/>
+              </a:rPr>
+              <a:t>      x = </a:t>
+            </a:r>
+            <a:r>
+              <a:rPr lang="en-US" dirty="0" err="1">
+                <a:latin typeface="Courier New" panose="02070309020205020404" pitchFamily="49" charset="0"/>
+                <a:cs typeface="Courier New" panose="02070309020205020404" pitchFamily="49" charset="0"/>
+              </a:rPr>
+              <a:t>Petal.Length</a:t>
+            </a:r>
+            <a:r>
+              <a:rPr lang="en-US" dirty="0">
+                <a:latin typeface="Courier New" panose="02070309020205020404" pitchFamily="49" charset="0"/>
+                <a:cs typeface="Courier New" panose="02070309020205020404" pitchFamily="49" charset="0"/>
+              </a:rPr>
+              <a:t>,</a:t>
+            </a:r>
+          </a:p>
+          <a:p>
+            <a:pPr marL="0" indent="0">
+              <a:buNone/>
+            </a:pPr>
+            <a:r>
+              <a:rPr lang="en-US" dirty="0">
+                <a:latin typeface="Courier New" panose="02070309020205020404" pitchFamily="49" charset="0"/>
+                <a:cs typeface="Courier New" panose="02070309020205020404" pitchFamily="49" charset="0"/>
+              </a:rPr>
+              <a:t>      y = </a:t>
+            </a:r>
+            <a:r>
+              <a:rPr lang="en-US" dirty="0" err="1">
+                <a:latin typeface="Courier New" panose="02070309020205020404" pitchFamily="49" charset="0"/>
+                <a:cs typeface="Courier New" panose="02070309020205020404" pitchFamily="49" charset="0"/>
+              </a:rPr>
+              <a:t>Petal.Width</a:t>
+            </a:r>
+            <a:r>
+              <a:rPr lang="en-US" dirty="0">
+                <a:latin typeface="Courier New" panose="02070309020205020404" pitchFamily="49" charset="0"/>
+                <a:cs typeface="Courier New" panose="02070309020205020404" pitchFamily="49" charset="0"/>
+              </a:rPr>
+              <a:t>,</a:t>
+            </a:r>
+          </a:p>
+          <a:p>
+            <a:pPr marL="0" indent="0">
+              <a:buNone/>
+            </a:pPr>
+            <a:r>
+              <a:rPr lang="en-US" dirty="0">
+                <a:latin typeface="Courier New" panose="02070309020205020404" pitchFamily="49" charset="0"/>
+                <a:cs typeface="Courier New" panose="02070309020205020404" pitchFamily="49" charset="0"/>
+              </a:rPr>
+              <a:t>      color = Species))</a:t>
+            </a:r>
+          </a:p>
         </p:txBody>
       </p:sp>
       <p:sp>
@@ -14801,6 +15359,36 @@
           </a:p>
         </p:txBody>
       </p:sp>
+      <p:pic>
+        <p:nvPicPr>
+          <p:cNvPr id="8" name="Picture 7" descr="A screenshot of a cell phone&#10;&#10;Description automatically generated">
+            <a:extLst>
+              <a:ext uri="{FF2B5EF4-FFF2-40B4-BE49-F238E27FC236}">
+                <a16:creationId xmlns:a16="http://schemas.microsoft.com/office/drawing/2014/main" id="{9A95E80F-59EC-415C-8CD5-ED71EBF91F41}"/>
+              </a:ext>
+            </a:extLst>
+          </p:cNvPr>
+          <p:cNvPicPr>
+            <a:picLocks noChangeAspect="1"/>
+          </p:cNvPicPr>
+          <p:nvPr/>
+        </p:nvPicPr>
+        <p:blipFill>
+          <a:blip r:embed="rId2"/>
+          <a:stretch>
+            <a:fillRect/>
+          </a:stretch>
+        </p:blipFill>
+        <p:spPr>
+          <a:xfrm>
+            <a:off x="6820443" y="2752609"/>
+            <a:ext cx="5371557" cy="3559291"/>
+          </a:xfrm>
+          <a:prstGeom prst="rect">
+            <a:avLst/>
+          </a:prstGeom>
+        </p:spPr>
+      </p:pic>
     </p:spTree>
     <p:extLst>
       <p:ext uri="{BB962C8B-B14F-4D97-AF65-F5344CB8AC3E}">
@@ -14877,7 +15465,9 @@
         </p:nvSpPr>
         <p:spPr/>
         <p:txBody>
-          <a:bodyPr/>
+          <a:bodyPr>
+            <a:normAutofit lnSpcReduction="10000"/>
+          </a:bodyPr>
           <a:lstStyle/>
           <a:p>
             <a:r>
@@ -14918,6 +15508,127 @@
             <a:r>
               <a:rPr lang="en-US" dirty="0"/>
               <a:t> mapping.</a:t>
+            </a:r>
+          </a:p>
+          <a:p>
+            <a:endParaRPr lang="en-US" dirty="0"/>
+          </a:p>
+          <a:p>
+            <a:pPr marL="0" indent="0">
+              <a:buNone/>
+            </a:pPr>
+            <a:r>
+              <a:rPr lang="en-US" dirty="0" err="1">
+                <a:latin typeface="Courier New" panose="02070309020205020404" pitchFamily="49" charset="0"/>
+                <a:cs typeface="Courier New" panose="02070309020205020404" pitchFamily="49" charset="0"/>
+              </a:rPr>
+              <a:t>ggplot</a:t>
+            </a:r>
+            <a:r>
+              <a:rPr lang="en-US" dirty="0">
+                <a:latin typeface="Courier New" panose="02070309020205020404" pitchFamily="49" charset="0"/>
+                <a:cs typeface="Courier New" panose="02070309020205020404" pitchFamily="49" charset="0"/>
+              </a:rPr>
+              <a:t>(data = iris) +</a:t>
+            </a:r>
+          </a:p>
+          <a:p>
+            <a:pPr marL="0" indent="0">
+              <a:buNone/>
+            </a:pPr>
+            <a:r>
+              <a:rPr lang="en-US" dirty="0">
+                <a:latin typeface="Courier New" panose="02070309020205020404" pitchFamily="49" charset="0"/>
+                <a:cs typeface="Courier New" panose="02070309020205020404" pitchFamily="49" charset="0"/>
+              </a:rPr>
+              <a:t>  </a:t>
+            </a:r>
+            <a:r>
+              <a:rPr lang="en-US" dirty="0" err="1">
+                <a:latin typeface="Courier New" panose="02070309020205020404" pitchFamily="49" charset="0"/>
+                <a:cs typeface="Courier New" panose="02070309020205020404" pitchFamily="49" charset="0"/>
+              </a:rPr>
+              <a:t>geom_boxplot</a:t>
+            </a:r>
+            <a:r>
+              <a:rPr lang="en-US" dirty="0">
+                <a:latin typeface="Courier New" panose="02070309020205020404" pitchFamily="49" charset="0"/>
+                <a:cs typeface="Courier New" panose="02070309020205020404" pitchFamily="49" charset="0"/>
+              </a:rPr>
+              <a:t>(</a:t>
+            </a:r>
+          </a:p>
+          <a:p>
+            <a:pPr marL="0" indent="0">
+              <a:buNone/>
+            </a:pPr>
+            <a:r>
+              <a:rPr lang="en-US" dirty="0">
+                <a:latin typeface="Courier New" panose="02070309020205020404" pitchFamily="49" charset="0"/>
+                <a:cs typeface="Courier New" panose="02070309020205020404" pitchFamily="49" charset="0"/>
+              </a:rPr>
+              <a:t>    mapping = </a:t>
+            </a:r>
+            <a:r>
+              <a:rPr lang="en-US" dirty="0" err="1">
+                <a:latin typeface="Courier New" panose="02070309020205020404" pitchFamily="49" charset="0"/>
+                <a:cs typeface="Courier New" panose="02070309020205020404" pitchFamily="49" charset="0"/>
+              </a:rPr>
+              <a:t>aes</a:t>
+            </a:r>
+            <a:r>
+              <a:rPr lang="en-US" dirty="0">
+                <a:latin typeface="Courier New" panose="02070309020205020404" pitchFamily="49" charset="0"/>
+                <a:cs typeface="Courier New" panose="02070309020205020404" pitchFamily="49" charset="0"/>
+              </a:rPr>
+              <a:t>(</a:t>
+            </a:r>
+          </a:p>
+          <a:p>
+            <a:pPr marL="0" indent="0">
+              <a:buNone/>
+            </a:pPr>
+            <a:r>
+              <a:rPr lang="en-US" dirty="0">
+                <a:latin typeface="Courier New" panose="02070309020205020404" pitchFamily="49" charset="0"/>
+                <a:cs typeface="Courier New" panose="02070309020205020404" pitchFamily="49" charset="0"/>
+              </a:rPr>
+              <a:t>      y = </a:t>
+            </a:r>
+            <a:r>
+              <a:rPr lang="en-US" dirty="0" err="1">
+                <a:latin typeface="Courier New" panose="02070309020205020404" pitchFamily="49" charset="0"/>
+                <a:cs typeface="Courier New" panose="02070309020205020404" pitchFamily="49" charset="0"/>
+              </a:rPr>
+              <a:t>Petal.Length</a:t>
+            </a:r>
+            <a:endParaRPr lang="en-US" dirty="0">
+              <a:latin typeface="Courier New" panose="02070309020205020404" pitchFamily="49" charset="0"/>
+              <a:cs typeface="Courier New" panose="02070309020205020404" pitchFamily="49" charset="0"/>
+            </a:endParaRPr>
+          </a:p>
+          <a:p>
+            <a:pPr marL="0" indent="0">
+              <a:buNone/>
+            </a:pPr>
+            <a:r>
+              <a:rPr lang="en-US" dirty="0">
+                <a:latin typeface="Courier New" panose="02070309020205020404" pitchFamily="49" charset="0"/>
+                <a:cs typeface="Courier New" panose="02070309020205020404" pitchFamily="49" charset="0"/>
+              </a:rPr>
+              <a:t>  )</a:t>
+            </a:r>
+          </a:p>
+          <a:p>
+            <a:pPr marL="0" indent="0">
+              <a:buNone/>
+            </a:pPr>
+            <a:r>
+              <a:rPr lang="en-US" dirty="0">
+                <a:latin typeface="Courier New" panose="02070309020205020404" pitchFamily="49" charset="0"/>
+                <a:cs typeface="Courier New" panose="02070309020205020404" pitchFamily="49" charset="0"/>
+              </a:rPr>
+              <a:t>)</a:t>
             </a:r>
           </a:p>
         </p:txBody>
@@ -15037,6 +15748,36 @@
           </a:p>
         </p:txBody>
       </p:sp>
+      <p:pic>
+        <p:nvPicPr>
+          <p:cNvPr id="8" name="Picture 7" descr="A screenshot of a social media post&#10;&#10;Description automatically generated">
+            <a:extLst>
+              <a:ext uri="{FF2B5EF4-FFF2-40B4-BE49-F238E27FC236}">
+                <a16:creationId xmlns:a16="http://schemas.microsoft.com/office/drawing/2014/main" id="{95B20258-22BA-49ED-9EED-CBF6D95EF70F}"/>
+              </a:ext>
+            </a:extLst>
+          </p:cNvPr>
+          <p:cNvPicPr>
+            <a:picLocks noChangeAspect="1"/>
+          </p:cNvPicPr>
+          <p:nvPr/>
+        </p:nvPicPr>
+        <p:blipFill>
+          <a:blip r:embed="rId2"/>
+          <a:stretch>
+            <a:fillRect/>
+          </a:stretch>
+        </p:blipFill>
+        <p:spPr>
+          <a:xfrm>
+            <a:off x="6380921" y="2400741"/>
+            <a:ext cx="5411313" cy="3585634"/>
+          </a:xfrm>
+          <a:prstGeom prst="rect">
+            <a:avLst/>
+          </a:prstGeom>
+        </p:spPr>
+      </p:pic>
     </p:spTree>
     <p:extLst>
       <p:ext uri="{BB962C8B-B14F-4D97-AF65-F5344CB8AC3E}">
@@ -15252,6 +15993,36 @@
           </a:p>
         </p:txBody>
       </p:sp>
+      <p:pic>
+        <p:nvPicPr>
+          <p:cNvPr id="8" name="Picture 7" descr="A screenshot of a cell phone&#10;&#10;Description automatically generated">
+            <a:extLst>
+              <a:ext uri="{FF2B5EF4-FFF2-40B4-BE49-F238E27FC236}">
+                <a16:creationId xmlns:a16="http://schemas.microsoft.com/office/drawing/2014/main" id="{A69EB3EF-D377-4510-9979-A0B7EC95E9BA}"/>
+              </a:ext>
+            </a:extLst>
+          </p:cNvPr>
+          <p:cNvPicPr>
+            <a:picLocks noChangeAspect="1"/>
+          </p:cNvPicPr>
+          <p:nvPr/>
+        </p:nvPicPr>
+        <p:blipFill>
+          <a:blip r:embed="rId2"/>
+          <a:stretch>
+            <a:fillRect/>
+          </a:stretch>
+        </p:blipFill>
+        <p:spPr>
+          <a:xfrm>
+            <a:off x="2409798" y="3906692"/>
+            <a:ext cx="7372404" cy="2085990"/>
+          </a:xfrm>
+          <a:prstGeom prst="rect">
+            <a:avLst/>
+          </a:prstGeom>
+        </p:spPr>
+      </p:pic>
     </p:spTree>
     <p:extLst>
       <p:ext uri="{BB962C8B-B14F-4D97-AF65-F5344CB8AC3E}">
@@ -15488,6 +16259,164 @@
           </a:p>
         </p:txBody>
       </p:sp>
+      <p:sp>
+        <p:nvSpPr>
+          <p:cNvPr id="7" name="Rectangle 6">
+            <a:extLst>
+              <a:ext uri="{FF2B5EF4-FFF2-40B4-BE49-F238E27FC236}">
+                <a16:creationId xmlns:a16="http://schemas.microsoft.com/office/drawing/2014/main" id="{B922F095-C5E7-4646-A762-AB3299A031CD}"/>
+              </a:ext>
+            </a:extLst>
+          </p:cNvPr>
+          <p:cNvSpPr/>
+          <p:nvPr/>
+        </p:nvSpPr>
+        <p:spPr>
+          <a:xfrm>
+            <a:off x="1030357" y="3635168"/>
+            <a:ext cx="6096000" cy="1754326"/>
+          </a:xfrm>
+          <a:prstGeom prst="rect">
+            <a:avLst/>
+          </a:prstGeom>
+        </p:spPr>
+        <p:txBody>
+          <a:bodyPr>
+            <a:spAutoFit/>
+          </a:bodyPr>
+          <a:lstStyle/>
+          <a:p>
+            <a:r>
+              <a:rPr lang="en-US" dirty="0" err="1">
+                <a:latin typeface="Courier New" panose="02070309020205020404" pitchFamily="49" charset="0"/>
+                <a:cs typeface="Courier New" panose="02070309020205020404" pitchFamily="49" charset="0"/>
+              </a:rPr>
+              <a:t>ggplot</a:t>
+            </a:r>
+            <a:r>
+              <a:rPr lang="en-US" dirty="0">
+                <a:latin typeface="Courier New" panose="02070309020205020404" pitchFamily="49" charset="0"/>
+                <a:cs typeface="Courier New" panose="02070309020205020404" pitchFamily="49" charset="0"/>
+              </a:rPr>
+              <a:t>(data = iris) +</a:t>
+            </a:r>
+          </a:p>
+          <a:p>
+            <a:r>
+              <a:rPr lang="en-US" dirty="0">
+                <a:latin typeface="Courier New" panose="02070309020205020404" pitchFamily="49" charset="0"/>
+                <a:cs typeface="Courier New" panose="02070309020205020404" pitchFamily="49" charset="0"/>
+              </a:rPr>
+              <a:t>  </a:t>
+            </a:r>
+            <a:r>
+              <a:rPr lang="en-US" dirty="0" err="1">
+                <a:latin typeface="Courier New" panose="02070309020205020404" pitchFamily="49" charset="0"/>
+                <a:cs typeface="Courier New" panose="02070309020205020404" pitchFamily="49" charset="0"/>
+              </a:rPr>
+              <a:t>geom_histogram</a:t>
+            </a:r>
+            <a:r>
+              <a:rPr lang="en-US" dirty="0">
+                <a:latin typeface="Courier New" panose="02070309020205020404" pitchFamily="49" charset="0"/>
+                <a:cs typeface="Courier New" panose="02070309020205020404" pitchFamily="49" charset="0"/>
+              </a:rPr>
+              <a:t>(</a:t>
+            </a:r>
+          </a:p>
+          <a:p>
+            <a:r>
+              <a:rPr lang="en-US" dirty="0">
+                <a:latin typeface="Courier New" panose="02070309020205020404" pitchFamily="49" charset="0"/>
+                <a:cs typeface="Courier New" panose="02070309020205020404" pitchFamily="49" charset="0"/>
+              </a:rPr>
+              <a:t>    mapping = </a:t>
+            </a:r>
+            <a:r>
+              <a:rPr lang="en-US" dirty="0" err="1">
+                <a:latin typeface="Courier New" panose="02070309020205020404" pitchFamily="49" charset="0"/>
+                <a:cs typeface="Courier New" panose="02070309020205020404" pitchFamily="49" charset="0"/>
+              </a:rPr>
+              <a:t>aes</a:t>
+            </a:r>
+            <a:r>
+              <a:rPr lang="en-US" dirty="0">
+                <a:latin typeface="Courier New" panose="02070309020205020404" pitchFamily="49" charset="0"/>
+                <a:cs typeface="Courier New" panose="02070309020205020404" pitchFamily="49" charset="0"/>
+              </a:rPr>
+              <a:t>(</a:t>
+            </a:r>
+          </a:p>
+          <a:p>
+            <a:r>
+              <a:rPr lang="en-US" dirty="0">
+                <a:latin typeface="Courier New" panose="02070309020205020404" pitchFamily="49" charset="0"/>
+                <a:cs typeface="Courier New" panose="02070309020205020404" pitchFamily="49" charset="0"/>
+              </a:rPr>
+              <a:t>      x = </a:t>
+            </a:r>
+            <a:r>
+              <a:rPr lang="en-US" dirty="0" err="1">
+                <a:latin typeface="Courier New" panose="02070309020205020404" pitchFamily="49" charset="0"/>
+                <a:cs typeface="Courier New" panose="02070309020205020404" pitchFamily="49" charset="0"/>
+              </a:rPr>
+              <a:t>Petal.Length</a:t>
+            </a:r>
+            <a:endParaRPr lang="en-US" dirty="0">
+              <a:latin typeface="Courier New" panose="02070309020205020404" pitchFamily="49" charset="0"/>
+              <a:cs typeface="Courier New" panose="02070309020205020404" pitchFamily="49" charset="0"/>
+            </a:endParaRPr>
+          </a:p>
+          <a:p>
+            <a:r>
+              <a:rPr lang="en-US" dirty="0">
+                <a:latin typeface="Courier New" panose="02070309020205020404" pitchFamily="49" charset="0"/>
+                <a:cs typeface="Courier New" panose="02070309020205020404" pitchFamily="49" charset="0"/>
+              </a:rPr>
+              <a:t>  )</a:t>
+            </a:r>
+          </a:p>
+          <a:p>
+            <a:r>
+              <a:rPr lang="en-US" dirty="0">
+                <a:latin typeface="Courier New" panose="02070309020205020404" pitchFamily="49" charset="0"/>
+                <a:cs typeface="Courier New" panose="02070309020205020404" pitchFamily="49" charset="0"/>
+              </a:rPr>
+              <a:t>)</a:t>
+            </a:r>
+          </a:p>
+        </p:txBody>
+      </p:sp>
+      <p:pic>
+        <p:nvPicPr>
+          <p:cNvPr id="9" name="Picture 8">
+            <a:extLst>
+              <a:ext uri="{FF2B5EF4-FFF2-40B4-BE49-F238E27FC236}">
+                <a16:creationId xmlns:a16="http://schemas.microsoft.com/office/drawing/2014/main" id="{74FE7497-F544-4F25-9571-3F4F0BCE5881}"/>
+              </a:ext>
+            </a:extLst>
+          </p:cNvPr>
+          <p:cNvPicPr>
+            <a:picLocks noChangeAspect="1"/>
+          </p:cNvPicPr>
+          <p:nvPr/>
+        </p:nvPicPr>
+        <p:blipFill>
+          <a:blip r:embed="rId2"/>
+          <a:stretch>
+            <a:fillRect/>
+          </a:stretch>
+        </p:blipFill>
+        <p:spPr>
+          <a:xfrm>
+            <a:off x="6040778" y="2664803"/>
+            <a:ext cx="5139644" cy="3405621"/>
+          </a:xfrm>
+          <a:prstGeom prst="rect">
+            <a:avLst/>
+          </a:prstGeom>
+        </p:spPr>
+      </p:pic>
     </p:spTree>
     <p:extLst>
       <p:ext uri="{BB962C8B-B14F-4D97-AF65-F5344CB8AC3E}">
@@ -15523,7 +16452,7 @@
           <p:cNvPr id="2" name="Title 1">
             <a:extLst>
               <a:ext uri="{FF2B5EF4-FFF2-40B4-BE49-F238E27FC236}">
-                <a16:creationId xmlns:a16="http://schemas.microsoft.com/office/drawing/2014/main" id="{E850068E-C01E-4BED-AF24-C2E9D57DABAC}"/>
+                <a16:creationId xmlns:a16="http://schemas.microsoft.com/office/drawing/2014/main" id="{90949A2E-AE39-4CCA-B55F-42F285F22D3C}"/>
               </a:ext>
             </a:extLst>
           </p:cNvPr>
@@ -15541,7 +16470,7 @@
           <a:p>
             <a:r>
               <a:rPr lang="en-US" dirty="0"/>
-              <a:t>COLORS</a:t>
+              <a:t>PLOTS (GEOMS): BARCHARTS</a:t>
             </a:r>
           </a:p>
         </p:txBody>
@@ -15551,7 +16480,7 @@
           <p:cNvPr id="3" name="Content Placeholder 2">
             <a:extLst>
               <a:ext uri="{FF2B5EF4-FFF2-40B4-BE49-F238E27FC236}">
-                <a16:creationId xmlns:a16="http://schemas.microsoft.com/office/drawing/2014/main" id="{37E146B7-6BDE-4F21-A09D-FE7EF30B6C00}"/>
+                <a16:creationId xmlns:a16="http://schemas.microsoft.com/office/drawing/2014/main" id="{0F728FFC-928C-48A4-B460-584EF7C0D4FF}"/>
               </a:ext>
             </a:extLst>
           </p:cNvPr>
@@ -15562,141 +16491,120 @@
             <p:ph idx="1"/>
           </p:nvPr>
         </p:nvSpPr>
-        <p:spPr/>
-        <p:txBody>
-          <a:bodyPr/>
-          <a:lstStyle/>
-          <a:p>
-            <a:r>
-              <a:rPr lang="en-US" dirty="0"/>
-              <a:t>You can color points two ways to get a ‘third dimension’ on your plots:</a:t>
+        <p:spPr>
+          <a:xfrm>
+            <a:off x="838200" y="1825625"/>
+            <a:ext cx="5155096" cy="4351338"/>
+          </a:xfrm>
+        </p:spPr>
+        <p:txBody>
+          <a:bodyPr>
+            <a:normAutofit lnSpcReduction="10000"/>
+          </a:bodyPr>
+          <a:lstStyle/>
+          <a:p>
+            <a:r>
+              <a:rPr lang="en-US" dirty="0"/>
+              <a:t>Bar charts have categorical data on the x-axis, and some value on the y-axis.</a:t>
+            </a:r>
+          </a:p>
+          <a:p>
+            <a:r>
+              <a:rPr lang="en-US" dirty="0"/>
+              <a:t>Use </a:t>
+            </a:r>
+            <a:r>
+              <a:rPr lang="en-US" dirty="0" err="1">
+                <a:latin typeface="Courier New" panose="02070309020205020404" pitchFamily="49" charset="0"/>
+                <a:cs typeface="Courier New" panose="02070309020205020404" pitchFamily="49" charset="0"/>
+              </a:rPr>
+              <a:t>geom_col</a:t>
+            </a:r>
+            <a:r>
+              <a:rPr lang="en-US" dirty="0">
+                <a:latin typeface="Courier New" panose="02070309020205020404" pitchFamily="49" charset="0"/>
+                <a:cs typeface="Courier New" panose="02070309020205020404" pitchFamily="49" charset="0"/>
+              </a:rPr>
+              <a:t>() </a:t>
+            </a:r>
+            <a:r>
+              <a:rPr lang="en-US" dirty="0"/>
+              <a:t>with appropriate </a:t>
+            </a:r>
+            <a:r>
+              <a:rPr lang="en-US" dirty="0" err="1">
+                <a:latin typeface="Courier New" panose="02070309020205020404" pitchFamily="49" charset="0"/>
+                <a:cs typeface="Courier New" panose="02070309020205020404" pitchFamily="49" charset="0"/>
+              </a:rPr>
+              <a:t>aes</a:t>
+            </a:r>
+            <a:r>
+              <a:rPr lang="en-US" dirty="0"/>
+              <a:t> mapping</a:t>
+            </a:r>
+          </a:p>
+          <a:p>
+            <a:r>
+              <a:rPr lang="en-US" dirty="0"/>
+              <a:t>For discrete data, especially for bar charts, you might want to rotate your axis labels!</a:t>
             </a:r>
           </a:p>
           <a:p>
             <a:pPr lvl="1"/>
             <a:r>
-              <a:rPr lang="en-US" dirty="0"/>
-              <a:t>Continuous: </a:t>
-            </a:r>
-            <a:r>
-              <a:rPr lang="en-US" sz="2800" dirty="0">
-                <a:latin typeface="Courier New" panose="02070309020205020404" pitchFamily="49" charset="0"/>
-                <a:cs typeface="Courier New" panose="02070309020205020404" pitchFamily="49" charset="0"/>
-              </a:rPr>
-              <a:t>color</a:t>
-            </a:r>
-            <a:r>
-              <a:rPr lang="en-US" dirty="0"/>
-              <a:t> </a:t>
-            </a:r>
-            <a:r>
-              <a:rPr lang="en-US" sz="2800" dirty="0">
-                <a:latin typeface="Courier New" panose="02070309020205020404" pitchFamily="49" charset="0"/>
-                <a:cs typeface="Courier New" panose="02070309020205020404" pitchFamily="49" charset="0"/>
-              </a:rPr>
-              <a:t>=</a:t>
-            </a:r>
-            <a:r>
-              <a:rPr lang="en-US" dirty="0"/>
-              <a:t> “</a:t>
-            </a:r>
-            <a:r>
-              <a:rPr lang="en-US" sz="2800" dirty="0">
-                <a:latin typeface="Courier New" panose="02070309020205020404" pitchFamily="49" charset="0"/>
-                <a:cs typeface="Courier New" panose="02070309020205020404" pitchFamily="49" charset="0"/>
-              </a:rPr>
-              <a:t>column</a:t>
-            </a:r>
-            <a:r>
-              <a:rPr lang="en-US" dirty="0"/>
-              <a:t>”, then add a color scale with </a:t>
-            </a:r>
-            <a:r>
-              <a:rPr lang="en-US" sz="2800" dirty="0" err="1">
-                <a:latin typeface="Courier New" panose="02070309020205020404" pitchFamily="49" charset="0"/>
-                <a:cs typeface="Courier New" panose="02070309020205020404" pitchFamily="49" charset="0"/>
-              </a:rPr>
-              <a:t>scale</a:t>
-            </a:r>
-            <a:r>
-              <a:rPr lang="en-US" dirty="0" err="1"/>
-              <a:t>_</a:t>
-            </a:r>
-            <a:r>
-              <a:rPr lang="en-US" sz="2800" dirty="0" err="1">
-                <a:latin typeface="Courier New" panose="02070309020205020404" pitchFamily="49" charset="0"/>
-                <a:cs typeface="Courier New" panose="02070309020205020404" pitchFamily="49" charset="0"/>
-              </a:rPr>
-              <a:t>color</a:t>
-            </a:r>
-            <a:r>
-              <a:rPr lang="en-US" dirty="0" err="1"/>
-              <a:t>_</a:t>
-            </a:r>
-            <a:r>
-              <a:rPr lang="en-US" sz="2800" dirty="0" err="1">
-                <a:latin typeface="Courier New" panose="02070309020205020404" pitchFamily="49" charset="0"/>
-                <a:cs typeface="Courier New" panose="02070309020205020404" pitchFamily="49" charset="0"/>
-              </a:rPr>
-              <a:t>viridis</a:t>
-            </a:r>
-            <a:r>
-              <a:rPr lang="en-US" sz="2800" dirty="0">
-                <a:latin typeface="Courier New" panose="02070309020205020404" pitchFamily="49" charset="0"/>
-                <a:cs typeface="Courier New" panose="02070309020205020404" pitchFamily="49" charset="0"/>
-              </a:rPr>
-              <a:t>()</a:t>
-            </a:r>
-            <a:r>
-              <a:rPr lang="en-US" dirty="0"/>
-              <a:t> or something similar</a:t>
-            </a:r>
-          </a:p>
-          <a:p>
-            <a:pPr lvl="1"/>
-            <a:r>
-              <a:rPr lang="en-US" dirty="0"/>
-              <a:t>Discrete: </a:t>
-            </a:r>
-            <a:r>
-              <a:rPr lang="en-US" sz="2800" dirty="0">
-                <a:latin typeface="Courier New" panose="02070309020205020404" pitchFamily="49" charset="0"/>
-                <a:cs typeface="Courier New" panose="02070309020205020404" pitchFamily="49" charset="0"/>
-              </a:rPr>
-              <a:t>color</a:t>
-            </a:r>
-            <a:r>
-              <a:rPr lang="en-US" dirty="0"/>
-              <a:t> = “</a:t>
-            </a:r>
-            <a:r>
-              <a:rPr lang="en-US" sz="2800" dirty="0">
-                <a:latin typeface="Courier New" panose="02070309020205020404" pitchFamily="49" charset="0"/>
-                <a:cs typeface="Courier New" panose="02070309020205020404" pitchFamily="49" charset="0"/>
-              </a:rPr>
-              <a:t>column</a:t>
-            </a:r>
-            <a:r>
-              <a:rPr lang="en-US" dirty="0"/>
-              <a:t>” in </a:t>
-            </a:r>
-            <a:r>
-              <a:rPr lang="en-US" sz="2800" dirty="0" err="1">
-                <a:latin typeface="Courier New" panose="02070309020205020404" pitchFamily="49" charset="0"/>
-                <a:cs typeface="Courier New" panose="02070309020205020404" pitchFamily="49" charset="0"/>
-              </a:rPr>
-              <a:t>aes</a:t>
-            </a:r>
-            <a:r>
-              <a:rPr lang="en-US" sz="2800" dirty="0">
-                <a:latin typeface="Courier New" panose="02070309020205020404" pitchFamily="49" charset="0"/>
-                <a:cs typeface="Courier New" panose="02070309020205020404" pitchFamily="49" charset="0"/>
-              </a:rPr>
-              <a:t>()</a:t>
-            </a:r>
-          </a:p>
-          <a:p>
-            <a:pPr lvl="1"/>
+              <a:rPr lang="en-US" dirty="0">
+                <a:latin typeface="Courier New" panose="02070309020205020404" pitchFamily="49" charset="0"/>
+                <a:cs typeface="Courier New" panose="02070309020205020404" pitchFamily="49" charset="0"/>
+              </a:rPr>
+              <a:t>theme(</a:t>
+            </a:r>
+            <a:r>
+              <a:rPr lang="en-US" dirty="0" err="1">
+                <a:latin typeface="Courier New" panose="02070309020205020404" pitchFamily="49" charset="0"/>
+                <a:cs typeface="Courier New" panose="02070309020205020404" pitchFamily="49" charset="0"/>
+              </a:rPr>
+              <a:t>axis.text.x</a:t>
+            </a:r>
+            <a:r>
+              <a:rPr lang="en-US" dirty="0">
+                <a:latin typeface="Courier New" panose="02070309020205020404" pitchFamily="49" charset="0"/>
+                <a:cs typeface="Courier New" panose="02070309020205020404" pitchFamily="49" charset="0"/>
+              </a:rPr>
+              <a:t> = </a:t>
+            </a:r>
+            <a:r>
+              <a:rPr lang="en-US" dirty="0" err="1">
+                <a:latin typeface="Courier New" panose="02070309020205020404" pitchFamily="49" charset="0"/>
+                <a:cs typeface="Courier New" panose="02070309020205020404" pitchFamily="49" charset="0"/>
+              </a:rPr>
+              <a:t>element_text</a:t>
+            </a:r>
+            <a:r>
+              <a:rPr lang="en-US" dirty="0">
+                <a:latin typeface="Courier New" panose="02070309020205020404" pitchFamily="49" charset="0"/>
+                <a:cs typeface="Courier New" panose="02070309020205020404" pitchFamily="49" charset="0"/>
+              </a:rPr>
+              <a:t>(angle  = 90, </a:t>
+            </a:r>
+            <a:r>
+              <a:rPr lang="en-US" dirty="0" err="1">
+                <a:latin typeface="Courier New" panose="02070309020205020404" pitchFamily="49" charset="0"/>
+                <a:cs typeface="Courier New" panose="02070309020205020404" pitchFamily="49" charset="0"/>
+              </a:rPr>
+              <a:t>hjust</a:t>
+            </a:r>
+            <a:r>
+              <a:rPr lang="en-US" dirty="0">
+                <a:latin typeface="Courier New" panose="02070309020205020404" pitchFamily="49" charset="0"/>
+                <a:cs typeface="Courier New" panose="02070309020205020404" pitchFamily="49" charset="0"/>
+              </a:rPr>
+              <a:t> = 1))</a:t>
+            </a:r>
+          </a:p>
+          <a:p>
+            <a:pPr marL="0" indent="0">
+              <a:buNone/>
+            </a:pPr>
             <a:endParaRPr lang="en-US" dirty="0"/>
           </a:p>
         </p:txBody>
@@ -15706,7 +16614,7 @@
           <p:cNvPr id="4" name="Date Placeholder 3">
             <a:extLst>
               <a:ext uri="{FF2B5EF4-FFF2-40B4-BE49-F238E27FC236}">
-                <a16:creationId xmlns:a16="http://schemas.microsoft.com/office/drawing/2014/main" id="{58EA3CF3-42A7-4E41-869A-BE3767CDB53E}"/>
+                <a16:creationId xmlns:a16="http://schemas.microsoft.com/office/drawing/2014/main" id="{795AF78F-96EA-4231-BDDD-33FC0179AD3B}"/>
               </a:ext>
             </a:extLst>
           </p:cNvPr>
@@ -15735,7 +16643,7 @@
           <p:cNvPr id="5" name="Footer Placeholder 4">
             <a:extLst>
               <a:ext uri="{FF2B5EF4-FFF2-40B4-BE49-F238E27FC236}">
-                <a16:creationId xmlns:a16="http://schemas.microsoft.com/office/drawing/2014/main" id="{75633ADC-5CEC-49E7-BF4C-B805C52E296D}"/>
+                <a16:creationId xmlns:a16="http://schemas.microsoft.com/office/drawing/2014/main" id="{45E5161D-777B-4BBE-81D2-EB323B42B75A}"/>
               </a:ext>
             </a:extLst>
           </p:cNvPr>
@@ -15792,7 +16700,7 @@
           <p:cNvPr id="6" name="Slide Number Placeholder 5">
             <a:extLst>
               <a:ext uri="{FF2B5EF4-FFF2-40B4-BE49-F238E27FC236}">
-                <a16:creationId xmlns:a16="http://schemas.microsoft.com/office/drawing/2014/main" id="{B1BAA732-BBD1-4FE8-891E-2C7E97D82282}"/>
+                <a16:creationId xmlns:a16="http://schemas.microsoft.com/office/drawing/2014/main" id="{80D8E905-9CD6-41B2-BD6F-90D8CCFE1537}"/>
               </a:ext>
             </a:extLst>
           </p:cNvPr>
@@ -15816,10 +16724,40 @@
           </a:p>
         </p:txBody>
       </p:sp>
+      <p:pic>
+        <p:nvPicPr>
+          <p:cNvPr id="8" name="Picture 7" descr="A screenshot of a cell phone&#10;&#10;Description automatically generated">
+            <a:extLst>
+              <a:ext uri="{FF2B5EF4-FFF2-40B4-BE49-F238E27FC236}">
+                <a16:creationId xmlns:a16="http://schemas.microsoft.com/office/drawing/2014/main" id="{39772CD0-595B-4831-B20F-61C66F39D332}"/>
+              </a:ext>
+            </a:extLst>
+          </p:cNvPr>
+          <p:cNvPicPr>
+            <a:picLocks noChangeAspect="1"/>
+          </p:cNvPicPr>
+          <p:nvPr/>
+        </p:nvPicPr>
+        <p:blipFill>
+          <a:blip r:embed="rId2"/>
+          <a:stretch>
+            <a:fillRect/>
+          </a:stretch>
+        </p:blipFill>
+        <p:spPr>
+          <a:xfrm>
+            <a:off x="6089669" y="2166730"/>
+            <a:ext cx="5704474" cy="3779888"/>
+          </a:xfrm>
+          <a:prstGeom prst="rect">
+            <a:avLst/>
+          </a:prstGeom>
+        </p:spPr>
+      </p:pic>
     </p:spTree>
     <p:extLst>
       <p:ext uri="{BB962C8B-B14F-4D97-AF65-F5344CB8AC3E}">
-        <p14:creationId xmlns:p14="http://schemas.microsoft.com/office/powerpoint/2010/main" val="3226142298"/>
+        <p14:creationId xmlns:p14="http://schemas.microsoft.com/office/powerpoint/2010/main" val="2534574857"/>
       </p:ext>
     </p:extLst>
   </p:cSld>
@@ -15851,7 +16789,7 @@
           <p:cNvPr id="2" name="Title 1">
             <a:extLst>
               <a:ext uri="{FF2B5EF4-FFF2-40B4-BE49-F238E27FC236}">
-                <a16:creationId xmlns:a16="http://schemas.microsoft.com/office/drawing/2014/main" id="{C0CB272F-7F81-477F-8457-DF92B499DBC9}"/>
+                <a16:creationId xmlns:a16="http://schemas.microsoft.com/office/drawing/2014/main" id="{E850068E-C01E-4BED-AF24-C2E9D57DABAC}"/>
               </a:ext>
             </a:extLst>
           </p:cNvPr>
@@ -15869,7 +16807,7 @@
           <a:p>
             <a:r>
               <a:rPr lang="en-US" dirty="0"/>
-              <a:t>FACETS</a:t>
+              <a:t>COLORS</a:t>
             </a:r>
           </a:p>
         </p:txBody>
@@ -15879,7 +16817,7 @@
           <p:cNvPr id="3" name="Content Placeholder 2">
             <a:extLst>
               <a:ext uri="{FF2B5EF4-FFF2-40B4-BE49-F238E27FC236}">
-                <a16:creationId xmlns:a16="http://schemas.microsoft.com/office/drawing/2014/main" id="{6BC707E2-E3EA-4C43-9AA0-BE38BA10BAC3}"/>
+                <a16:creationId xmlns:a16="http://schemas.microsoft.com/office/drawing/2014/main" id="{37E146B7-6BDE-4F21-A09D-FE7EF30B6C00}"/>
               </a:ext>
             </a:extLst>
           </p:cNvPr>
@@ -15890,47 +16828,146 @@
             <p:ph idx="1"/>
           </p:nvPr>
         </p:nvSpPr>
-        <p:spPr/>
-        <p:txBody>
-          <a:bodyPr/>
-          <a:lstStyle/>
-          <a:p>
-            <a:r>
-              <a:rPr lang="en-US" dirty="0"/>
-              <a:t>Instead of coloring third variables, you can also make gridded plots for each subset of the data</a:t>
-            </a:r>
-          </a:p>
-          <a:p>
-            <a:r>
-              <a:rPr lang="en-US" dirty="0" err="1">
-                <a:latin typeface="Courier New" panose="02070309020205020404" pitchFamily="49" charset="0"/>
-                <a:cs typeface="Courier New" panose="02070309020205020404" pitchFamily="49" charset="0"/>
-              </a:rPr>
-              <a:t>facet_wrap</a:t>
-            </a:r>
-            <a:r>
-              <a:rPr lang="en-US" dirty="0">
+        <p:spPr>
+          <a:xfrm>
+            <a:off x="838200" y="1825625"/>
+            <a:ext cx="5443330" cy="4351338"/>
+          </a:xfrm>
+        </p:spPr>
+        <p:txBody>
+          <a:bodyPr/>
+          <a:lstStyle/>
+          <a:p>
+            <a:r>
+              <a:rPr lang="en-US" dirty="0"/>
+              <a:t>You can color points two ways to get a ‘third dimension’ on your plots:</a:t>
+            </a:r>
+          </a:p>
+          <a:p>
+            <a:pPr lvl="1"/>
+            <a:r>
+              <a:rPr lang="en-US" dirty="0"/>
+              <a:t>Continuous: </a:t>
+            </a:r>
+            <a:r>
+              <a:rPr lang="en-US" sz="2800" dirty="0">
+                <a:latin typeface="Courier New" panose="02070309020205020404" pitchFamily="49" charset="0"/>
+                <a:cs typeface="Courier New" panose="02070309020205020404" pitchFamily="49" charset="0"/>
+              </a:rPr>
+              <a:t>color</a:t>
+            </a:r>
+            <a:r>
+              <a:rPr lang="en-US" dirty="0"/>
+              <a:t> </a:t>
+            </a:r>
+            <a:r>
+              <a:rPr lang="en-US" sz="2800" dirty="0">
+                <a:latin typeface="Courier New" panose="02070309020205020404" pitchFamily="49" charset="0"/>
+                <a:cs typeface="Courier New" panose="02070309020205020404" pitchFamily="49" charset="0"/>
+              </a:rPr>
+              <a:t>=</a:t>
+            </a:r>
+            <a:r>
+              <a:rPr lang="en-US" dirty="0"/>
+              <a:t> </a:t>
+            </a:r>
+            <a:r>
+              <a:rPr lang="en-US" sz="2800" dirty="0">
+                <a:latin typeface="Courier New" panose="02070309020205020404" pitchFamily="49" charset="0"/>
+                <a:cs typeface="Courier New" panose="02070309020205020404" pitchFamily="49" charset="0"/>
+              </a:rPr>
+              <a:t>column,</a:t>
+            </a:r>
+            <a:r>
+              <a:rPr lang="en-US" dirty="0"/>
+              <a:t> then add a color scale with </a:t>
+            </a:r>
+            <a:r>
+              <a:rPr lang="en-US" sz="2800" dirty="0" err="1">
+                <a:latin typeface="Courier New" panose="02070309020205020404" pitchFamily="49" charset="0"/>
+                <a:cs typeface="Courier New" panose="02070309020205020404" pitchFamily="49" charset="0"/>
+              </a:rPr>
+              <a:t>scale</a:t>
+            </a:r>
+            <a:r>
+              <a:rPr lang="en-US" dirty="0" err="1"/>
+              <a:t>_</a:t>
+            </a:r>
+            <a:r>
+              <a:rPr lang="en-US" sz="2800" dirty="0" err="1">
+                <a:latin typeface="Courier New" panose="02070309020205020404" pitchFamily="49" charset="0"/>
+                <a:cs typeface="Courier New" panose="02070309020205020404" pitchFamily="49" charset="0"/>
+              </a:rPr>
+              <a:t>color</a:t>
+            </a:r>
+            <a:r>
+              <a:rPr lang="en-US" dirty="0" err="1"/>
+              <a:t>_</a:t>
+            </a:r>
+            <a:r>
+              <a:rPr lang="en-US" sz="2800" dirty="0" err="1">
+                <a:latin typeface="Courier New" panose="02070309020205020404" pitchFamily="49" charset="0"/>
+                <a:cs typeface="Courier New" panose="02070309020205020404" pitchFamily="49" charset="0"/>
+              </a:rPr>
+              <a:t>viridis</a:t>
+            </a:r>
+            <a:r>
+              <a:rPr lang="en-US" sz="2800" dirty="0">
                 <a:latin typeface="Courier New" panose="02070309020205020404" pitchFamily="49" charset="0"/>
                 <a:cs typeface="Courier New" panose="02070309020205020404" pitchFamily="49" charset="0"/>
               </a:rPr>
               <a:t>()</a:t>
             </a:r>
-          </a:p>
-          <a:p>
-            <a:r>
-              <a:rPr lang="en-US" dirty="0" err="1">
-                <a:latin typeface="Courier New" panose="02070309020205020404" pitchFamily="49" charset="0"/>
-                <a:cs typeface="Courier New" panose="02070309020205020404" pitchFamily="49" charset="0"/>
-              </a:rPr>
-              <a:t>facet_grid</a:t>
-            </a:r>
-            <a:r>
-              <a:rPr lang="en-US" dirty="0">
+            <a:r>
+              <a:rPr lang="en-US" dirty="0"/>
+              <a:t> or something similar</a:t>
+            </a:r>
+          </a:p>
+          <a:p>
+            <a:pPr lvl="1"/>
+            <a:r>
+              <a:rPr lang="en-US" dirty="0"/>
+              <a:t>Discrete: </a:t>
+            </a:r>
+            <a:r>
+              <a:rPr lang="en-US" sz="2800" dirty="0">
+                <a:latin typeface="Courier New" panose="02070309020205020404" pitchFamily="49" charset="0"/>
+                <a:cs typeface="Courier New" panose="02070309020205020404" pitchFamily="49" charset="0"/>
+              </a:rPr>
+              <a:t>color</a:t>
+            </a:r>
+            <a:r>
+              <a:rPr lang="en-US" dirty="0"/>
+              <a:t> = </a:t>
+            </a:r>
+            <a:r>
+              <a:rPr lang="en-US" sz="2800" dirty="0">
+                <a:latin typeface="Courier New" panose="02070309020205020404" pitchFamily="49" charset="0"/>
+                <a:cs typeface="Courier New" panose="02070309020205020404" pitchFamily="49" charset="0"/>
+              </a:rPr>
+              <a:t>column </a:t>
+            </a:r>
+            <a:r>
+              <a:rPr lang="en-US" dirty="0"/>
+              <a:t>in </a:t>
+            </a:r>
+            <a:r>
+              <a:rPr lang="en-US" sz="2800" dirty="0" err="1">
+                <a:latin typeface="Courier New" panose="02070309020205020404" pitchFamily="49" charset="0"/>
+                <a:cs typeface="Courier New" panose="02070309020205020404" pitchFamily="49" charset="0"/>
+              </a:rPr>
+              <a:t>aes</a:t>
+            </a:r>
+            <a:r>
+              <a:rPr lang="en-US" sz="2800" dirty="0">
                 <a:latin typeface="Courier New" panose="02070309020205020404" pitchFamily="49" charset="0"/>
                 <a:cs typeface="Courier New" panose="02070309020205020404" pitchFamily="49" charset="0"/>
               </a:rPr>
               <a:t>()</a:t>
             </a:r>
+          </a:p>
+          <a:p>
+            <a:pPr lvl="1"/>
             <a:endParaRPr lang="en-US" dirty="0"/>
           </a:p>
         </p:txBody>
@@ -15940,7 +16977,7 @@
           <p:cNvPr id="4" name="Date Placeholder 3">
             <a:extLst>
               <a:ext uri="{FF2B5EF4-FFF2-40B4-BE49-F238E27FC236}">
-                <a16:creationId xmlns:a16="http://schemas.microsoft.com/office/drawing/2014/main" id="{93CFF671-EF2F-4B41-B0DF-212711FF9111}"/>
+                <a16:creationId xmlns:a16="http://schemas.microsoft.com/office/drawing/2014/main" id="{58EA3CF3-42A7-4E41-869A-BE3767CDB53E}"/>
               </a:ext>
             </a:extLst>
           </p:cNvPr>
@@ -15969,7 +17006,7 @@
           <p:cNvPr id="5" name="Footer Placeholder 4">
             <a:extLst>
               <a:ext uri="{FF2B5EF4-FFF2-40B4-BE49-F238E27FC236}">
-                <a16:creationId xmlns:a16="http://schemas.microsoft.com/office/drawing/2014/main" id="{FE0384EA-9794-42B6-89F0-804EDF8F71F2}"/>
+                <a16:creationId xmlns:a16="http://schemas.microsoft.com/office/drawing/2014/main" id="{75633ADC-5CEC-49E7-BF4C-B805C52E296D}"/>
               </a:ext>
             </a:extLst>
           </p:cNvPr>
@@ -16026,7 +17063,7 @@
           <p:cNvPr id="6" name="Slide Number Placeholder 5">
             <a:extLst>
               <a:ext uri="{FF2B5EF4-FFF2-40B4-BE49-F238E27FC236}">
-                <a16:creationId xmlns:a16="http://schemas.microsoft.com/office/drawing/2014/main" id="{F7D9DA6F-0E92-4216-B0CA-EB20441D3903}"/>
+                <a16:creationId xmlns:a16="http://schemas.microsoft.com/office/drawing/2014/main" id="{B1BAA732-BBD1-4FE8-891E-2C7E97D82282}"/>
               </a:ext>
             </a:extLst>
           </p:cNvPr>
@@ -16050,10 +17087,40 @@
           </a:p>
         </p:txBody>
       </p:sp>
+      <p:pic>
+        <p:nvPicPr>
+          <p:cNvPr id="8" name="Picture 7">
+            <a:extLst>
+              <a:ext uri="{FF2B5EF4-FFF2-40B4-BE49-F238E27FC236}">
+                <a16:creationId xmlns:a16="http://schemas.microsoft.com/office/drawing/2014/main" id="{09828C8C-2466-405C-8DE1-8BDFC4BC1946}"/>
+              </a:ext>
+            </a:extLst>
+          </p:cNvPr>
+          <p:cNvPicPr>
+            <a:picLocks noChangeAspect="1"/>
+          </p:cNvPicPr>
+          <p:nvPr/>
+        </p:nvPicPr>
+        <p:blipFill>
+          <a:blip r:embed="rId2"/>
+          <a:stretch>
+            <a:fillRect/>
+          </a:stretch>
+        </p:blipFill>
+        <p:spPr>
+          <a:xfrm>
+            <a:off x="6244532" y="1825625"/>
+            <a:ext cx="5947468" cy="3940900"/>
+          </a:xfrm>
+          <a:prstGeom prst="rect">
+            <a:avLst/>
+          </a:prstGeom>
+        </p:spPr>
+      </p:pic>
     </p:spTree>
     <p:extLst>
       <p:ext uri="{BB962C8B-B14F-4D97-AF65-F5344CB8AC3E}">
-        <p14:creationId xmlns:p14="http://schemas.microsoft.com/office/powerpoint/2010/main" val="964372467"/>
+        <p14:creationId xmlns:p14="http://schemas.microsoft.com/office/powerpoint/2010/main" val="3226142298"/>
       </p:ext>
     </p:extLst>
   </p:cSld>
@@ -16066,6 +17133,14 @@
 <file path=ppt/slides/slide43.xml><?xml version="1.0" encoding="utf-8"?>
 <p:sld xmlns:a="http://schemas.openxmlformats.org/drawingml/2006/main" xmlns:r="http://schemas.openxmlformats.org/officeDocument/2006/relationships" xmlns:p="http://schemas.openxmlformats.org/presentationml/2006/main">
   <p:cSld>
+    <p:bg>
+      <p:bgPr>
+        <a:solidFill>
+          <a:schemeClr val="bg1"/>
+        </a:solidFill>
+        <a:effectLst/>
+      </p:bgPr>
+    </p:bg>
     <p:spTree>
       <p:nvGrpSpPr>
         <p:cNvPr id="1" name=""/>
@@ -16085,7 +17160,7 @@
           <p:cNvPr id="2" name="Title 1">
             <a:extLst>
               <a:ext uri="{FF2B5EF4-FFF2-40B4-BE49-F238E27FC236}">
-                <a16:creationId xmlns:a16="http://schemas.microsoft.com/office/drawing/2014/main" id="{E850068E-C01E-4BED-AF24-C2E9D57DABAC}"/>
+                <a16:creationId xmlns:a16="http://schemas.microsoft.com/office/drawing/2014/main" id="{C0CB272F-7F81-477F-8457-DF92B499DBC9}"/>
               </a:ext>
             </a:extLst>
           </p:cNvPr>
@@ -16103,7 +17178,7 @@
           <a:p>
             <a:r>
               <a:rPr lang="en-US" dirty="0"/>
-              <a:t>LABELING</a:t>
+              <a:t>FACETS</a:t>
             </a:r>
           </a:p>
         </p:txBody>
@@ -16113,7 +17188,7 @@
           <p:cNvPr id="3" name="Content Placeholder 2">
             <a:extLst>
               <a:ext uri="{FF2B5EF4-FFF2-40B4-BE49-F238E27FC236}">
-                <a16:creationId xmlns:a16="http://schemas.microsoft.com/office/drawing/2014/main" id="{37E146B7-6BDE-4F21-A09D-FE7EF30B6C00}"/>
+                <a16:creationId xmlns:a16="http://schemas.microsoft.com/office/drawing/2014/main" id="{6BC707E2-E3EA-4C43-9AA0-BE38BA10BAC3}"/>
               </a:ext>
             </a:extLst>
           </p:cNvPr>
@@ -16124,83 +17199,120 @@
             <p:ph idx="1"/>
           </p:nvPr>
         </p:nvSpPr>
-        <p:spPr/>
-        <p:txBody>
-          <a:bodyPr/>
-          <a:lstStyle/>
-          <a:p>
+        <p:spPr>
+          <a:xfrm>
+            <a:off x="838200" y="1825625"/>
+            <a:ext cx="5029200" cy="4351338"/>
+          </a:xfrm>
+        </p:spPr>
+        <p:txBody>
+          <a:bodyPr/>
+          <a:lstStyle/>
+          <a:p>
+            <a:r>
+              <a:rPr lang="en-US" dirty="0"/>
+              <a:t>Instead of coloring third variables, you can also make grids of plots for each categorical group of the data</a:t>
+            </a:r>
+          </a:p>
+          <a:p>
+            <a:r>
+              <a:rPr lang="en-US" dirty="0"/>
+              <a:t>Needs a formula! Specify the column with a </a:t>
+            </a:r>
             <a:r>
               <a:rPr lang="en-US" dirty="0">
                 <a:latin typeface="Courier New" panose="02070309020205020404" pitchFamily="49" charset="0"/>
                 <a:cs typeface="Courier New" panose="02070309020205020404" pitchFamily="49" charset="0"/>
               </a:rPr>
-              <a:t>labs(title=“”, x=“”, y=“”)</a:t>
-            </a:r>
-          </a:p>
-          <a:p>
-            <a:r>
-              <a:rPr lang="en-US" dirty="0"/>
-              <a:t>Add axis titles:</a:t>
-            </a:r>
-          </a:p>
-          <a:p>
-            <a:pPr lvl="1"/>
-            <a:r>
-              <a:rPr lang="en-US" sz="2800" dirty="0">
-                <a:latin typeface="Courier New" panose="02070309020205020404" pitchFamily="49" charset="0"/>
-                <a:cs typeface="Courier New" panose="02070309020205020404" pitchFamily="49" charset="0"/>
-              </a:rPr>
-              <a:t>x=“title”</a:t>
-            </a:r>
-            <a:r>
-              <a:rPr lang="en-US" dirty="0"/>
-              <a:t> and </a:t>
-            </a:r>
-            <a:r>
-              <a:rPr lang="en-US" sz="2800" dirty="0">
-                <a:latin typeface="Courier New" panose="02070309020205020404" pitchFamily="49" charset="0"/>
-                <a:cs typeface="Courier New" panose="02070309020205020404" pitchFamily="49" charset="0"/>
-              </a:rPr>
-              <a:t>y=“title”</a:t>
-            </a:r>
-          </a:p>
-          <a:p>
-            <a:r>
-              <a:rPr lang="en-US" dirty="0"/>
-              <a:t>For discrete data, especially for bar charts, you might want to rotate your axis labels!</a:t>
-            </a:r>
-          </a:p>
-          <a:p>
-            <a:pPr lvl="1"/>
-            <a:r>
-              <a:rPr lang="en-US" dirty="0"/>
-              <a:t>Theme(</a:t>
-            </a:r>
-            <a:r>
-              <a:rPr lang="en-US" dirty="0" err="1"/>
-              <a:t>axis.text.x</a:t>
-            </a:r>
-            <a:r>
-              <a:rPr lang="en-US" dirty="0"/>
-              <a:t> = </a:t>
-            </a:r>
-            <a:r>
-              <a:rPr lang="en-US" dirty="0" err="1"/>
-              <a:t>element_text</a:t>
-            </a:r>
-            <a:r>
-              <a:rPr lang="en-US" dirty="0"/>
-              <a:t>(angle  = 90, </a:t>
-            </a:r>
-            <a:r>
-              <a:rPr lang="en-US" dirty="0" err="1"/>
-              <a:t>hjust</a:t>
-            </a:r>
-            <a:r>
-              <a:rPr lang="en-US"/>
-              <a:t> = 1))</a:t>
-            </a:r>
-            <a:endParaRPr lang="en-US" dirty="0"/>
+              <a:t>~</a:t>
+            </a:r>
+            <a:r>
+              <a:rPr lang="en-US" dirty="0"/>
+              <a:t> before it</a:t>
+            </a:r>
+          </a:p>
+          <a:p>
+            <a:r>
+              <a:rPr lang="en-US" dirty="0" err="1">
+                <a:latin typeface="Courier New" panose="02070309020205020404" pitchFamily="49" charset="0"/>
+                <a:cs typeface="Courier New" panose="02070309020205020404" pitchFamily="49" charset="0"/>
+              </a:rPr>
+              <a:t>facet_wrap</a:t>
+            </a:r>
+            <a:r>
+              <a:rPr lang="en-US" dirty="0">
+                <a:latin typeface="Courier New" panose="02070309020205020404" pitchFamily="49" charset="0"/>
+                <a:cs typeface="Courier New" panose="02070309020205020404" pitchFamily="49" charset="0"/>
+              </a:rPr>
+              <a:t>(~ </a:t>
+            </a:r>
+            <a:r>
+              <a:rPr lang="en-US" dirty="0" err="1">
+                <a:latin typeface="Courier New" panose="02070309020205020404" pitchFamily="49" charset="0"/>
+                <a:cs typeface="Courier New" panose="02070309020205020404" pitchFamily="49" charset="0"/>
+              </a:rPr>
+              <a:t>colname</a:t>
+            </a:r>
+            <a:r>
+              <a:rPr lang="en-US" dirty="0">
+                <a:latin typeface="Courier New" panose="02070309020205020404" pitchFamily="49" charset="0"/>
+                <a:cs typeface="Courier New" panose="02070309020205020404" pitchFamily="49" charset="0"/>
+              </a:rPr>
+              <a:t>) </a:t>
+            </a:r>
+            <a:r>
+              <a:rPr lang="en-US" dirty="0">
+                <a:cs typeface="Courier New" panose="02070309020205020404" pitchFamily="49" charset="0"/>
+              </a:rPr>
+              <a:t>or</a:t>
+            </a:r>
+            <a:r>
+              <a:rPr lang="en-US" dirty="0">
+                <a:latin typeface="Courier New" panose="02070309020205020404" pitchFamily="49" charset="0"/>
+                <a:cs typeface="Courier New" panose="02070309020205020404" pitchFamily="49" charset="0"/>
+              </a:rPr>
+              <a:t> </a:t>
+            </a:r>
+          </a:p>
+          <a:p>
+            <a:pPr marL="0" indent="0">
+              <a:buNone/>
+            </a:pPr>
+            <a:r>
+              <a:rPr lang="en-US" dirty="0">
+                <a:latin typeface="Courier New" panose="02070309020205020404" pitchFamily="49" charset="0"/>
+                <a:cs typeface="Courier New" panose="02070309020205020404" pitchFamily="49" charset="0"/>
+              </a:rPr>
+              <a:t> </a:t>
+            </a:r>
+            <a:r>
+              <a:rPr lang="en-US" dirty="0" err="1">
+                <a:latin typeface="Courier New" panose="02070309020205020404" pitchFamily="49" charset="0"/>
+                <a:cs typeface="Courier New" panose="02070309020205020404" pitchFamily="49" charset="0"/>
+              </a:rPr>
+              <a:t>facet_grid</a:t>
+            </a:r>
+            <a:r>
+              <a:rPr lang="en-US" dirty="0">
+                <a:latin typeface="Courier New" panose="02070309020205020404" pitchFamily="49" charset="0"/>
+                <a:cs typeface="Courier New" panose="02070309020205020404" pitchFamily="49" charset="0"/>
+              </a:rPr>
+              <a:t>(~ </a:t>
+            </a:r>
+            <a:r>
+              <a:rPr lang="en-US" dirty="0" err="1">
+                <a:latin typeface="Courier New" panose="02070309020205020404" pitchFamily="49" charset="0"/>
+                <a:cs typeface="Courier New" panose="02070309020205020404" pitchFamily="49" charset="0"/>
+              </a:rPr>
+              <a:t>colname</a:t>
+            </a:r>
+            <a:r>
+              <a:rPr lang="en-US" dirty="0">
+                <a:latin typeface="Courier New" panose="02070309020205020404" pitchFamily="49" charset="0"/>
+                <a:cs typeface="Courier New" panose="02070309020205020404" pitchFamily="49" charset="0"/>
+              </a:rPr>
+              <a:t>)</a:t>
+            </a:r>
           </a:p>
         </p:txBody>
       </p:sp>
@@ -16209,7 +17321,7 @@
           <p:cNvPr id="4" name="Date Placeholder 3">
             <a:extLst>
               <a:ext uri="{FF2B5EF4-FFF2-40B4-BE49-F238E27FC236}">
-                <a16:creationId xmlns:a16="http://schemas.microsoft.com/office/drawing/2014/main" id="{58EA3CF3-42A7-4E41-869A-BE3767CDB53E}"/>
+                <a16:creationId xmlns:a16="http://schemas.microsoft.com/office/drawing/2014/main" id="{93CFF671-EF2F-4B41-B0DF-212711FF9111}"/>
               </a:ext>
             </a:extLst>
           </p:cNvPr>
@@ -16238,7 +17350,7 @@
           <p:cNvPr id="5" name="Footer Placeholder 4">
             <a:extLst>
               <a:ext uri="{FF2B5EF4-FFF2-40B4-BE49-F238E27FC236}">
-                <a16:creationId xmlns:a16="http://schemas.microsoft.com/office/drawing/2014/main" id="{75633ADC-5CEC-49E7-BF4C-B805C52E296D}"/>
+                <a16:creationId xmlns:a16="http://schemas.microsoft.com/office/drawing/2014/main" id="{FE0384EA-9794-42B6-89F0-804EDF8F71F2}"/>
               </a:ext>
             </a:extLst>
           </p:cNvPr>
@@ -16295,7 +17407,7 @@
           <p:cNvPr id="6" name="Slide Number Placeholder 5">
             <a:extLst>
               <a:ext uri="{FF2B5EF4-FFF2-40B4-BE49-F238E27FC236}">
-                <a16:creationId xmlns:a16="http://schemas.microsoft.com/office/drawing/2014/main" id="{B1BAA732-BBD1-4FE8-891E-2C7E97D82282}"/>
+                <a16:creationId xmlns:a16="http://schemas.microsoft.com/office/drawing/2014/main" id="{F7D9DA6F-0E92-4216-B0CA-EB20441D3903}"/>
               </a:ext>
             </a:extLst>
           </p:cNvPr>
@@ -16319,15 +17431,45 @@
           </a:p>
         </p:txBody>
       </p:sp>
+      <p:pic>
+        <p:nvPicPr>
+          <p:cNvPr id="8" name="Picture 7">
+            <a:extLst>
+              <a:ext uri="{FF2B5EF4-FFF2-40B4-BE49-F238E27FC236}">
+                <a16:creationId xmlns:a16="http://schemas.microsoft.com/office/drawing/2014/main" id="{529B2765-95AE-46F6-9DB3-B281DF4708EE}"/>
+              </a:ext>
+            </a:extLst>
+          </p:cNvPr>
+          <p:cNvPicPr>
+            <a:picLocks noChangeAspect="1"/>
+          </p:cNvPicPr>
+          <p:nvPr/>
+        </p:nvPicPr>
+        <p:blipFill>
+          <a:blip r:embed="rId3"/>
+          <a:stretch>
+            <a:fillRect/>
+          </a:stretch>
+        </p:blipFill>
+        <p:spPr>
+          <a:xfrm>
+            <a:off x="5657441" y="1870075"/>
+            <a:ext cx="6315898" cy="4185029"/>
+          </a:xfrm>
+          <a:prstGeom prst="rect">
+            <a:avLst/>
+          </a:prstGeom>
+        </p:spPr>
+      </p:pic>
     </p:spTree>
     <p:extLst>
       <p:ext uri="{BB962C8B-B14F-4D97-AF65-F5344CB8AC3E}">
-        <p14:creationId xmlns:p14="http://schemas.microsoft.com/office/powerpoint/2010/main" val="2483438752"/>
+        <p14:creationId xmlns:p14="http://schemas.microsoft.com/office/powerpoint/2010/main" val="964372467"/>
       </p:ext>
     </p:extLst>
   </p:cSld>
   <p:clrMapOvr>
-    <a:masterClrMapping/>
+    <a:overrideClrMapping bg1="lt1" tx1="dk1" bg2="lt2" tx2="dk2" accent1="accent1" accent2="accent2" accent3="accent3" accent4="accent4" accent5="accent5" accent6="accent6" hlink="hlink" folHlink="folHlink"/>
   </p:clrMapOvr>
 </p:sld>
 </file>
@@ -16354,7 +17496,7 @@
           <p:cNvPr id="2" name="Title 1">
             <a:extLst>
               <a:ext uri="{FF2B5EF4-FFF2-40B4-BE49-F238E27FC236}">
-                <a16:creationId xmlns:a16="http://schemas.microsoft.com/office/drawing/2014/main" id="{3355F5CD-9232-4308-9E65-DB6DA7EBF80E}"/>
+                <a16:creationId xmlns:a16="http://schemas.microsoft.com/office/drawing/2014/main" id="{E850068E-C01E-4BED-AF24-C2E9D57DABAC}"/>
               </a:ext>
             </a:extLst>
           </p:cNvPr>
@@ -16372,7 +17514,7 @@
           <a:p>
             <a:r>
               <a:rPr lang="en-US" dirty="0"/>
-              <a:t>PUTTING IT TOGETHER</a:t>
+              <a:t>LABELING</a:t>
             </a:r>
           </a:p>
         </p:txBody>
@@ -16382,7 +17524,7 @@
           <p:cNvPr id="3" name="Content Placeholder 2">
             <a:extLst>
               <a:ext uri="{FF2B5EF4-FFF2-40B4-BE49-F238E27FC236}">
-                <a16:creationId xmlns:a16="http://schemas.microsoft.com/office/drawing/2014/main" id="{62EAA16E-823F-4C14-86FD-FED8F2321EE6}"/>
+                <a16:creationId xmlns:a16="http://schemas.microsoft.com/office/drawing/2014/main" id="{37E146B7-6BDE-4F21-A09D-FE7EF30B6C00}"/>
               </a:ext>
             </a:extLst>
           </p:cNvPr>
@@ -16393,38 +17535,79 @@
             <p:ph idx="1"/>
           </p:nvPr>
         </p:nvSpPr>
-        <p:spPr/>
-        <p:txBody>
-          <a:bodyPr/>
-          <a:lstStyle/>
-          <a:p>
-            <a:r>
-              <a:rPr lang="en-US" dirty="0" err="1">
-                <a:latin typeface="Courier New" panose="02070309020205020404" pitchFamily="49" charset="0"/>
-                <a:cs typeface="Courier New" panose="02070309020205020404" pitchFamily="49" charset="0"/>
-              </a:rPr>
-              <a:t>ggplot</a:t>
-            </a:r>
-            <a:r>
-              <a:rPr lang="en-US" dirty="0"/>
-              <a:t> uses the</a:t>
-            </a:r>
+        <p:spPr>
+          <a:xfrm>
+            <a:off x="838200" y="1825625"/>
+            <a:ext cx="5105400" cy="4351338"/>
+          </a:xfrm>
+        </p:spPr>
+        <p:txBody>
+          <a:bodyPr>
+            <a:normAutofit/>
+          </a:bodyPr>
+          <a:lstStyle/>
+          <a:p>
             <a:r>
               <a:rPr lang="en-US" dirty="0">
                 <a:latin typeface="Courier New" panose="02070309020205020404" pitchFamily="49" charset="0"/>
                 <a:cs typeface="Courier New" panose="02070309020205020404" pitchFamily="49" charset="0"/>
               </a:rPr>
-              <a:t> + </a:t>
-            </a:r>
-            <a:r>
-              <a:rPr lang="en-US" dirty="0"/>
-              <a:t>as a linker between layers</a:t>
-            </a:r>
-          </a:p>
-          <a:p>
-            <a:r>
-              <a:rPr lang="en-US" dirty="0"/>
-              <a:t>Just like the pipe, you can combine tons of these together!</a:t>
+              <a:t>labs(title=“”, x=“”, y=“”)</a:t>
+            </a:r>
+          </a:p>
+          <a:p>
+            <a:r>
+              <a:rPr lang="en-US" dirty="0"/>
+              <a:t>Add axis titles:</a:t>
+            </a:r>
+          </a:p>
+          <a:p>
+            <a:pPr lvl="1"/>
+            <a:r>
+              <a:rPr lang="en-US" sz="2800" dirty="0">
+                <a:latin typeface="Courier New" panose="02070309020205020404" pitchFamily="49" charset="0"/>
+                <a:cs typeface="Courier New" panose="02070309020205020404" pitchFamily="49" charset="0"/>
+              </a:rPr>
+              <a:t>x=“title”</a:t>
+            </a:r>
+            <a:r>
+              <a:rPr lang="en-US" dirty="0"/>
+              <a:t> and </a:t>
+            </a:r>
+            <a:r>
+              <a:rPr lang="en-US" sz="2800" dirty="0">
+                <a:latin typeface="Courier New" panose="02070309020205020404" pitchFamily="49" charset="0"/>
+                <a:cs typeface="Courier New" panose="02070309020205020404" pitchFamily="49" charset="0"/>
+              </a:rPr>
+              <a:t>y=“title”</a:t>
+            </a:r>
+          </a:p>
+          <a:p>
+            <a:r>
+              <a:rPr lang="en-US" sz="3200" dirty="0">
+                <a:cs typeface="Courier New" panose="02070309020205020404" pitchFamily="49" charset="0"/>
+              </a:rPr>
+              <a:t>Main title:</a:t>
+            </a:r>
+          </a:p>
+          <a:p>
+            <a:pPr lvl="1"/>
+            <a:r>
+              <a:rPr lang="en-US" sz="2800" dirty="0">
+                <a:latin typeface="Courier New" panose="02070309020205020404" pitchFamily="49" charset="0"/>
+                <a:cs typeface="Courier New" panose="02070309020205020404" pitchFamily="49" charset="0"/>
+              </a:rPr>
+              <a:t>title = “title”</a:t>
+            </a:r>
+          </a:p>
+          <a:p>
+            <a:pPr lvl="1"/>
+            <a:r>
+              <a:rPr lang="en-US" sz="2800" dirty="0">
+                <a:latin typeface="Courier New" panose="02070309020205020404" pitchFamily="49" charset="0"/>
+                <a:cs typeface="Courier New" panose="02070309020205020404" pitchFamily="49" charset="0"/>
+              </a:rPr>
+              <a:t>subtitle = “title”</a:t>
             </a:r>
           </a:p>
         </p:txBody>
@@ -16434,7 +17617,7 @@
           <p:cNvPr id="4" name="Date Placeholder 3">
             <a:extLst>
               <a:ext uri="{FF2B5EF4-FFF2-40B4-BE49-F238E27FC236}">
-                <a16:creationId xmlns:a16="http://schemas.microsoft.com/office/drawing/2014/main" id="{695F9B61-B132-4A1F-956F-C7FA5894868B}"/>
+                <a16:creationId xmlns:a16="http://schemas.microsoft.com/office/drawing/2014/main" id="{58EA3CF3-42A7-4E41-869A-BE3767CDB53E}"/>
               </a:ext>
             </a:extLst>
           </p:cNvPr>
@@ -16463,7 +17646,7 @@
           <p:cNvPr id="5" name="Footer Placeholder 4">
             <a:extLst>
               <a:ext uri="{FF2B5EF4-FFF2-40B4-BE49-F238E27FC236}">
-                <a16:creationId xmlns:a16="http://schemas.microsoft.com/office/drawing/2014/main" id="{DA540B43-4E0D-4617-A8E2-BB5B9401C854}"/>
+                <a16:creationId xmlns:a16="http://schemas.microsoft.com/office/drawing/2014/main" id="{75633ADC-5CEC-49E7-BF4C-B805C52E296D}"/>
               </a:ext>
             </a:extLst>
           </p:cNvPr>
@@ -16520,7 +17703,7 @@
           <p:cNvPr id="6" name="Slide Number Placeholder 5">
             <a:extLst>
               <a:ext uri="{FF2B5EF4-FFF2-40B4-BE49-F238E27FC236}">
-                <a16:creationId xmlns:a16="http://schemas.microsoft.com/office/drawing/2014/main" id="{B3BA36E9-613D-4BC5-B0F7-4BBB217DEE0E}"/>
+                <a16:creationId xmlns:a16="http://schemas.microsoft.com/office/drawing/2014/main" id="{B1BAA732-BBD1-4FE8-891E-2C7E97D82282}"/>
               </a:ext>
             </a:extLst>
           </p:cNvPr>
@@ -16544,10 +17727,40 @@
           </a:p>
         </p:txBody>
       </p:sp>
+      <p:pic>
+        <p:nvPicPr>
+          <p:cNvPr id="8" name="Picture 7" descr="A screenshot of a cell phone&#10;&#10;Description automatically generated">
+            <a:extLst>
+              <a:ext uri="{FF2B5EF4-FFF2-40B4-BE49-F238E27FC236}">
+                <a16:creationId xmlns:a16="http://schemas.microsoft.com/office/drawing/2014/main" id="{28F10AA7-533B-44CF-8346-56592B0DB1AE}"/>
+              </a:ext>
+            </a:extLst>
+          </p:cNvPr>
+          <p:cNvPicPr>
+            <a:picLocks noChangeAspect="1"/>
+          </p:cNvPicPr>
+          <p:nvPr/>
+        </p:nvPicPr>
+        <p:blipFill>
+          <a:blip r:embed="rId2"/>
+          <a:stretch>
+            <a:fillRect/>
+          </a:stretch>
+        </p:blipFill>
+        <p:spPr>
+          <a:xfrm>
+            <a:off x="5635969" y="1567207"/>
+            <a:ext cx="5949262" cy="3942089"/>
+          </a:xfrm>
+          <a:prstGeom prst="rect">
+            <a:avLst/>
+          </a:prstGeom>
+        </p:spPr>
+      </p:pic>
     </p:spTree>
     <p:extLst>
       <p:ext uri="{BB962C8B-B14F-4D97-AF65-F5344CB8AC3E}">
-        <p14:creationId xmlns:p14="http://schemas.microsoft.com/office/powerpoint/2010/main" val="844801094"/>
+        <p14:creationId xmlns:p14="http://schemas.microsoft.com/office/powerpoint/2010/main" val="2483438752"/>
       </p:ext>
     </p:extLst>
   </p:cSld>
@@ -16576,10 +17789,10 @@
       </p:grpSpPr>
       <p:sp>
         <p:nvSpPr>
-          <p:cNvPr id="7" name="Title 6">
-            <a:extLst>
-              <a:ext uri="{FF2B5EF4-FFF2-40B4-BE49-F238E27FC236}">
-                <a16:creationId xmlns:a16="http://schemas.microsoft.com/office/drawing/2014/main" id="{2C7C7B52-4FB0-4A0B-B5E1-EDD5A9ADA476}"/>
+          <p:cNvPr id="2" name="Title 1">
+            <a:extLst>
+              <a:ext uri="{FF2B5EF4-FFF2-40B4-BE49-F238E27FC236}">
+                <a16:creationId xmlns:a16="http://schemas.microsoft.com/office/drawing/2014/main" id="{3355F5CD-9232-4308-9E65-DB6DA7EBF80E}"/>
               </a:ext>
             </a:extLst>
           </p:cNvPr>
@@ -16597,35 +17810,59 @@
           <a:p>
             <a:r>
               <a:rPr lang="en-US" dirty="0"/>
-              <a:t>ALL TOGETHER NOW</a:t>
-            </a:r>
-          </a:p>
-        </p:txBody>
-      </p:sp>
-      <p:sp>
-        <p:nvSpPr>
-          <p:cNvPr id="8" name="Text Placeholder 7">
-            <a:extLst>
-              <a:ext uri="{FF2B5EF4-FFF2-40B4-BE49-F238E27FC236}">
-                <a16:creationId xmlns:a16="http://schemas.microsoft.com/office/drawing/2014/main" id="{235128D3-FA6E-47E7-87E1-272DD4C10B55}"/>
-              </a:ext>
-            </a:extLst>
-          </p:cNvPr>
-          <p:cNvSpPr>
-            <a:spLocks noGrp="1"/>
-          </p:cNvSpPr>
-          <p:nvPr>
-            <p:ph type="body" idx="1"/>
-          </p:nvPr>
-        </p:nvSpPr>
-        <p:spPr/>
-        <p:txBody>
-          <a:bodyPr/>
-          <a:lstStyle/>
-          <a:p>
-            <a:r>
-              <a:rPr lang="en-US" dirty="0"/>
-              <a:t>Integrating all the components</a:t>
+              <a:t>PUTTING IT TOGETHER</a:t>
+            </a:r>
+          </a:p>
+        </p:txBody>
+      </p:sp>
+      <p:sp>
+        <p:nvSpPr>
+          <p:cNvPr id="3" name="Content Placeholder 2">
+            <a:extLst>
+              <a:ext uri="{FF2B5EF4-FFF2-40B4-BE49-F238E27FC236}">
+                <a16:creationId xmlns:a16="http://schemas.microsoft.com/office/drawing/2014/main" id="{62EAA16E-823F-4C14-86FD-FED8F2321EE6}"/>
+              </a:ext>
+            </a:extLst>
+          </p:cNvPr>
+          <p:cNvSpPr>
+            <a:spLocks noGrp="1"/>
+          </p:cNvSpPr>
+          <p:nvPr>
+            <p:ph idx="1"/>
+          </p:nvPr>
+        </p:nvSpPr>
+        <p:spPr/>
+        <p:txBody>
+          <a:bodyPr/>
+          <a:lstStyle/>
+          <a:p>
+            <a:r>
+              <a:rPr lang="en-US" dirty="0" err="1">
+                <a:latin typeface="Courier New" panose="02070309020205020404" pitchFamily="49" charset="0"/>
+                <a:cs typeface="Courier New" panose="02070309020205020404" pitchFamily="49" charset="0"/>
+              </a:rPr>
+              <a:t>ggplot</a:t>
+            </a:r>
+            <a:r>
+              <a:rPr lang="en-US" dirty="0"/>
+              <a:t> uses </a:t>
+            </a:r>
+            <a:r>
+              <a:rPr lang="en-US" dirty="0">
+                <a:latin typeface="Courier New" panose="02070309020205020404" pitchFamily="49" charset="0"/>
+                <a:cs typeface="Courier New" panose="02070309020205020404" pitchFamily="49" charset="0"/>
+              </a:rPr>
+              <a:t>+ </a:t>
+            </a:r>
+            <a:r>
+              <a:rPr lang="en-US" dirty="0"/>
+              <a:t> to link several layers</a:t>
+            </a:r>
+          </a:p>
+          <a:p>
+            <a:r>
+              <a:rPr lang="en-US" dirty="0"/>
+              <a:t>Just like the pipe, you can combine tons of these together!</a:t>
             </a:r>
           </a:p>
         </p:txBody>
@@ -16635,7 +17872,7 @@
           <p:cNvPr id="4" name="Date Placeholder 3">
             <a:extLst>
               <a:ext uri="{FF2B5EF4-FFF2-40B4-BE49-F238E27FC236}">
-                <a16:creationId xmlns:a16="http://schemas.microsoft.com/office/drawing/2014/main" id="{729242CD-322A-4BBF-A5F9-A0BD7FF80C30}"/>
+                <a16:creationId xmlns:a16="http://schemas.microsoft.com/office/drawing/2014/main" id="{695F9B61-B132-4A1F-956F-C7FA5894868B}"/>
               </a:ext>
             </a:extLst>
           </p:cNvPr>
@@ -16664,7 +17901,7 @@
           <p:cNvPr id="5" name="Footer Placeholder 4">
             <a:extLst>
               <a:ext uri="{FF2B5EF4-FFF2-40B4-BE49-F238E27FC236}">
-                <a16:creationId xmlns:a16="http://schemas.microsoft.com/office/drawing/2014/main" id="{30FAF9A1-04F4-4BAE-9142-17FB314C8EED}"/>
+                <a16:creationId xmlns:a16="http://schemas.microsoft.com/office/drawing/2014/main" id="{DA540B43-4E0D-4617-A8E2-BB5B9401C854}"/>
               </a:ext>
             </a:extLst>
           </p:cNvPr>
@@ -16721,7 +17958,7 @@
           <p:cNvPr id="6" name="Slide Number Placeholder 5">
             <a:extLst>
               <a:ext uri="{FF2B5EF4-FFF2-40B4-BE49-F238E27FC236}">
-                <a16:creationId xmlns:a16="http://schemas.microsoft.com/office/drawing/2014/main" id="{51F51AE9-B6B5-4DDB-B0E8-6F790417F61A}"/>
+                <a16:creationId xmlns:a16="http://schemas.microsoft.com/office/drawing/2014/main" id="{B3BA36E9-613D-4BC5-B0F7-4BBB217DEE0E}"/>
               </a:ext>
             </a:extLst>
           </p:cNvPr>
@@ -16748,7 +17985,7 @@
     </p:spTree>
     <p:extLst>
       <p:ext uri="{BB962C8B-B14F-4D97-AF65-F5344CB8AC3E}">
-        <p14:creationId xmlns:p14="http://schemas.microsoft.com/office/powerpoint/2010/main" val="2106640646"/>
+        <p14:creationId xmlns:p14="http://schemas.microsoft.com/office/powerpoint/2010/main" val="844801094"/>
       </p:ext>
     </p:extLst>
   </p:cSld>
@@ -16777,10 +18014,10 @@
       </p:grpSpPr>
       <p:sp>
         <p:nvSpPr>
-          <p:cNvPr id="2" name="Title 1">
-            <a:extLst>
-              <a:ext uri="{FF2B5EF4-FFF2-40B4-BE49-F238E27FC236}">
-                <a16:creationId xmlns:a16="http://schemas.microsoft.com/office/drawing/2014/main" id="{11D2AEC1-B86D-49DC-8240-FC110A098B47}"/>
+          <p:cNvPr id="7" name="Title 6">
+            <a:extLst>
+              <a:ext uri="{FF2B5EF4-FFF2-40B4-BE49-F238E27FC236}">
+                <a16:creationId xmlns:a16="http://schemas.microsoft.com/office/drawing/2014/main" id="{2C7C7B52-4FB0-4A0B-B5E1-EDD5A9ADA476}"/>
               </a:ext>
             </a:extLst>
           </p:cNvPr>
@@ -16798,54 +18035,35 @@
           <a:p>
             <a:r>
               <a:rPr lang="en-US" dirty="0"/>
-              <a:t>A FULL TIDYVERSE WORKFLOW</a:t>
-            </a:r>
-          </a:p>
-        </p:txBody>
-      </p:sp>
-      <p:sp>
-        <p:nvSpPr>
-          <p:cNvPr id="3" name="Content Placeholder 2">
-            <a:extLst>
-              <a:ext uri="{FF2B5EF4-FFF2-40B4-BE49-F238E27FC236}">
-                <a16:creationId xmlns:a16="http://schemas.microsoft.com/office/drawing/2014/main" id="{70465980-9286-4387-A5A5-A575E6590F74}"/>
-              </a:ext>
-            </a:extLst>
-          </p:cNvPr>
-          <p:cNvSpPr>
-            <a:spLocks noGrp="1"/>
-          </p:cNvSpPr>
-          <p:nvPr>
-            <p:ph idx="1"/>
-          </p:nvPr>
-        </p:nvSpPr>
-        <p:spPr/>
-        <p:txBody>
-          <a:bodyPr/>
-          <a:lstStyle/>
-          <a:p>
-            <a:r>
-              <a:rPr lang="en-US" dirty="0"/>
-              <a:t>You can combine %&gt;% and + to get long, but very readable chains of commands!</a:t>
-            </a:r>
-          </a:p>
-          <a:p>
-            <a:r>
-              <a:rPr lang="en-US" dirty="0"/>
-              <a:t>However, don’t just rely on these alone.</a:t>
-            </a:r>
-          </a:p>
-          <a:p>
-            <a:r>
-              <a:rPr lang="en-US" dirty="0"/>
-              <a:t>If you have too many commands at once, you start to lose track.</a:t>
-            </a:r>
-          </a:p>
-          <a:p>
-            <a:pPr lvl="1"/>
-            <a:r>
-              <a:rPr lang="en-US" dirty="0"/>
-              <a:t>Add intermediate variables!</a:t>
+              <a:t>ALL TOGETHER NOW</a:t>
+            </a:r>
+          </a:p>
+        </p:txBody>
+      </p:sp>
+      <p:sp>
+        <p:nvSpPr>
+          <p:cNvPr id="8" name="Text Placeholder 7">
+            <a:extLst>
+              <a:ext uri="{FF2B5EF4-FFF2-40B4-BE49-F238E27FC236}">
+                <a16:creationId xmlns:a16="http://schemas.microsoft.com/office/drawing/2014/main" id="{235128D3-FA6E-47E7-87E1-272DD4C10B55}"/>
+              </a:ext>
+            </a:extLst>
+          </p:cNvPr>
+          <p:cNvSpPr>
+            <a:spLocks noGrp="1"/>
+          </p:cNvSpPr>
+          <p:nvPr>
+            <p:ph type="body" idx="1"/>
+          </p:nvPr>
+        </p:nvSpPr>
+        <p:spPr/>
+        <p:txBody>
+          <a:bodyPr/>
+          <a:lstStyle/>
+          <a:p>
+            <a:r>
+              <a:rPr lang="en-US" dirty="0"/>
+              <a:t>Integrating all the components</a:t>
             </a:r>
           </a:p>
         </p:txBody>
@@ -16855,7 +18073,7 @@
           <p:cNvPr id="4" name="Date Placeholder 3">
             <a:extLst>
               <a:ext uri="{FF2B5EF4-FFF2-40B4-BE49-F238E27FC236}">
-                <a16:creationId xmlns:a16="http://schemas.microsoft.com/office/drawing/2014/main" id="{4E32AD3C-9F7E-457C-AE3F-422282C0F9E7}"/>
+                <a16:creationId xmlns:a16="http://schemas.microsoft.com/office/drawing/2014/main" id="{729242CD-322A-4BBF-A5F9-A0BD7FF80C30}"/>
               </a:ext>
             </a:extLst>
           </p:cNvPr>
@@ -16884,7 +18102,7 @@
           <p:cNvPr id="5" name="Footer Placeholder 4">
             <a:extLst>
               <a:ext uri="{FF2B5EF4-FFF2-40B4-BE49-F238E27FC236}">
-                <a16:creationId xmlns:a16="http://schemas.microsoft.com/office/drawing/2014/main" id="{FBC1C866-EB47-455D-BF46-BFC503046315}"/>
+                <a16:creationId xmlns:a16="http://schemas.microsoft.com/office/drawing/2014/main" id="{30FAF9A1-04F4-4BAE-9142-17FB314C8EED}"/>
               </a:ext>
             </a:extLst>
           </p:cNvPr>
@@ -16941,7 +18159,7 @@
           <p:cNvPr id="6" name="Slide Number Placeholder 5">
             <a:extLst>
               <a:ext uri="{FF2B5EF4-FFF2-40B4-BE49-F238E27FC236}">
-                <a16:creationId xmlns:a16="http://schemas.microsoft.com/office/drawing/2014/main" id="{2B03362D-7208-43A1-B722-15CB9305C312}"/>
+                <a16:creationId xmlns:a16="http://schemas.microsoft.com/office/drawing/2014/main" id="{51F51AE9-B6B5-4DDB-B0E8-6F790417F61A}"/>
               </a:ext>
             </a:extLst>
           </p:cNvPr>
@@ -16968,7 +18186,7 @@
     </p:spTree>
     <p:extLst>
       <p:ext uri="{BB962C8B-B14F-4D97-AF65-F5344CB8AC3E}">
-        <p14:creationId xmlns:p14="http://schemas.microsoft.com/office/powerpoint/2010/main" val="2605989437"/>
+        <p14:creationId xmlns:p14="http://schemas.microsoft.com/office/powerpoint/2010/main" val="2106640646"/>
       </p:ext>
     </p:extLst>
   </p:cSld>
@@ -17000,7 +18218,7 @@
           <p:cNvPr id="2" name="Title 1">
             <a:extLst>
               <a:ext uri="{FF2B5EF4-FFF2-40B4-BE49-F238E27FC236}">
-                <a16:creationId xmlns:a16="http://schemas.microsoft.com/office/drawing/2014/main" id="{A8909A85-5F97-4785-BA4C-680457A0F1AF}"/>
+                <a16:creationId xmlns:a16="http://schemas.microsoft.com/office/drawing/2014/main" id="{11D2AEC1-B86D-49DC-8240-FC110A098B47}"/>
               </a:ext>
             </a:extLst>
           </p:cNvPr>
@@ -17018,17 +18236,17 @@
           <a:p>
             <a:r>
               <a:rPr lang="en-US" dirty="0"/>
-              <a:t>ACKNOWLEDGEMENTS</a:t>
-            </a:r>
-          </a:p>
-        </p:txBody>
-      </p:sp>
-      <p:sp>
-        <p:nvSpPr>
-          <p:cNvPr id="7" name="Content Placeholder 6">
-            <a:extLst>
-              <a:ext uri="{FF2B5EF4-FFF2-40B4-BE49-F238E27FC236}">
-                <a16:creationId xmlns:a16="http://schemas.microsoft.com/office/drawing/2014/main" id="{063C36B6-F28F-4BE7-9B27-1DD6F6385857}"/>
+              <a:t>A FULL TIDYVERSE WORKFLOW</a:t>
+            </a:r>
+          </a:p>
+        </p:txBody>
+      </p:sp>
+      <p:sp>
+        <p:nvSpPr>
+          <p:cNvPr id="3" name="Content Placeholder 2">
+            <a:extLst>
+              <a:ext uri="{FF2B5EF4-FFF2-40B4-BE49-F238E27FC236}">
+                <a16:creationId xmlns:a16="http://schemas.microsoft.com/office/drawing/2014/main" id="{70465980-9286-4387-A5A5-A575E6590F74}"/>
               </a:ext>
             </a:extLst>
           </p:cNvPr>
@@ -17046,36 +18264,56 @@
           <a:p>
             <a:r>
               <a:rPr lang="en-US" dirty="0"/>
-              <a:t>Much of this tutorial is based on Hadley Wickham’s Amazing </a:t>
+              <a:t>You can combine </a:t>
+            </a:r>
+            <a:r>
+              <a:rPr lang="en-US" dirty="0">
+                <a:latin typeface="Courier New" panose="02070309020205020404" pitchFamily="49" charset="0"/>
+                <a:cs typeface="Courier New" panose="02070309020205020404" pitchFamily="49" charset="0"/>
+              </a:rPr>
+              <a:t>%&gt;%</a:t>
+            </a:r>
+            <a:r>
+              <a:rPr lang="en-US" dirty="0"/>
+              <a:t> and </a:t>
+            </a:r>
+            <a:r>
+              <a:rPr lang="en-US" dirty="0">
+                <a:latin typeface="Courier New" panose="02070309020205020404" pitchFamily="49" charset="0"/>
+                <a:cs typeface="Courier New" panose="02070309020205020404" pitchFamily="49" charset="0"/>
+              </a:rPr>
+              <a:t>+</a:t>
+            </a:r>
+            <a:r>
+              <a:rPr lang="en-US" dirty="0"/>
+              <a:t> to get long, but very readable chains of commands!</a:t>
+            </a:r>
+          </a:p>
+          <a:p>
+            <a:r>
+              <a:rPr lang="en-US" dirty="0"/>
+              <a:t>However, don’t just rely on these alone.</a:t>
+            </a:r>
+          </a:p>
+          <a:p>
+            <a:r>
+              <a:rPr lang="en-US" dirty="0"/>
+              <a:t>If you have too many commands at once, it becomes easy to lose track.</a:t>
+            </a:r>
+          </a:p>
+          <a:p>
+            <a:pPr lvl="1"/>
+            <a:r>
+              <a:rPr lang="en-US" dirty="0"/>
+              <a:t>Add intermediate variables with </a:t>
             </a:r>
             <a:r>
               <a:rPr lang="en-US" i="1" dirty="0"/>
-              <a:t>R For Data Science</a:t>
-            </a:r>
-            <a:r>
-              <a:rPr lang="en-US" dirty="0"/>
-              <a:t>, available for free at </a:t>
-            </a:r>
-            <a:r>
-              <a:rPr lang="en-US" dirty="0">
-                <a:hlinkClick r:id="rId2"/>
-              </a:rPr>
-              <a:t>https://r4ds.had.co.nz</a:t>
-            </a:r>
-            <a:endParaRPr lang="en-US" dirty="0"/>
-          </a:p>
-          <a:p>
-            <a:r>
-              <a:rPr lang="en-US" dirty="0"/>
-              <a:t>The </a:t>
-            </a:r>
-            <a:r>
-              <a:rPr lang="en-US" dirty="0" err="1"/>
-              <a:t>tidyverse</a:t>
-            </a:r>
-            <a:r>
-              <a:rPr lang="en-US" dirty="0"/>
-              <a:t> hex stickers are used under the terms of the Creative Commons 1.0 Universal license.</a:t>
+              <a:t>meaningful</a:t>
+            </a:r>
+            <a:r>
+              <a:rPr lang="en-US" dirty="0"/>
+              <a:t> names!</a:t>
             </a:r>
           </a:p>
         </p:txBody>
@@ -17085,7 +18323,7 @@
           <p:cNvPr id="4" name="Date Placeholder 3">
             <a:extLst>
               <a:ext uri="{FF2B5EF4-FFF2-40B4-BE49-F238E27FC236}">
-                <a16:creationId xmlns:a16="http://schemas.microsoft.com/office/drawing/2014/main" id="{6BD03D3F-8307-4B2B-85E0-9639DD7F7B8C}"/>
+                <a16:creationId xmlns:a16="http://schemas.microsoft.com/office/drawing/2014/main" id="{4E32AD3C-9F7E-457C-AE3F-422282C0F9E7}"/>
               </a:ext>
             </a:extLst>
           </p:cNvPr>
@@ -17114,7 +18352,7 @@
           <p:cNvPr id="5" name="Footer Placeholder 4">
             <a:extLst>
               <a:ext uri="{FF2B5EF4-FFF2-40B4-BE49-F238E27FC236}">
-                <a16:creationId xmlns:a16="http://schemas.microsoft.com/office/drawing/2014/main" id="{07FB1389-2798-4D26-8CCE-27767E9E7F1D}"/>
+                <a16:creationId xmlns:a16="http://schemas.microsoft.com/office/drawing/2014/main" id="{FBC1C866-EB47-455D-BF46-BFC503046315}"/>
               </a:ext>
             </a:extLst>
           </p:cNvPr>
@@ -17171,7 +18409,7 @@
           <p:cNvPr id="6" name="Slide Number Placeholder 5">
             <a:extLst>
               <a:ext uri="{FF2B5EF4-FFF2-40B4-BE49-F238E27FC236}">
-                <a16:creationId xmlns:a16="http://schemas.microsoft.com/office/drawing/2014/main" id="{D9EB88B7-3533-4306-8F51-5BF384EBA51E}"/>
+                <a16:creationId xmlns:a16="http://schemas.microsoft.com/office/drawing/2014/main" id="{2B03362D-7208-43A1-B722-15CB9305C312}"/>
               </a:ext>
             </a:extLst>
           </p:cNvPr>
@@ -17190,6 +18428,236 @@
             <a:fld id="{D57F1E4F-1CFF-5643-939E-02111984F565}" type="slidenum">
               <a:rPr lang="en-US" smtClean="0"/>
               <a:t>47</a:t>
+            </a:fld>
+            <a:endParaRPr lang="en-US" dirty="0"/>
+          </a:p>
+        </p:txBody>
+      </p:sp>
+    </p:spTree>
+    <p:extLst>
+      <p:ext uri="{BB962C8B-B14F-4D97-AF65-F5344CB8AC3E}">
+        <p14:creationId xmlns:p14="http://schemas.microsoft.com/office/powerpoint/2010/main" val="2605989437"/>
+      </p:ext>
+    </p:extLst>
+  </p:cSld>
+  <p:clrMapOvr>
+    <a:masterClrMapping/>
+  </p:clrMapOvr>
+</p:sld>
+</file>
+
+<file path=ppt/slides/slide48.xml><?xml version="1.0" encoding="utf-8"?>
+<p:sld xmlns:a="http://schemas.openxmlformats.org/drawingml/2006/main" xmlns:r="http://schemas.openxmlformats.org/officeDocument/2006/relationships" xmlns:p="http://schemas.openxmlformats.org/presentationml/2006/main">
+  <p:cSld>
+    <p:spTree>
+      <p:nvGrpSpPr>
+        <p:cNvPr id="1" name=""/>
+        <p:cNvGrpSpPr/>
+        <p:nvPr/>
+      </p:nvGrpSpPr>
+      <p:grpSpPr>
+        <a:xfrm>
+          <a:off x="0" y="0"/>
+          <a:ext cx="0" cy="0"/>
+          <a:chOff x="0" y="0"/>
+          <a:chExt cx="0" cy="0"/>
+        </a:xfrm>
+      </p:grpSpPr>
+      <p:sp>
+        <p:nvSpPr>
+          <p:cNvPr id="2" name="Title 1">
+            <a:extLst>
+              <a:ext uri="{FF2B5EF4-FFF2-40B4-BE49-F238E27FC236}">
+                <a16:creationId xmlns:a16="http://schemas.microsoft.com/office/drawing/2014/main" id="{A8909A85-5F97-4785-BA4C-680457A0F1AF}"/>
+              </a:ext>
+            </a:extLst>
+          </p:cNvPr>
+          <p:cNvSpPr>
+            <a:spLocks noGrp="1"/>
+          </p:cNvSpPr>
+          <p:nvPr>
+            <p:ph type="title"/>
+          </p:nvPr>
+        </p:nvSpPr>
+        <p:spPr/>
+        <p:txBody>
+          <a:bodyPr/>
+          <a:lstStyle/>
+          <a:p>
+            <a:r>
+              <a:rPr lang="en-US" dirty="0"/>
+              <a:t>ACKNOWLEDGEMENTS</a:t>
+            </a:r>
+          </a:p>
+        </p:txBody>
+      </p:sp>
+      <p:sp>
+        <p:nvSpPr>
+          <p:cNvPr id="7" name="Content Placeholder 6">
+            <a:extLst>
+              <a:ext uri="{FF2B5EF4-FFF2-40B4-BE49-F238E27FC236}">
+                <a16:creationId xmlns:a16="http://schemas.microsoft.com/office/drawing/2014/main" id="{063C36B6-F28F-4BE7-9B27-1DD6F6385857}"/>
+              </a:ext>
+            </a:extLst>
+          </p:cNvPr>
+          <p:cNvSpPr>
+            <a:spLocks noGrp="1"/>
+          </p:cNvSpPr>
+          <p:nvPr>
+            <p:ph idx="1"/>
+          </p:nvPr>
+        </p:nvSpPr>
+        <p:spPr/>
+        <p:txBody>
+          <a:bodyPr/>
+          <a:lstStyle/>
+          <a:p>
+            <a:r>
+              <a:rPr lang="en-US" dirty="0"/>
+              <a:t>Much of this tutorial is based on Hadley Wickham’s Amazing </a:t>
+            </a:r>
+            <a:r>
+              <a:rPr lang="en-US" i="1" dirty="0"/>
+              <a:t>R For Data Science</a:t>
+            </a:r>
+            <a:r>
+              <a:rPr lang="en-US" dirty="0"/>
+              <a:t>, available for free at </a:t>
+            </a:r>
+            <a:r>
+              <a:rPr lang="en-US" dirty="0">
+                <a:hlinkClick r:id="rId2"/>
+              </a:rPr>
+              <a:t>https://r4ds.had.co.nz</a:t>
+            </a:r>
+            <a:endParaRPr lang="en-US" dirty="0"/>
+          </a:p>
+          <a:p>
+            <a:r>
+              <a:rPr lang="en-US" dirty="0"/>
+              <a:t>The </a:t>
+            </a:r>
+            <a:r>
+              <a:rPr lang="en-US" dirty="0" err="1"/>
+              <a:t>tidyverse</a:t>
+            </a:r>
+            <a:r>
+              <a:rPr lang="en-US" dirty="0"/>
+              <a:t> hex stickers are used under the terms of the Creative Commons 1.0 Universal license.</a:t>
+            </a:r>
+          </a:p>
+        </p:txBody>
+      </p:sp>
+      <p:sp>
+        <p:nvSpPr>
+          <p:cNvPr id="4" name="Date Placeholder 3">
+            <a:extLst>
+              <a:ext uri="{FF2B5EF4-FFF2-40B4-BE49-F238E27FC236}">
+                <a16:creationId xmlns:a16="http://schemas.microsoft.com/office/drawing/2014/main" id="{6BD03D3F-8307-4B2B-85E0-9639DD7F7B8C}"/>
+              </a:ext>
+            </a:extLst>
+          </p:cNvPr>
+          <p:cNvSpPr>
+            <a:spLocks noGrp="1"/>
+          </p:cNvSpPr>
+          <p:nvPr>
+            <p:ph type="dt" sz="half" idx="10"/>
+          </p:nvPr>
+        </p:nvSpPr>
+        <p:spPr/>
+        <p:txBody>
+          <a:bodyPr/>
+          <a:lstStyle/>
+          <a:p>
+            <a:fld id="{8AAE40A0-A7D8-4DC3-BC9E-BADA32DA2004}" type="datetime4">
+              <a:rPr lang="en-US" smtClean="0"/>
+              <a:t>July 7, 2019</a:t>
+            </a:fld>
+            <a:endParaRPr lang="en-US" dirty="0"/>
+          </a:p>
+        </p:txBody>
+      </p:sp>
+      <p:sp>
+        <p:nvSpPr>
+          <p:cNvPr id="5" name="Footer Placeholder 4">
+            <a:extLst>
+              <a:ext uri="{FF2B5EF4-FFF2-40B4-BE49-F238E27FC236}">
+                <a16:creationId xmlns:a16="http://schemas.microsoft.com/office/drawing/2014/main" id="{07FB1389-2798-4D26-8CCE-27767E9E7F1D}"/>
+              </a:ext>
+            </a:extLst>
+          </p:cNvPr>
+          <p:cNvSpPr>
+            <a:spLocks noGrp="1"/>
+          </p:cNvSpPr>
+          <p:nvPr>
+            <p:ph type="ftr" sz="quarter" idx="11"/>
+          </p:nvPr>
+        </p:nvSpPr>
+        <p:spPr/>
+        <p:txBody>
+          <a:bodyPr/>
+          <a:lstStyle/>
+          <a:p>
+            <a:r>
+              <a:rPr lang="en-US"/>
+              <a:t>Digital Scholarship Services </a:t>
+            </a:r>
+            <a:r>
+              <a:rPr lang="en-US">
+                <a:solidFill>
+                  <a:schemeClr val="accent1">
+                    <a:lumMod val="50000"/>
+                  </a:schemeClr>
+                </a:solidFill>
+              </a:rPr>
+              <a:t>| Email</a:t>
+            </a:r>
+            <a:r>
+              <a:rPr lang="en-US"/>
+              <a:t> cf24@rice.edu </a:t>
+            </a:r>
+            <a:r>
+              <a:rPr lang="en-US">
+                <a:solidFill>
+                  <a:schemeClr val="accent1">
+                    <a:lumMod val="50000"/>
+                  </a:schemeClr>
+                </a:solidFill>
+              </a:rPr>
+              <a:t>|</a:t>
+            </a:r>
+            <a:r>
+              <a:rPr lang="en-US"/>
+              <a:t> library.rice.edu/dss</a:t>
+            </a:r>
+            <a:endParaRPr lang="en-US" dirty="0"/>
+          </a:p>
+        </p:txBody>
+      </p:sp>
+      <p:sp>
+        <p:nvSpPr>
+          <p:cNvPr id="6" name="Slide Number Placeholder 5">
+            <a:extLst>
+              <a:ext uri="{FF2B5EF4-FFF2-40B4-BE49-F238E27FC236}">
+                <a16:creationId xmlns:a16="http://schemas.microsoft.com/office/drawing/2014/main" id="{D9EB88B7-3533-4306-8F51-5BF384EBA51E}"/>
+              </a:ext>
+            </a:extLst>
+          </p:cNvPr>
+          <p:cNvSpPr>
+            <a:spLocks noGrp="1"/>
+          </p:cNvSpPr>
+          <p:nvPr>
+            <p:ph type="sldNum" sz="quarter" idx="12"/>
+          </p:nvPr>
+        </p:nvSpPr>
+        <p:spPr/>
+        <p:txBody>
+          <a:bodyPr/>
+          <a:lstStyle/>
+          <a:p>
+            <a:fld id="{D57F1E4F-1CFF-5643-939E-02111984F565}" type="slidenum">
+              <a:rPr lang="en-US" smtClean="0"/>
+              <a:t>48</a:t>
             </a:fld>
             <a:endParaRPr lang="en-US" dirty="0"/>
           </a:p>
@@ -17253,31 +18721,34 @@
           </a:p>
         </p:txBody>
       </p:sp>
-      <p:sp>
-        <p:nvSpPr>
-          <p:cNvPr id="3" name="Content Placeholder 2">
-            <a:extLst>
-              <a:ext uri="{FF2B5EF4-FFF2-40B4-BE49-F238E27FC236}">
-                <a16:creationId xmlns:a16="http://schemas.microsoft.com/office/drawing/2014/main" id="{154026D5-D5E3-443C-90A8-1F589C6CEA44}"/>
-              </a:ext>
-            </a:extLst>
-          </p:cNvPr>
-          <p:cNvSpPr>
-            <a:spLocks noGrp="1"/>
-          </p:cNvSpPr>
+      <p:pic>
+        <p:nvPicPr>
+          <p:cNvPr id="8" name="Content Placeholder 7" descr="A screenshot of a cell phone&#10;&#10;Description automatically generated">
+            <a:extLst>
+              <a:ext uri="{FF2B5EF4-FFF2-40B4-BE49-F238E27FC236}">
+                <a16:creationId xmlns:a16="http://schemas.microsoft.com/office/drawing/2014/main" id="{0FA29421-E87A-447A-A607-E9A36A30C43A}"/>
+              </a:ext>
+            </a:extLst>
+          </p:cNvPr>
+          <p:cNvPicPr>
+            <a:picLocks noGrp="1" noChangeAspect="1"/>
+          </p:cNvPicPr>
           <p:nvPr>
             <p:ph idx="1"/>
           </p:nvPr>
-        </p:nvSpPr>
-        <p:spPr/>
-        <p:txBody>
-          <a:bodyPr/>
-          <a:lstStyle/>
-          <a:p>
-            <a:endParaRPr lang="en-US"/>
-          </a:p>
-        </p:txBody>
-      </p:sp>
+        </p:nvPicPr>
+        <p:blipFill rotWithShape="1">
+          <a:blip r:embed="rId2"/>
+          <a:srcRect l="5411" r="57520" b="70063"/>
+          <a:stretch/>
+        </p:blipFill>
+        <p:spPr>
+          <a:xfrm>
+            <a:off x="2006074" y="2946667"/>
+            <a:ext cx="2305904" cy="1538969"/>
+          </a:xfrm>
+        </p:spPr>
+      </p:pic>
       <p:sp>
         <p:nvSpPr>
           <p:cNvPr id="4" name="Date Placeholder 3">
@@ -17393,6 +18864,35 @@
           </a:p>
         </p:txBody>
       </p:sp>
+      <p:pic>
+        <p:nvPicPr>
+          <p:cNvPr id="10" name="Picture 9" descr="A screenshot of a cell phone&#10;&#10;Description automatically generated">
+            <a:extLst>
+              <a:ext uri="{FF2B5EF4-FFF2-40B4-BE49-F238E27FC236}">
+                <a16:creationId xmlns:a16="http://schemas.microsoft.com/office/drawing/2014/main" id="{0F35356B-396F-4E99-8DAC-59E74F2C6C04}"/>
+              </a:ext>
+            </a:extLst>
+          </p:cNvPr>
+          <p:cNvPicPr>
+            <a:picLocks noChangeAspect="1"/>
+          </p:cNvPicPr>
+          <p:nvPr/>
+        </p:nvPicPr>
+        <p:blipFill rotWithShape="1">
+          <a:blip r:embed="rId3"/>
+          <a:srcRect l="2956" t="-1" r="54829" b="18907"/>
+          <a:stretch/>
+        </p:blipFill>
+        <p:spPr>
+          <a:xfrm>
+            <a:off x="7613373" y="1939611"/>
+            <a:ext cx="2663686" cy="3723272"/>
+          </a:xfrm>
+          <a:prstGeom prst="rect">
+            <a:avLst/>
+          </a:prstGeom>
+        </p:spPr>
+      </p:pic>
     </p:spTree>
     <p:extLst>
       <p:ext uri="{BB962C8B-B14F-4D97-AF65-F5344CB8AC3E}">
@@ -17467,9 +18967,16 @@
             <p:ph idx="1"/>
           </p:nvPr>
         </p:nvSpPr>
-        <p:spPr/>
-        <p:txBody>
-          <a:bodyPr/>
+        <p:spPr>
+          <a:xfrm>
+            <a:off x="838200" y="1825625"/>
+            <a:ext cx="5029200" cy="4351338"/>
+          </a:xfrm>
+        </p:spPr>
+        <p:txBody>
+          <a:bodyPr>
+            <a:normAutofit lnSpcReduction="10000"/>
+          </a:bodyPr>
           <a:lstStyle/>
           <a:p>
             <a:r>
@@ -17477,17 +18984,89 @@
                 <a:latin typeface="Courier New" panose="02070309020205020404" pitchFamily="49" charset="0"/>
                 <a:cs typeface="Courier New" panose="02070309020205020404" pitchFamily="49" charset="0"/>
               </a:rPr>
-              <a:t>scatter</a:t>
-            </a:r>
-          </a:p>
-          <a:p>
+              <a:t>spread</a:t>
+            </a:r>
+          </a:p>
+          <a:p>
+            <a:pPr lvl="1"/>
             <a:r>
               <a:rPr lang="en-US" dirty="0">
+                <a:cs typeface="Courier New" panose="02070309020205020404" pitchFamily="49" charset="0"/>
+              </a:rPr>
+              <a:t>If there are two columns worth of data in one column</a:t>
+            </a:r>
+          </a:p>
+          <a:p>
+            <a:pPr lvl="1"/>
+            <a:r>
+              <a:rPr lang="en-US" dirty="0">
+                <a:latin typeface="Courier New" panose="02070309020205020404" pitchFamily="49" charset="0"/>
+                <a:cs typeface="Courier New" panose="02070309020205020404" pitchFamily="49" charset="0"/>
+              </a:rPr>
+              <a:t>spread(table, TYPE OF OBSERVATION, VALUE)</a:t>
+            </a:r>
+          </a:p>
+          <a:p>
+            <a:r>
+              <a:rPr lang="en-US" dirty="0">
                 <a:latin typeface="Courier New" panose="02070309020205020404" pitchFamily="49" charset="0"/>
                 <a:cs typeface="Courier New" panose="02070309020205020404" pitchFamily="49" charset="0"/>
               </a:rPr>
               <a:t>gather</a:t>
             </a:r>
+          </a:p>
+          <a:p>
+            <a:pPr lvl="1"/>
+            <a:r>
+              <a:rPr lang="en-US" dirty="0">
+                <a:cs typeface="Courier New" panose="02070309020205020404" pitchFamily="49" charset="0"/>
+              </a:rPr>
+              <a:t>If one column worth of data is spread across many columns</a:t>
+            </a:r>
+          </a:p>
+          <a:p>
+            <a:pPr lvl="1"/>
+            <a:r>
+              <a:rPr lang="en-US" dirty="0">
+                <a:latin typeface="Courier New" panose="02070309020205020404" pitchFamily="49" charset="0"/>
+                <a:cs typeface="Courier New" panose="02070309020205020404" pitchFamily="49" charset="0"/>
+              </a:rPr>
+              <a:t>gather(table, </a:t>
+            </a:r>
+            <a:r>
+              <a:rPr lang="en-US" dirty="0" err="1">
+                <a:latin typeface="Courier New" panose="02070309020205020404" pitchFamily="49" charset="0"/>
+                <a:cs typeface="Courier New" panose="02070309020205020404" pitchFamily="49" charset="0"/>
+              </a:rPr>
+              <a:t>firstcol</a:t>
+            </a:r>
+            <a:r>
+              <a:rPr lang="en-US" dirty="0">
+                <a:latin typeface="Courier New" panose="02070309020205020404" pitchFamily="49" charset="0"/>
+                <a:cs typeface="Courier New" panose="02070309020205020404" pitchFamily="49" charset="0"/>
+              </a:rPr>
+              <a:t>, </a:t>
+            </a:r>
+            <a:r>
+              <a:rPr lang="en-US" dirty="0" err="1">
+                <a:latin typeface="Courier New" panose="02070309020205020404" pitchFamily="49" charset="0"/>
+                <a:cs typeface="Courier New" panose="02070309020205020404" pitchFamily="49" charset="0"/>
+              </a:rPr>
+              <a:t>secondcol</a:t>
+            </a:r>
+            <a:r>
+              <a:rPr lang="en-US" dirty="0">
+                <a:latin typeface="Courier New" panose="02070309020205020404" pitchFamily="49" charset="0"/>
+                <a:cs typeface="Courier New" panose="02070309020205020404" pitchFamily="49" charset="0"/>
+              </a:rPr>
+              <a:t>, columnname1, columnname2)</a:t>
+            </a:r>
+          </a:p>
+          <a:p>
+            <a:endParaRPr lang="en-US" dirty="0">
+              <a:latin typeface="Courier New" panose="02070309020205020404" pitchFamily="49" charset="0"/>
+              <a:cs typeface="Courier New" panose="02070309020205020404" pitchFamily="49" charset="0"/>
+            </a:endParaRPr>
           </a:p>
         </p:txBody>
       </p:sp>
@@ -17606,6 +19185,66 @@
           </a:p>
         </p:txBody>
       </p:sp>
+      <p:pic>
+        <p:nvPicPr>
+          <p:cNvPr id="8" name="Picture 7" descr="A screenshot of a cell phone&#10;&#10;Description automatically generated">
+            <a:extLst>
+              <a:ext uri="{FF2B5EF4-FFF2-40B4-BE49-F238E27FC236}">
+                <a16:creationId xmlns:a16="http://schemas.microsoft.com/office/drawing/2014/main" id="{FE227FF8-9B1B-4820-AF72-C509BBAC47C9}"/>
+              </a:ext>
+            </a:extLst>
+          </p:cNvPr>
+          <p:cNvPicPr>
+            <a:picLocks noChangeAspect="1"/>
+          </p:cNvPicPr>
+          <p:nvPr/>
+        </p:nvPicPr>
+        <p:blipFill>
+          <a:blip r:embed="rId2"/>
+          <a:stretch>
+            <a:fillRect/>
+          </a:stretch>
+        </p:blipFill>
+        <p:spPr>
+          <a:xfrm>
+            <a:off x="7714687" y="3639001"/>
+            <a:ext cx="3012557" cy="2489544"/>
+          </a:xfrm>
+          <a:prstGeom prst="rect">
+            <a:avLst/>
+          </a:prstGeom>
+        </p:spPr>
+      </p:pic>
+      <p:pic>
+        <p:nvPicPr>
+          <p:cNvPr id="10" name="Picture 9" descr="A screenshot of a cell phone&#10;&#10;Description automatically generated">
+            <a:extLst>
+              <a:ext uri="{FF2B5EF4-FFF2-40B4-BE49-F238E27FC236}">
+                <a16:creationId xmlns:a16="http://schemas.microsoft.com/office/drawing/2014/main" id="{90694A06-20A2-42A8-878E-FE48E076A0E5}"/>
+              </a:ext>
+            </a:extLst>
+          </p:cNvPr>
+          <p:cNvPicPr>
+            <a:picLocks noChangeAspect="1"/>
+          </p:cNvPicPr>
+          <p:nvPr/>
+        </p:nvPicPr>
+        <p:blipFill>
+          <a:blip r:embed="rId3"/>
+          <a:stretch>
+            <a:fillRect/>
+          </a:stretch>
+        </p:blipFill>
+        <p:spPr>
+          <a:xfrm>
+            <a:off x="7611908" y="640912"/>
+            <a:ext cx="3421345" cy="2489544"/>
+          </a:xfrm>
+          <a:prstGeom prst="rect">
+            <a:avLst/>
+          </a:prstGeom>
+        </p:spPr>
+      </p:pic>
     </p:spTree>
     <p:extLst>
       <p:ext uri="{BB962C8B-B14F-4D97-AF65-F5344CB8AC3E}">
@@ -18842,4 +20481,47 @@
     </a:ext>
   </a:extLst>
 </a:theme>
+</file>
+
+<file path=ppt/theme/themeOverride1.xml><?xml version="1.0" encoding="utf-8"?>
+<a:themeOverride xmlns:a="http://schemas.openxmlformats.org/drawingml/2006/main">
+  <a:clrScheme name="Office">
+    <a:dk1>
+      <a:sysClr val="windowText" lastClr="000000"/>
+    </a:dk1>
+    <a:lt1>
+      <a:sysClr val="window" lastClr="FFFFFF"/>
+    </a:lt1>
+    <a:dk2>
+      <a:srgbClr val="44546A"/>
+    </a:dk2>
+    <a:lt2>
+      <a:srgbClr val="E7E6E6"/>
+    </a:lt2>
+    <a:accent1>
+      <a:srgbClr val="5B9BD5"/>
+    </a:accent1>
+    <a:accent2>
+      <a:srgbClr val="ED7D31"/>
+    </a:accent2>
+    <a:accent3>
+      <a:srgbClr val="A5A5A5"/>
+    </a:accent3>
+    <a:accent4>
+      <a:srgbClr val="FFC000"/>
+    </a:accent4>
+    <a:accent5>
+      <a:srgbClr val="4472C4"/>
+    </a:accent5>
+    <a:accent6>
+      <a:srgbClr val="70AD47"/>
+    </a:accent6>
+    <a:hlink>
+      <a:srgbClr val="0563C1"/>
+    </a:hlink>
+    <a:folHlink>
+      <a:srgbClr val="954F72"/>
+    </a:folHlink>
+  </a:clrScheme>
+</a:themeOverride>
 </file>